--- a/doc/diapo pour les bouseux.pptx
+++ b/doc/diapo pour les bouseux.pptx
@@ -17,6 +17,7 @@
     <p:sldId id="262" r:id="rId14"/>
     <p:sldId id="263" r:id="rId15"/>
     <p:sldId id="264" r:id="rId16"/>
+    <p:sldId id="265" r:id="rId17"/>
   </p:sldIdLst>
   <p:sldSz cx="13004800" cy="9753600"/>
   <p:notesSz cx="6858000" cy="9144000"/>
@@ -3252,7 +3253,7 @@
 </p:sld>
 </file>
 
-<file path=ppt/slides/slide2.xml><?xml version="1.0" encoding="utf-8"?>
+<file path=ppt/slides/slide10.xml><?xml version="1.0" encoding="utf-8"?>
 <p:sld xmlns:a="http://schemas.openxmlformats.org/drawingml/2006/main" xmlns:r="http://schemas.openxmlformats.org/officeDocument/2006/relationships" xmlns:p="http://schemas.openxmlformats.org/presentationml/2006/main" showMasterSp="1" showMasterPhAnim="1">
   <p:cSld>
     <p:spTree>
@@ -3271,49 +3272,14 @@
       </p:grpSpPr>
       <p:sp>
         <p:nvSpPr>
-          <p:cNvPr id="126" name="Réaliser un jeu d’échecs"/>
-          <p:cNvSpPr txBox="1"/>
-          <p:nvPr>
-            <p:ph type="subTitle" sz="quarter" idx="1"/>
-          </p:nvPr>
-        </p:nvSpPr>
-        <p:spPr>
-          <a:xfrm>
-            <a:off x="1640581" y="3278451"/>
-            <a:ext cx="10464801" cy="1961515"/>
-          </a:xfrm>
-          <a:prstGeom prst="rect">
-            <a:avLst/>
-          </a:prstGeom>
-        </p:spPr>
-        <p:txBody>
-          <a:bodyPr/>
-          <a:lstStyle>
-            <a:lvl1pPr algn="l">
-              <a:spcBef>
-                <a:spcPts val="3000"/>
-              </a:spcBef>
-              <a:defRPr sz="3000"/>
-            </a:lvl1pPr>
-          </a:lstStyle>
-          <a:p>
-            <a:pPr/>
-            <a:r>
-              <a:t>Réaliser un jeu d’échecs</a:t>
-            </a:r>
-          </a:p>
-        </p:txBody>
-      </p:sp>
-      <p:sp>
-        <p:nvSpPr>
-          <p:cNvPr id="127" name="Présentation du sujet"/>
+          <p:cNvPr id="212" name="Bilan"/>
           <p:cNvSpPr txBox="1"/>
           <p:nvPr/>
         </p:nvSpPr>
         <p:spPr>
           <a:xfrm>
-            <a:off x="2711450" y="489363"/>
-            <a:ext cx="7581901" cy="1019297"/>
+            <a:off x="5562854" y="653054"/>
+            <a:ext cx="1879093" cy="1019298"/>
           </a:xfrm>
           <a:prstGeom prst="rect">
             <a:avLst/>
@@ -3344,14 +3310,14 @@
           <a:p>
             <a:pPr/>
             <a:r>
-              <a:t>Présentation du sujet</a:t>
+              <a:t>Bilan</a:t>
             </a:r>
           </a:p>
         </p:txBody>
       </p:sp>
       <p:sp>
         <p:nvSpPr>
-          <p:cNvPr id="128" name="Numéro de diapositive"/>
+          <p:cNvPr id="213" name="Numéro de diapositive"/>
           <p:cNvSpPr txBox="1"/>
           <p:nvPr>
             <p:ph type="sldNum" sz="quarter" idx="2"/>
@@ -3359,8 +3325,8 @@
         </p:nvSpPr>
         <p:spPr>
           <a:xfrm>
-            <a:off x="6156773" y="9296400"/>
-            <a:ext cx="455880" cy="324306"/>
+            <a:off x="6043794" y="9296400"/>
+            <a:ext cx="568859" cy="324306"/>
           </a:xfrm>
           <a:prstGeom prst="rect">
             <a:avLst/>
@@ -3387,2790 +3353,9 @@
           </a:p>
         </p:txBody>
       </p:sp>
-      <p:pic>
-        <p:nvPicPr>
-          <p:cNvPr id="129" name="Image" descr="Image"/>
-          <p:cNvPicPr>
-            <a:picLocks noChangeAspect="1"/>
-          </p:cNvPicPr>
-          <p:nvPr/>
-        </p:nvPicPr>
-        <p:blipFill>
-          <a:blip r:embed="rId2">
-            <a:extLst/>
-          </a:blip>
-          <a:srcRect l="0" t="7888" r="0" b="0"/>
-          <a:stretch>
-            <a:fillRect/>
-          </a:stretch>
-        </p:blipFill>
-        <p:spPr>
-          <a:xfrm>
-            <a:off x="7855660" y="1994243"/>
-            <a:ext cx="4588014" cy="4529850"/>
-          </a:xfrm>
-          <a:prstGeom prst="rect">
-            <a:avLst/>
-          </a:prstGeom>
-          <a:ln w="12700">
-            <a:miter lim="400000"/>
-          </a:ln>
-        </p:spPr>
-      </p:pic>
-      <p:pic>
-        <p:nvPicPr>
-          <p:cNvPr id="130" name="robot.png" descr="robot.png"/>
-          <p:cNvPicPr>
-            <a:picLocks noChangeAspect="1"/>
-          </p:cNvPicPr>
-          <p:nvPr/>
-        </p:nvPicPr>
-        <p:blipFill>
-          <a:blip r:embed="rId3">
-            <a:extLst/>
-          </a:blip>
-          <a:stretch>
-            <a:fillRect/>
-          </a:stretch>
-        </p:blipFill>
-        <p:spPr>
-          <a:xfrm>
-            <a:off x="949406" y="5999630"/>
-            <a:ext cx="3251201" cy="3251201"/>
-          </a:xfrm>
-          <a:prstGeom prst="rect">
-            <a:avLst/>
-          </a:prstGeom>
-          <a:ln w="12700">
-            <a:miter lim="400000"/>
-          </a:ln>
-        </p:spPr>
-      </p:pic>
       <p:sp>
         <p:nvSpPr>
-          <p:cNvPr id="131" name="Jouable à deux ou contre une IA"/>
-          <p:cNvSpPr txBox="1"/>
-          <p:nvPr/>
-        </p:nvSpPr>
-        <p:spPr>
-          <a:xfrm>
-            <a:off x="5257218" y="7494317"/>
-            <a:ext cx="10464801" cy="1961515"/>
-          </a:xfrm>
-          <a:prstGeom prst="rect">
-            <a:avLst/>
-          </a:prstGeom>
-          <a:ln w="12700">
-            <a:miter lim="400000"/>
-          </a:ln>
-          <a:extLst>
-            <a:ext uri="{C572A759-6A51-4108-AA02-DFA0A04FC94B}">
-              <ma14:wrappingTextBoxFlag xmlns:ma14="http://schemas.microsoft.com/office/mac/drawingml/2011/main" val="1"/>
-            </a:ext>
-          </a:extLst>
-        </p:spPr>
-        <p:txBody>
-          <a:bodyPr lIns="50800" tIns="50800" rIns="50800" bIns="50800">
-            <a:normAutofit fontScale="100000" lnSpcReduction="0"/>
-          </a:bodyPr>
-          <a:lstStyle>
-            <a:lvl1pPr algn="l">
-              <a:spcBef>
-                <a:spcPts val="3000"/>
-              </a:spcBef>
-              <a:defRPr b="0" sz="3000"/>
-            </a:lvl1pPr>
-          </a:lstStyle>
-          <a:p>
-            <a:pPr/>
-            <a:r>
-              <a:t>Jouable à deux ou contre une IA</a:t>
-            </a:r>
-          </a:p>
-        </p:txBody>
-      </p:sp>
-    </p:spTree>
-  </p:cSld>
-  <p:clrMapOvr>
-    <a:masterClrMapping/>
-  </p:clrMapOvr>
-  <p:transition xmlns:p14="http://schemas.microsoft.com/office/powerpoint/2010/main" spd="med" advClick="1"/>
-</p:sld>
-</file>
-
-<file path=ppt/slides/slide3.xml><?xml version="1.0" encoding="utf-8"?>
-<p:sld xmlns:a="http://schemas.openxmlformats.org/drawingml/2006/main" xmlns:r="http://schemas.openxmlformats.org/officeDocument/2006/relationships" xmlns:p="http://schemas.openxmlformats.org/presentationml/2006/main" showMasterSp="1" showMasterPhAnim="1">
-  <p:cSld>
-    <p:spTree>
-      <p:nvGrpSpPr>
-        <p:cNvPr id="1" name=""/>
-        <p:cNvGrpSpPr/>
-        <p:nvPr/>
-      </p:nvGrpSpPr>
-      <p:grpSpPr>
-        <a:xfrm>
-          <a:off x="0" y="0"/>
-          <a:ext cx="0" cy="0"/>
-          <a:chOff x="0" y="0"/>
-          <a:chExt cx="0" cy="0"/>
-        </a:xfrm>
-      </p:grpSpPr>
-      <p:sp>
-        <p:nvSpPr>
-          <p:cNvPr id="133" name="Présentation des fonctionnalités"/>
-          <p:cNvSpPr txBox="1"/>
-          <p:nvPr/>
-        </p:nvSpPr>
-        <p:spPr>
-          <a:xfrm>
-            <a:off x="671195" y="489363"/>
-            <a:ext cx="11662411" cy="1019297"/>
-          </a:xfrm>
-          <a:prstGeom prst="rect">
-            <a:avLst/>
-          </a:prstGeom>
-          <a:ln w="12700">
-            <a:miter lim="400000"/>
-          </a:ln>
-          <a:extLst>
-            <a:ext uri="{C572A759-6A51-4108-AA02-DFA0A04FC94B}">
-              <ma14:wrappingTextBoxFlag xmlns:ma14="http://schemas.microsoft.com/office/mac/drawingml/2011/main" val="1"/>
-            </a:ext>
-          </a:extLst>
-        </p:spPr>
-        <p:txBody>
-          <a:bodyPr wrap="none" lIns="50800" tIns="50800" rIns="50800" bIns="50800" anchor="ctr">
-            <a:spAutoFit/>
-          </a:bodyPr>
-          <a:lstStyle>
-            <a:lvl1pPr>
-              <a:defRPr b="0" sz="6000">
-                <a:latin typeface="+mn-lt"/>
-                <a:ea typeface="+mn-ea"/>
-                <a:cs typeface="+mn-cs"/>
-                <a:sym typeface="Helvetica Neue Medium"/>
-              </a:defRPr>
-            </a:lvl1pPr>
-          </a:lstStyle>
-          <a:p>
-            <a:pPr/>
-            <a:r>
-              <a:t>Présentation des fonctionnalités </a:t>
-            </a:r>
-          </a:p>
-        </p:txBody>
-      </p:sp>
-      <p:sp>
-        <p:nvSpPr>
-          <p:cNvPr id="134" name="Rectangle"/>
-          <p:cNvSpPr/>
-          <p:nvPr/>
-        </p:nvSpPr>
-        <p:spPr>
-          <a:xfrm>
-            <a:off x="1250578" y="5999630"/>
-            <a:ext cx="3793740" cy="3171762"/>
-          </a:xfrm>
-          <a:prstGeom prst="rect">
-            <a:avLst/>
-          </a:prstGeom>
-          <a:solidFill>
-            <a:schemeClr val="accent1"/>
-          </a:solidFill>
-          <a:ln w="12700">
-            <a:miter lim="400000"/>
-          </a:ln>
-        </p:spPr>
-        <p:txBody>
-          <a:bodyPr lIns="50800" tIns="50800" rIns="50800" bIns="50800" anchor="ctr"/>
-          <a:lstStyle/>
-          <a:p>
-            <a:pPr>
-              <a:defRPr b="0" sz="2200">
-                <a:solidFill>
-                  <a:srgbClr val="FFFFFF"/>
-                </a:solidFill>
-                <a:latin typeface="+mn-lt"/>
-                <a:ea typeface="+mn-ea"/>
-                <a:cs typeface="+mn-cs"/>
-                <a:sym typeface="Helvetica Neue Medium"/>
-              </a:defRPr>
-            </a:pPr>
-          </a:p>
-        </p:txBody>
-      </p:sp>
-      <p:sp>
-        <p:nvSpPr>
-          <p:cNvPr id="135" name="Rectangle"/>
-          <p:cNvSpPr/>
-          <p:nvPr/>
-        </p:nvSpPr>
-        <p:spPr>
-          <a:xfrm>
-            <a:off x="8156122" y="5999630"/>
-            <a:ext cx="3793739" cy="3171762"/>
-          </a:xfrm>
-          <a:prstGeom prst="rect">
-            <a:avLst/>
-          </a:prstGeom>
-          <a:solidFill>
-            <a:schemeClr val="accent1"/>
-          </a:solidFill>
-          <a:ln w="12700">
-            <a:miter lim="400000"/>
-          </a:ln>
-        </p:spPr>
-        <p:txBody>
-          <a:bodyPr lIns="50800" tIns="50800" rIns="50800" bIns="50800" anchor="ctr"/>
-          <a:lstStyle/>
-          <a:p>
-            <a:pPr>
-              <a:defRPr b="0" sz="2200">
-                <a:solidFill>
-                  <a:srgbClr val="FFFFFF"/>
-                </a:solidFill>
-                <a:latin typeface="+mn-lt"/>
-                <a:ea typeface="+mn-ea"/>
-                <a:cs typeface="+mn-cs"/>
-                <a:sym typeface="Helvetica Neue Medium"/>
-              </a:defRPr>
-            </a:pPr>
-          </a:p>
-        </p:txBody>
-      </p:sp>
-      <p:sp>
-        <p:nvSpPr>
-          <p:cNvPr id="136" name="Jouer dans un terminal"/>
-          <p:cNvSpPr txBox="1"/>
-          <p:nvPr/>
-        </p:nvSpPr>
-        <p:spPr>
-          <a:xfrm>
-            <a:off x="1227150" y="5348520"/>
-            <a:ext cx="3840596" cy="510072"/>
-          </a:xfrm>
-          <a:prstGeom prst="rect">
-            <a:avLst/>
-          </a:prstGeom>
-          <a:ln w="12700">
-            <a:miter lim="400000"/>
-          </a:ln>
-          <a:extLst>
-            <a:ext uri="{C572A759-6A51-4108-AA02-DFA0A04FC94B}">
-              <ma14:wrappingTextBoxFlag xmlns:ma14="http://schemas.microsoft.com/office/mac/drawingml/2011/main" val="1"/>
-            </a:ext>
-          </a:extLst>
-        </p:spPr>
-        <p:txBody>
-          <a:bodyPr lIns="50800" tIns="50800" rIns="50800" bIns="50800">
-            <a:normAutofit fontScale="100000" lnSpcReduction="0"/>
-          </a:bodyPr>
-          <a:lstStyle>
-            <a:lvl1pPr>
-              <a:spcBef>
-                <a:spcPts val="3000"/>
-              </a:spcBef>
-              <a:defRPr b="0" sz="2500"/>
-            </a:lvl1pPr>
-          </a:lstStyle>
-          <a:p>
-            <a:pPr/>
-            <a:r>
-              <a:t>Jouer dans un terminal</a:t>
-            </a:r>
-          </a:p>
-        </p:txBody>
-      </p:sp>
-      <p:sp>
-        <p:nvSpPr>
-          <p:cNvPr id="137" name="Jouer avec une interface"/>
-          <p:cNvSpPr txBox="1"/>
-          <p:nvPr/>
-        </p:nvSpPr>
-        <p:spPr>
-          <a:xfrm>
-            <a:off x="8132694" y="5348520"/>
-            <a:ext cx="3840596" cy="510072"/>
-          </a:xfrm>
-          <a:prstGeom prst="rect">
-            <a:avLst/>
-          </a:prstGeom>
-          <a:ln w="12700">
-            <a:miter lim="400000"/>
-          </a:ln>
-          <a:extLst>
-            <a:ext uri="{C572A759-6A51-4108-AA02-DFA0A04FC94B}">
-              <ma14:wrappingTextBoxFlag xmlns:ma14="http://schemas.microsoft.com/office/mac/drawingml/2011/main" val="1"/>
-            </a:ext>
-          </a:extLst>
-        </p:spPr>
-        <p:txBody>
-          <a:bodyPr lIns="50800" tIns="50800" rIns="50800" bIns="50800">
-            <a:normAutofit fontScale="100000" lnSpcReduction="0"/>
-          </a:bodyPr>
-          <a:lstStyle>
-            <a:lvl1pPr>
-              <a:spcBef>
-                <a:spcPts val="3000"/>
-              </a:spcBef>
-              <a:defRPr b="0" sz="2500"/>
-            </a:lvl1pPr>
-          </a:lstStyle>
-          <a:p>
-            <a:pPr/>
-            <a:r>
-              <a:t>Jouer avec une interface</a:t>
-            </a:r>
-          </a:p>
-        </p:txBody>
-      </p:sp>
-      <p:sp>
-        <p:nvSpPr>
-          <p:cNvPr id="138" name="Numéro de diapositive"/>
-          <p:cNvSpPr txBox="1"/>
-          <p:nvPr>
-            <p:ph type="sldNum" sz="quarter" idx="2"/>
-          </p:nvPr>
-        </p:nvSpPr>
-        <p:spPr>
-          <a:xfrm>
-            <a:off x="6156773" y="9296400"/>
-            <a:ext cx="455880" cy="324306"/>
-          </a:xfrm>
-          <a:prstGeom prst="rect">
-            <a:avLst/>
-          </a:prstGeom>
-          <a:extLst>
-            <a:ext uri="{C572A759-6A51-4108-AA02-DFA0A04FC94B}">
-              <ma14:wrappingTextBoxFlag xmlns:ma14="http://schemas.microsoft.com/office/mac/drawingml/2011/main" val="1"/>
-            </a:ext>
-          </a:extLst>
-        </p:spPr>
-        <p:txBody>
-          <a:bodyPr/>
-          <a:lstStyle/>
-          <a:p>
-            <a:pPr lvl="1" algn="r">
-              <a:defRPr b="0" sz="1600">
-                <a:latin typeface="Helvetica Neue Thin"/>
-                <a:ea typeface="Helvetica Neue Thin"/>
-                <a:cs typeface="Helvetica Neue Thin"/>
-                <a:sym typeface="Helvetica Neue Thin"/>
-              </a:defRPr>
-            </a:pPr>
-            <a:fld id="{86CB4B4D-7CA3-9044-876B-883B54F8677D}" type="slidenum"/>
-          </a:p>
-        </p:txBody>
-      </p:sp>
-      <p:pic>
-        <p:nvPicPr>
-          <p:cNvPr id="139" name="king.png" descr="king.png"/>
-          <p:cNvPicPr>
-            <a:picLocks noChangeAspect="1"/>
-          </p:cNvPicPr>
-          <p:nvPr/>
-        </p:nvPicPr>
-        <p:blipFill>
-          <a:blip r:embed="rId2">
-            <a:extLst/>
-          </a:blip>
-          <a:stretch>
-            <a:fillRect/>
-          </a:stretch>
-        </p:blipFill>
-        <p:spPr>
-          <a:xfrm>
-            <a:off x="787139" y="1848639"/>
-            <a:ext cx="1115811" cy="1115811"/>
-          </a:xfrm>
-          <a:prstGeom prst="rect">
-            <a:avLst/>
-          </a:prstGeom>
-          <a:ln w="12700">
-            <a:miter lim="400000"/>
-          </a:ln>
-        </p:spPr>
-      </p:pic>
-      <p:pic>
-        <p:nvPicPr>
-          <p:cNvPr id="140" name="knight.png" descr="knight.png"/>
-          <p:cNvPicPr>
-            <a:picLocks noChangeAspect="1"/>
-          </p:cNvPicPr>
-          <p:nvPr/>
-        </p:nvPicPr>
-        <p:blipFill>
-          <a:blip r:embed="rId3">
-            <a:extLst/>
-          </a:blip>
-          <a:stretch>
-            <a:fillRect/>
-          </a:stretch>
-        </p:blipFill>
-        <p:spPr>
-          <a:xfrm>
-            <a:off x="787139" y="3447145"/>
-            <a:ext cx="1115811" cy="1115811"/>
-          </a:xfrm>
-          <a:prstGeom prst="rect">
-            <a:avLst/>
-          </a:prstGeom>
-          <a:ln w="12700">
-            <a:miter lim="400000"/>
-          </a:ln>
-        </p:spPr>
-      </p:pic>
-      <p:pic>
-        <p:nvPicPr>
-          <p:cNvPr id="141" name="rook.png" descr="rook.png"/>
-          <p:cNvPicPr>
-            <a:picLocks noChangeAspect="1"/>
-          </p:cNvPicPr>
-          <p:nvPr/>
-        </p:nvPicPr>
-        <p:blipFill>
-          <a:blip r:embed="rId4">
-            <a:extLst/>
-          </a:blip>
-          <a:stretch>
-            <a:fillRect/>
-          </a:stretch>
-        </p:blipFill>
-        <p:spPr>
-          <a:xfrm>
-            <a:off x="7233523" y="1896896"/>
-            <a:ext cx="1019298" cy="1019297"/>
-          </a:xfrm>
-          <a:prstGeom prst="rect">
-            <a:avLst/>
-          </a:prstGeom>
-          <a:ln w="12700">
-            <a:miter lim="400000"/>
-          </a:ln>
-        </p:spPr>
-      </p:pic>
-      <p:sp>
-        <p:nvSpPr>
-          <p:cNvPr id="142" name="Déplacer toutes les pièces"/>
-          <p:cNvSpPr txBox="1"/>
-          <p:nvPr/>
-        </p:nvSpPr>
-        <p:spPr>
-          <a:xfrm>
-            <a:off x="1817376" y="2151508"/>
-            <a:ext cx="3840596" cy="510073"/>
-          </a:xfrm>
-          <a:prstGeom prst="rect">
-            <a:avLst/>
-          </a:prstGeom>
-          <a:ln w="12700">
-            <a:miter lim="400000"/>
-          </a:ln>
-          <a:extLst>
-            <a:ext uri="{C572A759-6A51-4108-AA02-DFA0A04FC94B}">
-              <ma14:wrappingTextBoxFlag xmlns:ma14="http://schemas.microsoft.com/office/mac/drawingml/2011/main" val="1"/>
-            </a:ext>
-          </a:extLst>
-        </p:spPr>
-        <p:txBody>
-          <a:bodyPr lIns="50800" tIns="50800" rIns="50800" bIns="50800">
-            <a:normAutofit fontScale="100000" lnSpcReduction="0"/>
-          </a:bodyPr>
-          <a:lstStyle>
-            <a:lvl1pPr defTabSz="578358">
-              <a:spcBef>
-                <a:spcPts val="2900"/>
-              </a:spcBef>
-              <a:defRPr b="0" sz="2475"/>
-            </a:lvl1pPr>
-          </a:lstStyle>
-          <a:p>
-            <a:pPr/>
-            <a:r>
-              <a:t>Déplacer toutes les pièces</a:t>
-            </a:r>
-          </a:p>
-        </p:txBody>
-      </p:sp>
-      <p:sp>
-        <p:nvSpPr>
-          <p:cNvPr id="143" name="Contrôler les mouvements"/>
-          <p:cNvSpPr txBox="1"/>
-          <p:nvPr/>
-        </p:nvSpPr>
-        <p:spPr>
-          <a:xfrm>
-            <a:off x="1817376" y="3750014"/>
-            <a:ext cx="3840596" cy="510072"/>
-          </a:xfrm>
-          <a:prstGeom prst="rect">
-            <a:avLst/>
-          </a:prstGeom>
-          <a:ln w="12700">
-            <a:miter lim="400000"/>
-          </a:ln>
-          <a:extLst>
-            <a:ext uri="{C572A759-6A51-4108-AA02-DFA0A04FC94B}">
-              <ma14:wrappingTextBoxFlag xmlns:ma14="http://schemas.microsoft.com/office/mac/drawingml/2011/main" val="1"/>
-            </a:ext>
-          </a:extLst>
-        </p:spPr>
-        <p:txBody>
-          <a:bodyPr lIns="50800" tIns="50800" rIns="50800" bIns="50800">
-            <a:normAutofit fontScale="100000" lnSpcReduction="0"/>
-          </a:bodyPr>
-          <a:lstStyle>
-            <a:lvl1pPr>
-              <a:spcBef>
-                <a:spcPts val="3000"/>
-              </a:spcBef>
-              <a:defRPr b="0" sz="2500"/>
-            </a:lvl1pPr>
-          </a:lstStyle>
-          <a:p>
-            <a:pPr/>
-            <a:r>
-              <a:t>Contrôler les mouvements</a:t>
-            </a:r>
-          </a:p>
-        </p:txBody>
-      </p:sp>
-      <p:sp>
-        <p:nvSpPr>
-          <p:cNvPr id="144" name="Gérer les coups spéciaux"/>
-          <p:cNvSpPr txBox="1"/>
-          <p:nvPr/>
-        </p:nvSpPr>
-        <p:spPr>
-          <a:xfrm>
-            <a:off x="8491307" y="2151508"/>
-            <a:ext cx="3840596" cy="510073"/>
-          </a:xfrm>
-          <a:prstGeom prst="rect">
-            <a:avLst/>
-          </a:prstGeom>
-          <a:ln w="12700">
-            <a:miter lim="400000"/>
-          </a:ln>
-          <a:extLst>
-            <a:ext uri="{C572A759-6A51-4108-AA02-DFA0A04FC94B}">
-              <ma14:wrappingTextBoxFlag xmlns:ma14="http://schemas.microsoft.com/office/mac/drawingml/2011/main" val="1"/>
-            </a:ext>
-          </a:extLst>
-        </p:spPr>
-        <p:txBody>
-          <a:bodyPr lIns="50800" tIns="50800" rIns="50800" bIns="50800">
-            <a:normAutofit fontScale="100000" lnSpcReduction="0"/>
-          </a:bodyPr>
-          <a:lstStyle>
-            <a:lvl1pPr>
-              <a:spcBef>
-                <a:spcPts val="3000"/>
-              </a:spcBef>
-              <a:defRPr b="0" sz="2500"/>
-            </a:lvl1pPr>
-          </a:lstStyle>
-          <a:p>
-            <a:pPr/>
-            <a:r>
-              <a:t>Gérer les coups spéciaux </a:t>
-            </a:r>
-          </a:p>
-        </p:txBody>
-      </p:sp>
-    </p:spTree>
-  </p:cSld>
-  <p:clrMapOvr>
-    <a:masterClrMapping/>
-  </p:clrMapOvr>
-  <p:transition xmlns:p14="http://schemas.microsoft.com/office/powerpoint/2010/main" spd="med" advClick="1"/>
-</p:sld>
-</file>
-
-<file path=ppt/slides/slide4.xml><?xml version="1.0" encoding="utf-8"?>
-<p:sld xmlns:a="http://schemas.openxmlformats.org/drawingml/2006/main" xmlns:r="http://schemas.openxmlformats.org/officeDocument/2006/relationships" xmlns:p="http://schemas.openxmlformats.org/presentationml/2006/main" showMasterSp="1" showMasterPhAnim="1">
-  <p:cSld>
-    <p:spTree>
-      <p:nvGrpSpPr>
-        <p:cNvPr id="1" name=""/>
-        <p:cNvGrpSpPr/>
-        <p:nvPr/>
-      </p:nvGrpSpPr>
-      <p:grpSpPr>
-        <a:xfrm>
-          <a:off x="0" y="0"/>
-          <a:ext cx="0" cy="0"/>
-          <a:chOff x="0" y="0"/>
-          <a:chExt cx="0" cy="0"/>
-        </a:xfrm>
-      </p:grpSpPr>
-      <p:sp>
-        <p:nvSpPr>
-          <p:cNvPr id="146" name="Contraintes techniques"/>
-          <p:cNvSpPr txBox="1"/>
-          <p:nvPr/>
-        </p:nvSpPr>
-        <p:spPr>
-          <a:xfrm>
-            <a:off x="2359024" y="489363"/>
-            <a:ext cx="8286751" cy="1019297"/>
-          </a:xfrm>
-          <a:prstGeom prst="rect">
-            <a:avLst/>
-          </a:prstGeom>
-          <a:ln w="12700">
-            <a:miter lim="400000"/>
-          </a:ln>
-          <a:extLst>
-            <a:ext uri="{C572A759-6A51-4108-AA02-DFA0A04FC94B}">
-              <ma14:wrappingTextBoxFlag xmlns:ma14="http://schemas.microsoft.com/office/mac/drawingml/2011/main" val="1"/>
-            </a:ext>
-          </a:extLst>
-        </p:spPr>
-        <p:txBody>
-          <a:bodyPr wrap="none" lIns="50800" tIns="50800" rIns="50800" bIns="50800" anchor="ctr">
-            <a:spAutoFit/>
-          </a:bodyPr>
-          <a:lstStyle>
-            <a:lvl1pPr>
-              <a:defRPr b="0" sz="6000">
-                <a:latin typeface="+mn-lt"/>
-                <a:ea typeface="+mn-ea"/>
-                <a:cs typeface="+mn-cs"/>
-                <a:sym typeface="Helvetica Neue Medium"/>
-              </a:defRPr>
-            </a:lvl1pPr>
-          </a:lstStyle>
-          <a:p>
-            <a:pPr/>
-            <a:r>
-              <a:t>Contraintes techniques</a:t>
-            </a:r>
-          </a:p>
-        </p:txBody>
-      </p:sp>
-      <p:sp>
-        <p:nvSpPr>
-          <p:cNvPr id="147" name="Numéro de diapositive"/>
-          <p:cNvSpPr txBox="1"/>
-          <p:nvPr>
-            <p:ph type="sldNum" sz="quarter" idx="2"/>
-          </p:nvPr>
-        </p:nvSpPr>
-        <p:spPr>
-          <a:xfrm>
-            <a:off x="6156773" y="9296400"/>
-            <a:ext cx="455880" cy="324306"/>
-          </a:xfrm>
-          <a:prstGeom prst="rect">
-            <a:avLst/>
-          </a:prstGeom>
-          <a:extLst>
-            <a:ext uri="{C572A759-6A51-4108-AA02-DFA0A04FC94B}">
-              <ma14:wrappingTextBoxFlag xmlns:ma14="http://schemas.microsoft.com/office/mac/drawingml/2011/main" val="1"/>
-            </a:ext>
-          </a:extLst>
-        </p:spPr>
-        <p:txBody>
-          <a:bodyPr/>
-          <a:lstStyle/>
-          <a:p>
-            <a:pPr lvl="1" algn="r">
-              <a:defRPr b="0" sz="1600">
-                <a:latin typeface="Helvetica Neue Thin"/>
-                <a:ea typeface="Helvetica Neue Thin"/>
-                <a:cs typeface="Helvetica Neue Thin"/>
-                <a:sym typeface="Helvetica Neue Thin"/>
-              </a:defRPr>
-            </a:pPr>
-            <a:fld id="{86CB4B4D-7CA3-9044-876B-883B54F8677D}" type="slidenum"/>
-          </a:p>
-        </p:txBody>
-      </p:sp>
-      <p:sp>
-        <p:nvSpPr>
-          <p:cNvPr id="148" name="Utiliser le langage JAVA"/>
-          <p:cNvSpPr txBox="1"/>
-          <p:nvPr/>
-        </p:nvSpPr>
-        <p:spPr>
-          <a:xfrm>
-            <a:off x="2265819" y="3783516"/>
-            <a:ext cx="4755538" cy="553517"/>
-          </a:xfrm>
-          <a:prstGeom prst="rect">
-            <a:avLst/>
-          </a:prstGeom>
-          <a:ln w="12700">
-            <a:miter lim="400000"/>
-          </a:ln>
-          <a:extLst>
-            <a:ext uri="{C572A759-6A51-4108-AA02-DFA0A04FC94B}">
-              <ma14:wrappingTextBoxFlag xmlns:ma14="http://schemas.microsoft.com/office/mac/drawingml/2011/main" val="1"/>
-            </a:ext>
-          </a:extLst>
-        </p:spPr>
-        <p:txBody>
-          <a:bodyPr lIns="50800" tIns="50800" rIns="50800" bIns="50800">
-            <a:normAutofit fontScale="100000" lnSpcReduction="0"/>
-          </a:bodyPr>
-          <a:lstStyle>
-            <a:lvl1pPr algn="l">
-              <a:spcBef>
-                <a:spcPts val="3000"/>
-              </a:spcBef>
-              <a:defRPr b="0" sz="3000"/>
-            </a:lvl1pPr>
-          </a:lstStyle>
-          <a:p>
-            <a:pPr/>
-            <a:r>
-              <a:t>Utiliser le langage JAVA</a:t>
-            </a:r>
-          </a:p>
-        </p:txBody>
-      </p:sp>
-      <p:pic>
-        <p:nvPicPr>
-          <p:cNvPr id="149" name="problems-with-synchronization.png" descr="problems-with-synchronization.png"/>
-          <p:cNvPicPr>
-            <a:picLocks noChangeAspect="1"/>
-          </p:cNvPicPr>
-          <p:nvPr/>
-        </p:nvPicPr>
-        <p:blipFill>
-          <a:blip r:embed="rId2">
-            <a:extLst/>
-          </a:blip>
-          <a:stretch>
-            <a:fillRect/>
-          </a:stretch>
-        </p:blipFill>
-        <p:spPr>
-          <a:xfrm>
-            <a:off x="965307" y="3439897"/>
-            <a:ext cx="1240756" cy="1240756"/>
-          </a:xfrm>
-          <a:prstGeom prst="rect">
-            <a:avLst/>
-          </a:prstGeom>
-          <a:ln w="12700">
-            <a:miter lim="400000"/>
-          </a:ln>
-        </p:spPr>
-      </p:pic>
-      <p:sp>
-        <p:nvSpPr>
-          <p:cNvPr id="150" name="Utilisation d’une nouvelle bibliothèque"/>
-          <p:cNvSpPr txBox="1"/>
-          <p:nvPr/>
-        </p:nvSpPr>
-        <p:spPr>
-          <a:xfrm>
-            <a:off x="2253851" y="5679056"/>
-            <a:ext cx="4779474" cy="1019298"/>
-          </a:xfrm>
-          <a:prstGeom prst="rect">
-            <a:avLst/>
-          </a:prstGeom>
-          <a:ln w="12700">
-            <a:miter lim="400000"/>
-          </a:ln>
-          <a:extLst>
-            <a:ext uri="{C572A759-6A51-4108-AA02-DFA0A04FC94B}">
-              <ma14:wrappingTextBoxFlag xmlns:ma14="http://schemas.microsoft.com/office/mac/drawingml/2011/main" val="1"/>
-            </a:ext>
-          </a:extLst>
-        </p:spPr>
-        <p:txBody>
-          <a:bodyPr lIns="50800" tIns="50800" rIns="50800" bIns="50800">
-            <a:normAutofit fontScale="100000" lnSpcReduction="0"/>
-          </a:bodyPr>
-          <a:lstStyle>
-            <a:lvl1pPr algn="l">
-              <a:spcBef>
-                <a:spcPts val="3000"/>
-              </a:spcBef>
-              <a:defRPr b="0" sz="3000"/>
-            </a:lvl1pPr>
-          </a:lstStyle>
-          <a:p>
-            <a:pPr/>
-            <a:r>
-              <a:t>Utilisation d’une nouvelle bibliothèque</a:t>
-            </a:r>
-          </a:p>
-        </p:txBody>
-      </p:sp>
-      <p:pic>
-        <p:nvPicPr>
-          <p:cNvPr id="151" name="problems-with-synchronization.png" descr="problems-with-synchronization.png"/>
-          <p:cNvPicPr>
-            <a:picLocks noChangeAspect="1"/>
-          </p:cNvPicPr>
-          <p:nvPr/>
-        </p:nvPicPr>
-        <p:blipFill>
-          <a:blip r:embed="rId2">
-            <a:extLst/>
-          </a:blip>
-          <a:stretch>
-            <a:fillRect/>
-          </a:stretch>
-        </p:blipFill>
-        <p:spPr>
-          <a:xfrm>
-            <a:off x="953339" y="5679056"/>
-            <a:ext cx="1240756" cy="1240757"/>
-          </a:xfrm>
-          <a:prstGeom prst="rect">
-            <a:avLst/>
-          </a:prstGeom>
-          <a:ln w="12700">
-            <a:miter lim="400000"/>
-          </a:ln>
-        </p:spPr>
-      </p:pic>
-      <p:sp>
-        <p:nvSpPr>
-          <p:cNvPr id="152" name="Pouvoir jouer à deux"/>
-          <p:cNvSpPr txBox="1"/>
-          <p:nvPr/>
-        </p:nvSpPr>
-        <p:spPr>
-          <a:xfrm>
-            <a:off x="8582253" y="3783516"/>
-            <a:ext cx="3840596" cy="553517"/>
-          </a:xfrm>
-          <a:prstGeom prst="rect">
-            <a:avLst/>
-          </a:prstGeom>
-          <a:ln w="12700">
-            <a:miter lim="400000"/>
-          </a:ln>
-          <a:extLst>
-            <a:ext uri="{C572A759-6A51-4108-AA02-DFA0A04FC94B}">
-              <ma14:wrappingTextBoxFlag xmlns:ma14="http://schemas.microsoft.com/office/mac/drawingml/2011/main" val="1"/>
-            </a:ext>
-          </a:extLst>
-        </p:spPr>
-        <p:txBody>
-          <a:bodyPr lIns="50800" tIns="50800" rIns="50800" bIns="50800">
-            <a:normAutofit fontScale="100000" lnSpcReduction="0"/>
-          </a:bodyPr>
-          <a:lstStyle>
-            <a:lvl1pPr algn="l">
-              <a:spcBef>
-                <a:spcPts val="3000"/>
-              </a:spcBef>
-              <a:defRPr b="0" sz="3000"/>
-            </a:lvl1pPr>
-          </a:lstStyle>
-          <a:p>
-            <a:pPr/>
-            <a:r>
-              <a:t>Pouvoir jouer à deux</a:t>
-            </a:r>
-          </a:p>
-        </p:txBody>
-      </p:sp>
-      <p:pic>
-        <p:nvPicPr>
-          <p:cNvPr id="153" name="problems-with-synchronization.png" descr="problems-with-synchronization.png"/>
-          <p:cNvPicPr>
-            <a:picLocks noChangeAspect="1"/>
-          </p:cNvPicPr>
-          <p:nvPr/>
-        </p:nvPicPr>
-        <p:blipFill>
-          <a:blip r:embed="rId2">
-            <a:extLst/>
-          </a:blip>
-          <a:stretch>
-            <a:fillRect/>
-          </a:stretch>
-        </p:blipFill>
-        <p:spPr>
-          <a:xfrm>
-            <a:off x="7302572" y="3439897"/>
-            <a:ext cx="1240757" cy="1240756"/>
-          </a:xfrm>
-          <a:prstGeom prst="rect">
-            <a:avLst/>
-          </a:prstGeom>
-          <a:ln w="12700">
-            <a:miter lim="400000"/>
-          </a:ln>
-        </p:spPr>
-      </p:pic>
-      <p:sp>
-        <p:nvSpPr>
-          <p:cNvPr id="154" name="A voir ???"/>
-          <p:cNvSpPr txBox="1"/>
-          <p:nvPr/>
-        </p:nvSpPr>
-        <p:spPr>
-          <a:xfrm>
-            <a:off x="8582253" y="5568327"/>
-            <a:ext cx="3840596" cy="1019298"/>
-          </a:xfrm>
-          <a:prstGeom prst="rect">
-            <a:avLst/>
-          </a:prstGeom>
-          <a:ln w="12700">
-            <a:miter lim="400000"/>
-          </a:ln>
-          <a:extLst>
-            <a:ext uri="{C572A759-6A51-4108-AA02-DFA0A04FC94B}">
-              <ma14:wrappingTextBoxFlag xmlns:ma14="http://schemas.microsoft.com/office/mac/drawingml/2011/main" val="1"/>
-            </a:ext>
-          </a:extLst>
-        </p:spPr>
-        <p:txBody>
-          <a:bodyPr lIns="50800" tIns="50800" rIns="50800" bIns="50800">
-            <a:normAutofit fontScale="100000" lnSpcReduction="0"/>
-          </a:bodyPr>
-          <a:lstStyle>
-            <a:lvl1pPr algn="l">
-              <a:spcBef>
-                <a:spcPts val="3000"/>
-              </a:spcBef>
-              <a:defRPr b="0" sz="3000"/>
-            </a:lvl1pPr>
-          </a:lstStyle>
-          <a:p>
-            <a:pPr/>
-            <a:r>
-              <a:t>A voir ???</a:t>
-            </a:r>
-          </a:p>
-        </p:txBody>
-      </p:sp>
-      <p:pic>
-        <p:nvPicPr>
-          <p:cNvPr id="155" name="problems-with-synchronization.png" descr="problems-with-synchronization.png"/>
-          <p:cNvPicPr>
-            <a:picLocks noChangeAspect="1"/>
-          </p:cNvPicPr>
-          <p:nvPr/>
-        </p:nvPicPr>
-        <p:blipFill>
-          <a:blip r:embed="rId2">
-            <a:extLst/>
-          </a:blip>
-          <a:stretch>
-            <a:fillRect/>
-          </a:stretch>
-        </p:blipFill>
-        <p:spPr>
-          <a:xfrm>
-            <a:off x="7281741" y="5568327"/>
-            <a:ext cx="1240756" cy="1240756"/>
-          </a:xfrm>
-          <a:prstGeom prst="rect">
-            <a:avLst/>
-          </a:prstGeom>
-          <a:ln w="12700">
-            <a:miter lim="400000"/>
-          </a:ln>
-        </p:spPr>
-      </p:pic>
-    </p:spTree>
-  </p:cSld>
-  <p:clrMapOvr>
-    <a:masterClrMapping/>
-  </p:clrMapOvr>
-  <p:transition xmlns:p14="http://schemas.microsoft.com/office/powerpoint/2010/main" spd="med" advClick="1"/>
-</p:sld>
-</file>
-
-<file path=ppt/slides/slide5.xml><?xml version="1.0" encoding="utf-8"?>
-<p:sld xmlns:a="http://schemas.openxmlformats.org/drawingml/2006/main" xmlns:r="http://schemas.openxmlformats.org/officeDocument/2006/relationships" xmlns:p="http://schemas.openxmlformats.org/presentationml/2006/main" showMasterSp="1" showMasterPhAnim="1">
-  <p:cSld>
-    <p:spTree>
-      <p:nvGrpSpPr>
-        <p:cNvPr id="1" name=""/>
-        <p:cNvGrpSpPr/>
-        <p:nvPr/>
-      </p:nvGrpSpPr>
-      <p:grpSpPr>
-        <a:xfrm>
-          <a:off x="0" y="0"/>
-          <a:ext cx="0" cy="0"/>
-          <a:chOff x="0" y="0"/>
-          <a:chExt cx="0" cy="0"/>
-        </a:xfrm>
-      </p:grpSpPr>
-      <p:sp>
-        <p:nvSpPr>
-          <p:cNvPr id="157" name="Présentation de la démarche de mise en œuvre"/>
-          <p:cNvSpPr txBox="1"/>
-          <p:nvPr/>
-        </p:nvSpPr>
-        <p:spPr>
-          <a:xfrm>
-            <a:off x="741680" y="482689"/>
-            <a:ext cx="11521441" cy="1959098"/>
-          </a:xfrm>
-          <a:prstGeom prst="rect">
-            <a:avLst/>
-          </a:prstGeom>
-          <a:ln w="12700">
-            <a:miter lim="400000"/>
-          </a:ln>
-          <a:extLst>
-            <a:ext uri="{C572A759-6A51-4108-AA02-DFA0A04FC94B}">
-              <ma14:wrappingTextBoxFlag xmlns:ma14="http://schemas.microsoft.com/office/mac/drawingml/2011/main" val="1"/>
-            </a:ext>
-          </a:extLst>
-        </p:spPr>
-        <p:txBody>
-          <a:bodyPr wrap="none" lIns="50800" tIns="50800" rIns="50800" bIns="50800" anchor="ctr">
-            <a:spAutoFit/>
-          </a:bodyPr>
-          <a:lstStyle>
-            <a:lvl1pPr>
-              <a:defRPr b="0" sz="6000">
-                <a:latin typeface="+mn-lt"/>
-                <a:ea typeface="+mn-ea"/>
-                <a:cs typeface="+mn-cs"/>
-                <a:sym typeface="Helvetica Neue Medium"/>
-              </a:defRPr>
-            </a:lvl1pPr>
-          </a:lstStyle>
-          <a:p>
-            <a:pPr/>
-            <a:r>
-              <a:t>Présentation de la démarche de mise en œuvre</a:t>
-            </a:r>
-          </a:p>
-        </p:txBody>
-      </p:sp>
-      <p:sp>
-        <p:nvSpPr>
-          <p:cNvPr id="158" name="Numéro de diapositive"/>
-          <p:cNvSpPr txBox="1"/>
-          <p:nvPr>
-            <p:ph type="sldNum" sz="quarter" idx="2"/>
-          </p:nvPr>
-        </p:nvSpPr>
-        <p:spPr>
-          <a:xfrm>
-            <a:off x="6156773" y="9296400"/>
-            <a:ext cx="455880" cy="324306"/>
-          </a:xfrm>
-          <a:prstGeom prst="rect">
-            <a:avLst/>
-          </a:prstGeom>
-          <a:extLst>
-            <a:ext uri="{C572A759-6A51-4108-AA02-DFA0A04FC94B}">
-              <ma14:wrappingTextBoxFlag xmlns:ma14="http://schemas.microsoft.com/office/mac/drawingml/2011/main" val="1"/>
-            </a:ext>
-          </a:extLst>
-        </p:spPr>
-        <p:txBody>
-          <a:bodyPr/>
-          <a:lstStyle/>
-          <a:p>
-            <a:pPr lvl="1" algn="r">
-              <a:defRPr b="0" sz="1600">
-                <a:latin typeface="Helvetica Neue Thin"/>
-                <a:ea typeface="Helvetica Neue Thin"/>
-                <a:cs typeface="Helvetica Neue Thin"/>
-                <a:sym typeface="Helvetica Neue Thin"/>
-              </a:defRPr>
-            </a:pPr>
-            <a:fld id="{86CB4B4D-7CA3-9044-876B-883B54F8677D}" type="slidenum"/>
-          </a:p>
-        </p:txBody>
-      </p:sp>
-      <p:sp>
-        <p:nvSpPr>
-          <p:cNvPr id="159" name="Gantt"/>
-          <p:cNvSpPr/>
-          <p:nvPr/>
-        </p:nvSpPr>
-        <p:spPr>
-          <a:xfrm>
-            <a:off x="545255" y="2577671"/>
-            <a:ext cx="11914290" cy="6582844"/>
-          </a:xfrm>
-          <a:prstGeom prst="rect">
-            <a:avLst/>
-          </a:prstGeom>
-          <a:solidFill>
-            <a:schemeClr val="accent1"/>
-          </a:solidFill>
-          <a:ln w="12700">
-            <a:miter lim="400000"/>
-          </a:ln>
-          <a:extLst>
-            <a:ext uri="{C572A759-6A51-4108-AA02-DFA0A04FC94B}">
-              <ma14:wrappingTextBoxFlag xmlns:ma14="http://schemas.microsoft.com/office/mac/drawingml/2011/main" val="1"/>
-            </a:ext>
-          </a:extLst>
-        </p:spPr>
-        <p:txBody>
-          <a:bodyPr lIns="50800" tIns="50800" rIns="50800" bIns="50800" anchor="ctr"/>
-          <a:lstStyle>
-            <a:lvl1pPr>
-              <a:defRPr b="0" sz="2200">
-                <a:solidFill>
-                  <a:srgbClr val="FFFFFF"/>
-                </a:solidFill>
-                <a:latin typeface="+mn-lt"/>
-                <a:ea typeface="+mn-ea"/>
-                <a:cs typeface="+mn-cs"/>
-                <a:sym typeface="Helvetica Neue Medium"/>
-              </a:defRPr>
-            </a:lvl1pPr>
-          </a:lstStyle>
-          <a:p>
-            <a:pPr/>
-            <a:r>
-              <a:t>Gantt</a:t>
-            </a:r>
-          </a:p>
-        </p:txBody>
-      </p:sp>
-    </p:spTree>
-  </p:cSld>
-  <p:clrMapOvr>
-    <a:masterClrMapping/>
-  </p:clrMapOvr>
-  <p:transition xmlns:p14="http://schemas.microsoft.com/office/powerpoint/2010/main" spd="med" advClick="1"/>
-</p:sld>
-</file>
-
-<file path=ppt/slides/slide6.xml><?xml version="1.0" encoding="utf-8"?>
-<p:sld xmlns:a="http://schemas.openxmlformats.org/drawingml/2006/main" xmlns:r="http://schemas.openxmlformats.org/officeDocument/2006/relationships" xmlns:p="http://schemas.openxmlformats.org/presentationml/2006/main" showMasterSp="1" showMasterPhAnim="1">
-  <p:cSld>
-    <p:spTree>
-      <p:nvGrpSpPr>
-        <p:cNvPr id="1" name=""/>
-        <p:cNvGrpSpPr/>
-        <p:nvPr/>
-      </p:nvGrpSpPr>
-      <p:grpSpPr>
-        <a:xfrm>
-          <a:off x="0" y="0"/>
-          <a:ext cx="0" cy="0"/>
-          <a:chOff x="0" y="0"/>
-          <a:chExt cx="0" cy="0"/>
-        </a:xfrm>
-      </p:grpSpPr>
-      <p:sp>
-        <p:nvSpPr>
-          <p:cNvPr id="161" name="Présentation des défis techniques"/>
-          <p:cNvSpPr txBox="1"/>
-          <p:nvPr/>
-        </p:nvSpPr>
-        <p:spPr>
-          <a:xfrm>
-            <a:off x="360680" y="489363"/>
-            <a:ext cx="12283441" cy="1019297"/>
-          </a:xfrm>
-          <a:prstGeom prst="rect">
-            <a:avLst/>
-          </a:prstGeom>
-          <a:ln w="12700">
-            <a:miter lim="400000"/>
-          </a:ln>
-          <a:extLst>
-            <a:ext uri="{C572A759-6A51-4108-AA02-DFA0A04FC94B}">
-              <ma14:wrappingTextBoxFlag xmlns:ma14="http://schemas.microsoft.com/office/mac/drawingml/2011/main" val="1"/>
-            </a:ext>
-          </a:extLst>
-        </p:spPr>
-        <p:txBody>
-          <a:bodyPr wrap="none" lIns="50800" tIns="50800" rIns="50800" bIns="50800" anchor="ctr">
-            <a:spAutoFit/>
-          </a:bodyPr>
-          <a:lstStyle>
-            <a:lvl1pPr>
-              <a:defRPr b="0" sz="6000">
-                <a:latin typeface="+mn-lt"/>
-                <a:ea typeface="+mn-ea"/>
-                <a:cs typeface="+mn-cs"/>
-                <a:sym typeface="Helvetica Neue Medium"/>
-              </a:defRPr>
-            </a:lvl1pPr>
-          </a:lstStyle>
-          <a:p>
-            <a:pPr/>
-            <a:r>
-              <a:t>Présentation des défis techniques </a:t>
-            </a:r>
-          </a:p>
-        </p:txBody>
-      </p:sp>
-      <p:sp>
-        <p:nvSpPr>
-          <p:cNvPr id="162" name="Numéro de diapositive"/>
-          <p:cNvSpPr txBox="1"/>
-          <p:nvPr>
-            <p:ph type="sldNum" sz="quarter" idx="2"/>
-          </p:nvPr>
-        </p:nvSpPr>
-        <p:spPr>
-          <a:xfrm>
-            <a:off x="6156773" y="9296400"/>
-            <a:ext cx="455880" cy="324306"/>
-          </a:xfrm>
-          <a:prstGeom prst="rect">
-            <a:avLst/>
-          </a:prstGeom>
-          <a:extLst>
-            <a:ext uri="{C572A759-6A51-4108-AA02-DFA0A04FC94B}">
-              <ma14:wrappingTextBoxFlag xmlns:ma14="http://schemas.microsoft.com/office/mac/drawingml/2011/main" val="1"/>
-            </a:ext>
-          </a:extLst>
-        </p:spPr>
-        <p:txBody>
-          <a:bodyPr/>
-          <a:lstStyle/>
-          <a:p>
-            <a:pPr lvl="1" algn="r">
-              <a:defRPr b="0" sz="1600">
-                <a:latin typeface="Helvetica Neue Thin"/>
-                <a:ea typeface="Helvetica Neue Thin"/>
-                <a:cs typeface="Helvetica Neue Thin"/>
-                <a:sym typeface="Helvetica Neue Thin"/>
-              </a:defRPr>
-            </a:pPr>
-            <a:fld id="{86CB4B4D-7CA3-9044-876B-883B54F8677D}" type="slidenum"/>
-          </a:p>
-        </p:txBody>
-      </p:sp>
-      <p:sp>
-        <p:nvSpPr>
-          <p:cNvPr id="163" name="Déplacer toutes les pièces"/>
-          <p:cNvSpPr txBox="1"/>
-          <p:nvPr/>
-        </p:nvSpPr>
-        <p:spPr>
-          <a:xfrm>
-            <a:off x="2280602" y="3179951"/>
-            <a:ext cx="4755538" cy="510073"/>
-          </a:xfrm>
-          <a:prstGeom prst="rect">
-            <a:avLst/>
-          </a:prstGeom>
-          <a:ln w="12700">
-            <a:miter lim="400000"/>
-          </a:ln>
-          <a:extLst>
-            <a:ext uri="{C572A759-6A51-4108-AA02-DFA0A04FC94B}">
-              <ma14:wrappingTextBoxFlag xmlns:ma14="http://schemas.microsoft.com/office/mac/drawingml/2011/main" val="1"/>
-            </a:ext>
-          </a:extLst>
-        </p:spPr>
-        <p:txBody>
-          <a:bodyPr lIns="50800" tIns="50800" rIns="50800" bIns="50800">
-            <a:normAutofit fontScale="100000" lnSpcReduction="0"/>
-          </a:bodyPr>
-          <a:lstStyle>
-            <a:lvl1pPr algn="l">
-              <a:spcBef>
-                <a:spcPts val="3000"/>
-              </a:spcBef>
-              <a:defRPr b="0" sz="2500"/>
-            </a:lvl1pPr>
-          </a:lstStyle>
-          <a:p>
-            <a:pPr/>
-            <a:r>
-              <a:t>Déplacer toutes les pièces</a:t>
-            </a:r>
-          </a:p>
-        </p:txBody>
-      </p:sp>
-      <p:pic>
-        <p:nvPicPr>
-          <p:cNvPr id="164" name="problems-with-synchronization.png" descr="problems-with-synchronization.png"/>
-          <p:cNvPicPr>
-            <a:picLocks noChangeAspect="1"/>
-          </p:cNvPicPr>
-          <p:nvPr/>
-        </p:nvPicPr>
-        <p:blipFill>
-          <a:blip r:embed="rId2">
-            <a:extLst/>
-          </a:blip>
-          <a:stretch>
-            <a:fillRect/>
-          </a:stretch>
-        </p:blipFill>
-        <p:spPr>
-          <a:xfrm>
-            <a:off x="980090" y="2925339"/>
-            <a:ext cx="1019298" cy="1019297"/>
-          </a:xfrm>
-          <a:prstGeom prst="rect">
-            <a:avLst/>
-          </a:prstGeom>
-          <a:ln w="12700">
-            <a:miter lim="400000"/>
-          </a:ln>
-        </p:spPr>
-      </p:pic>
-      <p:sp>
-        <p:nvSpPr>
-          <p:cNvPr id="165" name="Gestion des coups spéciaux ( échec, roque , fin de partie"/>
-          <p:cNvSpPr txBox="1"/>
-          <p:nvPr/>
-        </p:nvSpPr>
-        <p:spPr>
-          <a:xfrm>
-            <a:off x="2268634" y="4813001"/>
-            <a:ext cx="4779474" cy="1019298"/>
-          </a:xfrm>
-          <a:prstGeom prst="rect">
-            <a:avLst/>
-          </a:prstGeom>
-          <a:ln w="12700">
-            <a:miter lim="400000"/>
-          </a:ln>
-          <a:extLst>
-            <a:ext uri="{C572A759-6A51-4108-AA02-DFA0A04FC94B}">
-              <ma14:wrappingTextBoxFlag xmlns:ma14="http://schemas.microsoft.com/office/mac/drawingml/2011/main" val="1"/>
-            </a:ext>
-          </a:extLst>
-        </p:spPr>
-        <p:txBody>
-          <a:bodyPr lIns="50800" tIns="50800" rIns="50800" bIns="50800">
-            <a:normAutofit fontScale="100000" lnSpcReduction="0"/>
-          </a:bodyPr>
-          <a:lstStyle>
-            <a:lvl1pPr algn="l">
-              <a:spcBef>
-                <a:spcPts val="3000"/>
-              </a:spcBef>
-              <a:defRPr b="0" sz="2500"/>
-            </a:lvl1pPr>
-          </a:lstStyle>
-          <a:p>
-            <a:pPr/>
-            <a:r>
-              <a:t>Gestion des coups spéciaux ( échec, roque , fin de partie</a:t>
-            </a:r>
-          </a:p>
-        </p:txBody>
-      </p:sp>
-      <p:pic>
-        <p:nvPicPr>
-          <p:cNvPr id="166" name="problems-with-synchronization.png" descr="problems-with-synchronization.png"/>
-          <p:cNvPicPr>
-            <a:picLocks noChangeAspect="1"/>
-          </p:cNvPicPr>
-          <p:nvPr/>
-        </p:nvPicPr>
-        <p:blipFill>
-          <a:blip r:embed="rId2">
-            <a:extLst/>
-          </a:blip>
-          <a:stretch>
-            <a:fillRect/>
-          </a:stretch>
-        </p:blipFill>
-        <p:spPr>
-          <a:xfrm>
-            <a:off x="968122" y="4558389"/>
-            <a:ext cx="1019298" cy="1019298"/>
-          </a:xfrm>
-          <a:prstGeom prst="rect">
-            <a:avLst/>
-          </a:prstGeom>
-          <a:ln w="12700">
-            <a:miter lim="400000"/>
-          </a:ln>
-        </p:spPr>
-      </p:pic>
-      <p:sp>
-        <p:nvSpPr>
-          <p:cNvPr id="167" name="Interface graphique fonctionnelle"/>
-          <p:cNvSpPr txBox="1"/>
-          <p:nvPr/>
-        </p:nvSpPr>
-        <p:spPr>
-          <a:xfrm>
-            <a:off x="8617867" y="2925339"/>
-            <a:ext cx="3840596" cy="1019297"/>
-          </a:xfrm>
-          <a:prstGeom prst="rect">
-            <a:avLst/>
-          </a:prstGeom>
-          <a:ln w="12700">
-            <a:miter lim="400000"/>
-          </a:ln>
-          <a:extLst>
-            <a:ext uri="{C572A759-6A51-4108-AA02-DFA0A04FC94B}">
-              <ma14:wrappingTextBoxFlag xmlns:ma14="http://schemas.microsoft.com/office/mac/drawingml/2011/main" val="1"/>
-            </a:ext>
-          </a:extLst>
-        </p:spPr>
-        <p:txBody>
-          <a:bodyPr lIns="50800" tIns="50800" rIns="50800" bIns="50800">
-            <a:normAutofit fontScale="100000" lnSpcReduction="0"/>
-          </a:bodyPr>
-          <a:lstStyle>
-            <a:lvl1pPr algn="l">
-              <a:spcBef>
-                <a:spcPts val="3000"/>
-              </a:spcBef>
-              <a:defRPr b="0" sz="2500"/>
-            </a:lvl1pPr>
-          </a:lstStyle>
-          <a:p>
-            <a:pPr/>
-            <a:r>
-              <a:t>Interface graphique fonctionnelle </a:t>
-            </a:r>
-          </a:p>
-        </p:txBody>
-      </p:sp>
-      <p:pic>
-        <p:nvPicPr>
-          <p:cNvPr id="168" name="problems-with-synchronization.png" descr="problems-with-synchronization.png"/>
-          <p:cNvPicPr>
-            <a:picLocks noChangeAspect="1"/>
-          </p:cNvPicPr>
-          <p:nvPr/>
-        </p:nvPicPr>
-        <p:blipFill>
-          <a:blip r:embed="rId2">
-            <a:extLst/>
-          </a:blip>
-          <a:stretch>
-            <a:fillRect/>
-          </a:stretch>
-        </p:blipFill>
-        <p:spPr>
-          <a:xfrm>
-            <a:off x="7317355" y="2925339"/>
-            <a:ext cx="1019298" cy="1019297"/>
-          </a:xfrm>
-          <a:prstGeom prst="rect">
-            <a:avLst/>
-          </a:prstGeom>
-          <a:ln w="12700">
-            <a:miter lim="400000"/>
-          </a:ln>
-        </p:spPr>
-      </p:pic>
-    </p:spTree>
-  </p:cSld>
-  <p:clrMapOvr>
-    <a:masterClrMapping/>
-  </p:clrMapOvr>
-  <p:transition xmlns:p14="http://schemas.microsoft.com/office/powerpoint/2010/main" spd="med" advClick="1"/>
-</p:sld>
-</file>
-
-<file path=ppt/slides/slide7.xml><?xml version="1.0" encoding="utf-8"?>
-<p:sld xmlns:a="http://schemas.openxmlformats.org/drawingml/2006/main" xmlns:r="http://schemas.openxmlformats.org/officeDocument/2006/relationships" xmlns:p="http://schemas.openxmlformats.org/presentationml/2006/main" showMasterSp="1" showMasterPhAnim="1">
-  <p:cSld>
-    <p:spTree>
-      <p:nvGrpSpPr>
-        <p:cNvPr id="1" name=""/>
-        <p:cNvGrpSpPr/>
-        <p:nvPr/>
-      </p:nvGrpSpPr>
-      <p:grpSpPr>
-        <a:xfrm>
-          <a:off x="0" y="0"/>
-          <a:ext cx="0" cy="0"/>
-          <a:chOff x="0" y="0"/>
-          <a:chExt cx="0" cy="0"/>
-        </a:xfrm>
-      </p:grpSpPr>
-      <p:sp>
-        <p:nvSpPr>
-          <p:cNvPr id="170" name="Déroulement du projet"/>
-          <p:cNvSpPr txBox="1"/>
-          <p:nvPr/>
-        </p:nvSpPr>
-        <p:spPr>
-          <a:xfrm>
-            <a:off x="2514092" y="489363"/>
-            <a:ext cx="7976617" cy="1019297"/>
-          </a:xfrm>
-          <a:prstGeom prst="rect">
-            <a:avLst/>
-          </a:prstGeom>
-          <a:ln w="12700">
-            <a:miter lim="400000"/>
-          </a:ln>
-          <a:extLst>
-            <a:ext uri="{C572A759-6A51-4108-AA02-DFA0A04FC94B}">
-              <ma14:wrappingTextBoxFlag xmlns:ma14="http://schemas.microsoft.com/office/mac/drawingml/2011/main" val="1"/>
-            </a:ext>
-          </a:extLst>
-        </p:spPr>
-        <p:txBody>
-          <a:bodyPr wrap="none" lIns="50800" tIns="50800" rIns="50800" bIns="50800" anchor="ctr">
-            <a:spAutoFit/>
-          </a:bodyPr>
-          <a:lstStyle>
-            <a:lvl1pPr>
-              <a:defRPr b="0" sz="6000">
-                <a:latin typeface="+mn-lt"/>
-                <a:ea typeface="+mn-ea"/>
-                <a:cs typeface="+mn-cs"/>
-                <a:sym typeface="Helvetica Neue Medium"/>
-              </a:defRPr>
-            </a:lvl1pPr>
-          </a:lstStyle>
-          <a:p>
-            <a:pPr/>
-            <a:r>
-              <a:t>Déroulement du projet</a:t>
-            </a:r>
-          </a:p>
-        </p:txBody>
-      </p:sp>
-      <p:sp>
-        <p:nvSpPr>
-          <p:cNvPr id="171" name="Numéro de diapositive"/>
-          <p:cNvSpPr txBox="1"/>
-          <p:nvPr>
-            <p:ph type="sldNum" sz="quarter" idx="2"/>
-          </p:nvPr>
-        </p:nvSpPr>
-        <p:spPr>
-          <a:xfrm>
-            <a:off x="6156773" y="9296400"/>
-            <a:ext cx="455880" cy="324306"/>
-          </a:xfrm>
-          <a:prstGeom prst="rect">
-            <a:avLst/>
-          </a:prstGeom>
-          <a:extLst>
-            <a:ext uri="{C572A759-6A51-4108-AA02-DFA0A04FC94B}">
-              <ma14:wrappingTextBoxFlag xmlns:ma14="http://schemas.microsoft.com/office/mac/drawingml/2011/main" val="1"/>
-            </a:ext>
-          </a:extLst>
-        </p:spPr>
-        <p:txBody>
-          <a:bodyPr/>
-          <a:lstStyle/>
-          <a:p>
-            <a:pPr lvl="1" algn="r">
-              <a:defRPr b="0" sz="1600">
-                <a:latin typeface="Helvetica Neue Thin"/>
-                <a:ea typeface="Helvetica Neue Thin"/>
-                <a:cs typeface="Helvetica Neue Thin"/>
-                <a:sym typeface="Helvetica Neue Thin"/>
-              </a:defRPr>
-            </a:pPr>
-            <a:fld id="{86CB4B4D-7CA3-9044-876B-883B54F8677D}" type="slidenum"/>
-          </a:p>
-        </p:txBody>
-      </p:sp>
-      <p:sp>
-        <p:nvSpPr>
-          <p:cNvPr id="172" name="Texte"/>
-          <p:cNvSpPr txBox="1"/>
-          <p:nvPr/>
-        </p:nvSpPr>
-        <p:spPr>
-          <a:xfrm>
-            <a:off x="6156773" y="9296400"/>
-            <a:ext cx="455880" cy="324306"/>
-          </a:xfrm>
-          <a:prstGeom prst="rect">
-            <a:avLst/>
-          </a:prstGeom>
-          <a:ln w="12700">
-            <a:miter lim="400000"/>
-          </a:ln>
-          <a:extLst>
-            <a:ext uri="{C572A759-6A51-4108-AA02-DFA0A04FC94B}">
-              <ma14:wrappingTextBoxFlag xmlns:ma14="http://schemas.microsoft.com/office/mac/drawingml/2011/main" val="1"/>
-            </a:ext>
-          </a:extLst>
-        </p:spPr>
-        <p:txBody>
-          <a:bodyPr wrap="none" lIns="50800" tIns="50800" rIns="50800" bIns="50800">
-            <a:spAutoFit/>
-          </a:bodyPr>
-          <a:lstStyle/>
-          <a:p>
-            <a:pPr lvl="1" algn="r">
-              <a:defRPr b="0" sz="1600">
-                <a:latin typeface="Helvetica Neue Thin"/>
-                <a:ea typeface="Helvetica Neue Thin"/>
-                <a:cs typeface="Helvetica Neue Thin"/>
-                <a:sym typeface="Helvetica Neue Thin"/>
-              </a:defRPr>
-            </a:pPr>
-            <a:fld id="{86CB4B4D-7CA3-9044-876B-883B54F8677D}" type="slidenum"/>
-            <a:r>
-              <a:t>￼</a:t>
-            </a:r>
-          </a:p>
-        </p:txBody>
-      </p:sp>
-      <p:pic>
-        <p:nvPicPr>
-          <p:cNvPr id="173" name="UML.png" descr="UML.png"/>
-          <p:cNvPicPr>
-            <a:picLocks noChangeAspect="1"/>
-          </p:cNvPicPr>
-          <p:nvPr/>
-        </p:nvPicPr>
-        <p:blipFill>
-          <a:blip r:embed="rId2">
-            <a:extLst/>
-          </a:blip>
-          <a:stretch>
-            <a:fillRect/>
-          </a:stretch>
-        </p:blipFill>
-        <p:spPr>
-          <a:xfrm>
-            <a:off x="-53124" y="1981507"/>
-            <a:ext cx="13111048" cy="6437335"/>
-          </a:xfrm>
-          <a:prstGeom prst="rect">
-            <a:avLst/>
-          </a:prstGeom>
-          <a:ln w="12700">
-            <a:miter lim="400000"/>
-          </a:ln>
-        </p:spPr>
-      </p:pic>
-    </p:spTree>
-  </p:cSld>
-  <p:clrMapOvr>
-    <a:masterClrMapping/>
-  </p:clrMapOvr>
-  <p:transition xmlns:p14="http://schemas.microsoft.com/office/powerpoint/2010/main" spd="med" advClick="1"/>
-  <p:timing>
-    <p:tnLst>
-      <p:par>
-        <p:cTn id="1" nodeType="tmRoot" restart="never" dur="indefinite" fill="hold">
-          <p:childTnLst>
-            <p:seq concurrent="1" prevAc="none" nextAc="seek">
-              <p:cTn id="2" nodeType="mainSeq" dur="indefinite" fill="hold">
-                <p:childTnLst>
-                  <p:par>
-                    <p:cTn id="3" fill="hold">
-                      <p:stCondLst>
-                        <p:cond delay="indefinite"/>
-                      </p:stCondLst>
-                      <p:childTnLst>
-                        <p:par>
-                          <p:cTn id="4" fill="hold">
-                            <p:stCondLst>
-                              <p:cond delay="0"/>
-                            </p:stCondLst>
-                            <p:childTnLst>
-                              <p:par>
-                                <p:cTn id="5" presetClass="emph" nodeType="clickEffect" presetSubtype="0" presetID="6" grpId="1" accel="50000" decel="50000" fill="hold">
-                                  <p:stCondLst>
-                                    <p:cond delay="0"/>
-                                  </p:stCondLst>
-                                  <p:childTnLst>
-                                    <p:animScale>
-                                      <p:cBhvr>
-                                        <p:cTn id="6" dur="1000" fill="hold"/>
-                                        <p:tgtEl>
-                                          <p:spTgt spid="173"/>
-                                        </p:tgtEl>
-                                      </p:cBhvr>
-                                      <p:by x="150000" y="150000"/>
-                                    </p:animScale>
-                                  </p:childTnLst>
-                                </p:cTn>
-                              </p:par>
-                            </p:childTnLst>
-                          </p:cTn>
-                        </p:par>
-                      </p:childTnLst>
-                    </p:cTn>
-                  </p:par>
-                </p:childTnLst>
-              </p:cTn>
-              <p:prevCondLst>
-                <p:cond evt="onPrev">
-                  <p:tgtEl>
-                    <p:sldTgt/>
-                  </p:tgtEl>
-                </p:cond>
-              </p:prevCondLst>
-              <p:nextCondLst>
-                <p:cond evt="onNext">
-                  <p:tgtEl>
-                    <p:sldTgt/>
-                  </p:tgtEl>
-                </p:cond>
-              </p:nextCondLst>
-            </p:seq>
-          </p:childTnLst>
-        </p:cTn>
-      </p:par>
-    </p:tnLst>
-    <p:bldLst>
-      <p:bldP build="whole" bldLvl="1" animBg="1" rev="0" advAuto="0" spid="173" grpId="1"/>
-    </p:bldLst>
-  </p:timing>
-</p:sld>
-</file>
-
-<file path=ppt/slides/slide8.xml><?xml version="1.0" encoding="utf-8"?>
-<p:sld xmlns:a="http://schemas.openxmlformats.org/drawingml/2006/main" xmlns:r="http://schemas.openxmlformats.org/officeDocument/2006/relationships" xmlns:p="http://schemas.openxmlformats.org/presentationml/2006/main" showMasterSp="1" showMasterPhAnim="1">
-  <p:cSld>
-    <p:spTree>
-      <p:nvGrpSpPr>
-        <p:cNvPr id="1" name=""/>
-        <p:cNvGrpSpPr/>
-        <p:nvPr/>
-      </p:nvGrpSpPr>
-      <p:grpSpPr>
-        <a:xfrm>
-          <a:off x="0" y="0"/>
-          <a:ext cx="0" cy="0"/>
-          <a:chOff x="0" y="0"/>
-          <a:chExt cx="0" cy="0"/>
-        </a:xfrm>
-      </p:grpSpPr>
-      <p:sp>
-        <p:nvSpPr>
-          <p:cNvPr id="175" name="Déroulement du projet"/>
-          <p:cNvSpPr txBox="1"/>
-          <p:nvPr/>
-        </p:nvSpPr>
-        <p:spPr>
-          <a:xfrm>
-            <a:off x="2514092" y="489363"/>
-            <a:ext cx="7976617" cy="1019297"/>
-          </a:xfrm>
-          <a:prstGeom prst="rect">
-            <a:avLst/>
-          </a:prstGeom>
-          <a:ln w="12700">
-            <a:miter lim="400000"/>
-          </a:ln>
-          <a:extLst>
-            <a:ext uri="{C572A759-6A51-4108-AA02-DFA0A04FC94B}">
-              <ma14:wrappingTextBoxFlag xmlns:ma14="http://schemas.microsoft.com/office/mac/drawingml/2011/main" val="1"/>
-            </a:ext>
-          </a:extLst>
-        </p:spPr>
-        <p:txBody>
-          <a:bodyPr wrap="none" lIns="50800" tIns="50800" rIns="50800" bIns="50800" anchor="ctr">
-            <a:spAutoFit/>
-          </a:bodyPr>
-          <a:lstStyle>
-            <a:lvl1pPr>
-              <a:defRPr b="0" sz="6000">
-                <a:latin typeface="+mn-lt"/>
-                <a:ea typeface="+mn-ea"/>
-                <a:cs typeface="+mn-cs"/>
-                <a:sym typeface="Helvetica Neue Medium"/>
-              </a:defRPr>
-            </a:lvl1pPr>
-          </a:lstStyle>
-          <a:p>
-            <a:pPr/>
-            <a:r>
-              <a:t>Déroulement du projet</a:t>
-            </a:r>
-          </a:p>
-        </p:txBody>
-      </p:sp>
-      <p:sp>
-        <p:nvSpPr>
-          <p:cNvPr id="176" name="Numéro de diapositive"/>
-          <p:cNvSpPr txBox="1"/>
-          <p:nvPr>
-            <p:ph type="sldNum" sz="quarter" idx="2"/>
-          </p:nvPr>
-        </p:nvSpPr>
-        <p:spPr>
-          <a:xfrm>
-            <a:off x="6156773" y="9296400"/>
-            <a:ext cx="455880" cy="324306"/>
-          </a:xfrm>
-          <a:prstGeom prst="rect">
-            <a:avLst/>
-          </a:prstGeom>
-          <a:extLst>
-            <a:ext uri="{C572A759-6A51-4108-AA02-DFA0A04FC94B}">
-              <ma14:wrappingTextBoxFlag xmlns:ma14="http://schemas.microsoft.com/office/mac/drawingml/2011/main" val="1"/>
-            </a:ext>
-          </a:extLst>
-        </p:spPr>
-        <p:txBody>
-          <a:bodyPr/>
-          <a:lstStyle/>
-          <a:p>
-            <a:pPr lvl="1" algn="r">
-              <a:defRPr b="0" sz="1600">
-                <a:latin typeface="Helvetica Neue Thin"/>
-                <a:ea typeface="Helvetica Neue Thin"/>
-                <a:cs typeface="Helvetica Neue Thin"/>
-                <a:sym typeface="Helvetica Neue Thin"/>
-              </a:defRPr>
-            </a:pPr>
-            <a:fld id="{86CB4B4D-7CA3-9044-876B-883B54F8677D}" type="slidenum"/>
-          </a:p>
-        </p:txBody>
-      </p:sp>
-      <p:sp>
-        <p:nvSpPr>
-          <p:cNvPr id="177" name="Texte"/>
-          <p:cNvSpPr txBox="1"/>
-          <p:nvPr/>
-        </p:nvSpPr>
-        <p:spPr>
-          <a:xfrm>
-            <a:off x="6156773" y="9296400"/>
-            <a:ext cx="455880" cy="324306"/>
-          </a:xfrm>
-          <a:prstGeom prst="rect">
-            <a:avLst/>
-          </a:prstGeom>
-          <a:ln w="12700">
-            <a:miter lim="400000"/>
-          </a:ln>
-          <a:extLst>
-            <a:ext uri="{C572A759-6A51-4108-AA02-DFA0A04FC94B}">
-              <ma14:wrappingTextBoxFlag xmlns:ma14="http://schemas.microsoft.com/office/mac/drawingml/2011/main" val="1"/>
-            </a:ext>
-          </a:extLst>
-        </p:spPr>
-        <p:txBody>
-          <a:bodyPr wrap="none" lIns="50800" tIns="50800" rIns="50800" bIns="50800">
-            <a:spAutoFit/>
-          </a:bodyPr>
-          <a:lstStyle/>
-          <a:p>
-            <a:pPr lvl="1" algn="r">
-              <a:defRPr b="0" sz="1600">
-                <a:latin typeface="Helvetica Neue Thin"/>
-                <a:ea typeface="Helvetica Neue Thin"/>
-                <a:cs typeface="Helvetica Neue Thin"/>
-                <a:sym typeface="Helvetica Neue Thin"/>
-              </a:defRPr>
-            </a:pPr>
-            <a:fld id="{86CB4B4D-7CA3-9044-876B-883B54F8677D}" type="slidenum"/>
-            <a:r>
-              <a:t>￼</a:t>
-            </a:r>
-          </a:p>
-        </p:txBody>
-      </p:sp>
-      <p:pic>
-        <p:nvPicPr>
-          <p:cNvPr id="178" name="boss.png" descr="boss.png"/>
-          <p:cNvPicPr>
-            <a:picLocks noChangeAspect="1"/>
-          </p:cNvPicPr>
-          <p:nvPr/>
-        </p:nvPicPr>
-        <p:blipFill>
-          <a:blip r:embed="rId2">
-            <a:extLst/>
-          </a:blip>
-          <a:stretch>
-            <a:fillRect/>
-          </a:stretch>
-        </p:blipFill>
-        <p:spPr>
-          <a:xfrm>
-            <a:off x="1205633" y="2184041"/>
-            <a:ext cx="1293354" cy="1293354"/>
-          </a:xfrm>
-          <a:prstGeom prst="rect">
-            <a:avLst/>
-          </a:prstGeom>
-          <a:ln w="12700">
-            <a:miter lim="400000"/>
-          </a:ln>
-        </p:spPr>
-      </p:pic>
-      <p:pic>
-        <p:nvPicPr>
-          <p:cNvPr id="179" name="boss.png" descr="boss.png"/>
-          <p:cNvPicPr>
-            <a:picLocks noChangeAspect="1"/>
-          </p:cNvPicPr>
-          <p:nvPr/>
-        </p:nvPicPr>
-        <p:blipFill>
-          <a:blip r:embed="rId2">
-            <a:extLst/>
-          </a:blip>
-          <a:stretch>
-            <a:fillRect/>
-          </a:stretch>
-        </p:blipFill>
-        <p:spPr>
-          <a:xfrm>
-            <a:off x="1205633" y="4422409"/>
-            <a:ext cx="1293354" cy="1293354"/>
-          </a:xfrm>
-          <a:prstGeom prst="rect">
-            <a:avLst/>
-          </a:prstGeom>
-          <a:ln w="12700">
-            <a:miter lim="400000"/>
-          </a:ln>
-        </p:spPr>
-      </p:pic>
-      <p:pic>
-        <p:nvPicPr>
-          <p:cNvPr id="180" name="boss.png" descr="boss.png"/>
-          <p:cNvPicPr>
-            <a:picLocks noChangeAspect="1"/>
-          </p:cNvPicPr>
-          <p:nvPr/>
-        </p:nvPicPr>
-        <p:blipFill>
-          <a:blip r:embed="rId2">
-            <a:extLst/>
-          </a:blip>
-          <a:stretch>
-            <a:fillRect/>
-          </a:stretch>
-        </p:blipFill>
-        <p:spPr>
-          <a:xfrm>
-            <a:off x="1205633" y="6660776"/>
-            <a:ext cx="1293354" cy="1293354"/>
-          </a:xfrm>
-          <a:prstGeom prst="rect">
-            <a:avLst/>
-          </a:prstGeom>
-          <a:ln w="12700">
-            <a:miter lim="400000"/>
-          </a:ln>
-        </p:spPr>
-      </p:pic>
-      <p:pic>
-        <p:nvPicPr>
-          <p:cNvPr id="181" name="boss.png" descr="boss.png"/>
-          <p:cNvPicPr>
-            <a:picLocks noChangeAspect="1"/>
-          </p:cNvPicPr>
-          <p:nvPr/>
-        </p:nvPicPr>
-        <p:blipFill>
-          <a:blip r:embed="rId2">
-            <a:extLst/>
-          </a:blip>
-          <a:stretch>
-            <a:fillRect/>
-          </a:stretch>
-        </p:blipFill>
-        <p:spPr>
-          <a:xfrm>
-            <a:off x="7058570" y="2184041"/>
-            <a:ext cx="1293354" cy="1293354"/>
-          </a:xfrm>
-          <a:prstGeom prst="rect">
-            <a:avLst/>
-          </a:prstGeom>
-          <a:ln w="12700">
-            <a:miter lim="400000"/>
-          </a:ln>
-        </p:spPr>
-      </p:pic>
-      <p:pic>
-        <p:nvPicPr>
-          <p:cNvPr id="182" name="boss.png" descr="boss.png"/>
-          <p:cNvPicPr>
-            <a:picLocks noChangeAspect="1"/>
-          </p:cNvPicPr>
-          <p:nvPr/>
-        </p:nvPicPr>
-        <p:blipFill>
-          <a:blip r:embed="rId2">
-            <a:extLst/>
-          </a:blip>
-          <a:stretch>
-            <a:fillRect/>
-          </a:stretch>
-        </p:blipFill>
-        <p:spPr>
-          <a:xfrm>
-            <a:off x="7058570" y="4422409"/>
-            <a:ext cx="1293354" cy="1293354"/>
-          </a:xfrm>
-          <a:prstGeom prst="rect">
-            <a:avLst/>
-          </a:prstGeom>
-          <a:ln w="12700">
-            <a:miter lim="400000"/>
-          </a:ln>
-        </p:spPr>
-      </p:pic>
-      <p:pic>
-        <p:nvPicPr>
-          <p:cNvPr id="183" name="boss.png" descr="boss.png"/>
-          <p:cNvPicPr>
-            <a:picLocks noChangeAspect="1"/>
-          </p:cNvPicPr>
-          <p:nvPr/>
-        </p:nvPicPr>
-        <p:blipFill>
-          <a:blip r:embed="rId2">
-            <a:extLst/>
-          </a:blip>
-          <a:stretch>
-            <a:fillRect/>
-          </a:stretch>
-        </p:blipFill>
-        <p:spPr>
-          <a:xfrm>
-            <a:off x="7058570" y="6660776"/>
-            <a:ext cx="1293354" cy="1293354"/>
-          </a:xfrm>
-          <a:prstGeom prst="rect">
-            <a:avLst/>
-          </a:prstGeom>
-          <a:ln w="12700">
-            <a:miter lim="400000"/>
-          </a:ln>
-        </p:spPr>
-      </p:pic>
-      <p:sp>
-        <p:nvSpPr>
-          <p:cNvPr id="184" name="Paul"/>
-          <p:cNvSpPr txBox="1"/>
-          <p:nvPr/>
-        </p:nvSpPr>
-        <p:spPr>
-          <a:xfrm>
-            <a:off x="1278881" y="3492101"/>
-            <a:ext cx="1146858" cy="324675"/>
-          </a:xfrm>
-          <a:prstGeom prst="rect">
-            <a:avLst/>
-          </a:prstGeom>
-          <a:ln w="12700">
-            <a:miter lim="400000"/>
-          </a:ln>
-          <a:extLst>
-            <a:ext uri="{C572A759-6A51-4108-AA02-DFA0A04FC94B}">
-              <ma14:wrappingTextBoxFlag xmlns:ma14="http://schemas.microsoft.com/office/mac/drawingml/2011/main" val="1"/>
-            </a:ext>
-          </a:extLst>
-        </p:spPr>
-        <p:txBody>
-          <a:bodyPr lIns="50800" tIns="50800" rIns="50800" bIns="50800" anchor="ctr">
-            <a:spAutoFit/>
-          </a:bodyPr>
-          <a:lstStyle>
-            <a:lvl1pPr>
-              <a:defRPr sz="1500"/>
-            </a:lvl1pPr>
-          </a:lstStyle>
-          <a:p>
-            <a:pPr/>
-            <a:r>
-              <a:t>Paul</a:t>
-            </a:r>
-          </a:p>
-        </p:txBody>
-      </p:sp>
-      <p:sp>
-        <p:nvSpPr>
-          <p:cNvPr id="185" name="Création de la classe jeu…"/>
-          <p:cNvSpPr txBox="1"/>
-          <p:nvPr/>
-        </p:nvSpPr>
-        <p:spPr>
-          <a:xfrm>
-            <a:off x="2676710" y="4873828"/>
-            <a:ext cx="3885820" cy="1453744"/>
-          </a:xfrm>
-          <a:prstGeom prst="rect">
-            <a:avLst/>
-          </a:prstGeom>
-          <a:ln w="12700">
-            <a:miter lim="400000"/>
-          </a:ln>
-          <a:extLst>
-            <a:ext uri="{C572A759-6A51-4108-AA02-DFA0A04FC94B}">
-              <ma14:wrappingTextBoxFlag xmlns:ma14="http://schemas.microsoft.com/office/mac/drawingml/2011/main" val="1"/>
-            </a:ext>
-          </a:extLst>
-        </p:spPr>
-        <p:txBody>
-          <a:bodyPr lIns="50800" tIns="50800" rIns="50800" bIns="50800" anchor="ctr">
-            <a:spAutoFit/>
-          </a:bodyPr>
-          <a:lstStyle/>
-          <a:p>
-            <a:pPr marL="272435" indent="-272435" algn="l">
-              <a:spcBef>
-                <a:spcPts val="500"/>
-              </a:spcBef>
-              <a:buSzPct val="145000"/>
-              <a:buChar char="-"/>
-              <a:defRPr b="0" sz="1900"/>
-            </a:pPr>
-            <a:r>
-              <a:t>Création de la classe jeu</a:t>
-            </a:r>
-          </a:p>
-          <a:p>
-            <a:pPr marL="272435" indent="-272435" algn="l">
-              <a:spcBef>
-                <a:spcPts val="500"/>
-              </a:spcBef>
-              <a:buSzPct val="145000"/>
-              <a:buChar char="-"/>
-              <a:defRPr b="0" sz="1900"/>
-            </a:pPr>
-            <a:r>
-              <a:t>Adaptation du jeu en graphique</a:t>
-            </a:r>
-          </a:p>
-          <a:p>
-            <a:pPr algn="l">
-              <a:spcBef>
-                <a:spcPts val="500"/>
-              </a:spcBef>
-              <a:defRPr b="0" sz="1900"/>
-            </a:pPr>
-          </a:p>
-        </p:txBody>
-      </p:sp>
-      <p:sp>
-        <p:nvSpPr>
-          <p:cNvPr id="186" name="Création de la classe Plateau…"/>
-          <p:cNvSpPr txBox="1"/>
-          <p:nvPr/>
-        </p:nvSpPr>
-        <p:spPr>
-          <a:xfrm>
-            <a:off x="8557273" y="2141414"/>
-            <a:ext cx="3885820" cy="2101445"/>
-          </a:xfrm>
-          <a:prstGeom prst="rect">
-            <a:avLst/>
-          </a:prstGeom>
-          <a:ln w="12700">
-            <a:miter lim="400000"/>
-          </a:ln>
-          <a:extLst>
-            <a:ext uri="{C572A759-6A51-4108-AA02-DFA0A04FC94B}">
-              <ma14:wrappingTextBoxFlag xmlns:ma14="http://schemas.microsoft.com/office/mac/drawingml/2011/main" val="1"/>
-            </a:ext>
-          </a:extLst>
-        </p:spPr>
-        <p:txBody>
-          <a:bodyPr lIns="50800" tIns="50800" rIns="50800" bIns="50800" anchor="ctr">
-            <a:spAutoFit/>
-          </a:bodyPr>
-          <a:lstStyle/>
-          <a:p>
-            <a:pPr marL="272435" indent="-272435" algn="l">
-              <a:spcBef>
-                <a:spcPts val="500"/>
-              </a:spcBef>
-              <a:buSzPct val="145000"/>
-              <a:buChar char="-"/>
-              <a:defRPr b="0" sz="1900"/>
-            </a:pPr>
-            <a:r>
-              <a:t>Création de la classe Plateau </a:t>
-            </a:r>
-          </a:p>
-          <a:p>
-            <a:pPr marL="272435" indent="-272435" algn="l">
-              <a:spcBef>
-                <a:spcPts val="500"/>
-              </a:spcBef>
-              <a:buSzPct val="145000"/>
-              <a:buChar char="-"/>
-              <a:defRPr b="0" sz="1900"/>
-            </a:pPr>
-            <a:r>
-              <a:t>Création de la classe                          ControlBouton</a:t>
-            </a:r>
-          </a:p>
-          <a:p>
-            <a:pPr marL="272435" indent="-272435" algn="l">
-              <a:spcBef>
-                <a:spcPts val="500"/>
-              </a:spcBef>
-              <a:buSzPct val="145000"/>
-              <a:buChar char="-"/>
-              <a:defRPr b="0" sz="1900"/>
-            </a:pPr>
-            <a:r>
-              <a:t>Rédaction du rapport</a:t>
-            </a:r>
-          </a:p>
-          <a:p>
-            <a:pPr marL="272435" indent="-272435" algn="l">
-              <a:spcBef>
-                <a:spcPts val="500"/>
-              </a:spcBef>
-              <a:buSzPct val="145000"/>
-              <a:buChar char="-"/>
-              <a:defRPr b="0" sz="1900"/>
-            </a:pPr>
-            <a:r>
-              <a:t>Rédaction du diaporama </a:t>
-            </a:r>
-          </a:p>
-        </p:txBody>
-      </p:sp>
-      <p:sp>
-        <p:nvSpPr>
-          <p:cNvPr id="187" name="Création de la classe Roi…"/>
-          <p:cNvSpPr txBox="1"/>
-          <p:nvPr/>
-        </p:nvSpPr>
-        <p:spPr>
-          <a:xfrm>
-            <a:off x="8557273" y="6936181"/>
-            <a:ext cx="3885820" cy="742545"/>
-          </a:xfrm>
-          <a:prstGeom prst="rect">
-            <a:avLst/>
-          </a:prstGeom>
-          <a:ln w="12700">
-            <a:miter lim="400000"/>
-          </a:ln>
-          <a:extLst>
-            <a:ext uri="{C572A759-6A51-4108-AA02-DFA0A04FC94B}">
-              <ma14:wrappingTextBoxFlag xmlns:ma14="http://schemas.microsoft.com/office/mac/drawingml/2011/main" val="1"/>
-            </a:ext>
-          </a:extLst>
-        </p:spPr>
-        <p:txBody>
-          <a:bodyPr lIns="50800" tIns="50800" rIns="50800" bIns="50800" anchor="ctr">
-            <a:spAutoFit/>
-          </a:bodyPr>
-          <a:lstStyle/>
-          <a:p>
-            <a:pPr marL="272435" indent="-272435" algn="l">
-              <a:spcBef>
-                <a:spcPts val="500"/>
-              </a:spcBef>
-              <a:buSzPct val="145000"/>
-              <a:buChar char="-"/>
-              <a:defRPr b="0" sz="1900"/>
-            </a:pPr>
-            <a:r>
-              <a:t>Création de la classe Roi</a:t>
-            </a:r>
-          </a:p>
-          <a:p>
-            <a:pPr marL="272435" indent="-272435" algn="l">
-              <a:spcBef>
-                <a:spcPts val="500"/>
-              </a:spcBef>
-              <a:buSzPct val="145000"/>
-              <a:buChar char="-"/>
-              <a:defRPr b="0" sz="1900"/>
-            </a:pPr>
-            <a:r>
-              <a:t>Création de la classe Tour.</a:t>
-            </a:r>
-          </a:p>
-        </p:txBody>
-      </p:sp>
-      <p:sp>
-        <p:nvSpPr>
-          <p:cNvPr id="188" name="Chef de projet…"/>
-          <p:cNvSpPr txBox="1"/>
-          <p:nvPr/>
-        </p:nvSpPr>
-        <p:spPr>
-          <a:xfrm>
-            <a:off x="2676710" y="2344161"/>
-            <a:ext cx="3885820" cy="1390245"/>
-          </a:xfrm>
-          <a:prstGeom prst="rect">
-            <a:avLst/>
-          </a:prstGeom>
-          <a:ln w="12700">
-            <a:miter lim="400000"/>
-          </a:ln>
-          <a:extLst>
-            <a:ext uri="{C572A759-6A51-4108-AA02-DFA0A04FC94B}">
-              <ma14:wrappingTextBoxFlag xmlns:ma14="http://schemas.microsoft.com/office/mac/drawingml/2011/main" val="1"/>
-            </a:ext>
-          </a:extLst>
-        </p:spPr>
-        <p:txBody>
-          <a:bodyPr lIns="50800" tIns="50800" rIns="50800" bIns="50800" anchor="ctr">
-            <a:spAutoFit/>
-          </a:bodyPr>
-          <a:lstStyle/>
-          <a:p>
-            <a:pPr marL="444500" indent="-444500" algn="l">
-              <a:spcBef>
-                <a:spcPts val="500"/>
-              </a:spcBef>
-              <a:buSzPct val="145000"/>
-              <a:buChar char="-"/>
-              <a:defRPr b="0" sz="1900"/>
-            </a:pPr>
-            <a:r>
-              <a:t>Chef de projet</a:t>
-            </a:r>
-          </a:p>
-          <a:p>
-            <a:pPr marL="444500" indent="-444500" algn="l">
-              <a:spcBef>
-                <a:spcPts val="500"/>
-              </a:spcBef>
-              <a:buSzPct val="145000"/>
-              <a:buChar char="-"/>
-              <a:defRPr b="0" sz="1900"/>
-            </a:pPr>
-            <a:r>
-              <a:t>Classe Piece</a:t>
-            </a:r>
-          </a:p>
-          <a:p>
-            <a:pPr marL="444500" indent="-444500" algn="l">
-              <a:spcBef>
-                <a:spcPts val="500"/>
-              </a:spcBef>
-              <a:buSzPct val="145000"/>
-              <a:buChar char="-"/>
-              <a:defRPr b="0" sz="1900"/>
-            </a:pPr>
-            <a:r>
-              <a:t>Organisation des réunions et gestion du projet</a:t>
-            </a:r>
-          </a:p>
-        </p:txBody>
-      </p:sp>
-      <p:sp>
-        <p:nvSpPr>
-          <p:cNvPr id="189" name="David"/>
-          <p:cNvSpPr txBox="1"/>
-          <p:nvPr/>
-        </p:nvSpPr>
-        <p:spPr>
-          <a:xfrm>
-            <a:off x="1278881" y="5728325"/>
-            <a:ext cx="1146858" cy="324675"/>
-          </a:xfrm>
-          <a:prstGeom prst="rect">
-            <a:avLst/>
-          </a:prstGeom>
-          <a:ln w="12700">
-            <a:miter lim="400000"/>
-          </a:ln>
-          <a:extLst>
-            <a:ext uri="{C572A759-6A51-4108-AA02-DFA0A04FC94B}">
-              <ma14:wrappingTextBoxFlag xmlns:ma14="http://schemas.microsoft.com/office/mac/drawingml/2011/main" val="1"/>
-            </a:ext>
-          </a:extLst>
-        </p:spPr>
-        <p:txBody>
-          <a:bodyPr lIns="50800" tIns="50800" rIns="50800" bIns="50800" anchor="ctr">
-            <a:spAutoFit/>
-          </a:bodyPr>
-          <a:lstStyle>
-            <a:lvl1pPr>
-              <a:defRPr sz="1500"/>
-            </a:lvl1pPr>
-          </a:lstStyle>
-          <a:p>
-            <a:pPr/>
-            <a:r>
-              <a:t>David</a:t>
-            </a:r>
-          </a:p>
-        </p:txBody>
-      </p:sp>
-      <p:sp>
-        <p:nvSpPr>
-          <p:cNvPr id="190" name="Théo"/>
-          <p:cNvSpPr txBox="1"/>
-          <p:nvPr/>
-        </p:nvSpPr>
-        <p:spPr>
-          <a:xfrm>
-            <a:off x="1278881" y="7964549"/>
-            <a:ext cx="1146858" cy="324675"/>
-          </a:xfrm>
-          <a:prstGeom prst="rect">
-            <a:avLst/>
-          </a:prstGeom>
-          <a:ln w="12700">
-            <a:miter lim="400000"/>
-          </a:ln>
-          <a:extLst>
-            <a:ext uri="{C572A759-6A51-4108-AA02-DFA0A04FC94B}">
-              <ma14:wrappingTextBoxFlag xmlns:ma14="http://schemas.microsoft.com/office/mac/drawingml/2011/main" val="1"/>
-            </a:ext>
-          </a:extLst>
-        </p:spPr>
-        <p:txBody>
-          <a:bodyPr lIns="50800" tIns="50800" rIns="50800" bIns="50800" anchor="ctr">
-            <a:spAutoFit/>
-          </a:bodyPr>
-          <a:lstStyle>
-            <a:lvl1pPr>
-              <a:defRPr sz="1500"/>
-            </a:lvl1pPr>
-          </a:lstStyle>
-          <a:p>
-            <a:pPr/>
-            <a:r>
-              <a:t>Théo</a:t>
-            </a:r>
-          </a:p>
-        </p:txBody>
-      </p:sp>
-      <p:sp>
-        <p:nvSpPr>
-          <p:cNvPr id="191" name="Benjamin"/>
-          <p:cNvSpPr txBox="1"/>
-          <p:nvPr/>
-        </p:nvSpPr>
-        <p:spPr>
-          <a:xfrm>
-            <a:off x="7131818" y="3492101"/>
-            <a:ext cx="1146858" cy="324675"/>
-          </a:xfrm>
-          <a:prstGeom prst="rect">
-            <a:avLst/>
-          </a:prstGeom>
-          <a:ln w="12700">
-            <a:miter lim="400000"/>
-          </a:ln>
-          <a:extLst>
-            <a:ext uri="{C572A759-6A51-4108-AA02-DFA0A04FC94B}">
-              <ma14:wrappingTextBoxFlag xmlns:ma14="http://schemas.microsoft.com/office/mac/drawingml/2011/main" val="1"/>
-            </a:ext>
-          </a:extLst>
-        </p:spPr>
-        <p:txBody>
-          <a:bodyPr lIns="50800" tIns="50800" rIns="50800" bIns="50800" anchor="ctr">
-            <a:spAutoFit/>
-          </a:bodyPr>
-          <a:lstStyle>
-            <a:lvl1pPr>
-              <a:defRPr sz="1500"/>
-            </a:lvl1pPr>
-          </a:lstStyle>
-          <a:p>
-            <a:pPr/>
-            <a:r>
-              <a:t>Benjamin</a:t>
-            </a:r>
-          </a:p>
-        </p:txBody>
-      </p:sp>
-      <p:sp>
-        <p:nvSpPr>
-          <p:cNvPr id="192" name="Alexis"/>
-          <p:cNvSpPr txBox="1"/>
-          <p:nvPr/>
-        </p:nvSpPr>
-        <p:spPr>
-          <a:xfrm>
-            <a:off x="7131818" y="5728325"/>
-            <a:ext cx="1146858" cy="324675"/>
-          </a:xfrm>
-          <a:prstGeom prst="rect">
-            <a:avLst/>
-          </a:prstGeom>
-          <a:ln w="12700">
-            <a:miter lim="400000"/>
-          </a:ln>
-          <a:extLst>
-            <a:ext uri="{C572A759-6A51-4108-AA02-DFA0A04FC94B}">
-              <ma14:wrappingTextBoxFlag xmlns:ma14="http://schemas.microsoft.com/office/mac/drawingml/2011/main" val="1"/>
-            </a:ext>
-          </a:extLst>
-        </p:spPr>
-        <p:txBody>
-          <a:bodyPr lIns="50800" tIns="50800" rIns="50800" bIns="50800" anchor="ctr">
-            <a:spAutoFit/>
-          </a:bodyPr>
-          <a:lstStyle>
-            <a:lvl1pPr>
-              <a:defRPr sz="1500"/>
-            </a:lvl1pPr>
-          </a:lstStyle>
-          <a:p>
-            <a:pPr/>
-            <a:r>
-              <a:t>Alexis</a:t>
-            </a:r>
-          </a:p>
-        </p:txBody>
-      </p:sp>
-      <p:sp>
-        <p:nvSpPr>
-          <p:cNvPr id="193" name="Victor"/>
-          <p:cNvSpPr txBox="1"/>
-          <p:nvPr/>
-        </p:nvSpPr>
-        <p:spPr>
-          <a:xfrm>
-            <a:off x="7131818" y="7964549"/>
-            <a:ext cx="1146858" cy="324675"/>
-          </a:xfrm>
-          <a:prstGeom prst="rect">
-            <a:avLst/>
-          </a:prstGeom>
-          <a:ln w="12700">
-            <a:miter lim="400000"/>
-          </a:ln>
-          <a:extLst>
-            <a:ext uri="{C572A759-6A51-4108-AA02-DFA0A04FC94B}">
-              <ma14:wrappingTextBoxFlag xmlns:ma14="http://schemas.microsoft.com/office/mac/drawingml/2011/main" val="1"/>
-            </a:ext>
-          </a:extLst>
-        </p:spPr>
-        <p:txBody>
-          <a:bodyPr lIns="50800" tIns="50800" rIns="50800" bIns="50800" anchor="ctr">
-            <a:spAutoFit/>
-          </a:bodyPr>
-          <a:lstStyle>
-            <a:lvl1pPr>
-              <a:defRPr sz="1500"/>
-            </a:lvl1pPr>
-          </a:lstStyle>
-          <a:p>
-            <a:pPr/>
-            <a:r>
-              <a:t>Victor </a:t>
-            </a:r>
-          </a:p>
-        </p:txBody>
-      </p:sp>
-      <p:sp>
-        <p:nvSpPr>
-          <p:cNvPr id="194" name="Création de la classe Fou…"/>
-          <p:cNvSpPr txBox="1"/>
-          <p:nvPr/>
-        </p:nvSpPr>
-        <p:spPr>
-          <a:xfrm>
-            <a:off x="2676710" y="7075662"/>
-            <a:ext cx="3885820" cy="742544"/>
-          </a:xfrm>
-          <a:prstGeom prst="rect">
-            <a:avLst/>
-          </a:prstGeom>
-          <a:ln w="12700">
-            <a:miter lim="400000"/>
-          </a:ln>
-          <a:extLst>
-            <a:ext uri="{C572A759-6A51-4108-AA02-DFA0A04FC94B}">
-              <ma14:wrappingTextBoxFlag xmlns:ma14="http://schemas.microsoft.com/office/mac/drawingml/2011/main" val="1"/>
-            </a:ext>
-          </a:extLst>
-        </p:spPr>
-        <p:txBody>
-          <a:bodyPr lIns="50800" tIns="50800" rIns="50800" bIns="50800" anchor="ctr">
-            <a:spAutoFit/>
-          </a:bodyPr>
-          <a:lstStyle/>
-          <a:p>
-            <a:pPr marL="272435" indent="-272435" algn="l">
-              <a:spcBef>
-                <a:spcPts val="500"/>
-              </a:spcBef>
-              <a:buSzPct val="145000"/>
-              <a:buChar char="-"/>
-              <a:defRPr b="0" sz="1900"/>
-            </a:pPr>
-            <a:r>
-              <a:t>Création de la classe Fou</a:t>
-            </a:r>
-          </a:p>
-          <a:p>
-            <a:pPr marL="272435" indent="-272435" algn="l">
-              <a:spcBef>
-                <a:spcPts val="500"/>
-              </a:spcBef>
-              <a:buSzPct val="145000"/>
-              <a:buChar char="-"/>
-              <a:defRPr b="0" sz="1900"/>
-            </a:pPr>
-            <a:r>
-              <a:t>Création de la classe Pion</a:t>
-            </a:r>
-          </a:p>
-        </p:txBody>
-      </p:sp>
-      <p:sp>
-        <p:nvSpPr>
-          <p:cNvPr id="195" name="Création de la classe Dame…"/>
-          <p:cNvSpPr txBox="1"/>
-          <p:nvPr/>
-        </p:nvSpPr>
-        <p:spPr>
-          <a:xfrm>
-            <a:off x="8557273" y="4876800"/>
-            <a:ext cx="3885820" cy="742544"/>
-          </a:xfrm>
-          <a:prstGeom prst="rect">
-            <a:avLst/>
-          </a:prstGeom>
-          <a:ln w="12700">
-            <a:miter lim="400000"/>
-          </a:ln>
-          <a:extLst>
-            <a:ext uri="{C572A759-6A51-4108-AA02-DFA0A04FC94B}">
-              <ma14:wrappingTextBoxFlag xmlns:ma14="http://schemas.microsoft.com/office/mac/drawingml/2011/main" val="1"/>
-            </a:ext>
-          </a:extLst>
-        </p:spPr>
-        <p:txBody>
-          <a:bodyPr lIns="50800" tIns="50800" rIns="50800" bIns="50800" anchor="ctr">
-            <a:spAutoFit/>
-          </a:bodyPr>
-          <a:lstStyle/>
-          <a:p>
-            <a:pPr marL="272435" indent="-272435" algn="l">
-              <a:spcBef>
-                <a:spcPts val="500"/>
-              </a:spcBef>
-              <a:buSzPct val="145000"/>
-              <a:buChar char="-"/>
-              <a:defRPr b="0" sz="1900"/>
-            </a:pPr>
-            <a:r>
-              <a:t>Création de la classe Dame</a:t>
-            </a:r>
-          </a:p>
-          <a:p>
-            <a:pPr marL="272435" indent="-272435" algn="l">
-              <a:spcBef>
-                <a:spcPts val="500"/>
-              </a:spcBef>
-              <a:buSzPct val="145000"/>
-              <a:buChar char="-"/>
-              <a:defRPr b="0" sz="1900"/>
-            </a:pPr>
-            <a:r>
-              <a:t>Création de la classe Cavalier</a:t>
-            </a:r>
-          </a:p>
-        </p:txBody>
-      </p:sp>
-    </p:spTree>
-  </p:cSld>
-  <p:clrMapOvr>
-    <a:masterClrMapping/>
-  </p:clrMapOvr>
-  <p:transition xmlns:p14="http://schemas.microsoft.com/office/powerpoint/2010/main" spd="med" advClick="1"/>
-</p:sld>
-</file>
-
-<file path=ppt/slides/slide9.xml><?xml version="1.0" encoding="utf-8"?>
-<p:sld xmlns:a="http://schemas.openxmlformats.org/drawingml/2006/main" xmlns:r="http://schemas.openxmlformats.org/officeDocument/2006/relationships" xmlns:p="http://schemas.openxmlformats.org/presentationml/2006/main" showMasterSp="1" showMasterPhAnim="1">
-  <p:cSld>
-    <p:spTree>
-      <p:nvGrpSpPr>
-        <p:cNvPr id="1" name=""/>
-        <p:cNvGrpSpPr/>
-        <p:nvPr/>
-      </p:nvGrpSpPr>
-      <p:grpSpPr>
-        <a:xfrm>
-          <a:off x="0" y="0"/>
-          <a:ext cx="0" cy="0"/>
-          <a:chOff x="0" y="0"/>
-          <a:chExt cx="0" cy="0"/>
-        </a:xfrm>
-      </p:grpSpPr>
-      <p:sp>
-        <p:nvSpPr>
-          <p:cNvPr id="197" name="Bilan"/>
-          <p:cNvSpPr txBox="1"/>
-          <p:nvPr/>
-        </p:nvSpPr>
-        <p:spPr>
-          <a:xfrm>
-            <a:off x="5562854" y="653054"/>
-            <a:ext cx="1879093" cy="1019298"/>
-          </a:xfrm>
-          <a:prstGeom prst="rect">
-            <a:avLst/>
-          </a:prstGeom>
-          <a:ln w="12700">
-            <a:miter lim="400000"/>
-          </a:ln>
-          <a:extLst>
-            <a:ext uri="{C572A759-6A51-4108-AA02-DFA0A04FC94B}">
-              <ma14:wrappingTextBoxFlag xmlns:ma14="http://schemas.microsoft.com/office/mac/drawingml/2011/main" val="1"/>
-            </a:ext>
-          </a:extLst>
-        </p:spPr>
-        <p:txBody>
-          <a:bodyPr wrap="none" lIns="50800" tIns="50800" rIns="50800" bIns="50800" anchor="ctr">
-            <a:spAutoFit/>
-          </a:bodyPr>
-          <a:lstStyle>
-            <a:lvl1pPr>
-              <a:defRPr b="0" sz="6000">
-                <a:latin typeface="+mn-lt"/>
-                <a:ea typeface="+mn-ea"/>
-                <a:cs typeface="+mn-cs"/>
-                <a:sym typeface="Helvetica Neue Medium"/>
-              </a:defRPr>
-            </a:lvl1pPr>
-          </a:lstStyle>
-          <a:p>
-            <a:pPr/>
-            <a:r>
-              <a:t>Bilan</a:t>
-            </a:r>
-          </a:p>
-        </p:txBody>
-      </p:sp>
-      <p:sp>
-        <p:nvSpPr>
-          <p:cNvPr id="198" name="Numéro de diapositive"/>
-          <p:cNvSpPr txBox="1"/>
-          <p:nvPr>
-            <p:ph type="sldNum" sz="quarter" idx="2"/>
-          </p:nvPr>
-        </p:nvSpPr>
-        <p:spPr>
-          <a:xfrm>
-            <a:off x="6156773" y="9296400"/>
-            <a:ext cx="455880" cy="324306"/>
-          </a:xfrm>
-          <a:prstGeom prst="rect">
-            <a:avLst/>
-          </a:prstGeom>
-          <a:extLst>
-            <a:ext uri="{C572A759-6A51-4108-AA02-DFA0A04FC94B}">
-              <ma14:wrappingTextBoxFlag xmlns:ma14="http://schemas.microsoft.com/office/mac/drawingml/2011/main" val="1"/>
-            </a:ext>
-          </a:extLst>
-        </p:spPr>
-        <p:txBody>
-          <a:bodyPr/>
-          <a:lstStyle/>
-          <a:p>
-            <a:pPr lvl="1" algn="r">
-              <a:defRPr b="0" sz="1600">
-                <a:latin typeface="Helvetica Neue Thin"/>
-                <a:ea typeface="Helvetica Neue Thin"/>
-                <a:cs typeface="Helvetica Neue Thin"/>
-                <a:sym typeface="Helvetica Neue Thin"/>
-              </a:defRPr>
-            </a:pPr>
-            <a:fld id="{86CB4B4D-7CA3-9044-876B-883B54F8677D}" type="slidenum"/>
-          </a:p>
-        </p:txBody>
-      </p:sp>
-      <p:sp>
-        <p:nvSpPr>
-          <p:cNvPr id="199" name="Technique :"/>
+          <p:cNvPr id="214" name="Technique :"/>
           <p:cNvSpPr txBox="1"/>
           <p:nvPr/>
         </p:nvSpPr>
@@ -6213,7 +3398,7 @@
       </p:sp>
       <p:sp>
         <p:nvSpPr>
-          <p:cNvPr id="200" name="- Programme fonctionnel"/>
+          <p:cNvPr id="215" name="- Programme fonctionnel"/>
           <p:cNvSpPr txBox="1"/>
           <p:nvPr/>
         </p:nvSpPr>
@@ -6256,7 +3441,7 @@
       </p:sp>
       <p:sp>
         <p:nvSpPr>
-          <p:cNvPr id="201" name="- Possible d’améliorer l’aspect graphique"/>
+          <p:cNvPr id="216" name="- Possible d’améliorer l’aspect graphique"/>
           <p:cNvSpPr txBox="1"/>
           <p:nvPr/>
         </p:nvSpPr>
@@ -6299,7 +3484,7 @@
       </p:sp>
       <p:sp>
         <p:nvSpPr>
-          <p:cNvPr id="202" name="- Ajout d’une IA pour jouer seul"/>
+          <p:cNvPr id="217" name="- Ajout d’une IA pour jouer seul"/>
           <p:cNvSpPr txBox="1"/>
           <p:nvPr/>
         </p:nvSpPr>
@@ -6342,7 +3527,7 @@
       </p:sp>
       <p:sp>
         <p:nvSpPr>
-          <p:cNvPr id="203" name="Humain :"/>
+          <p:cNvPr id="218" name="Humain :"/>
           <p:cNvSpPr txBox="1"/>
           <p:nvPr/>
         </p:nvSpPr>
@@ -6389,7 +3574,7 @@
       </p:sp>
       <p:sp>
         <p:nvSpPr>
-          <p:cNvPr id="204" name="- Difficile de se coordonner"/>
+          <p:cNvPr id="219" name="- Difficile de se coordonner"/>
           <p:cNvSpPr txBox="1"/>
           <p:nvPr/>
         </p:nvSpPr>
@@ -6436,7 +3621,7 @@
       </p:sp>
       <p:sp>
         <p:nvSpPr>
-          <p:cNvPr id="205" name="- Bonne entente et bonne ambiance de travail"/>
+          <p:cNvPr id="220" name="- Bonne entente et bonne ambiance de travail"/>
           <p:cNvSpPr txBox="1"/>
           <p:nvPr/>
         </p:nvSpPr>
@@ -6483,7 +3668,7 @@
       </p:sp>
       <p:sp>
         <p:nvSpPr>
-          <p:cNvPr id="206" name="Pédagogique :"/>
+          <p:cNvPr id="221" name="Pédagogique :"/>
           <p:cNvSpPr txBox="1"/>
           <p:nvPr/>
         </p:nvSpPr>
@@ -6530,7 +3715,7 @@
       </p:sp>
       <p:sp>
         <p:nvSpPr>
-          <p:cNvPr id="207" name="- Meilleure connaissance du jeu d’échecs"/>
+          <p:cNvPr id="222" name="- Meilleure connaissance du jeu d’échecs"/>
           <p:cNvSpPr txBox="1"/>
           <p:nvPr/>
         </p:nvSpPr>
@@ -6577,7 +3762,7 @@
       </p:sp>
       <p:sp>
         <p:nvSpPr>
-          <p:cNvPr id="208" name="- Utilisation de GitKraken pour la gestion du code"/>
+          <p:cNvPr id="223" name="- Utilisation de GitKraken pour la gestion du code"/>
           <p:cNvSpPr txBox="1"/>
           <p:nvPr/>
         </p:nvSpPr>
@@ -6624,7 +3809,7 @@
       </p:sp>
       <p:sp>
         <p:nvSpPr>
-          <p:cNvPr id="209" name="- Utilisation d’une grande partie des connaissances"/>
+          <p:cNvPr id="224" name="- Utilisation d’une grande partie des connaissances"/>
           <p:cNvSpPr txBox="1"/>
           <p:nvPr/>
         </p:nvSpPr>
@@ -6671,7 +3856,7 @@
       </p:sp>
       <p:sp>
         <p:nvSpPr>
-          <p:cNvPr id="210" name="- Apprentissage de la répartition du travail"/>
+          <p:cNvPr id="225" name="- Apprentissage de la répartition du travail"/>
           <p:cNvSpPr txBox="1"/>
           <p:nvPr/>
         </p:nvSpPr>
@@ -6718,7 +3903,7 @@
       </p:sp>
       <p:pic>
         <p:nvPicPr>
-          <p:cNvPr id="211" name="computer.png" descr="computer.png"/>
+          <p:cNvPr id="226" name="computer.png" descr="computer.png"/>
           <p:cNvPicPr>
             <a:picLocks noChangeAspect="1"/>
           </p:cNvPicPr>
@@ -6747,7 +3932,7 @@
       </p:pic>
       <p:pic>
         <p:nvPicPr>
-          <p:cNvPr id="212" name="artificial-intelligence.png" descr="artificial-intelligence.png"/>
+          <p:cNvPr id="227" name="artificial-intelligence.png" descr="artificial-intelligence.png"/>
           <p:cNvPicPr>
             <a:picLocks noChangeAspect="1"/>
           </p:cNvPicPr>
@@ -6776,7 +3961,7 @@
       </p:pic>
       <p:pic>
         <p:nvPicPr>
-          <p:cNvPr id="213" name="code.png" descr="code.png"/>
+          <p:cNvPr id="228" name="code.png" descr="code.png"/>
           <p:cNvPicPr>
             <a:picLocks noChangeAspect="1"/>
           </p:cNvPicPr>
@@ -6805,7 +3990,7 @@
       </p:pic>
       <p:pic>
         <p:nvPicPr>
-          <p:cNvPr id="214" name="laptop.png" descr="laptop.png"/>
+          <p:cNvPr id="229" name="laptop.png" descr="laptop.png"/>
           <p:cNvPicPr>
             <a:picLocks noChangeAspect="1"/>
           </p:cNvPicPr>
@@ -6874,7 +4059,7 @@
                                       <p:cBhvr>
                                         <p:cTn id="6" fill="hold"/>
                                         <p:tgtEl>
-                                          <p:spTgt spid="199"/>
+                                          <p:spTgt spid="214"/>
                                         </p:tgtEl>
                                         <p:attrNameLst>
                                           <p:attrName>style.visibility</p:attrName>
@@ -6888,7 +4073,7 @@
                                       <p:cBhvr>
                                         <p:cTn id="7" dur="500"/>
                                         <p:tgtEl>
-                                          <p:spTgt spid="199"/>
+                                          <p:spTgt spid="214"/>
                                         </p:tgtEl>
                                       </p:cBhvr>
                                     </p:animEffect>
@@ -6917,7 +4102,7 @@
                                       <p:cBhvr>
                                         <p:cTn id="10" fill="hold"/>
                                         <p:tgtEl>
-                                          <p:spTgt spid="211"/>
+                                          <p:spTgt spid="226"/>
                                         </p:tgtEl>
                                         <p:attrNameLst>
                                           <p:attrName>style.visibility</p:attrName>
@@ -6931,7 +4116,7 @@
                                       <p:cBhvr>
                                         <p:cTn id="11" dur="499"/>
                                         <p:tgtEl>
-                                          <p:spTgt spid="211"/>
+                                          <p:spTgt spid="226"/>
                                         </p:tgtEl>
                                       </p:cBhvr>
                                     </p:animEffect>
@@ -6969,7 +4154,7 @@
                                       <p:cBhvr>
                                         <p:cTn id="15" fill="hold"/>
                                         <p:tgtEl>
-                                          <p:spTgt spid="200"/>
+                                          <p:spTgt spid="215"/>
                                         </p:tgtEl>
                                         <p:attrNameLst>
                                           <p:attrName>style.visibility</p:attrName>
@@ -6983,7 +4168,7 @@
                                       <p:cBhvr>
                                         <p:cTn id="16" dur="800"/>
                                         <p:tgtEl>
-                                          <p:spTgt spid="200"/>
+                                          <p:spTgt spid="215"/>
                                         </p:tgtEl>
                                       </p:cBhvr>
                                     </p:animEffect>
@@ -7012,7 +4197,7 @@
                                       <p:cBhvr>
                                         <p:cTn id="19" fill="hold"/>
                                         <p:tgtEl>
-                                          <p:spTgt spid="213"/>
+                                          <p:spTgt spid="228"/>
                                         </p:tgtEl>
                                         <p:attrNameLst>
                                           <p:attrName>style.visibility</p:attrName>
@@ -7026,7 +4211,7 @@
                                       <p:cBhvr>
                                         <p:cTn id="20" dur="799"/>
                                         <p:tgtEl>
-                                          <p:spTgt spid="213"/>
+                                          <p:spTgt spid="228"/>
                                         </p:tgtEl>
                                       </p:cBhvr>
                                     </p:animEffect>
@@ -7064,7 +4249,7 @@
                                       <p:cBhvr>
                                         <p:cTn id="24" fill="hold"/>
                                         <p:tgtEl>
-                                          <p:spTgt spid="201"/>
+                                          <p:spTgt spid="216"/>
                                         </p:tgtEl>
                                         <p:attrNameLst>
                                           <p:attrName>style.visibility</p:attrName>
@@ -7078,7 +4263,7 @@
                                       <p:cBhvr>
                                         <p:cTn id="25" dur="800"/>
                                         <p:tgtEl>
-                                          <p:spTgt spid="201"/>
+                                          <p:spTgt spid="216"/>
                                         </p:tgtEl>
                                       </p:cBhvr>
                                     </p:animEffect>
@@ -7107,7 +4292,7 @@
                                       <p:cBhvr>
                                         <p:cTn id="28" fill="hold"/>
                                         <p:tgtEl>
-                                          <p:spTgt spid="214"/>
+                                          <p:spTgt spid="229"/>
                                         </p:tgtEl>
                                         <p:attrNameLst>
                                           <p:attrName>style.visibility</p:attrName>
@@ -7121,7 +4306,7 @@
                                       <p:cBhvr>
                                         <p:cTn id="29" dur="799"/>
                                         <p:tgtEl>
-                                          <p:spTgt spid="214"/>
+                                          <p:spTgt spid="229"/>
                                         </p:tgtEl>
                                       </p:cBhvr>
                                     </p:animEffect>
@@ -7159,7 +4344,7 @@
                                       <p:cBhvr>
                                         <p:cTn id="33" fill="hold"/>
                                         <p:tgtEl>
-                                          <p:spTgt spid="202"/>
+                                          <p:spTgt spid="217"/>
                                         </p:tgtEl>
                                         <p:attrNameLst>
                                           <p:attrName>style.visibility</p:attrName>
@@ -7173,7 +4358,7 @@
                                       <p:cBhvr>
                                         <p:cTn id="34" dur="800"/>
                                         <p:tgtEl>
-                                          <p:spTgt spid="202"/>
+                                          <p:spTgt spid="217"/>
                                         </p:tgtEl>
                                       </p:cBhvr>
                                     </p:animEffect>
@@ -7202,7 +4387,7 @@
                                       <p:cBhvr>
                                         <p:cTn id="37" fill="hold"/>
                                         <p:tgtEl>
-                                          <p:spTgt spid="212"/>
+                                          <p:spTgt spid="227"/>
                                         </p:tgtEl>
                                         <p:attrNameLst>
                                           <p:attrName>style.visibility</p:attrName>
@@ -7216,7 +4401,7 @@
                                       <p:cBhvr>
                                         <p:cTn id="38" dur="799"/>
                                         <p:tgtEl>
-                                          <p:spTgt spid="212"/>
+                                          <p:spTgt spid="227"/>
                                         </p:tgtEl>
                                       </p:cBhvr>
                                     </p:animEffect>
@@ -7254,7 +4439,7 @@
                                       <p:cBhvr>
                                         <p:cTn id="42" dur="1000" fill="hold"/>
                                         <p:tgtEl>
-                                          <p:spTgt spid="199"/>
+                                          <p:spTgt spid="214"/>
                                         </p:tgtEl>
                                         <p:attrNameLst>
                                           <p:attrName>ppt_w</p:attrName>
@@ -7277,7 +4462,7 @@
                                       <p:cBhvr>
                                         <p:cTn id="43" dur="1000" fill="hold"/>
                                         <p:tgtEl>
-                                          <p:spTgt spid="199"/>
+                                          <p:spTgt spid="214"/>
                                         </p:tgtEl>
                                         <p:attrNameLst>
                                           <p:attrName>ppt_h</p:attrName>
@@ -7304,7 +4489,7 @@
                                           </p:stCondLst>
                                         </p:cTn>
                                         <p:tgtEl>
-                                          <p:spTgt spid="199"/>
+                                          <p:spTgt spid="214"/>
                                         </p:tgtEl>
                                         <p:attrNameLst>
                                           <p:attrName>style.visibility</p:attrName>
@@ -7339,7 +4524,7 @@
                                       <p:cBhvr>
                                         <p:cTn id="47" dur="1000" fill="hold"/>
                                         <p:tgtEl>
-                                          <p:spTgt spid="214"/>
+                                          <p:spTgt spid="229"/>
                                         </p:tgtEl>
                                         <p:attrNameLst>
                                           <p:attrName>ppt_w</p:attrName>
@@ -7362,7 +4547,7 @@
                                       <p:cBhvr>
                                         <p:cTn id="48" dur="1000" fill="hold"/>
                                         <p:tgtEl>
-                                          <p:spTgt spid="214"/>
+                                          <p:spTgt spid="229"/>
                                         </p:tgtEl>
                                         <p:attrNameLst>
                                           <p:attrName>ppt_h</p:attrName>
@@ -7389,7 +4574,7 @@
                                           </p:stCondLst>
                                         </p:cTn>
                                         <p:tgtEl>
-                                          <p:spTgt spid="214"/>
+                                          <p:spTgt spid="229"/>
                                         </p:tgtEl>
                                         <p:attrNameLst>
                                           <p:attrName>style.visibility</p:attrName>
@@ -7424,7 +4609,7 @@
                                       <p:cBhvr>
                                         <p:cTn id="52" dur="1000" fill="hold"/>
                                         <p:tgtEl>
-                                          <p:spTgt spid="212"/>
+                                          <p:spTgt spid="227"/>
                                         </p:tgtEl>
                                         <p:attrNameLst>
                                           <p:attrName>ppt_w</p:attrName>
@@ -7447,7 +4632,7 @@
                                       <p:cBhvr>
                                         <p:cTn id="53" dur="1000" fill="hold"/>
                                         <p:tgtEl>
-                                          <p:spTgt spid="212"/>
+                                          <p:spTgt spid="227"/>
                                         </p:tgtEl>
                                         <p:attrNameLst>
                                           <p:attrName>ppt_h</p:attrName>
@@ -7474,7 +4659,7 @@
                                           </p:stCondLst>
                                         </p:cTn>
                                         <p:tgtEl>
-                                          <p:spTgt spid="212"/>
+                                          <p:spTgt spid="227"/>
                                         </p:tgtEl>
                                         <p:attrNameLst>
                                           <p:attrName>style.visibility</p:attrName>
@@ -7509,7 +4694,7 @@
                                       <p:cBhvr>
                                         <p:cTn id="57" dur="1000" fill="hold"/>
                                         <p:tgtEl>
-                                          <p:spTgt spid="213"/>
+                                          <p:spTgt spid="228"/>
                                         </p:tgtEl>
                                         <p:attrNameLst>
                                           <p:attrName>ppt_w</p:attrName>
@@ -7532,7 +4717,7 @@
                                       <p:cBhvr>
                                         <p:cTn id="58" dur="1000" fill="hold"/>
                                         <p:tgtEl>
-                                          <p:spTgt spid="213"/>
+                                          <p:spTgt spid="228"/>
                                         </p:tgtEl>
                                         <p:attrNameLst>
                                           <p:attrName>ppt_h</p:attrName>
@@ -7559,7 +4744,7 @@
                                           </p:stCondLst>
                                         </p:cTn>
                                         <p:tgtEl>
-                                          <p:spTgt spid="213"/>
+                                          <p:spTgt spid="228"/>
                                         </p:tgtEl>
                                         <p:attrNameLst>
                                           <p:attrName>style.visibility</p:attrName>
@@ -7594,7 +4779,7 @@
                                       <p:cBhvr>
                                         <p:cTn id="62" dur="1000" fill="hold"/>
                                         <p:tgtEl>
-                                          <p:spTgt spid="211"/>
+                                          <p:spTgt spid="226"/>
                                         </p:tgtEl>
                                         <p:attrNameLst>
                                           <p:attrName>ppt_w</p:attrName>
@@ -7617,7 +4802,7 @@
                                       <p:cBhvr>
                                         <p:cTn id="63" dur="1000" fill="hold"/>
                                         <p:tgtEl>
-                                          <p:spTgt spid="211"/>
+                                          <p:spTgt spid="226"/>
                                         </p:tgtEl>
                                         <p:attrNameLst>
                                           <p:attrName>ppt_h</p:attrName>
@@ -7644,7 +4829,7 @@
                                           </p:stCondLst>
                                         </p:cTn>
                                         <p:tgtEl>
-                                          <p:spTgt spid="211"/>
+                                          <p:spTgt spid="226"/>
                                         </p:tgtEl>
                                         <p:attrNameLst>
                                           <p:attrName>style.visibility</p:attrName>
@@ -7679,7 +4864,7 @@
                                       <p:cBhvr>
                                         <p:cTn id="67" dur="1000" fill="hold"/>
                                         <p:tgtEl>
-                                          <p:spTgt spid="200"/>
+                                          <p:spTgt spid="215"/>
                                         </p:tgtEl>
                                         <p:attrNameLst>
                                           <p:attrName>ppt_w</p:attrName>
@@ -7702,7 +4887,7 @@
                                       <p:cBhvr>
                                         <p:cTn id="68" dur="1000" fill="hold"/>
                                         <p:tgtEl>
-                                          <p:spTgt spid="200"/>
+                                          <p:spTgt spid="215"/>
                                         </p:tgtEl>
                                         <p:attrNameLst>
                                           <p:attrName>ppt_h</p:attrName>
@@ -7729,7 +4914,7 @@
                                           </p:stCondLst>
                                         </p:cTn>
                                         <p:tgtEl>
-                                          <p:spTgt spid="200"/>
+                                          <p:spTgt spid="215"/>
                                         </p:tgtEl>
                                         <p:attrNameLst>
                                           <p:attrName>style.visibility</p:attrName>
@@ -7764,7 +4949,7 @@
                                       <p:cBhvr>
                                         <p:cTn id="72" dur="1000" fill="hold"/>
                                         <p:tgtEl>
-                                          <p:spTgt spid="201"/>
+                                          <p:spTgt spid="216"/>
                                         </p:tgtEl>
                                         <p:attrNameLst>
                                           <p:attrName>ppt_w</p:attrName>
@@ -7787,7 +4972,7 @@
                                       <p:cBhvr>
                                         <p:cTn id="73" dur="1000" fill="hold"/>
                                         <p:tgtEl>
-                                          <p:spTgt spid="201"/>
+                                          <p:spTgt spid="216"/>
                                         </p:tgtEl>
                                         <p:attrNameLst>
                                           <p:attrName>ppt_h</p:attrName>
@@ -7814,7 +4999,7 @@
                                           </p:stCondLst>
                                         </p:cTn>
                                         <p:tgtEl>
-                                          <p:spTgt spid="201"/>
+                                          <p:spTgt spid="216"/>
                                         </p:tgtEl>
                                         <p:attrNameLst>
                                           <p:attrName>style.visibility</p:attrName>
@@ -7849,7 +5034,7 @@
                                       <p:cBhvr>
                                         <p:cTn id="77" dur="1000" fill="hold"/>
                                         <p:tgtEl>
-                                          <p:spTgt spid="202"/>
+                                          <p:spTgt spid="217"/>
                                         </p:tgtEl>
                                         <p:attrNameLst>
                                           <p:attrName>ppt_w</p:attrName>
@@ -7872,7 +5057,7 @@
                                       <p:cBhvr>
                                         <p:cTn id="78" dur="1000" fill="hold"/>
                                         <p:tgtEl>
-                                          <p:spTgt spid="202"/>
+                                          <p:spTgt spid="217"/>
                                         </p:tgtEl>
                                         <p:attrNameLst>
                                           <p:attrName>ppt_h</p:attrName>
@@ -7899,7 +5084,7 @@
                                           </p:stCondLst>
                                         </p:cTn>
                                         <p:tgtEl>
-                                          <p:spTgt spid="202"/>
+                                          <p:spTgt spid="217"/>
                                         </p:tgtEl>
                                         <p:attrNameLst>
                                           <p:attrName>style.visibility</p:attrName>
@@ -7934,7 +5119,7 @@
                                       <p:cBhvr>
                                         <p:cTn id="82" fill="hold"/>
                                         <p:tgtEl>
-                                          <p:spTgt spid="203"/>
+                                          <p:spTgt spid="218"/>
                                         </p:tgtEl>
                                         <p:attrNameLst>
                                           <p:attrName>style.visibility</p:attrName>
@@ -7948,7 +5133,7 @@
                                       <p:cBhvr>
                                         <p:cTn id="83" dur="500"/>
                                         <p:tgtEl>
-                                          <p:spTgt spid="203"/>
+                                          <p:spTgt spid="218"/>
                                         </p:tgtEl>
                                       </p:cBhvr>
                                     </p:animEffect>
@@ -7986,7 +5171,7 @@
                                       <p:cBhvr>
                                         <p:cTn id="87" fill="hold"/>
                                         <p:tgtEl>
-                                          <p:spTgt spid="204"/>
+                                          <p:spTgt spid="219"/>
                                         </p:tgtEl>
                                         <p:attrNameLst>
                                           <p:attrName>style.visibility</p:attrName>
@@ -8000,7 +5185,7 @@
                                       <p:cBhvr>
                                         <p:cTn id="88" dur="800"/>
                                         <p:tgtEl>
-                                          <p:spTgt spid="204"/>
+                                          <p:spTgt spid="219"/>
                                         </p:tgtEl>
                                       </p:cBhvr>
                                     </p:animEffect>
@@ -8038,7 +5223,7 @@
                                       <p:cBhvr>
                                         <p:cTn id="92" fill="hold"/>
                                         <p:tgtEl>
-                                          <p:spTgt spid="205"/>
+                                          <p:spTgt spid="220"/>
                                         </p:tgtEl>
                                         <p:attrNameLst>
                                           <p:attrName>style.visibility</p:attrName>
@@ -8052,7 +5237,7 @@
                                       <p:cBhvr>
                                         <p:cTn id="93" dur="800"/>
                                         <p:tgtEl>
-                                          <p:spTgt spid="205"/>
+                                          <p:spTgt spid="220"/>
                                         </p:tgtEl>
                                       </p:cBhvr>
                                     </p:animEffect>
@@ -8078,7 +5263,7 @@
                             </p:stCondLst>
                             <p:childTnLst>
                               <p:par>
-                                <p:cTn id="96" presetClass="exit" nodeType="clickEffect" presetSubtype="32" presetID="23" grpId="20" fill="hold">
+                                <p:cTn id="96" presetClass="entr" nodeType="clickEffect" presetID="9" grpId="20" fill="hold">
                                   <p:stCondLst>
                                     <p:cond delay="0"/>
                                   </p:stCondLst>
@@ -8086,84 +5271,51 @@
                                     <p:tmAbs val="0"/>
                                   </p:iterate>
                                   <p:childTnLst>
-                                    <p:anim calcmode="lin" valueType="num">
-                                      <p:cBhvr>
-                                        <p:cTn id="97" dur="1000" fill="hold"/>
-                                        <p:tgtEl>
-                                          <p:spTgt spid="203"/>
-                                        </p:tgtEl>
-                                        <p:attrNameLst>
-                                          <p:attrName>ppt_w</p:attrName>
-                                        </p:attrNameLst>
-                                      </p:cBhvr>
-                                      <p:tavLst>
-                                        <p:tav tm="0">
-                                          <p:val>
-                                            <p:strVal val="ppt_w"/>
-                                          </p:val>
-                                        </p:tav>
-                                        <p:tav tm="100000">
-                                          <p:val>
-                                            <p:fltVal val="0"/>
-                                          </p:val>
-                                        </p:tav>
-                                      </p:tavLst>
-                                    </p:anim>
-                                    <p:anim calcmode="lin" valueType="num">
-                                      <p:cBhvr>
-                                        <p:cTn id="98" dur="1000" fill="hold"/>
-                                        <p:tgtEl>
-                                          <p:spTgt spid="203"/>
-                                        </p:tgtEl>
-                                        <p:attrNameLst>
-                                          <p:attrName>ppt_h</p:attrName>
-                                        </p:attrNameLst>
-                                      </p:cBhvr>
-                                      <p:tavLst>
-                                        <p:tav tm="0">
-                                          <p:val>
-                                            <p:strVal val="ppt_h"/>
-                                          </p:val>
-                                        </p:tav>
-                                        <p:tav tm="100000">
-                                          <p:val>
-                                            <p:fltVal val="0"/>
-                                          </p:val>
-                                        </p:tav>
-                                      </p:tavLst>
-                                    </p:anim>
                                     <p:set>
                                       <p:cBhvr>
-                                        <p:cTn id="99" fill="hold">
-                                          <p:stCondLst>
-                                            <p:cond delay="999"/>
-                                          </p:stCondLst>
-                                        </p:cTn>
+                                        <p:cTn id="97" fill="hold"/>
                                         <p:tgtEl>
-                                          <p:spTgt spid="203"/>
+                                          <p:spTgt spid="225"/>
                                         </p:tgtEl>
                                         <p:attrNameLst>
                                           <p:attrName>style.visibility</p:attrName>
                                         </p:attrNameLst>
                                       </p:cBhvr>
                                       <p:to>
-                                        <p:strVal val="hidden"/>
+                                        <p:strVal val="visible"/>
                                       </p:to>
                                     </p:set>
+                                    <p:animEffect filter="dissolve" transition="in">
+                                      <p:cBhvr>
+                                        <p:cTn id="98" dur="800"/>
+                                        <p:tgtEl>
+                                          <p:spTgt spid="225"/>
+                                        </p:tgtEl>
+                                      </p:cBhvr>
+                                    </p:animEffect>
                                   </p:childTnLst>
                                 </p:cTn>
                               </p:par>
                             </p:childTnLst>
                           </p:cTn>
                         </p:par>
+                      </p:childTnLst>
+                    </p:cTn>
+                  </p:par>
+                  <p:par>
+                    <p:cTn id="99" fill="hold">
+                      <p:stCondLst>
+                        <p:cond delay="indefinite"/>
+                      </p:stCondLst>
+                      <p:childTnLst>
                         <p:par>
                           <p:cTn id="100" fill="hold">
                             <p:stCondLst>
-                              <p:cond delay="1000"/>
+                              <p:cond delay="0"/>
                             </p:stCondLst>
                             <p:childTnLst>
                               <p:par>
-                                <p:cTn id="101" presetClass="exit" nodeType="afterEffect" presetSubtype="32" presetID="23" grpId="21" fill="hold">
+                                <p:cTn id="101" presetClass="exit" nodeType="clickEffect" presetSubtype="32" presetID="23" grpId="21" fill="hold">
                                   <p:stCondLst>
                                     <p:cond delay="0"/>
                                   </p:stCondLst>
@@ -8175,7 +5327,7 @@
                                       <p:cBhvr>
                                         <p:cTn id="102" dur="1000" fill="hold"/>
                                         <p:tgtEl>
-                                          <p:spTgt spid="204"/>
+                                          <p:spTgt spid="218"/>
                                         </p:tgtEl>
                                         <p:attrNameLst>
                                           <p:attrName>ppt_w</p:attrName>
@@ -8198,7 +5350,7 @@
                                       <p:cBhvr>
                                         <p:cTn id="103" dur="1000" fill="hold"/>
                                         <p:tgtEl>
-                                          <p:spTgt spid="204"/>
+                                          <p:spTgt spid="218"/>
                                         </p:tgtEl>
                                         <p:attrNameLst>
                                           <p:attrName>ppt_h</p:attrName>
@@ -8225,7 +5377,7 @@
                                           </p:stCondLst>
                                         </p:cTn>
                                         <p:tgtEl>
-                                          <p:spTgt spid="204"/>
+                                          <p:spTgt spid="218"/>
                                         </p:tgtEl>
                                         <p:attrNameLst>
                                           <p:attrName>style.visibility</p:attrName>
@@ -8244,7 +5396,7 @@
                         <p:par>
                           <p:cTn id="105" fill="hold">
                             <p:stCondLst>
-                              <p:cond delay="2000"/>
+                              <p:cond delay="1000"/>
                             </p:stCondLst>
                             <p:childTnLst>
                               <p:par>
@@ -8260,7 +5412,7 @@
                                       <p:cBhvr>
                                         <p:cTn id="107" dur="1000" fill="hold"/>
                                         <p:tgtEl>
-                                          <p:spTgt spid="205"/>
+                                          <p:spTgt spid="219"/>
                                         </p:tgtEl>
                                         <p:attrNameLst>
                                           <p:attrName>ppt_w</p:attrName>
@@ -8283,7 +5435,7 @@
                                       <p:cBhvr>
                                         <p:cTn id="108" dur="1000" fill="hold"/>
                                         <p:tgtEl>
-                                          <p:spTgt spid="205"/>
+                                          <p:spTgt spid="219"/>
                                         </p:tgtEl>
                                         <p:attrNameLst>
                                           <p:attrName>ppt_h</p:attrName>
@@ -8310,7 +5462,7 @@
                                           </p:stCondLst>
                                         </p:cTn>
                                         <p:tgtEl>
-                                          <p:spTgt spid="205"/>
+                                          <p:spTgt spid="219"/>
                                         </p:tgtEl>
                                         <p:attrNameLst>
                                           <p:attrName>style.visibility</p:attrName>
@@ -8329,11 +5481,181 @@
                         <p:par>
                           <p:cTn id="110" fill="hold">
                             <p:stCondLst>
+                              <p:cond delay="2000"/>
+                            </p:stCondLst>
+                            <p:childTnLst>
+                              <p:par>
+                                <p:cTn id="111" presetClass="exit" nodeType="afterEffect" presetSubtype="32" presetID="23" grpId="23" fill="hold">
+                                  <p:stCondLst>
+                                    <p:cond delay="0"/>
+                                  </p:stCondLst>
+                                  <p:iterate type="el" backwards="0">
+                                    <p:tmAbs val="0"/>
+                                  </p:iterate>
+                                  <p:childTnLst>
+                                    <p:anim calcmode="lin" valueType="num">
+                                      <p:cBhvr>
+                                        <p:cTn id="112" dur="1000" fill="hold"/>
+                                        <p:tgtEl>
+                                          <p:spTgt spid="220"/>
+                                        </p:tgtEl>
+                                        <p:attrNameLst>
+                                          <p:attrName>ppt_w</p:attrName>
+                                        </p:attrNameLst>
+                                      </p:cBhvr>
+                                      <p:tavLst>
+                                        <p:tav tm="0">
+                                          <p:val>
+                                            <p:strVal val="ppt_w"/>
+                                          </p:val>
+                                        </p:tav>
+                                        <p:tav tm="100000">
+                                          <p:val>
+                                            <p:fltVal val="0"/>
+                                          </p:val>
+                                        </p:tav>
+                                      </p:tavLst>
+                                    </p:anim>
+                                    <p:anim calcmode="lin" valueType="num">
+                                      <p:cBhvr>
+                                        <p:cTn id="113" dur="1000" fill="hold"/>
+                                        <p:tgtEl>
+                                          <p:spTgt spid="220"/>
+                                        </p:tgtEl>
+                                        <p:attrNameLst>
+                                          <p:attrName>ppt_h</p:attrName>
+                                        </p:attrNameLst>
+                                      </p:cBhvr>
+                                      <p:tavLst>
+                                        <p:tav tm="0">
+                                          <p:val>
+                                            <p:strVal val="ppt_h"/>
+                                          </p:val>
+                                        </p:tav>
+                                        <p:tav tm="100000">
+                                          <p:val>
+                                            <p:fltVal val="0"/>
+                                          </p:val>
+                                        </p:tav>
+                                      </p:tavLst>
+                                    </p:anim>
+                                    <p:set>
+                                      <p:cBhvr>
+                                        <p:cTn id="114" fill="hold">
+                                          <p:stCondLst>
+                                            <p:cond delay="999"/>
+                                          </p:stCondLst>
+                                        </p:cTn>
+                                        <p:tgtEl>
+                                          <p:spTgt spid="220"/>
+                                        </p:tgtEl>
+                                        <p:attrNameLst>
+                                          <p:attrName>style.visibility</p:attrName>
+                                        </p:attrNameLst>
+                                      </p:cBhvr>
+                                      <p:to>
+                                        <p:strVal val="hidden"/>
+                                      </p:to>
+                                    </p:set>
+                                  </p:childTnLst>
+                                </p:cTn>
+                              </p:par>
+                            </p:childTnLst>
+                          </p:cTn>
+                        </p:par>
+                        <p:par>
+                          <p:cTn id="115" fill="hold">
+                            <p:stCondLst>
                               <p:cond delay="3000"/>
                             </p:stCondLst>
                             <p:childTnLst>
                               <p:par>
-                                <p:cTn id="111" presetClass="entr" nodeType="afterEffect" presetID="9" grpId="23" fill="hold">
+                                <p:cTn id="116" presetClass="exit" nodeType="afterEffect" presetSubtype="32" presetID="23" grpId="24" fill="hold">
+                                  <p:stCondLst>
+                                    <p:cond delay="0"/>
+                                  </p:stCondLst>
+                                  <p:iterate type="el" backwards="0">
+                                    <p:tmAbs val="0"/>
+                                  </p:iterate>
+                                  <p:childTnLst>
+                                    <p:anim calcmode="lin" valueType="num">
+                                      <p:cBhvr>
+                                        <p:cTn id="117" dur="1000" fill="hold"/>
+                                        <p:tgtEl>
+                                          <p:spTgt spid="225"/>
+                                        </p:tgtEl>
+                                        <p:attrNameLst>
+                                          <p:attrName>ppt_w</p:attrName>
+                                        </p:attrNameLst>
+                                      </p:cBhvr>
+                                      <p:tavLst>
+                                        <p:tav tm="0">
+                                          <p:val>
+                                            <p:strVal val="ppt_w"/>
+                                          </p:val>
+                                        </p:tav>
+                                        <p:tav tm="100000">
+                                          <p:val>
+                                            <p:fltVal val="0"/>
+                                          </p:val>
+                                        </p:tav>
+                                      </p:tavLst>
+                                    </p:anim>
+                                    <p:anim calcmode="lin" valueType="num">
+                                      <p:cBhvr>
+                                        <p:cTn id="118" dur="1000" fill="hold"/>
+                                        <p:tgtEl>
+                                          <p:spTgt spid="225"/>
+                                        </p:tgtEl>
+                                        <p:attrNameLst>
+                                          <p:attrName>ppt_h</p:attrName>
+                                        </p:attrNameLst>
+                                      </p:cBhvr>
+                                      <p:tavLst>
+                                        <p:tav tm="0">
+                                          <p:val>
+                                            <p:strVal val="ppt_h"/>
+                                          </p:val>
+                                        </p:tav>
+                                        <p:tav tm="100000">
+                                          <p:val>
+                                            <p:fltVal val="0"/>
+                                          </p:val>
+                                        </p:tav>
+                                      </p:tavLst>
+                                    </p:anim>
+                                    <p:set>
+                                      <p:cBhvr>
+                                        <p:cTn id="119" fill="hold">
+                                          <p:stCondLst>
+                                            <p:cond delay="999"/>
+                                          </p:stCondLst>
+                                        </p:cTn>
+                                        <p:tgtEl>
+                                          <p:spTgt spid="225"/>
+                                        </p:tgtEl>
+                                        <p:attrNameLst>
+                                          <p:attrName>style.visibility</p:attrName>
+                                        </p:attrNameLst>
+                                      </p:cBhvr>
+                                      <p:to>
+                                        <p:strVal val="hidden"/>
+                                      </p:to>
+                                    </p:set>
+                                  </p:childTnLst>
+                                </p:cTn>
+                              </p:par>
+                            </p:childTnLst>
+                          </p:cTn>
+                        </p:par>
+                        <p:par>
+                          <p:cTn id="120" fill="hold">
+                            <p:stCondLst>
+                              <p:cond delay="4000"/>
+                            </p:stCondLst>
+                            <p:childTnLst>
+                              <p:par>
+                                <p:cTn id="121" presetClass="entr" nodeType="afterEffect" presetID="9" grpId="25" fill="hold">
                                   <p:stCondLst>
                                     <p:cond delay="0"/>
                                   </p:stCondLst>
@@ -8343,9 +5665,9 @@
                                   <p:childTnLst>
                                     <p:set>
                                       <p:cBhvr>
-                                        <p:cTn id="112" fill="hold"/>
+                                        <p:cTn id="122" fill="hold"/>
                                         <p:tgtEl>
-                                          <p:spTgt spid="206"/>
+                                          <p:spTgt spid="221"/>
                                         </p:tgtEl>
                                         <p:attrNameLst>
                                           <p:attrName>style.visibility</p:attrName>
@@ -8357,113 +5679,9 @@
                                     </p:set>
                                     <p:animEffect filter="dissolve" transition="in">
                                       <p:cBhvr>
-                                        <p:cTn id="113" dur="500"/>
+                                        <p:cTn id="123" dur="500"/>
                                         <p:tgtEl>
-                                          <p:spTgt spid="206"/>
-                                        </p:tgtEl>
-                                      </p:cBhvr>
-                                    </p:animEffect>
-                                  </p:childTnLst>
-                                </p:cTn>
-                              </p:par>
-                            </p:childTnLst>
-                          </p:cTn>
-                        </p:par>
-                      </p:childTnLst>
-                    </p:cTn>
-                  </p:par>
-                  <p:par>
-                    <p:cTn id="114" fill="hold">
-                      <p:stCondLst>
-                        <p:cond delay="indefinite"/>
-                      </p:stCondLst>
-                      <p:childTnLst>
-                        <p:par>
-                          <p:cTn id="115" fill="hold">
-                            <p:stCondLst>
-                              <p:cond delay="0"/>
-                            </p:stCondLst>
-                            <p:childTnLst>
-                              <p:par>
-                                <p:cTn id="116" presetClass="entr" nodeType="clickEffect" presetID="9" grpId="24" fill="hold">
-                                  <p:stCondLst>
-                                    <p:cond delay="0"/>
-                                  </p:stCondLst>
-                                  <p:iterate type="el" backwards="0">
-                                    <p:tmAbs val="0"/>
-                                  </p:iterate>
-                                  <p:childTnLst>
-                                    <p:set>
-                                      <p:cBhvr>
-                                        <p:cTn id="117" fill="hold"/>
-                                        <p:tgtEl>
-                                          <p:spTgt spid="207"/>
-                                        </p:tgtEl>
-                                        <p:attrNameLst>
-                                          <p:attrName>style.visibility</p:attrName>
-                                        </p:attrNameLst>
-                                      </p:cBhvr>
-                                      <p:to>
-                                        <p:strVal val="visible"/>
-                                      </p:to>
-                                    </p:set>
-                                    <p:animEffect filter="dissolve" transition="in">
-                                      <p:cBhvr>
-                                        <p:cTn id="118" dur="800"/>
-                                        <p:tgtEl>
-                                          <p:spTgt spid="207"/>
-                                        </p:tgtEl>
-                                      </p:cBhvr>
-                                    </p:animEffect>
-                                  </p:childTnLst>
-                                </p:cTn>
-                              </p:par>
-                            </p:childTnLst>
-                          </p:cTn>
-                        </p:par>
-                      </p:childTnLst>
-                    </p:cTn>
-                  </p:par>
-                  <p:par>
-                    <p:cTn id="119" fill="hold">
-                      <p:stCondLst>
-                        <p:cond delay="indefinite"/>
-                      </p:stCondLst>
-                      <p:childTnLst>
-                        <p:par>
-                          <p:cTn id="120" fill="hold">
-                            <p:stCondLst>
-                              <p:cond delay="0"/>
-                            </p:stCondLst>
-                            <p:childTnLst>
-                              <p:par>
-                                <p:cTn id="121" presetClass="entr" nodeType="clickEffect" presetID="9" grpId="25" fill="hold">
-                                  <p:stCondLst>
-                                    <p:cond delay="0"/>
-                                  </p:stCondLst>
-                                  <p:iterate type="el" backwards="0">
-                                    <p:tmAbs val="0"/>
-                                  </p:iterate>
-                                  <p:childTnLst>
-                                    <p:set>
-                                      <p:cBhvr>
-                                        <p:cTn id="122" fill="hold"/>
-                                        <p:tgtEl>
-                                          <p:spTgt spid="208"/>
-                                        </p:tgtEl>
-                                        <p:attrNameLst>
-                                          <p:attrName>style.visibility</p:attrName>
-                                        </p:attrNameLst>
-                                      </p:cBhvr>
-                                      <p:to>
-                                        <p:strVal val="visible"/>
-                                      </p:to>
-                                    </p:set>
-                                    <p:animEffect filter="dissolve" transition="in">
-                                      <p:cBhvr>
-                                        <p:cTn id="123" dur="800"/>
-                                        <p:tgtEl>
-                                          <p:spTgt spid="208"/>
+                                          <p:spTgt spid="221"/>
                                         </p:tgtEl>
                                       </p:cBhvr>
                                     </p:animEffect>
@@ -8501,7 +5719,7 @@
                                       <p:cBhvr>
                                         <p:cTn id="127" fill="hold"/>
                                         <p:tgtEl>
-                                          <p:spTgt spid="209"/>
+                                          <p:spTgt spid="222"/>
                                         </p:tgtEl>
                                         <p:attrNameLst>
                                           <p:attrName>style.visibility</p:attrName>
@@ -8515,7 +5733,7 @@
                                       <p:cBhvr>
                                         <p:cTn id="128" dur="800"/>
                                         <p:tgtEl>
-                                          <p:spTgt spid="209"/>
+                                          <p:spTgt spid="222"/>
                                         </p:tgtEl>
                                       </p:cBhvr>
                                     </p:animEffect>
@@ -8541,7 +5759,7 @@
                             </p:stCondLst>
                             <p:childTnLst>
                               <p:par>
-                                <p:cTn id="131" presetClass="exit" nodeType="clickEffect" presetSubtype="32" presetID="23" grpId="27" fill="hold">
+                                <p:cTn id="131" presetClass="entr" nodeType="clickEffect" presetID="9" grpId="27" fill="hold">
                                   <p:stCondLst>
                                     <p:cond delay="0"/>
                                   </p:stCondLst>
@@ -8549,84 +5767,51 @@
                                     <p:tmAbs val="0"/>
                                   </p:iterate>
                                   <p:childTnLst>
-                                    <p:anim calcmode="lin" valueType="num">
-                                      <p:cBhvr>
-                                        <p:cTn id="132" dur="1000" fill="hold"/>
-                                        <p:tgtEl>
-                                          <p:spTgt spid="206"/>
-                                        </p:tgtEl>
-                                        <p:attrNameLst>
-                                          <p:attrName>ppt_w</p:attrName>
-                                        </p:attrNameLst>
-                                      </p:cBhvr>
-                                      <p:tavLst>
-                                        <p:tav tm="0">
-                                          <p:val>
-                                            <p:strVal val="ppt_w"/>
-                                          </p:val>
-                                        </p:tav>
-                                        <p:tav tm="100000">
-                                          <p:val>
-                                            <p:fltVal val="0"/>
-                                          </p:val>
-                                        </p:tav>
-                                      </p:tavLst>
-                                    </p:anim>
-                                    <p:anim calcmode="lin" valueType="num">
-                                      <p:cBhvr>
-                                        <p:cTn id="133" dur="1000" fill="hold"/>
-                                        <p:tgtEl>
-                                          <p:spTgt spid="206"/>
-                                        </p:tgtEl>
-                                        <p:attrNameLst>
-                                          <p:attrName>ppt_h</p:attrName>
-                                        </p:attrNameLst>
-                                      </p:cBhvr>
-                                      <p:tavLst>
-                                        <p:tav tm="0">
-                                          <p:val>
-                                            <p:strVal val="ppt_h"/>
-                                          </p:val>
-                                        </p:tav>
-                                        <p:tav tm="100000">
-                                          <p:val>
-                                            <p:fltVal val="0"/>
-                                          </p:val>
-                                        </p:tav>
-                                      </p:tavLst>
-                                    </p:anim>
                                     <p:set>
                                       <p:cBhvr>
-                                        <p:cTn id="134" fill="hold">
-                                          <p:stCondLst>
-                                            <p:cond delay="999"/>
-                                          </p:stCondLst>
-                                        </p:cTn>
+                                        <p:cTn id="132" fill="hold"/>
                                         <p:tgtEl>
-                                          <p:spTgt spid="206"/>
+                                          <p:spTgt spid="223"/>
                                         </p:tgtEl>
                                         <p:attrNameLst>
                                           <p:attrName>style.visibility</p:attrName>
                                         </p:attrNameLst>
                                       </p:cBhvr>
                                       <p:to>
-                                        <p:strVal val="hidden"/>
+                                        <p:strVal val="visible"/>
                                       </p:to>
                                     </p:set>
+                                    <p:animEffect filter="dissolve" transition="in">
+                                      <p:cBhvr>
+                                        <p:cTn id="133" dur="800"/>
+                                        <p:tgtEl>
+                                          <p:spTgt spid="223"/>
+                                        </p:tgtEl>
+                                      </p:cBhvr>
+                                    </p:animEffect>
                                   </p:childTnLst>
                                 </p:cTn>
                               </p:par>
                             </p:childTnLst>
                           </p:cTn>
                         </p:par>
+                      </p:childTnLst>
+                    </p:cTn>
+                  </p:par>
+                  <p:par>
+                    <p:cTn id="134" fill="hold">
+                      <p:stCondLst>
+                        <p:cond delay="indefinite"/>
+                      </p:stCondLst>
+                      <p:childTnLst>
                         <p:par>
                           <p:cTn id="135" fill="hold">
                             <p:stCondLst>
-                              <p:cond delay="1000"/>
+                              <p:cond delay="0"/>
                             </p:stCondLst>
                             <p:childTnLst>
                               <p:par>
-                                <p:cTn id="136" presetClass="exit" nodeType="afterEffect" presetSubtype="32" presetID="23" grpId="28" fill="hold">
+                                <p:cTn id="136" presetClass="entr" nodeType="clickEffect" presetID="9" grpId="28" fill="hold">
                                   <p:stCondLst>
                                     <p:cond delay="0"/>
                                   </p:stCondLst>
@@ -8634,84 +5819,51 @@
                                     <p:tmAbs val="0"/>
                                   </p:iterate>
                                   <p:childTnLst>
-                                    <p:anim calcmode="lin" valueType="num">
-                                      <p:cBhvr>
-                                        <p:cTn id="137" dur="1000" fill="hold"/>
-                                        <p:tgtEl>
-                                          <p:spTgt spid="207"/>
-                                        </p:tgtEl>
-                                        <p:attrNameLst>
-                                          <p:attrName>ppt_w</p:attrName>
-                                        </p:attrNameLst>
-                                      </p:cBhvr>
-                                      <p:tavLst>
-                                        <p:tav tm="0">
-                                          <p:val>
-                                            <p:strVal val="ppt_w"/>
-                                          </p:val>
-                                        </p:tav>
-                                        <p:tav tm="100000">
-                                          <p:val>
-                                            <p:fltVal val="0"/>
-                                          </p:val>
-                                        </p:tav>
-                                      </p:tavLst>
-                                    </p:anim>
-                                    <p:anim calcmode="lin" valueType="num">
-                                      <p:cBhvr>
-                                        <p:cTn id="138" dur="1000" fill="hold"/>
-                                        <p:tgtEl>
-                                          <p:spTgt spid="207"/>
-                                        </p:tgtEl>
-                                        <p:attrNameLst>
-                                          <p:attrName>ppt_h</p:attrName>
-                                        </p:attrNameLst>
-                                      </p:cBhvr>
-                                      <p:tavLst>
-                                        <p:tav tm="0">
-                                          <p:val>
-                                            <p:strVal val="ppt_h"/>
-                                          </p:val>
-                                        </p:tav>
-                                        <p:tav tm="100000">
-                                          <p:val>
-                                            <p:fltVal val="0"/>
-                                          </p:val>
-                                        </p:tav>
-                                      </p:tavLst>
-                                    </p:anim>
                                     <p:set>
                                       <p:cBhvr>
-                                        <p:cTn id="139" fill="hold">
-                                          <p:stCondLst>
-                                            <p:cond delay="999"/>
-                                          </p:stCondLst>
-                                        </p:cTn>
+                                        <p:cTn id="137" fill="hold"/>
                                         <p:tgtEl>
-                                          <p:spTgt spid="207"/>
+                                          <p:spTgt spid="224"/>
                                         </p:tgtEl>
                                         <p:attrNameLst>
                                           <p:attrName>style.visibility</p:attrName>
                                         </p:attrNameLst>
                                       </p:cBhvr>
                                       <p:to>
-                                        <p:strVal val="hidden"/>
+                                        <p:strVal val="visible"/>
                                       </p:to>
                                     </p:set>
+                                    <p:animEffect filter="dissolve" transition="in">
+                                      <p:cBhvr>
+                                        <p:cTn id="138" dur="800"/>
+                                        <p:tgtEl>
+                                          <p:spTgt spid="224"/>
+                                        </p:tgtEl>
+                                      </p:cBhvr>
+                                    </p:animEffect>
                                   </p:childTnLst>
                                 </p:cTn>
                               </p:par>
                             </p:childTnLst>
                           </p:cTn>
                         </p:par>
+                      </p:childTnLst>
+                    </p:cTn>
+                  </p:par>
+                  <p:par>
+                    <p:cTn id="139" fill="hold">
+                      <p:stCondLst>
+                        <p:cond delay="indefinite"/>
+                      </p:stCondLst>
+                      <p:childTnLst>
                         <p:par>
                           <p:cTn id="140" fill="hold">
                             <p:stCondLst>
-                              <p:cond delay="2000"/>
+                              <p:cond delay="0"/>
                             </p:stCondLst>
                             <p:childTnLst>
                               <p:par>
-                                <p:cTn id="141" presetClass="exit" nodeType="afterEffect" presetSubtype="32" presetID="23" grpId="29" fill="hold">
+                                <p:cTn id="141" presetClass="exit" nodeType="clickEffect" presetSubtype="32" presetID="23" grpId="29" fill="hold">
                                   <p:stCondLst>
                                     <p:cond delay="0"/>
                                   </p:stCondLst>
@@ -8723,7 +5875,7 @@
                                       <p:cBhvr>
                                         <p:cTn id="142" dur="1000" fill="hold"/>
                                         <p:tgtEl>
-                                          <p:spTgt spid="208"/>
+                                          <p:spTgt spid="221"/>
                                         </p:tgtEl>
                                         <p:attrNameLst>
                                           <p:attrName>ppt_w</p:attrName>
@@ -8746,7 +5898,7 @@
                                       <p:cBhvr>
                                         <p:cTn id="143" dur="1000" fill="hold"/>
                                         <p:tgtEl>
-                                          <p:spTgt spid="208"/>
+                                          <p:spTgt spid="221"/>
                                         </p:tgtEl>
                                         <p:attrNameLst>
                                           <p:attrName>ppt_h</p:attrName>
@@ -8773,7 +5925,7 @@
                                           </p:stCondLst>
                                         </p:cTn>
                                         <p:tgtEl>
-                                          <p:spTgt spid="208"/>
+                                          <p:spTgt spid="221"/>
                                         </p:tgtEl>
                                         <p:attrNameLst>
                                           <p:attrName>style.visibility</p:attrName>
@@ -8792,7 +5944,7 @@
                         <p:par>
                           <p:cTn id="145" fill="hold">
                             <p:stCondLst>
-                              <p:cond delay="3000"/>
+                              <p:cond delay="1000"/>
                             </p:stCondLst>
                             <p:childTnLst>
                               <p:par>
@@ -8808,7 +5960,7 @@
                                       <p:cBhvr>
                                         <p:cTn id="147" dur="1000" fill="hold"/>
                                         <p:tgtEl>
-                                          <p:spTgt spid="209"/>
+                                          <p:spTgt spid="222"/>
                                         </p:tgtEl>
                                         <p:attrNameLst>
                                           <p:attrName>ppt_w</p:attrName>
@@ -8831,7 +5983,7 @@
                                       <p:cBhvr>
                                         <p:cTn id="148" dur="1000" fill="hold"/>
                                         <p:tgtEl>
-                                          <p:spTgt spid="209"/>
+                                          <p:spTgt spid="222"/>
                                         </p:tgtEl>
                                         <p:attrNameLst>
                                           <p:attrName>ppt_h</p:attrName>
@@ -8858,7 +6010,7 @@
                                           </p:stCondLst>
                                         </p:cTn>
                                         <p:tgtEl>
-                                          <p:spTgt spid="209"/>
+                                          <p:spTgt spid="222"/>
                                         </p:tgtEl>
                                         <p:attrNameLst>
                                           <p:attrName>style.visibility</p:attrName>
@@ -8874,23 +6026,14 @@
                             </p:childTnLst>
                           </p:cTn>
                         </p:par>
-                      </p:childTnLst>
-                    </p:cTn>
-                  </p:par>
-                  <p:par>
-                    <p:cTn id="150" fill="hold">
-                      <p:stCondLst>
-                        <p:cond delay="indefinite"/>
-                      </p:stCondLst>
-                      <p:childTnLst>
                         <p:par>
-                          <p:cTn id="151" fill="hold">
+                          <p:cTn id="150" fill="hold">
                             <p:stCondLst>
-                              <p:cond delay="0"/>
+                              <p:cond delay="2000"/>
                             </p:stCondLst>
                             <p:childTnLst>
                               <p:par>
-                                <p:cTn id="152" presetClass="entr" nodeType="clickEffect" presetID="9" grpId="31" fill="hold">
+                                <p:cTn id="151" presetClass="exit" nodeType="afterEffect" presetSubtype="32" presetID="23" grpId="31" fill="hold">
                                   <p:stCondLst>
                                     <p:cond delay="0"/>
                                   </p:stCondLst>
@@ -8898,28 +6041,70 @@
                                     <p:tmAbs val="0"/>
                                   </p:iterate>
                                   <p:childTnLst>
+                                    <p:anim calcmode="lin" valueType="num">
+                                      <p:cBhvr>
+                                        <p:cTn id="152" dur="1000" fill="hold"/>
+                                        <p:tgtEl>
+                                          <p:spTgt spid="223"/>
+                                        </p:tgtEl>
+                                        <p:attrNameLst>
+                                          <p:attrName>ppt_w</p:attrName>
+                                        </p:attrNameLst>
+                                      </p:cBhvr>
+                                      <p:tavLst>
+                                        <p:tav tm="0">
+                                          <p:val>
+                                            <p:strVal val="ppt_w"/>
+                                          </p:val>
+                                        </p:tav>
+                                        <p:tav tm="100000">
+                                          <p:val>
+                                            <p:fltVal val="0"/>
+                                          </p:val>
+                                        </p:tav>
+                                      </p:tavLst>
+                                    </p:anim>
+                                    <p:anim calcmode="lin" valueType="num">
+                                      <p:cBhvr>
+                                        <p:cTn id="153" dur="1000" fill="hold"/>
+                                        <p:tgtEl>
+                                          <p:spTgt spid="223"/>
+                                        </p:tgtEl>
+                                        <p:attrNameLst>
+                                          <p:attrName>ppt_h</p:attrName>
+                                        </p:attrNameLst>
+                                      </p:cBhvr>
+                                      <p:tavLst>
+                                        <p:tav tm="0">
+                                          <p:val>
+                                            <p:strVal val="ppt_h"/>
+                                          </p:val>
+                                        </p:tav>
+                                        <p:tav tm="100000">
+                                          <p:val>
+                                            <p:fltVal val="0"/>
+                                          </p:val>
+                                        </p:tav>
+                                      </p:tavLst>
+                                    </p:anim>
                                     <p:set>
                                       <p:cBhvr>
-                                        <p:cTn id="153" fill="hold"/>
+                                        <p:cTn id="154" fill="hold">
+                                          <p:stCondLst>
+                                            <p:cond delay="999"/>
+                                          </p:stCondLst>
+                                        </p:cTn>
                                         <p:tgtEl>
-                                          <p:spTgt spid="210"/>
+                                          <p:spTgt spid="223"/>
                                         </p:tgtEl>
                                         <p:attrNameLst>
                                           <p:attrName>style.visibility</p:attrName>
                                         </p:attrNameLst>
                                       </p:cBhvr>
                                       <p:to>
-                                        <p:strVal val="visible"/>
+                                        <p:strVal val="hidden"/>
                                       </p:to>
                                     </p:set>
-                                    <p:animEffect filter="dissolve" transition="in">
-                                      <p:cBhvr>
-                                        <p:cTn id="154" dur="800"/>
-                                        <p:tgtEl>
-                                          <p:spTgt spid="210"/>
-                                        </p:tgtEl>
-                                      </p:cBhvr>
-                                    </p:animEffect>
                                   </p:childTnLst>
                                 </p:cTn>
                               </p:par>
@@ -8929,7 +6114,7 @@
                         <p:par>
                           <p:cTn id="155" fill="hold">
                             <p:stCondLst>
-                              <p:cond delay="800"/>
+                              <p:cond delay="3000"/>
                             </p:stCondLst>
                             <p:childTnLst>
                               <p:par>
@@ -8945,7 +6130,7 @@
                                       <p:cBhvr>
                                         <p:cTn id="157" dur="1000" fill="hold"/>
                                         <p:tgtEl>
-                                          <p:spTgt spid="210"/>
+                                          <p:spTgt spid="224"/>
                                         </p:tgtEl>
                                         <p:attrNameLst>
                                           <p:attrName>ppt_w</p:attrName>
@@ -8968,7 +6153,7 @@
                                       <p:cBhvr>
                                         <p:cTn id="158" dur="1000" fill="hold"/>
                                         <p:tgtEl>
-                                          <p:spTgt spid="210"/>
+                                          <p:spTgt spid="224"/>
                                         </p:tgtEl>
                                         <p:attrNameLst>
                                           <p:attrName>ppt_h</p:attrName>
@@ -8995,7 +6180,7 @@
                                           </p:stCondLst>
                                         </p:cTn>
                                         <p:tgtEl>
-                                          <p:spTgt spid="210"/>
+                                          <p:spTgt spid="224"/>
                                         </p:tgtEl>
                                         <p:attrNameLst>
                                           <p:attrName>style.visibility</p:attrName>
@@ -9036,40 +6221,3436 @@
       </p:par>
     </p:tnLst>
     <p:bldLst>
-      <p:bldP build="whole" bldLvl="1" animBg="1" rev="0" advAuto="0" spid="208" grpId="25"/>
-      <p:bldP build="whole" bldLvl="1" animBg="1" rev="0" advAuto="0" spid="206" grpId="23"/>
-      <p:bldP build="whole" bldLvl="1" animBg="1" rev="0" advAuto="0" spid="207" grpId="28"/>
-      <p:bldP build="whole" bldLvl="1" animBg="1" rev="0" advAuto="0" spid="202" grpId="16"/>
-      <p:bldP build="whole" bldLvl="1" animBg="1" rev="0" advAuto="0" spid="200" grpId="14"/>
-      <p:bldP build="whole" bldLvl="1" animBg="1" rev="0" advAuto="0" spid="206" grpId="27"/>
-      <p:bldP build="whole" bldLvl="1" animBg="1" rev="0" advAuto="0" spid="213" grpId="4"/>
-      <p:bldP build="whole" bldLvl="1" animBg="1" rev="0" advAuto="0" spid="209" grpId="26"/>
-      <p:bldP build="whole" bldLvl="1" animBg="1" rev="0" advAuto="0" spid="208" grpId="29"/>
-      <p:bldP build="whole" bldLvl="1" animBg="1" rev="0" advAuto="0" spid="209" grpId="30"/>
-      <p:bldP build="whole" bldLvl="1" animBg="1" rev="0" advAuto="0" spid="203" grpId="17"/>
-      <p:bldP build="whole" bldLvl="1" animBg="1" rev="0" advAuto="0" spid="210" grpId="31"/>
-      <p:bldP build="whole" bldLvl="1" animBg="1" rev="0" advAuto="0" spid="213" grpId="12"/>
-      <p:bldP build="whole" bldLvl="1" animBg="1" rev="0" advAuto="0" spid="203" grpId="20"/>
-      <p:bldP build="whole" bldLvl="1" animBg="1" rev="0" advAuto="0" spid="210" grpId="32"/>
-      <p:bldP build="whole" bldLvl="1" animBg="1" rev="0" advAuto="0" spid="205" grpId="19"/>
-      <p:bldP build="whole" bldLvl="1" animBg="1" rev="0" advAuto="0" spid="199" grpId="1"/>
-      <p:bldP build="whole" bldLvl="1" animBg="1" rev="0" advAuto="0" spid="211" grpId="2"/>
-      <p:bldP build="whole" bldLvl="1" animBg="1" rev="0" advAuto="0" spid="204" grpId="18"/>
-      <p:bldP build="whole" bldLvl="1" animBg="1" rev="0" advAuto="0" spid="205" grpId="22"/>
-      <p:bldP build="whole" bldLvl="1" animBg="1" rev="0" advAuto="0" spid="204" grpId="21"/>
-      <p:bldP build="whole" bldLvl="1" animBg="1" rev="0" advAuto="0" spid="199" grpId="9"/>
-      <p:bldP build="whole" bldLvl="1" animBg="1" rev="0" advAuto="0" spid="214" grpId="6"/>
-      <p:bldP build="whole" bldLvl="1" animBg="1" rev="0" advAuto="0" spid="201" grpId="5"/>
-      <p:bldP build="whole" bldLvl="1" animBg="1" rev="0" advAuto="0" spid="211" grpId="13"/>
-      <p:bldP build="whole" bldLvl="1" animBg="1" rev="0" advAuto="0" spid="200" grpId="3"/>
-      <p:bldP build="whole" bldLvl="1" animBg="1" rev="0" advAuto="0" spid="202" grpId="7"/>
-      <p:bldP build="whole" bldLvl="1" animBg="1" rev="0" advAuto="0" spid="214" grpId="10"/>
-      <p:bldP build="whole" bldLvl="1" animBg="1" rev="0" advAuto="0" spid="212" grpId="8"/>
-      <p:bldP build="whole" bldLvl="1" animBg="1" rev="0" advAuto="0" spid="207" grpId="24"/>
-      <p:bldP build="whole" bldLvl="1" animBg="1" rev="0" advAuto="0" spid="201" grpId="15"/>
-      <p:bldP build="whole" bldLvl="1" animBg="1" rev="0" advAuto="0" spid="212" grpId="11"/>
+      <p:bldP build="whole" bldLvl="1" animBg="1" rev="0" advAuto="0" spid="217" grpId="7"/>
+      <p:bldP build="whole" bldLvl="1" animBg="1" rev="0" advAuto="0" spid="223" grpId="31"/>
+      <p:bldP build="whole" bldLvl="1" animBg="1" rev="0" advAuto="0" spid="227" grpId="8"/>
+      <p:bldP build="whole" bldLvl="1" animBg="1" rev="0" advAuto="0" spid="216" grpId="15"/>
+      <p:bldP build="whole" bldLvl="1" animBg="1" rev="0" advAuto="0" spid="225" grpId="20"/>
+      <p:bldP build="whole" bldLvl="1" animBg="1" rev="0" advAuto="0" spid="227" grpId="11"/>
+      <p:bldP build="whole" bldLvl="1" animBg="1" rev="0" advAuto="0" spid="217" grpId="16"/>
+      <p:bldP build="whole" bldLvl="1" animBg="1" rev="0" advAuto="0" spid="225" grpId="24"/>
+      <p:bldP build="whole" bldLvl="1" animBg="1" rev="0" advAuto="0" spid="226" grpId="2"/>
+      <p:bldP build="whole" bldLvl="1" animBg="1" rev="0" advAuto="0" spid="229" grpId="6"/>
+      <p:bldP build="whole" bldLvl="1" animBg="1" rev="0" advAuto="0" spid="221" grpId="25"/>
+      <p:bldP build="whole" bldLvl="1" animBg="1" rev="0" advAuto="0" spid="229" grpId="10"/>
+      <p:bldP build="whole" bldLvl="1" animBg="1" rev="0" advAuto="0" spid="221" grpId="29"/>
+      <p:bldP build="whole" bldLvl="1" animBg="1" rev="0" advAuto="0" spid="214" grpId="1"/>
+      <p:bldP build="whole" bldLvl="1" animBg="1" rev="0" advAuto="0" spid="226" grpId="13"/>
+      <p:bldP build="whole" bldLvl="1" animBg="1" rev="0" advAuto="0" spid="220" grpId="19"/>
+      <p:bldP build="whole" bldLvl="1" animBg="1" rev="0" advAuto="0" spid="215" grpId="3"/>
+      <p:bldP build="whole" bldLvl="1" animBg="1" rev="0" advAuto="0" spid="228" grpId="4"/>
+      <p:bldP build="whole" bldLvl="1" animBg="1" rev="0" advAuto="0" spid="218" grpId="17"/>
+      <p:bldP build="whole" bldLvl="1" animBg="1" rev="0" advAuto="0" spid="214" grpId="9"/>
+      <p:bldP build="whole" bldLvl="1" animBg="1" rev="0" advAuto="0" spid="220" grpId="23"/>
+      <p:bldP build="whole" bldLvl="1" animBg="1" rev="0" advAuto="0" spid="219" grpId="18"/>
+      <p:bldP build="whole" bldLvl="1" animBg="1" rev="0" advAuto="0" spid="218" grpId="21"/>
+      <p:bldP build="whole" bldLvl="1" animBg="1" rev="0" advAuto="0" spid="222" grpId="26"/>
+      <p:bldP build="whole" bldLvl="1" animBg="1" rev="0" advAuto="0" spid="224" grpId="28"/>
+      <p:bldP build="whole" bldLvl="1" animBg="1" rev="0" advAuto="0" spid="228" grpId="12"/>
+      <p:bldP build="whole" bldLvl="1" animBg="1" rev="0" advAuto="0" spid="215" grpId="14"/>
+      <p:bldP build="whole" bldLvl="1" animBg="1" rev="0" advAuto="0" spid="216" grpId="5"/>
+      <p:bldP build="whole" bldLvl="1" animBg="1" rev="0" advAuto="0" spid="219" grpId="22"/>
+      <p:bldP build="whole" bldLvl="1" animBg="1" rev="0" advAuto="0" spid="222" grpId="30"/>
+      <p:bldP build="whole" bldLvl="1" animBg="1" rev="0" advAuto="0" spid="223" grpId="27"/>
+      <p:bldP build="whole" bldLvl="1" animBg="1" rev="0" advAuto="0" spid="224" grpId="32"/>
     </p:bldLst>
   </p:timing>
+</p:sld>
+</file>
+
+<file path=ppt/slides/slide2.xml><?xml version="1.0" encoding="utf-8"?>
+<p:sld xmlns:a="http://schemas.openxmlformats.org/drawingml/2006/main" xmlns:r="http://schemas.openxmlformats.org/officeDocument/2006/relationships" xmlns:p="http://schemas.openxmlformats.org/presentationml/2006/main" showMasterSp="1" showMasterPhAnim="1">
+  <p:cSld>
+    <p:spTree>
+      <p:nvGrpSpPr>
+        <p:cNvPr id="1" name=""/>
+        <p:cNvGrpSpPr/>
+        <p:nvPr/>
+      </p:nvGrpSpPr>
+      <p:grpSpPr>
+        <a:xfrm>
+          <a:off x="0" y="0"/>
+          <a:ext cx="0" cy="0"/>
+          <a:chOff x="0" y="0"/>
+          <a:chExt cx="0" cy="0"/>
+        </a:xfrm>
+      </p:grpSpPr>
+      <p:sp>
+        <p:nvSpPr>
+          <p:cNvPr id="126" name="Sommaire"/>
+          <p:cNvSpPr txBox="1"/>
+          <p:nvPr/>
+        </p:nvSpPr>
+        <p:spPr>
+          <a:xfrm>
+            <a:off x="4666742" y="489363"/>
+            <a:ext cx="3671317" cy="1019297"/>
+          </a:xfrm>
+          <a:prstGeom prst="rect">
+            <a:avLst/>
+          </a:prstGeom>
+          <a:ln w="12700">
+            <a:miter lim="400000"/>
+          </a:ln>
+          <a:extLst>
+            <a:ext uri="{C572A759-6A51-4108-AA02-DFA0A04FC94B}">
+              <ma14:wrappingTextBoxFlag xmlns:ma14="http://schemas.microsoft.com/office/mac/drawingml/2011/main" val="1"/>
+            </a:ext>
+          </a:extLst>
+        </p:spPr>
+        <p:txBody>
+          <a:bodyPr wrap="none" lIns="50800" tIns="50800" rIns="50800" bIns="50800" anchor="ctr">
+            <a:spAutoFit/>
+          </a:bodyPr>
+          <a:lstStyle>
+            <a:lvl1pPr>
+              <a:defRPr b="0" sz="6000">
+                <a:latin typeface="+mn-lt"/>
+                <a:ea typeface="+mn-ea"/>
+                <a:cs typeface="+mn-cs"/>
+                <a:sym typeface="Helvetica Neue Medium"/>
+              </a:defRPr>
+            </a:lvl1pPr>
+          </a:lstStyle>
+          <a:p>
+            <a:pPr/>
+            <a:r>
+              <a:t>Sommaire</a:t>
+            </a:r>
+          </a:p>
+        </p:txBody>
+      </p:sp>
+      <p:sp>
+        <p:nvSpPr>
+          <p:cNvPr id="127" name="Numéro de diapositive"/>
+          <p:cNvSpPr txBox="1"/>
+          <p:nvPr>
+            <p:ph type="sldNum" sz="quarter" idx="2"/>
+          </p:nvPr>
+        </p:nvSpPr>
+        <p:spPr>
+          <a:xfrm>
+            <a:off x="6156773" y="9296400"/>
+            <a:ext cx="455880" cy="324306"/>
+          </a:xfrm>
+          <a:prstGeom prst="rect">
+            <a:avLst/>
+          </a:prstGeom>
+          <a:extLst>
+            <a:ext uri="{C572A759-6A51-4108-AA02-DFA0A04FC94B}">
+              <ma14:wrappingTextBoxFlag xmlns:ma14="http://schemas.microsoft.com/office/mac/drawingml/2011/main" val="1"/>
+            </a:ext>
+          </a:extLst>
+        </p:spPr>
+        <p:txBody>
+          <a:bodyPr/>
+          <a:lstStyle/>
+          <a:p>
+            <a:pPr lvl="1" algn="r">
+              <a:defRPr b="0" sz="1600">
+                <a:latin typeface="Helvetica Neue Thin"/>
+                <a:ea typeface="Helvetica Neue Thin"/>
+                <a:cs typeface="Helvetica Neue Thin"/>
+                <a:sym typeface="Helvetica Neue Thin"/>
+              </a:defRPr>
+            </a:pPr>
+            <a:fld id="{86CB4B4D-7CA3-9044-876B-883B54F8677D}" type="slidenum"/>
+          </a:p>
+        </p:txBody>
+      </p:sp>
+      <p:pic>
+        <p:nvPicPr>
+          <p:cNvPr id="128" name="five.png" descr="five.png"/>
+          <p:cNvPicPr>
+            <a:picLocks noChangeAspect="1"/>
+          </p:cNvPicPr>
+          <p:nvPr/>
+        </p:nvPicPr>
+        <p:blipFill>
+          <a:blip r:embed="rId2">
+            <a:extLst/>
+          </a:blip>
+          <a:stretch>
+            <a:fillRect/>
+          </a:stretch>
+        </p:blipFill>
+        <p:spPr>
+          <a:xfrm>
+            <a:off x="7541118" y="5069940"/>
+            <a:ext cx="1120063" cy="1120063"/>
+          </a:xfrm>
+          <a:prstGeom prst="rect">
+            <a:avLst/>
+          </a:prstGeom>
+          <a:ln w="12700">
+            <a:miter lim="400000"/>
+          </a:ln>
+        </p:spPr>
+      </p:pic>
+      <p:pic>
+        <p:nvPicPr>
+          <p:cNvPr id="129" name="four.png" descr="four.png"/>
+          <p:cNvPicPr>
+            <a:picLocks noChangeAspect="1"/>
+          </p:cNvPicPr>
+          <p:nvPr/>
+        </p:nvPicPr>
+        <p:blipFill>
+          <a:blip r:embed="rId3">
+            <a:extLst/>
+          </a:blip>
+          <a:stretch>
+            <a:fillRect/>
+          </a:stretch>
+        </p:blipFill>
+        <p:spPr>
+          <a:xfrm>
+            <a:off x="7541118" y="2729269"/>
+            <a:ext cx="1120063" cy="1120062"/>
+          </a:xfrm>
+          <a:prstGeom prst="rect">
+            <a:avLst/>
+          </a:prstGeom>
+          <a:ln w="12700">
+            <a:miter lim="400000"/>
+          </a:ln>
+        </p:spPr>
+      </p:pic>
+      <p:pic>
+        <p:nvPicPr>
+          <p:cNvPr id="130" name="one.png" descr="one.png"/>
+          <p:cNvPicPr>
+            <a:picLocks noChangeAspect="1"/>
+          </p:cNvPicPr>
+          <p:nvPr/>
+        </p:nvPicPr>
+        <p:blipFill>
+          <a:blip r:embed="rId4">
+            <a:extLst/>
+          </a:blip>
+          <a:stretch>
+            <a:fillRect/>
+          </a:stretch>
+        </p:blipFill>
+        <p:spPr>
+          <a:xfrm>
+            <a:off x="1088641" y="2729269"/>
+            <a:ext cx="1120063" cy="1120062"/>
+          </a:xfrm>
+          <a:prstGeom prst="rect">
+            <a:avLst/>
+          </a:prstGeom>
+          <a:ln w="12700">
+            <a:miter lim="400000"/>
+          </a:ln>
+        </p:spPr>
+      </p:pic>
+      <p:pic>
+        <p:nvPicPr>
+          <p:cNvPr id="131" name="six.png" descr="six.png"/>
+          <p:cNvPicPr>
+            <a:picLocks noChangeAspect="1"/>
+          </p:cNvPicPr>
+          <p:nvPr/>
+        </p:nvPicPr>
+        <p:blipFill>
+          <a:blip r:embed="rId5">
+            <a:extLst/>
+          </a:blip>
+          <a:stretch>
+            <a:fillRect/>
+          </a:stretch>
+        </p:blipFill>
+        <p:spPr>
+          <a:xfrm>
+            <a:off x="7541118" y="7410611"/>
+            <a:ext cx="1120063" cy="1120063"/>
+          </a:xfrm>
+          <a:prstGeom prst="rect">
+            <a:avLst/>
+          </a:prstGeom>
+          <a:ln w="12700">
+            <a:miter lim="400000"/>
+          </a:ln>
+        </p:spPr>
+      </p:pic>
+      <p:pic>
+        <p:nvPicPr>
+          <p:cNvPr id="132" name="three.png" descr="three.png"/>
+          <p:cNvPicPr>
+            <a:picLocks noChangeAspect="1"/>
+          </p:cNvPicPr>
+          <p:nvPr/>
+        </p:nvPicPr>
+        <p:blipFill>
+          <a:blip r:embed="rId6">
+            <a:extLst/>
+          </a:blip>
+          <a:stretch>
+            <a:fillRect/>
+          </a:stretch>
+        </p:blipFill>
+        <p:spPr>
+          <a:xfrm>
+            <a:off x="1088641" y="7352069"/>
+            <a:ext cx="1120063" cy="1120062"/>
+          </a:xfrm>
+          <a:prstGeom prst="rect">
+            <a:avLst/>
+          </a:prstGeom>
+          <a:ln w="12700">
+            <a:miter lim="400000"/>
+          </a:ln>
+        </p:spPr>
+      </p:pic>
+      <p:pic>
+        <p:nvPicPr>
+          <p:cNvPr id="133" name="two.png" descr="two.png"/>
+          <p:cNvPicPr>
+            <a:picLocks noChangeAspect="1"/>
+          </p:cNvPicPr>
+          <p:nvPr/>
+        </p:nvPicPr>
+        <p:blipFill>
+          <a:blip r:embed="rId7">
+            <a:extLst/>
+          </a:blip>
+          <a:stretch>
+            <a:fillRect/>
+          </a:stretch>
+        </p:blipFill>
+        <p:spPr>
+          <a:xfrm>
+            <a:off x="1088641" y="5040669"/>
+            <a:ext cx="1120063" cy="1120062"/>
+          </a:xfrm>
+          <a:prstGeom prst="rect">
+            <a:avLst/>
+          </a:prstGeom>
+          <a:ln w="12700">
+            <a:miter lim="400000"/>
+          </a:ln>
+        </p:spPr>
+      </p:pic>
+      <p:sp>
+        <p:nvSpPr>
+          <p:cNvPr id="134" name="Texte"/>
+          <p:cNvSpPr txBox="1"/>
+          <p:nvPr/>
+        </p:nvSpPr>
+        <p:spPr>
+          <a:xfrm>
+            <a:off x="2539423" y="3095828"/>
+            <a:ext cx="3885821" cy="386944"/>
+          </a:xfrm>
+          <a:prstGeom prst="rect">
+            <a:avLst/>
+          </a:prstGeom>
+          <a:ln w="12700">
+            <a:miter lim="400000"/>
+          </a:ln>
+        </p:spPr>
+        <p:txBody>
+          <a:bodyPr lIns="50800" tIns="50800" rIns="50800" bIns="50800" anchor="ctr">
+            <a:spAutoFit/>
+          </a:bodyPr>
+          <a:lstStyle/>
+          <a:p>
+            <a:pPr algn="l">
+              <a:spcBef>
+                <a:spcPts val="500"/>
+              </a:spcBef>
+              <a:defRPr b="0" sz="1900"/>
+            </a:pPr>
+          </a:p>
+        </p:txBody>
+      </p:sp>
+      <p:sp>
+        <p:nvSpPr>
+          <p:cNvPr id="135" name="Création de la classe Fou…"/>
+          <p:cNvSpPr txBox="1"/>
+          <p:nvPr/>
+        </p:nvSpPr>
+        <p:spPr>
+          <a:xfrm>
+            <a:off x="2539423" y="5229428"/>
+            <a:ext cx="3885821" cy="742544"/>
+          </a:xfrm>
+          <a:prstGeom prst="rect">
+            <a:avLst/>
+          </a:prstGeom>
+          <a:ln w="12700">
+            <a:miter lim="400000"/>
+          </a:ln>
+          <a:extLst>
+            <a:ext uri="{C572A759-6A51-4108-AA02-DFA0A04FC94B}">
+              <ma14:wrappingTextBoxFlag xmlns:ma14="http://schemas.microsoft.com/office/mac/drawingml/2011/main" val="1"/>
+            </a:ext>
+          </a:extLst>
+        </p:spPr>
+        <p:txBody>
+          <a:bodyPr lIns="50800" tIns="50800" rIns="50800" bIns="50800" anchor="ctr">
+            <a:spAutoFit/>
+          </a:bodyPr>
+          <a:lstStyle/>
+          <a:p>
+            <a:pPr algn="l">
+              <a:spcBef>
+                <a:spcPts val="500"/>
+              </a:spcBef>
+              <a:defRPr b="0" sz="1900"/>
+            </a:pPr>
+            <a:r>
+              <a:t>Création de la classe Fou</a:t>
+            </a:r>
+          </a:p>
+          <a:p>
+            <a:pPr algn="l">
+              <a:spcBef>
+                <a:spcPts val="500"/>
+              </a:spcBef>
+              <a:defRPr b="0" sz="1900"/>
+            </a:pPr>
+            <a:r>
+              <a:t>Création de la classe Pion</a:t>
+            </a:r>
+          </a:p>
+        </p:txBody>
+      </p:sp>
+      <p:sp>
+        <p:nvSpPr>
+          <p:cNvPr id="136" name="Création de la classe Fou…"/>
+          <p:cNvSpPr txBox="1"/>
+          <p:nvPr/>
+        </p:nvSpPr>
+        <p:spPr>
+          <a:xfrm>
+            <a:off x="2539423" y="7599370"/>
+            <a:ext cx="3885821" cy="742545"/>
+          </a:xfrm>
+          <a:prstGeom prst="rect">
+            <a:avLst/>
+          </a:prstGeom>
+          <a:ln w="12700">
+            <a:miter lim="400000"/>
+          </a:ln>
+          <a:extLst>
+            <a:ext uri="{C572A759-6A51-4108-AA02-DFA0A04FC94B}">
+              <ma14:wrappingTextBoxFlag xmlns:ma14="http://schemas.microsoft.com/office/mac/drawingml/2011/main" val="1"/>
+            </a:ext>
+          </a:extLst>
+        </p:spPr>
+        <p:txBody>
+          <a:bodyPr lIns="50800" tIns="50800" rIns="50800" bIns="50800" anchor="ctr">
+            <a:spAutoFit/>
+          </a:bodyPr>
+          <a:lstStyle/>
+          <a:p>
+            <a:pPr algn="l">
+              <a:spcBef>
+                <a:spcPts val="500"/>
+              </a:spcBef>
+              <a:defRPr b="0" sz="1900"/>
+            </a:pPr>
+            <a:r>
+              <a:t>Création de la classe Fou</a:t>
+            </a:r>
+          </a:p>
+          <a:p>
+            <a:pPr algn="l">
+              <a:spcBef>
+                <a:spcPts val="500"/>
+              </a:spcBef>
+              <a:defRPr b="0" sz="1900"/>
+            </a:pPr>
+            <a:r>
+              <a:t>Création de la classe Pion</a:t>
+            </a:r>
+          </a:p>
+        </p:txBody>
+      </p:sp>
+      <p:sp>
+        <p:nvSpPr>
+          <p:cNvPr id="137" name="Création de la classe Fou…"/>
+          <p:cNvSpPr txBox="1"/>
+          <p:nvPr/>
+        </p:nvSpPr>
+        <p:spPr>
+          <a:xfrm>
+            <a:off x="8906730" y="2870299"/>
+            <a:ext cx="3885821" cy="742545"/>
+          </a:xfrm>
+          <a:prstGeom prst="rect">
+            <a:avLst/>
+          </a:prstGeom>
+          <a:ln w="12700">
+            <a:miter lim="400000"/>
+          </a:ln>
+          <a:extLst>
+            <a:ext uri="{C572A759-6A51-4108-AA02-DFA0A04FC94B}">
+              <ma14:wrappingTextBoxFlag xmlns:ma14="http://schemas.microsoft.com/office/mac/drawingml/2011/main" val="1"/>
+            </a:ext>
+          </a:extLst>
+        </p:spPr>
+        <p:txBody>
+          <a:bodyPr lIns="50800" tIns="50800" rIns="50800" bIns="50800" anchor="ctr">
+            <a:spAutoFit/>
+          </a:bodyPr>
+          <a:lstStyle/>
+          <a:p>
+            <a:pPr algn="l">
+              <a:spcBef>
+                <a:spcPts val="500"/>
+              </a:spcBef>
+              <a:defRPr b="0" sz="1900"/>
+            </a:pPr>
+            <a:r>
+              <a:t>Création de la classe Fou</a:t>
+            </a:r>
+          </a:p>
+          <a:p>
+            <a:pPr algn="l">
+              <a:spcBef>
+                <a:spcPts val="500"/>
+              </a:spcBef>
+              <a:defRPr b="0" sz="1900"/>
+            </a:pPr>
+            <a:r>
+              <a:t>Création de la classe Pion</a:t>
+            </a:r>
+          </a:p>
+        </p:txBody>
+      </p:sp>
+      <p:sp>
+        <p:nvSpPr>
+          <p:cNvPr id="138" name="Création de la classe Fou…"/>
+          <p:cNvSpPr txBox="1"/>
+          <p:nvPr/>
+        </p:nvSpPr>
+        <p:spPr>
+          <a:xfrm>
+            <a:off x="8906730" y="5229428"/>
+            <a:ext cx="3885821" cy="742544"/>
+          </a:xfrm>
+          <a:prstGeom prst="rect">
+            <a:avLst/>
+          </a:prstGeom>
+          <a:ln w="12700">
+            <a:miter lim="400000"/>
+          </a:ln>
+          <a:extLst>
+            <a:ext uri="{C572A759-6A51-4108-AA02-DFA0A04FC94B}">
+              <ma14:wrappingTextBoxFlag xmlns:ma14="http://schemas.microsoft.com/office/mac/drawingml/2011/main" val="1"/>
+            </a:ext>
+          </a:extLst>
+        </p:spPr>
+        <p:txBody>
+          <a:bodyPr lIns="50800" tIns="50800" rIns="50800" bIns="50800" anchor="ctr">
+            <a:spAutoFit/>
+          </a:bodyPr>
+          <a:lstStyle/>
+          <a:p>
+            <a:pPr algn="l">
+              <a:spcBef>
+                <a:spcPts val="500"/>
+              </a:spcBef>
+              <a:defRPr b="0" sz="1900"/>
+            </a:pPr>
+            <a:r>
+              <a:t>Création de la classe Fou</a:t>
+            </a:r>
+          </a:p>
+          <a:p>
+            <a:pPr algn="l">
+              <a:spcBef>
+                <a:spcPts val="500"/>
+              </a:spcBef>
+              <a:defRPr b="0" sz="1900"/>
+            </a:pPr>
+            <a:r>
+              <a:t>Création de la classe Pion</a:t>
+            </a:r>
+          </a:p>
+        </p:txBody>
+      </p:sp>
+      <p:sp>
+        <p:nvSpPr>
+          <p:cNvPr id="139" name="Création de la classe Fou…"/>
+          <p:cNvSpPr txBox="1"/>
+          <p:nvPr/>
+        </p:nvSpPr>
+        <p:spPr>
+          <a:xfrm>
+            <a:off x="8906730" y="7599370"/>
+            <a:ext cx="3885821" cy="742545"/>
+          </a:xfrm>
+          <a:prstGeom prst="rect">
+            <a:avLst/>
+          </a:prstGeom>
+          <a:ln w="12700">
+            <a:miter lim="400000"/>
+          </a:ln>
+          <a:extLst>
+            <a:ext uri="{C572A759-6A51-4108-AA02-DFA0A04FC94B}">
+              <ma14:wrappingTextBoxFlag xmlns:ma14="http://schemas.microsoft.com/office/mac/drawingml/2011/main" val="1"/>
+            </a:ext>
+          </a:extLst>
+        </p:spPr>
+        <p:txBody>
+          <a:bodyPr lIns="50800" tIns="50800" rIns="50800" bIns="50800" anchor="ctr">
+            <a:spAutoFit/>
+          </a:bodyPr>
+          <a:lstStyle/>
+          <a:p>
+            <a:pPr marL="272435" indent="-272435" algn="l">
+              <a:spcBef>
+                <a:spcPts val="500"/>
+              </a:spcBef>
+              <a:buSzPct val="145000"/>
+              <a:buChar char="-"/>
+              <a:defRPr b="0" sz="1900"/>
+            </a:pPr>
+            <a:r>
+              <a:t>Création de la classe Fou</a:t>
+            </a:r>
+          </a:p>
+          <a:p>
+            <a:pPr marL="272435" indent="-272435" algn="l">
+              <a:spcBef>
+                <a:spcPts val="500"/>
+              </a:spcBef>
+              <a:buSzPct val="145000"/>
+              <a:buChar char="-"/>
+              <a:defRPr b="0" sz="1900"/>
+            </a:pPr>
+            <a:r>
+              <a:t>Création de la classe Pion</a:t>
+            </a:r>
+          </a:p>
+        </p:txBody>
+      </p:sp>
+    </p:spTree>
+  </p:cSld>
+  <p:clrMapOvr>
+    <a:masterClrMapping/>
+  </p:clrMapOvr>
+  <p:transition xmlns:p14="http://schemas.microsoft.com/office/powerpoint/2010/main" spd="med" advClick="1"/>
+</p:sld>
+</file>
+
+<file path=ppt/slides/slide3.xml><?xml version="1.0" encoding="utf-8"?>
+<p:sld xmlns:a="http://schemas.openxmlformats.org/drawingml/2006/main" xmlns:r="http://schemas.openxmlformats.org/officeDocument/2006/relationships" xmlns:p="http://schemas.openxmlformats.org/presentationml/2006/main" showMasterSp="1" showMasterPhAnim="1">
+  <p:cSld>
+    <p:spTree>
+      <p:nvGrpSpPr>
+        <p:cNvPr id="1" name=""/>
+        <p:cNvGrpSpPr/>
+        <p:nvPr/>
+      </p:nvGrpSpPr>
+      <p:grpSpPr>
+        <a:xfrm>
+          <a:off x="0" y="0"/>
+          <a:ext cx="0" cy="0"/>
+          <a:chOff x="0" y="0"/>
+          <a:chExt cx="0" cy="0"/>
+        </a:xfrm>
+      </p:grpSpPr>
+      <p:sp>
+        <p:nvSpPr>
+          <p:cNvPr id="141" name="Réaliser un jeu d’échecs"/>
+          <p:cNvSpPr txBox="1"/>
+          <p:nvPr>
+            <p:ph type="subTitle" sz="quarter" idx="1"/>
+          </p:nvPr>
+        </p:nvSpPr>
+        <p:spPr>
+          <a:xfrm>
+            <a:off x="1640581" y="3278451"/>
+            <a:ext cx="10464801" cy="1961515"/>
+          </a:xfrm>
+          <a:prstGeom prst="rect">
+            <a:avLst/>
+          </a:prstGeom>
+        </p:spPr>
+        <p:txBody>
+          <a:bodyPr/>
+          <a:lstStyle>
+            <a:lvl1pPr algn="l">
+              <a:spcBef>
+                <a:spcPts val="3000"/>
+              </a:spcBef>
+              <a:defRPr sz="3000"/>
+            </a:lvl1pPr>
+          </a:lstStyle>
+          <a:p>
+            <a:pPr/>
+            <a:r>
+              <a:t>Réaliser un jeu d’échecs</a:t>
+            </a:r>
+          </a:p>
+        </p:txBody>
+      </p:sp>
+      <p:sp>
+        <p:nvSpPr>
+          <p:cNvPr id="142" name="Présentation du sujet"/>
+          <p:cNvSpPr txBox="1"/>
+          <p:nvPr/>
+        </p:nvSpPr>
+        <p:spPr>
+          <a:xfrm>
+            <a:off x="2711450" y="489363"/>
+            <a:ext cx="7581901" cy="1019297"/>
+          </a:xfrm>
+          <a:prstGeom prst="rect">
+            <a:avLst/>
+          </a:prstGeom>
+          <a:ln w="12700">
+            <a:miter lim="400000"/>
+          </a:ln>
+          <a:extLst>
+            <a:ext uri="{C572A759-6A51-4108-AA02-DFA0A04FC94B}">
+              <ma14:wrappingTextBoxFlag xmlns:ma14="http://schemas.microsoft.com/office/mac/drawingml/2011/main" val="1"/>
+            </a:ext>
+          </a:extLst>
+        </p:spPr>
+        <p:txBody>
+          <a:bodyPr wrap="none" lIns="50800" tIns="50800" rIns="50800" bIns="50800" anchor="ctr">
+            <a:spAutoFit/>
+          </a:bodyPr>
+          <a:lstStyle>
+            <a:lvl1pPr>
+              <a:defRPr b="0" sz="6000">
+                <a:latin typeface="+mn-lt"/>
+                <a:ea typeface="+mn-ea"/>
+                <a:cs typeface="+mn-cs"/>
+                <a:sym typeface="Helvetica Neue Medium"/>
+              </a:defRPr>
+            </a:lvl1pPr>
+          </a:lstStyle>
+          <a:p>
+            <a:pPr/>
+            <a:r>
+              <a:t>Présentation du sujet</a:t>
+            </a:r>
+          </a:p>
+        </p:txBody>
+      </p:sp>
+      <p:sp>
+        <p:nvSpPr>
+          <p:cNvPr id="143" name="Numéro de diapositive"/>
+          <p:cNvSpPr txBox="1"/>
+          <p:nvPr>
+            <p:ph type="sldNum" sz="quarter" idx="2"/>
+          </p:nvPr>
+        </p:nvSpPr>
+        <p:spPr>
+          <a:xfrm>
+            <a:off x="6156773" y="9296400"/>
+            <a:ext cx="455880" cy="324306"/>
+          </a:xfrm>
+          <a:prstGeom prst="rect">
+            <a:avLst/>
+          </a:prstGeom>
+          <a:extLst>
+            <a:ext uri="{C572A759-6A51-4108-AA02-DFA0A04FC94B}">
+              <ma14:wrappingTextBoxFlag xmlns:ma14="http://schemas.microsoft.com/office/mac/drawingml/2011/main" val="1"/>
+            </a:ext>
+          </a:extLst>
+        </p:spPr>
+        <p:txBody>
+          <a:bodyPr/>
+          <a:lstStyle/>
+          <a:p>
+            <a:pPr lvl="1" algn="r">
+              <a:defRPr b="0" sz="1600">
+                <a:latin typeface="Helvetica Neue Thin"/>
+                <a:ea typeface="Helvetica Neue Thin"/>
+                <a:cs typeface="Helvetica Neue Thin"/>
+                <a:sym typeface="Helvetica Neue Thin"/>
+              </a:defRPr>
+            </a:pPr>
+            <a:fld id="{86CB4B4D-7CA3-9044-876B-883B54F8677D}" type="slidenum"/>
+          </a:p>
+        </p:txBody>
+      </p:sp>
+      <p:pic>
+        <p:nvPicPr>
+          <p:cNvPr id="144" name="Image" descr="Image"/>
+          <p:cNvPicPr>
+            <a:picLocks noChangeAspect="1"/>
+          </p:cNvPicPr>
+          <p:nvPr/>
+        </p:nvPicPr>
+        <p:blipFill>
+          <a:blip r:embed="rId2">
+            <a:extLst/>
+          </a:blip>
+          <a:srcRect l="0" t="7888" r="0" b="0"/>
+          <a:stretch>
+            <a:fillRect/>
+          </a:stretch>
+        </p:blipFill>
+        <p:spPr>
+          <a:xfrm>
+            <a:off x="7855660" y="1994243"/>
+            <a:ext cx="4588014" cy="4529850"/>
+          </a:xfrm>
+          <a:prstGeom prst="rect">
+            <a:avLst/>
+          </a:prstGeom>
+          <a:ln w="12700">
+            <a:miter lim="400000"/>
+          </a:ln>
+        </p:spPr>
+      </p:pic>
+      <p:pic>
+        <p:nvPicPr>
+          <p:cNvPr id="145" name="robot.png" descr="robot.png"/>
+          <p:cNvPicPr>
+            <a:picLocks noChangeAspect="1"/>
+          </p:cNvPicPr>
+          <p:nvPr/>
+        </p:nvPicPr>
+        <p:blipFill>
+          <a:blip r:embed="rId3">
+            <a:extLst/>
+          </a:blip>
+          <a:stretch>
+            <a:fillRect/>
+          </a:stretch>
+        </p:blipFill>
+        <p:spPr>
+          <a:xfrm>
+            <a:off x="949406" y="5999630"/>
+            <a:ext cx="3251201" cy="3251201"/>
+          </a:xfrm>
+          <a:prstGeom prst="rect">
+            <a:avLst/>
+          </a:prstGeom>
+          <a:ln w="12700">
+            <a:miter lim="400000"/>
+          </a:ln>
+        </p:spPr>
+      </p:pic>
+      <p:sp>
+        <p:nvSpPr>
+          <p:cNvPr id="146" name="Jouable à deux ou contre une IA"/>
+          <p:cNvSpPr txBox="1"/>
+          <p:nvPr/>
+        </p:nvSpPr>
+        <p:spPr>
+          <a:xfrm>
+            <a:off x="5257218" y="7494317"/>
+            <a:ext cx="10464801" cy="1961515"/>
+          </a:xfrm>
+          <a:prstGeom prst="rect">
+            <a:avLst/>
+          </a:prstGeom>
+          <a:ln w="12700">
+            <a:miter lim="400000"/>
+          </a:ln>
+          <a:extLst>
+            <a:ext uri="{C572A759-6A51-4108-AA02-DFA0A04FC94B}">
+              <ma14:wrappingTextBoxFlag xmlns:ma14="http://schemas.microsoft.com/office/mac/drawingml/2011/main" val="1"/>
+            </a:ext>
+          </a:extLst>
+        </p:spPr>
+        <p:txBody>
+          <a:bodyPr lIns="50800" tIns="50800" rIns="50800" bIns="50800">
+            <a:normAutofit fontScale="100000" lnSpcReduction="0"/>
+          </a:bodyPr>
+          <a:lstStyle>
+            <a:lvl1pPr algn="l">
+              <a:spcBef>
+                <a:spcPts val="3000"/>
+              </a:spcBef>
+              <a:defRPr b="0" sz="3000"/>
+            </a:lvl1pPr>
+          </a:lstStyle>
+          <a:p>
+            <a:pPr/>
+            <a:r>
+              <a:t>Jouable à deux ou contre une IA</a:t>
+            </a:r>
+          </a:p>
+        </p:txBody>
+      </p:sp>
+    </p:spTree>
+  </p:cSld>
+  <p:clrMapOvr>
+    <a:masterClrMapping/>
+  </p:clrMapOvr>
+  <p:transition xmlns:p14="http://schemas.microsoft.com/office/powerpoint/2010/main" spd="med" advClick="1"/>
+</p:sld>
+</file>
+
+<file path=ppt/slides/slide4.xml><?xml version="1.0" encoding="utf-8"?>
+<p:sld xmlns:a="http://schemas.openxmlformats.org/drawingml/2006/main" xmlns:r="http://schemas.openxmlformats.org/officeDocument/2006/relationships" xmlns:p="http://schemas.openxmlformats.org/presentationml/2006/main" showMasterSp="1" showMasterPhAnim="1">
+  <p:cSld>
+    <p:spTree>
+      <p:nvGrpSpPr>
+        <p:cNvPr id="1" name=""/>
+        <p:cNvGrpSpPr/>
+        <p:nvPr/>
+      </p:nvGrpSpPr>
+      <p:grpSpPr>
+        <a:xfrm>
+          <a:off x="0" y="0"/>
+          <a:ext cx="0" cy="0"/>
+          <a:chOff x="0" y="0"/>
+          <a:chExt cx="0" cy="0"/>
+        </a:xfrm>
+      </p:grpSpPr>
+      <p:sp>
+        <p:nvSpPr>
+          <p:cNvPr id="148" name="Présentation des fonctionnalités"/>
+          <p:cNvSpPr txBox="1"/>
+          <p:nvPr/>
+        </p:nvSpPr>
+        <p:spPr>
+          <a:xfrm>
+            <a:off x="671195" y="489363"/>
+            <a:ext cx="11662411" cy="1019297"/>
+          </a:xfrm>
+          <a:prstGeom prst="rect">
+            <a:avLst/>
+          </a:prstGeom>
+          <a:ln w="12700">
+            <a:miter lim="400000"/>
+          </a:ln>
+          <a:extLst>
+            <a:ext uri="{C572A759-6A51-4108-AA02-DFA0A04FC94B}">
+              <ma14:wrappingTextBoxFlag xmlns:ma14="http://schemas.microsoft.com/office/mac/drawingml/2011/main" val="1"/>
+            </a:ext>
+          </a:extLst>
+        </p:spPr>
+        <p:txBody>
+          <a:bodyPr wrap="none" lIns="50800" tIns="50800" rIns="50800" bIns="50800" anchor="ctr">
+            <a:spAutoFit/>
+          </a:bodyPr>
+          <a:lstStyle>
+            <a:lvl1pPr>
+              <a:defRPr b="0" sz="6000">
+                <a:latin typeface="+mn-lt"/>
+                <a:ea typeface="+mn-ea"/>
+                <a:cs typeface="+mn-cs"/>
+                <a:sym typeface="Helvetica Neue Medium"/>
+              </a:defRPr>
+            </a:lvl1pPr>
+          </a:lstStyle>
+          <a:p>
+            <a:pPr/>
+            <a:r>
+              <a:t>Présentation des fonctionnalités </a:t>
+            </a:r>
+          </a:p>
+        </p:txBody>
+      </p:sp>
+      <p:sp>
+        <p:nvSpPr>
+          <p:cNvPr id="149" name="Rectangle"/>
+          <p:cNvSpPr/>
+          <p:nvPr/>
+        </p:nvSpPr>
+        <p:spPr>
+          <a:xfrm>
+            <a:off x="1250578" y="5999630"/>
+            <a:ext cx="3793740" cy="3171762"/>
+          </a:xfrm>
+          <a:prstGeom prst="rect">
+            <a:avLst/>
+          </a:prstGeom>
+          <a:solidFill>
+            <a:schemeClr val="accent1"/>
+          </a:solidFill>
+          <a:ln w="12700">
+            <a:miter lim="400000"/>
+          </a:ln>
+        </p:spPr>
+        <p:txBody>
+          <a:bodyPr lIns="50800" tIns="50800" rIns="50800" bIns="50800" anchor="ctr"/>
+          <a:lstStyle/>
+          <a:p>
+            <a:pPr>
+              <a:defRPr b="0" sz="2200">
+                <a:solidFill>
+                  <a:srgbClr val="FFFFFF"/>
+                </a:solidFill>
+                <a:latin typeface="+mn-lt"/>
+                <a:ea typeface="+mn-ea"/>
+                <a:cs typeface="+mn-cs"/>
+                <a:sym typeface="Helvetica Neue Medium"/>
+              </a:defRPr>
+            </a:pPr>
+          </a:p>
+        </p:txBody>
+      </p:sp>
+      <p:sp>
+        <p:nvSpPr>
+          <p:cNvPr id="150" name="Rectangle"/>
+          <p:cNvSpPr/>
+          <p:nvPr/>
+        </p:nvSpPr>
+        <p:spPr>
+          <a:xfrm>
+            <a:off x="8156122" y="5999630"/>
+            <a:ext cx="3793739" cy="3171762"/>
+          </a:xfrm>
+          <a:prstGeom prst="rect">
+            <a:avLst/>
+          </a:prstGeom>
+          <a:solidFill>
+            <a:schemeClr val="accent1"/>
+          </a:solidFill>
+          <a:ln w="12700">
+            <a:miter lim="400000"/>
+          </a:ln>
+        </p:spPr>
+        <p:txBody>
+          <a:bodyPr lIns="50800" tIns="50800" rIns="50800" bIns="50800" anchor="ctr"/>
+          <a:lstStyle/>
+          <a:p>
+            <a:pPr>
+              <a:defRPr b="0" sz="2200">
+                <a:solidFill>
+                  <a:srgbClr val="FFFFFF"/>
+                </a:solidFill>
+                <a:latin typeface="+mn-lt"/>
+                <a:ea typeface="+mn-ea"/>
+                <a:cs typeface="+mn-cs"/>
+                <a:sym typeface="Helvetica Neue Medium"/>
+              </a:defRPr>
+            </a:pPr>
+          </a:p>
+        </p:txBody>
+      </p:sp>
+      <p:sp>
+        <p:nvSpPr>
+          <p:cNvPr id="151" name="Jouer dans un terminal"/>
+          <p:cNvSpPr txBox="1"/>
+          <p:nvPr/>
+        </p:nvSpPr>
+        <p:spPr>
+          <a:xfrm>
+            <a:off x="1227150" y="5348520"/>
+            <a:ext cx="3840596" cy="510072"/>
+          </a:xfrm>
+          <a:prstGeom prst="rect">
+            <a:avLst/>
+          </a:prstGeom>
+          <a:ln w="12700">
+            <a:miter lim="400000"/>
+          </a:ln>
+          <a:extLst>
+            <a:ext uri="{C572A759-6A51-4108-AA02-DFA0A04FC94B}">
+              <ma14:wrappingTextBoxFlag xmlns:ma14="http://schemas.microsoft.com/office/mac/drawingml/2011/main" val="1"/>
+            </a:ext>
+          </a:extLst>
+        </p:spPr>
+        <p:txBody>
+          <a:bodyPr lIns="50800" tIns="50800" rIns="50800" bIns="50800">
+            <a:normAutofit fontScale="100000" lnSpcReduction="0"/>
+          </a:bodyPr>
+          <a:lstStyle>
+            <a:lvl1pPr>
+              <a:spcBef>
+                <a:spcPts val="3000"/>
+              </a:spcBef>
+              <a:defRPr b="0" sz="2500"/>
+            </a:lvl1pPr>
+          </a:lstStyle>
+          <a:p>
+            <a:pPr/>
+            <a:r>
+              <a:t>Jouer dans un terminal</a:t>
+            </a:r>
+          </a:p>
+        </p:txBody>
+      </p:sp>
+      <p:sp>
+        <p:nvSpPr>
+          <p:cNvPr id="152" name="Jouer avec une interface"/>
+          <p:cNvSpPr txBox="1"/>
+          <p:nvPr/>
+        </p:nvSpPr>
+        <p:spPr>
+          <a:xfrm>
+            <a:off x="8132694" y="5348520"/>
+            <a:ext cx="3840596" cy="510072"/>
+          </a:xfrm>
+          <a:prstGeom prst="rect">
+            <a:avLst/>
+          </a:prstGeom>
+          <a:ln w="12700">
+            <a:miter lim="400000"/>
+          </a:ln>
+          <a:extLst>
+            <a:ext uri="{C572A759-6A51-4108-AA02-DFA0A04FC94B}">
+              <ma14:wrappingTextBoxFlag xmlns:ma14="http://schemas.microsoft.com/office/mac/drawingml/2011/main" val="1"/>
+            </a:ext>
+          </a:extLst>
+        </p:spPr>
+        <p:txBody>
+          <a:bodyPr lIns="50800" tIns="50800" rIns="50800" bIns="50800">
+            <a:normAutofit fontScale="100000" lnSpcReduction="0"/>
+          </a:bodyPr>
+          <a:lstStyle>
+            <a:lvl1pPr>
+              <a:spcBef>
+                <a:spcPts val="3000"/>
+              </a:spcBef>
+              <a:defRPr b="0" sz="2500"/>
+            </a:lvl1pPr>
+          </a:lstStyle>
+          <a:p>
+            <a:pPr/>
+            <a:r>
+              <a:t>Jouer avec une interface</a:t>
+            </a:r>
+          </a:p>
+        </p:txBody>
+      </p:sp>
+      <p:sp>
+        <p:nvSpPr>
+          <p:cNvPr id="153" name="Numéro de diapositive"/>
+          <p:cNvSpPr txBox="1"/>
+          <p:nvPr>
+            <p:ph type="sldNum" sz="quarter" idx="2"/>
+          </p:nvPr>
+        </p:nvSpPr>
+        <p:spPr>
+          <a:xfrm>
+            <a:off x="6156773" y="9296400"/>
+            <a:ext cx="455880" cy="324306"/>
+          </a:xfrm>
+          <a:prstGeom prst="rect">
+            <a:avLst/>
+          </a:prstGeom>
+          <a:extLst>
+            <a:ext uri="{C572A759-6A51-4108-AA02-DFA0A04FC94B}">
+              <ma14:wrappingTextBoxFlag xmlns:ma14="http://schemas.microsoft.com/office/mac/drawingml/2011/main" val="1"/>
+            </a:ext>
+          </a:extLst>
+        </p:spPr>
+        <p:txBody>
+          <a:bodyPr/>
+          <a:lstStyle/>
+          <a:p>
+            <a:pPr lvl="1" algn="r">
+              <a:defRPr b="0" sz="1600">
+                <a:latin typeface="Helvetica Neue Thin"/>
+                <a:ea typeface="Helvetica Neue Thin"/>
+                <a:cs typeface="Helvetica Neue Thin"/>
+                <a:sym typeface="Helvetica Neue Thin"/>
+              </a:defRPr>
+            </a:pPr>
+            <a:fld id="{86CB4B4D-7CA3-9044-876B-883B54F8677D}" type="slidenum"/>
+          </a:p>
+        </p:txBody>
+      </p:sp>
+      <p:pic>
+        <p:nvPicPr>
+          <p:cNvPr id="154" name="king.png" descr="king.png"/>
+          <p:cNvPicPr>
+            <a:picLocks noChangeAspect="1"/>
+          </p:cNvPicPr>
+          <p:nvPr/>
+        </p:nvPicPr>
+        <p:blipFill>
+          <a:blip r:embed="rId2">
+            <a:extLst/>
+          </a:blip>
+          <a:stretch>
+            <a:fillRect/>
+          </a:stretch>
+        </p:blipFill>
+        <p:spPr>
+          <a:xfrm>
+            <a:off x="787139" y="1848639"/>
+            <a:ext cx="1115811" cy="1115811"/>
+          </a:xfrm>
+          <a:prstGeom prst="rect">
+            <a:avLst/>
+          </a:prstGeom>
+          <a:ln w="12700">
+            <a:miter lim="400000"/>
+          </a:ln>
+        </p:spPr>
+      </p:pic>
+      <p:pic>
+        <p:nvPicPr>
+          <p:cNvPr id="155" name="knight.png" descr="knight.png"/>
+          <p:cNvPicPr>
+            <a:picLocks noChangeAspect="1"/>
+          </p:cNvPicPr>
+          <p:nvPr/>
+        </p:nvPicPr>
+        <p:blipFill>
+          <a:blip r:embed="rId3">
+            <a:extLst/>
+          </a:blip>
+          <a:stretch>
+            <a:fillRect/>
+          </a:stretch>
+        </p:blipFill>
+        <p:spPr>
+          <a:xfrm>
+            <a:off x="787139" y="3447145"/>
+            <a:ext cx="1115811" cy="1115811"/>
+          </a:xfrm>
+          <a:prstGeom prst="rect">
+            <a:avLst/>
+          </a:prstGeom>
+          <a:ln w="12700">
+            <a:miter lim="400000"/>
+          </a:ln>
+        </p:spPr>
+      </p:pic>
+      <p:pic>
+        <p:nvPicPr>
+          <p:cNvPr id="156" name="rook.png" descr="rook.png"/>
+          <p:cNvPicPr>
+            <a:picLocks noChangeAspect="1"/>
+          </p:cNvPicPr>
+          <p:nvPr/>
+        </p:nvPicPr>
+        <p:blipFill>
+          <a:blip r:embed="rId4">
+            <a:extLst/>
+          </a:blip>
+          <a:stretch>
+            <a:fillRect/>
+          </a:stretch>
+        </p:blipFill>
+        <p:spPr>
+          <a:xfrm>
+            <a:off x="7233523" y="1896896"/>
+            <a:ext cx="1019298" cy="1019297"/>
+          </a:xfrm>
+          <a:prstGeom prst="rect">
+            <a:avLst/>
+          </a:prstGeom>
+          <a:ln w="12700">
+            <a:miter lim="400000"/>
+          </a:ln>
+        </p:spPr>
+      </p:pic>
+      <p:sp>
+        <p:nvSpPr>
+          <p:cNvPr id="157" name="Déplacer toutes les pièces"/>
+          <p:cNvSpPr txBox="1"/>
+          <p:nvPr/>
+        </p:nvSpPr>
+        <p:spPr>
+          <a:xfrm>
+            <a:off x="1817376" y="2151508"/>
+            <a:ext cx="3840596" cy="510073"/>
+          </a:xfrm>
+          <a:prstGeom prst="rect">
+            <a:avLst/>
+          </a:prstGeom>
+          <a:ln w="12700">
+            <a:miter lim="400000"/>
+          </a:ln>
+          <a:extLst>
+            <a:ext uri="{C572A759-6A51-4108-AA02-DFA0A04FC94B}">
+              <ma14:wrappingTextBoxFlag xmlns:ma14="http://schemas.microsoft.com/office/mac/drawingml/2011/main" val="1"/>
+            </a:ext>
+          </a:extLst>
+        </p:spPr>
+        <p:txBody>
+          <a:bodyPr lIns="50800" tIns="50800" rIns="50800" bIns="50800">
+            <a:normAutofit fontScale="100000" lnSpcReduction="0"/>
+          </a:bodyPr>
+          <a:lstStyle>
+            <a:lvl1pPr defTabSz="578358">
+              <a:spcBef>
+                <a:spcPts val="2900"/>
+              </a:spcBef>
+              <a:defRPr b="0" sz="2475"/>
+            </a:lvl1pPr>
+          </a:lstStyle>
+          <a:p>
+            <a:pPr/>
+            <a:r>
+              <a:t>Déplacer toutes les pièces</a:t>
+            </a:r>
+          </a:p>
+        </p:txBody>
+      </p:sp>
+      <p:sp>
+        <p:nvSpPr>
+          <p:cNvPr id="158" name="Contrôler les mouvements"/>
+          <p:cNvSpPr txBox="1"/>
+          <p:nvPr/>
+        </p:nvSpPr>
+        <p:spPr>
+          <a:xfrm>
+            <a:off x="1817376" y="3750014"/>
+            <a:ext cx="3840596" cy="510072"/>
+          </a:xfrm>
+          <a:prstGeom prst="rect">
+            <a:avLst/>
+          </a:prstGeom>
+          <a:ln w="12700">
+            <a:miter lim="400000"/>
+          </a:ln>
+          <a:extLst>
+            <a:ext uri="{C572A759-6A51-4108-AA02-DFA0A04FC94B}">
+              <ma14:wrappingTextBoxFlag xmlns:ma14="http://schemas.microsoft.com/office/mac/drawingml/2011/main" val="1"/>
+            </a:ext>
+          </a:extLst>
+        </p:spPr>
+        <p:txBody>
+          <a:bodyPr lIns="50800" tIns="50800" rIns="50800" bIns="50800">
+            <a:normAutofit fontScale="100000" lnSpcReduction="0"/>
+          </a:bodyPr>
+          <a:lstStyle>
+            <a:lvl1pPr>
+              <a:spcBef>
+                <a:spcPts val="3000"/>
+              </a:spcBef>
+              <a:defRPr b="0" sz="2500"/>
+            </a:lvl1pPr>
+          </a:lstStyle>
+          <a:p>
+            <a:pPr/>
+            <a:r>
+              <a:t>Contrôler les mouvements</a:t>
+            </a:r>
+          </a:p>
+        </p:txBody>
+      </p:sp>
+      <p:sp>
+        <p:nvSpPr>
+          <p:cNvPr id="159" name="Gérer les coups spéciaux"/>
+          <p:cNvSpPr txBox="1"/>
+          <p:nvPr/>
+        </p:nvSpPr>
+        <p:spPr>
+          <a:xfrm>
+            <a:off x="8491307" y="2151508"/>
+            <a:ext cx="3840596" cy="510073"/>
+          </a:xfrm>
+          <a:prstGeom prst="rect">
+            <a:avLst/>
+          </a:prstGeom>
+          <a:ln w="12700">
+            <a:miter lim="400000"/>
+          </a:ln>
+          <a:extLst>
+            <a:ext uri="{C572A759-6A51-4108-AA02-DFA0A04FC94B}">
+              <ma14:wrappingTextBoxFlag xmlns:ma14="http://schemas.microsoft.com/office/mac/drawingml/2011/main" val="1"/>
+            </a:ext>
+          </a:extLst>
+        </p:spPr>
+        <p:txBody>
+          <a:bodyPr lIns="50800" tIns="50800" rIns="50800" bIns="50800">
+            <a:normAutofit fontScale="100000" lnSpcReduction="0"/>
+          </a:bodyPr>
+          <a:lstStyle>
+            <a:lvl1pPr>
+              <a:spcBef>
+                <a:spcPts val="3000"/>
+              </a:spcBef>
+              <a:defRPr b="0" sz="2500"/>
+            </a:lvl1pPr>
+          </a:lstStyle>
+          <a:p>
+            <a:pPr/>
+            <a:r>
+              <a:t>Gérer les coups spéciaux </a:t>
+            </a:r>
+          </a:p>
+        </p:txBody>
+      </p:sp>
+    </p:spTree>
+  </p:cSld>
+  <p:clrMapOvr>
+    <a:masterClrMapping/>
+  </p:clrMapOvr>
+  <p:transition xmlns:p14="http://schemas.microsoft.com/office/powerpoint/2010/main" spd="med" advClick="1"/>
+</p:sld>
+</file>
+
+<file path=ppt/slides/slide5.xml><?xml version="1.0" encoding="utf-8"?>
+<p:sld xmlns:a="http://schemas.openxmlformats.org/drawingml/2006/main" xmlns:r="http://schemas.openxmlformats.org/officeDocument/2006/relationships" xmlns:p="http://schemas.openxmlformats.org/presentationml/2006/main" showMasterSp="1" showMasterPhAnim="1">
+  <p:cSld>
+    <p:spTree>
+      <p:nvGrpSpPr>
+        <p:cNvPr id="1" name=""/>
+        <p:cNvGrpSpPr/>
+        <p:nvPr/>
+      </p:nvGrpSpPr>
+      <p:grpSpPr>
+        <a:xfrm>
+          <a:off x="0" y="0"/>
+          <a:ext cx="0" cy="0"/>
+          <a:chOff x="0" y="0"/>
+          <a:chExt cx="0" cy="0"/>
+        </a:xfrm>
+      </p:grpSpPr>
+      <p:sp>
+        <p:nvSpPr>
+          <p:cNvPr id="161" name="Contraintes techniques"/>
+          <p:cNvSpPr txBox="1"/>
+          <p:nvPr/>
+        </p:nvSpPr>
+        <p:spPr>
+          <a:xfrm>
+            <a:off x="2359024" y="489363"/>
+            <a:ext cx="8286751" cy="1019297"/>
+          </a:xfrm>
+          <a:prstGeom prst="rect">
+            <a:avLst/>
+          </a:prstGeom>
+          <a:ln w="12700">
+            <a:miter lim="400000"/>
+          </a:ln>
+          <a:extLst>
+            <a:ext uri="{C572A759-6A51-4108-AA02-DFA0A04FC94B}">
+              <ma14:wrappingTextBoxFlag xmlns:ma14="http://schemas.microsoft.com/office/mac/drawingml/2011/main" val="1"/>
+            </a:ext>
+          </a:extLst>
+        </p:spPr>
+        <p:txBody>
+          <a:bodyPr wrap="none" lIns="50800" tIns="50800" rIns="50800" bIns="50800" anchor="ctr">
+            <a:spAutoFit/>
+          </a:bodyPr>
+          <a:lstStyle>
+            <a:lvl1pPr>
+              <a:defRPr b="0" sz="6000">
+                <a:latin typeface="+mn-lt"/>
+                <a:ea typeface="+mn-ea"/>
+                <a:cs typeface="+mn-cs"/>
+                <a:sym typeface="Helvetica Neue Medium"/>
+              </a:defRPr>
+            </a:lvl1pPr>
+          </a:lstStyle>
+          <a:p>
+            <a:pPr/>
+            <a:r>
+              <a:t>Contraintes techniques</a:t>
+            </a:r>
+          </a:p>
+        </p:txBody>
+      </p:sp>
+      <p:sp>
+        <p:nvSpPr>
+          <p:cNvPr id="162" name="Numéro de diapositive"/>
+          <p:cNvSpPr txBox="1"/>
+          <p:nvPr>
+            <p:ph type="sldNum" sz="quarter" idx="2"/>
+          </p:nvPr>
+        </p:nvSpPr>
+        <p:spPr>
+          <a:xfrm>
+            <a:off x="6156773" y="9296400"/>
+            <a:ext cx="455880" cy="324306"/>
+          </a:xfrm>
+          <a:prstGeom prst="rect">
+            <a:avLst/>
+          </a:prstGeom>
+          <a:extLst>
+            <a:ext uri="{C572A759-6A51-4108-AA02-DFA0A04FC94B}">
+              <ma14:wrappingTextBoxFlag xmlns:ma14="http://schemas.microsoft.com/office/mac/drawingml/2011/main" val="1"/>
+            </a:ext>
+          </a:extLst>
+        </p:spPr>
+        <p:txBody>
+          <a:bodyPr/>
+          <a:lstStyle/>
+          <a:p>
+            <a:pPr lvl="1" algn="r">
+              <a:defRPr b="0" sz="1600">
+                <a:latin typeface="Helvetica Neue Thin"/>
+                <a:ea typeface="Helvetica Neue Thin"/>
+                <a:cs typeface="Helvetica Neue Thin"/>
+                <a:sym typeface="Helvetica Neue Thin"/>
+              </a:defRPr>
+            </a:pPr>
+            <a:fld id="{86CB4B4D-7CA3-9044-876B-883B54F8677D}" type="slidenum"/>
+          </a:p>
+        </p:txBody>
+      </p:sp>
+      <p:sp>
+        <p:nvSpPr>
+          <p:cNvPr id="163" name="Utiliser le langage JAVA"/>
+          <p:cNvSpPr txBox="1"/>
+          <p:nvPr/>
+        </p:nvSpPr>
+        <p:spPr>
+          <a:xfrm>
+            <a:off x="2265819" y="3783516"/>
+            <a:ext cx="4755538" cy="553517"/>
+          </a:xfrm>
+          <a:prstGeom prst="rect">
+            <a:avLst/>
+          </a:prstGeom>
+          <a:ln w="12700">
+            <a:miter lim="400000"/>
+          </a:ln>
+          <a:extLst>
+            <a:ext uri="{C572A759-6A51-4108-AA02-DFA0A04FC94B}">
+              <ma14:wrappingTextBoxFlag xmlns:ma14="http://schemas.microsoft.com/office/mac/drawingml/2011/main" val="1"/>
+            </a:ext>
+          </a:extLst>
+        </p:spPr>
+        <p:txBody>
+          <a:bodyPr lIns="50800" tIns="50800" rIns="50800" bIns="50800">
+            <a:normAutofit fontScale="100000" lnSpcReduction="0"/>
+          </a:bodyPr>
+          <a:lstStyle>
+            <a:lvl1pPr algn="l">
+              <a:spcBef>
+                <a:spcPts val="3000"/>
+              </a:spcBef>
+              <a:defRPr b="0" sz="3000"/>
+            </a:lvl1pPr>
+          </a:lstStyle>
+          <a:p>
+            <a:pPr/>
+            <a:r>
+              <a:t>Utiliser le langage JAVA</a:t>
+            </a:r>
+          </a:p>
+        </p:txBody>
+      </p:sp>
+      <p:pic>
+        <p:nvPicPr>
+          <p:cNvPr id="164" name="problems-with-synchronization.png" descr="problems-with-synchronization.png"/>
+          <p:cNvPicPr>
+            <a:picLocks noChangeAspect="1"/>
+          </p:cNvPicPr>
+          <p:nvPr/>
+        </p:nvPicPr>
+        <p:blipFill>
+          <a:blip r:embed="rId2">
+            <a:extLst/>
+          </a:blip>
+          <a:stretch>
+            <a:fillRect/>
+          </a:stretch>
+        </p:blipFill>
+        <p:spPr>
+          <a:xfrm>
+            <a:off x="965307" y="3439897"/>
+            <a:ext cx="1240756" cy="1240756"/>
+          </a:xfrm>
+          <a:prstGeom prst="rect">
+            <a:avLst/>
+          </a:prstGeom>
+          <a:ln w="12700">
+            <a:miter lim="400000"/>
+          </a:ln>
+        </p:spPr>
+      </p:pic>
+      <p:sp>
+        <p:nvSpPr>
+          <p:cNvPr id="165" name="Utilisation d’une nouvelle bibliothèque"/>
+          <p:cNvSpPr txBox="1"/>
+          <p:nvPr/>
+        </p:nvSpPr>
+        <p:spPr>
+          <a:xfrm>
+            <a:off x="2253851" y="5679056"/>
+            <a:ext cx="4779474" cy="1019298"/>
+          </a:xfrm>
+          <a:prstGeom prst="rect">
+            <a:avLst/>
+          </a:prstGeom>
+          <a:ln w="12700">
+            <a:miter lim="400000"/>
+          </a:ln>
+          <a:extLst>
+            <a:ext uri="{C572A759-6A51-4108-AA02-DFA0A04FC94B}">
+              <ma14:wrappingTextBoxFlag xmlns:ma14="http://schemas.microsoft.com/office/mac/drawingml/2011/main" val="1"/>
+            </a:ext>
+          </a:extLst>
+        </p:spPr>
+        <p:txBody>
+          <a:bodyPr lIns="50800" tIns="50800" rIns="50800" bIns="50800">
+            <a:normAutofit fontScale="100000" lnSpcReduction="0"/>
+          </a:bodyPr>
+          <a:lstStyle>
+            <a:lvl1pPr algn="l">
+              <a:spcBef>
+                <a:spcPts val="3000"/>
+              </a:spcBef>
+              <a:defRPr b="0" sz="3000"/>
+            </a:lvl1pPr>
+          </a:lstStyle>
+          <a:p>
+            <a:pPr/>
+            <a:r>
+              <a:t>Utilisation d’une nouvelle bibliothèque</a:t>
+            </a:r>
+          </a:p>
+        </p:txBody>
+      </p:sp>
+      <p:pic>
+        <p:nvPicPr>
+          <p:cNvPr id="166" name="problems-with-synchronization.png" descr="problems-with-synchronization.png"/>
+          <p:cNvPicPr>
+            <a:picLocks noChangeAspect="1"/>
+          </p:cNvPicPr>
+          <p:nvPr/>
+        </p:nvPicPr>
+        <p:blipFill>
+          <a:blip r:embed="rId2">
+            <a:extLst/>
+          </a:blip>
+          <a:stretch>
+            <a:fillRect/>
+          </a:stretch>
+        </p:blipFill>
+        <p:spPr>
+          <a:xfrm>
+            <a:off x="953339" y="5679056"/>
+            <a:ext cx="1240756" cy="1240757"/>
+          </a:xfrm>
+          <a:prstGeom prst="rect">
+            <a:avLst/>
+          </a:prstGeom>
+          <a:ln w="12700">
+            <a:miter lim="400000"/>
+          </a:ln>
+        </p:spPr>
+      </p:pic>
+      <p:sp>
+        <p:nvSpPr>
+          <p:cNvPr id="167" name="Pouvoir jouer à deux"/>
+          <p:cNvSpPr txBox="1"/>
+          <p:nvPr/>
+        </p:nvSpPr>
+        <p:spPr>
+          <a:xfrm>
+            <a:off x="8582253" y="3783516"/>
+            <a:ext cx="3840596" cy="553517"/>
+          </a:xfrm>
+          <a:prstGeom prst="rect">
+            <a:avLst/>
+          </a:prstGeom>
+          <a:ln w="12700">
+            <a:miter lim="400000"/>
+          </a:ln>
+          <a:extLst>
+            <a:ext uri="{C572A759-6A51-4108-AA02-DFA0A04FC94B}">
+              <ma14:wrappingTextBoxFlag xmlns:ma14="http://schemas.microsoft.com/office/mac/drawingml/2011/main" val="1"/>
+            </a:ext>
+          </a:extLst>
+        </p:spPr>
+        <p:txBody>
+          <a:bodyPr lIns="50800" tIns="50800" rIns="50800" bIns="50800">
+            <a:normAutofit fontScale="100000" lnSpcReduction="0"/>
+          </a:bodyPr>
+          <a:lstStyle>
+            <a:lvl1pPr algn="l">
+              <a:spcBef>
+                <a:spcPts val="3000"/>
+              </a:spcBef>
+              <a:defRPr b="0" sz="3000"/>
+            </a:lvl1pPr>
+          </a:lstStyle>
+          <a:p>
+            <a:pPr/>
+            <a:r>
+              <a:t>Pouvoir jouer à deux</a:t>
+            </a:r>
+          </a:p>
+        </p:txBody>
+      </p:sp>
+      <p:pic>
+        <p:nvPicPr>
+          <p:cNvPr id="168" name="problems-with-synchronization.png" descr="problems-with-synchronization.png"/>
+          <p:cNvPicPr>
+            <a:picLocks noChangeAspect="1"/>
+          </p:cNvPicPr>
+          <p:nvPr/>
+        </p:nvPicPr>
+        <p:blipFill>
+          <a:blip r:embed="rId2">
+            <a:extLst/>
+          </a:blip>
+          <a:stretch>
+            <a:fillRect/>
+          </a:stretch>
+        </p:blipFill>
+        <p:spPr>
+          <a:xfrm>
+            <a:off x="7302572" y="3439897"/>
+            <a:ext cx="1240757" cy="1240756"/>
+          </a:xfrm>
+          <a:prstGeom prst="rect">
+            <a:avLst/>
+          </a:prstGeom>
+          <a:ln w="12700">
+            <a:miter lim="400000"/>
+          </a:ln>
+        </p:spPr>
+      </p:pic>
+      <p:sp>
+        <p:nvSpPr>
+          <p:cNvPr id="169" name="A voir ???"/>
+          <p:cNvSpPr txBox="1"/>
+          <p:nvPr/>
+        </p:nvSpPr>
+        <p:spPr>
+          <a:xfrm>
+            <a:off x="8582253" y="5568327"/>
+            <a:ext cx="3840596" cy="1019298"/>
+          </a:xfrm>
+          <a:prstGeom prst="rect">
+            <a:avLst/>
+          </a:prstGeom>
+          <a:ln w="12700">
+            <a:miter lim="400000"/>
+          </a:ln>
+          <a:extLst>
+            <a:ext uri="{C572A759-6A51-4108-AA02-DFA0A04FC94B}">
+              <ma14:wrappingTextBoxFlag xmlns:ma14="http://schemas.microsoft.com/office/mac/drawingml/2011/main" val="1"/>
+            </a:ext>
+          </a:extLst>
+        </p:spPr>
+        <p:txBody>
+          <a:bodyPr lIns="50800" tIns="50800" rIns="50800" bIns="50800">
+            <a:normAutofit fontScale="100000" lnSpcReduction="0"/>
+          </a:bodyPr>
+          <a:lstStyle>
+            <a:lvl1pPr algn="l">
+              <a:spcBef>
+                <a:spcPts val="3000"/>
+              </a:spcBef>
+              <a:defRPr b="0" sz="3000"/>
+            </a:lvl1pPr>
+          </a:lstStyle>
+          <a:p>
+            <a:pPr/>
+            <a:r>
+              <a:t>A voir ???</a:t>
+            </a:r>
+          </a:p>
+        </p:txBody>
+      </p:sp>
+      <p:pic>
+        <p:nvPicPr>
+          <p:cNvPr id="170" name="problems-with-synchronization.png" descr="problems-with-synchronization.png"/>
+          <p:cNvPicPr>
+            <a:picLocks noChangeAspect="1"/>
+          </p:cNvPicPr>
+          <p:nvPr/>
+        </p:nvPicPr>
+        <p:blipFill>
+          <a:blip r:embed="rId2">
+            <a:extLst/>
+          </a:blip>
+          <a:stretch>
+            <a:fillRect/>
+          </a:stretch>
+        </p:blipFill>
+        <p:spPr>
+          <a:xfrm>
+            <a:off x="7281741" y="5568327"/>
+            <a:ext cx="1240756" cy="1240756"/>
+          </a:xfrm>
+          <a:prstGeom prst="rect">
+            <a:avLst/>
+          </a:prstGeom>
+          <a:ln w="12700">
+            <a:miter lim="400000"/>
+          </a:ln>
+        </p:spPr>
+      </p:pic>
+    </p:spTree>
+  </p:cSld>
+  <p:clrMapOvr>
+    <a:masterClrMapping/>
+  </p:clrMapOvr>
+  <p:transition xmlns:p14="http://schemas.microsoft.com/office/powerpoint/2010/main" spd="med" advClick="1"/>
+</p:sld>
+</file>
+
+<file path=ppt/slides/slide6.xml><?xml version="1.0" encoding="utf-8"?>
+<p:sld xmlns:a="http://schemas.openxmlformats.org/drawingml/2006/main" xmlns:r="http://schemas.openxmlformats.org/officeDocument/2006/relationships" xmlns:p="http://schemas.openxmlformats.org/presentationml/2006/main" showMasterSp="1" showMasterPhAnim="1">
+  <p:cSld>
+    <p:spTree>
+      <p:nvGrpSpPr>
+        <p:cNvPr id="1" name=""/>
+        <p:cNvGrpSpPr/>
+        <p:nvPr/>
+      </p:nvGrpSpPr>
+      <p:grpSpPr>
+        <a:xfrm>
+          <a:off x="0" y="0"/>
+          <a:ext cx="0" cy="0"/>
+          <a:chOff x="0" y="0"/>
+          <a:chExt cx="0" cy="0"/>
+        </a:xfrm>
+      </p:grpSpPr>
+      <p:sp>
+        <p:nvSpPr>
+          <p:cNvPr id="172" name="Déroulement du projet"/>
+          <p:cNvSpPr txBox="1"/>
+          <p:nvPr/>
+        </p:nvSpPr>
+        <p:spPr>
+          <a:xfrm>
+            <a:off x="2514092" y="678015"/>
+            <a:ext cx="7976617" cy="1019298"/>
+          </a:xfrm>
+          <a:prstGeom prst="rect">
+            <a:avLst/>
+          </a:prstGeom>
+          <a:ln w="12700">
+            <a:miter lim="400000"/>
+          </a:ln>
+          <a:extLst>
+            <a:ext uri="{C572A759-6A51-4108-AA02-DFA0A04FC94B}">
+              <ma14:wrappingTextBoxFlag xmlns:ma14="http://schemas.microsoft.com/office/mac/drawingml/2011/main" val="1"/>
+            </a:ext>
+          </a:extLst>
+        </p:spPr>
+        <p:txBody>
+          <a:bodyPr wrap="none" lIns="50800" tIns="50800" rIns="50800" bIns="50800" anchor="ctr">
+            <a:spAutoFit/>
+          </a:bodyPr>
+          <a:lstStyle>
+            <a:lvl1pPr>
+              <a:defRPr b="0" sz="6000">
+                <a:latin typeface="+mn-lt"/>
+                <a:ea typeface="+mn-ea"/>
+                <a:cs typeface="+mn-cs"/>
+                <a:sym typeface="Helvetica Neue Medium"/>
+              </a:defRPr>
+            </a:lvl1pPr>
+          </a:lstStyle>
+          <a:p>
+            <a:pPr/>
+            <a:r>
+              <a:t>Déroulement du projet</a:t>
+            </a:r>
+          </a:p>
+        </p:txBody>
+      </p:sp>
+      <p:sp>
+        <p:nvSpPr>
+          <p:cNvPr id="173" name="Numéro de diapositive"/>
+          <p:cNvSpPr txBox="1"/>
+          <p:nvPr>
+            <p:ph type="sldNum" sz="quarter" idx="2"/>
+          </p:nvPr>
+        </p:nvSpPr>
+        <p:spPr>
+          <a:xfrm>
+            <a:off x="6156773" y="9296400"/>
+            <a:ext cx="455880" cy="324306"/>
+          </a:xfrm>
+          <a:prstGeom prst="rect">
+            <a:avLst/>
+          </a:prstGeom>
+          <a:extLst>
+            <a:ext uri="{C572A759-6A51-4108-AA02-DFA0A04FC94B}">
+              <ma14:wrappingTextBoxFlag xmlns:ma14="http://schemas.microsoft.com/office/mac/drawingml/2011/main" val="1"/>
+            </a:ext>
+          </a:extLst>
+        </p:spPr>
+        <p:txBody>
+          <a:bodyPr/>
+          <a:lstStyle/>
+          <a:p>
+            <a:pPr lvl="1" algn="r">
+              <a:defRPr b="0" sz="1600">
+                <a:latin typeface="Helvetica Neue Thin"/>
+                <a:ea typeface="Helvetica Neue Thin"/>
+                <a:cs typeface="Helvetica Neue Thin"/>
+                <a:sym typeface="Helvetica Neue Thin"/>
+              </a:defRPr>
+            </a:pPr>
+            <a:fld id="{86CB4B4D-7CA3-9044-876B-883B54F8677D}" type="slidenum"/>
+          </a:p>
+        </p:txBody>
+      </p:sp>
+      <p:sp>
+        <p:nvSpPr>
+          <p:cNvPr id="174" name="Gantt"/>
+          <p:cNvSpPr/>
+          <p:nvPr/>
+        </p:nvSpPr>
+        <p:spPr>
+          <a:xfrm>
+            <a:off x="545255" y="2577671"/>
+            <a:ext cx="11914290" cy="6582844"/>
+          </a:xfrm>
+          <a:prstGeom prst="rect">
+            <a:avLst/>
+          </a:prstGeom>
+          <a:solidFill>
+            <a:schemeClr val="accent1"/>
+          </a:solidFill>
+          <a:ln w="12700">
+            <a:miter lim="400000"/>
+          </a:ln>
+          <a:extLst>
+            <a:ext uri="{C572A759-6A51-4108-AA02-DFA0A04FC94B}">
+              <ma14:wrappingTextBoxFlag xmlns:ma14="http://schemas.microsoft.com/office/mac/drawingml/2011/main" val="1"/>
+            </a:ext>
+          </a:extLst>
+        </p:spPr>
+        <p:txBody>
+          <a:bodyPr lIns="50800" tIns="50800" rIns="50800" bIns="50800" anchor="ctr"/>
+          <a:lstStyle>
+            <a:lvl1pPr>
+              <a:defRPr b="0" sz="2200">
+                <a:solidFill>
+                  <a:srgbClr val="FFFFFF"/>
+                </a:solidFill>
+                <a:latin typeface="+mn-lt"/>
+                <a:ea typeface="+mn-ea"/>
+                <a:cs typeface="+mn-cs"/>
+                <a:sym typeface="Helvetica Neue Medium"/>
+              </a:defRPr>
+            </a:lvl1pPr>
+          </a:lstStyle>
+          <a:p>
+            <a:pPr/>
+            <a:r>
+              <a:t>Gantt</a:t>
+            </a:r>
+          </a:p>
+        </p:txBody>
+      </p:sp>
+    </p:spTree>
+  </p:cSld>
+  <p:clrMapOvr>
+    <a:masterClrMapping/>
+  </p:clrMapOvr>
+  <p:transition xmlns:p14="http://schemas.microsoft.com/office/powerpoint/2010/main" spd="med" advClick="1"/>
+</p:sld>
+</file>
+
+<file path=ppt/slides/slide7.xml><?xml version="1.0" encoding="utf-8"?>
+<p:sld xmlns:a="http://schemas.openxmlformats.org/drawingml/2006/main" xmlns:r="http://schemas.openxmlformats.org/officeDocument/2006/relationships" xmlns:p="http://schemas.openxmlformats.org/presentationml/2006/main" showMasterSp="1" showMasterPhAnim="1">
+  <p:cSld>
+    <p:spTree>
+      <p:nvGrpSpPr>
+        <p:cNvPr id="1" name=""/>
+        <p:cNvGrpSpPr/>
+        <p:nvPr/>
+      </p:nvGrpSpPr>
+      <p:grpSpPr>
+        <a:xfrm>
+          <a:off x="0" y="0"/>
+          <a:ext cx="0" cy="0"/>
+          <a:chOff x="0" y="0"/>
+          <a:chExt cx="0" cy="0"/>
+        </a:xfrm>
+      </p:grpSpPr>
+      <p:sp>
+        <p:nvSpPr>
+          <p:cNvPr id="176" name="Présentation des défis techniques"/>
+          <p:cNvSpPr txBox="1"/>
+          <p:nvPr/>
+        </p:nvSpPr>
+        <p:spPr>
+          <a:xfrm>
+            <a:off x="360680" y="489363"/>
+            <a:ext cx="12283441" cy="1019297"/>
+          </a:xfrm>
+          <a:prstGeom prst="rect">
+            <a:avLst/>
+          </a:prstGeom>
+          <a:ln w="12700">
+            <a:miter lim="400000"/>
+          </a:ln>
+          <a:extLst>
+            <a:ext uri="{C572A759-6A51-4108-AA02-DFA0A04FC94B}">
+              <ma14:wrappingTextBoxFlag xmlns:ma14="http://schemas.microsoft.com/office/mac/drawingml/2011/main" val="1"/>
+            </a:ext>
+          </a:extLst>
+        </p:spPr>
+        <p:txBody>
+          <a:bodyPr wrap="none" lIns="50800" tIns="50800" rIns="50800" bIns="50800" anchor="ctr">
+            <a:spAutoFit/>
+          </a:bodyPr>
+          <a:lstStyle>
+            <a:lvl1pPr>
+              <a:defRPr b="0" sz="6000">
+                <a:latin typeface="+mn-lt"/>
+                <a:ea typeface="+mn-ea"/>
+                <a:cs typeface="+mn-cs"/>
+                <a:sym typeface="Helvetica Neue Medium"/>
+              </a:defRPr>
+            </a:lvl1pPr>
+          </a:lstStyle>
+          <a:p>
+            <a:pPr/>
+            <a:r>
+              <a:t>Présentation des défis techniques </a:t>
+            </a:r>
+          </a:p>
+        </p:txBody>
+      </p:sp>
+      <p:sp>
+        <p:nvSpPr>
+          <p:cNvPr id="177" name="Numéro de diapositive"/>
+          <p:cNvSpPr txBox="1"/>
+          <p:nvPr>
+            <p:ph type="sldNum" sz="quarter" idx="2"/>
+          </p:nvPr>
+        </p:nvSpPr>
+        <p:spPr>
+          <a:xfrm>
+            <a:off x="6156773" y="9296400"/>
+            <a:ext cx="455880" cy="324306"/>
+          </a:xfrm>
+          <a:prstGeom prst="rect">
+            <a:avLst/>
+          </a:prstGeom>
+          <a:extLst>
+            <a:ext uri="{C572A759-6A51-4108-AA02-DFA0A04FC94B}">
+              <ma14:wrappingTextBoxFlag xmlns:ma14="http://schemas.microsoft.com/office/mac/drawingml/2011/main" val="1"/>
+            </a:ext>
+          </a:extLst>
+        </p:spPr>
+        <p:txBody>
+          <a:bodyPr/>
+          <a:lstStyle/>
+          <a:p>
+            <a:pPr lvl="1" algn="r">
+              <a:defRPr b="0" sz="1600">
+                <a:latin typeface="Helvetica Neue Thin"/>
+                <a:ea typeface="Helvetica Neue Thin"/>
+                <a:cs typeface="Helvetica Neue Thin"/>
+                <a:sym typeface="Helvetica Neue Thin"/>
+              </a:defRPr>
+            </a:pPr>
+            <a:fld id="{86CB4B4D-7CA3-9044-876B-883B54F8677D}" type="slidenum"/>
+          </a:p>
+        </p:txBody>
+      </p:sp>
+      <p:sp>
+        <p:nvSpPr>
+          <p:cNvPr id="178" name="Déplacer toutes les pièces"/>
+          <p:cNvSpPr txBox="1"/>
+          <p:nvPr/>
+        </p:nvSpPr>
+        <p:spPr>
+          <a:xfrm>
+            <a:off x="2280602" y="3179951"/>
+            <a:ext cx="4755538" cy="510073"/>
+          </a:xfrm>
+          <a:prstGeom prst="rect">
+            <a:avLst/>
+          </a:prstGeom>
+          <a:ln w="12700">
+            <a:miter lim="400000"/>
+          </a:ln>
+          <a:extLst>
+            <a:ext uri="{C572A759-6A51-4108-AA02-DFA0A04FC94B}">
+              <ma14:wrappingTextBoxFlag xmlns:ma14="http://schemas.microsoft.com/office/mac/drawingml/2011/main" val="1"/>
+            </a:ext>
+          </a:extLst>
+        </p:spPr>
+        <p:txBody>
+          <a:bodyPr lIns="50800" tIns="50800" rIns="50800" bIns="50800">
+            <a:normAutofit fontScale="100000" lnSpcReduction="0"/>
+          </a:bodyPr>
+          <a:lstStyle>
+            <a:lvl1pPr algn="l">
+              <a:spcBef>
+                <a:spcPts val="3000"/>
+              </a:spcBef>
+              <a:defRPr b="0" sz="2500"/>
+            </a:lvl1pPr>
+          </a:lstStyle>
+          <a:p>
+            <a:pPr/>
+            <a:r>
+              <a:t>Déplacer toutes les pièces</a:t>
+            </a:r>
+          </a:p>
+        </p:txBody>
+      </p:sp>
+      <p:pic>
+        <p:nvPicPr>
+          <p:cNvPr id="179" name="problems-with-synchronization.png" descr="problems-with-synchronization.png"/>
+          <p:cNvPicPr>
+            <a:picLocks noChangeAspect="1"/>
+          </p:cNvPicPr>
+          <p:nvPr/>
+        </p:nvPicPr>
+        <p:blipFill>
+          <a:blip r:embed="rId2">
+            <a:extLst/>
+          </a:blip>
+          <a:stretch>
+            <a:fillRect/>
+          </a:stretch>
+        </p:blipFill>
+        <p:spPr>
+          <a:xfrm>
+            <a:off x="980090" y="2925339"/>
+            <a:ext cx="1019298" cy="1019297"/>
+          </a:xfrm>
+          <a:prstGeom prst="rect">
+            <a:avLst/>
+          </a:prstGeom>
+          <a:ln w="12700">
+            <a:miter lim="400000"/>
+          </a:ln>
+        </p:spPr>
+      </p:pic>
+      <p:sp>
+        <p:nvSpPr>
+          <p:cNvPr id="180" name="Gestion des coups spéciaux ( échec, roque , fin de partie"/>
+          <p:cNvSpPr txBox="1"/>
+          <p:nvPr/>
+        </p:nvSpPr>
+        <p:spPr>
+          <a:xfrm>
+            <a:off x="2268634" y="4813001"/>
+            <a:ext cx="4779474" cy="1019298"/>
+          </a:xfrm>
+          <a:prstGeom prst="rect">
+            <a:avLst/>
+          </a:prstGeom>
+          <a:ln w="12700">
+            <a:miter lim="400000"/>
+          </a:ln>
+          <a:extLst>
+            <a:ext uri="{C572A759-6A51-4108-AA02-DFA0A04FC94B}">
+              <ma14:wrappingTextBoxFlag xmlns:ma14="http://schemas.microsoft.com/office/mac/drawingml/2011/main" val="1"/>
+            </a:ext>
+          </a:extLst>
+        </p:spPr>
+        <p:txBody>
+          <a:bodyPr lIns="50800" tIns="50800" rIns="50800" bIns="50800">
+            <a:normAutofit fontScale="100000" lnSpcReduction="0"/>
+          </a:bodyPr>
+          <a:lstStyle>
+            <a:lvl1pPr algn="l">
+              <a:spcBef>
+                <a:spcPts val="3000"/>
+              </a:spcBef>
+              <a:defRPr b="0" sz="2500"/>
+            </a:lvl1pPr>
+          </a:lstStyle>
+          <a:p>
+            <a:pPr/>
+            <a:r>
+              <a:t>Gestion des coups spéciaux ( échec, roque , fin de partie</a:t>
+            </a:r>
+          </a:p>
+        </p:txBody>
+      </p:sp>
+      <p:pic>
+        <p:nvPicPr>
+          <p:cNvPr id="181" name="problems-with-synchronization.png" descr="problems-with-synchronization.png"/>
+          <p:cNvPicPr>
+            <a:picLocks noChangeAspect="1"/>
+          </p:cNvPicPr>
+          <p:nvPr/>
+        </p:nvPicPr>
+        <p:blipFill>
+          <a:blip r:embed="rId2">
+            <a:extLst/>
+          </a:blip>
+          <a:stretch>
+            <a:fillRect/>
+          </a:stretch>
+        </p:blipFill>
+        <p:spPr>
+          <a:xfrm>
+            <a:off x="968122" y="4558389"/>
+            <a:ext cx="1019298" cy="1019298"/>
+          </a:xfrm>
+          <a:prstGeom prst="rect">
+            <a:avLst/>
+          </a:prstGeom>
+          <a:ln w="12700">
+            <a:miter lim="400000"/>
+          </a:ln>
+        </p:spPr>
+      </p:pic>
+      <p:sp>
+        <p:nvSpPr>
+          <p:cNvPr id="182" name="Interface graphique fonctionnelle"/>
+          <p:cNvSpPr txBox="1"/>
+          <p:nvPr/>
+        </p:nvSpPr>
+        <p:spPr>
+          <a:xfrm>
+            <a:off x="8617867" y="2925339"/>
+            <a:ext cx="3840596" cy="1019297"/>
+          </a:xfrm>
+          <a:prstGeom prst="rect">
+            <a:avLst/>
+          </a:prstGeom>
+          <a:ln w="12700">
+            <a:miter lim="400000"/>
+          </a:ln>
+          <a:extLst>
+            <a:ext uri="{C572A759-6A51-4108-AA02-DFA0A04FC94B}">
+              <ma14:wrappingTextBoxFlag xmlns:ma14="http://schemas.microsoft.com/office/mac/drawingml/2011/main" val="1"/>
+            </a:ext>
+          </a:extLst>
+        </p:spPr>
+        <p:txBody>
+          <a:bodyPr lIns="50800" tIns="50800" rIns="50800" bIns="50800">
+            <a:normAutofit fontScale="100000" lnSpcReduction="0"/>
+          </a:bodyPr>
+          <a:lstStyle>
+            <a:lvl1pPr algn="l">
+              <a:spcBef>
+                <a:spcPts val="3000"/>
+              </a:spcBef>
+              <a:defRPr b="0" sz="2500"/>
+            </a:lvl1pPr>
+          </a:lstStyle>
+          <a:p>
+            <a:pPr/>
+            <a:r>
+              <a:t>Interface graphique fonctionnelle </a:t>
+            </a:r>
+          </a:p>
+        </p:txBody>
+      </p:sp>
+      <p:pic>
+        <p:nvPicPr>
+          <p:cNvPr id="183" name="problems-with-synchronization.png" descr="problems-with-synchronization.png"/>
+          <p:cNvPicPr>
+            <a:picLocks noChangeAspect="1"/>
+          </p:cNvPicPr>
+          <p:nvPr/>
+        </p:nvPicPr>
+        <p:blipFill>
+          <a:blip r:embed="rId2">
+            <a:extLst/>
+          </a:blip>
+          <a:stretch>
+            <a:fillRect/>
+          </a:stretch>
+        </p:blipFill>
+        <p:spPr>
+          <a:xfrm>
+            <a:off x="7317355" y="2925339"/>
+            <a:ext cx="1019298" cy="1019297"/>
+          </a:xfrm>
+          <a:prstGeom prst="rect">
+            <a:avLst/>
+          </a:prstGeom>
+          <a:ln w="12700">
+            <a:miter lim="400000"/>
+          </a:ln>
+        </p:spPr>
+      </p:pic>
+    </p:spTree>
+  </p:cSld>
+  <p:clrMapOvr>
+    <a:masterClrMapping/>
+  </p:clrMapOvr>
+  <p:transition xmlns:p14="http://schemas.microsoft.com/office/powerpoint/2010/main" spd="med" advClick="1"/>
+</p:sld>
+</file>
+
+<file path=ppt/slides/slide8.xml><?xml version="1.0" encoding="utf-8"?>
+<p:sld xmlns:a="http://schemas.openxmlformats.org/drawingml/2006/main" xmlns:r="http://schemas.openxmlformats.org/officeDocument/2006/relationships" xmlns:p="http://schemas.openxmlformats.org/presentationml/2006/main" showMasterSp="1" showMasterPhAnim="1">
+  <p:cSld>
+    <p:spTree>
+      <p:nvGrpSpPr>
+        <p:cNvPr id="1" name=""/>
+        <p:cNvGrpSpPr/>
+        <p:nvPr/>
+      </p:nvGrpSpPr>
+      <p:grpSpPr>
+        <a:xfrm>
+          <a:off x="0" y="0"/>
+          <a:ext cx="0" cy="0"/>
+          <a:chOff x="0" y="0"/>
+          <a:chExt cx="0" cy="0"/>
+        </a:xfrm>
+      </p:grpSpPr>
+      <p:sp>
+        <p:nvSpPr>
+          <p:cNvPr id="185" name="Choix de conception"/>
+          <p:cNvSpPr txBox="1"/>
+          <p:nvPr/>
+        </p:nvSpPr>
+        <p:spPr>
+          <a:xfrm>
+            <a:off x="2796412" y="489363"/>
+            <a:ext cx="7411975" cy="1019297"/>
+          </a:xfrm>
+          <a:prstGeom prst="rect">
+            <a:avLst/>
+          </a:prstGeom>
+          <a:ln w="12700">
+            <a:miter lim="400000"/>
+          </a:ln>
+          <a:extLst>
+            <a:ext uri="{C572A759-6A51-4108-AA02-DFA0A04FC94B}">
+              <ma14:wrappingTextBoxFlag xmlns:ma14="http://schemas.microsoft.com/office/mac/drawingml/2011/main" val="1"/>
+            </a:ext>
+          </a:extLst>
+        </p:spPr>
+        <p:txBody>
+          <a:bodyPr wrap="none" lIns="50800" tIns="50800" rIns="50800" bIns="50800" anchor="ctr">
+            <a:spAutoFit/>
+          </a:bodyPr>
+          <a:lstStyle>
+            <a:lvl1pPr>
+              <a:defRPr b="0" sz="6000">
+                <a:latin typeface="+mn-lt"/>
+                <a:ea typeface="+mn-ea"/>
+                <a:cs typeface="+mn-cs"/>
+                <a:sym typeface="Helvetica Neue Medium"/>
+              </a:defRPr>
+            </a:lvl1pPr>
+          </a:lstStyle>
+          <a:p>
+            <a:pPr/>
+            <a:r>
+              <a:t>Choix de conception</a:t>
+            </a:r>
+          </a:p>
+        </p:txBody>
+      </p:sp>
+      <p:sp>
+        <p:nvSpPr>
+          <p:cNvPr id="186" name="Numéro de diapositive"/>
+          <p:cNvSpPr txBox="1"/>
+          <p:nvPr>
+            <p:ph type="sldNum" sz="quarter" idx="2"/>
+          </p:nvPr>
+        </p:nvSpPr>
+        <p:spPr>
+          <a:xfrm>
+            <a:off x="6156773" y="9296400"/>
+            <a:ext cx="455880" cy="324306"/>
+          </a:xfrm>
+          <a:prstGeom prst="rect">
+            <a:avLst/>
+          </a:prstGeom>
+          <a:extLst>
+            <a:ext uri="{C572A759-6A51-4108-AA02-DFA0A04FC94B}">
+              <ma14:wrappingTextBoxFlag xmlns:ma14="http://schemas.microsoft.com/office/mac/drawingml/2011/main" val="1"/>
+            </a:ext>
+          </a:extLst>
+        </p:spPr>
+        <p:txBody>
+          <a:bodyPr/>
+          <a:lstStyle/>
+          <a:p>
+            <a:pPr lvl="1" algn="r">
+              <a:defRPr b="0" sz="1600">
+                <a:latin typeface="Helvetica Neue Thin"/>
+                <a:ea typeface="Helvetica Neue Thin"/>
+                <a:cs typeface="Helvetica Neue Thin"/>
+                <a:sym typeface="Helvetica Neue Thin"/>
+              </a:defRPr>
+            </a:pPr>
+            <a:fld id="{86CB4B4D-7CA3-9044-876B-883B54F8677D}" type="slidenum"/>
+          </a:p>
+        </p:txBody>
+      </p:sp>
+      <p:sp>
+        <p:nvSpPr>
+          <p:cNvPr id="187" name="Texte"/>
+          <p:cNvSpPr txBox="1"/>
+          <p:nvPr/>
+        </p:nvSpPr>
+        <p:spPr>
+          <a:xfrm>
+            <a:off x="6156773" y="9296400"/>
+            <a:ext cx="455880" cy="324306"/>
+          </a:xfrm>
+          <a:prstGeom prst="rect">
+            <a:avLst/>
+          </a:prstGeom>
+          <a:ln w="12700">
+            <a:miter lim="400000"/>
+          </a:ln>
+          <a:extLst>
+            <a:ext uri="{C572A759-6A51-4108-AA02-DFA0A04FC94B}">
+              <ma14:wrappingTextBoxFlag xmlns:ma14="http://schemas.microsoft.com/office/mac/drawingml/2011/main" val="1"/>
+            </a:ext>
+          </a:extLst>
+        </p:spPr>
+        <p:txBody>
+          <a:bodyPr wrap="none" lIns="50800" tIns="50800" rIns="50800" bIns="50800">
+            <a:spAutoFit/>
+          </a:bodyPr>
+          <a:lstStyle/>
+          <a:p>
+            <a:pPr lvl="1" algn="r">
+              <a:defRPr b="0" sz="1600">
+                <a:latin typeface="Helvetica Neue Thin"/>
+                <a:ea typeface="Helvetica Neue Thin"/>
+                <a:cs typeface="Helvetica Neue Thin"/>
+                <a:sym typeface="Helvetica Neue Thin"/>
+              </a:defRPr>
+            </a:pPr>
+            <a:fld id="{86CB4B4D-7CA3-9044-876B-883B54F8677D}" type="slidenum"/>
+            <a:r>
+              <a:t>￼</a:t>
+            </a:r>
+          </a:p>
+        </p:txBody>
+      </p:sp>
+      <p:pic>
+        <p:nvPicPr>
+          <p:cNvPr id="188" name="UML.png" descr="UML.png"/>
+          <p:cNvPicPr>
+            <a:picLocks noChangeAspect="1"/>
+          </p:cNvPicPr>
+          <p:nvPr/>
+        </p:nvPicPr>
+        <p:blipFill>
+          <a:blip r:embed="rId2">
+            <a:extLst/>
+          </a:blip>
+          <a:stretch>
+            <a:fillRect/>
+          </a:stretch>
+        </p:blipFill>
+        <p:spPr>
+          <a:xfrm>
+            <a:off x="-53124" y="1981507"/>
+            <a:ext cx="13111048" cy="6437335"/>
+          </a:xfrm>
+          <a:prstGeom prst="rect">
+            <a:avLst/>
+          </a:prstGeom>
+          <a:ln w="12700">
+            <a:miter lim="400000"/>
+          </a:ln>
+        </p:spPr>
+      </p:pic>
+    </p:spTree>
+  </p:cSld>
+  <p:clrMapOvr>
+    <a:masterClrMapping/>
+  </p:clrMapOvr>
+  <p:transition xmlns:p14="http://schemas.microsoft.com/office/powerpoint/2010/main" spd="med" advClick="1"/>
+  <p:timing>
+    <p:tnLst>
+      <p:par>
+        <p:cTn id="1" nodeType="tmRoot" restart="never" dur="indefinite" fill="hold">
+          <p:childTnLst>
+            <p:seq concurrent="1" prevAc="none" nextAc="seek">
+              <p:cTn id="2" nodeType="mainSeq" dur="indefinite" fill="hold">
+                <p:childTnLst>
+                  <p:par>
+                    <p:cTn id="3" fill="hold">
+                      <p:stCondLst>
+                        <p:cond delay="indefinite"/>
+                      </p:stCondLst>
+                      <p:childTnLst>
+                        <p:par>
+                          <p:cTn id="4" fill="hold">
+                            <p:stCondLst>
+                              <p:cond delay="0"/>
+                            </p:stCondLst>
+                            <p:childTnLst>
+                              <p:par>
+                                <p:cTn id="5" presetClass="emph" nodeType="clickEffect" presetSubtype="0" presetID="6" grpId="1" accel="50000" decel="50000" fill="hold">
+                                  <p:stCondLst>
+                                    <p:cond delay="0"/>
+                                  </p:stCondLst>
+                                  <p:childTnLst>
+                                    <p:animScale>
+                                      <p:cBhvr>
+                                        <p:cTn id="6" dur="1000" fill="hold"/>
+                                        <p:tgtEl>
+                                          <p:spTgt spid="188"/>
+                                        </p:tgtEl>
+                                      </p:cBhvr>
+                                      <p:by x="150000" y="150000"/>
+                                    </p:animScale>
+                                  </p:childTnLst>
+                                </p:cTn>
+                              </p:par>
+                            </p:childTnLst>
+                          </p:cTn>
+                        </p:par>
+                      </p:childTnLst>
+                    </p:cTn>
+                  </p:par>
+                </p:childTnLst>
+              </p:cTn>
+              <p:prevCondLst>
+                <p:cond evt="onPrev">
+                  <p:tgtEl>
+                    <p:sldTgt/>
+                  </p:tgtEl>
+                </p:cond>
+              </p:prevCondLst>
+              <p:nextCondLst>
+                <p:cond evt="onNext">
+                  <p:tgtEl>
+                    <p:sldTgt/>
+                  </p:tgtEl>
+                </p:cond>
+              </p:nextCondLst>
+            </p:seq>
+          </p:childTnLst>
+        </p:cTn>
+      </p:par>
+    </p:tnLst>
+    <p:bldLst>
+      <p:bldP build="whole" bldLvl="1" animBg="1" rev="0" advAuto="0" spid="188" grpId="1"/>
+    </p:bldLst>
+  </p:timing>
+</p:sld>
+</file>
+
+<file path=ppt/slides/slide9.xml><?xml version="1.0" encoding="utf-8"?>
+<p:sld xmlns:a="http://schemas.openxmlformats.org/drawingml/2006/main" xmlns:r="http://schemas.openxmlformats.org/officeDocument/2006/relationships" xmlns:p="http://schemas.openxmlformats.org/presentationml/2006/main" showMasterSp="1" showMasterPhAnim="1">
+  <p:cSld>
+    <p:spTree>
+      <p:nvGrpSpPr>
+        <p:cNvPr id="1" name=""/>
+        <p:cNvGrpSpPr/>
+        <p:nvPr/>
+      </p:nvGrpSpPr>
+      <p:grpSpPr>
+        <a:xfrm>
+          <a:off x="0" y="0"/>
+          <a:ext cx="0" cy="0"/>
+          <a:chOff x="0" y="0"/>
+          <a:chExt cx="0" cy="0"/>
+        </a:xfrm>
+      </p:grpSpPr>
+      <p:sp>
+        <p:nvSpPr>
+          <p:cNvPr id="190" name="Déroulement du projet"/>
+          <p:cNvSpPr txBox="1"/>
+          <p:nvPr/>
+        </p:nvSpPr>
+        <p:spPr>
+          <a:xfrm>
+            <a:off x="2514092" y="489363"/>
+            <a:ext cx="7976617" cy="1019297"/>
+          </a:xfrm>
+          <a:prstGeom prst="rect">
+            <a:avLst/>
+          </a:prstGeom>
+          <a:ln w="12700">
+            <a:miter lim="400000"/>
+          </a:ln>
+          <a:extLst>
+            <a:ext uri="{C572A759-6A51-4108-AA02-DFA0A04FC94B}">
+              <ma14:wrappingTextBoxFlag xmlns:ma14="http://schemas.microsoft.com/office/mac/drawingml/2011/main" val="1"/>
+            </a:ext>
+          </a:extLst>
+        </p:spPr>
+        <p:txBody>
+          <a:bodyPr wrap="none" lIns="50800" tIns="50800" rIns="50800" bIns="50800" anchor="ctr">
+            <a:spAutoFit/>
+          </a:bodyPr>
+          <a:lstStyle>
+            <a:lvl1pPr>
+              <a:defRPr b="0" sz="6000">
+                <a:latin typeface="+mn-lt"/>
+                <a:ea typeface="+mn-ea"/>
+                <a:cs typeface="+mn-cs"/>
+                <a:sym typeface="Helvetica Neue Medium"/>
+              </a:defRPr>
+            </a:lvl1pPr>
+          </a:lstStyle>
+          <a:p>
+            <a:pPr/>
+            <a:r>
+              <a:t>Déroulement du projet</a:t>
+            </a:r>
+          </a:p>
+        </p:txBody>
+      </p:sp>
+      <p:sp>
+        <p:nvSpPr>
+          <p:cNvPr id="191" name="Numéro de diapositive"/>
+          <p:cNvSpPr txBox="1"/>
+          <p:nvPr>
+            <p:ph type="sldNum" sz="quarter" idx="2"/>
+          </p:nvPr>
+        </p:nvSpPr>
+        <p:spPr>
+          <a:xfrm>
+            <a:off x="6156773" y="9296400"/>
+            <a:ext cx="455880" cy="324306"/>
+          </a:xfrm>
+          <a:prstGeom prst="rect">
+            <a:avLst/>
+          </a:prstGeom>
+          <a:extLst>
+            <a:ext uri="{C572A759-6A51-4108-AA02-DFA0A04FC94B}">
+              <ma14:wrappingTextBoxFlag xmlns:ma14="http://schemas.microsoft.com/office/mac/drawingml/2011/main" val="1"/>
+            </a:ext>
+          </a:extLst>
+        </p:spPr>
+        <p:txBody>
+          <a:bodyPr/>
+          <a:lstStyle/>
+          <a:p>
+            <a:pPr lvl="1" algn="r">
+              <a:defRPr b="0" sz="1600">
+                <a:latin typeface="Helvetica Neue Thin"/>
+                <a:ea typeface="Helvetica Neue Thin"/>
+                <a:cs typeface="Helvetica Neue Thin"/>
+                <a:sym typeface="Helvetica Neue Thin"/>
+              </a:defRPr>
+            </a:pPr>
+            <a:fld id="{86CB4B4D-7CA3-9044-876B-883B54F8677D}" type="slidenum"/>
+          </a:p>
+        </p:txBody>
+      </p:sp>
+      <p:sp>
+        <p:nvSpPr>
+          <p:cNvPr id="192" name="Texte"/>
+          <p:cNvSpPr txBox="1"/>
+          <p:nvPr/>
+        </p:nvSpPr>
+        <p:spPr>
+          <a:xfrm>
+            <a:off x="6156773" y="9296400"/>
+            <a:ext cx="455880" cy="324306"/>
+          </a:xfrm>
+          <a:prstGeom prst="rect">
+            <a:avLst/>
+          </a:prstGeom>
+          <a:ln w="12700">
+            <a:miter lim="400000"/>
+          </a:ln>
+          <a:extLst>
+            <a:ext uri="{C572A759-6A51-4108-AA02-DFA0A04FC94B}">
+              <ma14:wrappingTextBoxFlag xmlns:ma14="http://schemas.microsoft.com/office/mac/drawingml/2011/main" val="1"/>
+            </a:ext>
+          </a:extLst>
+        </p:spPr>
+        <p:txBody>
+          <a:bodyPr wrap="none" lIns="50800" tIns="50800" rIns="50800" bIns="50800">
+            <a:spAutoFit/>
+          </a:bodyPr>
+          <a:lstStyle/>
+          <a:p>
+            <a:pPr lvl="1" algn="r">
+              <a:defRPr b="0" sz="1600">
+                <a:latin typeface="Helvetica Neue Thin"/>
+                <a:ea typeface="Helvetica Neue Thin"/>
+                <a:cs typeface="Helvetica Neue Thin"/>
+                <a:sym typeface="Helvetica Neue Thin"/>
+              </a:defRPr>
+            </a:pPr>
+            <a:fld id="{86CB4B4D-7CA3-9044-876B-883B54F8677D}" type="slidenum"/>
+            <a:r>
+              <a:t>￼</a:t>
+            </a:r>
+          </a:p>
+        </p:txBody>
+      </p:sp>
+      <p:pic>
+        <p:nvPicPr>
+          <p:cNvPr id="193" name="boss.png" descr="boss.png"/>
+          <p:cNvPicPr>
+            <a:picLocks noChangeAspect="1"/>
+          </p:cNvPicPr>
+          <p:nvPr/>
+        </p:nvPicPr>
+        <p:blipFill>
+          <a:blip r:embed="rId2">
+            <a:extLst/>
+          </a:blip>
+          <a:stretch>
+            <a:fillRect/>
+          </a:stretch>
+        </p:blipFill>
+        <p:spPr>
+          <a:xfrm>
+            <a:off x="1205633" y="2184041"/>
+            <a:ext cx="1293354" cy="1293354"/>
+          </a:xfrm>
+          <a:prstGeom prst="rect">
+            <a:avLst/>
+          </a:prstGeom>
+          <a:ln w="12700">
+            <a:miter lim="400000"/>
+          </a:ln>
+        </p:spPr>
+      </p:pic>
+      <p:pic>
+        <p:nvPicPr>
+          <p:cNvPr id="194" name="boss.png" descr="boss.png"/>
+          <p:cNvPicPr>
+            <a:picLocks noChangeAspect="1"/>
+          </p:cNvPicPr>
+          <p:nvPr/>
+        </p:nvPicPr>
+        <p:blipFill>
+          <a:blip r:embed="rId2">
+            <a:extLst/>
+          </a:blip>
+          <a:stretch>
+            <a:fillRect/>
+          </a:stretch>
+        </p:blipFill>
+        <p:spPr>
+          <a:xfrm>
+            <a:off x="1205633" y="4422409"/>
+            <a:ext cx="1293354" cy="1293354"/>
+          </a:xfrm>
+          <a:prstGeom prst="rect">
+            <a:avLst/>
+          </a:prstGeom>
+          <a:ln w="12700">
+            <a:miter lim="400000"/>
+          </a:ln>
+        </p:spPr>
+      </p:pic>
+      <p:pic>
+        <p:nvPicPr>
+          <p:cNvPr id="195" name="boss.png" descr="boss.png"/>
+          <p:cNvPicPr>
+            <a:picLocks noChangeAspect="1"/>
+          </p:cNvPicPr>
+          <p:nvPr/>
+        </p:nvPicPr>
+        <p:blipFill>
+          <a:blip r:embed="rId2">
+            <a:extLst/>
+          </a:blip>
+          <a:stretch>
+            <a:fillRect/>
+          </a:stretch>
+        </p:blipFill>
+        <p:spPr>
+          <a:xfrm>
+            <a:off x="1205633" y="6660776"/>
+            <a:ext cx="1293354" cy="1293354"/>
+          </a:xfrm>
+          <a:prstGeom prst="rect">
+            <a:avLst/>
+          </a:prstGeom>
+          <a:ln w="12700">
+            <a:miter lim="400000"/>
+          </a:ln>
+        </p:spPr>
+      </p:pic>
+      <p:pic>
+        <p:nvPicPr>
+          <p:cNvPr id="196" name="boss.png" descr="boss.png"/>
+          <p:cNvPicPr>
+            <a:picLocks noChangeAspect="1"/>
+          </p:cNvPicPr>
+          <p:nvPr/>
+        </p:nvPicPr>
+        <p:blipFill>
+          <a:blip r:embed="rId2">
+            <a:extLst/>
+          </a:blip>
+          <a:stretch>
+            <a:fillRect/>
+          </a:stretch>
+        </p:blipFill>
+        <p:spPr>
+          <a:xfrm>
+            <a:off x="7058570" y="2184041"/>
+            <a:ext cx="1293354" cy="1293354"/>
+          </a:xfrm>
+          <a:prstGeom prst="rect">
+            <a:avLst/>
+          </a:prstGeom>
+          <a:ln w="12700">
+            <a:miter lim="400000"/>
+          </a:ln>
+        </p:spPr>
+      </p:pic>
+      <p:pic>
+        <p:nvPicPr>
+          <p:cNvPr id="197" name="boss.png" descr="boss.png"/>
+          <p:cNvPicPr>
+            <a:picLocks noChangeAspect="1"/>
+          </p:cNvPicPr>
+          <p:nvPr/>
+        </p:nvPicPr>
+        <p:blipFill>
+          <a:blip r:embed="rId2">
+            <a:extLst/>
+          </a:blip>
+          <a:stretch>
+            <a:fillRect/>
+          </a:stretch>
+        </p:blipFill>
+        <p:spPr>
+          <a:xfrm>
+            <a:off x="7058570" y="4422409"/>
+            <a:ext cx="1293354" cy="1293354"/>
+          </a:xfrm>
+          <a:prstGeom prst="rect">
+            <a:avLst/>
+          </a:prstGeom>
+          <a:ln w="12700">
+            <a:miter lim="400000"/>
+          </a:ln>
+        </p:spPr>
+      </p:pic>
+      <p:pic>
+        <p:nvPicPr>
+          <p:cNvPr id="198" name="boss.png" descr="boss.png"/>
+          <p:cNvPicPr>
+            <a:picLocks noChangeAspect="1"/>
+          </p:cNvPicPr>
+          <p:nvPr/>
+        </p:nvPicPr>
+        <p:blipFill>
+          <a:blip r:embed="rId2">
+            <a:extLst/>
+          </a:blip>
+          <a:stretch>
+            <a:fillRect/>
+          </a:stretch>
+        </p:blipFill>
+        <p:spPr>
+          <a:xfrm>
+            <a:off x="7058570" y="6660776"/>
+            <a:ext cx="1293354" cy="1293354"/>
+          </a:xfrm>
+          <a:prstGeom prst="rect">
+            <a:avLst/>
+          </a:prstGeom>
+          <a:ln w="12700">
+            <a:miter lim="400000"/>
+          </a:ln>
+        </p:spPr>
+      </p:pic>
+      <p:sp>
+        <p:nvSpPr>
+          <p:cNvPr id="199" name="Paul"/>
+          <p:cNvSpPr txBox="1"/>
+          <p:nvPr/>
+        </p:nvSpPr>
+        <p:spPr>
+          <a:xfrm>
+            <a:off x="1278881" y="3492101"/>
+            <a:ext cx="1146858" cy="324675"/>
+          </a:xfrm>
+          <a:prstGeom prst="rect">
+            <a:avLst/>
+          </a:prstGeom>
+          <a:ln w="12700">
+            <a:miter lim="400000"/>
+          </a:ln>
+          <a:extLst>
+            <a:ext uri="{C572A759-6A51-4108-AA02-DFA0A04FC94B}">
+              <ma14:wrappingTextBoxFlag xmlns:ma14="http://schemas.microsoft.com/office/mac/drawingml/2011/main" val="1"/>
+            </a:ext>
+          </a:extLst>
+        </p:spPr>
+        <p:txBody>
+          <a:bodyPr lIns="50800" tIns="50800" rIns="50800" bIns="50800" anchor="ctr">
+            <a:spAutoFit/>
+          </a:bodyPr>
+          <a:lstStyle>
+            <a:lvl1pPr>
+              <a:defRPr sz="1500"/>
+            </a:lvl1pPr>
+          </a:lstStyle>
+          <a:p>
+            <a:pPr/>
+            <a:r>
+              <a:t>Paul</a:t>
+            </a:r>
+          </a:p>
+        </p:txBody>
+      </p:sp>
+      <p:sp>
+        <p:nvSpPr>
+          <p:cNvPr id="200" name="Création de la classe jeu…"/>
+          <p:cNvSpPr txBox="1"/>
+          <p:nvPr/>
+        </p:nvSpPr>
+        <p:spPr>
+          <a:xfrm>
+            <a:off x="2676710" y="4873828"/>
+            <a:ext cx="3885820" cy="1453744"/>
+          </a:xfrm>
+          <a:prstGeom prst="rect">
+            <a:avLst/>
+          </a:prstGeom>
+          <a:ln w="12700">
+            <a:miter lim="400000"/>
+          </a:ln>
+          <a:extLst>
+            <a:ext uri="{C572A759-6A51-4108-AA02-DFA0A04FC94B}">
+              <ma14:wrappingTextBoxFlag xmlns:ma14="http://schemas.microsoft.com/office/mac/drawingml/2011/main" val="1"/>
+            </a:ext>
+          </a:extLst>
+        </p:spPr>
+        <p:txBody>
+          <a:bodyPr lIns="50800" tIns="50800" rIns="50800" bIns="50800" anchor="ctr">
+            <a:spAutoFit/>
+          </a:bodyPr>
+          <a:lstStyle/>
+          <a:p>
+            <a:pPr marL="272435" indent="-272435" algn="l">
+              <a:spcBef>
+                <a:spcPts val="500"/>
+              </a:spcBef>
+              <a:buSzPct val="145000"/>
+              <a:buChar char="-"/>
+              <a:defRPr b="0" sz="1900"/>
+            </a:pPr>
+            <a:r>
+              <a:t>Création de la classe jeu</a:t>
+            </a:r>
+          </a:p>
+          <a:p>
+            <a:pPr marL="272435" indent="-272435" algn="l">
+              <a:spcBef>
+                <a:spcPts val="500"/>
+              </a:spcBef>
+              <a:buSzPct val="145000"/>
+              <a:buChar char="-"/>
+              <a:defRPr b="0" sz="1900"/>
+            </a:pPr>
+            <a:r>
+              <a:t>Adaptation du jeu en graphique</a:t>
+            </a:r>
+          </a:p>
+          <a:p>
+            <a:pPr algn="l">
+              <a:spcBef>
+                <a:spcPts val="500"/>
+              </a:spcBef>
+              <a:defRPr b="0" sz="1900"/>
+            </a:pPr>
+          </a:p>
+        </p:txBody>
+      </p:sp>
+      <p:sp>
+        <p:nvSpPr>
+          <p:cNvPr id="201" name="Création de la classe Plateau…"/>
+          <p:cNvSpPr txBox="1"/>
+          <p:nvPr/>
+        </p:nvSpPr>
+        <p:spPr>
+          <a:xfrm>
+            <a:off x="8557273" y="2141414"/>
+            <a:ext cx="3885820" cy="2101445"/>
+          </a:xfrm>
+          <a:prstGeom prst="rect">
+            <a:avLst/>
+          </a:prstGeom>
+          <a:ln w="12700">
+            <a:miter lim="400000"/>
+          </a:ln>
+          <a:extLst>
+            <a:ext uri="{C572A759-6A51-4108-AA02-DFA0A04FC94B}">
+              <ma14:wrappingTextBoxFlag xmlns:ma14="http://schemas.microsoft.com/office/mac/drawingml/2011/main" val="1"/>
+            </a:ext>
+          </a:extLst>
+        </p:spPr>
+        <p:txBody>
+          <a:bodyPr lIns="50800" tIns="50800" rIns="50800" bIns="50800" anchor="ctr">
+            <a:spAutoFit/>
+          </a:bodyPr>
+          <a:lstStyle/>
+          <a:p>
+            <a:pPr marL="272435" indent="-272435" algn="l">
+              <a:spcBef>
+                <a:spcPts val="500"/>
+              </a:spcBef>
+              <a:buSzPct val="145000"/>
+              <a:buChar char="-"/>
+              <a:defRPr b="0" sz="1900"/>
+            </a:pPr>
+            <a:r>
+              <a:t>Création de la classe Plateau </a:t>
+            </a:r>
+          </a:p>
+          <a:p>
+            <a:pPr marL="272435" indent="-272435" algn="l">
+              <a:spcBef>
+                <a:spcPts val="500"/>
+              </a:spcBef>
+              <a:buSzPct val="145000"/>
+              <a:buChar char="-"/>
+              <a:defRPr b="0" sz="1900"/>
+            </a:pPr>
+            <a:r>
+              <a:t>Création de la classe                          ControlBouton</a:t>
+            </a:r>
+          </a:p>
+          <a:p>
+            <a:pPr marL="272435" indent="-272435" algn="l">
+              <a:spcBef>
+                <a:spcPts val="500"/>
+              </a:spcBef>
+              <a:buSzPct val="145000"/>
+              <a:buChar char="-"/>
+              <a:defRPr b="0" sz="1900"/>
+            </a:pPr>
+            <a:r>
+              <a:t>Rédaction du rapport</a:t>
+            </a:r>
+          </a:p>
+          <a:p>
+            <a:pPr marL="272435" indent="-272435" algn="l">
+              <a:spcBef>
+                <a:spcPts val="500"/>
+              </a:spcBef>
+              <a:buSzPct val="145000"/>
+              <a:buChar char="-"/>
+              <a:defRPr b="0" sz="1900"/>
+            </a:pPr>
+            <a:r>
+              <a:t>Rédaction du diaporama </a:t>
+            </a:r>
+          </a:p>
+        </p:txBody>
+      </p:sp>
+      <p:sp>
+        <p:nvSpPr>
+          <p:cNvPr id="202" name="Création de la classe Roi…"/>
+          <p:cNvSpPr txBox="1"/>
+          <p:nvPr/>
+        </p:nvSpPr>
+        <p:spPr>
+          <a:xfrm>
+            <a:off x="8557273" y="6936181"/>
+            <a:ext cx="3885820" cy="742545"/>
+          </a:xfrm>
+          <a:prstGeom prst="rect">
+            <a:avLst/>
+          </a:prstGeom>
+          <a:ln w="12700">
+            <a:miter lim="400000"/>
+          </a:ln>
+          <a:extLst>
+            <a:ext uri="{C572A759-6A51-4108-AA02-DFA0A04FC94B}">
+              <ma14:wrappingTextBoxFlag xmlns:ma14="http://schemas.microsoft.com/office/mac/drawingml/2011/main" val="1"/>
+            </a:ext>
+          </a:extLst>
+        </p:spPr>
+        <p:txBody>
+          <a:bodyPr lIns="50800" tIns="50800" rIns="50800" bIns="50800" anchor="ctr">
+            <a:spAutoFit/>
+          </a:bodyPr>
+          <a:lstStyle/>
+          <a:p>
+            <a:pPr marL="272435" indent="-272435" algn="l">
+              <a:spcBef>
+                <a:spcPts val="500"/>
+              </a:spcBef>
+              <a:buSzPct val="145000"/>
+              <a:buChar char="-"/>
+              <a:defRPr b="0" sz="1900"/>
+            </a:pPr>
+            <a:r>
+              <a:t>Création de la classe Roi</a:t>
+            </a:r>
+          </a:p>
+          <a:p>
+            <a:pPr marL="272435" indent="-272435" algn="l">
+              <a:spcBef>
+                <a:spcPts val="500"/>
+              </a:spcBef>
+              <a:buSzPct val="145000"/>
+              <a:buChar char="-"/>
+              <a:defRPr b="0" sz="1900"/>
+            </a:pPr>
+            <a:r>
+              <a:t>Création de la classe Tour.</a:t>
+            </a:r>
+          </a:p>
+        </p:txBody>
+      </p:sp>
+      <p:sp>
+        <p:nvSpPr>
+          <p:cNvPr id="203" name="Chef de projet…"/>
+          <p:cNvSpPr txBox="1"/>
+          <p:nvPr/>
+        </p:nvSpPr>
+        <p:spPr>
+          <a:xfrm>
+            <a:off x="2676710" y="2344161"/>
+            <a:ext cx="3885820" cy="1390245"/>
+          </a:xfrm>
+          <a:prstGeom prst="rect">
+            <a:avLst/>
+          </a:prstGeom>
+          <a:ln w="12700">
+            <a:miter lim="400000"/>
+          </a:ln>
+          <a:extLst>
+            <a:ext uri="{C572A759-6A51-4108-AA02-DFA0A04FC94B}">
+              <ma14:wrappingTextBoxFlag xmlns:ma14="http://schemas.microsoft.com/office/mac/drawingml/2011/main" val="1"/>
+            </a:ext>
+          </a:extLst>
+        </p:spPr>
+        <p:txBody>
+          <a:bodyPr lIns="50800" tIns="50800" rIns="50800" bIns="50800" anchor="ctr">
+            <a:spAutoFit/>
+          </a:bodyPr>
+          <a:lstStyle/>
+          <a:p>
+            <a:pPr marL="444500" indent="-444500" algn="l">
+              <a:spcBef>
+                <a:spcPts val="500"/>
+              </a:spcBef>
+              <a:buSzPct val="145000"/>
+              <a:buChar char="-"/>
+              <a:defRPr b="0" sz="1900"/>
+            </a:pPr>
+            <a:r>
+              <a:t>Chef de projet</a:t>
+            </a:r>
+          </a:p>
+          <a:p>
+            <a:pPr marL="444500" indent="-444500" algn="l">
+              <a:spcBef>
+                <a:spcPts val="500"/>
+              </a:spcBef>
+              <a:buSzPct val="145000"/>
+              <a:buChar char="-"/>
+              <a:defRPr b="0" sz="1900"/>
+            </a:pPr>
+            <a:r>
+              <a:t>Classe Piece</a:t>
+            </a:r>
+          </a:p>
+          <a:p>
+            <a:pPr marL="444500" indent="-444500" algn="l">
+              <a:spcBef>
+                <a:spcPts val="500"/>
+              </a:spcBef>
+              <a:buSzPct val="145000"/>
+              <a:buChar char="-"/>
+              <a:defRPr b="0" sz="1900"/>
+            </a:pPr>
+            <a:r>
+              <a:t>Organisation des réunions et gestion du projet</a:t>
+            </a:r>
+          </a:p>
+        </p:txBody>
+      </p:sp>
+      <p:sp>
+        <p:nvSpPr>
+          <p:cNvPr id="204" name="David"/>
+          <p:cNvSpPr txBox="1"/>
+          <p:nvPr/>
+        </p:nvSpPr>
+        <p:spPr>
+          <a:xfrm>
+            <a:off x="1278881" y="5728325"/>
+            <a:ext cx="1146858" cy="324675"/>
+          </a:xfrm>
+          <a:prstGeom prst="rect">
+            <a:avLst/>
+          </a:prstGeom>
+          <a:ln w="12700">
+            <a:miter lim="400000"/>
+          </a:ln>
+          <a:extLst>
+            <a:ext uri="{C572A759-6A51-4108-AA02-DFA0A04FC94B}">
+              <ma14:wrappingTextBoxFlag xmlns:ma14="http://schemas.microsoft.com/office/mac/drawingml/2011/main" val="1"/>
+            </a:ext>
+          </a:extLst>
+        </p:spPr>
+        <p:txBody>
+          <a:bodyPr lIns="50800" tIns="50800" rIns="50800" bIns="50800" anchor="ctr">
+            <a:spAutoFit/>
+          </a:bodyPr>
+          <a:lstStyle>
+            <a:lvl1pPr>
+              <a:defRPr sz="1500"/>
+            </a:lvl1pPr>
+          </a:lstStyle>
+          <a:p>
+            <a:pPr/>
+            <a:r>
+              <a:t>David</a:t>
+            </a:r>
+          </a:p>
+        </p:txBody>
+      </p:sp>
+      <p:sp>
+        <p:nvSpPr>
+          <p:cNvPr id="205" name="Théo"/>
+          <p:cNvSpPr txBox="1"/>
+          <p:nvPr/>
+        </p:nvSpPr>
+        <p:spPr>
+          <a:xfrm>
+            <a:off x="1278881" y="7964549"/>
+            <a:ext cx="1146858" cy="324675"/>
+          </a:xfrm>
+          <a:prstGeom prst="rect">
+            <a:avLst/>
+          </a:prstGeom>
+          <a:ln w="12700">
+            <a:miter lim="400000"/>
+          </a:ln>
+          <a:extLst>
+            <a:ext uri="{C572A759-6A51-4108-AA02-DFA0A04FC94B}">
+              <ma14:wrappingTextBoxFlag xmlns:ma14="http://schemas.microsoft.com/office/mac/drawingml/2011/main" val="1"/>
+            </a:ext>
+          </a:extLst>
+        </p:spPr>
+        <p:txBody>
+          <a:bodyPr lIns="50800" tIns="50800" rIns="50800" bIns="50800" anchor="ctr">
+            <a:spAutoFit/>
+          </a:bodyPr>
+          <a:lstStyle>
+            <a:lvl1pPr>
+              <a:defRPr sz="1500"/>
+            </a:lvl1pPr>
+          </a:lstStyle>
+          <a:p>
+            <a:pPr/>
+            <a:r>
+              <a:t>Théo</a:t>
+            </a:r>
+          </a:p>
+        </p:txBody>
+      </p:sp>
+      <p:sp>
+        <p:nvSpPr>
+          <p:cNvPr id="206" name="Benjamin"/>
+          <p:cNvSpPr txBox="1"/>
+          <p:nvPr/>
+        </p:nvSpPr>
+        <p:spPr>
+          <a:xfrm>
+            <a:off x="7131818" y="3492101"/>
+            <a:ext cx="1146858" cy="324675"/>
+          </a:xfrm>
+          <a:prstGeom prst="rect">
+            <a:avLst/>
+          </a:prstGeom>
+          <a:ln w="12700">
+            <a:miter lim="400000"/>
+          </a:ln>
+          <a:extLst>
+            <a:ext uri="{C572A759-6A51-4108-AA02-DFA0A04FC94B}">
+              <ma14:wrappingTextBoxFlag xmlns:ma14="http://schemas.microsoft.com/office/mac/drawingml/2011/main" val="1"/>
+            </a:ext>
+          </a:extLst>
+        </p:spPr>
+        <p:txBody>
+          <a:bodyPr lIns="50800" tIns="50800" rIns="50800" bIns="50800" anchor="ctr">
+            <a:spAutoFit/>
+          </a:bodyPr>
+          <a:lstStyle>
+            <a:lvl1pPr>
+              <a:defRPr sz="1500"/>
+            </a:lvl1pPr>
+          </a:lstStyle>
+          <a:p>
+            <a:pPr/>
+            <a:r>
+              <a:t>Benjamin</a:t>
+            </a:r>
+          </a:p>
+        </p:txBody>
+      </p:sp>
+      <p:sp>
+        <p:nvSpPr>
+          <p:cNvPr id="207" name="Alexis"/>
+          <p:cNvSpPr txBox="1"/>
+          <p:nvPr/>
+        </p:nvSpPr>
+        <p:spPr>
+          <a:xfrm>
+            <a:off x="7131818" y="5728325"/>
+            <a:ext cx="1146858" cy="324675"/>
+          </a:xfrm>
+          <a:prstGeom prst="rect">
+            <a:avLst/>
+          </a:prstGeom>
+          <a:ln w="12700">
+            <a:miter lim="400000"/>
+          </a:ln>
+          <a:extLst>
+            <a:ext uri="{C572A759-6A51-4108-AA02-DFA0A04FC94B}">
+              <ma14:wrappingTextBoxFlag xmlns:ma14="http://schemas.microsoft.com/office/mac/drawingml/2011/main" val="1"/>
+            </a:ext>
+          </a:extLst>
+        </p:spPr>
+        <p:txBody>
+          <a:bodyPr lIns="50800" tIns="50800" rIns="50800" bIns="50800" anchor="ctr">
+            <a:spAutoFit/>
+          </a:bodyPr>
+          <a:lstStyle>
+            <a:lvl1pPr>
+              <a:defRPr sz="1500"/>
+            </a:lvl1pPr>
+          </a:lstStyle>
+          <a:p>
+            <a:pPr/>
+            <a:r>
+              <a:t>Alexis</a:t>
+            </a:r>
+          </a:p>
+        </p:txBody>
+      </p:sp>
+      <p:sp>
+        <p:nvSpPr>
+          <p:cNvPr id="208" name="Victor"/>
+          <p:cNvSpPr txBox="1"/>
+          <p:nvPr/>
+        </p:nvSpPr>
+        <p:spPr>
+          <a:xfrm>
+            <a:off x="7131818" y="7964549"/>
+            <a:ext cx="1146858" cy="324675"/>
+          </a:xfrm>
+          <a:prstGeom prst="rect">
+            <a:avLst/>
+          </a:prstGeom>
+          <a:ln w="12700">
+            <a:miter lim="400000"/>
+          </a:ln>
+          <a:extLst>
+            <a:ext uri="{C572A759-6A51-4108-AA02-DFA0A04FC94B}">
+              <ma14:wrappingTextBoxFlag xmlns:ma14="http://schemas.microsoft.com/office/mac/drawingml/2011/main" val="1"/>
+            </a:ext>
+          </a:extLst>
+        </p:spPr>
+        <p:txBody>
+          <a:bodyPr lIns="50800" tIns="50800" rIns="50800" bIns="50800" anchor="ctr">
+            <a:spAutoFit/>
+          </a:bodyPr>
+          <a:lstStyle>
+            <a:lvl1pPr>
+              <a:defRPr sz="1500"/>
+            </a:lvl1pPr>
+          </a:lstStyle>
+          <a:p>
+            <a:pPr/>
+            <a:r>
+              <a:t>Victor </a:t>
+            </a:r>
+          </a:p>
+        </p:txBody>
+      </p:sp>
+      <p:sp>
+        <p:nvSpPr>
+          <p:cNvPr id="209" name="Création de la classe Fou…"/>
+          <p:cNvSpPr txBox="1"/>
+          <p:nvPr/>
+        </p:nvSpPr>
+        <p:spPr>
+          <a:xfrm>
+            <a:off x="2676710" y="7075662"/>
+            <a:ext cx="3885820" cy="742544"/>
+          </a:xfrm>
+          <a:prstGeom prst="rect">
+            <a:avLst/>
+          </a:prstGeom>
+          <a:ln w="12700">
+            <a:miter lim="400000"/>
+          </a:ln>
+          <a:extLst>
+            <a:ext uri="{C572A759-6A51-4108-AA02-DFA0A04FC94B}">
+              <ma14:wrappingTextBoxFlag xmlns:ma14="http://schemas.microsoft.com/office/mac/drawingml/2011/main" val="1"/>
+            </a:ext>
+          </a:extLst>
+        </p:spPr>
+        <p:txBody>
+          <a:bodyPr lIns="50800" tIns="50800" rIns="50800" bIns="50800" anchor="ctr">
+            <a:spAutoFit/>
+          </a:bodyPr>
+          <a:lstStyle/>
+          <a:p>
+            <a:pPr marL="272435" indent="-272435" algn="l">
+              <a:spcBef>
+                <a:spcPts val="500"/>
+              </a:spcBef>
+              <a:buSzPct val="145000"/>
+              <a:buChar char="-"/>
+              <a:defRPr b="0" sz="1900"/>
+            </a:pPr>
+            <a:r>
+              <a:t>Création de la classe Fou</a:t>
+            </a:r>
+          </a:p>
+          <a:p>
+            <a:pPr marL="272435" indent="-272435" algn="l">
+              <a:spcBef>
+                <a:spcPts val="500"/>
+              </a:spcBef>
+              <a:buSzPct val="145000"/>
+              <a:buChar char="-"/>
+              <a:defRPr b="0" sz="1900"/>
+            </a:pPr>
+            <a:r>
+              <a:t>Création de la classe Pion</a:t>
+            </a:r>
+          </a:p>
+        </p:txBody>
+      </p:sp>
+      <p:sp>
+        <p:nvSpPr>
+          <p:cNvPr id="210" name="Création de la classe Dame…"/>
+          <p:cNvSpPr txBox="1"/>
+          <p:nvPr/>
+        </p:nvSpPr>
+        <p:spPr>
+          <a:xfrm>
+            <a:off x="8557273" y="4876800"/>
+            <a:ext cx="3885820" cy="742544"/>
+          </a:xfrm>
+          <a:prstGeom prst="rect">
+            <a:avLst/>
+          </a:prstGeom>
+          <a:ln w="12700">
+            <a:miter lim="400000"/>
+          </a:ln>
+          <a:extLst>
+            <a:ext uri="{C572A759-6A51-4108-AA02-DFA0A04FC94B}">
+              <ma14:wrappingTextBoxFlag xmlns:ma14="http://schemas.microsoft.com/office/mac/drawingml/2011/main" val="1"/>
+            </a:ext>
+          </a:extLst>
+        </p:spPr>
+        <p:txBody>
+          <a:bodyPr lIns="50800" tIns="50800" rIns="50800" bIns="50800" anchor="ctr">
+            <a:spAutoFit/>
+          </a:bodyPr>
+          <a:lstStyle/>
+          <a:p>
+            <a:pPr marL="272435" indent="-272435" algn="l">
+              <a:spcBef>
+                <a:spcPts val="500"/>
+              </a:spcBef>
+              <a:buSzPct val="145000"/>
+              <a:buChar char="-"/>
+              <a:defRPr b="0" sz="1900"/>
+            </a:pPr>
+            <a:r>
+              <a:t>Création de la classe Dame</a:t>
+            </a:r>
+          </a:p>
+          <a:p>
+            <a:pPr marL="272435" indent="-272435" algn="l">
+              <a:spcBef>
+                <a:spcPts val="500"/>
+              </a:spcBef>
+              <a:buSzPct val="145000"/>
+              <a:buChar char="-"/>
+              <a:defRPr b="0" sz="1900"/>
+            </a:pPr>
+            <a:r>
+              <a:t>Création de la classe Cavalier</a:t>
+            </a:r>
+          </a:p>
+        </p:txBody>
+      </p:sp>
+    </p:spTree>
+  </p:cSld>
+  <p:clrMapOvr>
+    <a:masterClrMapping/>
+  </p:clrMapOvr>
+  <p:transition xmlns:p14="http://schemas.microsoft.com/office/powerpoint/2010/main" spd="med" advClick="1"/>
 </p:sld>
 </file>
 

--- a/doc/diapo pour les bouseux.pptx
+++ b/doc/diapo pour les bouseux.pptx
@@ -18,6 +18,7 @@
     <p:sldId id="263" r:id="rId15"/>
     <p:sldId id="264" r:id="rId16"/>
     <p:sldId id="265" r:id="rId17"/>
+    <p:sldId id="266" r:id="rId18"/>
   </p:sldIdLst>
   <p:sldSz cx="13004800" cy="9753600"/>
   <p:notesSz cx="6858000" cy="9144000"/>
@@ -3272,7 +3273,7 @@
       </p:grpSpPr>
       <p:sp>
         <p:nvSpPr>
-          <p:cNvPr id="212" name="Bilan"/>
+          <p:cNvPr id="218" name="Bilan"/>
           <p:cNvSpPr txBox="1"/>
           <p:nvPr/>
         </p:nvSpPr>
@@ -3317,7 +3318,7 @@
       </p:sp>
       <p:sp>
         <p:nvSpPr>
-          <p:cNvPr id="213" name="Numéro de diapositive"/>
+          <p:cNvPr id="219" name="Numéro de diapositive"/>
           <p:cNvSpPr txBox="1"/>
           <p:nvPr>
             <p:ph type="sldNum" sz="quarter" idx="2"/>
@@ -3355,7 +3356,7 @@
       </p:sp>
       <p:sp>
         <p:nvSpPr>
-          <p:cNvPr id="214" name="Technique :"/>
+          <p:cNvPr id="220" name="Technique :"/>
           <p:cNvSpPr txBox="1"/>
           <p:nvPr/>
         </p:nvSpPr>
@@ -3398,7 +3399,7 @@
       </p:sp>
       <p:sp>
         <p:nvSpPr>
-          <p:cNvPr id="215" name="- Programme fonctionnel"/>
+          <p:cNvPr id="221" name="- Programme fonctionnel"/>
           <p:cNvSpPr txBox="1"/>
           <p:nvPr/>
         </p:nvSpPr>
@@ -3441,13 +3442,13 @@
       </p:sp>
       <p:sp>
         <p:nvSpPr>
-          <p:cNvPr id="216" name="- Possible d’améliorer l’aspect graphique"/>
+          <p:cNvPr id="222" name="- Possible d’améliorer l’aspect graphique"/>
           <p:cNvSpPr txBox="1"/>
           <p:nvPr/>
         </p:nvSpPr>
         <p:spPr>
           <a:xfrm>
-            <a:off x="2129330" y="4153200"/>
+            <a:off x="2129330" y="4153201"/>
             <a:ext cx="6018531" cy="473711"/>
           </a:xfrm>
           <a:prstGeom prst="rect">
@@ -3484,7 +3485,7 @@
       </p:sp>
       <p:sp>
         <p:nvSpPr>
-          <p:cNvPr id="217" name="- Ajout d’une IA pour jouer seul"/>
+          <p:cNvPr id="223" name="- Ajout d’une IA pour jouer seul"/>
           <p:cNvSpPr txBox="1"/>
           <p:nvPr/>
         </p:nvSpPr>
@@ -3527,13 +3528,13 @@
       </p:sp>
       <p:sp>
         <p:nvSpPr>
-          <p:cNvPr id="218" name="Humain :"/>
+          <p:cNvPr id="224" name="Humain :"/>
           <p:cNvSpPr txBox="1"/>
           <p:nvPr/>
         </p:nvSpPr>
         <p:spPr>
           <a:xfrm>
-            <a:off x="5655912" y="2170750"/>
+            <a:off x="1049444" y="2440312"/>
             <a:ext cx="1744981" cy="548133"/>
           </a:xfrm>
           <a:prstGeom prst="rect">
@@ -3557,11 +3558,7 @@
               <a:spcBef>
                 <a:spcPts val="3000"/>
               </a:spcBef>
-              <a:defRPr b="0" sz="3000">
-                <a:solidFill>
-                  <a:srgbClr val="FB0500"/>
-                </a:solidFill>
-              </a:defRPr>
+              <a:defRPr b="0" sz="3000"/>
             </a:lvl1pPr>
           </a:lstStyle>
           <a:p>
@@ -3574,13 +3571,13 @@
       </p:sp>
       <p:sp>
         <p:nvSpPr>
-          <p:cNvPr id="219" name="- Difficile de se coordonner"/>
+          <p:cNvPr id="225" name="- Difficile de se coordonner"/>
           <p:cNvSpPr txBox="1"/>
           <p:nvPr/>
         </p:nvSpPr>
         <p:spPr>
           <a:xfrm>
-            <a:off x="6740047" y="3131527"/>
+            <a:off x="2133579" y="3401089"/>
             <a:ext cx="3943351" cy="473711"/>
           </a:xfrm>
           <a:prstGeom prst="rect">
@@ -3604,11 +3601,7 @@
               <a:spcBef>
                 <a:spcPts val="3000"/>
               </a:spcBef>
-              <a:defRPr b="0" sz="2500">
-                <a:solidFill>
-                  <a:srgbClr val="FB0500"/>
-                </a:solidFill>
-              </a:defRPr>
+              <a:defRPr b="0" sz="2500"/>
             </a:lvl1pPr>
           </a:lstStyle>
           <a:p>
@@ -3621,13 +3614,13 @@
       </p:sp>
       <p:sp>
         <p:nvSpPr>
-          <p:cNvPr id="220" name="- Bonne entente et bonne ambiance de travail"/>
+          <p:cNvPr id="226" name="- Bonne entente et bonne ambiance de travail"/>
           <p:cNvSpPr txBox="1"/>
           <p:nvPr/>
         </p:nvSpPr>
         <p:spPr>
           <a:xfrm>
-            <a:off x="6752528" y="3882558"/>
+            <a:off x="2146060" y="4152120"/>
             <a:ext cx="6601461" cy="473711"/>
           </a:xfrm>
           <a:prstGeom prst="rect">
@@ -3651,11 +3644,7 @@
               <a:spcBef>
                 <a:spcPts val="3000"/>
               </a:spcBef>
-              <a:defRPr b="0" sz="2500">
-                <a:solidFill>
-                  <a:srgbClr val="FB0500"/>
-                </a:solidFill>
-              </a:defRPr>
+              <a:defRPr b="0" sz="2500"/>
             </a:lvl1pPr>
           </a:lstStyle>
           <a:p>
@@ -3668,13 +3657,13 @@
       </p:sp>
       <p:sp>
         <p:nvSpPr>
-          <p:cNvPr id="221" name="Pédagogique :"/>
+          <p:cNvPr id="227" name="Pédagogique :"/>
           <p:cNvSpPr txBox="1"/>
           <p:nvPr/>
         </p:nvSpPr>
         <p:spPr>
           <a:xfrm>
-            <a:off x="676147" y="5790586"/>
+            <a:off x="1050467" y="2466446"/>
             <a:ext cx="2697100" cy="548133"/>
           </a:xfrm>
           <a:prstGeom prst="rect">
@@ -3698,11 +3687,7 @@
               <a:spcBef>
                 <a:spcPts val="3000"/>
               </a:spcBef>
-              <a:defRPr b="0" sz="3000">
-                <a:solidFill>
-                  <a:srgbClr val="0072BF"/>
-                </a:solidFill>
-              </a:defRPr>
+              <a:defRPr b="0" sz="3000"/>
             </a:lvl1pPr>
           </a:lstStyle>
           <a:p>
@@ -3715,13 +3700,13 @@
       </p:sp>
       <p:sp>
         <p:nvSpPr>
-          <p:cNvPr id="222" name="- Meilleure connaissance du jeu d’échecs"/>
+          <p:cNvPr id="228" name="- Meilleure connaissance du jeu d’échecs"/>
           <p:cNvSpPr txBox="1"/>
           <p:nvPr/>
         </p:nvSpPr>
         <p:spPr>
           <a:xfrm>
-            <a:off x="1760282" y="6751362"/>
+            <a:off x="2134603" y="3427222"/>
             <a:ext cx="6071871" cy="473711"/>
           </a:xfrm>
           <a:prstGeom prst="rect">
@@ -3745,11 +3730,7 @@
               <a:spcBef>
                 <a:spcPts val="3000"/>
               </a:spcBef>
-              <a:defRPr b="0" sz="2500">
-                <a:solidFill>
-                  <a:srgbClr val="0072BF"/>
-                </a:solidFill>
-              </a:defRPr>
+              <a:defRPr b="0" sz="2500"/>
             </a:lvl1pPr>
           </a:lstStyle>
           <a:p>
@@ -3762,13 +3743,13 @@
       </p:sp>
       <p:sp>
         <p:nvSpPr>
-          <p:cNvPr id="223" name="- Utilisation de GitKraken pour la gestion du code"/>
+          <p:cNvPr id="229" name="- Utilisation de GitKraken pour la gestion du code"/>
           <p:cNvSpPr txBox="1"/>
           <p:nvPr/>
         </p:nvSpPr>
         <p:spPr>
           <a:xfrm>
-            <a:off x="1760282" y="7502393"/>
+            <a:off x="2134603" y="4178253"/>
             <a:ext cx="7124066" cy="473711"/>
           </a:xfrm>
           <a:prstGeom prst="rect">
@@ -3792,11 +3773,7 @@
               <a:spcBef>
                 <a:spcPts val="3000"/>
               </a:spcBef>
-              <a:defRPr b="0" sz="2500">
-                <a:solidFill>
-                  <a:srgbClr val="0072BF"/>
-                </a:solidFill>
-              </a:defRPr>
+              <a:defRPr b="0" sz="2500"/>
             </a:lvl1pPr>
           </a:lstStyle>
           <a:p>
@@ -3809,13 +3786,13 @@
       </p:sp>
       <p:sp>
         <p:nvSpPr>
-          <p:cNvPr id="224" name="- Utilisation d’une grande partie des connaissances"/>
+          <p:cNvPr id="230" name="- Utilisation d’une grande partie des connaissances"/>
           <p:cNvSpPr txBox="1"/>
           <p:nvPr/>
         </p:nvSpPr>
         <p:spPr>
           <a:xfrm>
-            <a:off x="1760282" y="8253424"/>
+            <a:off x="2134603" y="4929284"/>
             <a:ext cx="7394576" cy="473711"/>
           </a:xfrm>
           <a:prstGeom prst="rect">
@@ -3839,11 +3816,7 @@
               <a:spcBef>
                 <a:spcPts val="3000"/>
               </a:spcBef>
-              <a:defRPr b="0" sz="2500">
-                <a:solidFill>
-                  <a:srgbClr val="0072BF"/>
-                </a:solidFill>
-              </a:defRPr>
+              <a:defRPr b="0" sz="2500"/>
             </a:lvl1pPr>
           </a:lstStyle>
           <a:p>
@@ -3856,13 +3829,13 @@
       </p:sp>
       <p:sp>
         <p:nvSpPr>
-          <p:cNvPr id="225" name="- Apprentissage de la répartition du travail"/>
+          <p:cNvPr id="231" name="- Apprentissage de la répartition du travail"/>
           <p:cNvSpPr txBox="1"/>
           <p:nvPr/>
         </p:nvSpPr>
         <p:spPr>
           <a:xfrm>
-            <a:off x="6740047" y="4633589"/>
+            <a:off x="2133579" y="4903150"/>
             <a:ext cx="6059489" cy="473711"/>
           </a:xfrm>
           <a:prstGeom prst="rect">
@@ -3886,11 +3859,7 @@
               <a:spcBef>
                 <a:spcPts val="3000"/>
               </a:spcBef>
-              <a:defRPr b="0" sz="2500">
-                <a:solidFill>
-                  <a:srgbClr val="FB0500"/>
-                </a:solidFill>
-              </a:defRPr>
+              <a:defRPr b="0" sz="2500"/>
             </a:lvl1pPr>
           </a:lstStyle>
           <a:p>
@@ -3903,7 +3872,7 @@
       </p:sp>
       <p:pic>
         <p:nvPicPr>
-          <p:cNvPr id="226" name="computer.png" descr="computer.png"/>
+          <p:cNvPr id="232" name="computer.png" descr="computer.png"/>
           <p:cNvPicPr>
             <a:picLocks noChangeAspect="1"/>
           </p:cNvPicPr>
@@ -3932,7 +3901,7 @@
       </p:pic>
       <p:pic>
         <p:nvPicPr>
-          <p:cNvPr id="227" name="artificial-intelligence.png" descr="artificial-intelligence.png"/>
+          <p:cNvPr id="233" name="artificial-intelligence.png" descr="artificial-intelligence.png"/>
           <p:cNvPicPr>
             <a:picLocks noChangeAspect="1"/>
           </p:cNvPicPr>
@@ -3948,8 +3917,8 @@
         </p:blipFill>
         <p:spPr>
           <a:xfrm>
-            <a:off x="9131769" y="6926141"/>
-            <a:ext cx="1276044" cy="1276044"/>
+            <a:off x="9131769" y="6926140"/>
+            <a:ext cx="1276045" cy="1276045"/>
           </a:xfrm>
           <a:prstGeom prst="rect">
             <a:avLst/>
@@ -3961,7 +3930,7 @@
       </p:pic>
       <p:pic>
         <p:nvPicPr>
-          <p:cNvPr id="228" name="code.png" descr="code.png"/>
+          <p:cNvPr id="234" name="code.png" descr="code.png"/>
           <p:cNvPicPr>
             <a:picLocks noChangeAspect="1"/>
           </p:cNvPicPr>
@@ -3990,7 +3959,7 @@
       </p:pic>
       <p:pic>
         <p:nvPicPr>
-          <p:cNvPr id="229" name="laptop.png" descr="laptop.png"/>
+          <p:cNvPr id="235" name="laptop.png" descr="laptop.png"/>
           <p:cNvPicPr>
             <a:picLocks noChangeAspect="1"/>
           </p:cNvPicPr>
@@ -4017,12 +3986,327 @@
           </a:ln>
         </p:spPr>
       </p:pic>
+      <p:sp>
+        <p:nvSpPr>
+          <p:cNvPr id="236" name="- Apprentissage de la communication en groupe"/>
+          <p:cNvSpPr txBox="1"/>
+          <p:nvPr/>
+        </p:nvSpPr>
+        <p:spPr>
+          <a:xfrm>
+            <a:off x="2134603" y="5671538"/>
+            <a:ext cx="6942773" cy="473711"/>
+          </a:xfrm>
+          <a:prstGeom prst="rect">
+            <a:avLst/>
+          </a:prstGeom>
+          <a:ln w="12700">
+            <a:miter lim="400000"/>
+          </a:ln>
+          <a:extLst>
+            <a:ext uri="{C572A759-6A51-4108-AA02-DFA0A04FC94B}">
+              <ma14:wrappingTextBoxFlag xmlns:ma14="http://schemas.microsoft.com/office/mac/drawingml/2011/main" val="1"/>
+            </a:ext>
+          </a:extLst>
+        </p:spPr>
+        <p:txBody>
+          <a:bodyPr wrap="none" lIns="50800" tIns="50800" rIns="50800" bIns="50800" anchor="ctr">
+            <a:spAutoFit/>
+          </a:bodyPr>
+          <a:lstStyle>
+            <a:lvl1pPr algn="l">
+              <a:spcBef>
+                <a:spcPts val="3000"/>
+              </a:spcBef>
+              <a:defRPr b="0" sz="2500"/>
+            </a:lvl1pPr>
+          </a:lstStyle>
+          <a:p>
+            <a:pPr/>
+            <a:r>
+              <a:t>- Apprentissage de la communication en groupe</a:t>
+            </a:r>
+          </a:p>
+        </p:txBody>
+      </p:sp>
+      <p:pic>
+        <p:nvPicPr>
+          <p:cNvPr id="237" name="calendar.png" descr="calendar.png"/>
+          <p:cNvPicPr>
+            <a:picLocks noChangeAspect="1"/>
+          </p:cNvPicPr>
+          <p:nvPr/>
+        </p:nvPicPr>
+        <p:blipFill>
+          <a:blip r:embed="rId6">
+            <a:extLst/>
+          </a:blip>
+          <a:stretch>
+            <a:fillRect/>
+          </a:stretch>
+        </p:blipFill>
+        <p:spPr>
+          <a:xfrm>
+            <a:off x="2259472" y="6926140"/>
+            <a:ext cx="1276044" cy="1276045"/>
+          </a:xfrm>
+          <a:prstGeom prst="rect">
+            <a:avLst/>
+          </a:prstGeom>
+          <a:ln w="12700">
+            <a:miter lim="400000"/>
+          </a:ln>
+        </p:spPr>
+      </p:pic>
+      <p:pic>
+        <p:nvPicPr>
+          <p:cNvPr id="238" name="employees.png" descr="employees.png"/>
+          <p:cNvPicPr>
+            <a:picLocks noChangeAspect="1"/>
+          </p:cNvPicPr>
+          <p:nvPr/>
+        </p:nvPicPr>
+        <p:blipFill>
+          <a:blip r:embed="rId7">
+            <a:extLst/>
+          </a:blip>
+          <a:stretch>
+            <a:fillRect/>
+          </a:stretch>
+        </p:blipFill>
+        <p:spPr>
+          <a:xfrm>
+            <a:off x="9968890" y="2207372"/>
+            <a:ext cx="2021475" cy="2021474"/>
+          </a:xfrm>
+          <a:prstGeom prst="rect">
+            <a:avLst/>
+          </a:prstGeom>
+          <a:ln w="12700">
+            <a:miter lim="400000"/>
+          </a:ln>
+        </p:spPr>
+      </p:pic>
+      <p:pic>
+        <p:nvPicPr>
+          <p:cNvPr id="239" name="speak.png" descr="speak.png"/>
+          <p:cNvPicPr>
+            <a:picLocks noChangeAspect="1"/>
+          </p:cNvPicPr>
+          <p:nvPr/>
+        </p:nvPicPr>
+        <p:blipFill>
+          <a:blip r:embed="rId8">
+            <a:extLst/>
+          </a:blip>
+          <a:stretch>
+            <a:fillRect/>
+          </a:stretch>
+        </p:blipFill>
+        <p:spPr>
+          <a:xfrm>
+            <a:off x="5745312" y="6939343"/>
+            <a:ext cx="1276044" cy="1276044"/>
+          </a:xfrm>
+          <a:prstGeom prst="rect">
+            <a:avLst/>
+          </a:prstGeom>
+          <a:ln w="12700">
+            <a:miter lim="400000"/>
+          </a:ln>
+        </p:spPr>
+      </p:pic>
+      <p:pic>
+        <p:nvPicPr>
+          <p:cNvPr id="240" name="teamwork.png" descr="teamwork.png"/>
+          <p:cNvPicPr>
+            <a:picLocks noChangeAspect="1"/>
+          </p:cNvPicPr>
+          <p:nvPr/>
+        </p:nvPicPr>
+        <p:blipFill>
+          <a:blip r:embed="rId9">
+            <a:extLst/>
+          </a:blip>
+          <a:stretch>
+            <a:fillRect/>
+          </a:stretch>
+        </p:blipFill>
+        <p:spPr>
+          <a:xfrm>
+            <a:off x="9231152" y="6926140"/>
+            <a:ext cx="1276044" cy="1276045"/>
+          </a:xfrm>
+          <a:prstGeom prst="rect">
+            <a:avLst/>
+          </a:prstGeom>
+          <a:ln w="12700">
+            <a:miter lim="400000"/>
+          </a:ln>
+        </p:spPr>
+      </p:pic>
+      <p:pic>
+        <p:nvPicPr>
+          <p:cNvPr id="241" name="bookshelf.png" descr="bookshelf.png"/>
+          <p:cNvPicPr>
+            <a:picLocks noChangeAspect="1"/>
+          </p:cNvPicPr>
+          <p:nvPr/>
+        </p:nvPicPr>
+        <p:blipFill>
+          <a:blip r:embed="rId10">
+            <a:extLst/>
+          </a:blip>
+          <a:stretch>
+            <a:fillRect/>
+          </a:stretch>
+        </p:blipFill>
+        <p:spPr>
+          <a:xfrm>
+            <a:off x="6991126" y="6852788"/>
+            <a:ext cx="1422749" cy="1422749"/>
+          </a:xfrm>
+          <a:prstGeom prst="rect">
+            <a:avLst/>
+          </a:prstGeom>
+          <a:ln w="12700">
+            <a:miter lim="400000"/>
+          </a:ln>
+        </p:spPr>
+      </p:pic>
+      <p:pic>
+        <p:nvPicPr>
+          <p:cNvPr id="242" name="chat.png" descr="chat.png"/>
+          <p:cNvPicPr>
+            <a:picLocks noChangeAspect="1"/>
+          </p:cNvPicPr>
+          <p:nvPr/>
+        </p:nvPicPr>
+        <p:blipFill>
+          <a:blip r:embed="rId11">
+            <a:extLst/>
+          </a:blip>
+          <a:stretch>
+            <a:fillRect/>
+          </a:stretch>
+        </p:blipFill>
+        <p:spPr>
+          <a:xfrm>
+            <a:off x="9557639" y="6939343"/>
+            <a:ext cx="1422749" cy="1422748"/>
+          </a:xfrm>
+          <a:prstGeom prst="rect">
+            <a:avLst/>
+          </a:prstGeom>
+          <a:ln w="12700">
+            <a:miter lim="400000"/>
+          </a:ln>
+        </p:spPr>
+      </p:pic>
+      <p:pic>
+        <p:nvPicPr>
+          <p:cNvPr id="243" name="chess-board.png" descr="chess-board.png"/>
+          <p:cNvPicPr>
+            <a:picLocks noChangeAspect="1"/>
+          </p:cNvPicPr>
+          <p:nvPr/>
+        </p:nvPicPr>
+        <p:blipFill>
+          <a:blip r:embed="rId12">
+            <a:extLst/>
+          </a:blip>
+          <a:stretch>
+            <a:fillRect/>
+          </a:stretch>
+        </p:blipFill>
+        <p:spPr>
+          <a:xfrm>
+            <a:off x="1491308" y="6939343"/>
+            <a:ext cx="1276045" cy="1276044"/>
+          </a:xfrm>
+          <a:prstGeom prst="rect">
+            <a:avLst/>
+          </a:prstGeom>
+          <a:ln w="12700">
+            <a:miter lim="400000"/>
+          </a:ln>
+        </p:spPr>
+      </p:pic>
+      <p:pic>
+        <p:nvPicPr>
+          <p:cNvPr id="244" name="classroom.png" descr="classroom.png"/>
+          <p:cNvPicPr>
+            <a:picLocks noChangeAspect="1"/>
+          </p:cNvPicPr>
+          <p:nvPr/>
+        </p:nvPicPr>
+        <p:blipFill>
+          <a:blip r:embed="rId13">
+            <a:extLst/>
+          </a:blip>
+          <a:stretch>
+            <a:fillRect/>
+          </a:stretch>
+        </p:blipFill>
+        <p:spPr>
+          <a:xfrm>
+            <a:off x="9797825" y="2405985"/>
+            <a:ext cx="2021475" cy="2021475"/>
+          </a:xfrm>
+          <a:prstGeom prst="rect">
+            <a:avLst/>
+          </a:prstGeom>
+          <a:ln w="12700">
+            <a:miter lim="400000"/>
+          </a:ln>
+        </p:spPr>
+      </p:pic>
+      <p:pic>
+        <p:nvPicPr>
+          <p:cNvPr id="245" name="GitKraken-Logo.png" descr="GitKraken-Logo.png"/>
+          <p:cNvPicPr>
+            <a:picLocks noChangeAspect="1"/>
+          </p:cNvPicPr>
+          <p:nvPr/>
+        </p:nvPicPr>
+        <p:blipFill>
+          <a:blip r:embed="rId14">
+            <a:extLst/>
+          </a:blip>
+          <a:stretch>
+            <a:fillRect/>
+          </a:stretch>
+        </p:blipFill>
+        <p:spPr>
+          <a:xfrm>
+            <a:off x="3976813" y="6939343"/>
+            <a:ext cx="1625601" cy="1422748"/>
+          </a:xfrm>
+          <a:prstGeom prst="rect">
+            <a:avLst/>
+          </a:prstGeom>
+          <a:ln w="12700">
+            <a:miter lim="400000"/>
+          </a:ln>
+        </p:spPr>
+      </p:pic>
     </p:spTree>
   </p:cSld>
   <p:clrMapOvr>
     <a:masterClrMapping/>
   </p:clrMapOvr>
-  <p:transition xmlns:p14="http://schemas.microsoft.com/office/powerpoint/2010/main" spd="med" advClick="1"/>
+  <mc:AlternateContent xmlns:mc="http://schemas.openxmlformats.org/markup-compatibility/2006">
+    <mc:Choice xmlns:p14="http://schemas.microsoft.com/office/powerpoint/2010/main" Requires="p14">
+      <p:transition spd="fast" advClick="1" p14:dur="750">
+        <p:push dir="l"/>
+      </p:transition>
+    </mc:Choice>
+    <mc:Fallback>
+      <p:transition spd="fast">
+        <p:fade/>
+      </p:transition>
+    </mc:Fallback>
+  </mc:AlternateContent>
   <p:timing>
     <p:tnLst>
       <p:par>
@@ -4059,7 +4343,7 @@
                                       <p:cBhvr>
                                         <p:cTn id="6" fill="hold"/>
                                         <p:tgtEl>
-                                          <p:spTgt spid="214"/>
+                                          <p:spTgt spid="220"/>
                                         </p:tgtEl>
                                         <p:attrNameLst>
                                           <p:attrName>style.visibility</p:attrName>
@@ -4073,7 +4357,7 @@
                                       <p:cBhvr>
                                         <p:cTn id="7" dur="500"/>
                                         <p:tgtEl>
-                                          <p:spTgt spid="214"/>
+                                          <p:spTgt spid="220"/>
                                         </p:tgtEl>
                                       </p:cBhvr>
                                     </p:animEffect>
@@ -4102,7 +4386,7 @@
                                       <p:cBhvr>
                                         <p:cTn id="10" fill="hold"/>
                                         <p:tgtEl>
-                                          <p:spTgt spid="226"/>
+                                          <p:spTgt spid="232"/>
                                         </p:tgtEl>
                                         <p:attrNameLst>
                                           <p:attrName>style.visibility</p:attrName>
@@ -4116,7 +4400,7 @@
                                       <p:cBhvr>
                                         <p:cTn id="11" dur="499"/>
                                         <p:tgtEl>
-                                          <p:spTgt spid="226"/>
+                                          <p:spTgt spid="232"/>
                                         </p:tgtEl>
                                       </p:cBhvr>
                                     </p:animEffect>
@@ -4154,7 +4438,7 @@
                                       <p:cBhvr>
                                         <p:cTn id="15" fill="hold"/>
                                         <p:tgtEl>
-                                          <p:spTgt spid="215"/>
+                                          <p:spTgt spid="221"/>
                                         </p:tgtEl>
                                         <p:attrNameLst>
                                           <p:attrName>style.visibility</p:attrName>
@@ -4168,7 +4452,7 @@
                                       <p:cBhvr>
                                         <p:cTn id="16" dur="800"/>
                                         <p:tgtEl>
-                                          <p:spTgt spid="215"/>
+                                          <p:spTgt spid="221"/>
                                         </p:tgtEl>
                                       </p:cBhvr>
                                     </p:animEffect>
@@ -4197,7 +4481,7 @@
                                       <p:cBhvr>
                                         <p:cTn id="19" fill="hold"/>
                                         <p:tgtEl>
-                                          <p:spTgt spid="228"/>
+                                          <p:spTgt spid="234"/>
                                         </p:tgtEl>
                                         <p:attrNameLst>
                                           <p:attrName>style.visibility</p:attrName>
@@ -4211,7 +4495,7 @@
                                       <p:cBhvr>
                                         <p:cTn id="20" dur="799"/>
                                         <p:tgtEl>
-                                          <p:spTgt spid="228"/>
+                                          <p:spTgt spid="234"/>
                                         </p:tgtEl>
                                       </p:cBhvr>
                                     </p:animEffect>
@@ -4249,7 +4533,7 @@
                                       <p:cBhvr>
                                         <p:cTn id="24" fill="hold"/>
                                         <p:tgtEl>
-                                          <p:spTgt spid="216"/>
+                                          <p:spTgt spid="222"/>
                                         </p:tgtEl>
                                         <p:attrNameLst>
                                           <p:attrName>style.visibility</p:attrName>
@@ -4263,7 +4547,7 @@
                                       <p:cBhvr>
                                         <p:cTn id="25" dur="800"/>
                                         <p:tgtEl>
-                                          <p:spTgt spid="216"/>
+                                          <p:spTgt spid="222"/>
                                         </p:tgtEl>
                                       </p:cBhvr>
                                     </p:animEffect>
@@ -4292,7 +4576,7 @@
                                       <p:cBhvr>
                                         <p:cTn id="28" fill="hold"/>
                                         <p:tgtEl>
-                                          <p:spTgt spid="229"/>
+                                          <p:spTgt spid="235"/>
                                         </p:tgtEl>
                                         <p:attrNameLst>
                                           <p:attrName>style.visibility</p:attrName>
@@ -4306,7 +4590,7 @@
                                       <p:cBhvr>
                                         <p:cTn id="29" dur="799"/>
                                         <p:tgtEl>
-                                          <p:spTgt spid="229"/>
+                                          <p:spTgt spid="235"/>
                                         </p:tgtEl>
                                       </p:cBhvr>
                                     </p:animEffect>
@@ -4344,7 +4628,7 @@
                                       <p:cBhvr>
                                         <p:cTn id="33" fill="hold"/>
                                         <p:tgtEl>
-                                          <p:spTgt spid="217"/>
+                                          <p:spTgt spid="223"/>
                                         </p:tgtEl>
                                         <p:attrNameLst>
                                           <p:attrName>style.visibility</p:attrName>
@@ -4358,7 +4642,7 @@
                                       <p:cBhvr>
                                         <p:cTn id="34" dur="800"/>
                                         <p:tgtEl>
-                                          <p:spTgt spid="217"/>
+                                          <p:spTgt spid="223"/>
                                         </p:tgtEl>
                                       </p:cBhvr>
                                     </p:animEffect>
@@ -4387,7 +4671,7 @@
                                       <p:cBhvr>
                                         <p:cTn id="37" fill="hold"/>
                                         <p:tgtEl>
-                                          <p:spTgt spid="227"/>
+                                          <p:spTgt spid="233"/>
                                         </p:tgtEl>
                                         <p:attrNameLst>
                                           <p:attrName>style.visibility</p:attrName>
@@ -4401,7 +4685,7 @@
                                       <p:cBhvr>
                                         <p:cTn id="38" dur="799"/>
                                         <p:tgtEl>
-                                          <p:spTgt spid="227"/>
+                                          <p:spTgt spid="233"/>
                                         </p:tgtEl>
                                       </p:cBhvr>
                                     </p:animEffect>
@@ -4439,7 +4723,7 @@
                                       <p:cBhvr>
                                         <p:cTn id="42" dur="1000" fill="hold"/>
                                         <p:tgtEl>
-                                          <p:spTgt spid="214"/>
+                                          <p:spTgt spid="220"/>
                                         </p:tgtEl>
                                         <p:attrNameLst>
                                           <p:attrName>ppt_w</p:attrName>
@@ -4462,7 +4746,7 @@
                                       <p:cBhvr>
                                         <p:cTn id="43" dur="1000" fill="hold"/>
                                         <p:tgtEl>
-                                          <p:spTgt spid="214"/>
+                                          <p:spTgt spid="220"/>
                                         </p:tgtEl>
                                         <p:attrNameLst>
                                           <p:attrName>ppt_h</p:attrName>
@@ -4489,7 +4773,7 @@
                                           </p:stCondLst>
                                         </p:cTn>
                                         <p:tgtEl>
-                                          <p:spTgt spid="214"/>
+                                          <p:spTgt spid="220"/>
                                         </p:tgtEl>
                                         <p:attrNameLst>
                                           <p:attrName>style.visibility</p:attrName>
@@ -4524,7 +4808,7 @@
                                       <p:cBhvr>
                                         <p:cTn id="47" dur="1000" fill="hold"/>
                                         <p:tgtEl>
-                                          <p:spTgt spid="229"/>
+                                          <p:spTgt spid="235"/>
                                         </p:tgtEl>
                                         <p:attrNameLst>
                                           <p:attrName>ppt_w</p:attrName>
@@ -4547,7 +4831,7 @@
                                       <p:cBhvr>
                                         <p:cTn id="48" dur="1000" fill="hold"/>
                                         <p:tgtEl>
-                                          <p:spTgt spid="229"/>
+                                          <p:spTgt spid="235"/>
                                         </p:tgtEl>
                                         <p:attrNameLst>
                                           <p:attrName>ppt_h</p:attrName>
@@ -4574,7 +4858,7 @@
                                           </p:stCondLst>
                                         </p:cTn>
                                         <p:tgtEl>
-                                          <p:spTgt spid="229"/>
+                                          <p:spTgt spid="235"/>
                                         </p:tgtEl>
                                         <p:attrNameLst>
                                           <p:attrName>style.visibility</p:attrName>
@@ -4609,7 +4893,7 @@
                                       <p:cBhvr>
                                         <p:cTn id="52" dur="1000" fill="hold"/>
                                         <p:tgtEl>
-                                          <p:spTgt spid="227"/>
+                                          <p:spTgt spid="233"/>
                                         </p:tgtEl>
                                         <p:attrNameLst>
                                           <p:attrName>ppt_w</p:attrName>
@@ -4632,7 +4916,7 @@
                                       <p:cBhvr>
                                         <p:cTn id="53" dur="1000" fill="hold"/>
                                         <p:tgtEl>
-                                          <p:spTgt spid="227"/>
+                                          <p:spTgt spid="233"/>
                                         </p:tgtEl>
                                         <p:attrNameLst>
                                           <p:attrName>ppt_h</p:attrName>
@@ -4659,7 +4943,7 @@
                                           </p:stCondLst>
                                         </p:cTn>
                                         <p:tgtEl>
-                                          <p:spTgt spid="227"/>
+                                          <p:spTgt spid="233"/>
                                         </p:tgtEl>
                                         <p:attrNameLst>
                                           <p:attrName>style.visibility</p:attrName>
@@ -4694,7 +4978,7 @@
                                       <p:cBhvr>
                                         <p:cTn id="57" dur="1000" fill="hold"/>
                                         <p:tgtEl>
-                                          <p:spTgt spid="228"/>
+                                          <p:spTgt spid="234"/>
                                         </p:tgtEl>
                                         <p:attrNameLst>
                                           <p:attrName>ppt_w</p:attrName>
@@ -4717,7 +5001,7 @@
                                       <p:cBhvr>
                                         <p:cTn id="58" dur="1000" fill="hold"/>
                                         <p:tgtEl>
-                                          <p:spTgt spid="228"/>
+                                          <p:spTgt spid="234"/>
                                         </p:tgtEl>
                                         <p:attrNameLst>
                                           <p:attrName>ppt_h</p:attrName>
@@ -4744,7 +5028,7 @@
                                           </p:stCondLst>
                                         </p:cTn>
                                         <p:tgtEl>
-                                          <p:spTgt spid="228"/>
+                                          <p:spTgt spid="234"/>
                                         </p:tgtEl>
                                         <p:attrNameLst>
                                           <p:attrName>style.visibility</p:attrName>
@@ -4779,7 +5063,7 @@
                                       <p:cBhvr>
                                         <p:cTn id="62" dur="1000" fill="hold"/>
                                         <p:tgtEl>
-                                          <p:spTgt spid="226"/>
+                                          <p:spTgt spid="232"/>
                                         </p:tgtEl>
                                         <p:attrNameLst>
                                           <p:attrName>ppt_w</p:attrName>
@@ -4802,7 +5086,7 @@
                                       <p:cBhvr>
                                         <p:cTn id="63" dur="1000" fill="hold"/>
                                         <p:tgtEl>
-                                          <p:spTgt spid="226"/>
+                                          <p:spTgt spid="232"/>
                                         </p:tgtEl>
                                         <p:attrNameLst>
                                           <p:attrName>ppt_h</p:attrName>
@@ -4829,7 +5113,7 @@
                                           </p:stCondLst>
                                         </p:cTn>
                                         <p:tgtEl>
-                                          <p:spTgt spid="226"/>
+                                          <p:spTgt spid="232"/>
                                         </p:tgtEl>
                                         <p:attrNameLst>
                                           <p:attrName>style.visibility</p:attrName>
@@ -4864,7 +5148,7 @@
                                       <p:cBhvr>
                                         <p:cTn id="67" dur="1000" fill="hold"/>
                                         <p:tgtEl>
-                                          <p:spTgt spid="215"/>
+                                          <p:spTgt spid="221"/>
                                         </p:tgtEl>
                                         <p:attrNameLst>
                                           <p:attrName>ppt_w</p:attrName>
@@ -4887,7 +5171,7 @@
                                       <p:cBhvr>
                                         <p:cTn id="68" dur="1000" fill="hold"/>
                                         <p:tgtEl>
-                                          <p:spTgt spid="215"/>
+                                          <p:spTgt spid="221"/>
                                         </p:tgtEl>
                                         <p:attrNameLst>
                                           <p:attrName>ppt_h</p:attrName>
@@ -4914,7 +5198,7 @@
                                           </p:stCondLst>
                                         </p:cTn>
                                         <p:tgtEl>
-                                          <p:spTgt spid="215"/>
+                                          <p:spTgt spid="221"/>
                                         </p:tgtEl>
                                         <p:attrNameLst>
                                           <p:attrName>style.visibility</p:attrName>
@@ -4949,7 +5233,7 @@
                                       <p:cBhvr>
                                         <p:cTn id="72" dur="1000" fill="hold"/>
                                         <p:tgtEl>
-                                          <p:spTgt spid="216"/>
+                                          <p:spTgt spid="222"/>
                                         </p:tgtEl>
                                         <p:attrNameLst>
                                           <p:attrName>ppt_w</p:attrName>
@@ -4972,7 +5256,7 @@
                                       <p:cBhvr>
                                         <p:cTn id="73" dur="1000" fill="hold"/>
                                         <p:tgtEl>
-                                          <p:spTgt spid="216"/>
+                                          <p:spTgt spid="222"/>
                                         </p:tgtEl>
                                         <p:attrNameLst>
                                           <p:attrName>ppt_h</p:attrName>
@@ -4999,7 +5283,7 @@
                                           </p:stCondLst>
                                         </p:cTn>
                                         <p:tgtEl>
-                                          <p:spTgt spid="216"/>
+                                          <p:spTgt spid="222"/>
                                         </p:tgtEl>
                                         <p:attrNameLst>
                                           <p:attrName>style.visibility</p:attrName>
@@ -5034,7 +5318,7 @@
                                       <p:cBhvr>
                                         <p:cTn id="77" dur="1000" fill="hold"/>
                                         <p:tgtEl>
-                                          <p:spTgt spid="217"/>
+                                          <p:spTgt spid="223"/>
                                         </p:tgtEl>
                                         <p:attrNameLst>
                                           <p:attrName>ppt_w</p:attrName>
@@ -5057,7 +5341,7 @@
                                       <p:cBhvr>
                                         <p:cTn id="78" dur="1000" fill="hold"/>
                                         <p:tgtEl>
-                                          <p:spTgt spid="217"/>
+                                          <p:spTgt spid="223"/>
                                         </p:tgtEl>
                                         <p:attrNameLst>
                                           <p:attrName>ppt_h</p:attrName>
@@ -5084,7 +5368,7 @@
                                           </p:stCondLst>
                                         </p:cTn>
                                         <p:tgtEl>
-                                          <p:spTgt spid="217"/>
+                                          <p:spTgt spid="223"/>
                                         </p:tgtEl>
                                         <p:attrNameLst>
                                           <p:attrName>style.visibility</p:attrName>
@@ -5119,7 +5403,7 @@
                                       <p:cBhvr>
                                         <p:cTn id="82" fill="hold"/>
                                         <p:tgtEl>
-                                          <p:spTgt spid="218"/>
+                                          <p:spTgt spid="224"/>
                                         </p:tgtEl>
                                         <p:attrNameLst>
                                           <p:attrName>style.visibility</p:attrName>
@@ -5133,7 +5417,50 @@
                                       <p:cBhvr>
                                         <p:cTn id="83" dur="500"/>
                                         <p:tgtEl>
-                                          <p:spTgt spid="218"/>
+                                          <p:spTgt spid="224"/>
+                                        </p:tgtEl>
+                                      </p:cBhvr>
+                                    </p:animEffect>
+                                  </p:childTnLst>
+                                </p:cTn>
+                              </p:par>
+                            </p:childTnLst>
+                          </p:cTn>
+                        </p:par>
+                        <p:par>
+                          <p:cTn id="84" fill="hold">
+                            <p:stCondLst>
+                              <p:cond delay="8500"/>
+                            </p:stCondLst>
+                            <p:childTnLst>
+                              <p:par>
+                                <p:cTn id="85" presetClass="entr" nodeType="afterEffect" presetID="9" grpId="18" fill="hold">
+                                  <p:stCondLst>
+                                    <p:cond delay="0"/>
+                                  </p:stCondLst>
+                                  <p:iterate type="el" backwards="0">
+                                    <p:tmAbs val="0"/>
+                                  </p:iterate>
+                                  <p:childTnLst>
+                                    <p:set>
+                                      <p:cBhvr>
+                                        <p:cTn id="86" fill="hold"/>
+                                        <p:tgtEl>
+                                          <p:spTgt spid="238"/>
+                                        </p:tgtEl>
+                                        <p:attrNameLst>
+                                          <p:attrName>style.visibility</p:attrName>
+                                        </p:attrNameLst>
+                                      </p:cBhvr>
+                                      <p:to>
+                                        <p:strVal val="visible"/>
+                                      </p:to>
+                                    </p:set>
+                                    <p:animEffect filter="dissolve" transition="in">
+                                      <p:cBhvr>
+                                        <p:cTn id="87" dur="499"/>
+                                        <p:tgtEl>
+                                          <p:spTgt spid="238"/>
                                         </p:tgtEl>
                                       </p:cBhvr>
                                     </p:animEffect>
@@ -5147,19 +5474,19 @@
                     </p:cTn>
                   </p:par>
                   <p:par>
-                    <p:cTn id="84" fill="hold">
+                    <p:cTn id="88" fill="hold">
                       <p:stCondLst>
                         <p:cond delay="indefinite"/>
                       </p:stCondLst>
                       <p:childTnLst>
                         <p:par>
-                          <p:cTn id="85" fill="hold">
+                          <p:cTn id="89" fill="hold">
                             <p:stCondLst>
                               <p:cond delay="0"/>
                             </p:stCondLst>
                             <p:childTnLst>
                               <p:par>
-                                <p:cTn id="86" presetClass="entr" nodeType="clickEffect" presetID="9" grpId="18" fill="hold">
+                                <p:cTn id="90" presetClass="entr" nodeType="clickEffect" presetID="9" grpId="19" fill="hold">
                                   <p:stCondLst>
                                     <p:cond delay="0"/>
                                   </p:stCondLst>
@@ -5169,9 +5496,9 @@
                                   <p:childTnLst>
                                     <p:set>
                                       <p:cBhvr>
-                                        <p:cTn id="87" fill="hold"/>
-                                        <p:tgtEl>
-                                          <p:spTgt spid="219"/>
+                                        <p:cTn id="91" fill="hold"/>
+                                        <p:tgtEl>
+                                          <p:spTgt spid="225"/>
                                         </p:tgtEl>
                                         <p:attrNameLst>
                                           <p:attrName>style.visibility</p:attrName>
@@ -5183,9 +5510,52 @@
                                     </p:set>
                                     <p:animEffect filter="dissolve" transition="in">
                                       <p:cBhvr>
-                                        <p:cTn id="88" dur="800"/>
-                                        <p:tgtEl>
-                                          <p:spTgt spid="219"/>
+                                        <p:cTn id="92" dur="800"/>
+                                        <p:tgtEl>
+                                          <p:spTgt spid="225"/>
+                                        </p:tgtEl>
+                                      </p:cBhvr>
+                                    </p:animEffect>
+                                  </p:childTnLst>
+                                </p:cTn>
+                              </p:par>
+                            </p:childTnLst>
+                          </p:cTn>
+                        </p:par>
+                        <p:par>
+                          <p:cTn id="93" fill="hold">
+                            <p:stCondLst>
+                              <p:cond delay="800"/>
+                            </p:stCondLst>
+                            <p:childTnLst>
+                              <p:par>
+                                <p:cTn id="94" presetClass="entr" nodeType="afterEffect" presetID="9" grpId="20" fill="hold">
+                                  <p:stCondLst>
+                                    <p:cond delay="0"/>
+                                  </p:stCondLst>
+                                  <p:iterate type="el" backwards="0">
+                                    <p:tmAbs val="0"/>
+                                  </p:iterate>
+                                  <p:childTnLst>
+                                    <p:set>
+                                      <p:cBhvr>
+                                        <p:cTn id="95" fill="hold"/>
+                                        <p:tgtEl>
+                                          <p:spTgt spid="237"/>
+                                        </p:tgtEl>
+                                        <p:attrNameLst>
+                                          <p:attrName>style.visibility</p:attrName>
+                                        </p:attrNameLst>
+                                      </p:cBhvr>
+                                      <p:to>
+                                        <p:strVal val="visible"/>
+                                      </p:to>
+                                    </p:set>
+                                    <p:animEffect filter="dissolve" transition="in">
+                                      <p:cBhvr>
+                                        <p:cTn id="96" dur="499"/>
+                                        <p:tgtEl>
+                                          <p:spTgt spid="237"/>
                                         </p:tgtEl>
                                       </p:cBhvr>
                                     </p:animEffect>
@@ -5199,19 +5569,19 @@
                     </p:cTn>
                   </p:par>
                   <p:par>
-                    <p:cTn id="89" fill="hold">
+                    <p:cTn id="97" fill="hold">
                       <p:stCondLst>
                         <p:cond delay="indefinite"/>
                       </p:stCondLst>
                       <p:childTnLst>
                         <p:par>
-                          <p:cTn id="90" fill="hold">
+                          <p:cTn id="98" fill="hold">
                             <p:stCondLst>
                               <p:cond delay="0"/>
                             </p:stCondLst>
                             <p:childTnLst>
                               <p:par>
-                                <p:cTn id="91" presetClass="entr" nodeType="clickEffect" presetID="9" grpId="19" fill="hold">
+                                <p:cTn id="99" presetClass="entr" nodeType="clickEffect" presetID="9" grpId="21" fill="hold">
                                   <p:stCondLst>
                                     <p:cond delay="0"/>
                                   </p:stCondLst>
@@ -5221,9 +5591,9 @@
                                   <p:childTnLst>
                                     <p:set>
                                       <p:cBhvr>
-                                        <p:cTn id="92" fill="hold"/>
-                                        <p:tgtEl>
-                                          <p:spTgt spid="220"/>
+                                        <p:cTn id="100" fill="hold"/>
+                                        <p:tgtEl>
+                                          <p:spTgt spid="226"/>
                                         </p:tgtEl>
                                         <p:attrNameLst>
                                           <p:attrName>style.visibility</p:attrName>
@@ -5235,9 +5605,52 @@
                                     </p:set>
                                     <p:animEffect filter="dissolve" transition="in">
                                       <p:cBhvr>
-                                        <p:cTn id="93" dur="800"/>
-                                        <p:tgtEl>
-                                          <p:spTgt spid="220"/>
+                                        <p:cTn id="101" dur="800"/>
+                                        <p:tgtEl>
+                                          <p:spTgt spid="226"/>
+                                        </p:tgtEl>
+                                      </p:cBhvr>
+                                    </p:animEffect>
+                                  </p:childTnLst>
+                                </p:cTn>
+                              </p:par>
+                            </p:childTnLst>
+                          </p:cTn>
+                        </p:par>
+                        <p:par>
+                          <p:cTn id="102" fill="hold">
+                            <p:stCondLst>
+                              <p:cond delay="800"/>
+                            </p:stCondLst>
+                            <p:childTnLst>
+                              <p:par>
+                                <p:cTn id="103" presetClass="entr" nodeType="afterEffect" presetID="9" grpId="22" fill="hold">
+                                  <p:stCondLst>
+                                    <p:cond delay="0"/>
+                                  </p:stCondLst>
+                                  <p:iterate type="el" backwards="0">
+                                    <p:tmAbs val="0"/>
+                                  </p:iterate>
+                                  <p:childTnLst>
+                                    <p:set>
+                                      <p:cBhvr>
+                                        <p:cTn id="104" fill="hold"/>
+                                        <p:tgtEl>
+                                          <p:spTgt spid="239"/>
+                                        </p:tgtEl>
+                                        <p:attrNameLst>
+                                          <p:attrName>style.visibility</p:attrName>
+                                        </p:attrNameLst>
+                                      </p:cBhvr>
+                                      <p:to>
+                                        <p:strVal val="visible"/>
+                                      </p:to>
+                                    </p:set>
+                                    <p:animEffect filter="dissolve" transition="in">
+                                      <p:cBhvr>
+                                        <p:cTn id="105" dur="499"/>
+                                        <p:tgtEl>
+                                          <p:spTgt spid="239"/>
                                         </p:tgtEl>
                                       </p:cBhvr>
                                     </p:animEffect>
@@ -5251,19 +5664,19 @@
                     </p:cTn>
                   </p:par>
                   <p:par>
-                    <p:cTn id="94" fill="hold">
+                    <p:cTn id="106" fill="hold">
                       <p:stCondLst>
                         <p:cond delay="indefinite"/>
                       </p:stCondLst>
                       <p:childTnLst>
                         <p:par>
-                          <p:cTn id="95" fill="hold">
+                          <p:cTn id="107" fill="hold">
                             <p:stCondLst>
                               <p:cond delay="0"/>
                             </p:stCondLst>
                             <p:childTnLst>
                               <p:par>
-                                <p:cTn id="96" presetClass="entr" nodeType="clickEffect" presetID="9" grpId="20" fill="hold">
+                                <p:cTn id="108" presetClass="entr" nodeType="clickEffect" presetID="9" grpId="23" fill="hold">
                                   <p:stCondLst>
                                     <p:cond delay="0"/>
                                   </p:stCondLst>
@@ -5273,9 +5686,9 @@
                                   <p:childTnLst>
                                     <p:set>
                                       <p:cBhvr>
-                                        <p:cTn id="97" fill="hold"/>
-                                        <p:tgtEl>
-                                          <p:spTgt spid="225"/>
+                                        <p:cTn id="109" fill="hold"/>
+                                        <p:tgtEl>
+                                          <p:spTgt spid="231"/>
                                         </p:tgtEl>
                                         <p:attrNameLst>
                                           <p:attrName>style.visibility</p:attrName>
@@ -5287,9 +5700,52 @@
                                     </p:set>
                                     <p:animEffect filter="dissolve" transition="in">
                                       <p:cBhvr>
-                                        <p:cTn id="98" dur="800"/>
-                                        <p:tgtEl>
-                                          <p:spTgt spid="225"/>
+                                        <p:cTn id="110" dur="800"/>
+                                        <p:tgtEl>
+                                          <p:spTgt spid="231"/>
+                                        </p:tgtEl>
+                                      </p:cBhvr>
+                                    </p:animEffect>
+                                  </p:childTnLst>
+                                </p:cTn>
+                              </p:par>
+                            </p:childTnLst>
+                          </p:cTn>
+                        </p:par>
+                        <p:par>
+                          <p:cTn id="111" fill="hold">
+                            <p:stCondLst>
+                              <p:cond delay="800"/>
+                            </p:stCondLst>
+                            <p:childTnLst>
+                              <p:par>
+                                <p:cTn id="112" presetClass="entr" nodeType="afterEffect" presetID="9" grpId="24" fill="hold">
+                                  <p:stCondLst>
+                                    <p:cond delay="0"/>
+                                  </p:stCondLst>
+                                  <p:iterate type="el" backwards="0">
+                                    <p:tmAbs val="0"/>
+                                  </p:iterate>
+                                  <p:childTnLst>
+                                    <p:set>
+                                      <p:cBhvr>
+                                        <p:cTn id="113" fill="hold"/>
+                                        <p:tgtEl>
+                                          <p:spTgt spid="240"/>
+                                        </p:tgtEl>
+                                        <p:attrNameLst>
+                                          <p:attrName>style.visibility</p:attrName>
+                                        </p:attrNameLst>
+                                      </p:cBhvr>
+                                      <p:to>
+                                        <p:strVal val="visible"/>
+                                      </p:to>
+                                    </p:set>
+                                    <p:animEffect filter="dissolve" transition="in">
+                                      <p:cBhvr>
+                                        <p:cTn id="114" dur="499"/>
+                                        <p:tgtEl>
+                                          <p:spTgt spid="240"/>
                                         </p:tgtEl>
                                       </p:cBhvr>
                                     </p:animEffect>
@@ -5303,19 +5759,19 @@
                     </p:cTn>
                   </p:par>
                   <p:par>
-                    <p:cTn id="99" fill="hold">
+                    <p:cTn id="115" fill="hold">
                       <p:stCondLst>
                         <p:cond delay="indefinite"/>
                       </p:stCondLst>
                       <p:childTnLst>
                         <p:par>
-                          <p:cTn id="100" fill="hold">
+                          <p:cTn id="116" fill="hold">
                             <p:stCondLst>
                               <p:cond delay="0"/>
                             </p:stCondLst>
                             <p:childTnLst>
                               <p:par>
-                                <p:cTn id="101" presetClass="exit" nodeType="clickEffect" presetSubtype="32" presetID="23" grpId="21" fill="hold">
+                                <p:cTn id="117" presetClass="exit" nodeType="clickEffect" presetSubtype="32" presetID="23" grpId="25" fill="hold">
                                   <p:stCondLst>
                                     <p:cond delay="0"/>
                                   </p:stCondLst>
@@ -5325,9 +5781,9 @@
                                   <p:childTnLst>
                                     <p:anim calcmode="lin" valueType="num">
                                       <p:cBhvr>
-                                        <p:cTn id="102" dur="1000" fill="hold"/>
-                                        <p:tgtEl>
-                                          <p:spTgt spid="218"/>
+                                        <p:cTn id="118" dur="1000" fill="hold"/>
+                                        <p:tgtEl>
+                                          <p:spTgt spid="224"/>
                                         </p:tgtEl>
                                         <p:attrNameLst>
                                           <p:attrName>ppt_w</p:attrName>
@@ -5348,9 +5804,9 @@
                                     </p:anim>
                                     <p:anim calcmode="lin" valueType="num">
                                       <p:cBhvr>
-                                        <p:cTn id="103" dur="1000" fill="hold"/>
-                                        <p:tgtEl>
-                                          <p:spTgt spid="218"/>
+                                        <p:cTn id="119" dur="1000" fill="hold"/>
+                                        <p:tgtEl>
+                                          <p:spTgt spid="224"/>
                                         </p:tgtEl>
                                         <p:attrNameLst>
                                           <p:attrName>ppt_h</p:attrName>
@@ -5371,13 +5827,13 @@
                                     </p:anim>
                                     <p:set>
                                       <p:cBhvr>
-                                        <p:cTn id="104" fill="hold">
+                                        <p:cTn id="120" fill="hold">
                                           <p:stCondLst>
                                             <p:cond delay="999"/>
                                           </p:stCondLst>
                                         </p:cTn>
                                         <p:tgtEl>
-                                          <p:spTgt spid="218"/>
+                                          <p:spTgt spid="224"/>
                                         </p:tgtEl>
                                         <p:attrNameLst>
                                           <p:attrName>style.visibility</p:attrName>
@@ -5394,13 +5850,13 @@
                           </p:cTn>
                         </p:par>
                         <p:par>
-                          <p:cTn id="105" fill="hold">
+                          <p:cTn id="121" fill="hold">
                             <p:stCondLst>
                               <p:cond delay="1000"/>
                             </p:stCondLst>
                             <p:childTnLst>
                               <p:par>
-                                <p:cTn id="106" presetClass="exit" nodeType="afterEffect" presetSubtype="32" presetID="23" grpId="22" fill="hold">
+                                <p:cTn id="122" presetClass="exit" nodeType="afterEffect" presetSubtype="32" presetID="23" grpId="26" fill="hold">
                                   <p:stCondLst>
                                     <p:cond delay="0"/>
                                   </p:stCondLst>
@@ -5410,9 +5866,9 @@
                                   <p:childTnLst>
                                     <p:anim calcmode="lin" valueType="num">
                                       <p:cBhvr>
-                                        <p:cTn id="107" dur="1000" fill="hold"/>
-                                        <p:tgtEl>
-                                          <p:spTgt spid="219"/>
+                                        <p:cTn id="123" dur="1000" fill="hold"/>
+                                        <p:tgtEl>
+                                          <p:spTgt spid="225"/>
                                         </p:tgtEl>
                                         <p:attrNameLst>
                                           <p:attrName>ppt_w</p:attrName>
@@ -5433,9 +5889,9 @@
                                     </p:anim>
                                     <p:anim calcmode="lin" valueType="num">
                                       <p:cBhvr>
-                                        <p:cTn id="108" dur="1000" fill="hold"/>
-                                        <p:tgtEl>
-                                          <p:spTgt spid="219"/>
+                                        <p:cTn id="124" dur="1000" fill="hold"/>
+                                        <p:tgtEl>
+                                          <p:spTgt spid="225"/>
                                         </p:tgtEl>
                                         <p:attrNameLst>
                                           <p:attrName>ppt_h</p:attrName>
@@ -5456,13 +5912,13 @@
                                     </p:anim>
                                     <p:set>
                                       <p:cBhvr>
-                                        <p:cTn id="109" fill="hold">
+                                        <p:cTn id="125" fill="hold">
                                           <p:stCondLst>
                                             <p:cond delay="999"/>
                                           </p:stCondLst>
                                         </p:cTn>
                                         <p:tgtEl>
-                                          <p:spTgt spid="219"/>
+                                          <p:spTgt spid="225"/>
                                         </p:tgtEl>
                                         <p:attrNameLst>
                                           <p:attrName>style.visibility</p:attrName>
@@ -5479,13 +5935,13 @@
                           </p:cTn>
                         </p:par>
                         <p:par>
-                          <p:cTn id="110" fill="hold">
+                          <p:cTn id="126" fill="hold">
                             <p:stCondLst>
                               <p:cond delay="2000"/>
                             </p:stCondLst>
                             <p:childTnLst>
                               <p:par>
-                                <p:cTn id="111" presetClass="exit" nodeType="afterEffect" presetSubtype="32" presetID="23" grpId="23" fill="hold">
+                                <p:cTn id="127" presetClass="exit" nodeType="afterEffect" presetSubtype="32" presetID="23" grpId="27" fill="hold">
                                   <p:stCondLst>
                                     <p:cond delay="0"/>
                                   </p:stCondLst>
@@ -5495,9 +5951,9 @@
                                   <p:childTnLst>
                                     <p:anim calcmode="lin" valueType="num">
                                       <p:cBhvr>
-                                        <p:cTn id="112" dur="1000" fill="hold"/>
-                                        <p:tgtEl>
-                                          <p:spTgt spid="220"/>
+                                        <p:cTn id="128" dur="1000" fill="hold"/>
+                                        <p:tgtEl>
+                                          <p:spTgt spid="226"/>
                                         </p:tgtEl>
                                         <p:attrNameLst>
                                           <p:attrName>ppt_w</p:attrName>
@@ -5518,9 +5974,9 @@
                                     </p:anim>
                                     <p:anim calcmode="lin" valueType="num">
                                       <p:cBhvr>
-                                        <p:cTn id="113" dur="1000" fill="hold"/>
-                                        <p:tgtEl>
-                                          <p:spTgt spid="220"/>
+                                        <p:cTn id="129" dur="1000" fill="hold"/>
+                                        <p:tgtEl>
+                                          <p:spTgt spid="226"/>
                                         </p:tgtEl>
                                         <p:attrNameLst>
                                           <p:attrName>ppt_h</p:attrName>
@@ -5541,13 +5997,13 @@
                                     </p:anim>
                                     <p:set>
                                       <p:cBhvr>
-                                        <p:cTn id="114" fill="hold">
+                                        <p:cTn id="130" fill="hold">
                                           <p:stCondLst>
                                             <p:cond delay="999"/>
                                           </p:stCondLst>
                                         </p:cTn>
                                         <p:tgtEl>
-                                          <p:spTgt spid="220"/>
+                                          <p:spTgt spid="226"/>
                                         </p:tgtEl>
                                         <p:attrNameLst>
                                           <p:attrName>style.visibility</p:attrName>
@@ -5564,13 +6020,13 @@
                           </p:cTn>
                         </p:par>
                         <p:par>
-                          <p:cTn id="115" fill="hold">
+                          <p:cTn id="131" fill="hold">
                             <p:stCondLst>
                               <p:cond delay="3000"/>
                             </p:stCondLst>
                             <p:childTnLst>
                               <p:par>
-                                <p:cTn id="116" presetClass="exit" nodeType="afterEffect" presetSubtype="32" presetID="23" grpId="24" fill="hold">
+                                <p:cTn id="132" presetClass="exit" nodeType="afterEffect" presetSubtype="32" presetID="23" grpId="28" fill="hold">
                                   <p:stCondLst>
                                     <p:cond delay="0"/>
                                   </p:stCondLst>
@@ -5580,9 +6036,9 @@
                                   <p:childTnLst>
                                     <p:anim calcmode="lin" valueType="num">
                                       <p:cBhvr>
-                                        <p:cTn id="117" dur="1000" fill="hold"/>
-                                        <p:tgtEl>
-                                          <p:spTgt spid="225"/>
+                                        <p:cTn id="133" dur="1000" fill="hold"/>
+                                        <p:tgtEl>
+                                          <p:spTgt spid="231"/>
                                         </p:tgtEl>
                                         <p:attrNameLst>
                                           <p:attrName>ppt_w</p:attrName>
@@ -5603,9 +6059,9 @@
                                     </p:anim>
                                     <p:anim calcmode="lin" valueType="num">
                                       <p:cBhvr>
-                                        <p:cTn id="118" dur="1000" fill="hold"/>
-                                        <p:tgtEl>
-                                          <p:spTgt spid="225"/>
+                                        <p:cTn id="134" dur="1000" fill="hold"/>
+                                        <p:tgtEl>
+                                          <p:spTgt spid="231"/>
                                         </p:tgtEl>
                                         <p:attrNameLst>
                                           <p:attrName>ppt_h</p:attrName>
@@ -5626,13 +6082,13 @@
                                     </p:anim>
                                     <p:set>
                                       <p:cBhvr>
-                                        <p:cTn id="119" fill="hold">
+                                        <p:cTn id="135" fill="hold">
                                           <p:stCondLst>
                                             <p:cond delay="999"/>
                                           </p:stCondLst>
                                         </p:cTn>
                                         <p:tgtEl>
-                                          <p:spTgt spid="225"/>
+                                          <p:spTgt spid="231"/>
                                         </p:tgtEl>
                                         <p:attrNameLst>
                                           <p:attrName>style.visibility</p:attrName>
@@ -5649,221 +6105,13 @@
                           </p:cTn>
                         </p:par>
                         <p:par>
-                          <p:cTn id="120" fill="hold">
+                          <p:cTn id="136" fill="hold">
                             <p:stCondLst>
                               <p:cond delay="4000"/>
                             </p:stCondLst>
                             <p:childTnLst>
                               <p:par>
-                                <p:cTn id="121" presetClass="entr" nodeType="afterEffect" presetID="9" grpId="25" fill="hold">
-                                  <p:stCondLst>
-                                    <p:cond delay="0"/>
-                                  </p:stCondLst>
-                                  <p:iterate type="el" backwards="0">
-                                    <p:tmAbs val="0"/>
-                                  </p:iterate>
-                                  <p:childTnLst>
-                                    <p:set>
-                                      <p:cBhvr>
-                                        <p:cTn id="122" fill="hold"/>
-                                        <p:tgtEl>
-                                          <p:spTgt spid="221"/>
-                                        </p:tgtEl>
-                                        <p:attrNameLst>
-                                          <p:attrName>style.visibility</p:attrName>
-                                        </p:attrNameLst>
-                                      </p:cBhvr>
-                                      <p:to>
-                                        <p:strVal val="visible"/>
-                                      </p:to>
-                                    </p:set>
-                                    <p:animEffect filter="dissolve" transition="in">
-                                      <p:cBhvr>
-                                        <p:cTn id="123" dur="500"/>
-                                        <p:tgtEl>
-                                          <p:spTgt spid="221"/>
-                                        </p:tgtEl>
-                                      </p:cBhvr>
-                                    </p:animEffect>
-                                  </p:childTnLst>
-                                </p:cTn>
-                              </p:par>
-                            </p:childTnLst>
-                          </p:cTn>
-                        </p:par>
-                      </p:childTnLst>
-                    </p:cTn>
-                  </p:par>
-                  <p:par>
-                    <p:cTn id="124" fill="hold">
-                      <p:stCondLst>
-                        <p:cond delay="indefinite"/>
-                      </p:stCondLst>
-                      <p:childTnLst>
-                        <p:par>
-                          <p:cTn id="125" fill="hold">
-                            <p:stCondLst>
-                              <p:cond delay="0"/>
-                            </p:stCondLst>
-                            <p:childTnLst>
-                              <p:par>
-                                <p:cTn id="126" presetClass="entr" nodeType="clickEffect" presetID="9" grpId="26" fill="hold">
-                                  <p:stCondLst>
-                                    <p:cond delay="0"/>
-                                  </p:stCondLst>
-                                  <p:iterate type="el" backwards="0">
-                                    <p:tmAbs val="0"/>
-                                  </p:iterate>
-                                  <p:childTnLst>
-                                    <p:set>
-                                      <p:cBhvr>
-                                        <p:cTn id="127" fill="hold"/>
-                                        <p:tgtEl>
-                                          <p:spTgt spid="222"/>
-                                        </p:tgtEl>
-                                        <p:attrNameLst>
-                                          <p:attrName>style.visibility</p:attrName>
-                                        </p:attrNameLst>
-                                      </p:cBhvr>
-                                      <p:to>
-                                        <p:strVal val="visible"/>
-                                      </p:to>
-                                    </p:set>
-                                    <p:animEffect filter="dissolve" transition="in">
-                                      <p:cBhvr>
-                                        <p:cTn id="128" dur="800"/>
-                                        <p:tgtEl>
-                                          <p:spTgt spid="222"/>
-                                        </p:tgtEl>
-                                      </p:cBhvr>
-                                    </p:animEffect>
-                                  </p:childTnLst>
-                                </p:cTn>
-                              </p:par>
-                            </p:childTnLst>
-                          </p:cTn>
-                        </p:par>
-                      </p:childTnLst>
-                    </p:cTn>
-                  </p:par>
-                  <p:par>
-                    <p:cTn id="129" fill="hold">
-                      <p:stCondLst>
-                        <p:cond delay="indefinite"/>
-                      </p:stCondLst>
-                      <p:childTnLst>
-                        <p:par>
-                          <p:cTn id="130" fill="hold">
-                            <p:stCondLst>
-                              <p:cond delay="0"/>
-                            </p:stCondLst>
-                            <p:childTnLst>
-                              <p:par>
-                                <p:cTn id="131" presetClass="entr" nodeType="clickEffect" presetID="9" grpId="27" fill="hold">
-                                  <p:stCondLst>
-                                    <p:cond delay="0"/>
-                                  </p:stCondLst>
-                                  <p:iterate type="el" backwards="0">
-                                    <p:tmAbs val="0"/>
-                                  </p:iterate>
-                                  <p:childTnLst>
-                                    <p:set>
-                                      <p:cBhvr>
-                                        <p:cTn id="132" fill="hold"/>
-                                        <p:tgtEl>
-                                          <p:spTgt spid="223"/>
-                                        </p:tgtEl>
-                                        <p:attrNameLst>
-                                          <p:attrName>style.visibility</p:attrName>
-                                        </p:attrNameLst>
-                                      </p:cBhvr>
-                                      <p:to>
-                                        <p:strVal val="visible"/>
-                                      </p:to>
-                                    </p:set>
-                                    <p:animEffect filter="dissolve" transition="in">
-                                      <p:cBhvr>
-                                        <p:cTn id="133" dur="800"/>
-                                        <p:tgtEl>
-                                          <p:spTgt spid="223"/>
-                                        </p:tgtEl>
-                                      </p:cBhvr>
-                                    </p:animEffect>
-                                  </p:childTnLst>
-                                </p:cTn>
-                              </p:par>
-                            </p:childTnLst>
-                          </p:cTn>
-                        </p:par>
-                      </p:childTnLst>
-                    </p:cTn>
-                  </p:par>
-                  <p:par>
-                    <p:cTn id="134" fill="hold">
-                      <p:stCondLst>
-                        <p:cond delay="indefinite"/>
-                      </p:stCondLst>
-                      <p:childTnLst>
-                        <p:par>
-                          <p:cTn id="135" fill="hold">
-                            <p:stCondLst>
-                              <p:cond delay="0"/>
-                            </p:stCondLst>
-                            <p:childTnLst>
-                              <p:par>
-                                <p:cTn id="136" presetClass="entr" nodeType="clickEffect" presetID="9" grpId="28" fill="hold">
-                                  <p:stCondLst>
-                                    <p:cond delay="0"/>
-                                  </p:stCondLst>
-                                  <p:iterate type="el" backwards="0">
-                                    <p:tmAbs val="0"/>
-                                  </p:iterate>
-                                  <p:childTnLst>
-                                    <p:set>
-                                      <p:cBhvr>
-                                        <p:cTn id="137" fill="hold"/>
-                                        <p:tgtEl>
-                                          <p:spTgt spid="224"/>
-                                        </p:tgtEl>
-                                        <p:attrNameLst>
-                                          <p:attrName>style.visibility</p:attrName>
-                                        </p:attrNameLst>
-                                      </p:cBhvr>
-                                      <p:to>
-                                        <p:strVal val="visible"/>
-                                      </p:to>
-                                    </p:set>
-                                    <p:animEffect filter="dissolve" transition="in">
-                                      <p:cBhvr>
-                                        <p:cTn id="138" dur="800"/>
-                                        <p:tgtEl>
-                                          <p:spTgt spid="224"/>
-                                        </p:tgtEl>
-                                      </p:cBhvr>
-                                    </p:animEffect>
-                                  </p:childTnLst>
-                                </p:cTn>
-                              </p:par>
-                            </p:childTnLst>
-                          </p:cTn>
-                        </p:par>
-                      </p:childTnLst>
-                    </p:cTn>
-                  </p:par>
-                  <p:par>
-                    <p:cTn id="139" fill="hold">
-                      <p:stCondLst>
-                        <p:cond delay="indefinite"/>
-                      </p:stCondLst>
-                      <p:childTnLst>
-                        <p:par>
-                          <p:cTn id="140" fill="hold">
-                            <p:stCondLst>
-                              <p:cond delay="0"/>
-                            </p:stCondLst>
-                            <p:childTnLst>
-                              <p:par>
-                                <p:cTn id="141" presetClass="exit" nodeType="clickEffect" presetSubtype="32" presetID="23" grpId="29" fill="hold">
+                                <p:cTn id="137" presetClass="exit" nodeType="afterEffect" presetSubtype="32" presetID="23" grpId="29" fill="hold">
                                   <p:stCondLst>
                                     <p:cond delay="0"/>
                                   </p:stCondLst>
@@ -5873,9 +6121,9 @@
                                   <p:childTnLst>
                                     <p:anim calcmode="lin" valueType="num">
                                       <p:cBhvr>
-                                        <p:cTn id="142" dur="1000" fill="hold"/>
-                                        <p:tgtEl>
-                                          <p:spTgt spid="221"/>
+                                        <p:cTn id="138" dur="1000" fill="hold"/>
+                                        <p:tgtEl>
+                                          <p:spTgt spid="238"/>
                                         </p:tgtEl>
                                         <p:attrNameLst>
                                           <p:attrName>ppt_w</p:attrName>
@@ -5896,9 +6144,9 @@
                                     </p:anim>
                                     <p:anim calcmode="lin" valueType="num">
                                       <p:cBhvr>
-                                        <p:cTn id="143" dur="1000" fill="hold"/>
-                                        <p:tgtEl>
-                                          <p:spTgt spid="221"/>
+                                        <p:cTn id="139" dur="1000" fill="hold"/>
+                                        <p:tgtEl>
+                                          <p:spTgt spid="238"/>
                                         </p:tgtEl>
                                         <p:attrNameLst>
                                           <p:attrName>ppt_h</p:attrName>
@@ -5919,13 +6167,13 @@
                                     </p:anim>
                                     <p:set>
                                       <p:cBhvr>
-                                        <p:cTn id="144" fill="hold">
+                                        <p:cTn id="140" fill="hold">
                                           <p:stCondLst>
                                             <p:cond delay="999"/>
                                           </p:stCondLst>
                                         </p:cTn>
                                         <p:tgtEl>
-                                          <p:spTgt spid="221"/>
+                                          <p:spTgt spid="238"/>
                                         </p:tgtEl>
                                         <p:attrNameLst>
                                           <p:attrName>style.visibility</p:attrName>
@@ -5942,13 +6190,13 @@
                           </p:cTn>
                         </p:par>
                         <p:par>
-                          <p:cTn id="145" fill="hold">
+                          <p:cTn id="141" fill="hold">
                             <p:stCondLst>
-                              <p:cond delay="1000"/>
+                              <p:cond delay="5000"/>
                             </p:stCondLst>
                             <p:childTnLst>
                               <p:par>
-                                <p:cTn id="146" presetClass="exit" nodeType="afterEffect" presetSubtype="32" presetID="23" grpId="30" fill="hold">
+                                <p:cTn id="142" presetClass="exit" nodeType="afterEffect" presetSubtype="32" presetID="23" grpId="30" fill="hold">
                                   <p:stCondLst>
                                     <p:cond delay="0"/>
                                   </p:stCondLst>
@@ -5958,9 +6206,9 @@
                                   <p:childTnLst>
                                     <p:anim calcmode="lin" valueType="num">
                                       <p:cBhvr>
-                                        <p:cTn id="147" dur="1000" fill="hold"/>
-                                        <p:tgtEl>
-                                          <p:spTgt spid="222"/>
+                                        <p:cTn id="143" dur="1000" fill="hold"/>
+                                        <p:tgtEl>
+                                          <p:spTgt spid="237"/>
                                         </p:tgtEl>
                                         <p:attrNameLst>
                                           <p:attrName>ppt_w</p:attrName>
@@ -5981,9 +6229,9 @@
                                     </p:anim>
                                     <p:anim calcmode="lin" valueType="num">
                                       <p:cBhvr>
-                                        <p:cTn id="148" dur="1000" fill="hold"/>
-                                        <p:tgtEl>
-                                          <p:spTgt spid="222"/>
+                                        <p:cTn id="144" dur="1000" fill="hold"/>
+                                        <p:tgtEl>
+                                          <p:spTgt spid="237"/>
                                         </p:tgtEl>
                                         <p:attrNameLst>
                                           <p:attrName>ppt_h</p:attrName>
@@ -6004,13 +6252,13 @@
                                     </p:anim>
                                     <p:set>
                                       <p:cBhvr>
-                                        <p:cTn id="149" fill="hold">
+                                        <p:cTn id="145" fill="hold">
                                           <p:stCondLst>
                                             <p:cond delay="999"/>
                                           </p:stCondLst>
                                         </p:cTn>
                                         <p:tgtEl>
-                                          <p:spTgt spid="222"/>
+                                          <p:spTgt spid="237"/>
                                         </p:tgtEl>
                                         <p:attrNameLst>
                                           <p:attrName>style.visibility</p:attrName>
@@ -6027,13 +6275,13 @@
                           </p:cTn>
                         </p:par>
                         <p:par>
-                          <p:cTn id="150" fill="hold">
+                          <p:cTn id="146" fill="hold">
                             <p:stCondLst>
-                              <p:cond delay="2000"/>
+                              <p:cond delay="6000"/>
                             </p:stCondLst>
                             <p:childTnLst>
                               <p:par>
-                                <p:cTn id="151" presetClass="exit" nodeType="afterEffect" presetSubtype="32" presetID="23" grpId="31" fill="hold">
+                                <p:cTn id="147" presetClass="exit" nodeType="afterEffect" presetSubtype="32" presetID="23" grpId="31" fill="hold">
                                   <p:stCondLst>
                                     <p:cond delay="0"/>
                                   </p:stCondLst>
@@ -6043,9 +6291,9 @@
                                   <p:childTnLst>
                                     <p:anim calcmode="lin" valueType="num">
                                       <p:cBhvr>
-                                        <p:cTn id="152" dur="1000" fill="hold"/>
-                                        <p:tgtEl>
-                                          <p:spTgt spid="223"/>
+                                        <p:cTn id="148" dur="1000" fill="hold"/>
+                                        <p:tgtEl>
+                                          <p:spTgt spid="239"/>
                                         </p:tgtEl>
                                         <p:attrNameLst>
                                           <p:attrName>ppt_w</p:attrName>
@@ -6066,9 +6314,9 @@
                                     </p:anim>
                                     <p:anim calcmode="lin" valueType="num">
                                       <p:cBhvr>
-                                        <p:cTn id="153" dur="1000" fill="hold"/>
-                                        <p:tgtEl>
-                                          <p:spTgt spid="223"/>
+                                        <p:cTn id="149" dur="1000" fill="hold"/>
+                                        <p:tgtEl>
+                                          <p:spTgt spid="239"/>
                                         </p:tgtEl>
                                         <p:attrNameLst>
                                           <p:attrName>ppt_h</p:attrName>
@@ -6089,13 +6337,13 @@
                                     </p:anim>
                                     <p:set>
                                       <p:cBhvr>
-                                        <p:cTn id="154" fill="hold">
+                                        <p:cTn id="150" fill="hold">
                                           <p:stCondLst>
                                             <p:cond delay="999"/>
                                           </p:stCondLst>
                                         </p:cTn>
                                         <p:tgtEl>
-                                          <p:spTgt spid="223"/>
+                                          <p:spTgt spid="239"/>
                                         </p:tgtEl>
                                         <p:attrNameLst>
                                           <p:attrName>style.visibility</p:attrName>
@@ -6112,13 +6360,13 @@
                           </p:cTn>
                         </p:par>
                         <p:par>
-                          <p:cTn id="155" fill="hold">
+                          <p:cTn id="151" fill="hold">
                             <p:stCondLst>
-                              <p:cond delay="3000"/>
+                              <p:cond delay="7000"/>
                             </p:stCondLst>
                             <p:childTnLst>
                               <p:par>
-                                <p:cTn id="156" presetClass="exit" nodeType="afterEffect" presetSubtype="32" presetID="23" grpId="32" fill="hold">
+                                <p:cTn id="152" presetClass="exit" nodeType="afterEffect" presetSubtype="32" presetID="23" grpId="32" fill="hold">
                                   <p:stCondLst>
                                     <p:cond delay="0"/>
                                   </p:stCondLst>
@@ -6128,9 +6376,9 @@
                                   <p:childTnLst>
                                     <p:anim calcmode="lin" valueType="num">
                                       <p:cBhvr>
-                                        <p:cTn id="157" dur="1000" fill="hold"/>
-                                        <p:tgtEl>
-                                          <p:spTgt spid="224"/>
+                                        <p:cTn id="153" dur="1000" fill="hold"/>
+                                        <p:tgtEl>
+                                          <p:spTgt spid="240"/>
                                         </p:tgtEl>
                                         <p:attrNameLst>
                                           <p:attrName>ppt_w</p:attrName>
@@ -6151,9 +6399,9 @@
                                     </p:anim>
                                     <p:anim calcmode="lin" valueType="num">
                                       <p:cBhvr>
-                                        <p:cTn id="158" dur="1000" fill="hold"/>
-                                        <p:tgtEl>
-                                          <p:spTgt spid="224"/>
+                                        <p:cTn id="154" dur="1000" fill="hold"/>
+                                        <p:tgtEl>
+                                          <p:spTgt spid="240"/>
                                         </p:tgtEl>
                                         <p:attrNameLst>
                                           <p:attrName>ppt_h</p:attrName>
@@ -6174,13 +6422,13 @@
                                     </p:anim>
                                     <p:set>
                                       <p:cBhvr>
-                                        <p:cTn id="159" fill="hold">
+                                        <p:cTn id="155" fill="hold">
                                           <p:stCondLst>
                                             <p:cond delay="999"/>
                                           </p:stCondLst>
                                         </p:cTn>
                                         <p:tgtEl>
-                                          <p:spTgt spid="224"/>
+                                          <p:spTgt spid="240"/>
                                         </p:tgtEl>
                                         <p:attrNameLst>
                                           <p:attrName>style.visibility</p:attrName>
@@ -6190,6 +6438,472 @@
                                         <p:strVal val="hidden"/>
                                       </p:to>
                                     </p:set>
+                                  </p:childTnLst>
+                                </p:cTn>
+                              </p:par>
+                            </p:childTnLst>
+                          </p:cTn>
+                        </p:par>
+                        <p:par>
+                          <p:cTn id="156" fill="hold">
+                            <p:stCondLst>
+                              <p:cond delay="8000"/>
+                            </p:stCondLst>
+                            <p:childTnLst>
+                              <p:par>
+                                <p:cTn id="157" presetClass="entr" nodeType="afterEffect" presetID="9" grpId="33" fill="hold">
+                                  <p:stCondLst>
+                                    <p:cond delay="0"/>
+                                  </p:stCondLst>
+                                  <p:iterate type="el" backwards="0">
+                                    <p:tmAbs val="0"/>
+                                  </p:iterate>
+                                  <p:childTnLst>
+                                    <p:set>
+                                      <p:cBhvr>
+                                        <p:cTn id="158" fill="hold"/>
+                                        <p:tgtEl>
+                                          <p:spTgt spid="227"/>
+                                        </p:tgtEl>
+                                        <p:attrNameLst>
+                                          <p:attrName>style.visibility</p:attrName>
+                                        </p:attrNameLst>
+                                      </p:cBhvr>
+                                      <p:to>
+                                        <p:strVal val="visible"/>
+                                      </p:to>
+                                    </p:set>
+                                    <p:animEffect filter="dissolve" transition="in">
+                                      <p:cBhvr>
+                                        <p:cTn id="159" dur="500"/>
+                                        <p:tgtEl>
+                                          <p:spTgt spid="227"/>
+                                        </p:tgtEl>
+                                      </p:cBhvr>
+                                    </p:animEffect>
+                                  </p:childTnLst>
+                                </p:cTn>
+                              </p:par>
+                            </p:childTnLst>
+                          </p:cTn>
+                        </p:par>
+                        <p:par>
+                          <p:cTn id="160" fill="hold">
+                            <p:stCondLst>
+                              <p:cond delay="8500"/>
+                            </p:stCondLst>
+                            <p:childTnLst>
+                              <p:par>
+                                <p:cTn id="161" presetClass="entr" nodeType="afterEffect" presetID="9" grpId="34" fill="hold">
+                                  <p:stCondLst>
+                                    <p:cond delay="0"/>
+                                  </p:stCondLst>
+                                  <p:iterate type="el" backwards="0">
+                                    <p:tmAbs val="0"/>
+                                  </p:iterate>
+                                  <p:childTnLst>
+                                    <p:set>
+                                      <p:cBhvr>
+                                        <p:cTn id="162" fill="hold"/>
+                                        <p:tgtEl>
+                                          <p:spTgt spid="244"/>
+                                        </p:tgtEl>
+                                        <p:attrNameLst>
+                                          <p:attrName>style.visibility</p:attrName>
+                                        </p:attrNameLst>
+                                      </p:cBhvr>
+                                      <p:to>
+                                        <p:strVal val="visible"/>
+                                      </p:to>
+                                    </p:set>
+                                    <p:animEffect filter="dissolve" transition="in">
+                                      <p:cBhvr>
+                                        <p:cTn id="163" dur="499"/>
+                                        <p:tgtEl>
+                                          <p:spTgt spid="244"/>
+                                        </p:tgtEl>
+                                      </p:cBhvr>
+                                    </p:animEffect>
+                                  </p:childTnLst>
+                                </p:cTn>
+                              </p:par>
+                            </p:childTnLst>
+                          </p:cTn>
+                        </p:par>
+                      </p:childTnLst>
+                    </p:cTn>
+                  </p:par>
+                  <p:par>
+                    <p:cTn id="164" fill="hold">
+                      <p:stCondLst>
+                        <p:cond delay="indefinite"/>
+                      </p:stCondLst>
+                      <p:childTnLst>
+                        <p:par>
+                          <p:cTn id="165" fill="hold">
+                            <p:stCondLst>
+                              <p:cond delay="0"/>
+                            </p:stCondLst>
+                            <p:childTnLst>
+                              <p:par>
+                                <p:cTn id="166" presetClass="entr" nodeType="clickEffect" presetID="9" grpId="35" fill="hold">
+                                  <p:stCondLst>
+                                    <p:cond delay="0"/>
+                                  </p:stCondLst>
+                                  <p:iterate type="el" backwards="0">
+                                    <p:tmAbs val="0"/>
+                                  </p:iterate>
+                                  <p:childTnLst>
+                                    <p:set>
+                                      <p:cBhvr>
+                                        <p:cTn id="167" fill="hold"/>
+                                        <p:tgtEl>
+                                          <p:spTgt spid="228"/>
+                                        </p:tgtEl>
+                                        <p:attrNameLst>
+                                          <p:attrName>style.visibility</p:attrName>
+                                        </p:attrNameLst>
+                                      </p:cBhvr>
+                                      <p:to>
+                                        <p:strVal val="visible"/>
+                                      </p:to>
+                                    </p:set>
+                                    <p:animEffect filter="dissolve" transition="in">
+                                      <p:cBhvr>
+                                        <p:cTn id="168" dur="800"/>
+                                        <p:tgtEl>
+                                          <p:spTgt spid="228"/>
+                                        </p:tgtEl>
+                                      </p:cBhvr>
+                                    </p:animEffect>
+                                  </p:childTnLst>
+                                </p:cTn>
+                              </p:par>
+                            </p:childTnLst>
+                          </p:cTn>
+                        </p:par>
+                        <p:par>
+                          <p:cTn id="169" fill="hold">
+                            <p:stCondLst>
+                              <p:cond delay="800"/>
+                            </p:stCondLst>
+                            <p:childTnLst>
+                              <p:par>
+                                <p:cTn id="170" presetClass="entr" nodeType="afterEffect" presetID="9" grpId="36" fill="hold">
+                                  <p:stCondLst>
+                                    <p:cond delay="0"/>
+                                  </p:stCondLst>
+                                  <p:iterate type="el" backwards="0">
+                                    <p:tmAbs val="0"/>
+                                  </p:iterate>
+                                  <p:childTnLst>
+                                    <p:set>
+                                      <p:cBhvr>
+                                        <p:cTn id="171" fill="hold"/>
+                                        <p:tgtEl>
+                                          <p:spTgt spid="243"/>
+                                        </p:tgtEl>
+                                        <p:attrNameLst>
+                                          <p:attrName>style.visibility</p:attrName>
+                                        </p:attrNameLst>
+                                      </p:cBhvr>
+                                      <p:to>
+                                        <p:strVal val="visible"/>
+                                      </p:to>
+                                    </p:set>
+                                    <p:animEffect filter="dissolve" transition="in">
+                                      <p:cBhvr>
+                                        <p:cTn id="172" dur="499"/>
+                                        <p:tgtEl>
+                                          <p:spTgt spid="243"/>
+                                        </p:tgtEl>
+                                      </p:cBhvr>
+                                    </p:animEffect>
+                                  </p:childTnLst>
+                                </p:cTn>
+                              </p:par>
+                            </p:childTnLst>
+                          </p:cTn>
+                        </p:par>
+                      </p:childTnLst>
+                    </p:cTn>
+                  </p:par>
+                  <p:par>
+                    <p:cTn id="173" fill="hold">
+                      <p:stCondLst>
+                        <p:cond delay="indefinite"/>
+                      </p:stCondLst>
+                      <p:childTnLst>
+                        <p:par>
+                          <p:cTn id="174" fill="hold">
+                            <p:stCondLst>
+                              <p:cond delay="0"/>
+                            </p:stCondLst>
+                            <p:childTnLst>
+                              <p:par>
+                                <p:cTn id="175" presetClass="entr" nodeType="clickEffect" presetID="9" grpId="37" fill="hold">
+                                  <p:stCondLst>
+                                    <p:cond delay="0"/>
+                                  </p:stCondLst>
+                                  <p:iterate type="el" backwards="0">
+                                    <p:tmAbs val="0"/>
+                                  </p:iterate>
+                                  <p:childTnLst>
+                                    <p:set>
+                                      <p:cBhvr>
+                                        <p:cTn id="176" fill="hold"/>
+                                        <p:tgtEl>
+                                          <p:spTgt spid="229"/>
+                                        </p:tgtEl>
+                                        <p:attrNameLst>
+                                          <p:attrName>style.visibility</p:attrName>
+                                        </p:attrNameLst>
+                                      </p:cBhvr>
+                                      <p:to>
+                                        <p:strVal val="visible"/>
+                                      </p:to>
+                                    </p:set>
+                                    <p:animEffect filter="dissolve" transition="in">
+                                      <p:cBhvr>
+                                        <p:cTn id="177" dur="800"/>
+                                        <p:tgtEl>
+                                          <p:spTgt spid="229"/>
+                                        </p:tgtEl>
+                                      </p:cBhvr>
+                                    </p:animEffect>
+                                  </p:childTnLst>
+                                </p:cTn>
+                              </p:par>
+                            </p:childTnLst>
+                          </p:cTn>
+                        </p:par>
+                        <p:par>
+                          <p:cTn id="178" fill="hold">
+                            <p:stCondLst>
+                              <p:cond delay="800"/>
+                            </p:stCondLst>
+                            <p:childTnLst>
+                              <p:par>
+                                <p:cTn id="179" presetClass="entr" nodeType="afterEffect" presetID="9" grpId="38" fill="hold">
+                                  <p:stCondLst>
+                                    <p:cond delay="0"/>
+                                  </p:stCondLst>
+                                  <p:iterate type="el" backwards="0">
+                                    <p:tmAbs val="0"/>
+                                  </p:iterate>
+                                  <p:childTnLst>
+                                    <p:set>
+                                      <p:cBhvr>
+                                        <p:cTn id="180" fill="hold"/>
+                                        <p:tgtEl>
+                                          <p:spTgt spid="245"/>
+                                        </p:tgtEl>
+                                        <p:attrNameLst>
+                                          <p:attrName>style.visibility</p:attrName>
+                                        </p:attrNameLst>
+                                      </p:cBhvr>
+                                      <p:to>
+                                        <p:strVal val="visible"/>
+                                      </p:to>
+                                    </p:set>
+                                    <p:animEffect filter="dissolve" transition="in">
+                                      <p:cBhvr>
+                                        <p:cTn id="181" dur="499"/>
+                                        <p:tgtEl>
+                                          <p:spTgt spid="245"/>
+                                        </p:tgtEl>
+                                      </p:cBhvr>
+                                    </p:animEffect>
+                                  </p:childTnLst>
+                                </p:cTn>
+                              </p:par>
+                            </p:childTnLst>
+                          </p:cTn>
+                        </p:par>
+                      </p:childTnLst>
+                    </p:cTn>
+                  </p:par>
+                  <p:par>
+                    <p:cTn id="182" fill="hold">
+                      <p:stCondLst>
+                        <p:cond delay="indefinite"/>
+                      </p:stCondLst>
+                      <p:childTnLst>
+                        <p:par>
+                          <p:cTn id="183" fill="hold">
+                            <p:stCondLst>
+                              <p:cond delay="0"/>
+                            </p:stCondLst>
+                            <p:childTnLst>
+                              <p:par>
+                                <p:cTn id="184" presetClass="entr" nodeType="clickEffect" presetID="9" grpId="39" fill="hold">
+                                  <p:stCondLst>
+                                    <p:cond delay="0"/>
+                                  </p:stCondLst>
+                                  <p:iterate type="el" backwards="0">
+                                    <p:tmAbs val="0"/>
+                                  </p:iterate>
+                                  <p:childTnLst>
+                                    <p:set>
+                                      <p:cBhvr>
+                                        <p:cTn id="185" fill="hold"/>
+                                        <p:tgtEl>
+                                          <p:spTgt spid="230"/>
+                                        </p:tgtEl>
+                                        <p:attrNameLst>
+                                          <p:attrName>style.visibility</p:attrName>
+                                        </p:attrNameLst>
+                                      </p:cBhvr>
+                                      <p:to>
+                                        <p:strVal val="visible"/>
+                                      </p:to>
+                                    </p:set>
+                                    <p:animEffect filter="dissolve" transition="in">
+                                      <p:cBhvr>
+                                        <p:cTn id="186" dur="800"/>
+                                        <p:tgtEl>
+                                          <p:spTgt spid="230"/>
+                                        </p:tgtEl>
+                                      </p:cBhvr>
+                                    </p:animEffect>
+                                  </p:childTnLst>
+                                </p:cTn>
+                              </p:par>
+                            </p:childTnLst>
+                          </p:cTn>
+                        </p:par>
+                        <p:par>
+                          <p:cTn id="187" fill="hold">
+                            <p:stCondLst>
+                              <p:cond delay="800"/>
+                            </p:stCondLst>
+                            <p:childTnLst>
+                              <p:par>
+                                <p:cTn id="188" presetClass="entr" nodeType="afterEffect" presetID="9" grpId="40" fill="hold">
+                                  <p:stCondLst>
+                                    <p:cond delay="0"/>
+                                  </p:stCondLst>
+                                  <p:iterate type="el" backwards="0">
+                                    <p:tmAbs val="0"/>
+                                  </p:iterate>
+                                  <p:childTnLst>
+                                    <p:set>
+                                      <p:cBhvr>
+                                        <p:cTn id="189" fill="hold"/>
+                                        <p:tgtEl>
+                                          <p:spTgt spid="241"/>
+                                        </p:tgtEl>
+                                        <p:attrNameLst>
+                                          <p:attrName>style.visibility</p:attrName>
+                                        </p:attrNameLst>
+                                      </p:cBhvr>
+                                      <p:to>
+                                        <p:strVal val="visible"/>
+                                      </p:to>
+                                    </p:set>
+                                    <p:animEffect filter="dissolve" transition="in">
+                                      <p:cBhvr>
+                                        <p:cTn id="190" dur="499"/>
+                                        <p:tgtEl>
+                                          <p:spTgt spid="241"/>
+                                        </p:tgtEl>
+                                      </p:cBhvr>
+                                    </p:animEffect>
+                                  </p:childTnLst>
+                                </p:cTn>
+                              </p:par>
+                            </p:childTnLst>
+                          </p:cTn>
+                        </p:par>
+                      </p:childTnLst>
+                    </p:cTn>
+                  </p:par>
+                  <p:par>
+                    <p:cTn id="191" fill="hold">
+                      <p:stCondLst>
+                        <p:cond delay="indefinite"/>
+                      </p:stCondLst>
+                      <p:childTnLst>
+                        <p:par>
+                          <p:cTn id="192" fill="hold">
+                            <p:stCondLst>
+                              <p:cond delay="0"/>
+                            </p:stCondLst>
+                            <p:childTnLst>
+                              <p:par>
+                                <p:cTn id="193" presetClass="entr" nodeType="clickEffect" presetID="9" grpId="41" fill="hold">
+                                  <p:stCondLst>
+                                    <p:cond delay="0"/>
+                                  </p:stCondLst>
+                                  <p:iterate type="el" backwards="0">
+                                    <p:tmAbs val="0"/>
+                                  </p:iterate>
+                                  <p:childTnLst>
+                                    <p:set>
+                                      <p:cBhvr>
+                                        <p:cTn id="194" fill="hold"/>
+                                        <p:tgtEl>
+                                          <p:spTgt spid="236"/>
+                                        </p:tgtEl>
+                                        <p:attrNameLst>
+                                          <p:attrName>style.visibility</p:attrName>
+                                        </p:attrNameLst>
+                                      </p:cBhvr>
+                                      <p:to>
+                                        <p:strVal val="visible"/>
+                                      </p:to>
+                                    </p:set>
+                                    <p:animEffect filter="dissolve" transition="in">
+                                      <p:cBhvr>
+                                        <p:cTn id="195" dur="800"/>
+                                        <p:tgtEl>
+                                          <p:spTgt spid="236"/>
+                                        </p:tgtEl>
+                                      </p:cBhvr>
+                                    </p:animEffect>
+                                  </p:childTnLst>
+                                </p:cTn>
+                              </p:par>
+                            </p:childTnLst>
+                          </p:cTn>
+                        </p:par>
+                        <p:par>
+                          <p:cTn id="196" fill="hold">
+                            <p:stCondLst>
+                              <p:cond delay="800"/>
+                            </p:stCondLst>
+                            <p:childTnLst>
+                              <p:par>
+                                <p:cTn id="197" presetClass="entr" nodeType="afterEffect" presetID="9" grpId="42" fill="hold">
+                                  <p:stCondLst>
+                                    <p:cond delay="0"/>
+                                  </p:stCondLst>
+                                  <p:iterate type="el" backwards="0">
+                                    <p:tmAbs val="0"/>
+                                  </p:iterate>
+                                  <p:childTnLst>
+                                    <p:set>
+                                      <p:cBhvr>
+                                        <p:cTn id="198" fill="hold"/>
+                                        <p:tgtEl>
+                                          <p:spTgt spid="242"/>
+                                        </p:tgtEl>
+                                        <p:attrNameLst>
+                                          <p:attrName>style.visibility</p:attrName>
+                                        </p:attrNameLst>
+                                      </p:cBhvr>
+                                      <p:to>
+                                        <p:strVal val="visible"/>
+                                      </p:to>
+                                    </p:set>
+                                    <p:animEffect filter="dissolve" transition="in">
+                                      <p:cBhvr>
+                                        <p:cTn id="199" dur="499"/>
+                                        <p:tgtEl>
+                                          <p:spTgt spid="242"/>
+                                        </p:tgtEl>
+                                      </p:cBhvr>
+                                    </p:animEffect>
                                   </p:childTnLst>
                                 </p:cTn>
                               </p:par>
@@ -6221,38 +6935,879 @@
       </p:par>
     </p:tnLst>
     <p:bldLst>
-      <p:bldP build="whole" bldLvl="1" animBg="1" rev="0" advAuto="0" spid="217" grpId="7"/>
-      <p:bldP build="whole" bldLvl="1" animBg="1" rev="0" advAuto="0" spid="223" grpId="31"/>
-      <p:bldP build="whole" bldLvl="1" animBg="1" rev="0" advAuto="0" spid="227" grpId="8"/>
-      <p:bldP build="whole" bldLvl="1" animBg="1" rev="0" advAuto="0" spid="216" grpId="15"/>
-      <p:bldP build="whole" bldLvl="1" animBg="1" rev="0" advAuto="0" spid="225" grpId="20"/>
-      <p:bldP build="whole" bldLvl="1" animBg="1" rev="0" advAuto="0" spid="227" grpId="11"/>
-      <p:bldP build="whole" bldLvl="1" animBg="1" rev="0" advAuto="0" spid="217" grpId="16"/>
-      <p:bldP build="whole" bldLvl="1" animBg="1" rev="0" advAuto="0" spid="225" grpId="24"/>
-      <p:bldP build="whole" bldLvl="1" animBg="1" rev="0" advAuto="0" spid="226" grpId="2"/>
-      <p:bldP build="whole" bldLvl="1" animBg="1" rev="0" advAuto="0" spid="229" grpId="6"/>
-      <p:bldP build="whole" bldLvl="1" animBg="1" rev="0" advAuto="0" spid="221" grpId="25"/>
-      <p:bldP build="whole" bldLvl="1" animBg="1" rev="0" advAuto="0" spid="229" grpId="10"/>
-      <p:bldP build="whole" bldLvl="1" animBg="1" rev="0" advAuto="0" spid="221" grpId="29"/>
-      <p:bldP build="whole" bldLvl="1" animBg="1" rev="0" advAuto="0" spid="214" grpId="1"/>
-      <p:bldP build="whole" bldLvl="1" animBg="1" rev="0" advAuto="0" spid="226" grpId="13"/>
-      <p:bldP build="whole" bldLvl="1" animBg="1" rev="0" advAuto="0" spid="220" grpId="19"/>
-      <p:bldP build="whole" bldLvl="1" animBg="1" rev="0" advAuto="0" spid="215" grpId="3"/>
-      <p:bldP build="whole" bldLvl="1" animBg="1" rev="0" advAuto="0" spid="228" grpId="4"/>
-      <p:bldP build="whole" bldLvl="1" animBg="1" rev="0" advAuto="0" spid="218" grpId="17"/>
-      <p:bldP build="whole" bldLvl="1" animBg="1" rev="0" advAuto="0" spid="214" grpId="9"/>
-      <p:bldP build="whole" bldLvl="1" animBg="1" rev="0" advAuto="0" spid="220" grpId="23"/>
-      <p:bldP build="whole" bldLvl="1" animBg="1" rev="0" advAuto="0" spid="219" grpId="18"/>
-      <p:bldP build="whole" bldLvl="1" animBg="1" rev="0" advAuto="0" spid="218" grpId="21"/>
-      <p:bldP build="whole" bldLvl="1" animBg="1" rev="0" advAuto="0" spid="222" grpId="26"/>
-      <p:bldP build="whole" bldLvl="1" animBg="1" rev="0" advAuto="0" spid="224" grpId="28"/>
-      <p:bldP build="whole" bldLvl="1" animBg="1" rev="0" advAuto="0" spid="228" grpId="12"/>
-      <p:bldP build="whole" bldLvl="1" animBg="1" rev="0" advAuto="0" spid="215" grpId="14"/>
-      <p:bldP build="whole" bldLvl="1" animBg="1" rev="0" advAuto="0" spid="216" grpId="5"/>
-      <p:bldP build="whole" bldLvl="1" animBg="1" rev="0" advAuto="0" spid="219" grpId="22"/>
-      <p:bldP build="whole" bldLvl="1" animBg="1" rev="0" advAuto="0" spid="222" grpId="30"/>
-      <p:bldP build="whole" bldLvl="1" animBg="1" rev="0" advAuto="0" spid="223" grpId="27"/>
-      <p:bldP build="whole" bldLvl="1" animBg="1" rev="0" advAuto="0" spid="224" grpId="32"/>
+      <p:bldP build="whole" bldLvl="1" animBg="1" rev="0" advAuto="0" spid="236" grpId="41"/>
+      <p:bldP build="whole" bldLvl="1" animBg="1" rev="0" advAuto="0" spid="234" grpId="4"/>
+      <p:bldP build="whole" bldLvl="1" animBg="1" rev="0" advAuto="0" spid="245" grpId="38"/>
+      <p:bldP build="whole" bldLvl="1" animBg="1" rev="0" advAuto="0" spid="227" grpId="33"/>
+      <p:bldP build="whole" bldLvl="1" animBg="1" rev="0" advAuto="0" spid="220" grpId="1"/>
+      <p:bldP build="whole" bldLvl="1" animBg="1" rev="0" advAuto="0" spid="234" grpId="12"/>
+      <p:bldP build="whole" bldLvl="1" animBg="1" rev="0" advAuto="0" spid="232" grpId="2"/>
+      <p:bldP build="whole" bldLvl="1" animBg="1" rev="0" advAuto="0" spid="220" grpId="9"/>
+      <p:bldP build="whole" bldLvl="1" animBg="1" rev="0" advAuto="0" spid="221" grpId="3"/>
+      <p:bldP build="whole" bldLvl="1" animBg="1" rev="0" advAuto="0" spid="222" grpId="5"/>
+      <p:bldP build="whole" bldLvl="1" animBg="1" rev="0" advAuto="0" spid="230" grpId="39"/>
+      <p:bldP build="whole" bldLvl="1" animBg="1" rev="0" advAuto="0" spid="242" grpId="42"/>
+      <p:bldP build="whole" bldLvl="1" animBg="1" rev="0" advAuto="0" spid="225" grpId="19"/>
+      <p:bldP build="whole" bldLvl="1" animBg="1" rev="0" advAuto="0" spid="235" grpId="6"/>
+      <p:bldP build="whole" bldLvl="1" animBg="1" rev="0" advAuto="0" spid="226" grpId="21"/>
+      <p:bldP build="whole" bldLvl="1" animBg="1" rev="0" advAuto="0" spid="221" grpId="14"/>
+      <p:bldP build="whole" bldLvl="1" animBg="1" rev="0" advAuto="0" spid="224" grpId="17"/>
+      <p:bldP build="whole" bldLvl="1" animBg="1" rev="0" advAuto="0" spid="222" grpId="15"/>
+      <p:bldP build="whole" bldLvl="1" animBg="1" rev="0" advAuto="0" spid="235" grpId="10"/>
+      <p:bldP build="whole" bldLvl="1" animBg="1" rev="0" advAuto="0" spid="225" grpId="26"/>
+      <p:bldP build="whole" bldLvl="1" animBg="1" rev="0" advAuto="0" spid="226" grpId="27"/>
+      <p:bldP build="whole" bldLvl="1" animBg="1" rev="0" advAuto="0" spid="232" grpId="13"/>
+      <p:bldP build="whole" bldLvl="1" animBg="1" rev="0" advAuto="0" spid="224" grpId="25"/>
+      <p:bldP build="whole" bldLvl="1" animBg="1" rev="0" advAuto="0" spid="243" grpId="36"/>
+      <p:bldP build="whole" bldLvl="1" animBg="1" rev="0" advAuto="0" spid="241" grpId="40"/>
+      <p:bldP build="whole" bldLvl="1" animBg="1" rev="0" advAuto="0" spid="244" grpId="34"/>
+      <p:bldP build="whole" bldLvl="1" animBg="1" rev="0" advAuto="0" spid="238" grpId="18"/>
+      <p:bldP build="whole" bldLvl="1" animBg="1" rev="0" advAuto="0" spid="240" grpId="24"/>
+      <p:bldP build="whole" bldLvl="1" animBg="1" rev="0" advAuto="0" spid="237" grpId="20"/>
+      <p:bldP build="whole" bldLvl="1" animBg="1" rev="0" advAuto="0" spid="239" grpId="22"/>
+      <p:bldP build="whole" bldLvl="1" animBg="1" rev="0" advAuto="0" spid="231" grpId="23"/>
+      <p:bldP build="whole" bldLvl="1" animBg="1" rev="0" advAuto="0" spid="240" grpId="32"/>
+      <p:bldP build="whole" bldLvl="1" animBg="1" rev="0" advAuto="0" spid="238" grpId="29"/>
+      <p:bldP build="whole" bldLvl="1" animBg="1" rev="0" advAuto="0" spid="223" grpId="7"/>
+      <p:bldP build="whole" bldLvl="1" animBg="1" rev="0" advAuto="0" spid="231" grpId="28"/>
+      <p:bldP build="whole" bldLvl="1" animBg="1" rev="0" advAuto="0" spid="229" grpId="37"/>
+      <p:bldP build="whole" bldLvl="1" animBg="1" rev="0" advAuto="0" spid="228" grpId="35"/>
+      <p:bldP build="whole" bldLvl="1" animBg="1" rev="0" advAuto="0" spid="237" grpId="30"/>
+      <p:bldP build="whole" bldLvl="1" animBg="1" rev="0" advAuto="0" spid="239" grpId="31"/>
+      <p:bldP build="whole" bldLvl="1" animBg="1" rev="0" advAuto="0" spid="233" grpId="8"/>
+      <p:bldP build="whole" bldLvl="1" animBg="1" rev="0" advAuto="0" spid="223" grpId="16"/>
+      <p:bldP build="whole" bldLvl="1" animBg="1" rev="0" advAuto="0" spid="233" grpId="11"/>
+    </p:bldLst>
+  </p:timing>
+</p:sld>
+</file>
+
+<file path=ppt/slides/slide11.xml><?xml version="1.0" encoding="utf-8"?>
+<p:sld xmlns:a="http://schemas.openxmlformats.org/drawingml/2006/main" xmlns:r="http://schemas.openxmlformats.org/officeDocument/2006/relationships" xmlns:p="http://schemas.openxmlformats.org/presentationml/2006/main" showMasterSp="1" showMasterPhAnim="1">
+  <p:cSld>
+    <p:spTree>
+      <p:nvGrpSpPr>
+        <p:cNvPr id="1" name=""/>
+        <p:cNvGrpSpPr/>
+        <p:nvPr/>
+      </p:nvGrpSpPr>
+      <p:grpSpPr>
+        <a:xfrm>
+          <a:off x="0" y="0"/>
+          <a:ext cx="0" cy="0"/>
+          <a:chOff x="0" y="0"/>
+          <a:chExt cx="0" cy="0"/>
+        </a:xfrm>
+      </p:grpSpPr>
+      <p:sp>
+        <p:nvSpPr>
+          <p:cNvPr id="247" name="Conclusion"/>
+          <p:cNvSpPr txBox="1"/>
+          <p:nvPr/>
+        </p:nvSpPr>
+        <p:spPr>
+          <a:xfrm>
+            <a:off x="4469003" y="653054"/>
+            <a:ext cx="4066795" cy="1019298"/>
+          </a:xfrm>
+          <a:prstGeom prst="rect">
+            <a:avLst/>
+          </a:prstGeom>
+          <a:ln w="12700">
+            <a:miter lim="400000"/>
+          </a:ln>
+          <a:extLst>
+            <a:ext uri="{C572A759-6A51-4108-AA02-DFA0A04FC94B}">
+              <ma14:wrappingTextBoxFlag xmlns:ma14="http://schemas.microsoft.com/office/mac/drawingml/2011/main" val="1"/>
+            </a:ext>
+          </a:extLst>
+        </p:spPr>
+        <p:txBody>
+          <a:bodyPr wrap="none" lIns="50800" tIns="50800" rIns="50800" bIns="50800" anchor="ctr">
+            <a:spAutoFit/>
+          </a:bodyPr>
+          <a:lstStyle>
+            <a:lvl1pPr>
+              <a:defRPr b="0" sz="6000">
+                <a:latin typeface="+mn-lt"/>
+                <a:ea typeface="+mn-ea"/>
+                <a:cs typeface="+mn-cs"/>
+                <a:sym typeface="Helvetica Neue Medium"/>
+              </a:defRPr>
+            </a:lvl1pPr>
+          </a:lstStyle>
+          <a:p>
+            <a:pPr/>
+            <a:r>
+              <a:t>Conclusion</a:t>
+            </a:r>
+          </a:p>
+        </p:txBody>
+      </p:sp>
+      <p:sp>
+        <p:nvSpPr>
+          <p:cNvPr id="248" name="- Amélioration de notre capacité au travail de groupe"/>
+          <p:cNvSpPr txBox="1"/>
+          <p:nvPr/>
+        </p:nvSpPr>
+        <p:spPr>
+          <a:xfrm>
+            <a:off x="888276" y="3978213"/>
+            <a:ext cx="7659371" cy="473711"/>
+          </a:xfrm>
+          <a:prstGeom prst="rect">
+            <a:avLst/>
+          </a:prstGeom>
+          <a:ln w="12700">
+            <a:miter lim="400000"/>
+          </a:ln>
+          <a:extLst>
+            <a:ext uri="{C572A759-6A51-4108-AA02-DFA0A04FC94B}">
+              <ma14:wrappingTextBoxFlag xmlns:ma14="http://schemas.microsoft.com/office/mac/drawingml/2011/main" val="1"/>
+            </a:ext>
+          </a:extLst>
+        </p:spPr>
+        <p:txBody>
+          <a:bodyPr wrap="none" lIns="50800" tIns="50800" rIns="50800" bIns="50800" anchor="ctr">
+            <a:spAutoFit/>
+          </a:bodyPr>
+          <a:lstStyle>
+            <a:lvl1pPr algn="l">
+              <a:spcBef>
+                <a:spcPts val="3000"/>
+              </a:spcBef>
+              <a:defRPr b="0" sz="2500"/>
+            </a:lvl1pPr>
+          </a:lstStyle>
+          <a:p>
+            <a:pPr/>
+            <a:r>
+              <a:t>- Amélioration de notre capacité au travail de groupe </a:t>
+            </a:r>
+          </a:p>
+        </p:txBody>
+      </p:sp>
+      <p:sp>
+        <p:nvSpPr>
+          <p:cNvPr id="249" name="- Réalisation d’un jeu d’échecs"/>
+          <p:cNvSpPr txBox="1"/>
+          <p:nvPr/>
+        </p:nvSpPr>
+        <p:spPr>
+          <a:xfrm>
+            <a:off x="888276" y="3052444"/>
+            <a:ext cx="4578034" cy="473712"/>
+          </a:xfrm>
+          <a:prstGeom prst="rect">
+            <a:avLst/>
+          </a:prstGeom>
+          <a:ln w="12700">
+            <a:miter lim="400000"/>
+          </a:ln>
+          <a:extLst>
+            <a:ext uri="{C572A759-6A51-4108-AA02-DFA0A04FC94B}">
+              <ma14:wrappingTextBoxFlag xmlns:ma14="http://schemas.microsoft.com/office/mac/drawingml/2011/main" val="1"/>
+            </a:ext>
+          </a:extLst>
+        </p:spPr>
+        <p:txBody>
+          <a:bodyPr wrap="none" lIns="50800" tIns="50800" rIns="50800" bIns="50800" anchor="ctr">
+            <a:spAutoFit/>
+          </a:bodyPr>
+          <a:lstStyle>
+            <a:lvl1pPr algn="l">
+              <a:spcBef>
+                <a:spcPts val="3000"/>
+              </a:spcBef>
+              <a:defRPr b="0" sz="2500"/>
+            </a:lvl1pPr>
+          </a:lstStyle>
+          <a:p>
+            <a:pPr/>
+            <a:r>
+              <a:t>- Réalisation d’un jeu d’échecs </a:t>
+            </a:r>
+          </a:p>
+        </p:txBody>
+      </p:sp>
+      <p:sp>
+        <p:nvSpPr>
+          <p:cNvPr id="250" name="- Mise en pratique des connaissances comme l’UML"/>
+          <p:cNvSpPr txBox="1"/>
+          <p:nvPr/>
+        </p:nvSpPr>
+        <p:spPr>
+          <a:xfrm>
+            <a:off x="888276" y="4903981"/>
+            <a:ext cx="7583806" cy="473711"/>
+          </a:xfrm>
+          <a:prstGeom prst="rect">
+            <a:avLst/>
+          </a:prstGeom>
+          <a:ln w="12700">
+            <a:miter lim="400000"/>
+          </a:ln>
+          <a:extLst>
+            <a:ext uri="{C572A759-6A51-4108-AA02-DFA0A04FC94B}">
+              <ma14:wrappingTextBoxFlag xmlns:ma14="http://schemas.microsoft.com/office/mac/drawingml/2011/main" val="1"/>
+            </a:ext>
+          </a:extLst>
+        </p:spPr>
+        <p:txBody>
+          <a:bodyPr wrap="none" lIns="50800" tIns="50800" rIns="50800" bIns="50800" anchor="ctr">
+            <a:spAutoFit/>
+          </a:bodyPr>
+          <a:lstStyle>
+            <a:lvl1pPr algn="l">
+              <a:spcBef>
+                <a:spcPts val="3000"/>
+              </a:spcBef>
+              <a:defRPr b="0" sz="2500"/>
+            </a:lvl1pPr>
+          </a:lstStyle>
+          <a:p>
+            <a:pPr/>
+            <a:r>
+              <a:t>- Mise en pratique des connaissances comme l’UML</a:t>
+            </a:r>
+          </a:p>
+        </p:txBody>
+      </p:sp>
+      <p:sp>
+        <p:nvSpPr>
+          <p:cNvPr id="251" name="- Amélioration de l’esthétique du jeu"/>
+          <p:cNvSpPr txBox="1"/>
+          <p:nvPr/>
+        </p:nvSpPr>
+        <p:spPr>
+          <a:xfrm>
+            <a:off x="888276" y="5829749"/>
+            <a:ext cx="5236846" cy="473711"/>
+          </a:xfrm>
+          <a:prstGeom prst="rect">
+            <a:avLst/>
+          </a:prstGeom>
+          <a:ln w="12700">
+            <a:miter lim="400000"/>
+          </a:ln>
+          <a:extLst>
+            <a:ext uri="{C572A759-6A51-4108-AA02-DFA0A04FC94B}">
+              <ma14:wrappingTextBoxFlag xmlns:ma14="http://schemas.microsoft.com/office/mac/drawingml/2011/main" val="1"/>
+            </a:ext>
+          </a:extLst>
+        </p:spPr>
+        <p:txBody>
+          <a:bodyPr wrap="none" lIns="50800" tIns="50800" rIns="50800" bIns="50800" anchor="ctr">
+            <a:spAutoFit/>
+          </a:bodyPr>
+          <a:lstStyle>
+            <a:lvl1pPr algn="l">
+              <a:spcBef>
+                <a:spcPts val="3000"/>
+              </a:spcBef>
+              <a:defRPr b="0" sz="2500"/>
+            </a:lvl1pPr>
+          </a:lstStyle>
+          <a:p>
+            <a:pPr/>
+            <a:r>
+              <a:t>- Amélioration de l’esthétique du jeu</a:t>
+            </a:r>
+          </a:p>
+        </p:txBody>
+      </p:sp>
+      <p:sp>
+        <p:nvSpPr>
+          <p:cNvPr id="252" name="Numéro de diapositive"/>
+          <p:cNvSpPr txBox="1"/>
+          <p:nvPr>
+            <p:ph type="sldNum" sz="quarter" idx="2"/>
+          </p:nvPr>
+        </p:nvSpPr>
+        <p:spPr>
+          <a:xfrm>
+            <a:off x="6043794" y="9296400"/>
+            <a:ext cx="568859" cy="324306"/>
+          </a:xfrm>
+          <a:prstGeom prst="rect">
+            <a:avLst/>
+          </a:prstGeom>
+          <a:extLst>
+            <a:ext uri="{C572A759-6A51-4108-AA02-DFA0A04FC94B}">
+              <ma14:wrappingTextBoxFlag xmlns:ma14="http://schemas.microsoft.com/office/mac/drawingml/2011/main" val="1"/>
+            </a:ext>
+          </a:extLst>
+        </p:spPr>
+        <p:txBody>
+          <a:bodyPr/>
+          <a:lstStyle/>
+          <a:p>
+            <a:pPr lvl="1" algn="r">
+              <a:defRPr b="0" sz="1600">
+                <a:latin typeface="Helvetica Neue Thin"/>
+                <a:ea typeface="Helvetica Neue Thin"/>
+                <a:cs typeface="Helvetica Neue Thin"/>
+                <a:sym typeface="Helvetica Neue Thin"/>
+              </a:defRPr>
+            </a:pPr>
+            <a:fld id="{86CB4B4D-7CA3-9044-876B-883B54F8677D}" type="slidenum"/>
+          </a:p>
+        </p:txBody>
+      </p:sp>
+      <p:pic>
+        <p:nvPicPr>
+          <p:cNvPr id="253" name="chess-board.png" descr="chess-board.png"/>
+          <p:cNvPicPr>
+            <a:picLocks noChangeAspect="1"/>
+          </p:cNvPicPr>
+          <p:nvPr/>
+        </p:nvPicPr>
+        <p:blipFill>
+          <a:blip r:embed="rId2">
+            <a:extLst/>
+          </a:blip>
+          <a:stretch>
+            <a:fillRect/>
+          </a:stretch>
+        </p:blipFill>
+        <p:spPr>
+          <a:xfrm>
+            <a:off x="1371309" y="7339341"/>
+            <a:ext cx="1276044" cy="1276044"/>
+          </a:xfrm>
+          <a:prstGeom prst="rect">
+            <a:avLst/>
+          </a:prstGeom>
+          <a:ln w="12700">
+            <a:miter lim="400000"/>
+          </a:ln>
+        </p:spPr>
+      </p:pic>
+      <p:pic>
+        <p:nvPicPr>
+          <p:cNvPr id="254" name="teamwork.png" descr="teamwork.png"/>
+          <p:cNvPicPr>
+            <a:picLocks noChangeAspect="1"/>
+          </p:cNvPicPr>
+          <p:nvPr/>
+        </p:nvPicPr>
+        <p:blipFill>
+          <a:blip r:embed="rId3">
+            <a:extLst/>
+          </a:blip>
+          <a:stretch>
+            <a:fillRect/>
+          </a:stretch>
+        </p:blipFill>
+        <p:spPr>
+          <a:xfrm>
+            <a:off x="4304158" y="7339341"/>
+            <a:ext cx="1276044" cy="1276044"/>
+          </a:xfrm>
+          <a:prstGeom prst="rect">
+            <a:avLst/>
+          </a:prstGeom>
+          <a:ln w="12700">
+            <a:miter lim="400000"/>
+          </a:ln>
+        </p:spPr>
+      </p:pic>
+      <p:pic>
+        <p:nvPicPr>
+          <p:cNvPr id="255" name="monitor.png" descr="monitor.png"/>
+          <p:cNvPicPr>
+            <a:picLocks noChangeAspect="1"/>
+          </p:cNvPicPr>
+          <p:nvPr/>
+        </p:nvPicPr>
+        <p:blipFill>
+          <a:blip r:embed="rId4">
+            <a:extLst/>
+          </a:blip>
+          <a:stretch>
+            <a:fillRect/>
+          </a:stretch>
+        </p:blipFill>
+        <p:spPr>
+          <a:xfrm>
+            <a:off x="9890044" y="7292255"/>
+            <a:ext cx="1370216" cy="1370216"/>
+          </a:xfrm>
+          <a:prstGeom prst="rect">
+            <a:avLst/>
+          </a:prstGeom>
+          <a:ln w="12700">
+            <a:miter lim="400000"/>
+          </a:ln>
+        </p:spPr>
+      </p:pic>
+      <p:pic>
+        <p:nvPicPr>
+          <p:cNvPr id="256" name="diagram.png" descr="diagram.png"/>
+          <p:cNvPicPr>
+            <a:picLocks noChangeAspect="1"/>
+          </p:cNvPicPr>
+          <p:nvPr/>
+        </p:nvPicPr>
+        <p:blipFill>
+          <a:blip r:embed="rId5">
+            <a:extLst/>
+          </a:blip>
+          <a:stretch>
+            <a:fillRect/>
+          </a:stretch>
+        </p:blipFill>
+        <p:spPr>
+          <a:xfrm>
+            <a:off x="7237006" y="7339341"/>
+            <a:ext cx="1276045" cy="1276044"/>
+          </a:xfrm>
+          <a:prstGeom prst="rect">
+            <a:avLst/>
+          </a:prstGeom>
+          <a:ln w="12700">
+            <a:miter lim="400000"/>
+          </a:ln>
+        </p:spPr>
+      </p:pic>
+    </p:spTree>
+  </p:cSld>
+  <p:clrMapOvr>
+    <a:masterClrMapping/>
+  </p:clrMapOvr>
+  <mc:AlternateContent xmlns:mc="http://schemas.openxmlformats.org/markup-compatibility/2006">
+    <mc:Choice xmlns:p14="http://schemas.microsoft.com/office/powerpoint/2010/main" Requires="p14">
+      <p:transition spd="fast" advClick="1" p14:dur="750">
+        <p:push dir="l"/>
+      </p:transition>
+    </mc:Choice>
+    <mc:Fallback>
+      <p:transition spd="fast">
+        <p:fade/>
+      </p:transition>
+    </mc:Fallback>
+  </mc:AlternateContent>
+  <p:timing>
+    <p:tnLst>
+      <p:par>
+        <p:cTn id="1" nodeType="tmRoot" restart="never" dur="indefinite" fill="hold">
+          <p:childTnLst>
+            <p:seq concurrent="1" prevAc="none" nextAc="seek">
+              <p:cTn id="2" nodeType="mainSeq" dur="indefinite" fill="hold">
+                <p:childTnLst>
+                  <p:par>
+                    <p:cTn id="3" fill="hold">
+                      <p:stCondLst>
+                        <p:cond delay="indefinite"/>
+                        <p:cond evt="onBegin">
+                          <p:tn val="2"/>
+                        </p:cond>
+                      </p:stCondLst>
+                      <p:childTnLst>
+                        <p:par>
+                          <p:cTn id="4" fill="hold">
+                            <p:stCondLst>
+                              <p:cond delay="0"/>
+                            </p:stCondLst>
+                            <p:childTnLst>
+                              <p:par>
+                                <p:cTn id="5" presetClass="entr" nodeType="afterEffect" presetID="9" grpId="1" fill="hold">
+                                  <p:stCondLst>
+                                    <p:cond delay="0"/>
+                                  </p:stCondLst>
+                                  <p:iterate type="el" backwards="0">
+                                    <p:tmAbs val="0"/>
+                                  </p:iterate>
+                                  <p:childTnLst>
+                                    <p:set>
+                                      <p:cBhvr>
+                                        <p:cTn id="6" fill="hold"/>
+                                        <p:tgtEl>
+                                          <p:spTgt spid="249"/>
+                                        </p:tgtEl>
+                                        <p:attrNameLst>
+                                          <p:attrName>style.visibility</p:attrName>
+                                        </p:attrNameLst>
+                                      </p:cBhvr>
+                                      <p:to>
+                                        <p:strVal val="visible"/>
+                                      </p:to>
+                                    </p:set>
+                                    <p:animEffect filter="dissolve" transition="in">
+                                      <p:cBhvr>
+                                        <p:cTn id="7" dur="800"/>
+                                        <p:tgtEl>
+                                          <p:spTgt spid="249"/>
+                                        </p:tgtEl>
+                                      </p:cBhvr>
+                                    </p:animEffect>
+                                  </p:childTnLst>
+                                </p:cTn>
+                              </p:par>
+                            </p:childTnLst>
+                          </p:cTn>
+                        </p:par>
+                        <p:par>
+                          <p:cTn id="8" fill="hold">
+                            <p:stCondLst>
+                              <p:cond delay="800"/>
+                            </p:stCondLst>
+                            <p:childTnLst>
+                              <p:par>
+                                <p:cTn id="9" presetClass="entr" nodeType="afterEffect" presetID="9" grpId="2" fill="hold">
+                                  <p:stCondLst>
+                                    <p:cond delay="0"/>
+                                  </p:stCondLst>
+                                  <p:iterate type="el" backwards="0">
+                                    <p:tmAbs val="0"/>
+                                  </p:iterate>
+                                  <p:childTnLst>
+                                    <p:set>
+                                      <p:cBhvr>
+                                        <p:cTn id="10" fill="hold"/>
+                                        <p:tgtEl>
+                                          <p:spTgt spid="253"/>
+                                        </p:tgtEl>
+                                        <p:attrNameLst>
+                                          <p:attrName>style.visibility</p:attrName>
+                                        </p:attrNameLst>
+                                      </p:cBhvr>
+                                      <p:to>
+                                        <p:strVal val="visible"/>
+                                      </p:to>
+                                    </p:set>
+                                    <p:animEffect filter="dissolve" transition="in">
+                                      <p:cBhvr>
+                                        <p:cTn id="11" dur="1000"/>
+                                        <p:tgtEl>
+                                          <p:spTgt spid="253"/>
+                                        </p:tgtEl>
+                                      </p:cBhvr>
+                                    </p:animEffect>
+                                  </p:childTnLst>
+                                </p:cTn>
+                              </p:par>
+                            </p:childTnLst>
+                          </p:cTn>
+                        </p:par>
+                      </p:childTnLst>
+                    </p:cTn>
+                  </p:par>
+                  <p:par>
+                    <p:cTn id="12" fill="hold">
+                      <p:stCondLst>
+                        <p:cond delay="indefinite"/>
+                      </p:stCondLst>
+                      <p:childTnLst>
+                        <p:par>
+                          <p:cTn id="13" fill="hold">
+                            <p:stCondLst>
+                              <p:cond delay="0"/>
+                            </p:stCondLst>
+                            <p:childTnLst>
+                              <p:par>
+                                <p:cTn id="14" presetClass="entr" nodeType="clickEffect" presetID="9" grpId="3" fill="hold">
+                                  <p:stCondLst>
+                                    <p:cond delay="0"/>
+                                  </p:stCondLst>
+                                  <p:iterate type="el" backwards="0">
+                                    <p:tmAbs val="0"/>
+                                  </p:iterate>
+                                  <p:childTnLst>
+                                    <p:set>
+                                      <p:cBhvr>
+                                        <p:cTn id="15" fill="hold"/>
+                                        <p:tgtEl>
+                                          <p:spTgt spid="248"/>
+                                        </p:tgtEl>
+                                        <p:attrNameLst>
+                                          <p:attrName>style.visibility</p:attrName>
+                                        </p:attrNameLst>
+                                      </p:cBhvr>
+                                      <p:to>
+                                        <p:strVal val="visible"/>
+                                      </p:to>
+                                    </p:set>
+                                    <p:animEffect filter="dissolve" transition="in">
+                                      <p:cBhvr>
+                                        <p:cTn id="16" dur="800"/>
+                                        <p:tgtEl>
+                                          <p:spTgt spid="248"/>
+                                        </p:tgtEl>
+                                      </p:cBhvr>
+                                    </p:animEffect>
+                                  </p:childTnLst>
+                                </p:cTn>
+                              </p:par>
+                            </p:childTnLst>
+                          </p:cTn>
+                        </p:par>
+                        <p:par>
+                          <p:cTn id="17" fill="hold">
+                            <p:stCondLst>
+                              <p:cond delay="800"/>
+                            </p:stCondLst>
+                            <p:childTnLst>
+                              <p:par>
+                                <p:cTn id="18" presetClass="entr" nodeType="afterEffect" presetID="9" grpId="4" fill="hold">
+                                  <p:stCondLst>
+                                    <p:cond delay="0"/>
+                                  </p:stCondLst>
+                                  <p:iterate type="el" backwards="0">
+                                    <p:tmAbs val="0"/>
+                                  </p:iterate>
+                                  <p:childTnLst>
+                                    <p:set>
+                                      <p:cBhvr>
+                                        <p:cTn id="19" fill="hold"/>
+                                        <p:tgtEl>
+                                          <p:spTgt spid="254"/>
+                                        </p:tgtEl>
+                                        <p:attrNameLst>
+                                          <p:attrName>style.visibility</p:attrName>
+                                        </p:attrNameLst>
+                                      </p:cBhvr>
+                                      <p:to>
+                                        <p:strVal val="visible"/>
+                                      </p:to>
+                                    </p:set>
+                                    <p:animEffect filter="dissolve" transition="in">
+                                      <p:cBhvr>
+                                        <p:cTn id="20" dur="1000"/>
+                                        <p:tgtEl>
+                                          <p:spTgt spid="254"/>
+                                        </p:tgtEl>
+                                      </p:cBhvr>
+                                    </p:animEffect>
+                                  </p:childTnLst>
+                                </p:cTn>
+                              </p:par>
+                            </p:childTnLst>
+                          </p:cTn>
+                        </p:par>
+                      </p:childTnLst>
+                    </p:cTn>
+                  </p:par>
+                  <p:par>
+                    <p:cTn id="21" fill="hold">
+                      <p:stCondLst>
+                        <p:cond delay="indefinite"/>
+                      </p:stCondLst>
+                      <p:childTnLst>
+                        <p:par>
+                          <p:cTn id="22" fill="hold">
+                            <p:stCondLst>
+                              <p:cond delay="0"/>
+                            </p:stCondLst>
+                            <p:childTnLst>
+                              <p:par>
+                                <p:cTn id="23" presetClass="entr" nodeType="clickEffect" presetID="9" grpId="5" fill="hold">
+                                  <p:stCondLst>
+                                    <p:cond delay="0"/>
+                                  </p:stCondLst>
+                                  <p:iterate type="el" backwards="0">
+                                    <p:tmAbs val="0"/>
+                                  </p:iterate>
+                                  <p:childTnLst>
+                                    <p:set>
+                                      <p:cBhvr>
+                                        <p:cTn id="24" fill="hold"/>
+                                        <p:tgtEl>
+                                          <p:spTgt spid="250"/>
+                                        </p:tgtEl>
+                                        <p:attrNameLst>
+                                          <p:attrName>style.visibility</p:attrName>
+                                        </p:attrNameLst>
+                                      </p:cBhvr>
+                                      <p:to>
+                                        <p:strVal val="visible"/>
+                                      </p:to>
+                                    </p:set>
+                                    <p:animEffect filter="dissolve" transition="in">
+                                      <p:cBhvr>
+                                        <p:cTn id="25" dur="800"/>
+                                        <p:tgtEl>
+                                          <p:spTgt spid="250"/>
+                                        </p:tgtEl>
+                                      </p:cBhvr>
+                                    </p:animEffect>
+                                  </p:childTnLst>
+                                </p:cTn>
+                              </p:par>
+                            </p:childTnLst>
+                          </p:cTn>
+                        </p:par>
+                        <p:par>
+                          <p:cTn id="26" fill="hold">
+                            <p:stCondLst>
+                              <p:cond delay="800"/>
+                            </p:stCondLst>
+                            <p:childTnLst>
+                              <p:par>
+                                <p:cTn id="27" presetClass="entr" nodeType="afterEffect" presetID="9" grpId="6" fill="hold">
+                                  <p:stCondLst>
+                                    <p:cond delay="0"/>
+                                  </p:stCondLst>
+                                  <p:iterate type="el" backwards="0">
+                                    <p:tmAbs val="0"/>
+                                  </p:iterate>
+                                  <p:childTnLst>
+                                    <p:set>
+                                      <p:cBhvr>
+                                        <p:cTn id="28" fill="hold"/>
+                                        <p:tgtEl>
+                                          <p:spTgt spid="256"/>
+                                        </p:tgtEl>
+                                        <p:attrNameLst>
+                                          <p:attrName>style.visibility</p:attrName>
+                                        </p:attrNameLst>
+                                      </p:cBhvr>
+                                      <p:to>
+                                        <p:strVal val="visible"/>
+                                      </p:to>
+                                    </p:set>
+                                    <p:animEffect filter="dissolve" transition="in">
+                                      <p:cBhvr>
+                                        <p:cTn id="29" dur="1000"/>
+                                        <p:tgtEl>
+                                          <p:spTgt spid="256"/>
+                                        </p:tgtEl>
+                                      </p:cBhvr>
+                                    </p:animEffect>
+                                  </p:childTnLst>
+                                </p:cTn>
+                              </p:par>
+                            </p:childTnLst>
+                          </p:cTn>
+                        </p:par>
+                      </p:childTnLst>
+                    </p:cTn>
+                  </p:par>
+                  <p:par>
+                    <p:cTn id="30" fill="hold">
+                      <p:stCondLst>
+                        <p:cond delay="indefinite"/>
+                      </p:stCondLst>
+                      <p:childTnLst>
+                        <p:par>
+                          <p:cTn id="31" fill="hold">
+                            <p:stCondLst>
+                              <p:cond delay="0"/>
+                            </p:stCondLst>
+                            <p:childTnLst>
+                              <p:par>
+                                <p:cTn id="32" presetClass="entr" nodeType="clickEffect" presetID="9" grpId="7" fill="hold">
+                                  <p:stCondLst>
+                                    <p:cond delay="0"/>
+                                  </p:stCondLst>
+                                  <p:iterate type="el" backwards="0">
+                                    <p:tmAbs val="0"/>
+                                  </p:iterate>
+                                  <p:childTnLst>
+                                    <p:set>
+                                      <p:cBhvr>
+                                        <p:cTn id="33" fill="hold"/>
+                                        <p:tgtEl>
+                                          <p:spTgt spid="251"/>
+                                        </p:tgtEl>
+                                        <p:attrNameLst>
+                                          <p:attrName>style.visibility</p:attrName>
+                                        </p:attrNameLst>
+                                      </p:cBhvr>
+                                      <p:to>
+                                        <p:strVal val="visible"/>
+                                      </p:to>
+                                    </p:set>
+                                    <p:animEffect filter="dissolve" transition="in">
+                                      <p:cBhvr>
+                                        <p:cTn id="34" dur="800"/>
+                                        <p:tgtEl>
+                                          <p:spTgt spid="251"/>
+                                        </p:tgtEl>
+                                      </p:cBhvr>
+                                    </p:animEffect>
+                                  </p:childTnLst>
+                                </p:cTn>
+                              </p:par>
+                            </p:childTnLst>
+                          </p:cTn>
+                        </p:par>
+                        <p:par>
+                          <p:cTn id="35" fill="hold">
+                            <p:stCondLst>
+                              <p:cond delay="800"/>
+                            </p:stCondLst>
+                            <p:childTnLst>
+                              <p:par>
+                                <p:cTn id="36" presetClass="entr" nodeType="afterEffect" presetID="9" grpId="8" fill="hold">
+                                  <p:stCondLst>
+                                    <p:cond delay="0"/>
+                                  </p:stCondLst>
+                                  <p:iterate type="el" backwards="0">
+                                    <p:tmAbs val="0"/>
+                                  </p:iterate>
+                                  <p:childTnLst>
+                                    <p:set>
+                                      <p:cBhvr>
+                                        <p:cTn id="37" fill="hold"/>
+                                        <p:tgtEl>
+                                          <p:spTgt spid="255"/>
+                                        </p:tgtEl>
+                                        <p:attrNameLst>
+                                          <p:attrName>style.visibility</p:attrName>
+                                        </p:attrNameLst>
+                                      </p:cBhvr>
+                                      <p:to>
+                                        <p:strVal val="visible"/>
+                                      </p:to>
+                                    </p:set>
+                                    <p:animEffect filter="dissolve" transition="in">
+                                      <p:cBhvr>
+                                        <p:cTn id="38" dur="1000"/>
+                                        <p:tgtEl>
+                                          <p:spTgt spid="255"/>
+                                        </p:tgtEl>
+                                      </p:cBhvr>
+                                    </p:animEffect>
+                                  </p:childTnLst>
+                                </p:cTn>
+                              </p:par>
+                            </p:childTnLst>
+                          </p:cTn>
+                        </p:par>
+                      </p:childTnLst>
+                    </p:cTn>
+                  </p:par>
+                </p:childTnLst>
+              </p:cTn>
+              <p:prevCondLst>
+                <p:cond evt="onPrev">
+                  <p:tgtEl>
+                    <p:sldTgt/>
+                  </p:tgtEl>
+                </p:cond>
+              </p:prevCondLst>
+              <p:nextCondLst>
+                <p:cond evt="onNext">
+                  <p:tgtEl>
+                    <p:sldTgt/>
+                  </p:tgtEl>
+                </p:cond>
+              </p:nextCondLst>
+            </p:seq>
+          </p:childTnLst>
+        </p:cTn>
+      </p:par>
+    </p:tnLst>
+    <p:bldLst>
+      <p:bldP build="whole" bldLvl="1" animBg="1" rev="0" advAuto="0" spid="255" grpId="8"/>
+      <p:bldP build="whole" bldLvl="1" animBg="1" rev="0" advAuto="0" spid="250" grpId="5"/>
+      <p:bldP build="whole" bldLvl="1" animBg="1" rev="0" advAuto="0" spid="248" grpId="3"/>
+      <p:bldP build="whole" bldLvl="1" animBg="1" rev="0" advAuto="0" spid="256" grpId="6"/>
+      <p:bldP build="whole" bldLvl="1" animBg="1" rev="0" advAuto="0" spid="249" grpId="1"/>
+      <p:bldP build="whole" bldLvl="1" animBg="1" rev="0" advAuto="0" spid="251" grpId="7"/>
+      <p:bldP build="whole" bldLvl="1" animBg="1" rev="0" advAuto="0" spid="253" grpId="2"/>
+      <p:bldP build="whole" bldLvl="1" animBg="1" rev="0" advAuto="0" spid="254" grpId="4"/>
     </p:bldLst>
   </p:timing>
 </p:sld>
@@ -6376,7 +7931,7 @@
         </p:blipFill>
         <p:spPr>
           <a:xfrm>
-            <a:off x="7541118" y="5069940"/>
+            <a:off x="1097493" y="5985252"/>
             <a:ext cx="1120063" cy="1120063"/>
           </a:xfrm>
           <a:prstGeom prst="rect">
@@ -6405,8 +7960,8 @@
         </p:blipFill>
         <p:spPr>
           <a:xfrm>
-            <a:off x="7541118" y="2729269"/>
-            <a:ext cx="1120063" cy="1120062"/>
+            <a:off x="7403831" y="4316769"/>
+            <a:ext cx="1120063" cy="1120063"/>
           </a:xfrm>
           <a:prstGeom prst="rect">
             <a:avLst/>
@@ -6435,7 +7990,7 @@
         <p:spPr>
           <a:xfrm>
             <a:off x="1088641" y="2729269"/>
-            <a:ext cx="1120063" cy="1120062"/>
+            <a:ext cx="1120063" cy="1120063"/>
           </a:xfrm>
           <a:prstGeom prst="rect">
             <a:avLst/>
@@ -6463,7 +8018,7 @@
         </p:blipFill>
         <p:spPr>
           <a:xfrm>
-            <a:off x="7541118" y="7410611"/>
+            <a:off x="7441273" y="5933540"/>
             <a:ext cx="1120063" cy="1120063"/>
           </a:xfrm>
           <a:prstGeom prst="rect">
@@ -6492,8 +8047,8 @@
         </p:blipFill>
         <p:spPr>
           <a:xfrm>
-            <a:off x="1088641" y="7352069"/>
-            <a:ext cx="1120063" cy="1120062"/>
+            <a:off x="1092350" y="4357260"/>
+            <a:ext cx="1120063" cy="1120063"/>
           </a:xfrm>
           <a:prstGeom prst="rect">
             <a:avLst/>
@@ -6521,8 +8076,8 @@
         </p:blipFill>
         <p:spPr>
           <a:xfrm>
-            <a:off x="1088641" y="5040669"/>
-            <a:ext cx="1120063" cy="1120062"/>
+            <a:off x="7428793" y="2699997"/>
+            <a:ext cx="1120063" cy="1120063"/>
           </a:xfrm>
           <a:prstGeom prst="rect">
             <a:avLst/>
@@ -6534,7 +8089,7 @@
       </p:pic>
       <p:sp>
         <p:nvSpPr>
-          <p:cNvPr id="134" name="Texte"/>
+          <p:cNvPr id="134" name="Présentation du sujet"/>
           <p:cNvSpPr txBox="1"/>
           <p:nvPr/>
         </p:nvSpPr>
@@ -6542,39 +8097,6 @@
           <a:xfrm>
             <a:off x="2539423" y="3095828"/>
             <a:ext cx="3885821" cy="386944"/>
-          </a:xfrm>
-          <a:prstGeom prst="rect">
-            <a:avLst/>
-          </a:prstGeom>
-          <a:ln w="12700">
-            <a:miter lim="400000"/>
-          </a:ln>
-        </p:spPr>
-        <p:txBody>
-          <a:bodyPr lIns="50800" tIns="50800" rIns="50800" bIns="50800" anchor="ctr">
-            <a:spAutoFit/>
-          </a:bodyPr>
-          <a:lstStyle/>
-          <a:p>
-            <a:pPr algn="l">
-              <a:spcBef>
-                <a:spcPts val="500"/>
-              </a:spcBef>
-              <a:defRPr b="0" sz="1900"/>
-            </a:pPr>
-          </a:p>
-        </p:txBody>
-      </p:sp>
-      <p:sp>
-        <p:nvSpPr>
-          <p:cNvPr id="135" name="Création de la classe Fou…"/>
-          <p:cNvSpPr txBox="1"/>
-          <p:nvPr/>
-        </p:nvSpPr>
-        <p:spPr>
-          <a:xfrm>
-            <a:off x="2539423" y="5229428"/>
-            <a:ext cx="3885821" cy="742544"/>
           </a:xfrm>
           <a:prstGeom prst="rect">
             <a:avLst/>
@@ -6592,41 +8114,32 @@
           <a:bodyPr lIns="50800" tIns="50800" rIns="50800" bIns="50800" anchor="ctr">
             <a:spAutoFit/>
           </a:bodyPr>
-          <a:lstStyle/>
-          <a:p>
-            <a:pPr algn="l">
+          <a:lstStyle>
+            <a:lvl1pPr algn="l">
               <a:spcBef>
                 <a:spcPts val="500"/>
               </a:spcBef>
               <a:defRPr b="0" sz="1900"/>
-            </a:pPr>
+            </a:lvl1pPr>
+          </a:lstStyle>
+          <a:p>
+            <a:pPr/>
             <a:r>
-              <a:t>Création de la classe Fou</a:t>
-            </a:r>
-          </a:p>
-          <a:p>
-            <a:pPr algn="l">
-              <a:spcBef>
-                <a:spcPts val="500"/>
-              </a:spcBef>
-              <a:defRPr b="0" sz="1900"/>
-            </a:pPr>
-            <a:r>
-              <a:t>Création de la classe Pion</a:t>
+              <a:t>Présentation du sujet</a:t>
             </a:r>
           </a:p>
         </p:txBody>
       </p:sp>
       <p:sp>
         <p:nvSpPr>
-          <p:cNvPr id="136" name="Création de la classe Fou…"/>
+          <p:cNvPr id="135" name="Présentation des fonctionnalités et des contraintes techniques"/>
           <p:cNvSpPr txBox="1"/>
           <p:nvPr/>
         </p:nvSpPr>
         <p:spPr>
           <a:xfrm>
-            <a:off x="2539423" y="7599370"/>
-            <a:ext cx="3885821" cy="742545"/>
+            <a:off x="8879575" y="2920507"/>
+            <a:ext cx="3885820" cy="679044"/>
           </a:xfrm>
           <a:prstGeom prst="rect">
             <a:avLst/>
@@ -6644,41 +8157,32 @@
           <a:bodyPr lIns="50800" tIns="50800" rIns="50800" bIns="50800" anchor="ctr">
             <a:spAutoFit/>
           </a:bodyPr>
-          <a:lstStyle/>
-          <a:p>
-            <a:pPr algn="l">
+          <a:lstStyle>
+            <a:lvl1pPr algn="l">
               <a:spcBef>
                 <a:spcPts val="500"/>
               </a:spcBef>
               <a:defRPr b="0" sz="1900"/>
-            </a:pPr>
+            </a:lvl1pPr>
+          </a:lstStyle>
+          <a:p>
+            <a:pPr/>
             <a:r>
-              <a:t>Création de la classe Fou</a:t>
-            </a:r>
-          </a:p>
-          <a:p>
-            <a:pPr algn="l">
-              <a:spcBef>
-                <a:spcPts val="500"/>
-              </a:spcBef>
-              <a:defRPr b="0" sz="1900"/>
-            </a:pPr>
-            <a:r>
-              <a:t>Création de la classe Pion</a:t>
+              <a:t>Présentation des fonctionnalités et des contraintes techniques</a:t>
             </a:r>
           </a:p>
         </p:txBody>
       </p:sp>
       <p:sp>
         <p:nvSpPr>
-          <p:cNvPr id="137" name="Création de la classe Fou…"/>
+          <p:cNvPr id="136" name="Déroulement du projet"/>
           <p:cNvSpPr txBox="1"/>
           <p:nvPr/>
         </p:nvSpPr>
         <p:spPr>
           <a:xfrm>
-            <a:off x="8906730" y="2870299"/>
-            <a:ext cx="3885821" cy="742545"/>
+            <a:off x="2543132" y="4782362"/>
+            <a:ext cx="3885821" cy="386944"/>
           </a:xfrm>
           <a:prstGeom prst="rect">
             <a:avLst/>
@@ -6696,41 +8200,32 @@
           <a:bodyPr lIns="50800" tIns="50800" rIns="50800" bIns="50800" anchor="ctr">
             <a:spAutoFit/>
           </a:bodyPr>
-          <a:lstStyle/>
-          <a:p>
-            <a:pPr algn="l">
+          <a:lstStyle>
+            <a:lvl1pPr algn="l">
               <a:spcBef>
                 <a:spcPts val="500"/>
               </a:spcBef>
               <a:defRPr b="0" sz="1900"/>
-            </a:pPr>
+            </a:lvl1pPr>
+          </a:lstStyle>
+          <a:p>
+            <a:pPr/>
             <a:r>
-              <a:t>Création de la classe Fou</a:t>
-            </a:r>
-          </a:p>
-          <a:p>
-            <a:pPr algn="l">
-              <a:spcBef>
-                <a:spcPts val="500"/>
-              </a:spcBef>
-              <a:defRPr b="0" sz="1900"/>
-            </a:pPr>
-            <a:r>
-              <a:t>Création de la classe Pion</a:t>
+              <a:t>Déroulement du projet </a:t>
             </a:r>
           </a:p>
         </p:txBody>
       </p:sp>
       <p:sp>
         <p:nvSpPr>
-          <p:cNvPr id="138" name="Création de la classe Fou…"/>
+          <p:cNvPr id="137" name="Démonstration du jeu"/>
           <p:cNvSpPr txBox="1"/>
           <p:nvPr/>
         </p:nvSpPr>
         <p:spPr>
           <a:xfrm>
-            <a:off x="8906730" y="5229428"/>
-            <a:ext cx="3885821" cy="742544"/>
+            <a:off x="8769443" y="4635599"/>
+            <a:ext cx="3885821" cy="386945"/>
           </a:xfrm>
           <a:prstGeom prst="rect">
             <a:avLst/>
@@ -6748,41 +8243,32 @@
           <a:bodyPr lIns="50800" tIns="50800" rIns="50800" bIns="50800" anchor="ctr">
             <a:spAutoFit/>
           </a:bodyPr>
-          <a:lstStyle/>
-          <a:p>
-            <a:pPr algn="l">
+          <a:lstStyle>
+            <a:lvl1pPr algn="l">
               <a:spcBef>
                 <a:spcPts val="500"/>
               </a:spcBef>
               <a:defRPr b="0" sz="1900"/>
-            </a:pPr>
+            </a:lvl1pPr>
+          </a:lstStyle>
+          <a:p>
+            <a:pPr/>
             <a:r>
-              <a:t>Création de la classe Fou</a:t>
-            </a:r>
-          </a:p>
-          <a:p>
-            <a:pPr algn="l">
-              <a:spcBef>
-                <a:spcPts val="500"/>
-              </a:spcBef>
-              <a:defRPr b="0" sz="1900"/>
-            </a:pPr>
-            <a:r>
-              <a:t>Création de la classe Pion</a:t>
+              <a:t>Démonstration du jeu</a:t>
             </a:r>
           </a:p>
         </p:txBody>
       </p:sp>
       <p:sp>
         <p:nvSpPr>
-          <p:cNvPr id="139" name="Création de la classe Fou…"/>
+          <p:cNvPr id="138" name="Présentation des défis techniques"/>
           <p:cNvSpPr txBox="1"/>
           <p:nvPr/>
         </p:nvSpPr>
         <p:spPr>
           <a:xfrm>
-            <a:off x="8906730" y="7599370"/>
-            <a:ext cx="3885821" cy="742545"/>
+            <a:off x="2463105" y="6322540"/>
+            <a:ext cx="3885821" cy="386945"/>
           </a:xfrm>
           <a:prstGeom prst="rect">
             <a:avLst/>
@@ -6800,31 +8286,205 @@
           <a:bodyPr lIns="50800" tIns="50800" rIns="50800" bIns="50800" anchor="ctr">
             <a:spAutoFit/>
           </a:bodyPr>
-          <a:lstStyle/>
-          <a:p>
-            <a:pPr marL="272435" indent="-272435" algn="l">
+          <a:lstStyle>
+            <a:lvl1pPr algn="l">
               <a:spcBef>
                 <a:spcPts val="500"/>
               </a:spcBef>
-              <a:buSzPct val="145000"/>
-              <a:buChar char="-"/>
               <a:defRPr b="0" sz="1900"/>
-            </a:pPr>
+            </a:lvl1pPr>
+          </a:lstStyle>
+          <a:p>
+            <a:pPr/>
             <a:r>
-              <a:t>Création de la classe Fou</a:t>
+              <a:t>Présentation des défis techniques</a:t>
             </a:r>
           </a:p>
-          <a:p>
-            <a:pPr marL="272435" indent="-272435" algn="l">
+        </p:txBody>
+      </p:sp>
+      <p:sp>
+        <p:nvSpPr>
+          <p:cNvPr id="139" name="Choix de conception"/>
+          <p:cNvSpPr txBox="1"/>
+          <p:nvPr/>
+        </p:nvSpPr>
+        <p:spPr>
+          <a:xfrm>
+            <a:off x="8806885" y="6300099"/>
+            <a:ext cx="3885821" cy="386944"/>
+          </a:xfrm>
+          <a:prstGeom prst="rect">
+            <a:avLst/>
+          </a:prstGeom>
+          <a:ln w="12700">
+            <a:miter lim="400000"/>
+          </a:ln>
+          <a:extLst>
+            <a:ext uri="{C572A759-6A51-4108-AA02-DFA0A04FC94B}">
+              <ma14:wrappingTextBoxFlag xmlns:ma14="http://schemas.microsoft.com/office/mac/drawingml/2011/main" val="1"/>
+            </a:ext>
+          </a:extLst>
+        </p:spPr>
+        <p:txBody>
+          <a:bodyPr lIns="50800" tIns="50800" rIns="50800" bIns="50800" anchor="ctr">
+            <a:spAutoFit/>
+          </a:bodyPr>
+          <a:lstStyle>
+            <a:lvl1pPr algn="l">
               <a:spcBef>
                 <a:spcPts val="500"/>
               </a:spcBef>
-              <a:buSzPct val="145000"/>
-              <a:buChar char="-"/>
               <a:defRPr b="0" sz="1900"/>
-            </a:pPr>
+            </a:lvl1pPr>
+          </a:lstStyle>
+          <a:p>
+            <a:pPr/>
             <a:r>
-              <a:t>Création de la classe Pion</a:t>
+              <a:t>Choix de conception</a:t>
+            </a:r>
+          </a:p>
+        </p:txBody>
+      </p:sp>
+      <p:pic>
+        <p:nvPicPr>
+          <p:cNvPr id="140" name="eight.png" descr="eight.png"/>
+          <p:cNvPicPr>
+            <a:picLocks noChangeAspect="1"/>
+          </p:cNvPicPr>
+          <p:nvPr/>
+        </p:nvPicPr>
+        <p:blipFill>
+          <a:blip r:embed="rId8">
+            <a:extLst/>
+          </a:blip>
+          <a:stretch>
+            <a:fillRect/>
+          </a:stretch>
+        </p:blipFill>
+        <p:spPr>
+          <a:xfrm>
+            <a:off x="7453754" y="7550311"/>
+            <a:ext cx="1120063" cy="1120063"/>
+          </a:xfrm>
+          <a:prstGeom prst="rect">
+            <a:avLst/>
+          </a:prstGeom>
+          <a:ln w="12700">
+            <a:miter lim="400000"/>
+          </a:ln>
+        </p:spPr>
+      </p:pic>
+      <p:pic>
+        <p:nvPicPr>
+          <p:cNvPr id="141" name="seven.png" descr="seven.png"/>
+          <p:cNvPicPr>
+            <a:picLocks noChangeAspect="1"/>
+          </p:cNvPicPr>
+          <p:nvPr/>
+        </p:nvPicPr>
+        <p:blipFill>
+          <a:blip r:embed="rId9">
+            <a:extLst/>
+          </a:blip>
+          <a:stretch>
+            <a:fillRect/>
+          </a:stretch>
+        </p:blipFill>
+        <p:spPr>
+          <a:xfrm>
+            <a:off x="1126082" y="7613244"/>
+            <a:ext cx="1120063" cy="1120063"/>
+          </a:xfrm>
+          <a:prstGeom prst="rect">
+            <a:avLst/>
+          </a:prstGeom>
+          <a:ln w="12700">
+            <a:miter lim="400000"/>
+          </a:ln>
+        </p:spPr>
+      </p:pic>
+      <p:sp>
+        <p:nvSpPr>
+          <p:cNvPr id="142" name="Répartitions des tâches"/>
+          <p:cNvSpPr txBox="1"/>
+          <p:nvPr/>
+        </p:nvSpPr>
+        <p:spPr>
+          <a:xfrm>
+            <a:off x="2551903" y="7950838"/>
+            <a:ext cx="3885821" cy="386944"/>
+          </a:xfrm>
+          <a:prstGeom prst="rect">
+            <a:avLst/>
+          </a:prstGeom>
+          <a:ln w="12700">
+            <a:miter lim="400000"/>
+          </a:ln>
+          <a:extLst>
+            <a:ext uri="{C572A759-6A51-4108-AA02-DFA0A04FC94B}">
+              <ma14:wrappingTextBoxFlag xmlns:ma14="http://schemas.microsoft.com/office/mac/drawingml/2011/main" val="1"/>
+            </a:ext>
+          </a:extLst>
+        </p:spPr>
+        <p:txBody>
+          <a:bodyPr lIns="50800" tIns="50800" rIns="50800" bIns="50800" anchor="ctr">
+            <a:spAutoFit/>
+          </a:bodyPr>
+          <a:lstStyle>
+            <a:lvl1pPr algn="l">
+              <a:spcBef>
+                <a:spcPts val="500"/>
+              </a:spcBef>
+              <a:defRPr b="0" sz="1900"/>
+            </a:lvl1pPr>
+          </a:lstStyle>
+          <a:p>
+            <a:pPr/>
+            <a:r>
+              <a:t>Répartitions des tâches </a:t>
+            </a:r>
+          </a:p>
+        </p:txBody>
+      </p:sp>
+      <p:sp>
+        <p:nvSpPr>
+          <p:cNvPr id="143" name="Bilan du projet"/>
+          <p:cNvSpPr txBox="1"/>
+          <p:nvPr/>
+        </p:nvSpPr>
+        <p:spPr>
+          <a:xfrm>
+            <a:off x="8819366" y="7916870"/>
+            <a:ext cx="3885821" cy="386944"/>
+          </a:xfrm>
+          <a:prstGeom prst="rect">
+            <a:avLst/>
+          </a:prstGeom>
+          <a:ln w="12700">
+            <a:miter lim="400000"/>
+          </a:ln>
+          <a:extLst>
+            <a:ext uri="{C572A759-6A51-4108-AA02-DFA0A04FC94B}">
+              <ma14:wrappingTextBoxFlag xmlns:ma14="http://schemas.microsoft.com/office/mac/drawingml/2011/main" val="1"/>
+            </a:ext>
+          </a:extLst>
+        </p:spPr>
+        <p:txBody>
+          <a:bodyPr lIns="50800" tIns="50800" rIns="50800" bIns="50800" anchor="ctr">
+            <a:spAutoFit/>
+          </a:bodyPr>
+          <a:lstStyle>
+            <a:lvl1pPr algn="l">
+              <a:spcBef>
+                <a:spcPts val="500"/>
+              </a:spcBef>
+              <a:defRPr b="0" sz="1900"/>
+            </a:lvl1pPr>
+          </a:lstStyle>
+          <a:p>
+            <a:pPr/>
+            <a:r>
+              <a:t>Bilan du projet</a:t>
             </a:r>
           </a:p>
         </p:txBody>
@@ -6834,7 +8494,1501 @@
   <p:clrMapOvr>
     <a:masterClrMapping/>
   </p:clrMapOvr>
-  <p:transition xmlns:p14="http://schemas.microsoft.com/office/powerpoint/2010/main" spd="med" advClick="1"/>
+  <mc:AlternateContent xmlns:mc="http://schemas.openxmlformats.org/markup-compatibility/2006">
+    <mc:Choice xmlns:p14="http://schemas.microsoft.com/office/powerpoint/2010/main" Requires="p14">
+      <p:transition spd="fast" advClick="1" p14:dur="750">
+        <p:push dir="l"/>
+      </p:transition>
+    </mc:Choice>
+    <mc:Fallback>
+      <p:transition spd="fast">
+        <p:fade/>
+      </p:transition>
+    </mc:Fallback>
+  </mc:AlternateContent>
+  <p:timing>
+    <p:tnLst>
+      <p:par>
+        <p:cTn id="1" nodeType="tmRoot" restart="never" dur="indefinite" fill="hold">
+          <p:childTnLst>
+            <p:seq concurrent="1" prevAc="none" nextAc="seek">
+              <p:cTn id="2" nodeType="mainSeq" dur="indefinite" fill="hold">
+                <p:childTnLst>
+                  <p:par>
+                    <p:cTn id="3" fill="hold">
+                      <p:stCondLst>
+                        <p:cond delay="indefinite"/>
+                        <p:cond evt="onBegin">
+                          <p:tn val="2"/>
+                        </p:cond>
+                      </p:stCondLst>
+                      <p:childTnLst>
+                        <p:par>
+                          <p:cTn id="4" fill="hold">
+                            <p:stCondLst>
+                              <p:cond delay="0"/>
+                            </p:stCondLst>
+                            <p:childTnLst>
+                              <p:par>
+                                <p:cTn id="5" presetClass="entr" nodeType="afterEffect" presetSubtype="0" presetID="15" grpId="1" fill="hold">
+                                  <p:stCondLst>
+                                    <p:cond delay="0"/>
+                                  </p:stCondLst>
+                                  <p:iterate type="el" backwards="0">
+                                    <p:tmAbs val="0"/>
+                                  </p:iterate>
+                                  <p:childTnLst>
+                                    <p:set>
+                                      <p:cBhvr>
+                                        <p:cTn id="6" fill="hold"/>
+                                        <p:tgtEl>
+                                          <p:spTgt spid="130"/>
+                                        </p:tgtEl>
+                                        <p:attrNameLst>
+                                          <p:attrName>style.visibility</p:attrName>
+                                        </p:attrNameLst>
+                                      </p:cBhvr>
+                                      <p:to>
+                                        <p:strVal val="visible"/>
+                                      </p:to>
+                                    </p:set>
+                                    <p:anim calcmode="lin" valueType="num">
+                                      <p:cBhvr>
+                                        <p:cTn id="7" dur="1000" fill="hold"/>
+                                        <p:tgtEl>
+                                          <p:spTgt spid="130"/>
+                                        </p:tgtEl>
+                                        <p:attrNameLst>
+                                          <p:attrName>ppt_w</p:attrName>
+                                        </p:attrNameLst>
+                                      </p:cBhvr>
+                                      <p:tavLst>
+                                        <p:tav tm="0">
+                                          <p:val>
+                                            <p:fltVal val="0"/>
+                                          </p:val>
+                                        </p:tav>
+                                        <p:tav tm="100000">
+                                          <p:val>
+                                            <p:strVal val="#ppt_w"/>
+                                          </p:val>
+                                        </p:tav>
+                                      </p:tavLst>
+                                    </p:anim>
+                                    <p:anim calcmode="lin" valueType="num">
+                                      <p:cBhvr>
+                                        <p:cTn id="8" dur="1000" fill="hold"/>
+                                        <p:tgtEl>
+                                          <p:spTgt spid="130"/>
+                                        </p:tgtEl>
+                                        <p:attrNameLst>
+                                          <p:attrName>ppt_h</p:attrName>
+                                        </p:attrNameLst>
+                                      </p:cBhvr>
+                                      <p:tavLst>
+                                        <p:tav tm="0">
+                                          <p:val>
+                                            <p:fltVal val="0"/>
+                                          </p:val>
+                                        </p:tav>
+                                        <p:tav tm="100000">
+                                          <p:val>
+                                            <p:strVal val="#ppt_h"/>
+                                          </p:val>
+                                        </p:tav>
+                                      </p:tavLst>
+                                    </p:anim>
+                                    <p:anim calcmode="lin" valueType="num">
+                                      <p:cBhvr>
+                                        <p:cTn id="9" dur="1000" fill="hold"/>
+                                        <p:tgtEl>
+                                          <p:spTgt spid="130"/>
+                                        </p:tgtEl>
+                                        <p:attrNameLst>
+                                          <p:attrName>ppt_x</p:attrName>
+                                        </p:attrNameLst>
+                                      </p:cBhvr>
+                                      <p:tavLst>
+                                        <p:tav tm="0" fmla="#ppt_x+(cos(-2*pi*(1-$))*-#ppt_x-sin(-2*pi*(1-$))*(1-#ppt_y))*(1-$)">
+                                          <p:val>
+                                            <p:fltVal val="0"/>
+                                          </p:val>
+                                        </p:tav>
+                                        <p:tav tm="100000">
+                                          <p:val>
+                                            <p:fltVal val="1"/>
+                                          </p:val>
+                                        </p:tav>
+                                      </p:tavLst>
+                                    </p:anim>
+                                    <p:anim calcmode="lin" valueType="num">
+                                      <p:cBhvr>
+                                        <p:cTn id="10" dur="1000" fill="hold"/>
+                                        <p:tgtEl>
+                                          <p:spTgt spid="130"/>
+                                        </p:tgtEl>
+                                        <p:attrNameLst>
+                                          <p:attrName>ppt_y</p:attrName>
+                                        </p:attrNameLst>
+                                      </p:cBhvr>
+                                      <p:tavLst>
+                                        <p:tav tm="0" fmla="#ppt_y+(sin(-2*pi*(1-$))*-#ppt_x+cos(-2*pi*(1-$))*(1-#ppt_y))*(1-$)">
+                                          <p:val>
+                                            <p:fltVal val="0"/>
+                                          </p:val>
+                                        </p:tav>
+                                        <p:tav tm="100000">
+                                          <p:val>
+                                            <p:fltVal val="1"/>
+                                          </p:val>
+                                        </p:tav>
+                                      </p:tavLst>
+                                    </p:anim>
+                                  </p:childTnLst>
+                                </p:cTn>
+                              </p:par>
+                            </p:childTnLst>
+                          </p:cTn>
+                        </p:par>
+                        <p:par>
+                          <p:cTn id="11" fill="hold">
+                            <p:stCondLst>
+                              <p:cond delay="1000"/>
+                            </p:stCondLst>
+                            <p:childTnLst>
+                              <p:par>
+                                <p:cTn id="12" presetClass="entr" nodeType="afterEffect" presetID="9" grpId="2" fill="hold">
+                                  <p:stCondLst>
+                                    <p:cond delay="0"/>
+                                  </p:stCondLst>
+                                  <p:iterate type="el" backwards="0">
+                                    <p:tmAbs val="0"/>
+                                  </p:iterate>
+                                  <p:childTnLst>
+                                    <p:set>
+                                      <p:cBhvr>
+                                        <p:cTn id="13" fill="hold"/>
+                                        <p:tgtEl>
+                                          <p:spTgt spid="134"/>
+                                        </p:tgtEl>
+                                        <p:attrNameLst>
+                                          <p:attrName>style.visibility</p:attrName>
+                                        </p:attrNameLst>
+                                      </p:cBhvr>
+                                      <p:to>
+                                        <p:strVal val="visible"/>
+                                      </p:to>
+                                    </p:set>
+                                    <p:animEffect filter="dissolve" transition="in">
+                                      <p:cBhvr>
+                                        <p:cTn id="14" dur="400"/>
+                                        <p:tgtEl>
+                                          <p:spTgt spid="134"/>
+                                        </p:tgtEl>
+                                      </p:cBhvr>
+                                    </p:animEffect>
+                                  </p:childTnLst>
+                                </p:cTn>
+                              </p:par>
+                            </p:childTnLst>
+                          </p:cTn>
+                        </p:par>
+                      </p:childTnLst>
+                    </p:cTn>
+                  </p:par>
+                  <p:par>
+                    <p:cTn id="15" fill="hold">
+                      <p:stCondLst>
+                        <p:cond delay="indefinite"/>
+                      </p:stCondLst>
+                      <p:childTnLst>
+                        <p:par>
+                          <p:cTn id="16" fill="hold">
+                            <p:stCondLst>
+                              <p:cond delay="0"/>
+                            </p:stCondLst>
+                            <p:childTnLst>
+                              <p:par>
+                                <p:cTn id="17" presetClass="entr" nodeType="clickEffect" presetSubtype="0" presetID="15" grpId="3" fill="hold">
+                                  <p:stCondLst>
+                                    <p:cond delay="0"/>
+                                  </p:stCondLst>
+                                  <p:iterate type="el" backwards="0">
+                                    <p:tmAbs val="0"/>
+                                  </p:iterate>
+                                  <p:childTnLst>
+                                    <p:set>
+                                      <p:cBhvr>
+                                        <p:cTn id="18" fill="hold"/>
+                                        <p:tgtEl>
+                                          <p:spTgt spid="133"/>
+                                        </p:tgtEl>
+                                        <p:attrNameLst>
+                                          <p:attrName>style.visibility</p:attrName>
+                                        </p:attrNameLst>
+                                      </p:cBhvr>
+                                      <p:to>
+                                        <p:strVal val="visible"/>
+                                      </p:to>
+                                    </p:set>
+                                    <p:anim calcmode="lin" valueType="num">
+                                      <p:cBhvr>
+                                        <p:cTn id="19" dur="1000" fill="hold"/>
+                                        <p:tgtEl>
+                                          <p:spTgt spid="133"/>
+                                        </p:tgtEl>
+                                        <p:attrNameLst>
+                                          <p:attrName>ppt_w</p:attrName>
+                                        </p:attrNameLst>
+                                      </p:cBhvr>
+                                      <p:tavLst>
+                                        <p:tav tm="0">
+                                          <p:val>
+                                            <p:fltVal val="0"/>
+                                          </p:val>
+                                        </p:tav>
+                                        <p:tav tm="100000">
+                                          <p:val>
+                                            <p:strVal val="#ppt_w"/>
+                                          </p:val>
+                                        </p:tav>
+                                      </p:tavLst>
+                                    </p:anim>
+                                    <p:anim calcmode="lin" valueType="num">
+                                      <p:cBhvr>
+                                        <p:cTn id="20" dur="1000" fill="hold"/>
+                                        <p:tgtEl>
+                                          <p:spTgt spid="133"/>
+                                        </p:tgtEl>
+                                        <p:attrNameLst>
+                                          <p:attrName>ppt_h</p:attrName>
+                                        </p:attrNameLst>
+                                      </p:cBhvr>
+                                      <p:tavLst>
+                                        <p:tav tm="0">
+                                          <p:val>
+                                            <p:fltVal val="0"/>
+                                          </p:val>
+                                        </p:tav>
+                                        <p:tav tm="100000">
+                                          <p:val>
+                                            <p:strVal val="#ppt_h"/>
+                                          </p:val>
+                                        </p:tav>
+                                      </p:tavLst>
+                                    </p:anim>
+                                    <p:anim calcmode="lin" valueType="num">
+                                      <p:cBhvr>
+                                        <p:cTn id="21" dur="1000" fill="hold"/>
+                                        <p:tgtEl>
+                                          <p:spTgt spid="133"/>
+                                        </p:tgtEl>
+                                        <p:attrNameLst>
+                                          <p:attrName>ppt_x</p:attrName>
+                                        </p:attrNameLst>
+                                      </p:cBhvr>
+                                      <p:tavLst>
+                                        <p:tav tm="0" fmla="#ppt_x+(cos(-2*pi*(1-$))*-#ppt_x-sin(-2*pi*(1-$))*(1-#ppt_y))*(1-$)">
+                                          <p:val>
+                                            <p:fltVal val="0"/>
+                                          </p:val>
+                                        </p:tav>
+                                        <p:tav tm="100000">
+                                          <p:val>
+                                            <p:fltVal val="1"/>
+                                          </p:val>
+                                        </p:tav>
+                                      </p:tavLst>
+                                    </p:anim>
+                                    <p:anim calcmode="lin" valueType="num">
+                                      <p:cBhvr>
+                                        <p:cTn id="22" dur="1000" fill="hold"/>
+                                        <p:tgtEl>
+                                          <p:spTgt spid="133"/>
+                                        </p:tgtEl>
+                                        <p:attrNameLst>
+                                          <p:attrName>ppt_y</p:attrName>
+                                        </p:attrNameLst>
+                                      </p:cBhvr>
+                                      <p:tavLst>
+                                        <p:tav tm="0" fmla="#ppt_y+(sin(-2*pi*(1-$))*-#ppt_x+cos(-2*pi*(1-$))*(1-#ppt_y))*(1-$)">
+                                          <p:val>
+                                            <p:fltVal val="0"/>
+                                          </p:val>
+                                        </p:tav>
+                                        <p:tav tm="100000">
+                                          <p:val>
+                                            <p:fltVal val="1"/>
+                                          </p:val>
+                                        </p:tav>
+                                      </p:tavLst>
+                                    </p:anim>
+                                  </p:childTnLst>
+                                </p:cTn>
+                              </p:par>
+                            </p:childTnLst>
+                          </p:cTn>
+                        </p:par>
+                        <p:par>
+                          <p:cTn id="23" fill="hold">
+                            <p:stCondLst>
+                              <p:cond delay="1000"/>
+                            </p:stCondLst>
+                            <p:childTnLst>
+                              <p:par>
+                                <p:cTn id="24" presetClass="entr" nodeType="afterEffect" presetID="9" grpId="4" fill="hold">
+                                  <p:stCondLst>
+                                    <p:cond delay="0"/>
+                                  </p:stCondLst>
+                                  <p:iterate type="el" backwards="0">
+                                    <p:tmAbs val="0"/>
+                                  </p:iterate>
+                                  <p:childTnLst>
+                                    <p:set>
+                                      <p:cBhvr>
+                                        <p:cTn id="25" fill="hold"/>
+                                        <p:tgtEl>
+                                          <p:spTgt spid="135"/>
+                                        </p:tgtEl>
+                                        <p:attrNameLst>
+                                          <p:attrName>style.visibility</p:attrName>
+                                        </p:attrNameLst>
+                                      </p:cBhvr>
+                                      <p:to>
+                                        <p:strVal val="visible"/>
+                                      </p:to>
+                                    </p:set>
+                                    <p:animEffect filter="dissolve" transition="in">
+                                      <p:cBhvr>
+                                        <p:cTn id="26" dur="400"/>
+                                        <p:tgtEl>
+                                          <p:spTgt spid="135"/>
+                                        </p:tgtEl>
+                                      </p:cBhvr>
+                                    </p:animEffect>
+                                  </p:childTnLst>
+                                </p:cTn>
+                              </p:par>
+                            </p:childTnLst>
+                          </p:cTn>
+                        </p:par>
+                      </p:childTnLst>
+                    </p:cTn>
+                  </p:par>
+                  <p:par>
+                    <p:cTn id="27" fill="hold">
+                      <p:stCondLst>
+                        <p:cond delay="indefinite"/>
+                      </p:stCondLst>
+                      <p:childTnLst>
+                        <p:par>
+                          <p:cTn id="28" fill="hold">
+                            <p:stCondLst>
+                              <p:cond delay="0"/>
+                            </p:stCondLst>
+                            <p:childTnLst>
+                              <p:par>
+                                <p:cTn id="29" presetClass="entr" nodeType="clickEffect" presetSubtype="0" presetID="15" grpId="5" fill="hold">
+                                  <p:stCondLst>
+                                    <p:cond delay="0"/>
+                                  </p:stCondLst>
+                                  <p:iterate type="el" backwards="0">
+                                    <p:tmAbs val="0"/>
+                                  </p:iterate>
+                                  <p:childTnLst>
+                                    <p:set>
+                                      <p:cBhvr>
+                                        <p:cTn id="30" fill="hold"/>
+                                        <p:tgtEl>
+                                          <p:spTgt spid="132"/>
+                                        </p:tgtEl>
+                                        <p:attrNameLst>
+                                          <p:attrName>style.visibility</p:attrName>
+                                        </p:attrNameLst>
+                                      </p:cBhvr>
+                                      <p:to>
+                                        <p:strVal val="visible"/>
+                                      </p:to>
+                                    </p:set>
+                                    <p:anim calcmode="lin" valueType="num">
+                                      <p:cBhvr>
+                                        <p:cTn id="31" dur="1000" fill="hold"/>
+                                        <p:tgtEl>
+                                          <p:spTgt spid="132"/>
+                                        </p:tgtEl>
+                                        <p:attrNameLst>
+                                          <p:attrName>ppt_w</p:attrName>
+                                        </p:attrNameLst>
+                                      </p:cBhvr>
+                                      <p:tavLst>
+                                        <p:tav tm="0">
+                                          <p:val>
+                                            <p:fltVal val="0"/>
+                                          </p:val>
+                                        </p:tav>
+                                        <p:tav tm="100000">
+                                          <p:val>
+                                            <p:strVal val="#ppt_w"/>
+                                          </p:val>
+                                        </p:tav>
+                                      </p:tavLst>
+                                    </p:anim>
+                                    <p:anim calcmode="lin" valueType="num">
+                                      <p:cBhvr>
+                                        <p:cTn id="32" dur="1000" fill="hold"/>
+                                        <p:tgtEl>
+                                          <p:spTgt spid="132"/>
+                                        </p:tgtEl>
+                                        <p:attrNameLst>
+                                          <p:attrName>ppt_h</p:attrName>
+                                        </p:attrNameLst>
+                                      </p:cBhvr>
+                                      <p:tavLst>
+                                        <p:tav tm="0">
+                                          <p:val>
+                                            <p:fltVal val="0"/>
+                                          </p:val>
+                                        </p:tav>
+                                        <p:tav tm="100000">
+                                          <p:val>
+                                            <p:strVal val="#ppt_h"/>
+                                          </p:val>
+                                        </p:tav>
+                                      </p:tavLst>
+                                    </p:anim>
+                                    <p:anim calcmode="lin" valueType="num">
+                                      <p:cBhvr>
+                                        <p:cTn id="33" dur="1000" fill="hold"/>
+                                        <p:tgtEl>
+                                          <p:spTgt spid="132"/>
+                                        </p:tgtEl>
+                                        <p:attrNameLst>
+                                          <p:attrName>ppt_x</p:attrName>
+                                        </p:attrNameLst>
+                                      </p:cBhvr>
+                                      <p:tavLst>
+                                        <p:tav tm="0" fmla="#ppt_x+(cos(-2*pi*(1-$))*-#ppt_x-sin(-2*pi*(1-$))*(1-#ppt_y))*(1-$)">
+                                          <p:val>
+                                            <p:fltVal val="0"/>
+                                          </p:val>
+                                        </p:tav>
+                                        <p:tav tm="100000">
+                                          <p:val>
+                                            <p:fltVal val="1"/>
+                                          </p:val>
+                                        </p:tav>
+                                      </p:tavLst>
+                                    </p:anim>
+                                    <p:anim calcmode="lin" valueType="num">
+                                      <p:cBhvr>
+                                        <p:cTn id="34" dur="1000" fill="hold"/>
+                                        <p:tgtEl>
+                                          <p:spTgt spid="132"/>
+                                        </p:tgtEl>
+                                        <p:attrNameLst>
+                                          <p:attrName>ppt_y</p:attrName>
+                                        </p:attrNameLst>
+                                      </p:cBhvr>
+                                      <p:tavLst>
+                                        <p:tav tm="0" fmla="#ppt_y+(sin(-2*pi*(1-$))*-#ppt_x+cos(-2*pi*(1-$))*(1-#ppt_y))*(1-$)">
+                                          <p:val>
+                                            <p:fltVal val="0"/>
+                                          </p:val>
+                                        </p:tav>
+                                        <p:tav tm="100000">
+                                          <p:val>
+                                            <p:fltVal val="1"/>
+                                          </p:val>
+                                        </p:tav>
+                                      </p:tavLst>
+                                    </p:anim>
+                                  </p:childTnLst>
+                                </p:cTn>
+                              </p:par>
+                            </p:childTnLst>
+                          </p:cTn>
+                        </p:par>
+                        <p:par>
+                          <p:cTn id="35" fill="hold">
+                            <p:stCondLst>
+                              <p:cond delay="1000"/>
+                            </p:stCondLst>
+                            <p:childTnLst>
+                              <p:par>
+                                <p:cTn id="36" presetClass="entr" nodeType="afterEffect" presetID="9" grpId="6" fill="hold">
+                                  <p:stCondLst>
+                                    <p:cond delay="0"/>
+                                  </p:stCondLst>
+                                  <p:iterate type="el" backwards="0">
+                                    <p:tmAbs val="0"/>
+                                  </p:iterate>
+                                  <p:childTnLst>
+                                    <p:set>
+                                      <p:cBhvr>
+                                        <p:cTn id="37" fill="hold"/>
+                                        <p:tgtEl>
+                                          <p:spTgt spid="136"/>
+                                        </p:tgtEl>
+                                        <p:attrNameLst>
+                                          <p:attrName>style.visibility</p:attrName>
+                                        </p:attrNameLst>
+                                      </p:cBhvr>
+                                      <p:to>
+                                        <p:strVal val="visible"/>
+                                      </p:to>
+                                    </p:set>
+                                    <p:animEffect filter="dissolve" transition="in">
+                                      <p:cBhvr>
+                                        <p:cTn id="38" dur="400"/>
+                                        <p:tgtEl>
+                                          <p:spTgt spid="136"/>
+                                        </p:tgtEl>
+                                      </p:cBhvr>
+                                    </p:animEffect>
+                                  </p:childTnLst>
+                                </p:cTn>
+                              </p:par>
+                            </p:childTnLst>
+                          </p:cTn>
+                        </p:par>
+                      </p:childTnLst>
+                    </p:cTn>
+                  </p:par>
+                  <p:par>
+                    <p:cTn id="39" fill="hold">
+                      <p:stCondLst>
+                        <p:cond delay="indefinite"/>
+                      </p:stCondLst>
+                      <p:childTnLst>
+                        <p:par>
+                          <p:cTn id="40" fill="hold">
+                            <p:stCondLst>
+                              <p:cond delay="0"/>
+                            </p:stCondLst>
+                            <p:childTnLst>
+                              <p:par>
+                                <p:cTn id="41" presetClass="entr" nodeType="clickEffect" presetSubtype="0" presetID="15" grpId="7" fill="hold">
+                                  <p:stCondLst>
+                                    <p:cond delay="0"/>
+                                  </p:stCondLst>
+                                  <p:iterate type="el" backwards="0">
+                                    <p:tmAbs val="0"/>
+                                  </p:iterate>
+                                  <p:childTnLst>
+                                    <p:set>
+                                      <p:cBhvr>
+                                        <p:cTn id="42" fill="hold"/>
+                                        <p:tgtEl>
+                                          <p:spTgt spid="129"/>
+                                        </p:tgtEl>
+                                        <p:attrNameLst>
+                                          <p:attrName>style.visibility</p:attrName>
+                                        </p:attrNameLst>
+                                      </p:cBhvr>
+                                      <p:to>
+                                        <p:strVal val="visible"/>
+                                      </p:to>
+                                    </p:set>
+                                    <p:anim calcmode="lin" valueType="num">
+                                      <p:cBhvr>
+                                        <p:cTn id="43" dur="1000" fill="hold"/>
+                                        <p:tgtEl>
+                                          <p:spTgt spid="129"/>
+                                        </p:tgtEl>
+                                        <p:attrNameLst>
+                                          <p:attrName>ppt_w</p:attrName>
+                                        </p:attrNameLst>
+                                      </p:cBhvr>
+                                      <p:tavLst>
+                                        <p:tav tm="0">
+                                          <p:val>
+                                            <p:fltVal val="0"/>
+                                          </p:val>
+                                        </p:tav>
+                                        <p:tav tm="100000">
+                                          <p:val>
+                                            <p:strVal val="#ppt_w"/>
+                                          </p:val>
+                                        </p:tav>
+                                      </p:tavLst>
+                                    </p:anim>
+                                    <p:anim calcmode="lin" valueType="num">
+                                      <p:cBhvr>
+                                        <p:cTn id="44" dur="1000" fill="hold"/>
+                                        <p:tgtEl>
+                                          <p:spTgt spid="129"/>
+                                        </p:tgtEl>
+                                        <p:attrNameLst>
+                                          <p:attrName>ppt_h</p:attrName>
+                                        </p:attrNameLst>
+                                      </p:cBhvr>
+                                      <p:tavLst>
+                                        <p:tav tm="0">
+                                          <p:val>
+                                            <p:fltVal val="0"/>
+                                          </p:val>
+                                        </p:tav>
+                                        <p:tav tm="100000">
+                                          <p:val>
+                                            <p:strVal val="#ppt_h"/>
+                                          </p:val>
+                                        </p:tav>
+                                      </p:tavLst>
+                                    </p:anim>
+                                    <p:anim calcmode="lin" valueType="num">
+                                      <p:cBhvr>
+                                        <p:cTn id="45" dur="1000" fill="hold"/>
+                                        <p:tgtEl>
+                                          <p:spTgt spid="129"/>
+                                        </p:tgtEl>
+                                        <p:attrNameLst>
+                                          <p:attrName>ppt_x</p:attrName>
+                                        </p:attrNameLst>
+                                      </p:cBhvr>
+                                      <p:tavLst>
+                                        <p:tav tm="0" fmla="#ppt_x+(cos(-2*pi*(1-$))*-#ppt_x-sin(-2*pi*(1-$))*(1-#ppt_y))*(1-$)">
+                                          <p:val>
+                                            <p:fltVal val="0"/>
+                                          </p:val>
+                                        </p:tav>
+                                        <p:tav tm="100000">
+                                          <p:val>
+                                            <p:fltVal val="1"/>
+                                          </p:val>
+                                        </p:tav>
+                                      </p:tavLst>
+                                    </p:anim>
+                                    <p:anim calcmode="lin" valueType="num">
+                                      <p:cBhvr>
+                                        <p:cTn id="46" dur="1000" fill="hold"/>
+                                        <p:tgtEl>
+                                          <p:spTgt spid="129"/>
+                                        </p:tgtEl>
+                                        <p:attrNameLst>
+                                          <p:attrName>ppt_y</p:attrName>
+                                        </p:attrNameLst>
+                                      </p:cBhvr>
+                                      <p:tavLst>
+                                        <p:tav tm="0" fmla="#ppt_y+(sin(-2*pi*(1-$))*-#ppt_x+cos(-2*pi*(1-$))*(1-#ppt_y))*(1-$)">
+                                          <p:val>
+                                            <p:fltVal val="0"/>
+                                          </p:val>
+                                        </p:tav>
+                                        <p:tav tm="100000">
+                                          <p:val>
+                                            <p:fltVal val="1"/>
+                                          </p:val>
+                                        </p:tav>
+                                      </p:tavLst>
+                                    </p:anim>
+                                  </p:childTnLst>
+                                </p:cTn>
+                              </p:par>
+                            </p:childTnLst>
+                          </p:cTn>
+                        </p:par>
+                        <p:par>
+                          <p:cTn id="47" fill="hold">
+                            <p:stCondLst>
+                              <p:cond delay="1000"/>
+                            </p:stCondLst>
+                            <p:childTnLst>
+                              <p:par>
+                                <p:cTn id="48" presetClass="entr" nodeType="afterEffect" presetID="9" grpId="8" fill="hold">
+                                  <p:stCondLst>
+                                    <p:cond delay="0"/>
+                                  </p:stCondLst>
+                                  <p:iterate type="el" backwards="0">
+                                    <p:tmAbs val="0"/>
+                                  </p:iterate>
+                                  <p:childTnLst>
+                                    <p:set>
+                                      <p:cBhvr>
+                                        <p:cTn id="49" fill="hold"/>
+                                        <p:tgtEl>
+                                          <p:spTgt spid="137"/>
+                                        </p:tgtEl>
+                                        <p:attrNameLst>
+                                          <p:attrName>style.visibility</p:attrName>
+                                        </p:attrNameLst>
+                                      </p:cBhvr>
+                                      <p:to>
+                                        <p:strVal val="visible"/>
+                                      </p:to>
+                                    </p:set>
+                                    <p:animEffect filter="dissolve" transition="in">
+                                      <p:cBhvr>
+                                        <p:cTn id="50" dur="400"/>
+                                        <p:tgtEl>
+                                          <p:spTgt spid="137"/>
+                                        </p:tgtEl>
+                                      </p:cBhvr>
+                                    </p:animEffect>
+                                  </p:childTnLst>
+                                </p:cTn>
+                              </p:par>
+                            </p:childTnLst>
+                          </p:cTn>
+                        </p:par>
+                      </p:childTnLst>
+                    </p:cTn>
+                  </p:par>
+                  <p:par>
+                    <p:cTn id="51" fill="hold">
+                      <p:stCondLst>
+                        <p:cond delay="indefinite"/>
+                      </p:stCondLst>
+                      <p:childTnLst>
+                        <p:par>
+                          <p:cTn id="52" fill="hold">
+                            <p:stCondLst>
+                              <p:cond delay="0"/>
+                            </p:stCondLst>
+                            <p:childTnLst>
+                              <p:par>
+                                <p:cTn id="53" presetClass="entr" nodeType="clickEffect" presetSubtype="0" presetID="15" grpId="9" fill="hold">
+                                  <p:stCondLst>
+                                    <p:cond delay="0"/>
+                                  </p:stCondLst>
+                                  <p:iterate type="el" backwards="0">
+                                    <p:tmAbs val="0"/>
+                                  </p:iterate>
+                                  <p:childTnLst>
+                                    <p:set>
+                                      <p:cBhvr>
+                                        <p:cTn id="54" fill="hold"/>
+                                        <p:tgtEl>
+                                          <p:spTgt spid="128"/>
+                                        </p:tgtEl>
+                                        <p:attrNameLst>
+                                          <p:attrName>style.visibility</p:attrName>
+                                        </p:attrNameLst>
+                                      </p:cBhvr>
+                                      <p:to>
+                                        <p:strVal val="visible"/>
+                                      </p:to>
+                                    </p:set>
+                                    <p:anim calcmode="lin" valueType="num">
+                                      <p:cBhvr>
+                                        <p:cTn id="55" dur="1000" fill="hold"/>
+                                        <p:tgtEl>
+                                          <p:spTgt spid="128"/>
+                                        </p:tgtEl>
+                                        <p:attrNameLst>
+                                          <p:attrName>ppt_w</p:attrName>
+                                        </p:attrNameLst>
+                                      </p:cBhvr>
+                                      <p:tavLst>
+                                        <p:tav tm="0">
+                                          <p:val>
+                                            <p:fltVal val="0"/>
+                                          </p:val>
+                                        </p:tav>
+                                        <p:tav tm="100000">
+                                          <p:val>
+                                            <p:strVal val="#ppt_w"/>
+                                          </p:val>
+                                        </p:tav>
+                                      </p:tavLst>
+                                    </p:anim>
+                                    <p:anim calcmode="lin" valueType="num">
+                                      <p:cBhvr>
+                                        <p:cTn id="56" dur="1000" fill="hold"/>
+                                        <p:tgtEl>
+                                          <p:spTgt spid="128"/>
+                                        </p:tgtEl>
+                                        <p:attrNameLst>
+                                          <p:attrName>ppt_h</p:attrName>
+                                        </p:attrNameLst>
+                                      </p:cBhvr>
+                                      <p:tavLst>
+                                        <p:tav tm="0">
+                                          <p:val>
+                                            <p:fltVal val="0"/>
+                                          </p:val>
+                                        </p:tav>
+                                        <p:tav tm="100000">
+                                          <p:val>
+                                            <p:strVal val="#ppt_h"/>
+                                          </p:val>
+                                        </p:tav>
+                                      </p:tavLst>
+                                    </p:anim>
+                                    <p:anim calcmode="lin" valueType="num">
+                                      <p:cBhvr>
+                                        <p:cTn id="57" dur="1000" fill="hold"/>
+                                        <p:tgtEl>
+                                          <p:spTgt spid="128"/>
+                                        </p:tgtEl>
+                                        <p:attrNameLst>
+                                          <p:attrName>ppt_x</p:attrName>
+                                        </p:attrNameLst>
+                                      </p:cBhvr>
+                                      <p:tavLst>
+                                        <p:tav tm="0" fmla="#ppt_x+(cos(-2*pi*(1-$))*-#ppt_x-sin(-2*pi*(1-$))*(1-#ppt_y))*(1-$)">
+                                          <p:val>
+                                            <p:fltVal val="0"/>
+                                          </p:val>
+                                        </p:tav>
+                                        <p:tav tm="100000">
+                                          <p:val>
+                                            <p:fltVal val="1"/>
+                                          </p:val>
+                                        </p:tav>
+                                      </p:tavLst>
+                                    </p:anim>
+                                    <p:anim calcmode="lin" valueType="num">
+                                      <p:cBhvr>
+                                        <p:cTn id="58" dur="1000" fill="hold"/>
+                                        <p:tgtEl>
+                                          <p:spTgt spid="128"/>
+                                        </p:tgtEl>
+                                        <p:attrNameLst>
+                                          <p:attrName>ppt_y</p:attrName>
+                                        </p:attrNameLst>
+                                      </p:cBhvr>
+                                      <p:tavLst>
+                                        <p:tav tm="0" fmla="#ppt_y+(sin(-2*pi*(1-$))*-#ppt_x+cos(-2*pi*(1-$))*(1-#ppt_y))*(1-$)">
+                                          <p:val>
+                                            <p:fltVal val="0"/>
+                                          </p:val>
+                                        </p:tav>
+                                        <p:tav tm="100000">
+                                          <p:val>
+                                            <p:fltVal val="1"/>
+                                          </p:val>
+                                        </p:tav>
+                                      </p:tavLst>
+                                    </p:anim>
+                                  </p:childTnLst>
+                                </p:cTn>
+                              </p:par>
+                            </p:childTnLst>
+                          </p:cTn>
+                        </p:par>
+                        <p:par>
+                          <p:cTn id="59" fill="hold">
+                            <p:stCondLst>
+                              <p:cond delay="1000"/>
+                            </p:stCondLst>
+                            <p:childTnLst>
+                              <p:par>
+                                <p:cTn id="60" presetClass="entr" nodeType="afterEffect" presetID="9" grpId="10" fill="hold">
+                                  <p:stCondLst>
+                                    <p:cond delay="0"/>
+                                  </p:stCondLst>
+                                  <p:iterate type="el" backwards="0">
+                                    <p:tmAbs val="0"/>
+                                  </p:iterate>
+                                  <p:childTnLst>
+                                    <p:set>
+                                      <p:cBhvr>
+                                        <p:cTn id="61" fill="hold"/>
+                                        <p:tgtEl>
+                                          <p:spTgt spid="138"/>
+                                        </p:tgtEl>
+                                        <p:attrNameLst>
+                                          <p:attrName>style.visibility</p:attrName>
+                                        </p:attrNameLst>
+                                      </p:cBhvr>
+                                      <p:to>
+                                        <p:strVal val="visible"/>
+                                      </p:to>
+                                    </p:set>
+                                    <p:animEffect filter="dissolve" transition="in">
+                                      <p:cBhvr>
+                                        <p:cTn id="62" dur="400"/>
+                                        <p:tgtEl>
+                                          <p:spTgt spid="138"/>
+                                        </p:tgtEl>
+                                      </p:cBhvr>
+                                    </p:animEffect>
+                                  </p:childTnLst>
+                                </p:cTn>
+                              </p:par>
+                            </p:childTnLst>
+                          </p:cTn>
+                        </p:par>
+                      </p:childTnLst>
+                    </p:cTn>
+                  </p:par>
+                  <p:par>
+                    <p:cTn id="63" fill="hold">
+                      <p:stCondLst>
+                        <p:cond delay="indefinite"/>
+                      </p:stCondLst>
+                      <p:childTnLst>
+                        <p:par>
+                          <p:cTn id="64" fill="hold">
+                            <p:stCondLst>
+                              <p:cond delay="0"/>
+                            </p:stCondLst>
+                            <p:childTnLst>
+                              <p:par>
+                                <p:cTn id="65" presetClass="entr" nodeType="clickEffect" presetSubtype="0" presetID="15" grpId="11" fill="hold">
+                                  <p:stCondLst>
+                                    <p:cond delay="0"/>
+                                  </p:stCondLst>
+                                  <p:iterate type="el" backwards="0">
+                                    <p:tmAbs val="0"/>
+                                  </p:iterate>
+                                  <p:childTnLst>
+                                    <p:set>
+                                      <p:cBhvr>
+                                        <p:cTn id="66" fill="hold"/>
+                                        <p:tgtEl>
+                                          <p:spTgt spid="131"/>
+                                        </p:tgtEl>
+                                        <p:attrNameLst>
+                                          <p:attrName>style.visibility</p:attrName>
+                                        </p:attrNameLst>
+                                      </p:cBhvr>
+                                      <p:to>
+                                        <p:strVal val="visible"/>
+                                      </p:to>
+                                    </p:set>
+                                    <p:anim calcmode="lin" valueType="num">
+                                      <p:cBhvr>
+                                        <p:cTn id="67" dur="1000" fill="hold"/>
+                                        <p:tgtEl>
+                                          <p:spTgt spid="131"/>
+                                        </p:tgtEl>
+                                        <p:attrNameLst>
+                                          <p:attrName>ppt_w</p:attrName>
+                                        </p:attrNameLst>
+                                      </p:cBhvr>
+                                      <p:tavLst>
+                                        <p:tav tm="0">
+                                          <p:val>
+                                            <p:fltVal val="0"/>
+                                          </p:val>
+                                        </p:tav>
+                                        <p:tav tm="100000">
+                                          <p:val>
+                                            <p:strVal val="#ppt_w"/>
+                                          </p:val>
+                                        </p:tav>
+                                      </p:tavLst>
+                                    </p:anim>
+                                    <p:anim calcmode="lin" valueType="num">
+                                      <p:cBhvr>
+                                        <p:cTn id="68" dur="1000" fill="hold"/>
+                                        <p:tgtEl>
+                                          <p:spTgt spid="131"/>
+                                        </p:tgtEl>
+                                        <p:attrNameLst>
+                                          <p:attrName>ppt_h</p:attrName>
+                                        </p:attrNameLst>
+                                      </p:cBhvr>
+                                      <p:tavLst>
+                                        <p:tav tm="0">
+                                          <p:val>
+                                            <p:fltVal val="0"/>
+                                          </p:val>
+                                        </p:tav>
+                                        <p:tav tm="100000">
+                                          <p:val>
+                                            <p:strVal val="#ppt_h"/>
+                                          </p:val>
+                                        </p:tav>
+                                      </p:tavLst>
+                                    </p:anim>
+                                    <p:anim calcmode="lin" valueType="num">
+                                      <p:cBhvr>
+                                        <p:cTn id="69" dur="1000" fill="hold"/>
+                                        <p:tgtEl>
+                                          <p:spTgt spid="131"/>
+                                        </p:tgtEl>
+                                        <p:attrNameLst>
+                                          <p:attrName>ppt_x</p:attrName>
+                                        </p:attrNameLst>
+                                      </p:cBhvr>
+                                      <p:tavLst>
+                                        <p:tav tm="0" fmla="#ppt_x+(cos(-2*pi*(1-$))*-#ppt_x-sin(-2*pi*(1-$))*(1-#ppt_y))*(1-$)">
+                                          <p:val>
+                                            <p:fltVal val="0"/>
+                                          </p:val>
+                                        </p:tav>
+                                        <p:tav tm="100000">
+                                          <p:val>
+                                            <p:fltVal val="1"/>
+                                          </p:val>
+                                        </p:tav>
+                                      </p:tavLst>
+                                    </p:anim>
+                                    <p:anim calcmode="lin" valueType="num">
+                                      <p:cBhvr>
+                                        <p:cTn id="70" dur="1000" fill="hold"/>
+                                        <p:tgtEl>
+                                          <p:spTgt spid="131"/>
+                                        </p:tgtEl>
+                                        <p:attrNameLst>
+                                          <p:attrName>ppt_y</p:attrName>
+                                        </p:attrNameLst>
+                                      </p:cBhvr>
+                                      <p:tavLst>
+                                        <p:tav tm="0" fmla="#ppt_y+(sin(-2*pi*(1-$))*-#ppt_x+cos(-2*pi*(1-$))*(1-#ppt_y))*(1-$)">
+                                          <p:val>
+                                            <p:fltVal val="0"/>
+                                          </p:val>
+                                        </p:tav>
+                                        <p:tav tm="100000">
+                                          <p:val>
+                                            <p:fltVal val="1"/>
+                                          </p:val>
+                                        </p:tav>
+                                      </p:tavLst>
+                                    </p:anim>
+                                  </p:childTnLst>
+                                </p:cTn>
+                              </p:par>
+                            </p:childTnLst>
+                          </p:cTn>
+                        </p:par>
+                        <p:par>
+                          <p:cTn id="71" fill="hold">
+                            <p:stCondLst>
+                              <p:cond delay="1000"/>
+                            </p:stCondLst>
+                            <p:childTnLst>
+                              <p:par>
+                                <p:cTn id="72" presetClass="entr" nodeType="afterEffect" presetID="9" grpId="12" fill="hold">
+                                  <p:stCondLst>
+                                    <p:cond delay="0"/>
+                                  </p:stCondLst>
+                                  <p:iterate type="el" backwards="0">
+                                    <p:tmAbs val="0"/>
+                                  </p:iterate>
+                                  <p:childTnLst>
+                                    <p:set>
+                                      <p:cBhvr>
+                                        <p:cTn id="73" fill="hold"/>
+                                        <p:tgtEl>
+                                          <p:spTgt spid="139"/>
+                                        </p:tgtEl>
+                                        <p:attrNameLst>
+                                          <p:attrName>style.visibility</p:attrName>
+                                        </p:attrNameLst>
+                                      </p:cBhvr>
+                                      <p:to>
+                                        <p:strVal val="visible"/>
+                                      </p:to>
+                                    </p:set>
+                                    <p:animEffect filter="dissolve" transition="in">
+                                      <p:cBhvr>
+                                        <p:cTn id="74" dur="400"/>
+                                        <p:tgtEl>
+                                          <p:spTgt spid="139"/>
+                                        </p:tgtEl>
+                                      </p:cBhvr>
+                                    </p:animEffect>
+                                  </p:childTnLst>
+                                </p:cTn>
+                              </p:par>
+                            </p:childTnLst>
+                          </p:cTn>
+                        </p:par>
+                      </p:childTnLst>
+                    </p:cTn>
+                  </p:par>
+                  <p:par>
+                    <p:cTn id="75" fill="hold">
+                      <p:stCondLst>
+                        <p:cond delay="indefinite"/>
+                      </p:stCondLst>
+                      <p:childTnLst>
+                        <p:par>
+                          <p:cTn id="76" fill="hold">
+                            <p:stCondLst>
+                              <p:cond delay="0"/>
+                            </p:stCondLst>
+                            <p:childTnLst>
+                              <p:par>
+                                <p:cTn id="77" presetClass="entr" nodeType="clickEffect" presetSubtype="0" presetID="15" grpId="13" fill="hold">
+                                  <p:stCondLst>
+                                    <p:cond delay="0"/>
+                                  </p:stCondLst>
+                                  <p:iterate type="el" backwards="0">
+                                    <p:tmAbs val="0"/>
+                                  </p:iterate>
+                                  <p:childTnLst>
+                                    <p:set>
+                                      <p:cBhvr>
+                                        <p:cTn id="78" fill="hold"/>
+                                        <p:tgtEl>
+                                          <p:spTgt spid="141"/>
+                                        </p:tgtEl>
+                                        <p:attrNameLst>
+                                          <p:attrName>style.visibility</p:attrName>
+                                        </p:attrNameLst>
+                                      </p:cBhvr>
+                                      <p:to>
+                                        <p:strVal val="visible"/>
+                                      </p:to>
+                                    </p:set>
+                                    <p:anim calcmode="lin" valueType="num">
+                                      <p:cBhvr>
+                                        <p:cTn id="79" dur="1000" fill="hold"/>
+                                        <p:tgtEl>
+                                          <p:spTgt spid="141"/>
+                                        </p:tgtEl>
+                                        <p:attrNameLst>
+                                          <p:attrName>ppt_w</p:attrName>
+                                        </p:attrNameLst>
+                                      </p:cBhvr>
+                                      <p:tavLst>
+                                        <p:tav tm="0">
+                                          <p:val>
+                                            <p:fltVal val="0"/>
+                                          </p:val>
+                                        </p:tav>
+                                        <p:tav tm="100000">
+                                          <p:val>
+                                            <p:strVal val="#ppt_w"/>
+                                          </p:val>
+                                        </p:tav>
+                                      </p:tavLst>
+                                    </p:anim>
+                                    <p:anim calcmode="lin" valueType="num">
+                                      <p:cBhvr>
+                                        <p:cTn id="80" dur="1000" fill="hold"/>
+                                        <p:tgtEl>
+                                          <p:spTgt spid="141"/>
+                                        </p:tgtEl>
+                                        <p:attrNameLst>
+                                          <p:attrName>ppt_h</p:attrName>
+                                        </p:attrNameLst>
+                                      </p:cBhvr>
+                                      <p:tavLst>
+                                        <p:tav tm="0">
+                                          <p:val>
+                                            <p:fltVal val="0"/>
+                                          </p:val>
+                                        </p:tav>
+                                        <p:tav tm="100000">
+                                          <p:val>
+                                            <p:strVal val="#ppt_h"/>
+                                          </p:val>
+                                        </p:tav>
+                                      </p:tavLst>
+                                    </p:anim>
+                                    <p:anim calcmode="lin" valueType="num">
+                                      <p:cBhvr>
+                                        <p:cTn id="81" dur="1000" fill="hold"/>
+                                        <p:tgtEl>
+                                          <p:spTgt spid="141"/>
+                                        </p:tgtEl>
+                                        <p:attrNameLst>
+                                          <p:attrName>ppt_x</p:attrName>
+                                        </p:attrNameLst>
+                                      </p:cBhvr>
+                                      <p:tavLst>
+                                        <p:tav tm="0" fmla="#ppt_x+(cos(-2*pi*(1-$))*-#ppt_x-sin(-2*pi*(1-$))*(1-#ppt_y))*(1-$)">
+                                          <p:val>
+                                            <p:fltVal val="0"/>
+                                          </p:val>
+                                        </p:tav>
+                                        <p:tav tm="100000">
+                                          <p:val>
+                                            <p:fltVal val="1"/>
+                                          </p:val>
+                                        </p:tav>
+                                      </p:tavLst>
+                                    </p:anim>
+                                    <p:anim calcmode="lin" valueType="num">
+                                      <p:cBhvr>
+                                        <p:cTn id="82" dur="1000" fill="hold"/>
+                                        <p:tgtEl>
+                                          <p:spTgt spid="141"/>
+                                        </p:tgtEl>
+                                        <p:attrNameLst>
+                                          <p:attrName>ppt_y</p:attrName>
+                                        </p:attrNameLst>
+                                      </p:cBhvr>
+                                      <p:tavLst>
+                                        <p:tav tm="0" fmla="#ppt_y+(sin(-2*pi*(1-$))*-#ppt_x+cos(-2*pi*(1-$))*(1-#ppt_y))*(1-$)">
+                                          <p:val>
+                                            <p:fltVal val="0"/>
+                                          </p:val>
+                                        </p:tav>
+                                        <p:tav tm="100000">
+                                          <p:val>
+                                            <p:fltVal val="1"/>
+                                          </p:val>
+                                        </p:tav>
+                                      </p:tavLst>
+                                    </p:anim>
+                                  </p:childTnLst>
+                                </p:cTn>
+                              </p:par>
+                            </p:childTnLst>
+                          </p:cTn>
+                        </p:par>
+                        <p:par>
+                          <p:cTn id="83" fill="hold">
+                            <p:stCondLst>
+                              <p:cond delay="1000"/>
+                            </p:stCondLst>
+                            <p:childTnLst>
+                              <p:par>
+                                <p:cTn id="84" presetClass="entr" nodeType="afterEffect" presetID="9" grpId="14" fill="hold">
+                                  <p:stCondLst>
+                                    <p:cond delay="0"/>
+                                  </p:stCondLst>
+                                  <p:iterate type="el" backwards="0">
+                                    <p:tmAbs val="0"/>
+                                  </p:iterate>
+                                  <p:childTnLst>
+                                    <p:set>
+                                      <p:cBhvr>
+                                        <p:cTn id="85" fill="hold"/>
+                                        <p:tgtEl>
+                                          <p:spTgt spid="142"/>
+                                        </p:tgtEl>
+                                        <p:attrNameLst>
+                                          <p:attrName>style.visibility</p:attrName>
+                                        </p:attrNameLst>
+                                      </p:cBhvr>
+                                      <p:to>
+                                        <p:strVal val="visible"/>
+                                      </p:to>
+                                    </p:set>
+                                    <p:animEffect filter="dissolve" transition="in">
+                                      <p:cBhvr>
+                                        <p:cTn id="86" dur="400"/>
+                                        <p:tgtEl>
+                                          <p:spTgt spid="142"/>
+                                        </p:tgtEl>
+                                      </p:cBhvr>
+                                    </p:animEffect>
+                                  </p:childTnLst>
+                                </p:cTn>
+                              </p:par>
+                            </p:childTnLst>
+                          </p:cTn>
+                        </p:par>
+                      </p:childTnLst>
+                    </p:cTn>
+                  </p:par>
+                  <p:par>
+                    <p:cTn id="87" fill="hold">
+                      <p:stCondLst>
+                        <p:cond delay="indefinite"/>
+                      </p:stCondLst>
+                      <p:childTnLst>
+                        <p:par>
+                          <p:cTn id="88" fill="hold">
+                            <p:stCondLst>
+                              <p:cond delay="0"/>
+                            </p:stCondLst>
+                            <p:childTnLst>
+                              <p:par>
+                                <p:cTn id="89" presetClass="entr" nodeType="clickEffect" presetSubtype="0" presetID="15" grpId="15" fill="hold">
+                                  <p:stCondLst>
+                                    <p:cond delay="0"/>
+                                  </p:stCondLst>
+                                  <p:iterate type="el" backwards="0">
+                                    <p:tmAbs val="0"/>
+                                  </p:iterate>
+                                  <p:childTnLst>
+                                    <p:set>
+                                      <p:cBhvr>
+                                        <p:cTn id="90" fill="hold"/>
+                                        <p:tgtEl>
+                                          <p:spTgt spid="140"/>
+                                        </p:tgtEl>
+                                        <p:attrNameLst>
+                                          <p:attrName>style.visibility</p:attrName>
+                                        </p:attrNameLst>
+                                      </p:cBhvr>
+                                      <p:to>
+                                        <p:strVal val="visible"/>
+                                      </p:to>
+                                    </p:set>
+                                    <p:anim calcmode="lin" valueType="num">
+                                      <p:cBhvr>
+                                        <p:cTn id="91" dur="1000" fill="hold"/>
+                                        <p:tgtEl>
+                                          <p:spTgt spid="140"/>
+                                        </p:tgtEl>
+                                        <p:attrNameLst>
+                                          <p:attrName>ppt_w</p:attrName>
+                                        </p:attrNameLst>
+                                      </p:cBhvr>
+                                      <p:tavLst>
+                                        <p:tav tm="0">
+                                          <p:val>
+                                            <p:fltVal val="0"/>
+                                          </p:val>
+                                        </p:tav>
+                                        <p:tav tm="100000">
+                                          <p:val>
+                                            <p:strVal val="#ppt_w"/>
+                                          </p:val>
+                                        </p:tav>
+                                      </p:tavLst>
+                                    </p:anim>
+                                    <p:anim calcmode="lin" valueType="num">
+                                      <p:cBhvr>
+                                        <p:cTn id="92" dur="1000" fill="hold"/>
+                                        <p:tgtEl>
+                                          <p:spTgt spid="140"/>
+                                        </p:tgtEl>
+                                        <p:attrNameLst>
+                                          <p:attrName>ppt_h</p:attrName>
+                                        </p:attrNameLst>
+                                      </p:cBhvr>
+                                      <p:tavLst>
+                                        <p:tav tm="0">
+                                          <p:val>
+                                            <p:fltVal val="0"/>
+                                          </p:val>
+                                        </p:tav>
+                                        <p:tav tm="100000">
+                                          <p:val>
+                                            <p:strVal val="#ppt_h"/>
+                                          </p:val>
+                                        </p:tav>
+                                      </p:tavLst>
+                                    </p:anim>
+                                    <p:anim calcmode="lin" valueType="num">
+                                      <p:cBhvr>
+                                        <p:cTn id="93" dur="1000" fill="hold"/>
+                                        <p:tgtEl>
+                                          <p:spTgt spid="140"/>
+                                        </p:tgtEl>
+                                        <p:attrNameLst>
+                                          <p:attrName>ppt_x</p:attrName>
+                                        </p:attrNameLst>
+                                      </p:cBhvr>
+                                      <p:tavLst>
+                                        <p:tav tm="0" fmla="#ppt_x+(cos(-2*pi*(1-$))*-#ppt_x-sin(-2*pi*(1-$))*(1-#ppt_y))*(1-$)">
+                                          <p:val>
+                                            <p:fltVal val="0"/>
+                                          </p:val>
+                                        </p:tav>
+                                        <p:tav tm="100000">
+                                          <p:val>
+                                            <p:fltVal val="1"/>
+                                          </p:val>
+                                        </p:tav>
+                                      </p:tavLst>
+                                    </p:anim>
+                                    <p:anim calcmode="lin" valueType="num">
+                                      <p:cBhvr>
+                                        <p:cTn id="94" dur="1000" fill="hold"/>
+                                        <p:tgtEl>
+                                          <p:spTgt spid="140"/>
+                                        </p:tgtEl>
+                                        <p:attrNameLst>
+                                          <p:attrName>ppt_y</p:attrName>
+                                        </p:attrNameLst>
+                                      </p:cBhvr>
+                                      <p:tavLst>
+                                        <p:tav tm="0" fmla="#ppt_y+(sin(-2*pi*(1-$))*-#ppt_x+cos(-2*pi*(1-$))*(1-#ppt_y))*(1-$)">
+                                          <p:val>
+                                            <p:fltVal val="0"/>
+                                          </p:val>
+                                        </p:tav>
+                                        <p:tav tm="100000">
+                                          <p:val>
+                                            <p:fltVal val="1"/>
+                                          </p:val>
+                                        </p:tav>
+                                      </p:tavLst>
+                                    </p:anim>
+                                  </p:childTnLst>
+                                </p:cTn>
+                              </p:par>
+                            </p:childTnLst>
+                          </p:cTn>
+                        </p:par>
+                        <p:par>
+                          <p:cTn id="95" fill="hold">
+                            <p:stCondLst>
+                              <p:cond delay="1000"/>
+                            </p:stCondLst>
+                            <p:childTnLst>
+                              <p:par>
+                                <p:cTn id="96" presetClass="entr" nodeType="afterEffect" presetID="9" grpId="16" fill="hold">
+                                  <p:stCondLst>
+                                    <p:cond delay="0"/>
+                                  </p:stCondLst>
+                                  <p:iterate type="el" backwards="0">
+                                    <p:tmAbs val="0"/>
+                                  </p:iterate>
+                                  <p:childTnLst>
+                                    <p:set>
+                                      <p:cBhvr>
+                                        <p:cTn id="97" fill="hold"/>
+                                        <p:tgtEl>
+                                          <p:spTgt spid="143"/>
+                                        </p:tgtEl>
+                                        <p:attrNameLst>
+                                          <p:attrName>style.visibility</p:attrName>
+                                        </p:attrNameLst>
+                                      </p:cBhvr>
+                                      <p:to>
+                                        <p:strVal val="visible"/>
+                                      </p:to>
+                                    </p:set>
+                                    <p:animEffect filter="dissolve" transition="in">
+                                      <p:cBhvr>
+                                        <p:cTn id="98" dur="400"/>
+                                        <p:tgtEl>
+                                          <p:spTgt spid="143"/>
+                                        </p:tgtEl>
+                                      </p:cBhvr>
+                                    </p:animEffect>
+                                  </p:childTnLst>
+                                </p:cTn>
+                              </p:par>
+                            </p:childTnLst>
+                          </p:cTn>
+                        </p:par>
+                      </p:childTnLst>
+                    </p:cTn>
+                  </p:par>
+                </p:childTnLst>
+              </p:cTn>
+              <p:prevCondLst>
+                <p:cond evt="onPrev">
+                  <p:tgtEl>
+                    <p:sldTgt/>
+                  </p:tgtEl>
+                </p:cond>
+              </p:prevCondLst>
+              <p:nextCondLst>
+                <p:cond evt="onNext">
+                  <p:tgtEl>
+                    <p:sldTgt/>
+                  </p:tgtEl>
+                </p:cond>
+              </p:nextCondLst>
+            </p:seq>
+          </p:childTnLst>
+        </p:cTn>
+      </p:par>
+    </p:tnLst>
+    <p:bldLst>
+      <p:bldP build="whole" bldLvl="1" animBg="1" rev="0" advAuto="0" spid="130" grpId="1"/>
+      <p:bldP build="whole" bldLvl="1" animBg="1" rev="0" advAuto="0" spid="133" grpId="3"/>
+      <p:bldP build="whole" bldLvl="1" animBg="1" rev="0" advAuto="0" spid="131" grpId="11"/>
+      <p:bldP build="whole" bldLvl="1" animBg="1" rev="0" advAuto="0" spid="132" grpId="5"/>
+      <p:bldP build="whole" bldLvl="1" animBg="1" rev="0" advAuto="0" spid="141" grpId="13"/>
+      <p:bldP build="whole" bldLvl="1" animBg="1" rev="0" advAuto="0" spid="135" grpId="4"/>
+      <p:bldP build="whole" bldLvl="1" animBg="1" rev="0" advAuto="0" spid="140" grpId="15"/>
+      <p:bldP build="whole" bldLvl="1" animBg="1" rev="0" advAuto="0" spid="128" grpId="9"/>
+      <p:bldP build="whole" bldLvl="1" animBg="1" rev="0" advAuto="0" spid="129" grpId="7"/>
+      <p:bldP build="whole" bldLvl="1" animBg="1" rev="0" advAuto="0" spid="137" grpId="8"/>
+      <p:bldP build="whole" bldLvl="1" animBg="1" rev="0" advAuto="0" spid="139" grpId="12"/>
+      <p:bldP build="whole" bldLvl="1" animBg="1" rev="0" advAuto="0" spid="136" grpId="6"/>
+      <p:bldP build="whole" bldLvl="1" animBg="1" rev="0" advAuto="0" spid="134" grpId="2"/>
+      <p:bldP build="whole" bldLvl="1" animBg="1" rev="0" advAuto="0" spid="138" grpId="10"/>
+      <p:bldP build="whole" bldLvl="1" animBg="1" rev="0" advAuto="0" spid="142" grpId="14"/>
+      <p:bldP build="whole" bldLvl="1" animBg="1" rev="0" advAuto="0" spid="143" grpId="16"/>
+    </p:bldLst>
+  </p:timing>
 </p:sld>
 </file>
 
@@ -6857,7 +10011,7 @@
       </p:grpSpPr>
       <p:sp>
         <p:nvSpPr>
-          <p:cNvPr id="141" name="Réaliser un jeu d’échecs"/>
+          <p:cNvPr id="145" name="Réaliser un jeu d’échecs"/>
           <p:cNvSpPr txBox="1"/>
           <p:nvPr>
             <p:ph type="subTitle" sz="quarter" idx="1"/>
@@ -6892,7 +10046,7 @@
       </p:sp>
       <p:sp>
         <p:nvSpPr>
-          <p:cNvPr id="142" name="Présentation du sujet"/>
+          <p:cNvPr id="146" name="Présentation du sujet"/>
           <p:cNvSpPr txBox="1"/>
           <p:nvPr/>
         </p:nvSpPr>
@@ -6937,7 +10091,7 @@
       </p:sp>
       <p:sp>
         <p:nvSpPr>
-          <p:cNvPr id="143" name="Numéro de diapositive"/>
+          <p:cNvPr id="147" name="Numéro de diapositive"/>
           <p:cNvSpPr txBox="1"/>
           <p:nvPr>
             <p:ph type="sldNum" sz="quarter" idx="2"/>
@@ -6975,7 +10129,7 @@
       </p:sp>
       <p:pic>
         <p:nvPicPr>
-          <p:cNvPr id="144" name="Image" descr="Image"/>
+          <p:cNvPr id="148" name="Image" descr="Image"/>
           <p:cNvPicPr>
             <a:picLocks noChangeAspect="1"/>
           </p:cNvPicPr>
@@ -7005,7 +10159,7 @@
       </p:pic>
       <p:pic>
         <p:nvPicPr>
-          <p:cNvPr id="145" name="robot.png" descr="robot.png"/>
+          <p:cNvPr id="149" name="robot.png" descr="robot.png"/>
           <p:cNvPicPr>
             <a:picLocks noChangeAspect="1"/>
           </p:cNvPicPr>
@@ -7034,7 +10188,7 @@
       </p:pic>
       <p:sp>
         <p:nvSpPr>
-          <p:cNvPr id="146" name="Jouable à deux ou contre une IA"/>
+          <p:cNvPr id="150" name="Jouable à deux ou contre une IA"/>
           <p:cNvSpPr txBox="1"/>
           <p:nvPr/>
         </p:nvSpPr>
@@ -7080,7 +10234,18 @@
   <p:clrMapOvr>
     <a:masterClrMapping/>
   </p:clrMapOvr>
-  <p:transition xmlns:p14="http://schemas.microsoft.com/office/powerpoint/2010/main" spd="med" advClick="1"/>
+  <mc:AlternateContent xmlns:mc="http://schemas.openxmlformats.org/markup-compatibility/2006">
+    <mc:Choice xmlns:p14="http://schemas.microsoft.com/office/powerpoint/2010/main" Requires="p14">
+      <p:transition spd="fast" advClick="1" p14:dur="750">
+        <p:push dir="l"/>
+      </p:transition>
+    </mc:Choice>
+    <mc:Fallback>
+      <p:transition spd="fast">
+        <p:fade/>
+      </p:transition>
+    </mc:Fallback>
+  </mc:AlternateContent>
 </p:sld>
 </file>
 
@@ -7103,14 +10268,14 @@
       </p:grpSpPr>
       <p:sp>
         <p:nvSpPr>
-          <p:cNvPr id="148" name="Présentation des fonctionnalités"/>
+          <p:cNvPr id="152" name="Présentation des fonctionnalités"/>
           <p:cNvSpPr txBox="1"/>
           <p:nvPr/>
         </p:nvSpPr>
         <p:spPr>
           <a:xfrm>
-            <a:off x="671195" y="489363"/>
-            <a:ext cx="11662411" cy="1019297"/>
+            <a:off x="671195" y="501843"/>
+            <a:ext cx="11662411" cy="1019298"/>
           </a:xfrm>
           <a:prstGeom prst="rect">
             <a:avLst/>
@@ -7148,14 +10313,14 @@
       </p:sp>
       <p:sp>
         <p:nvSpPr>
-          <p:cNvPr id="149" name="Rectangle"/>
+          <p:cNvPr id="153" name="Rectangle"/>
           <p:cNvSpPr/>
           <p:nvPr/>
         </p:nvSpPr>
         <p:spPr>
           <a:xfrm>
-            <a:off x="1250578" y="5999630"/>
-            <a:ext cx="3793740" cy="3171762"/>
+            <a:off x="8156122" y="5999630"/>
+            <a:ext cx="3793739" cy="3171762"/>
           </a:xfrm>
           <a:prstGeom prst="rect">
             <a:avLst/>
@@ -7187,46 +10352,7 @@
       </p:sp>
       <p:sp>
         <p:nvSpPr>
-          <p:cNvPr id="150" name="Rectangle"/>
-          <p:cNvSpPr/>
-          <p:nvPr/>
-        </p:nvSpPr>
-        <p:spPr>
-          <a:xfrm>
-            <a:off x="8156122" y="5999630"/>
-            <a:ext cx="3793739" cy="3171762"/>
-          </a:xfrm>
-          <a:prstGeom prst="rect">
-            <a:avLst/>
-          </a:prstGeom>
-          <a:solidFill>
-            <a:schemeClr val="accent1"/>
-          </a:solidFill>
-          <a:ln w="12700">
-            <a:miter lim="400000"/>
-          </a:ln>
-        </p:spPr>
-        <p:txBody>
-          <a:bodyPr lIns="50800" tIns="50800" rIns="50800" bIns="50800" anchor="ctr"/>
-          <a:lstStyle/>
-          <a:p>
-            <a:pPr>
-              <a:defRPr b="0" sz="2200">
-                <a:solidFill>
-                  <a:srgbClr val="FFFFFF"/>
-                </a:solidFill>
-                <a:latin typeface="+mn-lt"/>
-                <a:ea typeface="+mn-ea"/>
-                <a:cs typeface="+mn-cs"/>
-                <a:sym typeface="Helvetica Neue Medium"/>
-              </a:defRPr>
-            </a:pPr>
-          </a:p>
-        </p:txBody>
-      </p:sp>
-      <p:sp>
-        <p:nvSpPr>
-          <p:cNvPr id="151" name="Jouer dans un terminal"/>
+          <p:cNvPr id="154" name="Jouer dans un terminal"/>
           <p:cNvSpPr txBox="1"/>
           <p:nvPr/>
         </p:nvSpPr>
@@ -7269,7 +10395,7 @@
       </p:sp>
       <p:sp>
         <p:nvSpPr>
-          <p:cNvPr id="152" name="Jouer avec une interface"/>
+          <p:cNvPr id="155" name="Jouer avec une interface"/>
           <p:cNvSpPr txBox="1"/>
           <p:nvPr/>
         </p:nvSpPr>
@@ -7312,7 +10438,7 @@
       </p:sp>
       <p:sp>
         <p:nvSpPr>
-          <p:cNvPr id="153" name="Numéro de diapositive"/>
+          <p:cNvPr id="156" name="Numéro de diapositive"/>
           <p:cNvSpPr txBox="1"/>
           <p:nvPr>
             <p:ph type="sldNum" sz="quarter" idx="2"/>
@@ -7350,7 +10476,7 @@
       </p:sp>
       <p:pic>
         <p:nvPicPr>
-          <p:cNvPr id="154" name="king.png" descr="king.png"/>
+          <p:cNvPr id="157" name="king.png" descr="king.png"/>
           <p:cNvPicPr>
             <a:picLocks noChangeAspect="1"/>
           </p:cNvPicPr>
@@ -7379,7 +10505,7 @@
       </p:pic>
       <p:pic>
         <p:nvPicPr>
-          <p:cNvPr id="155" name="knight.png" descr="knight.png"/>
+          <p:cNvPr id="158" name="knight.png" descr="knight.png"/>
           <p:cNvPicPr>
             <a:picLocks noChangeAspect="1"/>
           </p:cNvPicPr>
@@ -7408,7 +10534,7 @@
       </p:pic>
       <p:pic>
         <p:nvPicPr>
-          <p:cNvPr id="156" name="rook.png" descr="rook.png"/>
+          <p:cNvPr id="159" name="rook.png" descr="rook.png"/>
           <p:cNvPicPr>
             <a:picLocks noChangeAspect="1"/>
           </p:cNvPicPr>
@@ -7437,7 +10563,7 @@
       </p:pic>
       <p:sp>
         <p:nvSpPr>
-          <p:cNvPr id="157" name="Déplacer toutes les pièces"/>
+          <p:cNvPr id="160" name="Déplacer toutes les pièces"/>
           <p:cNvSpPr txBox="1"/>
           <p:nvPr/>
         </p:nvSpPr>
@@ -7480,7 +10606,7 @@
       </p:sp>
       <p:sp>
         <p:nvSpPr>
-          <p:cNvPr id="158" name="Contrôler les mouvements"/>
+          <p:cNvPr id="161" name="Contrôler les mouvements"/>
           <p:cNvSpPr txBox="1"/>
           <p:nvPr/>
         </p:nvSpPr>
@@ -7523,7 +10649,7 @@
       </p:sp>
       <p:sp>
         <p:nvSpPr>
-          <p:cNvPr id="159" name="Gérer les coups spéciaux"/>
+          <p:cNvPr id="162" name="Gérer les coups spéciaux"/>
           <p:cNvSpPr txBox="1"/>
           <p:nvPr/>
         </p:nvSpPr>
@@ -7564,168 +10690,16 @@
           </a:p>
         </p:txBody>
       </p:sp>
-    </p:spTree>
-  </p:cSld>
-  <p:clrMapOvr>
-    <a:masterClrMapping/>
-  </p:clrMapOvr>
-  <p:transition xmlns:p14="http://schemas.microsoft.com/office/powerpoint/2010/main" spd="med" advClick="1"/>
-</p:sld>
-</file>
-
-<file path=ppt/slides/slide5.xml><?xml version="1.0" encoding="utf-8"?>
-<p:sld xmlns:a="http://schemas.openxmlformats.org/drawingml/2006/main" xmlns:r="http://schemas.openxmlformats.org/officeDocument/2006/relationships" xmlns:p="http://schemas.openxmlformats.org/presentationml/2006/main" showMasterSp="1" showMasterPhAnim="1">
-  <p:cSld>
-    <p:spTree>
-      <p:nvGrpSpPr>
-        <p:cNvPr id="1" name=""/>
-        <p:cNvGrpSpPr/>
-        <p:nvPr/>
-      </p:nvGrpSpPr>
-      <p:grpSpPr>
-        <a:xfrm>
-          <a:off x="0" y="0"/>
-          <a:ext cx="0" cy="0"/>
-          <a:chOff x="0" y="0"/>
-          <a:chExt cx="0" cy="0"/>
-        </a:xfrm>
-      </p:grpSpPr>
-      <p:sp>
-        <p:nvSpPr>
-          <p:cNvPr id="161" name="Contraintes techniques"/>
-          <p:cNvSpPr txBox="1"/>
-          <p:nvPr/>
-        </p:nvSpPr>
-        <p:spPr>
-          <a:xfrm>
-            <a:off x="2359024" y="489363"/>
-            <a:ext cx="8286751" cy="1019297"/>
-          </a:xfrm>
-          <a:prstGeom prst="rect">
-            <a:avLst/>
-          </a:prstGeom>
-          <a:ln w="12700">
-            <a:miter lim="400000"/>
-          </a:ln>
-          <a:extLst>
-            <a:ext uri="{C572A759-6A51-4108-AA02-DFA0A04FC94B}">
-              <ma14:wrappingTextBoxFlag xmlns:ma14="http://schemas.microsoft.com/office/mac/drawingml/2011/main" val="1"/>
-            </a:ext>
-          </a:extLst>
-        </p:spPr>
-        <p:txBody>
-          <a:bodyPr wrap="none" lIns="50800" tIns="50800" rIns="50800" bIns="50800" anchor="ctr">
-            <a:spAutoFit/>
-          </a:bodyPr>
-          <a:lstStyle>
-            <a:lvl1pPr>
-              <a:defRPr b="0" sz="6000">
-                <a:latin typeface="+mn-lt"/>
-                <a:ea typeface="+mn-ea"/>
-                <a:cs typeface="+mn-cs"/>
-                <a:sym typeface="Helvetica Neue Medium"/>
-              </a:defRPr>
-            </a:lvl1pPr>
-          </a:lstStyle>
-          <a:p>
-            <a:pPr/>
-            <a:r>
-              <a:t>Contraintes techniques</a:t>
-            </a:r>
-          </a:p>
-        </p:txBody>
-      </p:sp>
-      <p:sp>
-        <p:nvSpPr>
-          <p:cNvPr id="162" name="Numéro de diapositive"/>
-          <p:cNvSpPr txBox="1"/>
-          <p:nvPr>
-            <p:ph type="sldNum" sz="quarter" idx="2"/>
-          </p:nvPr>
-        </p:nvSpPr>
-        <p:spPr>
-          <a:xfrm>
-            <a:off x="6156773" y="9296400"/>
-            <a:ext cx="455880" cy="324306"/>
-          </a:xfrm>
-          <a:prstGeom prst="rect">
-            <a:avLst/>
-          </a:prstGeom>
-          <a:extLst>
-            <a:ext uri="{C572A759-6A51-4108-AA02-DFA0A04FC94B}">
-              <ma14:wrappingTextBoxFlag xmlns:ma14="http://schemas.microsoft.com/office/mac/drawingml/2011/main" val="1"/>
-            </a:ext>
-          </a:extLst>
-        </p:spPr>
-        <p:txBody>
-          <a:bodyPr/>
-          <a:lstStyle/>
-          <a:p>
-            <a:pPr lvl="1" algn="r">
-              <a:defRPr b="0" sz="1600">
-                <a:latin typeface="Helvetica Neue Thin"/>
-                <a:ea typeface="Helvetica Neue Thin"/>
-                <a:cs typeface="Helvetica Neue Thin"/>
-                <a:sym typeface="Helvetica Neue Thin"/>
-              </a:defRPr>
-            </a:pPr>
-            <a:fld id="{86CB4B4D-7CA3-9044-876B-883B54F8677D}" type="slidenum"/>
-          </a:p>
-        </p:txBody>
-      </p:sp>
-      <p:sp>
-        <p:nvSpPr>
-          <p:cNvPr id="163" name="Utiliser le langage JAVA"/>
-          <p:cNvSpPr txBox="1"/>
-          <p:nvPr/>
-        </p:nvSpPr>
-        <p:spPr>
-          <a:xfrm>
-            <a:off x="2265819" y="3783516"/>
-            <a:ext cx="4755538" cy="553517"/>
-          </a:xfrm>
-          <a:prstGeom prst="rect">
-            <a:avLst/>
-          </a:prstGeom>
-          <a:ln w="12700">
-            <a:miter lim="400000"/>
-          </a:ln>
-          <a:extLst>
-            <a:ext uri="{C572A759-6A51-4108-AA02-DFA0A04FC94B}">
-              <ma14:wrappingTextBoxFlag xmlns:ma14="http://schemas.microsoft.com/office/mac/drawingml/2011/main" val="1"/>
-            </a:ext>
-          </a:extLst>
-        </p:spPr>
-        <p:txBody>
-          <a:bodyPr lIns="50800" tIns="50800" rIns="50800" bIns="50800">
-            <a:normAutofit fontScale="100000" lnSpcReduction="0"/>
-          </a:bodyPr>
-          <a:lstStyle>
-            <a:lvl1pPr algn="l">
-              <a:spcBef>
-                <a:spcPts val="3000"/>
-              </a:spcBef>
-              <a:defRPr b="0" sz="3000"/>
-            </a:lvl1pPr>
-          </a:lstStyle>
-          <a:p>
-            <a:pPr/>
-            <a:r>
-              <a:t>Utiliser le langage JAVA</a:t>
-            </a:r>
-          </a:p>
-        </p:txBody>
-      </p:sp>
       <p:pic>
         <p:nvPicPr>
-          <p:cNvPr id="164" name="problems-with-synchronization.png" descr="problems-with-synchronization.png"/>
+          <p:cNvPr id="163" name="Capture d’écran 2018-06-09 à 16.24.45.png" descr="Capture d’écran 2018-06-09 à 16.24.45.png"/>
           <p:cNvPicPr>
             <a:picLocks noChangeAspect="1"/>
           </p:cNvPicPr>
           <p:nvPr/>
         </p:nvPicPr>
         <p:blipFill>
-          <a:blip r:embed="rId2">
+          <a:blip r:embed="rId5">
             <a:extLst/>
           </a:blip>
           <a:stretch>
@@ -7734,224 +10708,8 @@
         </p:blipFill>
         <p:spPr>
           <a:xfrm>
-            <a:off x="965307" y="3439897"/>
-            <a:ext cx="1240756" cy="1240756"/>
-          </a:xfrm>
-          <a:prstGeom prst="rect">
-            <a:avLst/>
-          </a:prstGeom>
-          <a:ln w="12700">
-            <a:miter lim="400000"/>
-          </a:ln>
-        </p:spPr>
-      </p:pic>
-      <p:sp>
-        <p:nvSpPr>
-          <p:cNvPr id="165" name="Utilisation d’une nouvelle bibliothèque"/>
-          <p:cNvSpPr txBox="1"/>
-          <p:nvPr/>
-        </p:nvSpPr>
-        <p:spPr>
-          <a:xfrm>
-            <a:off x="2253851" y="5679056"/>
-            <a:ext cx="4779474" cy="1019298"/>
-          </a:xfrm>
-          <a:prstGeom prst="rect">
-            <a:avLst/>
-          </a:prstGeom>
-          <a:ln w="12700">
-            <a:miter lim="400000"/>
-          </a:ln>
-          <a:extLst>
-            <a:ext uri="{C572A759-6A51-4108-AA02-DFA0A04FC94B}">
-              <ma14:wrappingTextBoxFlag xmlns:ma14="http://schemas.microsoft.com/office/mac/drawingml/2011/main" val="1"/>
-            </a:ext>
-          </a:extLst>
-        </p:spPr>
-        <p:txBody>
-          <a:bodyPr lIns="50800" tIns="50800" rIns="50800" bIns="50800">
-            <a:normAutofit fontScale="100000" lnSpcReduction="0"/>
-          </a:bodyPr>
-          <a:lstStyle>
-            <a:lvl1pPr algn="l">
-              <a:spcBef>
-                <a:spcPts val="3000"/>
-              </a:spcBef>
-              <a:defRPr b="0" sz="3000"/>
-            </a:lvl1pPr>
-          </a:lstStyle>
-          <a:p>
-            <a:pPr/>
-            <a:r>
-              <a:t>Utilisation d’une nouvelle bibliothèque</a:t>
-            </a:r>
-          </a:p>
-        </p:txBody>
-      </p:sp>
-      <p:pic>
-        <p:nvPicPr>
-          <p:cNvPr id="166" name="problems-with-synchronization.png" descr="problems-with-synchronization.png"/>
-          <p:cNvPicPr>
-            <a:picLocks noChangeAspect="1"/>
-          </p:cNvPicPr>
-          <p:nvPr/>
-        </p:nvPicPr>
-        <p:blipFill>
-          <a:blip r:embed="rId2">
-            <a:extLst/>
-          </a:blip>
-          <a:stretch>
-            <a:fillRect/>
-          </a:stretch>
-        </p:blipFill>
-        <p:spPr>
-          <a:xfrm>
-            <a:off x="953339" y="5679056"/>
-            <a:ext cx="1240756" cy="1240757"/>
-          </a:xfrm>
-          <a:prstGeom prst="rect">
-            <a:avLst/>
-          </a:prstGeom>
-          <a:ln w="12700">
-            <a:miter lim="400000"/>
-          </a:ln>
-        </p:spPr>
-      </p:pic>
-      <p:sp>
-        <p:nvSpPr>
-          <p:cNvPr id="167" name="Pouvoir jouer à deux"/>
-          <p:cNvSpPr txBox="1"/>
-          <p:nvPr/>
-        </p:nvSpPr>
-        <p:spPr>
-          <a:xfrm>
-            <a:off x="8582253" y="3783516"/>
-            <a:ext cx="3840596" cy="553517"/>
-          </a:xfrm>
-          <a:prstGeom prst="rect">
-            <a:avLst/>
-          </a:prstGeom>
-          <a:ln w="12700">
-            <a:miter lim="400000"/>
-          </a:ln>
-          <a:extLst>
-            <a:ext uri="{C572A759-6A51-4108-AA02-DFA0A04FC94B}">
-              <ma14:wrappingTextBoxFlag xmlns:ma14="http://schemas.microsoft.com/office/mac/drawingml/2011/main" val="1"/>
-            </a:ext>
-          </a:extLst>
-        </p:spPr>
-        <p:txBody>
-          <a:bodyPr lIns="50800" tIns="50800" rIns="50800" bIns="50800">
-            <a:normAutofit fontScale="100000" lnSpcReduction="0"/>
-          </a:bodyPr>
-          <a:lstStyle>
-            <a:lvl1pPr algn="l">
-              <a:spcBef>
-                <a:spcPts val="3000"/>
-              </a:spcBef>
-              <a:defRPr b="0" sz="3000"/>
-            </a:lvl1pPr>
-          </a:lstStyle>
-          <a:p>
-            <a:pPr/>
-            <a:r>
-              <a:t>Pouvoir jouer à deux</a:t>
-            </a:r>
-          </a:p>
-        </p:txBody>
-      </p:sp>
-      <p:pic>
-        <p:nvPicPr>
-          <p:cNvPr id="168" name="problems-with-synchronization.png" descr="problems-with-synchronization.png"/>
-          <p:cNvPicPr>
-            <a:picLocks noChangeAspect="1"/>
-          </p:cNvPicPr>
-          <p:nvPr/>
-        </p:nvPicPr>
-        <p:blipFill>
-          <a:blip r:embed="rId2">
-            <a:extLst/>
-          </a:blip>
-          <a:stretch>
-            <a:fillRect/>
-          </a:stretch>
-        </p:blipFill>
-        <p:spPr>
-          <a:xfrm>
-            <a:off x="7302572" y="3439897"/>
-            <a:ext cx="1240757" cy="1240756"/>
-          </a:xfrm>
-          <a:prstGeom prst="rect">
-            <a:avLst/>
-          </a:prstGeom>
-          <a:ln w="12700">
-            <a:miter lim="400000"/>
-          </a:ln>
-        </p:spPr>
-      </p:pic>
-      <p:sp>
-        <p:nvSpPr>
-          <p:cNvPr id="169" name="A voir ???"/>
-          <p:cNvSpPr txBox="1"/>
-          <p:nvPr/>
-        </p:nvSpPr>
-        <p:spPr>
-          <a:xfrm>
-            <a:off x="8582253" y="5568327"/>
-            <a:ext cx="3840596" cy="1019298"/>
-          </a:xfrm>
-          <a:prstGeom prst="rect">
-            <a:avLst/>
-          </a:prstGeom>
-          <a:ln w="12700">
-            <a:miter lim="400000"/>
-          </a:ln>
-          <a:extLst>
-            <a:ext uri="{C572A759-6A51-4108-AA02-DFA0A04FC94B}">
-              <ma14:wrappingTextBoxFlag xmlns:ma14="http://schemas.microsoft.com/office/mac/drawingml/2011/main" val="1"/>
-            </a:ext>
-          </a:extLst>
-        </p:spPr>
-        <p:txBody>
-          <a:bodyPr lIns="50800" tIns="50800" rIns="50800" bIns="50800">
-            <a:normAutofit fontScale="100000" lnSpcReduction="0"/>
-          </a:bodyPr>
-          <a:lstStyle>
-            <a:lvl1pPr algn="l">
-              <a:spcBef>
-                <a:spcPts val="3000"/>
-              </a:spcBef>
-              <a:defRPr b="0" sz="3000"/>
-            </a:lvl1pPr>
-          </a:lstStyle>
-          <a:p>
-            <a:pPr/>
-            <a:r>
-              <a:t>A voir ???</a:t>
-            </a:r>
-          </a:p>
-        </p:txBody>
-      </p:sp>
-      <p:pic>
-        <p:nvPicPr>
-          <p:cNvPr id="170" name="problems-with-synchronization.png" descr="problems-with-synchronization.png"/>
-          <p:cNvPicPr>
-            <a:picLocks noChangeAspect="1"/>
-          </p:cNvPicPr>
-          <p:nvPr/>
-        </p:nvPicPr>
-        <p:blipFill>
-          <a:blip r:embed="rId2">
-            <a:extLst/>
-          </a:blip>
-          <a:stretch>
-            <a:fillRect/>
-          </a:stretch>
-        </p:blipFill>
-        <p:spPr>
-          <a:xfrm>
-            <a:off x="7281741" y="5568327"/>
-            <a:ext cx="1240756" cy="1240756"/>
+            <a:off x="1488093" y="6014182"/>
+            <a:ext cx="3622640" cy="2865005"/>
           </a:xfrm>
           <a:prstGeom prst="rect">
             <a:avLst/>
@@ -7966,672 +10724,18 @@
   <p:clrMapOvr>
     <a:masterClrMapping/>
   </p:clrMapOvr>
-  <p:transition xmlns:p14="http://schemas.microsoft.com/office/powerpoint/2010/main" spd="med" advClick="1"/>
-</p:sld>
-</file>
-
-<file path=ppt/slides/slide6.xml><?xml version="1.0" encoding="utf-8"?>
-<p:sld xmlns:a="http://schemas.openxmlformats.org/drawingml/2006/main" xmlns:r="http://schemas.openxmlformats.org/officeDocument/2006/relationships" xmlns:p="http://schemas.openxmlformats.org/presentationml/2006/main" showMasterSp="1" showMasterPhAnim="1">
-  <p:cSld>
-    <p:spTree>
-      <p:nvGrpSpPr>
-        <p:cNvPr id="1" name=""/>
-        <p:cNvGrpSpPr/>
-        <p:nvPr/>
-      </p:nvGrpSpPr>
-      <p:grpSpPr>
-        <a:xfrm>
-          <a:off x="0" y="0"/>
-          <a:ext cx="0" cy="0"/>
-          <a:chOff x="0" y="0"/>
-          <a:chExt cx="0" cy="0"/>
-        </a:xfrm>
-      </p:grpSpPr>
-      <p:sp>
-        <p:nvSpPr>
-          <p:cNvPr id="172" name="Déroulement du projet"/>
-          <p:cNvSpPr txBox="1"/>
-          <p:nvPr/>
-        </p:nvSpPr>
-        <p:spPr>
-          <a:xfrm>
-            <a:off x="2514092" y="678015"/>
-            <a:ext cx="7976617" cy="1019298"/>
-          </a:xfrm>
-          <a:prstGeom prst="rect">
-            <a:avLst/>
-          </a:prstGeom>
-          <a:ln w="12700">
-            <a:miter lim="400000"/>
-          </a:ln>
-          <a:extLst>
-            <a:ext uri="{C572A759-6A51-4108-AA02-DFA0A04FC94B}">
-              <ma14:wrappingTextBoxFlag xmlns:ma14="http://schemas.microsoft.com/office/mac/drawingml/2011/main" val="1"/>
-            </a:ext>
-          </a:extLst>
-        </p:spPr>
-        <p:txBody>
-          <a:bodyPr wrap="none" lIns="50800" tIns="50800" rIns="50800" bIns="50800" anchor="ctr">
-            <a:spAutoFit/>
-          </a:bodyPr>
-          <a:lstStyle>
-            <a:lvl1pPr>
-              <a:defRPr b="0" sz="6000">
-                <a:latin typeface="+mn-lt"/>
-                <a:ea typeface="+mn-ea"/>
-                <a:cs typeface="+mn-cs"/>
-                <a:sym typeface="Helvetica Neue Medium"/>
-              </a:defRPr>
-            </a:lvl1pPr>
-          </a:lstStyle>
-          <a:p>
-            <a:pPr/>
-            <a:r>
-              <a:t>Déroulement du projet</a:t>
-            </a:r>
-          </a:p>
-        </p:txBody>
-      </p:sp>
-      <p:sp>
-        <p:nvSpPr>
-          <p:cNvPr id="173" name="Numéro de diapositive"/>
-          <p:cNvSpPr txBox="1"/>
-          <p:nvPr>
-            <p:ph type="sldNum" sz="quarter" idx="2"/>
-          </p:nvPr>
-        </p:nvSpPr>
-        <p:spPr>
-          <a:xfrm>
-            <a:off x="6156773" y="9296400"/>
-            <a:ext cx="455880" cy="324306"/>
-          </a:xfrm>
-          <a:prstGeom prst="rect">
-            <a:avLst/>
-          </a:prstGeom>
-          <a:extLst>
-            <a:ext uri="{C572A759-6A51-4108-AA02-DFA0A04FC94B}">
-              <ma14:wrappingTextBoxFlag xmlns:ma14="http://schemas.microsoft.com/office/mac/drawingml/2011/main" val="1"/>
-            </a:ext>
-          </a:extLst>
-        </p:spPr>
-        <p:txBody>
-          <a:bodyPr/>
-          <a:lstStyle/>
-          <a:p>
-            <a:pPr lvl="1" algn="r">
-              <a:defRPr b="0" sz="1600">
-                <a:latin typeface="Helvetica Neue Thin"/>
-                <a:ea typeface="Helvetica Neue Thin"/>
-                <a:cs typeface="Helvetica Neue Thin"/>
-                <a:sym typeface="Helvetica Neue Thin"/>
-              </a:defRPr>
-            </a:pPr>
-            <a:fld id="{86CB4B4D-7CA3-9044-876B-883B54F8677D}" type="slidenum"/>
-          </a:p>
-        </p:txBody>
-      </p:sp>
-      <p:sp>
-        <p:nvSpPr>
-          <p:cNvPr id="174" name="Gantt"/>
-          <p:cNvSpPr/>
-          <p:nvPr/>
-        </p:nvSpPr>
-        <p:spPr>
-          <a:xfrm>
-            <a:off x="545255" y="2577671"/>
-            <a:ext cx="11914290" cy="6582844"/>
-          </a:xfrm>
-          <a:prstGeom prst="rect">
-            <a:avLst/>
-          </a:prstGeom>
-          <a:solidFill>
-            <a:schemeClr val="accent1"/>
-          </a:solidFill>
-          <a:ln w="12700">
-            <a:miter lim="400000"/>
-          </a:ln>
-          <a:extLst>
-            <a:ext uri="{C572A759-6A51-4108-AA02-DFA0A04FC94B}">
-              <ma14:wrappingTextBoxFlag xmlns:ma14="http://schemas.microsoft.com/office/mac/drawingml/2011/main" val="1"/>
-            </a:ext>
-          </a:extLst>
-        </p:spPr>
-        <p:txBody>
-          <a:bodyPr lIns="50800" tIns="50800" rIns="50800" bIns="50800" anchor="ctr"/>
-          <a:lstStyle>
-            <a:lvl1pPr>
-              <a:defRPr b="0" sz="2200">
-                <a:solidFill>
-                  <a:srgbClr val="FFFFFF"/>
-                </a:solidFill>
-                <a:latin typeface="+mn-lt"/>
-                <a:ea typeface="+mn-ea"/>
-                <a:cs typeface="+mn-cs"/>
-                <a:sym typeface="Helvetica Neue Medium"/>
-              </a:defRPr>
-            </a:lvl1pPr>
-          </a:lstStyle>
-          <a:p>
-            <a:pPr/>
-            <a:r>
-              <a:t>Gantt</a:t>
-            </a:r>
-          </a:p>
-        </p:txBody>
-      </p:sp>
-    </p:spTree>
-  </p:cSld>
-  <p:clrMapOvr>
-    <a:masterClrMapping/>
-  </p:clrMapOvr>
-  <p:transition xmlns:p14="http://schemas.microsoft.com/office/powerpoint/2010/main" spd="med" advClick="1"/>
-</p:sld>
-</file>
-
-<file path=ppt/slides/slide7.xml><?xml version="1.0" encoding="utf-8"?>
-<p:sld xmlns:a="http://schemas.openxmlformats.org/drawingml/2006/main" xmlns:r="http://schemas.openxmlformats.org/officeDocument/2006/relationships" xmlns:p="http://schemas.openxmlformats.org/presentationml/2006/main" showMasterSp="1" showMasterPhAnim="1">
-  <p:cSld>
-    <p:spTree>
-      <p:nvGrpSpPr>
-        <p:cNvPr id="1" name=""/>
-        <p:cNvGrpSpPr/>
-        <p:nvPr/>
-      </p:nvGrpSpPr>
-      <p:grpSpPr>
-        <a:xfrm>
-          <a:off x="0" y="0"/>
-          <a:ext cx="0" cy="0"/>
-          <a:chOff x="0" y="0"/>
-          <a:chExt cx="0" cy="0"/>
-        </a:xfrm>
-      </p:grpSpPr>
-      <p:sp>
-        <p:nvSpPr>
-          <p:cNvPr id="176" name="Présentation des défis techniques"/>
-          <p:cNvSpPr txBox="1"/>
-          <p:nvPr/>
-        </p:nvSpPr>
-        <p:spPr>
-          <a:xfrm>
-            <a:off x="360680" y="489363"/>
-            <a:ext cx="12283441" cy="1019297"/>
-          </a:xfrm>
-          <a:prstGeom prst="rect">
-            <a:avLst/>
-          </a:prstGeom>
-          <a:ln w="12700">
-            <a:miter lim="400000"/>
-          </a:ln>
-          <a:extLst>
-            <a:ext uri="{C572A759-6A51-4108-AA02-DFA0A04FC94B}">
-              <ma14:wrappingTextBoxFlag xmlns:ma14="http://schemas.microsoft.com/office/mac/drawingml/2011/main" val="1"/>
-            </a:ext>
-          </a:extLst>
-        </p:spPr>
-        <p:txBody>
-          <a:bodyPr wrap="none" lIns="50800" tIns="50800" rIns="50800" bIns="50800" anchor="ctr">
-            <a:spAutoFit/>
-          </a:bodyPr>
-          <a:lstStyle>
-            <a:lvl1pPr>
-              <a:defRPr b="0" sz="6000">
-                <a:latin typeface="+mn-lt"/>
-                <a:ea typeface="+mn-ea"/>
-                <a:cs typeface="+mn-cs"/>
-                <a:sym typeface="Helvetica Neue Medium"/>
-              </a:defRPr>
-            </a:lvl1pPr>
-          </a:lstStyle>
-          <a:p>
-            <a:pPr/>
-            <a:r>
-              <a:t>Présentation des défis techniques </a:t>
-            </a:r>
-          </a:p>
-        </p:txBody>
-      </p:sp>
-      <p:sp>
-        <p:nvSpPr>
-          <p:cNvPr id="177" name="Numéro de diapositive"/>
-          <p:cNvSpPr txBox="1"/>
-          <p:nvPr>
-            <p:ph type="sldNum" sz="quarter" idx="2"/>
-          </p:nvPr>
-        </p:nvSpPr>
-        <p:spPr>
-          <a:xfrm>
-            <a:off x="6156773" y="9296400"/>
-            <a:ext cx="455880" cy="324306"/>
-          </a:xfrm>
-          <a:prstGeom prst="rect">
-            <a:avLst/>
-          </a:prstGeom>
-          <a:extLst>
-            <a:ext uri="{C572A759-6A51-4108-AA02-DFA0A04FC94B}">
-              <ma14:wrappingTextBoxFlag xmlns:ma14="http://schemas.microsoft.com/office/mac/drawingml/2011/main" val="1"/>
-            </a:ext>
-          </a:extLst>
-        </p:spPr>
-        <p:txBody>
-          <a:bodyPr/>
-          <a:lstStyle/>
-          <a:p>
-            <a:pPr lvl="1" algn="r">
-              <a:defRPr b="0" sz="1600">
-                <a:latin typeface="Helvetica Neue Thin"/>
-                <a:ea typeface="Helvetica Neue Thin"/>
-                <a:cs typeface="Helvetica Neue Thin"/>
-                <a:sym typeface="Helvetica Neue Thin"/>
-              </a:defRPr>
-            </a:pPr>
-            <a:fld id="{86CB4B4D-7CA3-9044-876B-883B54F8677D}" type="slidenum"/>
-          </a:p>
-        </p:txBody>
-      </p:sp>
-      <p:sp>
-        <p:nvSpPr>
-          <p:cNvPr id="178" name="Déplacer toutes les pièces"/>
-          <p:cNvSpPr txBox="1"/>
-          <p:nvPr/>
-        </p:nvSpPr>
-        <p:spPr>
-          <a:xfrm>
-            <a:off x="2280602" y="3179951"/>
-            <a:ext cx="4755538" cy="510073"/>
-          </a:xfrm>
-          <a:prstGeom prst="rect">
-            <a:avLst/>
-          </a:prstGeom>
-          <a:ln w="12700">
-            <a:miter lim="400000"/>
-          </a:ln>
-          <a:extLst>
-            <a:ext uri="{C572A759-6A51-4108-AA02-DFA0A04FC94B}">
-              <ma14:wrappingTextBoxFlag xmlns:ma14="http://schemas.microsoft.com/office/mac/drawingml/2011/main" val="1"/>
-            </a:ext>
-          </a:extLst>
-        </p:spPr>
-        <p:txBody>
-          <a:bodyPr lIns="50800" tIns="50800" rIns="50800" bIns="50800">
-            <a:normAutofit fontScale="100000" lnSpcReduction="0"/>
-          </a:bodyPr>
-          <a:lstStyle>
-            <a:lvl1pPr algn="l">
-              <a:spcBef>
-                <a:spcPts val="3000"/>
-              </a:spcBef>
-              <a:defRPr b="0" sz="2500"/>
-            </a:lvl1pPr>
-          </a:lstStyle>
-          <a:p>
-            <a:pPr/>
-            <a:r>
-              <a:t>Déplacer toutes les pièces</a:t>
-            </a:r>
-          </a:p>
-        </p:txBody>
-      </p:sp>
-      <p:pic>
-        <p:nvPicPr>
-          <p:cNvPr id="179" name="problems-with-synchronization.png" descr="problems-with-synchronization.png"/>
-          <p:cNvPicPr>
-            <a:picLocks noChangeAspect="1"/>
-          </p:cNvPicPr>
-          <p:nvPr/>
-        </p:nvPicPr>
-        <p:blipFill>
-          <a:blip r:embed="rId2">
-            <a:extLst/>
-          </a:blip>
-          <a:stretch>
-            <a:fillRect/>
-          </a:stretch>
-        </p:blipFill>
-        <p:spPr>
-          <a:xfrm>
-            <a:off x="980090" y="2925339"/>
-            <a:ext cx="1019298" cy="1019297"/>
-          </a:xfrm>
-          <a:prstGeom prst="rect">
-            <a:avLst/>
-          </a:prstGeom>
-          <a:ln w="12700">
-            <a:miter lim="400000"/>
-          </a:ln>
-        </p:spPr>
-      </p:pic>
-      <p:sp>
-        <p:nvSpPr>
-          <p:cNvPr id="180" name="Gestion des coups spéciaux ( échec, roque , fin de partie"/>
-          <p:cNvSpPr txBox="1"/>
-          <p:nvPr/>
-        </p:nvSpPr>
-        <p:spPr>
-          <a:xfrm>
-            <a:off x="2268634" y="4813001"/>
-            <a:ext cx="4779474" cy="1019298"/>
-          </a:xfrm>
-          <a:prstGeom prst="rect">
-            <a:avLst/>
-          </a:prstGeom>
-          <a:ln w="12700">
-            <a:miter lim="400000"/>
-          </a:ln>
-          <a:extLst>
-            <a:ext uri="{C572A759-6A51-4108-AA02-DFA0A04FC94B}">
-              <ma14:wrappingTextBoxFlag xmlns:ma14="http://schemas.microsoft.com/office/mac/drawingml/2011/main" val="1"/>
-            </a:ext>
-          </a:extLst>
-        </p:spPr>
-        <p:txBody>
-          <a:bodyPr lIns="50800" tIns="50800" rIns="50800" bIns="50800">
-            <a:normAutofit fontScale="100000" lnSpcReduction="0"/>
-          </a:bodyPr>
-          <a:lstStyle>
-            <a:lvl1pPr algn="l">
-              <a:spcBef>
-                <a:spcPts val="3000"/>
-              </a:spcBef>
-              <a:defRPr b="0" sz="2500"/>
-            </a:lvl1pPr>
-          </a:lstStyle>
-          <a:p>
-            <a:pPr/>
-            <a:r>
-              <a:t>Gestion des coups spéciaux ( échec, roque , fin de partie</a:t>
-            </a:r>
-          </a:p>
-        </p:txBody>
-      </p:sp>
-      <p:pic>
-        <p:nvPicPr>
-          <p:cNvPr id="181" name="problems-with-synchronization.png" descr="problems-with-synchronization.png"/>
-          <p:cNvPicPr>
-            <a:picLocks noChangeAspect="1"/>
-          </p:cNvPicPr>
-          <p:nvPr/>
-        </p:nvPicPr>
-        <p:blipFill>
-          <a:blip r:embed="rId2">
-            <a:extLst/>
-          </a:blip>
-          <a:stretch>
-            <a:fillRect/>
-          </a:stretch>
-        </p:blipFill>
-        <p:spPr>
-          <a:xfrm>
-            <a:off x="968122" y="4558389"/>
-            <a:ext cx="1019298" cy="1019298"/>
-          </a:xfrm>
-          <a:prstGeom prst="rect">
-            <a:avLst/>
-          </a:prstGeom>
-          <a:ln w="12700">
-            <a:miter lim="400000"/>
-          </a:ln>
-        </p:spPr>
-      </p:pic>
-      <p:sp>
-        <p:nvSpPr>
-          <p:cNvPr id="182" name="Interface graphique fonctionnelle"/>
-          <p:cNvSpPr txBox="1"/>
-          <p:nvPr/>
-        </p:nvSpPr>
-        <p:spPr>
-          <a:xfrm>
-            <a:off x="8617867" y="2925339"/>
-            <a:ext cx="3840596" cy="1019297"/>
-          </a:xfrm>
-          <a:prstGeom prst="rect">
-            <a:avLst/>
-          </a:prstGeom>
-          <a:ln w="12700">
-            <a:miter lim="400000"/>
-          </a:ln>
-          <a:extLst>
-            <a:ext uri="{C572A759-6A51-4108-AA02-DFA0A04FC94B}">
-              <ma14:wrappingTextBoxFlag xmlns:ma14="http://schemas.microsoft.com/office/mac/drawingml/2011/main" val="1"/>
-            </a:ext>
-          </a:extLst>
-        </p:spPr>
-        <p:txBody>
-          <a:bodyPr lIns="50800" tIns="50800" rIns="50800" bIns="50800">
-            <a:normAutofit fontScale="100000" lnSpcReduction="0"/>
-          </a:bodyPr>
-          <a:lstStyle>
-            <a:lvl1pPr algn="l">
-              <a:spcBef>
-                <a:spcPts val="3000"/>
-              </a:spcBef>
-              <a:defRPr b="0" sz="2500"/>
-            </a:lvl1pPr>
-          </a:lstStyle>
-          <a:p>
-            <a:pPr/>
-            <a:r>
-              <a:t>Interface graphique fonctionnelle </a:t>
-            </a:r>
-          </a:p>
-        </p:txBody>
-      </p:sp>
-      <p:pic>
-        <p:nvPicPr>
-          <p:cNvPr id="183" name="problems-with-synchronization.png" descr="problems-with-synchronization.png"/>
-          <p:cNvPicPr>
-            <a:picLocks noChangeAspect="1"/>
-          </p:cNvPicPr>
-          <p:nvPr/>
-        </p:nvPicPr>
-        <p:blipFill>
-          <a:blip r:embed="rId2">
-            <a:extLst/>
-          </a:blip>
-          <a:stretch>
-            <a:fillRect/>
-          </a:stretch>
-        </p:blipFill>
-        <p:spPr>
-          <a:xfrm>
-            <a:off x="7317355" y="2925339"/>
-            <a:ext cx="1019298" cy="1019297"/>
-          </a:xfrm>
-          <a:prstGeom prst="rect">
-            <a:avLst/>
-          </a:prstGeom>
-          <a:ln w="12700">
-            <a:miter lim="400000"/>
-          </a:ln>
-        </p:spPr>
-      </p:pic>
-    </p:spTree>
-  </p:cSld>
-  <p:clrMapOvr>
-    <a:masterClrMapping/>
-  </p:clrMapOvr>
-  <p:transition xmlns:p14="http://schemas.microsoft.com/office/powerpoint/2010/main" spd="med" advClick="1"/>
-</p:sld>
-</file>
-
-<file path=ppt/slides/slide8.xml><?xml version="1.0" encoding="utf-8"?>
-<p:sld xmlns:a="http://schemas.openxmlformats.org/drawingml/2006/main" xmlns:r="http://schemas.openxmlformats.org/officeDocument/2006/relationships" xmlns:p="http://schemas.openxmlformats.org/presentationml/2006/main" showMasterSp="1" showMasterPhAnim="1">
-  <p:cSld>
-    <p:spTree>
-      <p:nvGrpSpPr>
-        <p:cNvPr id="1" name=""/>
-        <p:cNvGrpSpPr/>
-        <p:nvPr/>
-      </p:nvGrpSpPr>
-      <p:grpSpPr>
-        <a:xfrm>
-          <a:off x="0" y="0"/>
-          <a:ext cx="0" cy="0"/>
-          <a:chOff x="0" y="0"/>
-          <a:chExt cx="0" cy="0"/>
-        </a:xfrm>
-      </p:grpSpPr>
-      <p:sp>
-        <p:nvSpPr>
-          <p:cNvPr id="185" name="Choix de conception"/>
-          <p:cNvSpPr txBox="1"/>
-          <p:nvPr/>
-        </p:nvSpPr>
-        <p:spPr>
-          <a:xfrm>
-            <a:off x="2796412" y="489363"/>
-            <a:ext cx="7411975" cy="1019297"/>
-          </a:xfrm>
-          <a:prstGeom prst="rect">
-            <a:avLst/>
-          </a:prstGeom>
-          <a:ln w="12700">
-            <a:miter lim="400000"/>
-          </a:ln>
-          <a:extLst>
-            <a:ext uri="{C572A759-6A51-4108-AA02-DFA0A04FC94B}">
-              <ma14:wrappingTextBoxFlag xmlns:ma14="http://schemas.microsoft.com/office/mac/drawingml/2011/main" val="1"/>
-            </a:ext>
-          </a:extLst>
-        </p:spPr>
-        <p:txBody>
-          <a:bodyPr wrap="none" lIns="50800" tIns="50800" rIns="50800" bIns="50800" anchor="ctr">
-            <a:spAutoFit/>
-          </a:bodyPr>
-          <a:lstStyle>
-            <a:lvl1pPr>
-              <a:defRPr b="0" sz="6000">
-                <a:latin typeface="+mn-lt"/>
-                <a:ea typeface="+mn-ea"/>
-                <a:cs typeface="+mn-cs"/>
-                <a:sym typeface="Helvetica Neue Medium"/>
-              </a:defRPr>
-            </a:lvl1pPr>
-          </a:lstStyle>
-          <a:p>
-            <a:pPr/>
-            <a:r>
-              <a:t>Choix de conception</a:t>
-            </a:r>
-          </a:p>
-        </p:txBody>
-      </p:sp>
-      <p:sp>
-        <p:nvSpPr>
-          <p:cNvPr id="186" name="Numéro de diapositive"/>
-          <p:cNvSpPr txBox="1"/>
-          <p:nvPr>
-            <p:ph type="sldNum" sz="quarter" idx="2"/>
-          </p:nvPr>
-        </p:nvSpPr>
-        <p:spPr>
-          <a:xfrm>
-            <a:off x="6156773" y="9296400"/>
-            <a:ext cx="455880" cy="324306"/>
-          </a:xfrm>
-          <a:prstGeom prst="rect">
-            <a:avLst/>
-          </a:prstGeom>
-          <a:extLst>
-            <a:ext uri="{C572A759-6A51-4108-AA02-DFA0A04FC94B}">
-              <ma14:wrappingTextBoxFlag xmlns:ma14="http://schemas.microsoft.com/office/mac/drawingml/2011/main" val="1"/>
-            </a:ext>
-          </a:extLst>
-        </p:spPr>
-        <p:txBody>
-          <a:bodyPr/>
-          <a:lstStyle/>
-          <a:p>
-            <a:pPr lvl="1" algn="r">
-              <a:defRPr b="0" sz="1600">
-                <a:latin typeface="Helvetica Neue Thin"/>
-                <a:ea typeface="Helvetica Neue Thin"/>
-                <a:cs typeface="Helvetica Neue Thin"/>
-                <a:sym typeface="Helvetica Neue Thin"/>
-              </a:defRPr>
-            </a:pPr>
-            <a:fld id="{86CB4B4D-7CA3-9044-876B-883B54F8677D}" type="slidenum"/>
-          </a:p>
-        </p:txBody>
-      </p:sp>
-      <p:sp>
-        <p:nvSpPr>
-          <p:cNvPr id="187" name="Texte"/>
-          <p:cNvSpPr txBox="1"/>
-          <p:nvPr/>
-        </p:nvSpPr>
-        <p:spPr>
-          <a:xfrm>
-            <a:off x="6156773" y="9296400"/>
-            <a:ext cx="455880" cy="324306"/>
-          </a:xfrm>
-          <a:prstGeom prst="rect">
-            <a:avLst/>
-          </a:prstGeom>
-          <a:ln w="12700">
-            <a:miter lim="400000"/>
-          </a:ln>
-          <a:extLst>
-            <a:ext uri="{C572A759-6A51-4108-AA02-DFA0A04FC94B}">
-              <ma14:wrappingTextBoxFlag xmlns:ma14="http://schemas.microsoft.com/office/mac/drawingml/2011/main" val="1"/>
-            </a:ext>
-          </a:extLst>
-        </p:spPr>
-        <p:txBody>
-          <a:bodyPr wrap="none" lIns="50800" tIns="50800" rIns="50800" bIns="50800">
-            <a:spAutoFit/>
-          </a:bodyPr>
-          <a:lstStyle/>
-          <a:p>
-            <a:pPr lvl="1" algn="r">
-              <a:defRPr b="0" sz="1600">
-                <a:latin typeface="Helvetica Neue Thin"/>
-                <a:ea typeface="Helvetica Neue Thin"/>
-                <a:cs typeface="Helvetica Neue Thin"/>
-                <a:sym typeface="Helvetica Neue Thin"/>
-              </a:defRPr>
-            </a:pPr>
-            <a:fld id="{86CB4B4D-7CA3-9044-876B-883B54F8677D}" type="slidenum"/>
-            <a:r>
-              <a:t>￼</a:t>
-            </a:r>
-          </a:p>
-        </p:txBody>
-      </p:sp>
-      <p:pic>
-        <p:nvPicPr>
-          <p:cNvPr id="188" name="UML.png" descr="UML.png"/>
-          <p:cNvPicPr>
-            <a:picLocks noChangeAspect="1"/>
-          </p:cNvPicPr>
-          <p:nvPr/>
-        </p:nvPicPr>
-        <p:blipFill>
-          <a:blip r:embed="rId2">
-            <a:extLst/>
-          </a:blip>
-          <a:stretch>
-            <a:fillRect/>
-          </a:stretch>
-        </p:blipFill>
-        <p:spPr>
-          <a:xfrm>
-            <a:off x="-53124" y="1981507"/>
-            <a:ext cx="13111048" cy="6437335"/>
-          </a:xfrm>
-          <a:prstGeom prst="rect">
-            <a:avLst/>
-          </a:prstGeom>
-          <a:ln w="12700">
-            <a:miter lim="400000"/>
-          </a:ln>
-        </p:spPr>
-      </p:pic>
-    </p:spTree>
-  </p:cSld>
-  <p:clrMapOvr>
-    <a:masterClrMapping/>
-  </p:clrMapOvr>
-  <p:transition xmlns:p14="http://schemas.microsoft.com/office/powerpoint/2010/main" spd="med" advClick="1"/>
+  <mc:AlternateContent xmlns:mc="http://schemas.openxmlformats.org/markup-compatibility/2006">
+    <mc:Choice xmlns:p14="http://schemas.microsoft.com/office/powerpoint/2010/main" Requires="p14">
+      <p:transition spd="fast" advClick="1" p14:dur="750">
+        <p:push dir="l"/>
+      </p:transition>
+    </mc:Choice>
+    <mc:Fallback>
+      <p:transition spd="fast">
+        <p:fade/>
+      </p:transition>
+    </mc:Fallback>
+  </mc:AlternateContent>
   <p:timing>
     <p:tnLst>
       <p:par>
@@ -8660,9 +10764,1353 @@
                                   <p:childTnLst>
                                     <p:animScale>
                                       <p:cBhvr>
+                                        <p:cTn id="6" dur="1500" fill="hold"/>
+                                        <p:tgtEl>
+                                          <p:spTgt spid="163"/>
+                                        </p:tgtEl>
+                                      </p:cBhvr>
+                                      <p:by x="276868" y="276868"/>
+                                    </p:animScale>
+                                  </p:childTnLst>
+                                </p:cTn>
+                              </p:par>
+                            </p:childTnLst>
+                          </p:cTn>
+                        </p:par>
+                        <p:par>
+                          <p:cTn id="7" fill="hold">
+                            <p:stCondLst>
+                              <p:cond delay="0"/>
+                            </p:stCondLst>
+                            <p:childTnLst>
+                              <p:par>
+                                <p:cTn id="8" presetClass="path" nodeType="withEffect" presetSubtype="0" presetID="-1" grpId="2" accel="50000" decel="50000" fill="hold">
+                                  <p:stCondLst>
+                                    <p:cond delay="0"/>
+                                  </p:stCondLst>
+                                  <p:childTnLst>
+                                    <p:animMotion path="M 0.000000 0.000000 L 0.246293 -0.232137" origin="layout" pathEditMode="relative">
+                                      <p:cBhvr>
+                                        <p:cTn id="9" dur="1000" fill="hold"/>
+                                        <p:tgtEl>
+                                          <p:spTgt spid="163"/>
+                                        </p:tgtEl>
+                                        <p:attrNameLst>
+                                          <p:attrName>ppt_x</p:attrName>
+                                          <p:attrName>ppt_y</p:attrName>
+                                        </p:attrNameLst>
+                                      </p:cBhvr>
+                                    </p:animMotion>
+                                  </p:childTnLst>
+                                </p:cTn>
+                              </p:par>
+                            </p:childTnLst>
+                          </p:cTn>
+                        </p:par>
+                      </p:childTnLst>
+                    </p:cTn>
+                  </p:par>
+                  <p:par>
+                    <p:cTn id="10" fill="hold">
+                      <p:stCondLst>
+                        <p:cond delay="indefinite"/>
+                      </p:stCondLst>
+                      <p:childTnLst>
+                        <p:par>
+                          <p:cTn id="11" fill="hold">
+                            <p:stCondLst>
+                              <p:cond delay="0"/>
+                            </p:stCondLst>
+                            <p:childTnLst>
+                              <p:par>
+                                <p:cTn id="12" presetClass="emph" nodeType="clickEffect" presetSubtype="0" presetID="6" grpId="3" accel="50000" decel="50000" fill="hold">
+                                  <p:stCondLst>
+                                    <p:cond delay="0"/>
+                                  </p:stCondLst>
+                                  <p:childTnLst>
+                                    <p:animScale>
+                                      <p:cBhvr>
+                                        <p:cTn id="13" dur="1000" fill="hold"/>
+                                        <p:tgtEl>
+                                          <p:spTgt spid="163"/>
+                                        </p:tgtEl>
+                                      </p:cBhvr>
+                                      <p:by x="36551" y="36551"/>
+                                    </p:animScale>
+                                  </p:childTnLst>
+                                </p:cTn>
+                              </p:par>
+                            </p:childTnLst>
+                          </p:cTn>
+                        </p:par>
+                        <p:par>
+                          <p:cTn id="14" fill="hold">
+                            <p:stCondLst>
+                              <p:cond delay="0"/>
+                            </p:stCondLst>
+                            <p:childTnLst>
+                              <p:par>
+                                <p:cTn id="15" presetClass="path" nodeType="withEffect" presetSubtype="0" presetID="-1" grpId="4" accel="50000" decel="50000" fill="hold">
+                                  <p:stCondLst>
+                                    <p:cond delay="0"/>
+                                  </p:stCondLst>
+                                  <p:childTnLst>
+                                    <p:animMotion path="M 0.246293 -0.232137 L 0.000000 0.000000" origin="layout" pathEditMode="relative">
+                                      <p:cBhvr>
+                                        <p:cTn id="16" dur="1000" fill="hold"/>
+                                        <p:tgtEl>
+                                          <p:spTgt spid="163"/>
+                                        </p:tgtEl>
+                                        <p:attrNameLst>
+                                          <p:attrName>ppt_x</p:attrName>
+                                          <p:attrName>ppt_y</p:attrName>
+                                        </p:attrNameLst>
+                                      </p:cBhvr>
+                                    </p:animMotion>
+                                  </p:childTnLst>
+                                </p:cTn>
+                              </p:par>
+                            </p:childTnLst>
+                          </p:cTn>
+                        </p:par>
+                      </p:childTnLst>
+                    </p:cTn>
+                  </p:par>
+                </p:childTnLst>
+              </p:cTn>
+              <p:prevCondLst>
+                <p:cond evt="onPrev">
+                  <p:tgtEl>
+                    <p:sldTgt/>
+                  </p:tgtEl>
+                </p:cond>
+              </p:prevCondLst>
+              <p:nextCondLst>
+                <p:cond evt="onNext">
+                  <p:tgtEl>
+                    <p:sldTgt/>
+                  </p:tgtEl>
+                </p:cond>
+              </p:nextCondLst>
+            </p:seq>
+          </p:childTnLst>
+        </p:cTn>
+      </p:par>
+    </p:tnLst>
+    <p:bldLst>
+      <p:bldP build="whole" bldLvl="1" animBg="1" rev="0" advAuto="0" spid="163" grpId="1"/>
+      <p:bldP build="whole" bldLvl="1" animBg="1" rev="0" advAuto="0" spid="163" grpId="3"/>
+    </p:bldLst>
+  </p:timing>
+</p:sld>
+</file>
+
+<file path=ppt/slides/slide5.xml><?xml version="1.0" encoding="utf-8"?>
+<p:sld xmlns:a="http://schemas.openxmlformats.org/drawingml/2006/main" xmlns:r="http://schemas.openxmlformats.org/officeDocument/2006/relationships" xmlns:p="http://schemas.openxmlformats.org/presentationml/2006/main" showMasterSp="1" showMasterPhAnim="1">
+  <p:cSld>
+    <p:spTree>
+      <p:nvGrpSpPr>
+        <p:cNvPr id="1" name=""/>
+        <p:cNvGrpSpPr/>
+        <p:nvPr/>
+      </p:nvGrpSpPr>
+      <p:grpSpPr>
+        <a:xfrm>
+          <a:off x="0" y="0"/>
+          <a:ext cx="0" cy="0"/>
+          <a:chOff x="0" y="0"/>
+          <a:chExt cx="0" cy="0"/>
+        </a:xfrm>
+      </p:grpSpPr>
+      <p:sp>
+        <p:nvSpPr>
+          <p:cNvPr id="165" name="Contraintes techniques"/>
+          <p:cNvSpPr txBox="1"/>
+          <p:nvPr/>
+        </p:nvSpPr>
+        <p:spPr>
+          <a:xfrm>
+            <a:off x="2359024" y="489363"/>
+            <a:ext cx="8286751" cy="1019297"/>
+          </a:xfrm>
+          <a:prstGeom prst="rect">
+            <a:avLst/>
+          </a:prstGeom>
+          <a:ln w="12700">
+            <a:miter lim="400000"/>
+          </a:ln>
+          <a:extLst>
+            <a:ext uri="{C572A759-6A51-4108-AA02-DFA0A04FC94B}">
+              <ma14:wrappingTextBoxFlag xmlns:ma14="http://schemas.microsoft.com/office/mac/drawingml/2011/main" val="1"/>
+            </a:ext>
+          </a:extLst>
+        </p:spPr>
+        <p:txBody>
+          <a:bodyPr wrap="none" lIns="50800" tIns="50800" rIns="50800" bIns="50800" anchor="ctr">
+            <a:spAutoFit/>
+          </a:bodyPr>
+          <a:lstStyle>
+            <a:lvl1pPr>
+              <a:defRPr b="0" sz="6000">
+                <a:latin typeface="+mn-lt"/>
+                <a:ea typeface="+mn-ea"/>
+                <a:cs typeface="+mn-cs"/>
+                <a:sym typeface="Helvetica Neue Medium"/>
+              </a:defRPr>
+            </a:lvl1pPr>
+          </a:lstStyle>
+          <a:p>
+            <a:pPr/>
+            <a:r>
+              <a:t>Contraintes techniques</a:t>
+            </a:r>
+          </a:p>
+        </p:txBody>
+      </p:sp>
+      <p:sp>
+        <p:nvSpPr>
+          <p:cNvPr id="166" name="Numéro de diapositive"/>
+          <p:cNvSpPr txBox="1"/>
+          <p:nvPr>
+            <p:ph type="sldNum" sz="quarter" idx="2"/>
+          </p:nvPr>
+        </p:nvSpPr>
+        <p:spPr>
+          <a:xfrm>
+            <a:off x="6156773" y="9296400"/>
+            <a:ext cx="455880" cy="324306"/>
+          </a:xfrm>
+          <a:prstGeom prst="rect">
+            <a:avLst/>
+          </a:prstGeom>
+          <a:extLst>
+            <a:ext uri="{C572A759-6A51-4108-AA02-DFA0A04FC94B}">
+              <ma14:wrappingTextBoxFlag xmlns:ma14="http://schemas.microsoft.com/office/mac/drawingml/2011/main" val="1"/>
+            </a:ext>
+          </a:extLst>
+        </p:spPr>
+        <p:txBody>
+          <a:bodyPr/>
+          <a:lstStyle/>
+          <a:p>
+            <a:pPr lvl="1" algn="r">
+              <a:defRPr b="0" sz="1600">
+                <a:latin typeface="Helvetica Neue Thin"/>
+                <a:ea typeface="Helvetica Neue Thin"/>
+                <a:cs typeface="Helvetica Neue Thin"/>
+                <a:sym typeface="Helvetica Neue Thin"/>
+              </a:defRPr>
+            </a:pPr>
+            <a:fld id="{86CB4B4D-7CA3-9044-876B-883B54F8677D}" type="slidenum"/>
+          </a:p>
+        </p:txBody>
+      </p:sp>
+      <p:sp>
+        <p:nvSpPr>
+          <p:cNvPr id="167" name="Utiliser le langage JAVA"/>
+          <p:cNvSpPr txBox="1"/>
+          <p:nvPr/>
+        </p:nvSpPr>
+        <p:spPr>
+          <a:xfrm>
+            <a:off x="2265819" y="3783516"/>
+            <a:ext cx="4755538" cy="553517"/>
+          </a:xfrm>
+          <a:prstGeom prst="rect">
+            <a:avLst/>
+          </a:prstGeom>
+          <a:ln w="12700">
+            <a:miter lim="400000"/>
+          </a:ln>
+          <a:extLst>
+            <a:ext uri="{C572A759-6A51-4108-AA02-DFA0A04FC94B}">
+              <ma14:wrappingTextBoxFlag xmlns:ma14="http://schemas.microsoft.com/office/mac/drawingml/2011/main" val="1"/>
+            </a:ext>
+          </a:extLst>
+        </p:spPr>
+        <p:txBody>
+          <a:bodyPr lIns="50800" tIns="50800" rIns="50800" bIns="50800">
+            <a:normAutofit fontScale="100000" lnSpcReduction="0"/>
+          </a:bodyPr>
+          <a:lstStyle>
+            <a:lvl1pPr algn="l">
+              <a:spcBef>
+                <a:spcPts val="3000"/>
+              </a:spcBef>
+              <a:defRPr b="0" sz="3000"/>
+            </a:lvl1pPr>
+          </a:lstStyle>
+          <a:p>
+            <a:pPr/>
+            <a:r>
+              <a:t>Utiliser le langage JAVA</a:t>
+            </a:r>
+          </a:p>
+        </p:txBody>
+      </p:sp>
+      <p:pic>
+        <p:nvPicPr>
+          <p:cNvPr id="168" name="problems-with-synchronization.png" descr="problems-with-synchronization.png"/>
+          <p:cNvPicPr>
+            <a:picLocks noChangeAspect="1"/>
+          </p:cNvPicPr>
+          <p:nvPr/>
+        </p:nvPicPr>
+        <p:blipFill>
+          <a:blip r:embed="rId2">
+            <a:extLst/>
+          </a:blip>
+          <a:stretch>
+            <a:fillRect/>
+          </a:stretch>
+        </p:blipFill>
+        <p:spPr>
+          <a:xfrm>
+            <a:off x="965307" y="3439897"/>
+            <a:ext cx="1240756" cy="1240756"/>
+          </a:xfrm>
+          <a:prstGeom prst="rect">
+            <a:avLst/>
+          </a:prstGeom>
+          <a:ln w="12700">
+            <a:miter lim="400000"/>
+          </a:ln>
+        </p:spPr>
+      </p:pic>
+      <p:sp>
+        <p:nvSpPr>
+          <p:cNvPr id="169" name="Utilisation d’une nouvelle bibliothèque"/>
+          <p:cNvSpPr txBox="1"/>
+          <p:nvPr/>
+        </p:nvSpPr>
+        <p:spPr>
+          <a:xfrm>
+            <a:off x="2253851" y="5679056"/>
+            <a:ext cx="4779474" cy="1019298"/>
+          </a:xfrm>
+          <a:prstGeom prst="rect">
+            <a:avLst/>
+          </a:prstGeom>
+          <a:ln w="12700">
+            <a:miter lim="400000"/>
+          </a:ln>
+          <a:extLst>
+            <a:ext uri="{C572A759-6A51-4108-AA02-DFA0A04FC94B}">
+              <ma14:wrappingTextBoxFlag xmlns:ma14="http://schemas.microsoft.com/office/mac/drawingml/2011/main" val="1"/>
+            </a:ext>
+          </a:extLst>
+        </p:spPr>
+        <p:txBody>
+          <a:bodyPr lIns="50800" tIns="50800" rIns="50800" bIns="50800">
+            <a:normAutofit fontScale="100000" lnSpcReduction="0"/>
+          </a:bodyPr>
+          <a:lstStyle>
+            <a:lvl1pPr algn="l">
+              <a:spcBef>
+                <a:spcPts val="3000"/>
+              </a:spcBef>
+              <a:defRPr b="0" sz="3000"/>
+            </a:lvl1pPr>
+          </a:lstStyle>
+          <a:p>
+            <a:pPr/>
+            <a:r>
+              <a:t>Utilisation d’une nouvelle bibliothèque</a:t>
+            </a:r>
+          </a:p>
+        </p:txBody>
+      </p:sp>
+      <p:pic>
+        <p:nvPicPr>
+          <p:cNvPr id="170" name="problems-with-synchronization.png" descr="problems-with-synchronization.png"/>
+          <p:cNvPicPr>
+            <a:picLocks noChangeAspect="1"/>
+          </p:cNvPicPr>
+          <p:nvPr/>
+        </p:nvPicPr>
+        <p:blipFill>
+          <a:blip r:embed="rId2">
+            <a:extLst/>
+          </a:blip>
+          <a:stretch>
+            <a:fillRect/>
+          </a:stretch>
+        </p:blipFill>
+        <p:spPr>
+          <a:xfrm>
+            <a:off x="953339" y="5679056"/>
+            <a:ext cx="1240756" cy="1240757"/>
+          </a:xfrm>
+          <a:prstGeom prst="rect">
+            <a:avLst/>
+          </a:prstGeom>
+          <a:ln w="12700">
+            <a:miter lim="400000"/>
+          </a:ln>
+        </p:spPr>
+      </p:pic>
+      <p:sp>
+        <p:nvSpPr>
+          <p:cNvPr id="171" name="Pouvoir jouer à deux"/>
+          <p:cNvSpPr txBox="1"/>
+          <p:nvPr/>
+        </p:nvSpPr>
+        <p:spPr>
+          <a:xfrm>
+            <a:off x="8582253" y="3783516"/>
+            <a:ext cx="3840596" cy="553517"/>
+          </a:xfrm>
+          <a:prstGeom prst="rect">
+            <a:avLst/>
+          </a:prstGeom>
+          <a:ln w="12700">
+            <a:miter lim="400000"/>
+          </a:ln>
+          <a:extLst>
+            <a:ext uri="{C572A759-6A51-4108-AA02-DFA0A04FC94B}">
+              <ma14:wrappingTextBoxFlag xmlns:ma14="http://schemas.microsoft.com/office/mac/drawingml/2011/main" val="1"/>
+            </a:ext>
+          </a:extLst>
+        </p:spPr>
+        <p:txBody>
+          <a:bodyPr lIns="50800" tIns="50800" rIns="50800" bIns="50800">
+            <a:normAutofit fontScale="100000" lnSpcReduction="0"/>
+          </a:bodyPr>
+          <a:lstStyle>
+            <a:lvl1pPr algn="l">
+              <a:spcBef>
+                <a:spcPts val="3000"/>
+              </a:spcBef>
+              <a:defRPr b="0" sz="3000"/>
+            </a:lvl1pPr>
+          </a:lstStyle>
+          <a:p>
+            <a:pPr/>
+            <a:r>
+              <a:t>Pouvoir jouer à deux</a:t>
+            </a:r>
+          </a:p>
+        </p:txBody>
+      </p:sp>
+      <p:pic>
+        <p:nvPicPr>
+          <p:cNvPr id="172" name="problems-with-synchronization.png" descr="problems-with-synchronization.png"/>
+          <p:cNvPicPr>
+            <a:picLocks noChangeAspect="1"/>
+          </p:cNvPicPr>
+          <p:nvPr/>
+        </p:nvPicPr>
+        <p:blipFill>
+          <a:blip r:embed="rId2">
+            <a:extLst/>
+          </a:blip>
+          <a:stretch>
+            <a:fillRect/>
+          </a:stretch>
+        </p:blipFill>
+        <p:spPr>
+          <a:xfrm>
+            <a:off x="7302572" y="3439897"/>
+            <a:ext cx="1240757" cy="1240756"/>
+          </a:xfrm>
+          <a:prstGeom prst="rect">
+            <a:avLst/>
+          </a:prstGeom>
+          <a:ln w="12700">
+            <a:miter lim="400000"/>
+          </a:ln>
+        </p:spPr>
+      </p:pic>
+    </p:spTree>
+  </p:cSld>
+  <p:clrMapOvr>
+    <a:masterClrMapping/>
+  </p:clrMapOvr>
+  <mc:AlternateContent xmlns:mc="http://schemas.openxmlformats.org/markup-compatibility/2006">
+    <mc:Choice xmlns:p14="http://schemas.microsoft.com/office/powerpoint/2010/main" Requires="p14">
+      <p:transition spd="fast" advClick="1" p14:dur="750">
+        <p:push dir="l"/>
+      </p:transition>
+    </mc:Choice>
+    <mc:Fallback>
+      <p:transition spd="fast">
+        <p:fade/>
+      </p:transition>
+    </mc:Fallback>
+  </mc:AlternateContent>
+</p:sld>
+</file>
+
+<file path=ppt/slides/slide6.xml><?xml version="1.0" encoding="utf-8"?>
+<p:sld xmlns:a="http://schemas.openxmlformats.org/drawingml/2006/main" xmlns:r="http://schemas.openxmlformats.org/officeDocument/2006/relationships" xmlns:p="http://schemas.openxmlformats.org/presentationml/2006/main" showMasterSp="1" showMasterPhAnim="1">
+  <p:cSld>
+    <p:spTree>
+      <p:nvGrpSpPr>
+        <p:cNvPr id="1" name=""/>
+        <p:cNvGrpSpPr/>
+        <p:nvPr/>
+      </p:nvGrpSpPr>
+      <p:grpSpPr>
+        <a:xfrm>
+          <a:off x="0" y="0"/>
+          <a:ext cx="0" cy="0"/>
+          <a:chOff x="0" y="0"/>
+          <a:chExt cx="0" cy="0"/>
+        </a:xfrm>
+      </p:grpSpPr>
+      <p:sp>
+        <p:nvSpPr>
+          <p:cNvPr id="174" name="Déroulement du projet"/>
+          <p:cNvSpPr txBox="1"/>
+          <p:nvPr/>
+        </p:nvSpPr>
+        <p:spPr>
+          <a:xfrm>
+            <a:off x="2514092" y="678015"/>
+            <a:ext cx="7976617" cy="1019298"/>
+          </a:xfrm>
+          <a:prstGeom prst="rect">
+            <a:avLst/>
+          </a:prstGeom>
+          <a:ln w="12700">
+            <a:miter lim="400000"/>
+          </a:ln>
+          <a:extLst>
+            <a:ext uri="{C572A759-6A51-4108-AA02-DFA0A04FC94B}">
+              <ma14:wrappingTextBoxFlag xmlns:ma14="http://schemas.microsoft.com/office/mac/drawingml/2011/main" val="1"/>
+            </a:ext>
+          </a:extLst>
+        </p:spPr>
+        <p:txBody>
+          <a:bodyPr wrap="none" lIns="50800" tIns="50800" rIns="50800" bIns="50800" anchor="ctr">
+            <a:spAutoFit/>
+          </a:bodyPr>
+          <a:lstStyle>
+            <a:lvl1pPr>
+              <a:defRPr b="0" sz="6000">
+                <a:latin typeface="+mn-lt"/>
+                <a:ea typeface="+mn-ea"/>
+                <a:cs typeface="+mn-cs"/>
+                <a:sym typeface="Helvetica Neue Medium"/>
+              </a:defRPr>
+            </a:lvl1pPr>
+          </a:lstStyle>
+          <a:p>
+            <a:pPr/>
+            <a:r>
+              <a:t>Déroulement du projet</a:t>
+            </a:r>
+          </a:p>
+        </p:txBody>
+      </p:sp>
+      <p:sp>
+        <p:nvSpPr>
+          <p:cNvPr id="175" name="Numéro de diapositive"/>
+          <p:cNvSpPr txBox="1"/>
+          <p:nvPr>
+            <p:ph type="sldNum" sz="quarter" idx="2"/>
+          </p:nvPr>
+        </p:nvSpPr>
+        <p:spPr>
+          <a:xfrm>
+            <a:off x="6156773" y="9296400"/>
+            <a:ext cx="455880" cy="324306"/>
+          </a:xfrm>
+          <a:prstGeom prst="rect">
+            <a:avLst/>
+          </a:prstGeom>
+          <a:extLst>
+            <a:ext uri="{C572A759-6A51-4108-AA02-DFA0A04FC94B}">
+              <ma14:wrappingTextBoxFlag xmlns:ma14="http://schemas.microsoft.com/office/mac/drawingml/2011/main" val="1"/>
+            </a:ext>
+          </a:extLst>
+        </p:spPr>
+        <p:txBody>
+          <a:bodyPr/>
+          <a:lstStyle/>
+          <a:p>
+            <a:pPr lvl="1" algn="r">
+              <a:defRPr b="0" sz="1600">
+                <a:latin typeface="Helvetica Neue Thin"/>
+                <a:ea typeface="Helvetica Neue Thin"/>
+                <a:cs typeface="Helvetica Neue Thin"/>
+                <a:sym typeface="Helvetica Neue Thin"/>
+              </a:defRPr>
+            </a:pPr>
+            <a:fld id="{86CB4B4D-7CA3-9044-876B-883B54F8677D}" type="slidenum"/>
+          </a:p>
+        </p:txBody>
+      </p:sp>
+      <p:sp>
+        <p:nvSpPr>
+          <p:cNvPr id="176" name="Gantt"/>
+          <p:cNvSpPr/>
+          <p:nvPr/>
+        </p:nvSpPr>
+        <p:spPr>
+          <a:xfrm>
+            <a:off x="545255" y="2577671"/>
+            <a:ext cx="11914290" cy="6582844"/>
+          </a:xfrm>
+          <a:prstGeom prst="rect">
+            <a:avLst/>
+          </a:prstGeom>
+          <a:solidFill>
+            <a:schemeClr val="accent1"/>
+          </a:solidFill>
+          <a:ln w="12700">
+            <a:miter lim="400000"/>
+          </a:ln>
+          <a:extLst>
+            <a:ext uri="{C572A759-6A51-4108-AA02-DFA0A04FC94B}">
+              <ma14:wrappingTextBoxFlag xmlns:ma14="http://schemas.microsoft.com/office/mac/drawingml/2011/main" val="1"/>
+            </a:ext>
+          </a:extLst>
+        </p:spPr>
+        <p:txBody>
+          <a:bodyPr lIns="50800" tIns="50800" rIns="50800" bIns="50800" anchor="ctr"/>
+          <a:lstStyle>
+            <a:lvl1pPr>
+              <a:defRPr b="0" sz="2200">
+                <a:solidFill>
+                  <a:srgbClr val="FFFFFF"/>
+                </a:solidFill>
+                <a:latin typeface="+mn-lt"/>
+                <a:ea typeface="+mn-ea"/>
+                <a:cs typeface="+mn-cs"/>
+                <a:sym typeface="Helvetica Neue Medium"/>
+              </a:defRPr>
+            </a:lvl1pPr>
+          </a:lstStyle>
+          <a:p>
+            <a:pPr/>
+            <a:r>
+              <a:t>Gantt</a:t>
+            </a:r>
+          </a:p>
+        </p:txBody>
+      </p:sp>
+    </p:spTree>
+  </p:cSld>
+  <p:clrMapOvr>
+    <a:masterClrMapping/>
+  </p:clrMapOvr>
+  <mc:AlternateContent xmlns:mc="http://schemas.openxmlformats.org/markup-compatibility/2006">
+    <mc:Choice xmlns:p14="http://schemas.microsoft.com/office/powerpoint/2010/main" Requires="p14">
+      <p:transition spd="fast" advClick="1" p14:dur="750">
+        <p:push dir="l"/>
+      </p:transition>
+    </mc:Choice>
+    <mc:Fallback>
+      <p:transition spd="fast">
+        <p:fade/>
+      </p:transition>
+    </mc:Fallback>
+  </mc:AlternateContent>
+</p:sld>
+</file>
+
+<file path=ppt/slides/slide7.xml><?xml version="1.0" encoding="utf-8"?>
+<p:sld xmlns:a="http://schemas.openxmlformats.org/drawingml/2006/main" xmlns:r="http://schemas.openxmlformats.org/officeDocument/2006/relationships" xmlns:p="http://schemas.openxmlformats.org/presentationml/2006/main" showMasterSp="1" showMasterPhAnim="1">
+  <p:cSld>
+    <p:spTree>
+      <p:nvGrpSpPr>
+        <p:cNvPr id="1" name=""/>
+        <p:cNvGrpSpPr/>
+        <p:nvPr/>
+      </p:nvGrpSpPr>
+      <p:grpSpPr>
+        <a:xfrm>
+          <a:off x="0" y="0"/>
+          <a:ext cx="0" cy="0"/>
+          <a:chOff x="0" y="0"/>
+          <a:chExt cx="0" cy="0"/>
+        </a:xfrm>
+      </p:grpSpPr>
+      <p:sp>
+        <p:nvSpPr>
+          <p:cNvPr id="178" name="Présentation des défis techniques"/>
+          <p:cNvSpPr txBox="1"/>
+          <p:nvPr/>
+        </p:nvSpPr>
+        <p:spPr>
+          <a:xfrm>
+            <a:off x="360680" y="489363"/>
+            <a:ext cx="12283441" cy="1019297"/>
+          </a:xfrm>
+          <a:prstGeom prst="rect">
+            <a:avLst/>
+          </a:prstGeom>
+          <a:ln w="12700">
+            <a:miter lim="400000"/>
+          </a:ln>
+          <a:extLst>
+            <a:ext uri="{C572A759-6A51-4108-AA02-DFA0A04FC94B}">
+              <ma14:wrappingTextBoxFlag xmlns:ma14="http://schemas.microsoft.com/office/mac/drawingml/2011/main" val="1"/>
+            </a:ext>
+          </a:extLst>
+        </p:spPr>
+        <p:txBody>
+          <a:bodyPr wrap="none" lIns="50800" tIns="50800" rIns="50800" bIns="50800" anchor="ctr">
+            <a:spAutoFit/>
+          </a:bodyPr>
+          <a:lstStyle>
+            <a:lvl1pPr>
+              <a:defRPr b="0" sz="6000">
+                <a:latin typeface="+mn-lt"/>
+                <a:ea typeface="+mn-ea"/>
+                <a:cs typeface="+mn-cs"/>
+                <a:sym typeface="Helvetica Neue Medium"/>
+              </a:defRPr>
+            </a:lvl1pPr>
+          </a:lstStyle>
+          <a:p>
+            <a:pPr/>
+            <a:r>
+              <a:t>Présentation des défis techniques </a:t>
+            </a:r>
+          </a:p>
+        </p:txBody>
+      </p:sp>
+      <p:sp>
+        <p:nvSpPr>
+          <p:cNvPr id="179" name="Numéro de diapositive"/>
+          <p:cNvSpPr txBox="1"/>
+          <p:nvPr>
+            <p:ph type="sldNum" sz="quarter" idx="2"/>
+          </p:nvPr>
+        </p:nvSpPr>
+        <p:spPr>
+          <a:xfrm>
+            <a:off x="6156773" y="9296400"/>
+            <a:ext cx="455880" cy="324306"/>
+          </a:xfrm>
+          <a:prstGeom prst="rect">
+            <a:avLst/>
+          </a:prstGeom>
+          <a:extLst>
+            <a:ext uri="{C572A759-6A51-4108-AA02-DFA0A04FC94B}">
+              <ma14:wrappingTextBoxFlag xmlns:ma14="http://schemas.microsoft.com/office/mac/drawingml/2011/main" val="1"/>
+            </a:ext>
+          </a:extLst>
+        </p:spPr>
+        <p:txBody>
+          <a:bodyPr/>
+          <a:lstStyle/>
+          <a:p>
+            <a:pPr lvl="1" algn="r">
+              <a:defRPr b="0" sz="1600">
+                <a:latin typeface="Helvetica Neue Thin"/>
+                <a:ea typeface="Helvetica Neue Thin"/>
+                <a:cs typeface="Helvetica Neue Thin"/>
+                <a:sym typeface="Helvetica Neue Thin"/>
+              </a:defRPr>
+            </a:pPr>
+            <a:fld id="{86CB4B4D-7CA3-9044-876B-883B54F8677D}" type="slidenum"/>
+          </a:p>
+        </p:txBody>
+      </p:sp>
+      <p:sp>
+        <p:nvSpPr>
+          <p:cNvPr id="180" name="Déplacer toutes les pièces"/>
+          <p:cNvSpPr txBox="1"/>
+          <p:nvPr/>
+        </p:nvSpPr>
+        <p:spPr>
+          <a:xfrm>
+            <a:off x="2280602" y="3179951"/>
+            <a:ext cx="4755538" cy="510073"/>
+          </a:xfrm>
+          <a:prstGeom prst="rect">
+            <a:avLst/>
+          </a:prstGeom>
+          <a:ln w="12700">
+            <a:miter lim="400000"/>
+          </a:ln>
+          <a:extLst>
+            <a:ext uri="{C572A759-6A51-4108-AA02-DFA0A04FC94B}">
+              <ma14:wrappingTextBoxFlag xmlns:ma14="http://schemas.microsoft.com/office/mac/drawingml/2011/main" val="1"/>
+            </a:ext>
+          </a:extLst>
+        </p:spPr>
+        <p:txBody>
+          <a:bodyPr lIns="50800" tIns="50800" rIns="50800" bIns="50800">
+            <a:normAutofit fontScale="100000" lnSpcReduction="0"/>
+          </a:bodyPr>
+          <a:lstStyle>
+            <a:lvl1pPr algn="l">
+              <a:spcBef>
+                <a:spcPts val="3000"/>
+              </a:spcBef>
+              <a:defRPr b="0" sz="2500"/>
+            </a:lvl1pPr>
+          </a:lstStyle>
+          <a:p>
+            <a:pPr/>
+            <a:r>
+              <a:t>Déplacer toutes les pièces</a:t>
+            </a:r>
+          </a:p>
+        </p:txBody>
+      </p:sp>
+      <p:pic>
+        <p:nvPicPr>
+          <p:cNvPr id="181" name="problems-with-synchronization.png" descr="problems-with-synchronization.png"/>
+          <p:cNvPicPr>
+            <a:picLocks noChangeAspect="1"/>
+          </p:cNvPicPr>
+          <p:nvPr/>
+        </p:nvPicPr>
+        <p:blipFill>
+          <a:blip r:embed="rId2">
+            <a:extLst/>
+          </a:blip>
+          <a:stretch>
+            <a:fillRect/>
+          </a:stretch>
+        </p:blipFill>
+        <p:spPr>
+          <a:xfrm>
+            <a:off x="980090" y="2925339"/>
+            <a:ext cx="1019298" cy="1019297"/>
+          </a:xfrm>
+          <a:prstGeom prst="rect">
+            <a:avLst/>
+          </a:prstGeom>
+          <a:ln w="12700">
+            <a:miter lim="400000"/>
+          </a:ln>
+        </p:spPr>
+      </p:pic>
+      <p:sp>
+        <p:nvSpPr>
+          <p:cNvPr id="182" name="Gestion du roque"/>
+          <p:cNvSpPr txBox="1"/>
+          <p:nvPr/>
+        </p:nvSpPr>
+        <p:spPr>
+          <a:xfrm>
+            <a:off x="2268634" y="4813001"/>
+            <a:ext cx="4779474" cy="1019298"/>
+          </a:xfrm>
+          <a:prstGeom prst="rect">
+            <a:avLst/>
+          </a:prstGeom>
+          <a:ln w="12700">
+            <a:miter lim="400000"/>
+          </a:ln>
+          <a:extLst>
+            <a:ext uri="{C572A759-6A51-4108-AA02-DFA0A04FC94B}">
+              <ma14:wrappingTextBoxFlag xmlns:ma14="http://schemas.microsoft.com/office/mac/drawingml/2011/main" val="1"/>
+            </a:ext>
+          </a:extLst>
+        </p:spPr>
+        <p:txBody>
+          <a:bodyPr lIns="50800" tIns="50800" rIns="50800" bIns="50800">
+            <a:normAutofit fontScale="100000" lnSpcReduction="0"/>
+          </a:bodyPr>
+          <a:lstStyle>
+            <a:lvl1pPr algn="l">
+              <a:spcBef>
+                <a:spcPts val="3000"/>
+              </a:spcBef>
+              <a:defRPr b="0" sz="2500"/>
+            </a:lvl1pPr>
+          </a:lstStyle>
+          <a:p>
+            <a:pPr/>
+            <a:r>
+              <a:t>Gestion du roque </a:t>
+            </a:r>
+          </a:p>
+        </p:txBody>
+      </p:sp>
+      <p:pic>
+        <p:nvPicPr>
+          <p:cNvPr id="183" name="problems-with-synchronization.png" descr="problems-with-synchronization.png"/>
+          <p:cNvPicPr>
+            <a:picLocks noChangeAspect="1"/>
+          </p:cNvPicPr>
+          <p:nvPr/>
+        </p:nvPicPr>
+        <p:blipFill>
+          <a:blip r:embed="rId2">
+            <a:extLst/>
+          </a:blip>
+          <a:stretch>
+            <a:fillRect/>
+          </a:stretch>
+        </p:blipFill>
+        <p:spPr>
+          <a:xfrm>
+            <a:off x="968122" y="4558389"/>
+            <a:ext cx="1019298" cy="1019298"/>
+          </a:xfrm>
+          <a:prstGeom prst="rect">
+            <a:avLst/>
+          </a:prstGeom>
+          <a:ln w="12700">
+            <a:miter lim="400000"/>
+          </a:ln>
+        </p:spPr>
+      </p:pic>
+      <p:sp>
+        <p:nvSpPr>
+          <p:cNvPr id="184" name="Interface graphique fonctionnelle"/>
+          <p:cNvSpPr txBox="1"/>
+          <p:nvPr/>
+        </p:nvSpPr>
+        <p:spPr>
+          <a:xfrm>
+            <a:off x="8617867" y="2925339"/>
+            <a:ext cx="3840596" cy="1019297"/>
+          </a:xfrm>
+          <a:prstGeom prst="rect">
+            <a:avLst/>
+          </a:prstGeom>
+          <a:ln w="12700">
+            <a:miter lim="400000"/>
+          </a:ln>
+          <a:extLst>
+            <a:ext uri="{C572A759-6A51-4108-AA02-DFA0A04FC94B}">
+              <ma14:wrappingTextBoxFlag xmlns:ma14="http://schemas.microsoft.com/office/mac/drawingml/2011/main" val="1"/>
+            </a:ext>
+          </a:extLst>
+        </p:spPr>
+        <p:txBody>
+          <a:bodyPr lIns="50800" tIns="50800" rIns="50800" bIns="50800">
+            <a:normAutofit fontScale="100000" lnSpcReduction="0"/>
+          </a:bodyPr>
+          <a:lstStyle>
+            <a:lvl1pPr algn="l">
+              <a:spcBef>
+                <a:spcPts val="3000"/>
+              </a:spcBef>
+              <a:defRPr b="0" sz="2500"/>
+            </a:lvl1pPr>
+          </a:lstStyle>
+          <a:p>
+            <a:pPr/>
+            <a:r>
+              <a:t>Interface graphique fonctionnelle </a:t>
+            </a:r>
+          </a:p>
+        </p:txBody>
+      </p:sp>
+      <p:pic>
+        <p:nvPicPr>
+          <p:cNvPr id="185" name="problems-with-synchronization.png" descr="problems-with-synchronization.png"/>
+          <p:cNvPicPr>
+            <a:picLocks noChangeAspect="1"/>
+          </p:cNvPicPr>
+          <p:nvPr/>
+        </p:nvPicPr>
+        <p:blipFill>
+          <a:blip r:embed="rId2">
+            <a:extLst/>
+          </a:blip>
+          <a:stretch>
+            <a:fillRect/>
+          </a:stretch>
+        </p:blipFill>
+        <p:spPr>
+          <a:xfrm>
+            <a:off x="7317355" y="2925339"/>
+            <a:ext cx="1019298" cy="1019297"/>
+          </a:xfrm>
+          <a:prstGeom prst="rect">
+            <a:avLst/>
+          </a:prstGeom>
+          <a:ln w="12700">
+            <a:miter lim="400000"/>
+          </a:ln>
+        </p:spPr>
+      </p:pic>
+      <p:sp>
+        <p:nvSpPr>
+          <p:cNvPr id="186" name="Gestion de la fin de partie"/>
+          <p:cNvSpPr txBox="1"/>
+          <p:nvPr/>
+        </p:nvSpPr>
+        <p:spPr>
+          <a:xfrm>
+            <a:off x="8629835" y="4558389"/>
+            <a:ext cx="3840596" cy="1019298"/>
+          </a:xfrm>
+          <a:prstGeom prst="rect">
+            <a:avLst/>
+          </a:prstGeom>
+          <a:ln w="12700">
+            <a:miter lim="400000"/>
+          </a:ln>
+          <a:extLst>
+            <a:ext uri="{C572A759-6A51-4108-AA02-DFA0A04FC94B}">
+              <ma14:wrappingTextBoxFlag xmlns:ma14="http://schemas.microsoft.com/office/mac/drawingml/2011/main" val="1"/>
+            </a:ext>
+          </a:extLst>
+        </p:spPr>
+        <p:txBody>
+          <a:bodyPr lIns="50800" tIns="50800" rIns="50800" bIns="50800">
+            <a:normAutofit fontScale="100000" lnSpcReduction="0"/>
+          </a:bodyPr>
+          <a:lstStyle>
+            <a:lvl1pPr algn="l">
+              <a:spcBef>
+                <a:spcPts val="3000"/>
+              </a:spcBef>
+              <a:defRPr b="0" sz="2500"/>
+            </a:lvl1pPr>
+          </a:lstStyle>
+          <a:p>
+            <a:pPr/>
+            <a:r>
+              <a:t>Gestion de la fin de partie</a:t>
+            </a:r>
+          </a:p>
+        </p:txBody>
+      </p:sp>
+      <p:pic>
+        <p:nvPicPr>
+          <p:cNvPr id="187" name="problems-with-synchronization.png" descr="problems-with-synchronization.png"/>
+          <p:cNvPicPr>
+            <a:picLocks noChangeAspect="1"/>
+          </p:cNvPicPr>
+          <p:nvPr/>
+        </p:nvPicPr>
+        <p:blipFill>
+          <a:blip r:embed="rId2">
+            <a:extLst/>
+          </a:blip>
+          <a:stretch>
+            <a:fillRect/>
+          </a:stretch>
+        </p:blipFill>
+        <p:spPr>
+          <a:xfrm>
+            <a:off x="7329323" y="4558389"/>
+            <a:ext cx="1019297" cy="1019298"/>
+          </a:xfrm>
+          <a:prstGeom prst="rect">
+            <a:avLst/>
+          </a:prstGeom>
+          <a:ln w="12700">
+            <a:miter lim="400000"/>
+          </a:ln>
+        </p:spPr>
+      </p:pic>
+      <p:sp>
+        <p:nvSpPr>
+          <p:cNvPr id="188" name="Gestion de l’échec"/>
+          <p:cNvSpPr txBox="1"/>
+          <p:nvPr/>
+        </p:nvSpPr>
+        <p:spPr>
+          <a:xfrm>
+            <a:off x="2255934" y="6446052"/>
+            <a:ext cx="4779474" cy="1019297"/>
+          </a:xfrm>
+          <a:prstGeom prst="rect">
+            <a:avLst/>
+          </a:prstGeom>
+          <a:ln w="12700">
+            <a:miter lim="400000"/>
+          </a:ln>
+          <a:extLst>
+            <a:ext uri="{C572A759-6A51-4108-AA02-DFA0A04FC94B}">
+              <ma14:wrappingTextBoxFlag xmlns:ma14="http://schemas.microsoft.com/office/mac/drawingml/2011/main" val="1"/>
+            </a:ext>
+          </a:extLst>
+        </p:spPr>
+        <p:txBody>
+          <a:bodyPr lIns="50800" tIns="50800" rIns="50800" bIns="50800">
+            <a:normAutofit fontScale="100000" lnSpcReduction="0"/>
+          </a:bodyPr>
+          <a:lstStyle>
+            <a:lvl1pPr algn="l">
+              <a:spcBef>
+                <a:spcPts val="3000"/>
+              </a:spcBef>
+              <a:defRPr b="0" sz="2500"/>
+            </a:lvl1pPr>
+          </a:lstStyle>
+          <a:p>
+            <a:pPr/>
+            <a:r>
+              <a:t>Gestion de l’échec</a:t>
+            </a:r>
+          </a:p>
+        </p:txBody>
+      </p:sp>
+      <p:pic>
+        <p:nvPicPr>
+          <p:cNvPr id="189" name="problems-with-synchronization.png" descr="problems-with-synchronization.png"/>
+          <p:cNvPicPr>
+            <a:picLocks noChangeAspect="1"/>
+          </p:cNvPicPr>
+          <p:nvPr/>
+        </p:nvPicPr>
+        <p:blipFill>
+          <a:blip r:embed="rId2">
+            <a:extLst/>
+          </a:blip>
+          <a:stretch>
+            <a:fillRect/>
+          </a:stretch>
+        </p:blipFill>
+        <p:spPr>
+          <a:xfrm>
+            <a:off x="955422" y="6191439"/>
+            <a:ext cx="1019298" cy="1019298"/>
+          </a:xfrm>
+          <a:prstGeom prst="rect">
+            <a:avLst/>
+          </a:prstGeom>
+          <a:ln w="12700">
+            <a:miter lim="400000"/>
+          </a:ln>
+        </p:spPr>
+      </p:pic>
+    </p:spTree>
+  </p:cSld>
+  <p:clrMapOvr>
+    <a:masterClrMapping/>
+  </p:clrMapOvr>
+  <mc:AlternateContent xmlns:mc="http://schemas.openxmlformats.org/markup-compatibility/2006">
+    <mc:Choice xmlns:p14="http://schemas.microsoft.com/office/powerpoint/2010/main" Requires="p14">
+      <p:transition spd="fast" advClick="1" p14:dur="750">
+        <p:push dir="l"/>
+      </p:transition>
+    </mc:Choice>
+    <mc:Fallback>
+      <p:transition spd="fast">
+        <p:fade/>
+      </p:transition>
+    </mc:Fallback>
+  </mc:AlternateContent>
+</p:sld>
+</file>
+
+<file path=ppt/slides/slide8.xml><?xml version="1.0" encoding="utf-8"?>
+<p:sld xmlns:a="http://schemas.openxmlformats.org/drawingml/2006/main" xmlns:r="http://schemas.openxmlformats.org/officeDocument/2006/relationships" xmlns:p="http://schemas.openxmlformats.org/presentationml/2006/main" showMasterSp="1" showMasterPhAnim="1">
+  <p:cSld>
+    <p:spTree>
+      <p:nvGrpSpPr>
+        <p:cNvPr id="1" name=""/>
+        <p:cNvGrpSpPr/>
+        <p:nvPr/>
+      </p:nvGrpSpPr>
+      <p:grpSpPr>
+        <a:xfrm>
+          <a:off x="0" y="0"/>
+          <a:ext cx="0" cy="0"/>
+          <a:chOff x="0" y="0"/>
+          <a:chExt cx="0" cy="0"/>
+        </a:xfrm>
+      </p:grpSpPr>
+      <p:sp>
+        <p:nvSpPr>
+          <p:cNvPr id="191" name="Choix de conception"/>
+          <p:cNvSpPr txBox="1"/>
+          <p:nvPr/>
+        </p:nvSpPr>
+        <p:spPr>
+          <a:xfrm>
+            <a:off x="2796412" y="489363"/>
+            <a:ext cx="7411975" cy="1019297"/>
+          </a:xfrm>
+          <a:prstGeom prst="rect">
+            <a:avLst/>
+          </a:prstGeom>
+          <a:ln w="12700">
+            <a:miter lim="400000"/>
+          </a:ln>
+          <a:extLst>
+            <a:ext uri="{C572A759-6A51-4108-AA02-DFA0A04FC94B}">
+              <ma14:wrappingTextBoxFlag xmlns:ma14="http://schemas.microsoft.com/office/mac/drawingml/2011/main" val="1"/>
+            </a:ext>
+          </a:extLst>
+        </p:spPr>
+        <p:txBody>
+          <a:bodyPr wrap="none" lIns="50800" tIns="50800" rIns="50800" bIns="50800" anchor="ctr">
+            <a:spAutoFit/>
+          </a:bodyPr>
+          <a:lstStyle>
+            <a:lvl1pPr>
+              <a:defRPr b="0" sz="6000">
+                <a:latin typeface="+mn-lt"/>
+                <a:ea typeface="+mn-ea"/>
+                <a:cs typeface="+mn-cs"/>
+                <a:sym typeface="Helvetica Neue Medium"/>
+              </a:defRPr>
+            </a:lvl1pPr>
+          </a:lstStyle>
+          <a:p>
+            <a:pPr/>
+            <a:r>
+              <a:t>Choix de conception</a:t>
+            </a:r>
+          </a:p>
+        </p:txBody>
+      </p:sp>
+      <p:sp>
+        <p:nvSpPr>
+          <p:cNvPr id="192" name="Numéro de diapositive"/>
+          <p:cNvSpPr txBox="1"/>
+          <p:nvPr>
+            <p:ph type="sldNum" sz="quarter" idx="2"/>
+          </p:nvPr>
+        </p:nvSpPr>
+        <p:spPr>
+          <a:xfrm>
+            <a:off x="6156773" y="9296400"/>
+            <a:ext cx="455880" cy="324306"/>
+          </a:xfrm>
+          <a:prstGeom prst="rect">
+            <a:avLst/>
+          </a:prstGeom>
+          <a:extLst>
+            <a:ext uri="{C572A759-6A51-4108-AA02-DFA0A04FC94B}">
+              <ma14:wrappingTextBoxFlag xmlns:ma14="http://schemas.microsoft.com/office/mac/drawingml/2011/main" val="1"/>
+            </a:ext>
+          </a:extLst>
+        </p:spPr>
+        <p:txBody>
+          <a:bodyPr/>
+          <a:lstStyle/>
+          <a:p>
+            <a:pPr lvl="1" algn="r">
+              <a:defRPr b="0" sz="1600">
+                <a:latin typeface="Helvetica Neue Thin"/>
+                <a:ea typeface="Helvetica Neue Thin"/>
+                <a:cs typeface="Helvetica Neue Thin"/>
+                <a:sym typeface="Helvetica Neue Thin"/>
+              </a:defRPr>
+            </a:pPr>
+            <a:fld id="{86CB4B4D-7CA3-9044-876B-883B54F8677D}" type="slidenum"/>
+          </a:p>
+        </p:txBody>
+      </p:sp>
+      <p:sp>
+        <p:nvSpPr>
+          <p:cNvPr id="193" name="Texte"/>
+          <p:cNvSpPr txBox="1"/>
+          <p:nvPr/>
+        </p:nvSpPr>
+        <p:spPr>
+          <a:xfrm>
+            <a:off x="6156773" y="9296400"/>
+            <a:ext cx="455880" cy="324306"/>
+          </a:xfrm>
+          <a:prstGeom prst="rect">
+            <a:avLst/>
+          </a:prstGeom>
+          <a:ln w="12700">
+            <a:miter lim="400000"/>
+          </a:ln>
+          <a:extLst>
+            <a:ext uri="{C572A759-6A51-4108-AA02-DFA0A04FC94B}">
+              <ma14:wrappingTextBoxFlag xmlns:ma14="http://schemas.microsoft.com/office/mac/drawingml/2011/main" val="1"/>
+            </a:ext>
+          </a:extLst>
+        </p:spPr>
+        <p:txBody>
+          <a:bodyPr wrap="none" lIns="50800" tIns="50800" rIns="50800" bIns="50800">
+            <a:spAutoFit/>
+          </a:bodyPr>
+          <a:lstStyle/>
+          <a:p>
+            <a:pPr lvl="1" algn="r">
+              <a:defRPr b="0" sz="1600">
+                <a:latin typeface="Helvetica Neue Thin"/>
+                <a:ea typeface="Helvetica Neue Thin"/>
+                <a:cs typeface="Helvetica Neue Thin"/>
+                <a:sym typeface="Helvetica Neue Thin"/>
+              </a:defRPr>
+            </a:pPr>
+            <a:fld id="{86CB4B4D-7CA3-9044-876B-883B54F8677D}" type="slidenum"/>
+            <a:r>
+              <a:t>￼</a:t>
+            </a:r>
+          </a:p>
+        </p:txBody>
+      </p:sp>
+      <p:pic>
+        <p:nvPicPr>
+          <p:cNvPr id="194" name="UML.png" descr="UML.png"/>
+          <p:cNvPicPr>
+            <a:picLocks noChangeAspect="1"/>
+          </p:cNvPicPr>
+          <p:nvPr/>
+        </p:nvPicPr>
+        <p:blipFill>
+          <a:blip r:embed="rId2">
+            <a:extLst/>
+          </a:blip>
+          <a:stretch>
+            <a:fillRect/>
+          </a:stretch>
+        </p:blipFill>
+        <p:spPr>
+          <a:xfrm>
+            <a:off x="-53124" y="1981507"/>
+            <a:ext cx="13111048" cy="6437335"/>
+          </a:xfrm>
+          <a:prstGeom prst="rect">
+            <a:avLst/>
+          </a:prstGeom>
+          <a:ln w="12700">
+            <a:miter lim="400000"/>
+          </a:ln>
+        </p:spPr>
+      </p:pic>
+    </p:spTree>
+  </p:cSld>
+  <p:clrMapOvr>
+    <a:masterClrMapping/>
+  </p:clrMapOvr>
+  <mc:AlternateContent xmlns:mc="http://schemas.openxmlformats.org/markup-compatibility/2006">
+    <mc:Choice xmlns:p14="http://schemas.microsoft.com/office/powerpoint/2010/main" Requires="p14">
+      <p:transition spd="fast" advClick="1" p14:dur="750">
+        <p:push dir="l"/>
+      </p:transition>
+    </mc:Choice>
+    <mc:Fallback>
+      <p:transition spd="fast">
+        <p:fade/>
+      </p:transition>
+    </mc:Fallback>
+  </mc:AlternateContent>
+  <p:timing>
+    <p:tnLst>
+      <p:par>
+        <p:cTn id="1" nodeType="tmRoot" restart="never" dur="indefinite" fill="hold">
+          <p:childTnLst>
+            <p:seq concurrent="1" prevAc="none" nextAc="seek">
+              <p:cTn id="2" nodeType="mainSeq" dur="indefinite" fill="hold">
+                <p:childTnLst>
+                  <p:par>
+                    <p:cTn id="3" fill="hold">
+                      <p:stCondLst>
+                        <p:cond delay="indefinite"/>
+                      </p:stCondLst>
+                      <p:childTnLst>
+                        <p:par>
+                          <p:cTn id="4" fill="hold">
+                            <p:stCondLst>
+                              <p:cond delay="0"/>
+                            </p:stCondLst>
+                            <p:childTnLst>
+                              <p:par>
+                                <p:cTn id="5" presetClass="emph" nodeType="clickEffect" presetSubtype="0" presetID="6" grpId="1" accel="50000" decel="50000" fill="hold">
+                                  <p:stCondLst>
+                                    <p:cond delay="0"/>
+                                  </p:stCondLst>
+                                  <p:childTnLst>
+                                    <p:animScale>
+                                      <p:cBhvr>
                                         <p:cTn id="6" dur="1000" fill="hold"/>
                                         <p:tgtEl>
-                                          <p:spTgt spid="188"/>
+                                          <p:spTgt spid="194"/>
                                         </p:tgtEl>
                                       </p:cBhvr>
                                       <p:by x="150000" y="150000"/>
@@ -8698,7 +12146,7 @@
       </p:par>
     </p:tnLst>
     <p:bldLst>
-      <p:bldP build="whole" bldLvl="1" animBg="1" rev="0" advAuto="0" spid="188" grpId="1"/>
+      <p:bldP build="whole" bldLvl="1" animBg="1" rev="0" advAuto="0" spid="194" grpId="1"/>
     </p:bldLst>
   </p:timing>
 </p:sld>
@@ -8723,14 +12171,14 @@
       </p:grpSpPr>
       <p:sp>
         <p:nvSpPr>
-          <p:cNvPr id="190" name="Déroulement du projet"/>
+          <p:cNvPr id="196" name="Répartition des taches"/>
           <p:cNvSpPr txBox="1"/>
           <p:nvPr/>
         </p:nvSpPr>
         <p:spPr>
           <a:xfrm>
-            <a:off x="2514092" y="489363"/>
-            <a:ext cx="7976617" cy="1019297"/>
+            <a:off x="2471419" y="489363"/>
+            <a:ext cx="8061961" cy="1019297"/>
           </a:xfrm>
           <a:prstGeom prst="rect">
             <a:avLst/>
@@ -8761,14 +12209,14 @@
           <a:p>
             <a:pPr/>
             <a:r>
-              <a:t>Déroulement du projet</a:t>
+              <a:t>Répartition des taches</a:t>
             </a:r>
           </a:p>
         </p:txBody>
       </p:sp>
       <p:sp>
         <p:nvSpPr>
-          <p:cNvPr id="191" name="Numéro de diapositive"/>
+          <p:cNvPr id="197" name="Numéro de diapositive"/>
           <p:cNvSpPr txBox="1"/>
           <p:nvPr>
             <p:ph type="sldNum" sz="quarter" idx="2"/>
@@ -8806,7 +12254,7 @@
       </p:sp>
       <p:sp>
         <p:nvSpPr>
-          <p:cNvPr id="192" name="Texte"/>
+          <p:cNvPr id="198" name="Texte"/>
           <p:cNvSpPr txBox="1"/>
           <p:nvPr/>
         </p:nvSpPr>
@@ -8850,7 +12298,7 @@
       </p:sp>
       <p:pic>
         <p:nvPicPr>
-          <p:cNvPr id="193" name="boss.png" descr="boss.png"/>
+          <p:cNvPr id="199" name="boss.png" descr="boss.png"/>
           <p:cNvPicPr>
             <a:picLocks noChangeAspect="1"/>
           </p:cNvPicPr>
@@ -8879,7 +12327,7 @@
       </p:pic>
       <p:pic>
         <p:nvPicPr>
-          <p:cNvPr id="194" name="boss.png" descr="boss.png"/>
+          <p:cNvPr id="200" name="boss.png" descr="boss.png"/>
           <p:cNvPicPr>
             <a:picLocks noChangeAspect="1"/>
           </p:cNvPicPr>
@@ -8908,7 +12356,7 @@
       </p:pic>
       <p:pic>
         <p:nvPicPr>
-          <p:cNvPr id="195" name="boss.png" descr="boss.png"/>
+          <p:cNvPr id="201" name="boss.png" descr="boss.png"/>
           <p:cNvPicPr>
             <a:picLocks noChangeAspect="1"/>
           </p:cNvPicPr>
@@ -8937,7 +12385,7 @@
       </p:pic>
       <p:pic>
         <p:nvPicPr>
-          <p:cNvPr id="196" name="boss.png" descr="boss.png"/>
+          <p:cNvPr id="202" name="boss.png" descr="boss.png"/>
           <p:cNvPicPr>
             <a:picLocks noChangeAspect="1"/>
           </p:cNvPicPr>
@@ -8966,7 +12414,7 @@
       </p:pic>
       <p:pic>
         <p:nvPicPr>
-          <p:cNvPr id="197" name="boss.png" descr="boss.png"/>
+          <p:cNvPr id="203" name="boss.png" descr="boss.png"/>
           <p:cNvPicPr>
             <a:picLocks noChangeAspect="1"/>
           </p:cNvPicPr>
@@ -8995,7 +12443,7 @@
       </p:pic>
       <p:pic>
         <p:nvPicPr>
-          <p:cNvPr id="198" name="boss.png" descr="boss.png"/>
+          <p:cNvPr id="204" name="boss.png" descr="boss.png"/>
           <p:cNvPicPr>
             <a:picLocks noChangeAspect="1"/>
           </p:cNvPicPr>
@@ -9024,7 +12472,7 @@
       </p:pic>
       <p:sp>
         <p:nvSpPr>
-          <p:cNvPr id="199" name="Paul"/>
+          <p:cNvPr id="205" name="Paul"/>
           <p:cNvSpPr txBox="1"/>
           <p:nvPr/>
         </p:nvSpPr>
@@ -9064,7 +12512,7 @@
       </p:sp>
       <p:sp>
         <p:nvSpPr>
-          <p:cNvPr id="200" name="Création de la classe jeu…"/>
+          <p:cNvPr id="206" name="Création de la classe jeu…"/>
           <p:cNvSpPr txBox="1"/>
           <p:nvPr/>
         </p:nvSpPr>
@@ -9128,7 +12576,7 @@
       </p:sp>
       <p:sp>
         <p:nvSpPr>
-          <p:cNvPr id="201" name="Création de la classe Plateau…"/>
+          <p:cNvPr id="207" name="Création de la classe Plateau…"/>
           <p:cNvSpPr txBox="1"/>
           <p:nvPr/>
         </p:nvSpPr>
@@ -9210,7 +12658,7 @@
       </p:sp>
       <p:sp>
         <p:nvSpPr>
-          <p:cNvPr id="202" name="Création de la classe Roi…"/>
+          <p:cNvPr id="208" name="Création de la classe Roi…"/>
           <p:cNvSpPr txBox="1"/>
           <p:nvPr/>
         </p:nvSpPr>
@@ -9259,14 +12707,14 @@
               <a:defRPr b="0" sz="1900"/>
             </a:pPr>
             <a:r>
-              <a:t>Création de la classe Tour.</a:t>
+              <a:t>Création de la classe Tour</a:t>
             </a:r>
           </a:p>
         </p:txBody>
       </p:sp>
       <p:sp>
         <p:nvSpPr>
-          <p:cNvPr id="203" name="Chef de projet…"/>
+          <p:cNvPr id="209" name="Chef de projet…"/>
           <p:cNvSpPr txBox="1"/>
           <p:nvPr/>
         </p:nvSpPr>
@@ -9335,7 +12783,7 @@
       </p:sp>
       <p:sp>
         <p:nvSpPr>
-          <p:cNvPr id="204" name="David"/>
+          <p:cNvPr id="210" name="David"/>
           <p:cNvSpPr txBox="1"/>
           <p:nvPr/>
         </p:nvSpPr>
@@ -9375,7 +12823,7 @@
       </p:sp>
       <p:sp>
         <p:nvSpPr>
-          <p:cNvPr id="205" name="Théo"/>
+          <p:cNvPr id="211" name="Théo"/>
           <p:cNvSpPr txBox="1"/>
           <p:nvPr/>
         </p:nvSpPr>
@@ -9415,7 +12863,7 @@
       </p:sp>
       <p:sp>
         <p:nvSpPr>
-          <p:cNvPr id="206" name="Benjamin"/>
+          <p:cNvPr id="212" name="Benjamin"/>
           <p:cNvSpPr txBox="1"/>
           <p:nvPr/>
         </p:nvSpPr>
@@ -9455,7 +12903,7 @@
       </p:sp>
       <p:sp>
         <p:nvSpPr>
-          <p:cNvPr id="207" name="Alexis"/>
+          <p:cNvPr id="213" name="Alexis"/>
           <p:cNvSpPr txBox="1"/>
           <p:nvPr/>
         </p:nvSpPr>
@@ -9495,7 +12943,7 @@
       </p:sp>
       <p:sp>
         <p:nvSpPr>
-          <p:cNvPr id="208" name="Victor"/>
+          <p:cNvPr id="214" name="Victor"/>
           <p:cNvSpPr txBox="1"/>
           <p:nvPr/>
         </p:nvSpPr>
@@ -9535,7 +12983,7 @@
       </p:sp>
       <p:sp>
         <p:nvSpPr>
-          <p:cNvPr id="209" name="Création de la classe Fou…"/>
+          <p:cNvPr id="215" name="Création de la classe Fou…"/>
           <p:cNvSpPr txBox="1"/>
           <p:nvPr/>
         </p:nvSpPr>
@@ -9591,7 +13039,7 @@
       </p:sp>
       <p:sp>
         <p:nvSpPr>
-          <p:cNvPr id="210" name="Création de la classe Dame…"/>
+          <p:cNvPr id="216" name="Création de la classe Dame…"/>
           <p:cNvSpPr txBox="1"/>
           <p:nvPr/>
         </p:nvSpPr>
@@ -9650,7 +13098,18 @@
   <p:clrMapOvr>
     <a:masterClrMapping/>
   </p:clrMapOvr>
-  <p:transition xmlns:p14="http://schemas.microsoft.com/office/powerpoint/2010/main" spd="med" advClick="1"/>
+  <mc:AlternateContent xmlns:mc="http://schemas.openxmlformats.org/markup-compatibility/2006">
+    <mc:Choice xmlns:p14="http://schemas.microsoft.com/office/powerpoint/2010/main" Requires="p14">
+      <p:transition spd="fast" advClick="1" p14:dur="750">
+        <p:push dir="l"/>
+      </p:transition>
+    </mc:Choice>
+    <mc:Fallback>
+      <p:transition spd="fast">
+        <p:fade/>
+      </p:transition>
+    </mc:Fallback>
+  </mc:AlternateContent>
 </p:sld>
 </file>
 

--- a/doc/diapo pour les bouseux.pptx
+++ b/doc/diapo pour les bouseux.pptx
@@ -3273,7 +3273,7 @@
       </p:grpSpPr>
       <p:sp>
         <p:nvSpPr>
-          <p:cNvPr id="218" name="Bilan"/>
+          <p:cNvPr id="221" name="Bilan"/>
           <p:cNvSpPr txBox="1"/>
           <p:nvPr/>
         </p:nvSpPr>
@@ -3318,7 +3318,7 @@
       </p:sp>
       <p:sp>
         <p:nvSpPr>
-          <p:cNvPr id="219" name="Numéro de diapositive"/>
+          <p:cNvPr id="222" name="Numéro de diapositive"/>
           <p:cNvSpPr txBox="1"/>
           <p:nvPr>
             <p:ph type="sldNum" sz="quarter" idx="2"/>
@@ -3356,7 +3356,7 @@
       </p:sp>
       <p:sp>
         <p:nvSpPr>
-          <p:cNvPr id="220" name="Technique :"/>
+          <p:cNvPr id="223" name="Technique :"/>
           <p:cNvSpPr txBox="1"/>
           <p:nvPr/>
         </p:nvSpPr>
@@ -3399,7 +3399,7 @@
       </p:sp>
       <p:sp>
         <p:nvSpPr>
-          <p:cNvPr id="221" name="- Programme fonctionnel"/>
+          <p:cNvPr id="224" name="- Programme fonctionnel"/>
           <p:cNvSpPr txBox="1"/>
           <p:nvPr/>
         </p:nvSpPr>
@@ -3442,7 +3442,7 @@
       </p:sp>
       <p:sp>
         <p:nvSpPr>
-          <p:cNvPr id="222" name="- Possible d’améliorer l’aspect graphique"/>
+          <p:cNvPr id="225" name="- Possible d’améliorer l’aspect graphique"/>
           <p:cNvSpPr txBox="1"/>
           <p:nvPr/>
         </p:nvSpPr>
@@ -3485,7 +3485,7 @@
       </p:sp>
       <p:sp>
         <p:nvSpPr>
-          <p:cNvPr id="223" name="- Ajout d’une IA pour jouer seul"/>
+          <p:cNvPr id="226" name="- Ajout d’une IA pour jouer seul"/>
           <p:cNvSpPr txBox="1"/>
           <p:nvPr/>
         </p:nvSpPr>
@@ -3528,13 +3528,13 @@
       </p:sp>
       <p:sp>
         <p:nvSpPr>
-          <p:cNvPr id="224" name="Humain :"/>
+          <p:cNvPr id="227" name="Humain :"/>
           <p:cNvSpPr txBox="1"/>
           <p:nvPr/>
         </p:nvSpPr>
         <p:spPr>
           <a:xfrm>
-            <a:off x="1049444" y="2440312"/>
+            <a:off x="1049444" y="2453012"/>
             <a:ext cx="1744981" cy="548133"/>
           </a:xfrm>
           <a:prstGeom prst="rect">
@@ -3571,7 +3571,7 @@
       </p:sp>
       <p:sp>
         <p:nvSpPr>
-          <p:cNvPr id="225" name="- Difficile de se coordonner"/>
+          <p:cNvPr id="228" name="- Difficile de se coordonner"/>
           <p:cNvSpPr txBox="1"/>
           <p:nvPr/>
         </p:nvSpPr>
@@ -3614,7 +3614,7 @@
       </p:sp>
       <p:sp>
         <p:nvSpPr>
-          <p:cNvPr id="226" name="- Bonne entente et bonne ambiance de travail"/>
+          <p:cNvPr id="229" name="- Bonne entente et bonne ambiance de travail"/>
           <p:cNvSpPr txBox="1"/>
           <p:nvPr/>
         </p:nvSpPr>
@@ -3657,7 +3657,7 @@
       </p:sp>
       <p:sp>
         <p:nvSpPr>
-          <p:cNvPr id="227" name="Pédagogique :"/>
+          <p:cNvPr id="230" name="Pédagogique :"/>
           <p:cNvSpPr txBox="1"/>
           <p:nvPr/>
         </p:nvSpPr>
@@ -3700,7 +3700,7 @@
       </p:sp>
       <p:sp>
         <p:nvSpPr>
-          <p:cNvPr id="228" name="- Meilleure connaissance du jeu d’échecs"/>
+          <p:cNvPr id="231" name="- Meilleure connaissance du jeu d’échecs"/>
           <p:cNvSpPr txBox="1"/>
           <p:nvPr/>
         </p:nvSpPr>
@@ -3743,7 +3743,7 @@
       </p:sp>
       <p:sp>
         <p:nvSpPr>
-          <p:cNvPr id="229" name="- Utilisation de GitKraken pour la gestion du code"/>
+          <p:cNvPr id="232" name="- Utilisation de GitKraken pour la gestion du code"/>
           <p:cNvSpPr txBox="1"/>
           <p:nvPr/>
         </p:nvSpPr>
@@ -3786,7 +3786,7 @@
       </p:sp>
       <p:sp>
         <p:nvSpPr>
-          <p:cNvPr id="230" name="- Utilisation d’une grande partie des connaissances"/>
+          <p:cNvPr id="233" name="- Utilisation d’une grande partie des connaissances"/>
           <p:cNvSpPr txBox="1"/>
           <p:nvPr/>
         </p:nvSpPr>
@@ -3829,7 +3829,7 @@
       </p:sp>
       <p:sp>
         <p:nvSpPr>
-          <p:cNvPr id="231" name="- Apprentissage de la répartition du travail"/>
+          <p:cNvPr id="234" name="- Apprentissage de la répartition du travail"/>
           <p:cNvSpPr txBox="1"/>
           <p:nvPr/>
         </p:nvSpPr>
@@ -3872,7 +3872,7 @@
       </p:sp>
       <p:pic>
         <p:nvPicPr>
-          <p:cNvPr id="232" name="computer.png" descr="computer.png"/>
+          <p:cNvPr id="235" name="computer.png" descr="computer.png"/>
           <p:cNvPicPr>
             <a:picLocks noChangeAspect="1"/>
           </p:cNvPicPr>
@@ -3901,7 +3901,7 @@
       </p:pic>
       <p:pic>
         <p:nvPicPr>
-          <p:cNvPr id="233" name="artificial-intelligence.png" descr="artificial-intelligence.png"/>
+          <p:cNvPr id="236" name="artificial-intelligence.png" descr="artificial-intelligence.png"/>
           <p:cNvPicPr>
             <a:picLocks noChangeAspect="1"/>
           </p:cNvPicPr>
@@ -3930,7 +3930,7 @@
       </p:pic>
       <p:pic>
         <p:nvPicPr>
-          <p:cNvPr id="234" name="code.png" descr="code.png"/>
+          <p:cNvPr id="237" name="code.png" descr="code.png"/>
           <p:cNvPicPr>
             <a:picLocks noChangeAspect="1"/>
           </p:cNvPicPr>
@@ -3959,7 +3959,7 @@
       </p:pic>
       <p:pic>
         <p:nvPicPr>
-          <p:cNvPr id="235" name="laptop.png" descr="laptop.png"/>
+          <p:cNvPr id="238" name="laptop.png" descr="laptop.png"/>
           <p:cNvPicPr>
             <a:picLocks noChangeAspect="1"/>
           </p:cNvPicPr>
@@ -3988,7 +3988,7 @@
       </p:pic>
       <p:sp>
         <p:nvSpPr>
-          <p:cNvPr id="236" name="- Apprentissage de la communication en groupe"/>
+          <p:cNvPr id="239" name="- Apprentissage de la communication en groupe"/>
           <p:cNvSpPr txBox="1"/>
           <p:nvPr/>
         </p:nvSpPr>
@@ -4031,7 +4031,7 @@
       </p:sp>
       <p:pic>
         <p:nvPicPr>
-          <p:cNvPr id="237" name="calendar.png" descr="calendar.png"/>
+          <p:cNvPr id="240" name="calendar.png" descr="calendar.png"/>
           <p:cNvPicPr>
             <a:picLocks noChangeAspect="1"/>
           </p:cNvPicPr>
@@ -4060,7 +4060,7 @@
       </p:pic>
       <p:pic>
         <p:nvPicPr>
-          <p:cNvPr id="238" name="employees.png" descr="employees.png"/>
+          <p:cNvPr id="241" name="employees.png" descr="employees.png"/>
           <p:cNvPicPr>
             <a:picLocks noChangeAspect="1"/>
           </p:cNvPicPr>
@@ -4089,7 +4089,7 @@
       </p:pic>
       <p:pic>
         <p:nvPicPr>
-          <p:cNvPr id="239" name="speak.png" descr="speak.png"/>
+          <p:cNvPr id="242" name="speak.png" descr="speak.png"/>
           <p:cNvPicPr>
             <a:picLocks noChangeAspect="1"/>
           </p:cNvPicPr>
@@ -4118,7 +4118,7 @@
       </p:pic>
       <p:pic>
         <p:nvPicPr>
-          <p:cNvPr id="240" name="teamwork.png" descr="teamwork.png"/>
+          <p:cNvPr id="243" name="teamwork.png" descr="teamwork.png"/>
           <p:cNvPicPr>
             <a:picLocks noChangeAspect="1"/>
           </p:cNvPicPr>
@@ -4147,7 +4147,7 @@
       </p:pic>
       <p:pic>
         <p:nvPicPr>
-          <p:cNvPr id="241" name="bookshelf.png" descr="bookshelf.png"/>
+          <p:cNvPr id="244" name="bookshelf.png" descr="bookshelf.png"/>
           <p:cNvPicPr>
             <a:picLocks noChangeAspect="1"/>
           </p:cNvPicPr>
@@ -4176,7 +4176,7 @@
       </p:pic>
       <p:pic>
         <p:nvPicPr>
-          <p:cNvPr id="242" name="chat.png" descr="chat.png"/>
+          <p:cNvPr id="245" name="chat.png" descr="chat.png"/>
           <p:cNvPicPr>
             <a:picLocks noChangeAspect="1"/>
           </p:cNvPicPr>
@@ -4205,7 +4205,7 @@
       </p:pic>
       <p:pic>
         <p:nvPicPr>
-          <p:cNvPr id="243" name="chess-board.png" descr="chess-board.png"/>
+          <p:cNvPr id="246" name="chess-board.png" descr="chess-board.png"/>
           <p:cNvPicPr>
             <a:picLocks noChangeAspect="1"/>
           </p:cNvPicPr>
@@ -4234,7 +4234,7 @@
       </p:pic>
       <p:pic>
         <p:nvPicPr>
-          <p:cNvPr id="244" name="classroom.png" descr="classroom.png"/>
+          <p:cNvPr id="247" name="classroom.png" descr="classroom.png"/>
           <p:cNvPicPr>
             <a:picLocks noChangeAspect="1"/>
           </p:cNvPicPr>
@@ -4263,7 +4263,7 @@
       </p:pic>
       <p:pic>
         <p:nvPicPr>
-          <p:cNvPr id="245" name="GitKraken-Logo.png" descr="GitKraken-Logo.png"/>
+          <p:cNvPr id="248" name="GitKraken-Logo.png" descr="GitKraken-Logo.png"/>
           <p:cNvPicPr>
             <a:picLocks noChangeAspect="1"/>
           </p:cNvPicPr>
@@ -4343,7 +4343,7 @@
                                       <p:cBhvr>
                                         <p:cTn id="6" fill="hold"/>
                                         <p:tgtEl>
-                                          <p:spTgt spid="220"/>
+                                          <p:spTgt spid="223"/>
                                         </p:tgtEl>
                                         <p:attrNameLst>
                                           <p:attrName>style.visibility</p:attrName>
@@ -4355,9 +4355,9 @@
                                     </p:set>
                                     <p:animEffect filter="dissolve" transition="in">
                                       <p:cBhvr>
-                                        <p:cTn id="7" dur="500"/>
-                                        <p:tgtEl>
-                                          <p:spTgt spid="220"/>
+                                        <p:cTn id="7" dur="799"/>
+                                        <p:tgtEl>
+                                          <p:spTgt spid="223"/>
                                         </p:tgtEl>
                                       </p:cBhvr>
                                     </p:animEffect>
@@ -4370,7 +4370,7 @@
                         <p:par>
                           <p:cTn id="8" fill="hold">
                             <p:stCondLst>
-                              <p:cond delay="500"/>
+                              <p:cond delay="799"/>
                             </p:stCondLst>
                             <p:childTnLst>
                               <p:par>
@@ -4386,7 +4386,7 @@
                                       <p:cBhvr>
                                         <p:cTn id="10" fill="hold"/>
                                         <p:tgtEl>
-                                          <p:spTgt spid="232"/>
+                                          <p:spTgt spid="235"/>
                                         </p:tgtEl>
                                         <p:attrNameLst>
                                           <p:attrName>style.visibility</p:attrName>
@@ -4398,9 +4398,9 @@
                                     </p:set>
                                     <p:animEffect filter="dissolve" transition="in">
                                       <p:cBhvr>
-                                        <p:cTn id="11" dur="499"/>
-                                        <p:tgtEl>
-                                          <p:spTgt spid="232"/>
+                                        <p:cTn id="11" dur="799"/>
+                                        <p:tgtEl>
+                                          <p:spTgt spid="235"/>
                                         </p:tgtEl>
                                       </p:cBhvr>
                                     </p:animEffect>
@@ -4438,7 +4438,7 @@
                                       <p:cBhvr>
                                         <p:cTn id="15" fill="hold"/>
                                         <p:tgtEl>
-                                          <p:spTgt spid="221"/>
+                                          <p:spTgt spid="224"/>
                                         </p:tgtEl>
                                         <p:attrNameLst>
                                           <p:attrName>style.visibility</p:attrName>
@@ -4450,9 +4450,9 @@
                                     </p:set>
                                     <p:animEffect filter="dissolve" transition="in">
                                       <p:cBhvr>
-                                        <p:cTn id="16" dur="800"/>
-                                        <p:tgtEl>
-                                          <p:spTgt spid="221"/>
+                                        <p:cTn id="16" dur="799"/>
+                                        <p:tgtEl>
+                                          <p:spTgt spid="224"/>
                                         </p:tgtEl>
                                       </p:cBhvr>
                                     </p:animEffect>
@@ -4465,7 +4465,7 @@
                         <p:par>
                           <p:cTn id="17" fill="hold">
                             <p:stCondLst>
-                              <p:cond delay="800"/>
+                              <p:cond delay="799"/>
                             </p:stCondLst>
                             <p:childTnLst>
                               <p:par>
@@ -4481,7 +4481,7 @@
                                       <p:cBhvr>
                                         <p:cTn id="19" fill="hold"/>
                                         <p:tgtEl>
-                                          <p:spTgt spid="234"/>
+                                          <p:spTgt spid="237"/>
                                         </p:tgtEl>
                                         <p:attrNameLst>
                                           <p:attrName>style.visibility</p:attrName>
@@ -4495,7 +4495,7 @@
                                       <p:cBhvr>
                                         <p:cTn id="20" dur="799"/>
                                         <p:tgtEl>
-                                          <p:spTgt spid="234"/>
+                                          <p:spTgt spid="237"/>
                                         </p:tgtEl>
                                       </p:cBhvr>
                                     </p:animEffect>
@@ -4533,7 +4533,7 @@
                                       <p:cBhvr>
                                         <p:cTn id="24" fill="hold"/>
                                         <p:tgtEl>
-                                          <p:spTgt spid="222"/>
+                                          <p:spTgt spid="225"/>
                                         </p:tgtEl>
                                         <p:attrNameLst>
                                           <p:attrName>style.visibility</p:attrName>
@@ -4547,7 +4547,7 @@
                                       <p:cBhvr>
                                         <p:cTn id="25" dur="800"/>
                                         <p:tgtEl>
-                                          <p:spTgt spid="222"/>
+                                          <p:spTgt spid="225"/>
                                         </p:tgtEl>
                                       </p:cBhvr>
                                     </p:animEffect>
@@ -4576,7 +4576,7 @@
                                       <p:cBhvr>
                                         <p:cTn id="28" fill="hold"/>
                                         <p:tgtEl>
-                                          <p:spTgt spid="235"/>
+                                          <p:spTgt spid="238"/>
                                         </p:tgtEl>
                                         <p:attrNameLst>
                                           <p:attrName>style.visibility</p:attrName>
@@ -4590,7 +4590,7 @@
                                       <p:cBhvr>
                                         <p:cTn id="29" dur="799"/>
                                         <p:tgtEl>
-                                          <p:spTgt spid="235"/>
+                                          <p:spTgt spid="238"/>
                                         </p:tgtEl>
                                       </p:cBhvr>
                                     </p:animEffect>
@@ -4628,7 +4628,7 @@
                                       <p:cBhvr>
                                         <p:cTn id="33" fill="hold"/>
                                         <p:tgtEl>
-                                          <p:spTgt spid="223"/>
+                                          <p:spTgt spid="226"/>
                                         </p:tgtEl>
                                         <p:attrNameLst>
                                           <p:attrName>style.visibility</p:attrName>
@@ -4642,7 +4642,7 @@
                                       <p:cBhvr>
                                         <p:cTn id="34" dur="800"/>
                                         <p:tgtEl>
-                                          <p:spTgt spid="223"/>
+                                          <p:spTgt spid="226"/>
                                         </p:tgtEl>
                                       </p:cBhvr>
                                     </p:animEffect>
@@ -4671,7 +4671,7 @@
                                       <p:cBhvr>
                                         <p:cTn id="37" fill="hold"/>
                                         <p:tgtEl>
-                                          <p:spTgt spid="233"/>
+                                          <p:spTgt spid="236"/>
                                         </p:tgtEl>
                                         <p:attrNameLst>
                                           <p:attrName>style.visibility</p:attrName>
@@ -4685,7 +4685,7 @@
                                       <p:cBhvr>
                                         <p:cTn id="38" dur="799"/>
                                         <p:tgtEl>
-                                          <p:spTgt spid="233"/>
+                                          <p:spTgt spid="236"/>
                                         </p:tgtEl>
                                       </p:cBhvr>
                                     </p:animEffect>
@@ -4723,7 +4723,7 @@
                                       <p:cBhvr>
                                         <p:cTn id="42" dur="1000" fill="hold"/>
                                         <p:tgtEl>
-                                          <p:spTgt spid="220"/>
+                                          <p:spTgt spid="223"/>
                                         </p:tgtEl>
                                         <p:attrNameLst>
                                           <p:attrName>ppt_w</p:attrName>
@@ -4746,7 +4746,7 @@
                                       <p:cBhvr>
                                         <p:cTn id="43" dur="1000" fill="hold"/>
                                         <p:tgtEl>
-                                          <p:spTgt spid="220"/>
+                                          <p:spTgt spid="223"/>
                                         </p:tgtEl>
                                         <p:attrNameLst>
                                           <p:attrName>ppt_h</p:attrName>
@@ -4773,7 +4773,7 @@
                                           </p:stCondLst>
                                         </p:cTn>
                                         <p:tgtEl>
-                                          <p:spTgt spid="220"/>
+                                          <p:spTgt spid="223"/>
                                         </p:tgtEl>
                                         <p:attrNameLst>
                                           <p:attrName>style.visibility</p:attrName>
@@ -4808,7 +4808,7 @@
                                       <p:cBhvr>
                                         <p:cTn id="47" dur="1000" fill="hold"/>
                                         <p:tgtEl>
-                                          <p:spTgt spid="235"/>
+                                          <p:spTgt spid="238"/>
                                         </p:tgtEl>
                                         <p:attrNameLst>
                                           <p:attrName>ppt_w</p:attrName>
@@ -4831,7 +4831,7 @@
                                       <p:cBhvr>
                                         <p:cTn id="48" dur="1000" fill="hold"/>
                                         <p:tgtEl>
-                                          <p:spTgt spid="235"/>
+                                          <p:spTgt spid="238"/>
                                         </p:tgtEl>
                                         <p:attrNameLst>
                                           <p:attrName>ppt_h</p:attrName>
@@ -4858,7 +4858,7 @@
                                           </p:stCondLst>
                                         </p:cTn>
                                         <p:tgtEl>
-                                          <p:spTgt spid="235"/>
+                                          <p:spTgt spid="238"/>
                                         </p:tgtEl>
                                         <p:attrNameLst>
                                           <p:attrName>style.visibility</p:attrName>
@@ -4893,7 +4893,7 @@
                                       <p:cBhvr>
                                         <p:cTn id="52" dur="1000" fill="hold"/>
                                         <p:tgtEl>
-                                          <p:spTgt spid="233"/>
+                                          <p:spTgt spid="236"/>
                                         </p:tgtEl>
                                         <p:attrNameLst>
                                           <p:attrName>ppt_w</p:attrName>
@@ -4916,7 +4916,7 @@
                                       <p:cBhvr>
                                         <p:cTn id="53" dur="1000" fill="hold"/>
                                         <p:tgtEl>
-                                          <p:spTgt spid="233"/>
+                                          <p:spTgt spid="236"/>
                                         </p:tgtEl>
                                         <p:attrNameLst>
                                           <p:attrName>ppt_h</p:attrName>
@@ -4943,7 +4943,7 @@
                                           </p:stCondLst>
                                         </p:cTn>
                                         <p:tgtEl>
-                                          <p:spTgt spid="233"/>
+                                          <p:spTgt spid="236"/>
                                         </p:tgtEl>
                                         <p:attrNameLst>
                                           <p:attrName>style.visibility</p:attrName>
@@ -4978,7 +4978,7 @@
                                       <p:cBhvr>
                                         <p:cTn id="57" dur="1000" fill="hold"/>
                                         <p:tgtEl>
-                                          <p:spTgt spid="234"/>
+                                          <p:spTgt spid="237"/>
                                         </p:tgtEl>
                                         <p:attrNameLst>
                                           <p:attrName>ppt_w</p:attrName>
@@ -5001,7 +5001,7 @@
                                       <p:cBhvr>
                                         <p:cTn id="58" dur="1000" fill="hold"/>
                                         <p:tgtEl>
-                                          <p:spTgt spid="234"/>
+                                          <p:spTgt spid="237"/>
                                         </p:tgtEl>
                                         <p:attrNameLst>
                                           <p:attrName>ppt_h</p:attrName>
@@ -5028,7 +5028,7 @@
                                           </p:stCondLst>
                                         </p:cTn>
                                         <p:tgtEl>
-                                          <p:spTgt spid="234"/>
+                                          <p:spTgt spid="237"/>
                                         </p:tgtEl>
                                         <p:attrNameLst>
                                           <p:attrName>style.visibility</p:attrName>
@@ -5063,7 +5063,7 @@
                                       <p:cBhvr>
                                         <p:cTn id="62" dur="1000" fill="hold"/>
                                         <p:tgtEl>
-                                          <p:spTgt spid="232"/>
+                                          <p:spTgt spid="235"/>
                                         </p:tgtEl>
                                         <p:attrNameLst>
                                           <p:attrName>ppt_w</p:attrName>
@@ -5086,7 +5086,7 @@
                                       <p:cBhvr>
                                         <p:cTn id="63" dur="1000" fill="hold"/>
                                         <p:tgtEl>
-                                          <p:spTgt spid="232"/>
+                                          <p:spTgt spid="235"/>
                                         </p:tgtEl>
                                         <p:attrNameLst>
                                           <p:attrName>ppt_h</p:attrName>
@@ -5113,7 +5113,7 @@
                                           </p:stCondLst>
                                         </p:cTn>
                                         <p:tgtEl>
-                                          <p:spTgt spid="232"/>
+                                          <p:spTgt spid="235"/>
                                         </p:tgtEl>
                                         <p:attrNameLst>
                                           <p:attrName>style.visibility</p:attrName>
@@ -5148,7 +5148,7 @@
                                       <p:cBhvr>
                                         <p:cTn id="67" dur="1000" fill="hold"/>
                                         <p:tgtEl>
-                                          <p:spTgt spid="221"/>
+                                          <p:spTgt spid="224"/>
                                         </p:tgtEl>
                                         <p:attrNameLst>
                                           <p:attrName>ppt_w</p:attrName>
@@ -5171,7 +5171,7 @@
                                       <p:cBhvr>
                                         <p:cTn id="68" dur="1000" fill="hold"/>
                                         <p:tgtEl>
-                                          <p:spTgt spid="221"/>
+                                          <p:spTgt spid="224"/>
                                         </p:tgtEl>
                                         <p:attrNameLst>
                                           <p:attrName>ppt_h</p:attrName>
@@ -5198,7 +5198,7 @@
                                           </p:stCondLst>
                                         </p:cTn>
                                         <p:tgtEl>
-                                          <p:spTgt spid="221"/>
+                                          <p:spTgt spid="224"/>
                                         </p:tgtEl>
                                         <p:attrNameLst>
                                           <p:attrName>style.visibility</p:attrName>
@@ -5233,7 +5233,7 @@
                                       <p:cBhvr>
                                         <p:cTn id="72" dur="1000" fill="hold"/>
                                         <p:tgtEl>
-                                          <p:spTgt spid="222"/>
+                                          <p:spTgt spid="225"/>
                                         </p:tgtEl>
                                         <p:attrNameLst>
                                           <p:attrName>ppt_w</p:attrName>
@@ -5256,7 +5256,7 @@
                                       <p:cBhvr>
                                         <p:cTn id="73" dur="1000" fill="hold"/>
                                         <p:tgtEl>
-                                          <p:spTgt spid="222"/>
+                                          <p:spTgt spid="225"/>
                                         </p:tgtEl>
                                         <p:attrNameLst>
                                           <p:attrName>ppt_h</p:attrName>
@@ -5283,7 +5283,7 @@
                                           </p:stCondLst>
                                         </p:cTn>
                                         <p:tgtEl>
-                                          <p:spTgt spid="222"/>
+                                          <p:spTgt spid="225"/>
                                         </p:tgtEl>
                                         <p:attrNameLst>
                                           <p:attrName>style.visibility</p:attrName>
@@ -5318,7 +5318,7 @@
                                       <p:cBhvr>
                                         <p:cTn id="77" dur="1000" fill="hold"/>
                                         <p:tgtEl>
-                                          <p:spTgt spid="223"/>
+                                          <p:spTgt spid="226"/>
                                         </p:tgtEl>
                                         <p:attrNameLst>
                                           <p:attrName>ppt_w</p:attrName>
@@ -5341,7 +5341,7 @@
                                       <p:cBhvr>
                                         <p:cTn id="78" dur="1000" fill="hold"/>
                                         <p:tgtEl>
-                                          <p:spTgt spid="223"/>
+                                          <p:spTgt spid="226"/>
                                         </p:tgtEl>
                                         <p:attrNameLst>
                                           <p:attrName>ppt_h</p:attrName>
@@ -5368,7 +5368,7 @@
                                           </p:stCondLst>
                                         </p:cTn>
                                         <p:tgtEl>
-                                          <p:spTgt spid="223"/>
+                                          <p:spTgt spid="226"/>
                                         </p:tgtEl>
                                         <p:attrNameLst>
                                           <p:attrName>style.visibility</p:attrName>
@@ -5403,7 +5403,7 @@
                                       <p:cBhvr>
                                         <p:cTn id="82" fill="hold"/>
                                         <p:tgtEl>
-                                          <p:spTgt spid="224"/>
+                                          <p:spTgt spid="227"/>
                                         </p:tgtEl>
                                         <p:attrNameLst>
                                           <p:attrName>style.visibility</p:attrName>
@@ -5415,9 +5415,9 @@
                                     </p:set>
                                     <p:animEffect filter="dissolve" transition="in">
                                       <p:cBhvr>
-                                        <p:cTn id="83" dur="500"/>
-                                        <p:tgtEl>
-                                          <p:spTgt spid="224"/>
+                                        <p:cTn id="83" dur="799"/>
+                                        <p:tgtEl>
+                                          <p:spTgt spid="227"/>
                                         </p:tgtEl>
                                       </p:cBhvr>
                                     </p:animEffect>
@@ -5430,7 +5430,7 @@
                         <p:par>
                           <p:cTn id="84" fill="hold">
                             <p:stCondLst>
-                              <p:cond delay="8500"/>
+                              <p:cond delay="8799"/>
                             </p:stCondLst>
                             <p:childTnLst>
                               <p:par>
@@ -5446,7 +5446,7 @@
                                       <p:cBhvr>
                                         <p:cTn id="86" fill="hold"/>
                                         <p:tgtEl>
-                                          <p:spTgt spid="238"/>
+                                          <p:spTgt spid="241"/>
                                         </p:tgtEl>
                                         <p:attrNameLst>
                                           <p:attrName>style.visibility</p:attrName>
@@ -5458,9 +5458,9 @@
                                     </p:set>
                                     <p:animEffect filter="dissolve" transition="in">
                                       <p:cBhvr>
-                                        <p:cTn id="87" dur="499"/>
-                                        <p:tgtEl>
-                                          <p:spTgt spid="238"/>
+                                        <p:cTn id="87" dur="799"/>
+                                        <p:tgtEl>
+                                          <p:spTgt spid="241"/>
                                         </p:tgtEl>
                                       </p:cBhvr>
                                     </p:animEffect>
@@ -5498,7 +5498,7 @@
                                       <p:cBhvr>
                                         <p:cTn id="91" fill="hold"/>
                                         <p:tgtEl>
-                                          <p:spTgt spid="225"/>
+                                          <p:spTgt spid="228"/>
                                         </p:tgtEl>
                                         <p:attrNameLst>
                                           <p:attrName>style.visibility</p:attrName>
@@ -5512,7 +5512,7 @@
                                       <p:cBhvr>
                                         <p:cTn id="92" dur="800"/>
                                         <p:tgtEl>
-                                          <p:spTgt spid="225"/>
+                                          <p:spTgt spid="228"/>
                                         </p:tgtEl>
                                       </p:cBhvr>
                                     </p:animEffect>
@@ -5541,7 +5541,7 @@
                                       <p:cBhvr>
                                         <p:cTn id="95" fill="hold"/>
                                         <p:tgtEl>
-                                          <p:spTgt spid="237"/>
+                                          <p:spTgt spid="240"/>
                                         </p:tgtEl>
                                         <p:attrNameLst>
                                           <p:attrName>style.visibility</p:attrName>
@@ -5553,9 +5553,9 @@
                                     </p:set>
                                     <p:animEffect filter="dissolve" transition="in">
                                       <p:cBhvr>
-                                        <p:cTn id="96" dur="499"/>
-                                        <p:tgtEl>
-                                          <p:spTgt spid="237"/>
+                                        <p:cTn id="96" dur="799"/>
+                                        <p:tgtEl>
+                                          <p:spTgt spid="240"/>
                                         </p:tgtEl>
                                       </p:cBhvr>
                                     </p:animEffect>
@@ -5593,7 +5593,7 @@
                                       <p:cBhvr>
                                         <p:cTn id="100" fill="hold"/>
                                         <p:tgtEl>
-                                          <p:spTgt spid="226"/>
+                                          <p:spTgt spid="229"/>
                                         </p:tgtEl>
                                         <p:attrNameLst>
                                           <p:attrName>style.visibility</p:attrName>
@@ -5607,7 +5607,7 @@
                                       <p:cBhvr>
                                         <p:cTn id="101" dur="800"/>
                                         <p:tgtEl>
-                                          <p:spTgt spid="226"/>
+                                          <p:spTgt spid="229"/>
                                         </p:tgtEl>
                                       </p:cBhvr>
                                     </p:animEffect>
@@ -5636,7 +5636,7 @@
                                       <p:cBhvr>
                                         <p:cTn id="104" fill="hold"/>
                                         <p:tgtEl>
-                                          <p:spTgt spid="239"/>
+                                          <p:spTgt spid="242"/>
                                         </p:tgtEl>
                                         <p:attrNameLst>
                                           <p:attrName>style.visibility</p:attrName>
@@ -5648,9 +5648,9 @@
                                     </p:set>
                                     <p:animEffect filter="dissolve" transition="in">
                                       <p:cBhvr>
-                                        <p:cTn id="105" dur="499"/>
-                                        <p:tgtEl>
-                                          <p:spTgt spid="239"/>
+                                        <p:cTn id="105" dur="799"/>
+                                        <p:tgtEl>
+                                          <p:spTgt spid="242"/>
                                         </p:tgtEl>
                                       </p:cBhvr>
                                     </p:animEffect>
@@ -5688,7 +5688,7 @@
                                       <p:cBhvr>
                                         <p:cTn id="109" fill="hold"/>
                                         <p:tgtEl>
-                                          <p:spTgt spid="231"/>
+                                          <p:spTgt spid="234"/>
                                         </p:tgtEl>
                                         <p:attrNameLst>
                                           <p:attrName>style.visibility</p:attrName>
@@ -5702,7 +5702,7 @@
                                       <p:cBhvr>
                                         <p:cTn id="110" dur="800"/>
                                         <p:tgtEl>
-                                          <p:spTgt spid="231"/>
+                                          <p:spTgt spid="234"/>
                                         </p:tgtEl>
                                       </p:cBhvr>
                                     </p:animEffect>
@@ -5731,7 +5731,7 @@
                                       <p:cBhvr>
                                         <p:cTn id="113" fill="hold"/>
                                         <p:tgtEl>
-                                          <p:spTgt spid="240"/>
+                                          <p:spTgt spid="243"/>
                                         </p:tgtEl>
                                         <p:attrNameLst>
                                           <p:attrName>style.visibility</p:attrName>
@@ -5743,9 +5743,9 @@
                                     </p:set>
                                     <p:animEffect filter="dissolve" transition="in">
                                       <p:cBhvr>
-                                        <p:cTn id="114" dur="499"/>
-                                        <p:tgtEl>
-                                          <p:spTgt spid="240"/>
+                                        <p:cTn id="114" dur="799"/>
+                                        <p:tgtEl>
+                                          <p:spTgt spid="243"/>
                                         </p:tgtEl>
                                       </p:cBhvr>
                                     </p:animEffect>
@@ -5783,7 +5783,7 @@
                                       <p:cBhvr>
                                         <p:cTn id="118" dur="1000" fill="hold"/>
                                         <p:tgtEl>
-                                          <p:spTgt spid="224"/>
+                                          <p:spTgt spid="227"/>
                                         </p:tgtEl>
                                         <p:attrNameLst>
                                           <p:attrName>ppt_w</p:attrName>
@@ -5806,7 +5806,7 @@
                                       <p:cBhvr>
                                         <p:cTn id="119" dur="1000" fill="hold"/>
                                         <p:tgtEl>
-                                          <p:spTgt spid="224"/>
+                                          <p:spTgt spid="227"/>
                                         </p:tgtEl>
                                         <p:attrNameLst>
                                           <p:attrName>ppt_h</p:attrName>
@@ -5833,7 +5833,7 @@
                                           </p:stCondLst>
                                         </p:cTn>
                                         <p:tgtEl>
-                                          <p:spTgt spid="224"/>
+                                          <p:spTgt spid="227"/>
                                         </p:tgtEl>
                                         <p:attrNameLst>
                                           <p:attrName>style.visibility</p:attrName>
@@ -5868,7 +5868,7 @@
                                       <p:cBhvr>
                                         <p:cTn id="123" dur="1000" fill="hold"/>
                                         <p:tgtEl>
-                                          <p:spTgt spid="225"/>
+                                          <p:spTgt spid="228"/>
                                         </p:tgtEl>
                                         <p:attrNameLst>
                                           <p:attrName>ppt_w</p:attrName>
@@ -5891,7 +5891,7 @@
                                       <p:cBhvr>
                                         <p:cTn id="124" dur="1000" fill="hold"/>
                                         <p:tgtEl>
-                                          <p:spTgt spid="225"/>
+                                          <p:spTgt spid="228"/>
                                         </p:tgtEl>
                                         <p:attrNameLst>
                                           <p:attrName>ppt_h</p:attrName>
@@ -5918,7 +5918,7 @@
                                           </p:stCondLst>
                                         </p:cTn>
                                         <p:tgtEl>
-                                          <p:spTgt spid="225"/>
+                                          <p:spTgt spid="228"/>
                                         </p:tgtEl>
                                         <p:attrNameLst>
                                           <p:attrName>style.visibility</p:attrName>
@@ -5953,7 +5953,7 @@
                                       <p:cBhvr>
                                         <p:cTn id="128" dur="1000" fill="hold"/>
                                         <p:tgtEl>
-                                          <p:spTgt spid="226"/>
+                                          <p:spTgt spid="229"/>
                                         </p:tgtEl>
                                         <p:attrNameLst>
                                           <p:attrName>ppt_w</p:attrName>
@@ -5976,7 +5976,7 @@
                                       <p:cBhvr>
                                         <p:cTn id="129" dur="1000" fill="hold"/>
                                         <p:tgtEl>
-                                          <p:spTgt spid="226"/>
+                                          <p:spTgt spid="229"/>
                                         </p:tgtEl>
                                         <p:attrNameLst>
                                           <p:attrName>ppt_h</p:attrName>
@@ -6003,7 +6003,7 @@
                                           </p:stCondLst>
                                         </p:cTn>
                                         <p:tgtEl>
-                                          <p:spTgt spid="226"/>
+                                          <p:spTgt spid="229"/>
                                         </p:tgtEl>
                                         <p:attrNameLst>
                                           <p:attrName>style.visibility</p:attrName>
@@ -6038,7 +6038,7 @@
                                       <p:cBhvr>
                                         <p:cTn id="133" dur="1000" fill="hold"/>
                                         <p:tgtEl>
-                                          <p:spTgt spid="231"/>
+                                          <p:spTgt spid="234"/>
                                         </p:tgtEl>
                                         <p:attrNameLst>
                                           <p:attrName>ppt_w</p:attrName>
@@ -6061,7 +6061,7 @@
                                       <p:cBhvr>
                                         <p:cTn id="134" dur="1000" fill="hold"/>
                                         <p:tgtEl>
-                                          <p:spTgt spid="231"/>
+                                          <p:spTgt spid="234"/>
                                         </p:tgtEl>
                                         <p:attrNameLst>
                                           <p:attrName>ppt_h</p:attrName>
@@ -6088,7 +6088,7 @@
                                           </p:stCondLst>
                                         </p:cTn>
                                         <p:tgtEl>
-                                          <p:spTgt spid="231"/>
+                                          <p:spTgt spid="234"/>
                                         </p:tgtEl>
                                         <p:attrNameLst>
                                           <p:attrName>style.visibility</p:attrName>
@@ -6123,7 +6123,7 @@
                                       <p:cBhvr>
                                         <p:cTn id="138" dur="1000" fill="hold"/>
                                         <p:tgtEl>
-                                          <p:spTgt spid="238"/>
+                                          <p:spTgt spid="241"/>
                                         </p:tgtEl>
                                         <p:attrNameLst>
                                           <p:attrName>ppt_w</p:attrName>
@@ -6146,7 +6146,7 @@
                                       <p:cBhvr>
                                         <p:cTn id="139" dur="1000" fill="hold"/>
                                         <p:tgtEl>
-                                          <p:spTgt spid="238"/>
+                                          <p:spTgt spid="241"/>
                                         </p:tgtEl>
                                         <p:attrNameLst>
                                           <p:attrName>ppt_h</p:attrName>
@@ -6173,7 +6173,7 @@
                                           </p:stCondLst>
                                         </p:cTn>
                                         <p:tgtEl>
-                                          <p:spTgt spid="238"/>
+                                          <p:spTgt spid="241"/>
                                         </p:tgtEl>
                                         <p:attrNameLst>
                                           <p:attrName>style.visibility</p:attrName>
@@ -6208,7 +6208,7 @@
                                       <p:cBhvr>
                                         <p:cTn id="143" dur="1000" fill="hold"/>
                                         <p:tgtEl>
-                                          <p:spTgt spid="237"/>
+                                          <p:spTgt spid="240"/>
                                         </p:tgtEl>
                                         <p:attrNameLst>
                                           <p:attrName>ppt_w</p:attrName>
@@ -6231,7 +6231,7 @@
                                       <p:cBhvr>
                                         <p:cTn id="144" dur="1000" fill="hold"/>
                                         <p:tgtEl>
-                                          <p:spTgt spid="237"/>
+                                          <p:spTgt spid="240"/>
                                         </p:tgtEl>
                                         <p:attrNameLst>
                                           <p:attrName>ppt_h</p:attrName>
@@ -6258,7 +6258,7 @@
                                           </p:stCondLst>
                                         </p:cTn>
                                         <p:tgtEl>
-                                          <p:spTgt spid="237"/>
+                                          <p:spTgt spid="240"/>
                                         </p:tgtEl>
                                         <p:attrNameLst>
                                           <p:attrName>style.visibility</p:attrName>
@@ -6293,7 +6293,7 @@
                                       <p:cBhvr>
                                         <p:cTn id="148" dur="1000" fill="hold"/>
                                         <p:tgtEl>
-                                          <p:spTgt spid="239"/>
+                                          <p:spTgt spid="242"/>
                                         </p:tgtEl>
                                         <p:attrNameLst>
                                           <p:attrName>ppt_w</p:attrName>
@@ -6316,7 +6316,7 @@
                                       <p:cBhvr>
                                         <p:cTn id="149" dur="1000" fill="hold"/>
                                         <p:tgtEl>
-                                          <p:spTgt spid="239"/>
+                                          <p:spTgt spid="242"/>
                                         </p:tgtEl>
                                         <p:attrNameLst>
                                           <p:attrName>ppt_h</p:attrName>
@@ -6343,7 +6343,7 @@
                                           </p:stCondLst>
                                         </p:cTn>
                                         <p:tgtEl>
-                                          <p:spTgt spid="239"/>
+                                          <p:spTgt spid="242"/>
                                         </p:tgtEl>
                                         <p:attrNameLst>
                                           <p:attrName>style.visibility</p:attrName>
@@ -6378,7 +6378,7 @@
                                       <p:cBhvr>
                                         <p:cTn id="153" dur="1000" fill="hold"/>
                                         <p:tgtEl>
-                                          <p:spTgt spid="240"/>
+                                          <p:spTgt spid="243"/>
                                         </p:tgtEl>
                                         <p:attrNameLst>
                                           <p:attrName>ppt_w</p:attrName>
@@ -6401,7 +6401,7 @@
                                       <p:cBhvr>
                                         <p:cTn id="154" dur="1000" fill="hold"/>
                                         <p:tgtEl>
-                                          <p:spTgt spid="240"/>
+                                          <p:spTgt spid="243"/>
                                         </p:tgtEl>
                                         <p:attrNameLst>
                                           <p:attrName>ppt_h</p:attrName>
@@ -6428,7 +6428,7 @@
                                           </p:stCondLst>
                                         </p:cTn>
                                         <p:tgtEl>
-                                          <p:spTgt spid="240"/>
+                                          <p:spTgt spid="243"/>
                                         </p:tgtEl>
                                         <p:attrNameLst>
                                           <p:attrName>style.visibility</p:attrName>
@@ -6463,7 +6463,7 @@
                                       <p:cBhvr>
                                         <p:cTn id="158" fill="hold"/>
                                         <p:tgtEl>
-                                          <p:spTgt spid="227"/>
+                                          <p:spTgt spid="230"/>
                                         </p:tgtEl>
                                         <p:attrNameLst>
                                           <p:attrName>style.visibility</p:attrName>
@@ -6475,9 +6475,9 @@
                                     </p:set>
                                     <p:animEffect filter="dissolve" transition="in">
                                       <p:cBhvr>
-                                        <p:cTn id="159" dur="500"/>
-                                        <p:tgtEl>
-                                          <p:spTgt spid="227"/>
+                                        <p:cTn id="159" dur="799"/>
+                                        <p:tgtEl>
+                                          <p:spTgt spid="230"/>
                                         </p:tgtEl>
                                       </p:cBhvr>
                                     </p:animEffect>
@@ -6490,7 +6490,7 @@
                         <p:par>
                           <p:cTn id="160" fill="hold">
                             <p:stCondLst>
-                              <p:cond delay="8500"/>
+                              <p:cond delay="8799"/>
                             </p:stCondLst>
                             <p:childTnLst>
                               <p:par>
@@ -6506,7 +6506,7 @@
                                       <p:cBhvr>
                                         <p:cTn id="162" fill="hold"/>
                                         <p:tgtEl>
-                                          <p:spTgt spid="244"/>
+                                          <p:spTgt spid="247"/>
                                         </p:tgtEl>
                                         <p:attrNameLst>
                                           <p:attrName>style.visibility</p:attrName>
@@ -6518,9 +6518,9 @@
                                     </p:set>
                                     <p:animEffect filter="dissolve" transition="in">
                                       <p:cBhvr>
-                                        <p:cTn id="163" dur="499"/>
-                                        <p:tgtEl>
-                                          <p:spTgt spid="244"/>
+                                        <p:cTn id="163" dur="799"/>
+                                        <p:tgtEl>
+                                          <p:spTgt spid="247"/>
                                         </p:tgtEl>
                                       </p:cBhvr>
                                     </p:animEffect>
@@ -6558,7 +6558,7 @@
                                       <p:cBhvr>
                                         <p:cTn id="167" fill="hold"/>
                                         <p:tgtEl>
-                                          <p:spTgt spid="228"/>
+                                          <p:spTgt spid="231"/>
                                         </p:tgtEl>
                                         <p:attrNameLst>
                                           <p:attrName>style.visibility</p:attrName>
@@ -6572,7 +6572,7 @@
                                       <p:cBhvr>
                                         <p:cTn id="168" dur="800"/>
                                         <p:tgtEl>
-                                          <p:spTgt spid="228"/>
+                                          <p:spTgt spid="231"/>
                                         </p:tgtEl>
                                       </p:cBhvr>
                                     </p:animEffect>
@@ -6601,7 +6601,7 @@
                                       <p:cBhvr>
                                         <p:cTn id="171" fill="hold"/>
                                         <p:tgtEl>
-                                          <p:spTgt spid="243"/>
+                                          <p:spTgt spid="246"/>
                                         </p:tgtEl>
                                         <p:attrNameLst>
                                           <p:attrName>style.visibility</p:attrName>
@@ -6613,9 +6613,9 @@
                                     </p:set>
                                     <p:animEffect filter="dissolve" transition="in">
                                       <p:cBhvr>
-                                        <p:cTn id="172" dur="499"/>
-                                        <p:tgtEl>
-                                          <p:spTgt spid="243"/>
+                                        <p:cTn id="172" dur="799"/>
+                                        <p:tgtEl>
+                                          <p:spTgt spid="246"/>
                                         </p:tgtEl>
                                       </p:cBhvr>
                                     </p:animEffect>
@@ -6653,7 +6653,7 @@
                                       <p:cBhvr>
                                         <p:cTn id="176" fill="hold"/>
                                         <p:tgtEl>
-                                          <p:spTgt spid="229"/>
+                                          <p:spTgt spid="232"/>
                                         </p:tgtEl>
                                         <p:attrNameLst>
                                           <p:attrName>style.visibility</p:attrName>
@@ -6667,7 +6667,7 @@
                                       <p:cBhvr>
                                         <p:cTn id="177" dur="800"/>
                                         <p:tgtEl>
-                                          <p:spTgt spid="229"/>
+                                          <p:spTgt spid="232"/>
                                         </p:tgtEl>
                                       </p:cBhvr>
                                     </p:animEffect>
@@ -6696,7 +6696,7 @@
                                       <p:cBhvr>
                                         <p:cTn id="180" fill="hold"/>
                                         <p:tgtEl>
-                                          <p:spTgt spid="245"/>
+                                          <p:spTgt spid="248"/>
                                         </p:tgtEl>
                                         <p:attrNameLst>
                                           <p:attrName>style.visibility</p:attrName>
@@ -6708,9 +6708,9 @@
                                     </p:set>
                                     <p:animEffect filter="dissolve" transition="in">
                                       <p:cBhvr>
-                                        <p:cTn id="181" dur="499"/>
-                                        <p:tgtEl>
-                                          <p:spTgt spid="245"/>
+                                        <p:cTn id="181" dur="800"/>
+                                        <p:tgtEl>
+                                          <p:spTgt spid="248"/>
                                         </p:tgtEl>
                                       </p:cBhvr>
                                     </p:animEffect>
@@ -6748,7 +6748,7 @@
                                       <p:cBhvr>
                                         <p:cTn id="185" fill="hold"/>
                                         <p:tgtEl>
-                                          <p:spTgt spid="230"/>
+                                          <p:spTgt spid="233"/>
                                         </p:tgtEl>
                                         <p:attrNameLst>
                                           <p:attrName>style.visibility</p:attrName>
@@ -6762,7 +6762,7 @@
                                       <p:cBhvr>
                                         <p:cTn id="186" dur="800"/>
                                         <p:tgtEl>
-                                          <p:spTgt spid="230"/>
+                                          <p:spTgt spid="233"/>
                                         </p:tgtEl>
                                       </p:cBhvr>
                                     </p:animEffect>
@@ -6791,7 +6791,7 @@
                                       <p:cBhvr>
                                         <p:cTn id="189" fill="hold"/>
                                         <p:tgtEl>
-                                          <p:spTgt spid="241"/>
+                                          <p:spTgt spid="244"/>
                                         </p:tgtEl>
                                         <p:attrNameLst>
                                           <p:attrName>style.visibility</p:attrName>
@@ -6803,9 +6803,9 @@
                                     </p:set>
                                     <p:animEffect filter="dissolve" transition="in">
                                       <p:cBhvr>
-                                        <p:cTn id="190" dur="499"/>
-                                        <p:tgtEl>
-                                          <p:spTgt spid="241"/>
+                                        <p:cTn id="190" dur="799"/>
+                                        <p:tgtEl>
+                                          <p:spTgt spid="244"/>
                                         </p:tgtEl>
                                       </p:cBhvr>
                                     </p:animEffect>
@@ -6843,7 +6843,7 @@
                                       <p:cBhvr>
                                         <p:cTn id="194" fill="hold"/>
                                         <p:tgtEl>
-                                          <p:spTgt spid="236"/>
+                                          <p:spTgt spid="239"/>
                                         </p:tgtEl>
                                         <p:attrNameLst>
                                           <p:attrName>style.visibility</p:attrName>
@@ -6857,7 +6857,7 @@
                                       <p:cBhvr>
                                         <p:cTn id="195" dur="800"/>
                                         <p:tgtEl>
-                                          <p:spTgt spid="236"/>
+                                          <p:spTgt spid="239"/>
                                         </p:tgtEl>
                                       </p:cBhvr>
                                     </p:animEffect>
@@ -6886,7 +6886,7 @@
                                       <p:cBhvr>
                                         <p:cTn id="198" fill="hold"/>
                                         <p:tgtEl>
-                                          <p:spTgt spid="242"/>
+                                          <p:spTgt spid="245"/>
                                         </p:tgtEl>
                                         <p:attrNameLst>
                                           <p:attrName>style.visibility</p:attrName>
@@ -6898,9 +6898,9 @@
                                     </p:set>
                                     <p:animEffect filter="dissolve" transition="in">
                                       <p:cBhvr>
-                                        <p:cTn id="199" dur="499"/>
-                                        <p:tgtEl>
-                                          <p:spTgt spid="242"/>
+                                        <p:cTn id="199" dur="799"/>
+                                        <p:tgtEl>
+                                          <p:spTgt spid="245"/>
                                         </p:tgtEl>
                                       </p:cBhvr>
                                     </p:animEffect>
@@ -6935,48 +6935,48 @@
       </p:par>
     </p:tnLst>
     <p:bldLst>
-      <p:bldP build="whole" bldLvl="1" animBg="1" rev="0" advAuto="0" spid="236" grpId="41"/>
-      <p:bldP build="whole" bldLvl="1" animBg="1" rev="0" advAuto="0" spid="234" grpId="4"/>
-      <p:bldP build="whole" bldLvl="1" animBg="1" rev="0" advAuto="0" spid="245" grpId="38"/>
-      <p:bldP build="whole" bldLvl="1" animBg="1" rev="0" advAuto="0" spid="227" grpId="33"/>
-      <p:bldP build="whole" bldLvl="1" animBg="1" rev="0" advAuto="0" spid="220" grpId="1"/>
-      <p:bldP build="whole" bldLvl="1" animBg="1" rev="0" advAuto="0" spid="234" grpId="12"/>
-      <p:bldP build="whole" bldLvl="1" animBg="1" rev="0" advAuto="0" spid="232" grpId="2"/>
-      <p:bldP build="whole" bldLvl="1" animBg="1" rev="0" advAuto="0" spid="220" grpId="9"/>
-      <p:bldP build="whole" bldLvl="1" animBg="1" rev="0" advAuto="0" spid="221" grpId="3"/>
-      <p:bldP build="whole" bldLvl="1" animBg="1" rev="0" advAuto="0" spid="222" grpId="5"/>
-      <p:bldP build="whole" bldLvl="1" animBg="1" rev="0" advAuto="0" spid="230" grpId="39"/>
-      <p:bldP build="whole" bldLvl="1" animBg="1" rev="0" advAuto="0" spid="242" grpId="42"/>
-      <p:bldP build="whole" bldLvl="1" animBg="1" rev="0" advAuto="0" spid="225" grpId="19"/>
-      <p:bldP build="whole" bldLvl="1" animBg="1" rev="0" advAuto="0" spid="235" grpId="6"/>
-      <p:bldP build="whole" bldLvl="1" animBg="1" rev="0" advAuto="0" spid="226" grpId="21"/>
-      <p:bldP build="whole" bldLvl="1" animBg="1" rev="0" advAuto="0" spid="221" grpId="14"/>
-      <p:bldP build="whole" bldLvl="1" animBg="1" rev="0" advAuto="0" spid="224" grpId="17"/>
-      <p:bldP build="whole" bldLvl="1" animBg="1" rev="0" advAuto="0" spid="222" grpId="15"/>
-      <p:bldP build="whole" bldLvl="1" animBg="1" rev="0" advAuto="0" spid="235" grpId="10"/>
-      <p:bldP build="whole" bldLvl="1" animBg="1" rev="0" advAuto="0" spid="225" grpId="26"/>
-      <p:bldP build="whole" bldLvl="1" animBg="1" rev="0" advAuto="0" spid="226" grpId="27"/>
-      <p:bldP build="whole" bldLvl="1" animBg="1" rev="0" advAuto="0" spid="232" grpId="13"/>
-      <p:bldP build="whole" bldLvl="1" animBg="1" rev="0" advAuto="0" spid="224" grpId="25"/>
-      <p:bldP build="whole" bldLvl="1" animBg="1" rev="0" advAuto="0" spid="243" grpId="36"/>
-      <p:bldP build="whole" bldLvl="1" animBg="1" rev="0" advAuto="0" spid="241" grpId="40"/>
-      <p:bldP build="whole" bldLvl="1" animBg="1" rev="0" advAuto="0" spid="244" grpId="34"/>
-      <p:bldP build="whole" bldLvl="1" animBg="1" rev="0" advAuto="0" spid="238" grpId="18"/>
-      <p:bldP build="whole" bldLvl="1" animBg="1" rev="0" advAuto="0" spid="240" grpId="24"/>
-      <p:bldP build="whole" bldLvl="1" animBg="1" rev="0" advAuto="0" spid="237" grpId="20"/>
-      <p:bldP build="whole" bldLvl="1" animBg="1" rev="0" advAuto="0" spid="239" grpId="22"/>
-      <p:bldP build="whole" bldLvl="1" animBg="1" rev="0" advAuto="0" spid="231" grpId="23"/>
-      <p:bldP build="whole" bldLvl="1" animBg="1" rev="0" advAuto="0" spid="240" grpId="32"/>
-      <p:bldP build="whole" bldLvl="1" animBg="1" rev="0" advAuto="0" spid="238" grpId="29"/>
-      <p:bldP build="whole" bldLvl="1" animBg="1" rev="0" advAuto="0" spid="223" grpId="7"/>
-      <p:bldP build="whole" bldLvl="1" animBg="1" rev="0" advAuto="0" spid="231" grpId="28"/>
-      <p:bldP build="whole" bldLvl="1" animBg="1" rev="0" advAuto="0" spid="229" grpId="37"/>
-      <p:bldP build="whole" bldLvl="1" animBg="1" rev="0" advAuto="0" spid="228" grpId="35"/>
-      <p:bldP build="whole" bldLvl="1" animBg="1" rev="0" advAuto="0" spid="237" grpId="30"/>
-      <p:bldP build="whole" bldLvl="1" animBg="1" rev="0" advAuto="0" spid="239" grpId="31"/>
-      <p:bldP build="whole" bldLvl="1" animBg="1" rev="0" advAuto="0" spid="233" grpId="8"/>
-      <p:bldP build="whole" bldLvl="1" animBg="1" rev="0" advAuto="0" spid="223" grpId="16"/>
-      <p:bldP build="whole" bldLvl="1" animBg="1" rev="0" advAuto="0" spid="233" grpId="11"/>
+      <p:bldP build="whole" bldLvl="1" animBg="1" rev="0" advAuto="0" spid="229" grpId="21"/>
+      <p:bldP build="whole" bldLvl="1" animBg="1" rev="0" advAuto="0" spid="242" grpId="22"/>
+      <p:bldP build="whole" bldLvl="1" animBg="1" rev="0" advAuto="0" spid="235" grpId="13"/>
+      <p:bldP build="whole" bldLvl="1" animBg="1" rev="0" advAuto="0" spid="227" grpId="17"/>
+      <p:bldP build="whole" bldLvl="1" animBg="1" rev="0" advAuto="0" spid="230" grpId="33"/>
+      <p:bldP build="whole" bldLvl="1" animBg="1" rev="0" advAuto="0" spid="229" grpId="27"/>
+      <p:bldP build="whole" bldLvl="1" animBg="1" rev="0" advAuto="0" spid="232" grpId="37"/>
+      <p:bldP build="whole" bldLvl="1" animBg="1" rev="0" advAuto="0" spid="225" grpId="5"/>
+      <p:bldP build="whole" bldLvl="1" animBg="1" rev="0" advAuto="0" spid="239" grpId="41"/>
+      <p:bldP build="whole" bldLvl="1" animBg="1" rev="0" advAuto="0" spid="241" grpId="18"/>
+      <p:bldP build="whole" bldLvl="1" animBg="1" rev="0" advAuto="0" spid="236" grpId="8"/>
+      <p:bldP build="whole" bldLvl="1" animBg="1" rev="0" advAuto="0" spid="242" grpId="31"/>
+      <p:bldP build="whole" bldLvl="1" animBg="1" rev="0" advAuto="0" spid="227" grpId="25"/>
+      <p:bldP build="whole" bldLvl="1" animBg="1" rev="0" advAuto="0" spid="236" grpId="11"/>
+      <p:bldP build="whole" bldLvl="1" animBg="1" rev="0" advAuto="0" spid="225" grpId="15"/>
+      <p:bldP build="whole" bldLvl="1" animBg="1" rev="0" advAuto="0" spid="234" grpId="23"/>
+      <p:bldP build="whole" bldLvl="1" animBg="1" rev="0" advAuto="0" spid="223" grpId="1"/>
+      <p:bldP build="whole" bldLvl="1" animBg="1" rev="0" advAuto="0" spid="240" grpId="20"/>
+      <p:bldP build="whole" bldLvl="1" animBg="1" rev="0" advAuto="0" spid="241" grpId="29"/>
+      <p:bldP build="whole" bldLvl="1" animBg="1" rev="0" advAuto="0" spid="231" grpId="35"/>
+      <p:bldP build="whole" bldLvl="1" animBg="1" rev="0" advAuto="0" spid="234" grpId="28"/>
+      <p:bldP build="whole" bldLvl="1" animBg="1" rev="0" advAuto="0" spid="243" grpId="24"/>
+      <p:bldP build="whole" bldLvl="1" animBg="1" rev="0" advAuto="0" spid="224" grpId="3"/>
+      <p:bldP build="whole" bldLvl="1" animBg="1" rev="0" advAuto="0" spid="238" grpId="6"/>
+      <p:bldP build="whole" bldLvl="1" animBg="1" rev="0" advAuto="0" spid="223" grpId="9"/>
+      <p:bldP build="whole" bldLvl="1" animBg="1" rev="0" advAuto="0" spid="238" grpId="10"/>
+      <p:bldP build="whole" bldLvl="1" animBg="1" rev="0" advAuto="0" spid="237" grpId="4"/>
+      <p:bldP build="whole" bldLvl="1" animBg="1" rev="0" advAuto="0" spid="240" grpId="30"/>
+      <p:bldP build="whole" bldLvl="1" animBg="1" rev="0" advAuto="0" spid="243" grpId="32"/>
+      <p:bldP build="whole" bldLvl="1" animBg="1" rev="0" advAuto="0" spid="237" grpId="12"/>
+      <p:bldP build="whole" bldLvl="1" animBg="1" rev="0" advAuto="0" spid="248" grpId="38"/>
+      <p:bldP build="whole" bldLvl="1" animBg="1" rev="0" advAuto="0" spid="245" grpId="42"/>
+      <p:bldP build="whole" bldLvl="1" animBg="1" rev="0" advAuto="0" spid="224" grpId="14"/>
+      <p:bldP build="whole" bldLvl="1" animBg="1" rev="0" advAuto="0" spid="226" grpId="7"/>
+      <p:bldP build="whole" bldLvl="1" animBg="1" rev="0" advAuto="0" spid="228" grpId="19"/>
+      <p:bldP build="whole" bldLvl="1" animBg="1" rev="0" advAuto="0" spid="233" grpId="39"/>
+      <p:bldP build="whole" bldLvl="1" animBg="1" rev="0" advAuto="0" spid="226" grpId="16"/>
+      <p:bldP build="whole" bldLvl="1" animBg="1" rev="0" advAuto="0" spid="228" grpId="26"/>
+      <p:bldP build="whole" bldLvl="1" animBg="1" rev="0" advAuto="0" spid="247" grpId="34"/>
+      <p:bldP build="whole" bldLvl="1" animBg="1" rev="0" advAuto="0" spid="235" grpId="2"/>
+      <p:bldP build="whole" bldLvl="1" animBg="1" rev="0" advAuto="0" spid="246" grpId="36"/>
+      <p:bldP build="whole" bldLvl="1" animBg="1" rev="0" advAuto="0" spid="244" grpId="40"/>
     </p:bldLst>
   </p:timing>
 </p:sld>
@@ -7001,7 +7001,7 @@
       </p:grpSpPr>
       <p:sp>
         <p:nvSpPr>
-          <p:cNvPr id="247" name="Conclusion"/>
+          <p:cNvPr id="250" name="Conclusion"/>
           <p:cNvSpPr txBox="1"/>
           <p:nvPr/>
         </p:nvSpPr>
@@ -7046,7 +7046,7 @@
       </p:sp>
       <p:sp>
         <p:nvSpPr>
-          <p:cNvPr id="248" name="- Amélioration de notre capacité au travail de groupe"/>
+          <p:cNvPr id="251" name="- Amélioration de notre capacité au travail de groupe"/>
           <p:cNvSpPr txBox="1"/>
           <p:nvPr/>
         </p:nvSpPr>
@@ -7089,7 +7089,7 @@
       </p:sp>
       <p:sp>
         <p:nvSpPr>
-          <p:cNvPr id="249" name="- Réalisation d’un jeu d’échecs"/>
+          <p:cNvPr id="252" name="- Réalisation d’un jeu d’échecs"/>
           <p:cNvSpPr txBox="1"/>
           <p:nvPr/>
         </p:nvSpPr>
@@ -7132,7 +7132,7 @@
       </p:sp>
       <p:sp>
         <p:nvSpPr>
-          <p:cNvPr id="250" name="- Mise en pratique des connaissances comme l’UML"/>
+          <p:cNvPr id="253" name="- Mise en pratique des connaissances comme l’UML"/>
           <p:cNvSpPr txBox="1"/>
           <p:nvPr/>
         </p:nvSpPr>
@@ -7175,7 +7175,7 @@
       </p:sp>
       <p:sp>
         <p:nvSpPr>
-          <p:cNvPr id="251" name="- Amélioration de l’esthétique du jeu"/>
+          <p:cNvPr id="254" name="- Amélioration de l’esthétique du jeu"/>
           <p:cNvSpPr txBox="1"/>
           <p:nvPr/>
         </p:nvSpPr>
@@ -7218,7 +7218,7 @@
       </p:sp>
       <p:sp>
         <p:nvSpPr>
-          <p:cNvPr id="252" name="Numéro de diapositive"/>
+          <p:cNvPr id="255" name="Numéro de diapositive"/>
           <p:cNvSpPr txBox="1"/>
           <p:nvPr>
             <p:ph type="sldNum" sz="quarter" idx="2"/>
@@ -7256,7 +7256,7 @@
       </p:sp>
       <p:pic>
         <p:nvPicPr>
-          <p:cNvPr id="253" name="chess-board.png" descr="chess-board.png"/>
+          <p:cNvPr id="256" name="chess-board.png" descr="chess-board.png"/>
           <p:cNvPicPr>
             <a:picLocks noChangeAspect="1"/>
           </p:cNvPicPr>
@@ -7285,7 +7285,7 @@
       </p:pic>
       <p:pic>
         <p:nvPicPr>
-          <p:cNvPr id="254" name="teamwork.png" descr="teamwork.png"/>
+          <p:cNvPr id="257" name="teamwork.png" descr="teamwork.png"/>
           <p:cNvPicPr>
             <a:picLocks noChangeAspect="1"/>
           </p:cNvPicPr>
@@ -7314,7 +7314,7 @@
       </p:pic>
       <p:pic>
         <p:nvPicPr>
-          <p:cNvPr id="255" name="monitor.png" descr="monitor.png"/>
+          <p:cNvPr id="258" name="monitor.png" descr="monitor.png"/>
           <p:cNvPicPr>
             <a:picLocks noChangeAspect="1"/>
           </p:cNvPicPr>
@@ -7343,7 +7343,7 @@
       </p:pic>
       <p:pic>
         <p:nvPicPr>
-          <p:cNvPr id="256" name="diagram.png" descr="diagram.png"/>
+          <p:cNvPr id="259" name="diagram.png" descr="diagram.png"/>
           <p:cNvPicPr>
             <a:picLocks noChangeAspect="1"/>
           </p:cNvPicPr>
@@ -7359,8 +7359,8 @@
         </p:blipFill>
         <p:spPr>
           <a:xfrm>
-            <a:off x="7237006" y="7339341"/>
-            <a:ext cx="1276045" cy="1276044"/>
+            <a:off x="7237007" y="7339341"/>
+            <a:ext cx="1276044" cy="1276044"/>
           </a:xfrm>
           <a:prstGeom prst="rect">
             <a:avLst/>
@@ -7423,7 +7423,7 @@
                                       <p:cBhvr>
                                         <p:cTn id="6" fill="hold"/>
                                         <p:tgtEl>
-                                          <p:spTgt spid="249"/>
+                                          <p:spTgt spid="252"/>
                                         </p:tgtEl>
                                         <p:attrNameLst>
                                           <p:attrName>style.visibility</p:attrName>
@@ -7437,7 +7437,7 @@
                                       <p:cBhvr>
                                         <p:cTn id="7" dur="800"/>
                                         <p:tgtEl>
-                                          <p:spTgt spid="249"/>
+                                          <p:spTgt spid="252"/>
                                         </p:tgtEl>
                                       </p:cBhvr>
                                     </p:animEffect>
@@ -7466,7 +7466,7 @@
                                       <p:cBhvr>
                                         <p:cTn id="10" fill="hold"/>
                                         <p:tgtEl>
-                                          <p:spTgt spid="253"/>
+                                          <p:spTgt spid="256"/>
                                         </p:tgtEl>
                                         <p:attrNameLst>
                                           <p:attrName>style.visibility</p:attrName>
@@ -7480,7 +7480,7 @@
                                       <p:cBhvr>
                                         <p:cTn id="11" dur="1000"/>
                                         <p:tgtEl>
-                                          <p:spTgt spid="253"/>
+                                          <p:spTgt spid="256"/>
                                         </p:tgtEl>
                                       </p:cBhvr>
                                     </p:animEffect>
@@ -7518,7 +7518,7 @@
                                       <p:cBhvr>
                                         <p:cTn id="15" fill="hold"/>
                                         <p:tgtEl>
-                                          <p:spTgt spid="248"/>
+                                          <p:spTgt spid="251"/>
                                         </p:tgtEl>
                                         <p:attrNameLst>
                                           <p:attrName>style.visibility</p:attrName>
@@ -7532,7 +7532,7 @@
                                       <p:cBhvr>
                                         <p:cTn id="16" dur="800"/>
                                         <p:tgtEl>
-                                          <p:spTgt spid="248"/>
+                                          <p:spTgt spid="251"/>
                                         </p:tgtEl>
                                       </p:cBhvr>
                                     </p:animEffect>
@@ -7561,7 +7561,7 @@
                                       <p:cBhvr>
                                         <p:cTn id="19" fill="hold"/>
                                         <p:tgtEl>
-                                          <p:spTgt spid="254"/>
+                                          <p:spTgt spid="257"/>
                                         </p:tgtEl>
                                         <p:attrNameLst>
                                           <p:attrName>style.visibility</p:attrName>
@@ -7575,7 +7575,7 @@
                                       <p:cBhvr>
                                         <p:cTn id="20" dur="1000"/>
                                         <p:tgtEl>
-                                          <p:spTgt spid="254"/>
+                                          <p:spTgt spid="257"/>
                                         </p:tgtEl>
                                       </p:cBhvr>
                                     </p:animEffect>
@@ -7613,7 +7613,7 @@
                                       <p:cBhvr>
                                         <p:cTn id="24" fill="hold"/>
                                         <p:tgtEl>
-                                          <p:spTgt spid="250"/>
+                                          <p:spTgt spid="253"/>
                                         </p:tgtEl>
                                         <p:attrNameLst>
                                           <p:attrName>style.visibility</p:attrName>
@@ -7627,7 +7627,7 @@
                                       <p:cBhvr>
                                         <p:cTn id="25" dur="800"/>
                                         <p:tgtEl>
-                                          <p:spTgt spid="250"/>
+                                          <p:spTgt spid="253"/>
                                         </p:tgtEl>
                                       </p:cBhvr>
                                     </p:animEffect>
@@ -7656,7 +7656,7 @@
                                       <p:cBhvr>
                                         <p:cTn id="28" fill="hold"/>
                                         <p:tgtEl>
-                                          <p:spTgt spid="256"/>
+                                          <p:spTgt spid="259"/>
                                         </p:tgtEl>
                                         <p:attrNameLst>
                                           <p:attrName>style.visibility</p:attrName>
@@ -7670,7 +7670,7 @@
                                       <p:cBhvr>
                                         <p:cTn id="29" dur="1000"/>
                                         <p:tgtEl>
-                                          <p:spTgt spid="256"/>
+                                          <p:spTgt spid="259"/>
                                         </p:tgtEl>
                                       </p:cBhvr>
                                     </p:animEffect>
@@ -7708,7 +7708,7 @@
                                       <p:cBhvr>
                                         <p:cTn id="33" fill="hold"/>
                                         <p:tgtEl>
-                                          <p:spTgt spid="251"/>
+                                          <p:spTgt spid="254"/>
                                         </p:tgtEl>
                                         <p:attrNameLst>
                                           <p:attrName>style.visibility</p:attrName>
@@ -7722,7 +7722,7 @@
                                       <p:cBhvr>
                                         <p:cTn id="34" dur="800"/>
                                         <p:tgtEl>
-                                          <p:spTgt spid="251"/>
+                                          <p:spTgt spid="254"/>
                                         </p:tgtEl>
                                       </p:cBhvr>
                                     </p:animEffect>
@@ -7751,7 +7751,7 @@
                                       <p:cBhvr>
                                         <p:cTn id="37" fill="hold"/>
                                         <p:tgtEl>
-                                          <p:spTgt spid="255"/>
+                                          <p:spTgt spid="258"/>
                                         </p:tgtEl>
                                         <p:attrNameLst>
                                           <p:attrName>style.visibility</p:attrName>
@@ -7765,7 +7765,7 @@
                                       <p:cBhvr>
                                         <p:cTn id="38" dur="1000"/>
                                         <p:tgtEl>
-                                          <p:spTgt spid="255"/>
+                                          <p:spTgt spid="258"/>
                                         </p:tgtEl>
                                       </p:cBhvr>
                                     </p:animEffect>
@@ -7800,14 +7800,14 @@
       </p:par>
     </p:tnLst>
     <p:bldLst>
-      <p:bldP build="whole" bldLvl="1" animBg="1" rev="0" advAuto="0" spid="255" grpId="8"/>
-      <p:bldP build="whole" bldLvl="1" animBg="1" rev="0" advAuto="0" spid="250" grpId="5"/>
-      <p:bldP build="whole" bldLvl="1" animBg="1" rev="0" advAuto="0" spid="248" grpId="3"/>
-      <p:bldP build="whole" bldLvl="1" animBg="1" rev="0" advAuto="0" spid="256" grpId="6"/>
-      <p:bldP build="whole" bldLvl="1" animBg="1" rev="0" advAuto="0" spid="249" grpId="1"/>
-      <p:bldP build="whole" bldLvl="1" animBg="1" rev="0" advAuto="0" spid="251" grpId="7"/>
-      <p:bldP build="whole" bldLvl="1" animBg="1" rev="0" advAuto="0" spid="253" grpId="2"/>
-      <p:bldP build="whole" bldLvl="1" animBg="1" rev="0" advAuto="0" spid="254" grpId="4"/>
+      <p:bldP build="whole" bldLvl="1" animBg="1" rev="0" advAuto="0" spid="258" grpId="8"/>
+      <p:bldP build="whole" bldLvl="1" animBg="1" rev="0" advAuto="0" spid="256" grpId="2"/>
+      <p:bldP build="whole" bldLvl="1" animBg="1" rev="0" advAuto="0" spid="259" grpId="6"/>
+      <p:bldP build="whole" bldLvl="1" animBg="1" rev="0" advAuto="0" spid="257" grpId="4"/>
+      <p:bldP build="whole" bldLvl="1" animBg="1" rev="0" advAuto="0" spid="252" grpId="1"/>
+      <p:bldP build="whole" bldLvl="1" animBg="1" rev="0" advAuto="0" spid="251" grpId="3"/>
+      <p:bldP build="whole" bldLvl="1" animBg="1" rev="0" advAuto="0" spid="254" grpId="7"/>
+      <p:bldP build="whole" bldLvl="1" animBg="1" rev="0" advAuto="0" spid="253" grpId="5"/>
     </p:bldLst>
   </p:timing>
 </p:sld>
@@ -7931,7 +7931,7 @@
         </p:blipFill>
         <p:spPr>
           <a:xfrm>
-            <a:off x="1097493" y="5985252"/>
+            <a:off x="1088641" y="5985252"/>
             <a:ext cx="1120063" cy="1120063"/>
           </a:xfrm>
           <a:prstGeom prst="rect">
@@ -7960,7 +7960,7 @@
         </p:blipFill>
         <p:spPr>
           <a:xfrm>
-            <a:off x="7403831" y="4316769"/>
+            <a:off x="6755963" y="4356768"/>
             <a:ext cx="1120063" cy="1120063"/>
           </a:xfrm>
           <a:prstGeom prst="rect">
@@ -7989,7 +7989,7 @@
         </p:blipFill>
         <p:spPr>
           <a:xfrm>
-            <a:off x="1088641" y="2729269"/>
+            <a:off x="1057439" y="2728285"/>
             <a:ext cx="1120063" cy="1120063"/>
           </a:xfrm>
           <a:prstGeom prst="rect">
@@ -8018,7 +8018,7 @@
         </p:blipFill>
         <p:spPr>
           <a:xfrm>
-            <a:off x="7441273" y="5933540"/>
+            <a:off x="6755963" y="5985252"/>
             <a:ext cx="1120063" cy="1120063"/>
           </a:xfrm>
           <a:prstGeom prst="rect">
@@ -8047,7 +8047,7 @@
         </p:blipFill>
         <p:spPr>
           <a:xfrm>
-            <a:off x="1092350" y="4357260"/>
+            <a:off x="1088641" y="4356768"/>
             <a:ext cx="1120063" cy="1120063"/>
           </a:xfrm>
           <a:prstGeom prst="rect">
@@ -8076,7 +8076,7 @@
         </p:blipFill>
         <p:spPr>
           <a:xfrm>
-            <a:off x="7428793" y="2699997"/>
+            <a:off x="6768444" y="2728777"/>
             <a:ext cx="1120063" cy="1120063"/>
           </a:xfrm>
           <a:prstGeom prst="rect">
@@ -8095,8 +8095,8 @@
         </p:nvSpPr>
         <p:spPr>
           <a:xfrm>
-            <a:off x="2539423" y="3095828"/>
-            <a:ext cx="3885821" cy="386944"/>
+            <a:off x="2551904" y="3088672"/>
+            <a:ext cx="3885820" cy="399289"/>
           </a:xfrm>
           <a:prstGeom prst="rect">
             <a:avLst/>
@@ -8119,7 +8119,7 @@
               <a:spcBef>
                 <a:spcPts val="500"/>
               </a:spcBef>
-              <a:defRPr b="0" sz="1900"/>
+              <a:defRPr b="0" sz="2000"/>
             </a:lvl1pPr>
           </a:lstStyle>
           <a:p>
@@ -8138,8 +8138,8 @@
         </p:nvSpPr>
         <p:spPr>
           <a:xfrm>
-            <a:off x="8879575" y="2920507"/>
-            <a:ext cx="3885820" cy="679044"/>
+            <a:off x="8231706" y="2936272"/>
+            <a:ext cx="3885821" cy="704089"/>
           </a:xfrm>
           <a:prstGeom prst="rect">
             <a:avLst/>
@@ -8162,7 +8162,7 @@
               <a:spcBef>
                 <a:spcPts val="500"/>
               </a:spcBef>
-              <a:defRPr b="0" sz="1900"/>
+              <a:defRPr b="0" sz="2000"/>
             </a:lvl1pPr>
           </a:lstStyle>
           <a:p>
@@ -8181,8 +8181,8 @@
         </p:nvSpPr>
         <p:spPr>
           <a:xfrm>
-            <a:off x="2543132" y="4782362"/>
-            <a:ext cx="3885821" cy="386944"/>
+            <a:off x="2533182" y="4717155"/>
+            <a:ext cx="3885821" cy="399289"/>
           </a:xfrm>
           <a:prstGeom prst="rect">
             <a:avLst/>
@@ -8205,7 +8205,7 @@
               <a:spcBef>
                 <a:spcPts val="500"/>
               </a:spcBef>
-              <a:defRPr b="0" sz="1900"/>
+              <a:defRPr b="0" sz="2000"/>
             </a:lvl1pPr>
           </a:lstStyle>
           <a:p>
@@ -8224,8 +8224,8 @@
         </p:nvSpPr>
         <p:spPr>
           <a:xfrm>
-            <a:off x="8769443" y="4635599"/>
-            <a:ext cx="3885821" cy="386945"/>
+            <a:off x="8213205" y="4717155"/>
+            <a:ext cx="3885821" cy="399289"/>
           </a:xfrm>
           <a:prstGeom prst="rect">
             <a:avLst/>
@@ -8248,7 +8248,7 @@
               <a:spcBef>
                 <a:spcPts val="500"/>
               </a:spcBef>
-              <a:defRPr b="0" sz="1900"/>
+              <a:defRPr b="0" sz="2000"/>
             </a:lvl1pPr>
           </a:lstStyle>
           <a:p>
@@ -8267,8 +8267,8 @@
         </p:nvSpPr>
         <p:spPr>
           <a:xfrm>
-            <a:off x="2463105" y="6322540"/>
-            <a:ext cx="3885821" cy="386945"/>
+            <a:off x="2533182" y="6163968"/>
+            <a:ext cx="3885821" cy="704089"/>
           </a:xfrm>
           <a:prstGeom prst="rect">
             <a:avLst/>
@@ -8291,7 +8291,7 @@
               <a:spcBef>
                 <a:spcPts val="500"/>
               </a:spcBef>
-              <a:defRPr b="0" sz="1900"/>
+              <a:defRPr b="0" sz="2000"/>
             </a:lvl1pPr>
           </a:lstStyle>
           <a:p>
@@ -8310,8 +8310,8 @@
         </p:nvSpPr>
         <p:spPr>
           <a:xfrm>
-            <a:off x="8806885" y="6300099"/>
-            <a:ext cx="3885821" cy="386944"/>
+            <a:off x="8213205" y="6316368"/>
+            <a:ext cx="3885821" cy="399289"/>
           </a:xfrm>
           <a:prstGeom prst="rect">
             <a:avLst/>
@@ -8334,7 +8334,7 @@
               <a:spcBef>
                 <a:spcPts val="500"/>
               </a:spcBef>
-              <a:defRPr b="0" sz="1900"/>
+              <a:defRPr b="0" sz="2000"/>
             </a:lvl1pPr>
           </a:lstStyle>
           <a:p>
@@ -8363,7 +8363,7 @@
         </p:blipFill>
         <p:spPr>
           <a:xfrm>
-            <a:off x="7453754" y="7550311"/>
+            <a:off x="6780924" y="7613244"/>
             <a:ext cx="1120063" cy="1120063"/>
           </a:xfrm>
           <a:prstGeom prst="rect">
@@ -8392,7 +8392,7 @@
         </p:blipFill>
         <p:spPr>
           <a:xfrm>
-            <a:off x="1126082" y="7613244"/>
+            <a:off x="1088641" y="7613244"/>
             <a:ext cx="1120063" cy="1120063"/>
           </a:xfrm>
           <a:prstGeom prst="rect">
@@ -8411,8 +8411,8 @@
         </p:nvSpPr>
         <p:spPr>
           <a:xfrm>
-            <a:off x="2551903" y="7950838"/>
-            <a:ext cx="3885821" cy="386944"/>
+            <a:off x="2533182" y="7973631"/>
+            <a:ext cx="3885821" cy="399289"/>
           </a:xfrm>
           <a:prstGeom prst="rect">
             <a:avLst/>
@@ -8435,7 +8435,7 @@
               <a:spcBef>
                 <a:spcPts val="500"/>
               </a:spcBef>
-              <a:defRPr b="0" sz="1900"/>
+              <a:defRPr b="0" sz="2000"/>
             </a:lvl1pPr>
           </a:lstStyle>
           <a:p>
@@ -8454,8 +8454,8 @@
         </p:nvSpPr>
         <p:spPr>
           <a:xfrm>
-            <a:off x="8819366" y="7916870"/>
-            <a:ext cx="3885821" cy="386944"/>
+            <a:off x="8244187" y="7973631"/>
+            <a:ext cx="3885821" cy="399289"/>
           </a:xfrm>
           <a:prstGeom prst="rect">
             <a:avLst/>
@@ -8478,7 +8478,7 @@
               <a:spcBef>
                 <a:spcPts val="500"/>
               </a:spcBef>
-              <a:defRPr b="0" sz="1900"/>
+              <a:defRPr b="0" sz="2000"/>
             </a:lvl1pPr>
           </a:lstStyle>
           <a:p>
@@ -9971,22 +9971,22 @@
       </p:par>
     </p:tnLst>
     <p:bldLst>
-      <p:bldP build="whole" bldLvl="1" animBg="1" rev="0" advAuto="0" spid="130" grpId="1"/>
+      <p:bldP build="whole" bldLvl="1" animBg="1" rev="0" advAuto="0" spid="137" grpId="8"/>
+      <p:bldP build="whole" bldLvl="1" animBg="1" rev="0" advAuto="0" spid="129" grpId="7"/>
+      <p:bldP build="whole" bldLvl="1" animBg="1" rev="0" advAuto="0" spid="128" grpId="9"/>
+      <p:bldP build="whole" bldLvl="1" animBg="1" rev="0" advAuto="0" spid="143" grpId="16"/>
       <p:bldP build="whole" bldLvl="1" animBg="1" rev="0" advAuto="0" spid="133" grpId="3"/>
-      <p:bldP build="whole" bldLvl="1" animBg="1" rev="0" advAuto="0" spid="131" grpId="11"/>
-      <p:bldP build="whole" bldLvl="1" animBg="1" rev="0" advAuto="0" spid="132" grpId="5"/>
+      <p:bldP build="whole" bldLvl="1" animBg="1" rev="0" advAuto="0" spid="138" grpId="10"/>
+      <p:bldP build="whole" bldLvl="1" animBg="1" rev="0" advAuto="0" spid="136" grpId="6"/>
+      <p:bldP build="whole" bldLvl="1" animBg="1" rev="0" advAuto="0" spid="140" grpId="15"/>
+      <p:bldP build="whole" bldLvl="1" animBg="1" rev="0" advAuto="0" spid="134" grpId="2"/>
+      <p:bldP build="whole" bldLvl="1" animBg="1" rev="0" advAuto="0" spid="139" grpId="12"/>
       <p:bldP build="whole" bldLvl="1" animBg="1" rev="0" advAuto="0" spid="141" grpId="13"/>
       <p:bldP build="whole" bldLvl="1" animBg="1" rev="0" advAuto="0" spid="135" grpId="4"/>
-      <p:bldP build="whole" bldLvl="1" animBg="1" rev="0" advAuto="0" spid="140" grpId="15"/>
-      <p:bldP build="whole" bldLvl="1" animBg="1" rev="0" advAuto="0" spid="128" grpId="9"/>
-      <p:bldP build="whole" bldLvl="1" animBg="1" rev="0" advAuto="0" spid="129" grpId="7"/>
-      <p:bldP build="whole" bldLvl="1" animBg="1" rev="0" advAuto="0" spid="137" grpId="8"/>
-      <p:bldP build="whole" bldLvl="1" animBg="1" rev="0" advAuto="0" spid="139" grpId="12"/>
-      <p:bldP build="whole" bldLvl="1" animBg="1" rev="0" advAuto="0" spid="136" grpId="6"/>
-      <p:bldP build="whole" bldLvl="1" animBg="1" rev="0" advAuto="0" spid="134" grpId="2"/>
-      <p:bldP build="whole" bldLvl="1" animBg="1" rev="0" advAuto="0" spid="138" grpId="10"/>
       <p:bldP build="whole" bldLvl="1" animBg="1" rev="0" advAuto="0" spid="142" grpId="14"/>
-      <p:bldP build="whole" bldLvl="1" animBg="1" rev="0" advAuto="0" spid="143" grpId="16"/>
+      <p:bldP build="whole" bldLvl="1" animBg="1" rev="0" advAuto="0" spid="132" grpId="5"/>
+      <p:bldP build="whole" bldLvl="1" animBg="1" rev="0" advAuto="0" spid="131" grpId="11"/>
+      <p:bldP build="whole" bldLvl="1" animBg="1" rev="0" advAuto="0" spid="130" grpId="1"/>
     </p:bldLst>
   </p:timing>
 </p:sld>
@@ -10146,8 +10146,8 @@
         </p:blipFill>
         <p:spPr>
           <a:xfrm>
-            <a:off x="7855660" y="1994243"/>
-            <a:ext cx="4588014" cy="4529850"/>
+            <a:off x="7576486" y="1834420"/>
+            <a:ext cx="3908251" cy="3858705"/>
           </a:xfrm>
           <a:prstGeom prst="rect">
             <a:avLst/>
@@ -10157,45 +10157,16 @@
           </a:ln>
         </p:spPr>
       </p:pic>
-      <p:pic>
-        <p:nvPicPr>
-          <p:cNvPr id="149" name="robot.png" descr="robot.png"/>
-          <p:cNvPicPr>
-            <a:picLocks noChangeAspect="1"/>
-          </p:cNvPicPr>
-          <p:nvPr/>
-        </p:nvPicPr>
-        <p:blipFill>
-          <a:blip r:embed="rId3">
-            <a:extLst/>
-          </a:blip>
-          <a:stretch>
-            <a:fillRect/>
-          </a:stretch>
-        </p:blipFill>
-        <p:spPr>
-          <a:xfrm>
-            <a:off x="949406" y="5999630"/>
-            <a:ext cx="3251201" cy="3251201"/>
-          </a:xfrm>
-          <a:prstGeom prst="rect">
-            <a:avLst/>
-          </a:prstGeom>
-          <a:ln w="12700">
-            <a:miter lim="400000"/>
-          </a:ln>
-        </p:spPr>
-      </p:pic>
       <p:sp>
         <p:nvSpPr>
-          <p:cNvPr id="150" name="Jouable à deux ou contre une IA"/>
+          <p:cNvPr id="149" name="Jouable à deux"/>
           <p:cNvSpPr txBox="1"/>
           <p:nvPr/>
         </p:nvSpPr>
         <p:spPr>
           <a:xfrm>
-            <a:off x="5257218" y="7494317"/>
-            <a:ext cx="10464801" cy="1961515"/>
+            <a:off x="5387982" y="7009757"/>
+            <a:ext cx="10464801" cy="1961514"/>
           </a:xfrm>
           <a:prstGeom prst="rect">
             <a:avLst/>
@@ -10224,11 +10195,40 @@
           <a:p>
             <a:pPr/>
             <a:r>
-              <a:t>Jouable à deux ou contre une IA</a:t>
+              <a:t>Jouable à deux</a:t>
             </a:r>
           </a:p>
         </p:txBody>
       </p:sp>
+      <p:pic>
+        <p:nvPicPr>
+          <p:cNvPr id="150" name="computer game.png" descr="computer game.png"/>
+          <p:cNvPicPr>
+            <a:picLocks noChangeAspect="1"/>
+          </p:cNvPicPr>
+          <p:nvPr/>
+        </p:nvPicPr>
+        <p:blipFill>
+          <a:blip r:embed="rId3">
+            <a:extLst/>
+          </a:blip>
+          <a:stretch>
+            <a:fillRect/>
+          </a:stretch>
+        </p:blipFill>
+        <p:spPr>
+          <a:xfrm>
+            <a:off x="1012149" y="5906873"/>
+            <a:ext cx="3528768" cy="3528768"/>
+          </a:xfrm>
+          <a:prstGeom prst="rect">
+            <a:avLst/>
+          </a:prstGeom>
+          <a:ln w="12700">
+            <a:miter lim="400000"/>
+          </a:ln>
+        </p:spPr>
+      </p:pic>
     </p:spTree>
   </p:cSld>
   <p:clrMapOvr>
@@ -10313,46 +10313,7 @@
       </p:sp>
       <p:sp>
         <p:nvSpPr>
-          <p:cNvPr id="153" name="Rectangle"/>
-          <p:cNvSpPr/>
-          <p:nvPr/>
-        </p:nvSpPr>
-        <p:spPr>
-          <a:xfrm>
-            <a:off x="8156122" y="5999630"/>
-            <a:ext cx="3793739" cy="3171762"/>
-          </a:xfrm>
-          <a:prstGeom prst="rect">
-            <a:avLst/>
-          </a:prstGeom>
-          <a:solidFill>
-            <a:schemeClr val="accent1"/>
-          </a:solidFill>
-          <a:ln w="12700">
-            <a:miter lim="400000"/>
-          </a:ln>
-        </p:spPr>
-        <p:txBody>
-          <a:bodyPr lIns="50800" tIns="50800" rIns="50800" bIns="50800" anchor="ctr"/>
-          <a:lstStyle/>
-          <a:p>
-            <a:pPr>
-              <a:defRPr b="0" sz="2200">
-                <a:solidFill>
-                  <a:srgbClr val="FFFFFF"/>
-                </a:solidFill>
-                <a:latin typeface="+mn-lt"/>
-                <a:ea typeface="+mn-ea"/>
-                <a:cs typeface="+mn-cs"/>
-                <a:sym typeface="Helvetica Neue Medium"/>
-              </a:defRPr>
-            </a:pPr>
-          </a:p>
-        </p:txBody>
-      </p:sp>
-      <p:sp>
-        <p:nvSpPr>
-          <p:cNvPr id="154" name="Jouer dans un terminal"/>
+          <p:cNvPr id="153" name="Jouer dans un terminal"/>
           <p:cNvSpPr txBox="1"/>
           <p:nvPr/>
         </p:nvSpPr>
@@ -10395,7 +10356,7 @@
       </p:sp>
       <p:sp>
         <p:nvSpPr>
-          <p:cNvPr id="155" name="Jouer avec une interface"/>
+          <p:cNvPr id="154" name="Jouer avec une interface"/>
           <p:cNvSpPr txBox="1"/>
           <p:nvPr/>
         </p:nvSpPr>
@@ -10438,7 +10399,7 @@
       </p:sp>
       <p:sp>
         <p:nvSpPr>
-          <p:cNvPr id="156" name="Numéro de diapositive"/>
+          <p:cNvPr id="155" name="Numéro de diapositive"/>
           <p:cNvSpPr txBox="1"/>
           <p:nvPr>
             <p:ph type="sldNum" sz="quarter" idx="2"/>
@@ -10476,7 +10437,7 @@
       </p:sp>
       <p:pic>
         <p:nvPicPr>
-          <p:cNvPr id="157" name="king.png" descr="king.png"/>
+          <p:cNvPr id="156" name="king.png" descr="king.png"/>
           <p:cNvPicPr>
             <a:picLocks noChangeAspect="1"/>
           </p:cNvPicPr>
@@ -10505,7 +10466,7 @@
       </p:pic>
       <p:pic>
         <p:nvPicPr>
-          <p:cNvPr id="158" name="knight.png" descr="knight.png"/>
+          <p:cNvPr id="157" name="knight.png" descr="knight.png"/>
           <p:cNvPicPr>
             <a:picLocks noChangeAspect="1"/>
           </p:cNvPicPr>
@@ -10534,7 +10495,7 @@
       </p:pic>
       <p:pic>
         <p:nvPicPr>
-          <p:cNvPr id="159" name="rook.png" descr="rook.png"/>
+          <p:cNvPr id="158" name="rook.png" descr="rook.png"/>
           <p:cNvPicPr>
             <a:picLocks noChangeAspect="1"/>
           </p:cNvPicPr>
@@ -10563,7 +10524,7 @@
       </p:pic>
       <p:sp>
         <p:nvSpPr>
-          <p:cNvPr id="160" name="Déplacer toutes les pièces"/>
+          <p:cNvPr id="159" name="Déplacer toutes les pièces"/>
           <p:cNvSpPr txBox="1"/>
           <p:nvPr/>
         </p:nvSpPr>
@@ -10606,7 +10567,7 @@
       </p:sp>
       <p:sp>
         <p:nvSpPr>
-          <p:cNvPr id="161" name="Contrôler les mouvements"/>
+          <p:cNvPr id="160" name="Contrôler les mouvements"/>
           <p:cNvSpPr txBox="1"/>
           <p:nvPr/>
         </p:nvSpPr>
@@ -10649,7 +10610,7 @@
       </p:sp>
       <p:sp>
         <p:nvSpPr>
-          <p:cNvPr id="162" name="Gérer les coups spéciaux"/>
+          <p:cNvPr id="161" name="Gérer les coups spéciaux"/>
           <p:cNvSpPr txBox="1"/>
           <p:nvPr/>
         </p:nvSpPr>
@@ -10692,7 +10653,7 @@
       </p:sp>
       <p:pic>
         <p:nvPicPr>
-          <p:cNvPr id="163" name="Capture d’écran 2018-06-09 à 16.24.45.png" descr="Capture d’écran 2018-06-09 à 16.24.45.png"/>
+          <p:cNvPr id="162" name="Capture d’écran 2018-06-09 à 16.24.45.png" descr="Capture d’écran 2018-06-09 à 16.24.45.png"/>
           <p:cNvPicPr>
             <a:picLocks noChangeAspect="1"/>
           </p:cNvPicPr>
@@ -10708,8 +10669,38 @@
         </p:blipFill>
         <p:spPr>
           <a:xfrm>
-            <a:off x="1488093" y="6014182"/>
-            <a:ext cx="3622640" cy="2865005"/>
+            <a:off x="2620980" y="1735243"/>
+            <a:ext cx="8183165" cy="6471748"/>
+          </a:xfrm>
+          <a:prstGeom prst="rect">
+            <a:avLst/>
+          </a:prstGeom>
+          <a:ln w="12700">
+            <a:miter lim="400000"/>
+          </a:ln>
+        </p:spPr>
+      </p:pic>
+      <p:pic>
+        <p:nvPicPr>
+          <p:cNvPr id="163" name="Capture d’écran 2018-06-10 à 17.35.34.png" descr="Capture d’écran 2018-06-10 à 17.35.34.png"/>
+          <p:cNvPicPr>
+            <a:picLocks noChangeAspect="1"/>
+          </p:cNvPicPr>
+          <p:nvPr/>
+        </p:nvPicPr>
+        <p:blipFill>
+          <a:blip r:embed="rId6">
+            <a:extLst/>
+          </a:blip>
+          <a:srcRect l="0" t="4894" r="30701" b="9889"/>
+          <a:stretch>
+            <a:fillRect/>
+          </a:stretch>
+        </p:blipFill>
+        <p:spPr>
+          <a:xfrm>
+            <a:off x="2575820" y="1618310"/>
+            <a:ext cx="8724975" cy="6705620"/>
           </a:xfrm>
           <a:prstGeom prst="rect">
             <a:avLst/>
@@ -10757,19 +10748,71 @@
                             </p:stCondLst>
                             <p:childTnLst>
                               <p:par>
-                                <p:cTn id="5" presetClass="emph" nodeType="clickEffect" presetSubtype="0" presetID="6" grpId="1" accel="50000" decel="50000" fill="hold">
+                                <p:cTn id="5" presetClass="entr" nodeType="clickEffect" presetID="9" grpId="1" fill="hold">
+                                  <p:stCondLst>
+                                    <p:cond delay="0"/>
+                                  </p:stCondLst>
+                                  <p:iterate type="el" backwards="0">
+                                    <p:tmAbs val="0"/>
+                                  </p:iterate>
+                                  <p:childTnLst>
+                                    <p:set>
+                                      <p:cBhvr>
+                                        <p:cTn id="6" fill="hold"/>
+                                        <p:tgtEl>
+                                          <p:spTgt spid="162"/>
+                                        </p:tgtEl>
+                                        <p:attrNameLst>
+                                          <p:attrName>style.visibility</p:attrName>
+                                        </p:attrNameLst>
+                                      </p:cBhvr>
+                                      <p:to>
+                                        <p:strVal val="visible"/>
+                                      </p:to>
+                                    </p:set>
+                                    <p:animEffect filter="dissolve" transition="in">
+                                      <p:cBhvr>
+                                        <p:cTn id="7" dur="500"/>
+                                        <p:tgtEl>
+                                          <p:spTgt spid="162"/>
+                                        </p:tgtEl>
+                                      </p:cBhvr>
+                                    </p:animEffect>
+                                  </p:childTnLst>
+                                </p:cTn>
+                              </p:par>
+                            </p:childTnLst>
+                          </p:cTn>
+                        </p:par>
+                      </p:childTnLst>
+                    </p:cTn>
+                  </p:par>
+                  <p:par>
+                    <p:cTn id="8" fill="hold">
+                      <p:stCondLst>
+                        <p:cond delay="indefinite"/>
+                      </p:stCondLst>
+                      <p:childTnLst>
+                        <p:par>
+                          <p:cTn id="9" fill="hold">
+                            <p:stCondLst>
+                              <p:cond delay="0"/>
+                            </p:stCondLst>
+                            <p:childTnLst>
+                              <p:par>
+                                <p:cTn id="10" presetClass="emph" nodeType="clickEffect" presetSubtype="0" presetID="6" grpId="2" accel="50000" decel="50000" fill="hold">
                                   <p:stCondLst>
                                     <p:cond delay="0"/>
                                   </p:stCondLst>
                                   <p:childTnLst>
                                     <p:animScale>
                                       <p:cBhvr>
-                                        <p:cTn id="6" dur="1500" fill="hold"/>
-                                        <p:tgtEl>
-                                          <p:spTgt spid="163"/>
-                                        </p:tgtEl>
-                                      </p:cBhvr>
-                                      <p:by x="276868" y="276868"/>
+                                        <p:cTn id="11" dur="1000" fill="hold"/>
+                                        <p:tgtEl>
+                                          <p:spTgt spid="162"/>
+                                        </p:tgtEl>
+                                      </p:cBhvr>
+                                      <p:by x="47999" y="47999"/>
                                     </p:animScale>
                                   </p:childTnLst>
                                 </p:cTn>
@@ -10778,22 +10821,22 @@
                           </p:cTn>
                         </p:par>
                         <p:par>
-                          <p:cTn id="7" fill="hold">
+                          <p:cTn id="12" fill="hold">
                             <p:stCondLst>
                               <p:cond delay="0"/>
                             </p:stCondLst>
                             <p:childTnLst>
                               <p:par>
-                                <p:cTn id="8" presetClass="path" nodeType="withEffect" presetSubtype="0" presetID="-1" grpId="2" accel="50000" decel="50000" fill="hold">
+                                <p:cTn id="13" presetClass="path" nodeType="withEffect" presetSubtype="0" presetID="-1" grpId="3" accel="50000" decel="50000" fill="hold">
                                   <p:stCondLst>
                                     <p:cond delay="0"/>
                                   </p:stCondLst>
                                   <p:childTnLst>
-                                    <p:animMotion path="M 0.000000 0.000000 L 0.246293 -0.232137" origin="layout" pathEditMode="relative">
-                                      <p:cBhvr>
-                                        <p:cTn id="9" dur="1000" fill="hold"/>
-                                        <p:tgtEl>
-                                          <p:spTgt spid="163"/>
+                                    <p:animMotion path="M 0.000000 0.000000 L -0.246933 0.253811" origin="layout" pathEditMode="relative">
+                                      <p:cBhvr>
+                                        <p:cTn id="14" dur="1000" fill="hold"/>
+                                        <p:tgtEl>
+                                          <p:spTgt spid="162"/>
                                         </p:tgtEl>
                                         <p:attrNameLst>
                                           <p:attrName>ppt_x</p:attrName>
@@ -10811,31 +10854,83 @@
                     </p:cTn>
                   </p:par>
                   <p:par>
-                    <p:cTn id="10" fill="hold">
+                    <p:cTn id="15" fill="hold">
                       <p:stCondLst>
                         <p:cond delay="indefinite"/>
                       </p:stCondLst>
                       <p:childTnLst>
                         <p:par>
-                          <p:cTn id="11" fill="hold">
+                          <p:cTn id="16" fill="hold">
                             <p:stCondLst>
                               <p:cond delay="0"/>
                             </p:stCondLst>
                             <p:childTnLst>
                               <p:par>
-                                <p:cTn id="12" presetClass="emph" nodeType="clickEffect" presetSubtype="0" presetID="6" grpId="3" accel="50000" decel="50000" fill="hold">
+                                <p:cTn id="17" presetClass="entr" nodeType="clickEffect" presetID="9" grpId="4" fill="hold">
+                                  <p:stCondLst>
+                                    <p:cond delay="0"/>
+                                  </p:stCondLst>
+                                  <p:iterate type="el" backwards="0">
+                                    <p:tmAbs val="0"/>
+                                  </p:iterate>
+                                  <p:childTnLst>
+                                    <p:set>
+                                      <p:cBhvr>
+                                        <p:cTn id="18" fill="hold"/>
+                                        <p:tgtEl>
+                                          <p:spTgt spid="163"/>
+                                        </p:tgtEl>
+                                        <p:attrNameLst>
+                                          <p:attrName>style.visibility</p:attrName>
+                                        </p:attrNameLst>
+                                      </p:cBhvr>
+                                      <p:to>
+                                        <p:strVal val="visible"/>
+                                      </p:to>
+                                    </p:set>
+                                    <p:animEffect filter="dissolve" transition="in">
+                                      <p:cBhvr>
+                                        <p:cTn id="19" dur="499"/>
+                                        <p:tgtEl>
+                                          <p:spTgt spid="163"/>
+                                        </p:tgtEl>
+                                      </p:cBhvr>
+                                    </p:animEffect>
+                                  </p:childTnLst>
+                                </p:cTn>
+                              </p:par>
+                            </p:childTnLst>
+                          </p:cTn>
+                        </p:par>
+                      </p:childTnLst>
+                    </p:cTn>
+                  </p:par>
+                  <p:par>
+                    <p:cTn id="20" fill="hold">
+                      <p:stCondLst>
+                        <p:cond delay="indefinite"/>
+                      </p:stCondLst>
+                      <p:childTnLst>
+                        <p:par>
+                          <p:cTn id="21" fill="hold">
+                            <p:stCondLst>
+                              <p:cond delay="0"/>
+                            </p:stCondLst>
+                            <p:childTnLst>
+                              <p:par>
+                                <p:cTn id="22" presetClass="emph" nodeType="clickEffect" presetSubtype="0" presetID="6" grpId="5" accel="50000" decel="50000" fill="hold">
                                   <p:stCondLst>
                                     <p:cond delay="0"/>
                                   </p:stCondLst>
                                   <p:childTnLst>
                                     <p:animScale>
                                       <p:cBhvr>
-                                        <p:cTn id="13" dur="1000" fill="hold"/>
+                                        <p:cTn id="23" dur="1000" fill="hold"/>
                                         <p:tgtEl>
                                           <p:spTgt spid="163"/>
                                         </p:tgtEl>
                                       </p:cBhvr>
-                                      <p:by x="36551" y="36551"/>
+                                      <p:by x="44999" y="44999"/>
                                     </p:animScale>
                                   </p:childTnLst>
                                 </p:cTn>
@@ -10844,20 +10939,20 @@
                           </p:cTn>
                         </p:par>
                         <p:par>
-                          <p:cTn id="14" fill="hold">
+                          <p:cTn id="24" fill="hold">
                             <p:stCondLst>
                               <p:cond delay="0"/>
                             </p:stCondLst>
                             <p:childTnLst>
                               <p:par>
-                                <p:cTn id="15" presetClass="path" nodeType="withEffect" presetSubtype="0" presetID="-1" grpId="4" accel="50000" decel="50000" fill="hold">
+                                <p:cTn id="25" presetClass="path" nodeType="withEffect" presetSubtype="0" presetID="-1" grpId="6" accel="50000" decel="50000" fill="hold">
                                   <p:stCondLst>
                                     <p:cond delay="0"/>
                                   </p:stCondLst>
                                   <p:childTnLst>
-                                    <p:animMotion path="M 0.246293 -0.232137 L 0.000000 0.000000" origin="layout" pathEditMode="relative">
-                                      <p:cBhvr>
-                                        <p:cTn id="16" dur="1000" fill="hold"/>
+                                    <p:animMotion path="M 0.000000 0.000000 L 0.239503 0.260051" origin="layout" pathEditMode="relative">
+                                      <p:cBhvr>
+                                        <p:cTn id="26" dur="1000" fill="hold"/>
                                         <p:tgtEl>
                                           <p:spTgt spid="163"/>
                                         </p:tgtEl>
@@ -10898,8 +10993,10 @@
       </p:par>
     </p:tnLst>
     <p:bldLst>
-      <p:bldP build="whole" bldLvl="1" animBg="1" rev="0" advAuto="0" spid="163" grpId="1"/>
-      <p:bldP build="whole" bldLvl="1" animBg="1" rev="0" advAuto="0" spid="163" grpId="3"/>
+      <p:bldP build="whole" bldLvl="1" animBg="1" rev="0" advAuto="0" spid="163" grpId="4"/>
+      <p:bldP build="whole" bldLvl="1" animBg="1" rev="0" advAuto="0" spid="163" grpId="5"/>
+      <p:bldP build="whole" bldLvl="1" animBg="1" rev="0" advAuto="0" spid="162" grpId="1"/>
+      <p:bldP build="whole" bldLvl="1" animBg="1" rev="0" advAuto="0" spid="162" grpId="2"/>
     </p:bldLst>
   </p:timing>
 </p:sld>
@@ -12036,7 +12133,7 @@
       </p:sp>
       <p:pic>
         <p:nvPicPr>
-          <p:cNvPr id="194" name="UML.png" descr="UML.png"/>
+          <p:cNvPr id="194" name="UML_P1.png" descr="UML_P1.png"/>
           <p:cNvPicPr>
             <a:picLocks noChangeAspect="1"/>
           </p:cNvPicPr>
@@ -12052,8 +12149,95 @@
         </p:blipFill>
         <p:spPr>
           <a:xfrm>
-            <a:off x="-53124" y="1981507"/>
-            <a:ext cx="13111048" cy="6437335"/>
+            <a:off x="0" y="2133982"/>
+            <a:ext cx="13004800" cy="5485636"/>
+          </a:xfrm>
+          <a:prstGeom prst="rect">
+            <a:avLst/>
+          </a:prstGeom>
+          <a:ln w="12700">
+            <a:miter lim="400000"/>
+          </a:ln>
+        </p:spPr>
+      </p:pic>
+      <p:pic>
+        <p:nvPicPr>
+          <p:cNvPr id="195" name="UML_P2.png" descr="UML_P2.png"/>
+          <p:cNvPicPr>
+            <a:picLocks noChangeAspect="1"/>
+          </p:cNvPicPr>
+          <p:nvPr/>
+        </p:nvPicPr>
+        <p:blipFill>
+          <a:blip r:embed="rId3">
+            <a:extLst/>
+          </a:blip>
+          <a:stretch>
+            <a:fillRect/>
+          </a:stretch>
+        </p:blipFill>
+        <p:spPr>
+          <a:xfrm>
+            <a:off x="2866082" y="-1"/>
+            <a:ext cx="7272636" cy="9753601"/>
+          </a:xfrm>
+          <a:prstGeom prst="rect">
+            <a:avLst/>
+          </a:prstGeom>
+          <a:ln w="12700">
+            <a:miter lim="400000"/>
+          </a:ln>
+        </p:spPr>
+      </p:pic>
+      <p:pic>
+        <p:nvPicPr>
+          <p:cNvPr id="196" name="UML_P3.png" descr="UML_P3.png"/>
+          <p:cNvPicPr>
+            <a:picLocks noChangeAspect="1"/>
+          </p:cNvPicPr>
+          <p:nvPr/>
+        </p:nvPicPr>
+        <p:blipFill>
+          <a:blip r:embed="rId4">
+            <a:extLst/>
+          </a:blip>
+          <a:stretch>
+            <a:fillRect/>
+          </a:stretch>
+        </p:blipFill>
+        <p:spPr>
+          <a:xfrm>
+            <a:off x="2613287" y="-1"/>
+            <a:ext cx="8264695" cy="9753601"/>
+          </a:xfrm>
+          <a:prstGeom prst="rect">
+            <a:avLst/>
+          </a:prstGeom>
+          <a:ln w="12700">
+            <a:miter lim="400000"/>
+          </a:ln>
+        </p:spPr>
+      </p:pic>
+      <p:pic>
+        <p:nvPicPr>
+          <p:cNvPr id="197" name="UML_P4.png" descr="UML_P4.png"/>
+          <p:cNvPicPr>
+            <a:picLocks noChangeAspect="1"/>
+          </p:cNvPicPr>
+          <p:nvPr/>
+        </p:nvPicPr>
+        <p:blipFill>
+          <a:blip r:embed="rId5">
+            <a:extLst/>
+          </a:blip>
+          <a:stretch>
+            <a:fillRect/>
+          </a:stretch>
+        </p:blipFill>
+        <p:spPr>
+          <a:xfrm>
+            <a:off x="3244850" y="882650"/>
+            <a:ext cx="6769100" cy="8242300"/>
           </a:xfrm>
           <a:prstGeom prst="rect">
             <a:avLst/>
@@ -12101,20 +12285,429 @@
                             </p:stCondLst>
                             <p:childTnLst>
                               <p:par>
-                                <p:cTn id="5" presetClass="emph" nodeType="clickEffect" presetSubtype="0" presetID="6" grpId="1" accel="50000" decel="50000" fill="hold">
+                                <p:cTn id="5" presetClass="entr" nodeType="clickEffect" presetID="9" grpId="1" fill="hold">
+                                  <p:stCondLst>
+                                    <p:cond delay="0"/>
+                                  </p:stCondLst>
+                                  <p:iterate type="el" backwards="0">
+                                    <p:tmAbs val="0"/>
+                                  </p:iterate>
+                                  <p:childTnLst>
+                                    <p:set>
+                                      <p:cBhvr>
+                                        <p:cTn id="6" fill="hold"/>
+                                        <p:tgtEl>
+                                          <p:spTgt spid="194"/>
+                                        </p:tgtEl>
+                                        <p:attrNameLst>
+                                          <p:attrName>style.visibility</p:attrName>
+                                        </p:attrNameLst>
+                                      </p:cBhvr>
+                                      <p:to>
+                                        <p:strVal val="visible"/>
+                                      </p:to>
+                                    </p:set>
+                                    <p:animEffect filter="dissolve" transition="in">
+                                      <p:cBhvr>
+                                        <p:cTn id="7" dur="799"/>
+                                        <p:tgtEl>
+                                          <p:spTgt spid="194"/>
+                                        </p:tgtEl>
+                                      </p:cBhvr>
+                                    </p:animEffect>
+                                  </p:childTnLst>
+                                </p:cTn>
+                              </p:par>
+                            </p:childTnLst>
+                          </p:cTn>
+                        </p:par>
+                      </p:childTnLst>
+                    </p:cTn>
+                  </p:par>
+                  <p:par>
+                    <p:cTn id="8" fill="hold">
+                      <p:stCondLst>
+                        <p:cond delay="indefinite"/>
+                      </p:stCondLst>
+                      <p:childTnLst>
+                        <p:par>
+                          <p:cTn id="9" fill="hold">
+                            <p:stCondLst>
+                              <p:cond delay="0"/>
+                            </p:stCondLst>
+                            <p:childTnLst>
+                              <p:par>
+                                <p:cTn id="10" presetClass="emph" nodeType="clickEffect" presetSubtype="0" presetID="6" grpId="2" accel="50000" decel="50000" fill="hold">
                                   <p:stCondLst>
                                     <p:cond delay="0"/>
                                   </p:stCondLst>
                                   <p:childTnLst>
                                     <p:animScale>
                                       <p:cBhvr>
-                                        <p:cTn id="6" dur="1000" fill="hold"/>
+                                        <p:cTn id="11" dur="1000" fill="hold"/>
                                         <p:tgtEl>
                                           <p:spTgt spid="194"/>
                                         </p:tgtEl>
                                       </p:cBhvr>
-                                      <p:by x="150000" y="150000"/>
+                                      <p:by x="20000" y="20000"/>
                                     </p:animScale>
+                                  </p:childTnLst>
+                                </p:cTn>
+                              </p:par>
+                            </p:childTnLst>
+                          </p:cTn>
+                        </p:par>
+                        <p:par>
+                          <p:cTn id="12" fill="hold">
+                            <p:stCondLst>
+                              <p:cond delay="0"/>
+                            </p:stCondLst>
+                            <p:childTnLst>
+                              <p:par>
+                                <p:cTn id="13" presetClass="path" nodeType="withEffect" presetSubtype="0" presetID="-1" grpId="3" accel="50000" decel="50000" fill="hold">
+                                  <p:stCondLst>
+                                    <p:cond delay="0"/>
+                                  </p:stCondLst>
+                                  <p:childTnLst>
+                                    <p:animMotion path="M 0.000000 0.000000 L -0.362395 0.377694" origin="layout" pathEditMode="relative">
+                                      <p:cBhvr>
+                                        <p:cTn id="14" dur="1000" fill="hold"/>
+                                        <p:tgtEl>
+                                          <p:spTgt spid="194"/>
+                                        </p:tgtEl>
+                                        <p:attrNameLst>
+                                          <p:attrName>ppt_x</p:attrName>
+                                          <p:attrName>ppt_y</p:attrName>
+                                        </p:attrNameLst>
+                                      </p:cBhvr>
+                                    </p:animMotion>
+                                  </p:childTnLst>
+                                </p:cTn>
+                              </p:par>
+                            </p:childTnLst>
+                          </p:cTn>
+                        </p:par>
+                        <p:par>
+                          <p:cTn id="15" fill="hold">
+                            <p:stCondLst>
+                              <p:cond delay="1000"/>
+                            </p:stCondLst>
+                            <p:childTnLst>
+                              <p:par>
+                                <p:cTn id="16" presetClass="entr" nodeType="afterEffect" presetID="9" grpId="4" fill="hold">
+                                  <p:stCondLst>
+                                    <p:cond delay="0"/>
+                                  </p:stCondLst>
+                                  <p:iterate type="el" backwards="0">
+                                    <p:tmAbs val="0"/>
+                                  </p:iterate>
+                                  <p:childTnLst>
+                                    <p:set>
+                                      <p:cBhvr>
+                                        <p:cTn id="17" fill="hold"/>
+                                        <p:tgtEl>
+                                          <p:spTgt spid="195"/>
+                                        </p:tgtEl>
+                                        <p:attrNameLst>
+                                          <p:attrName>style.visibility</p:attrName>
+                                        </p:attrNameLst>
+                                      </p:cBhvr>
+                                      <p:to>
+                                        <p:strVal val="visible"/>
+                                      </p:to>
+                                    </p:set>
+                                    <p:animEffect filter="dissolve" transition="in">
+                                      <p:cBhvr>
+                                        <p:cTn id="18" dur="799"/>
+                                        <p:tgtEl>
+                                          <p:spTgt spid="195"/>
+                                        </p:tgtEl>
+                                      </p:cBhvr>
+                                    </p:animEffect>
+                                  </p:childTnLst>
+                                </p:cTn>
+                              </p:par>
+                            </p:childTnLst>
+                          </p:cTn>
+                        </p:par>
+                      </p:childTnLst>
+                    </p:cTn>
+                  </p:par>
+                  <p:par>
+                    <p:cTn id="19" fill="hold">
+                      <p:stCondLst>
+                        <p:cond delay="indefinite"/>
+                      </p:stCondLst>
+                      <p:childTnLst>
+                        <p:par>
+                          <p:cTn id="20" fill="hold">
+                            <p:stCondLst>
+                              <p:cond delay="0"/>
+                            </p:stCondLst>
+                            <p:childTnLst>
+                              <p:par>
+                                <p:cTn id="21" presetClass="emph" nodeType="clickEffect" presetSubtype="0" presetID="6" grpId="5" accel="50000" decel="50000" fill="hold">
+                                  <p:stCondLst>
+                                    <p:cond delay="0"/>
+                                  </p:stCondLst>
+                                  <p:childTnLst>
+                                    <p:animScale>
+                                      <p:cBhvr>
+                                        <p:cTn id="22" dur="1000" fill="hold"/>
+                                        <p:tgtEl>
+                                          <p:spTgt spid="195"/>
+                                        </p:tgtEl>
+                                      </p:cBhvr>
+                                      <p:by x="20000" y="20000"/>
+                                    </p:animScale>
+                                  </p:childTnLst>
+                                </p:cTn>
+                              </p:par>
+                            </p:childTnLst>
+                          </p:cTn>
+                        </p:par>
+                        <p:par>
+                          <p:cTn id="23" fill="hold">
+                            <p:stCondLst>
+                              <p:cond delay="0"/>
+                            </p:stCondLst>
+                            <p:childTnLst>
+                              <p:par>
+                                <p:cTn id="24" presetClass="path" nodeType="withEffect" presetSubtype="0" presetID="-1" grpId="6" accel="50000" decel="50000" fill="hold">
+                                  <p:stCondLst>
+                                    <p:cond delay="0"/>
+                                  </p:stCondLst>
+                                  <p:childTnLst>
+                                    <p:animMotion path="M 0.000000 0.000000 L -0.149466 0.375926" origin="layout" pathEditMode="relative">
+                                      <p:cBhvr>
+                                        <p:cTn id="25" dur="1000" fill="hold"/>
+                                        <p:tgtEl>
+                                          <p:spTgt spid="195"/>
+                                        </p:tgtEl>
+                                        <p:attrNameLst>
+                                          <p:attrName>ppt_x</p:attrName>
+                                          <p:attrName>ppt_y</p:attrName>
+                                        </p:attrNameLst>
+                                      </p:cBhvr>
+                                    </p:animMotion>
+                                  </p:childTnLst>
+                                </p:cTn>
+                              </p:par>
+                            </p:childTnLst>
+                          </p:cTn>
+                        </p:par>
+                        <p:par>
+                          <p:cTn id="26" fill="hold">
+                            <p:stCondLst>
+                              <p:cond delay="1000"/>
+                            </p:stCondLst>
+                            <p:childTnLst>
+                              <p:par>
+                                <p:cTn id="27" presetClass="entr" nodeType="afterEffect" presetID="9" grpId="7" fill="hold">
+                                  <p:stCondLst>
+                                    <p:cond delay="0"/>
+                                  </p:stCondLst>
+                                  <p:iterate type="el" backwards="0">
+                                    <p:tmAbs val="0"/>
+                                  </p:iterate>
+                                  <p:childTnLst>
+                                    <p:set>
+                                      <p:cBhvr>
+                                        <p:cTn id="28" fill="hold"/>
+                                        <p:tgtEl>
+                                          <p:spTgt spid="196"/>
+                                        </p:tgtEl>
+                                        <p:attrNameLst>
+                                          <p:attrName>style.visibility</p:attrName>
+                                        </p:attrNameLst>
+                                      </p:cBhvr>
+                                      <p:to>
+                                        <p:strVal val="visible"/>
+                                      </p:to>
+                                    </p:set>
+                                    <p:animEffect filter="dissolve" transition="in">
+                                      <p:cBhvr>
+                                        <p:cTn id="29" dur="799"/>
+                                        <p:tgtEl>
+                                          <p:spTgt spid="196"/>
+                                        </p:tgtEl>
+                                      </p:cBhvr>
+                                    </p:animEffect>
+                                  </p:childTnLst>
+                                </p:cTn>
+                              </p:par>
+                            </p:childTnLst>
+                          </p:cTn>
+                        </p:par>
+                      </p:childTnLst>
+                    </p:cTn>
+                  </p:par>
+                  <p:par>
+                    <p:cTn id="30" fill="hold">
+                      <p:stCondLst>
+                        <p:cond delay="indefinite"/>
+                      </p:stCondLst>
+                      <p:childTnLst>
+                        <p:par>
+                          <p:cTn id="31" fill="hold">
+                            <p:stCondLst>
+                              <p:cond delay="0"/>
+                            </p:stCondLst>
+                            <p:childTnLst>
+                              <p:par>
+                                <p:cTn id="32" presetClass="emph" nodeType="clickEffect" presetSubtype="0" presetID="6" grpId="8" accel="50000" decel="50000" fill="hold">
+                                  <p:stCondLst>
+                                    <p:cond delay="0"/>
+                                  </p:stCondLst>
+                                  <p:childTnLst>
+                                    <p:animScale>
+                                      <p:cBhvr>
+                                        <p:cTn id="33" dur="1000" fill="hold"/>
+                                        <p:tgtEl>
+                                          <p:spTgt spid="196"/>
+                                        </p:tgtEl>
+                                      </p:cBhvr>
+                                      <p:by x="20000" y="20000"/>
+                                    </p:animScale>
+                                  </p:childTnLst>
+                                </p:cTn>
+                              </p:par>
+                            </p:childTnLst>
+                          </p:cTn>
+                        </p:par>
+                        <p:par>
+                          <p:cTn id="34" fill="hold">
+                            <p:stCondLst>
+                              <p:cond delay="0"/>
+                            </p:stCondLst>
+                            <p:childTnLst>
+                              <p:par>
+                                <p:cTn id="35" presetClass="path" nodeType="withEffect" presetSubtype="0" presetID="-1" grpId="9" accel="50000" decel="50000" fill="hold">
+                                  <p:stCondLst>
+                                    <p:cond delay="0"/>
+                                  </p:stCondLst>
+                                  <p:childTnLst>
+                                    <p:animMotion path="M 0.000000 0.000000 L 0.110606 0.372410" origin="layout" pathEditMode="relative">
+                                      <p:cBhvr>
+                                        <p:cTn id="36" dur="1000" fill="hold"/>
+                                        <p:tgtEl>
+                                          <p:spTgt spid="196"/>
+                                        </p:tgtEl>
+                                        <p:attrNameLst>
+                                          <p:attrName>ppt_x</p:attrName>
+                                          <p:attrName>ppt_y</p:attrName>
+                                        </p:attrNameLst>
+                                      </p:cBhvr>
+                                    </p:animMotion>
+                                  </p:childTnLst>
+                                </p:cTn>
+                              </p:par>
+                            </p:childTnLst>
+                          </p:cTn>
+                        </p:par>
+                        <p:par>
+                          <p:cTn id="37" fill="hold">
+                            <p:stCondLst>
+                              <p:cond delay="1000"/>
+                            </p:stCondLst>
+                            <p:childTnLst>
+                              <p:par>
+                                <p:cTn id="38" presetClass="entr" nodeType="afterEffect" presetID="9" grpId="10" fill="hold">
+                                  <p:stCondLst>
+                                    <p:cond delay="0"/>
+                                  </p:stCondLst>
+                                  <p:iterate type="el" backwards="0">
+                                    <p:tmAbs val="0"/>
+                                  </p:iterate>
+                                  <p:childTnLst>
+                                    <p:set>
+                                      <p:cBhvr>
+                                        <p:cTn id="39" fill="hold"/>
+                                        <p:tgtEl>
+                                          <p:spTgt spid="197"/>
+                                        </p:tgtEl>
+                                        <p:attrNameLst>
+                                          <p:attrName>style.visibility</p:attrName>
+                                        </p:attrNameLst>
+                                      </p:cBhvr>
+                                      <p:to>
+                                        <p:strVal val="visible"/>
+                                      </p:to>
+                                    </p:set>
+                                    <p:animEffect filter="dissolve" transition="in">
+                                      <p:cBhvr>
+                                        <p:cTn id="40" dur="800"/>
+                                        <p:tgtEl>
+                                          <p:spTgt spid="197"/>
+                                        </p:tgtEl>
+                                      </p:cBhvr>
+                                    </p:animEffect>
+                                  </p:childTnLst>
+                                </p:cTn>
+                              </p:par>
+                            </p:childTnLst>
+                          </p:cTn>
+                        </p:par>
+                      </p:childTnLst>
+                    </p:cTn>
+                  </p:par>
+                  <p:par>
+                    <p:cTn id="41" fill="hold">
+                      <p:stCondLst>
+                        <p:cond delay="indefinite"/>
+                      </p:stCondLst>
+                      <p:childTnLst>
+                        <p:par>
+                          <p:cTn id="42" fill="hold">
+                            <p:stCondLst>
+                              <p:cond delay="0"/>
+                            </p:stCondLst>
+                            <p:childTnLst>
+                              <p:par>
+                                <p:cTn id="43" presetClass="emph" nodeType="clickEffect" presetSubtype="0" presetID="6" grpId="11" accel="50000" decel="50000" fill="hold">
+                                  <p:stCondLst>
+                                    <p:cond delay="0"/>
+                                  </p:stCondLst>
+                                  <p:childTnLst>
+                                    <p:animScale>
+                                      <p:cBhvr>
+                                        <p:cTn id="44" dur="1000" fill="hold"/>
+                                        <p:tgtEl>
+                                          <p:spTgt spid="197"/>
+                                        </p:tgtEl>
+                                      </p:cBhvr>
+                                      <p:by x="20000" y="20000"/>
+                                    </p:animScale>
+                                  </p:childTnLst>
+                                </p:cTn>
+                              </p:par>
+                            </p:childTnLst>
+                          </p:cTn>
+                        </p:par>
+                        <p:par>
+                          <p:cTn id="45" fill="hold">
+                            <p:stCondLst>
+                              <p:cond delay="0"/>
+                            </p:stCondLst>
+                            <p:childTnLst>
+                              <p:par>
+                                <p:cTn id="46" presetClass="path" nodeType="withEffect" presetSubtype="0" presetID="-1" grpId="12" accel="50000" decel="50000" fill="hold">
+                                  <p:stCondLst>
+                                    <p:cond delay="0"/>
+                                  </p:stCondLst>
+                                  <p:childTnLst>
+                                    <p:animMotion path="M 0.000000 0.000000 L 0.358500 0.364961" origin="layout" pathEditMode="relative">
+                                      <p:cBhvr>
+                                        <p:cTn id="47" dur="1000" fill="hold"/>
+                                        <p:tgtEl>
+                                          <p:spTgt spid="197"/>
+                                        </p:tgtEl>
+                                        <p:attrNameLst>
+                                          <p:attrName>ppt_x</p:attrName>
+                                          <p:attrName>ppt_y</p:attrName>
+                                        </p:attrNameLst>
+                                      </p:cBhvr>
+                                    </p:animMotion>
                                   </p:childTnLst>
                                 </p:cTn>
                               </p:par>
@@ -12147,6 +12740,13 @@
     </p:tnLst>
     <p:bldLst>
       <p:bldP build="whole" bldLvl="1" animBg="1" rev="0" advAuto="0" spid="194" grpId="1"/>
+      <p:bldP build="whole" bldLvl="1" animBg="1" rev="0" advAuto="0" spid="194" grpId="2"/>
+      <p:bldP build="whole" bldLvl="1" animBg="1" rev="0" advAuto="0" spid="196" grpId="7"/>
+      <p:bldP build="whole" bldLvl="1" animBg="1" rev="0" advAuto="0" spid="196" grpId="8"/>
+      <p:bldP build="whole" bldLvl="1" animBg="1" rev="0" advAuto="0" spid="197" grpId="10"/>
+      <p:bldP build="whole" bldLvl="1" animBg="1" rev="0" advAuto="0" spid="197" grpId="11"/>
+      <p:bldP build="whole" bldLvl="1" animBg="1" rev="0" advAuto="0" spid="195" grpId="4"/>
+      <p:bldP build="whole" bldLvl="1" animBg="1" rev="0" advAuto="0" spid="195" grpId="5"/>
     </p:bldLst>
   </p:timing>
 </p:sld>
@@ -12171,7 +12771,7 @@
       </p:grpSpPr>
       <p:sp>
         <p:nvSpPr>
-          <p:cNvPr id="196" name="Répartition des taches"/>
+          <p:cNvPr id="199" name="Répartition des tâches"/>
           <p:cNvSpPr txBox="1"/>
           <p:nvPr/>
         </p:nvSpPr>
@@ -12209,14 +12809,14 @@
           <a:p>
             <a:pPr/>
             <a:r>
-              <a:t>Répartition des taches</a:t>
+              <a:t>Répartition des tâches</a:t>
             </a:r>
           </a:p>
         </p:txBody>
       </p:sp>
       <p:sp>
         <p:nvSpPr>
-          <p:cNvPr id="197" name="Numéro de diapositive"/>
+          <p:cNvPr id="200" name="Numéro de diapositive"/>
           <p:cNvSpPr txBox="1"/>
           <p:nvPr>
             <p:ph type="sldNum" sz="quarter" idx="2"/>
@@ -12254,7 +12854,7 @@
       </p:sp>
       <p:sp>
         <p:nvSpPr>
-          <p:cNvPr id="198" name="Texte"/>
+          <p:cNvPr id="201" name="Texte"/>
           <p:cNvSpPr txBox="1"/>
           <p:nvPr/>
         </p:nvSpPr>
@@ -12298,93 +12898,6 @@
       </p:sp>
       <p:pic>
         <p:nvPicPr>
-          <p:cNvPr id="199" name="boss.png" descr="boss.png"/>
-          <p:cNvPicPr>
-            <a:picLocks noChangeAspect="1"/>
-          </p:cNvPicPr>
-          <p:nvPr/>
-        </p:nvPicPr>
-        <p:blipFill>
-          <a:blip r:embed="rId2">
-            <a:extLst/>
-          </a:blip>
-          <a:stretch>
-            <a:fillRect/>
-          </a:stretch>
-        </p:blipFill>
-        <p:spPr>
-          <a:xfrm>
-            <a:off x="1205633" y="2184041"/>
-            <a:ext cx="1293354" cy="1293354"/>
-          </a:xfrm>
-          <a:prstGeom prst="rect">
-            <a:avLst/>
-          </a:prstGeom>
-          <a:ln w="12700">
-            <a:miter lim="400000"/>
-          </a:ln>
-        </p:spPr>
-      </p:pic>
-      <p:pic>
-        <p:nvPicPr>
-          <p:cNvPr id="200" name="boss.png" descr="boss.png"/>
-          <p:cNvPicPr>
-            <a:picLocks noChangeAspect="1"/>
-          </p:cNvPicPr>
-          <p:nvPr/>
-        </p:nvPicPr>
-        <p:blipFill>
-          <a:blip r:embed="rId2">
-            <a:extLst/>
-          </a:blip>
-          <a:stretch>
-            <a:fillRect/>
-          </a:stretch>
-        </p:blipFill>
-        <p:spPr>
-          <a:xfrm>
-            <a:off x="1205633" y="4422409"/>
-            <a:ext cx="1293354" cy="1293354"/>
-          </a:xfrm>
-          <a:prstGeom prst="rect">
-            <a:avLst/>
-          </a:prstGeom>
-          <a:ln w="12700">
-            <a:miter lim="400000"/>
-          </a:ln>
-        </p:spPr>
-      </p:pic>
-      <p:pic>
-        <p:nvPicPr>
-          <p:cNvPr id="201" name="boss.png" descr="boss.png"/>
-          <p:cNvPicPr>
-            <a:picLocks noChangeAspect="1"/>
-          </p:cNvPicPr>
-          <p:nvPr/>
-        </p:nvPicPr>
-        <p:blipFill>
-          <a:blip r:embed="rId2">
-            <a:extLst/>
-          </a:blip>
-          <a:stretch>
-            <a:fillRect/>
-          </a:stretch>
-        </p:blipFill>
-        <p:spPr>
-          <a:xfrm>
-            <a:off x="1205633" y="6660776"/>
-            <a:ext cx="1293354" cy="1293354"/>
-          </a:xfrm>
-          <a:prstGeom prst="rect">
-            <a:avLst/>
-          </a:prstGeom>
-          <a:ln w="12700">
-            <a:miter lim="400000"/>
-          </a:ln>
-        </p:spPr>
-      </p:pic>
-      <p:pic>
-        <p:nvPicPr>
           <p:cNvPr id="202" name="boss.png" descr="boss.png"/>
           <p:cNvPicPr>
             <a:picLocks noChangeAspect="1"/>
@@ -12401,7 +12914,7 @@
         </p:blipFill>
         <p:spPr>
           <a:xfrm>
-            <a:off x="7058570" y="2184041"/>
+            <a:off x="1205633" y="2184041"/>
             <a:ext cx="1293354" cy="1293354"/>
           </a:xfrm>
           <a:prstGeom prst="rect">
@@ -12430,7 +12943,7 @@
         </p:blipFill>
         <p:spPr>
           <a:xfrm>
-            <a:off x="7058570" y="4422409"/>
+            <a:off x="1205633" y="4422409"/>
             <a:ext cx="1293354" cy="1293354"/>
           </a:xfrm>
           <a:prstGeom prst="rect">
@@ -12459,6 +12972,93 @@
         </p:blipFill>
         <p:spPr>
           <a:xfrm>
+            <a:off x="1205633" y="6660776"/>
+            <a:ext cx="1293354" cy="1293354"/>
+          </a:xfrm>
+          <a:prstGeom prst="rect">
+            <a:avLst/>
+          </a:prstGeom>
+          <a:ln w="12700">
+            <a:miter lim="400000"/>
+          </a:ln>
+        </p:spPr>
+      </p:pic>
+      <p:pic>
+        <p:nvPicPr>
+          <p:cNvPr id="205" name="boss.png" descr="boss.png"/>
+          <p:cNvPicPr>
+            <a:picLocks noChangeAspect="1"/>
+          </p:cNvPicPr>
+          <p:nvPr/>
+        </p:nvPicPr>
+        <p:blipFill>
+          <a:blip r:embed="rId2">
+            <a:extLst/>
+          </a:blip>
+          <a:stretch>
+            <a:fillRect/>
+          </a:stretch>
+        </p:blipFill>
+        <p:spPr>
+          <a:xfrm>
+            <a:off x="7058570" y="2184041"/>
+            <a:ext cx="1293354" cy="1293354"/>
+          </a:xfrm>
+          <a:prstGeom prst="rect">
+            <a:avLst/>
+          </a:prstGeom>
+          <a:ln w="12700">
+            <a:miter lim="400000"/>
+          </a:ln>
+        </p:spPr>
+      </p:pic>
+      <p:pic>
+        <p:nvPicPr>
+          <p:cNvPr id="206" name="boss.png" descr="boss.png"/>
+          <p:cNvPicPr>
+            <a:picLocks noChangeAspect="1"/>
+          </p:cNvPicPr>
+          <p:nvPr/>
+        </p:nvPicPr>
+        <p:blipFill>
+          <a:blip r:embed="rId2">
+            <a:extLst/>
+          </a:blip>
+          <a:stretch>
+            <a:fillRect/>
+          </a:stretch>
+        </p:blipFill>
+        <p:spPr>
+          <a:xfrm>
+            <a:off x="7058570" y="4422409"/>
+            <a:ext cx="1293354" cy="1293354"/>
+          </a:xfrm>
+          <a:prstGeom prst="rect">
+            <a:avLst/>
+          </a:prstGeom>
+          <a:ln w="12700">
+            <a:miter lim="400000"/>
+          </a:ln>
+        </p:spPr>
+      </p:pic>
+      <p:pic>
+        <p:nvPicPr>
+          <p:cNvPr id="207" name="boss.png" descr="boss.png"/>
+          <p:cNvPicPr>
+            <a:picLocks noChangeAspect="1"/>
+          </p:cNvPicPr>
+          <p:nvPr/>
+        </p:nvPicPr>
+        <p:blipFill>
+          <a:blip r:embed="rId2">
+            <a:extLst/>
+          </a:blip>
+          <a:stretch>
+            <a:fillRect/>
+          </a:stretch>
+        </p:blipFill>
+        <p:spPr>
+          <a:xfrm>
             <a:off x="7058570" y="6660776"/>
             <a:ext cx="1293354" cy="1293354"/>
           </a:xfrm>
@@ -12472,7 +13072,7 @@
       </p:pic>
       <p:sp>
         <p:nvSpPr>
-          <p:cNvPr id="205" name="Paul"/>
+          <p:cNvPr id="208" name="Paul"/>
           <p:cNvSpPr txBox="1"/>
           <p:nvPr/>
         </p:nvSpPr>
@@ -12512,7 +13112,7 @@
       </p:sp>
       <p:sp>
         <p:nvSpPr>
-          <p:cNvPr id="206" name="Création de la classe jeu…"/>
+          <p:cNvPr id="209" name="Création de la classe jeu…"/>
           <p:cNvSpPr txBox="1"/>
           <p:nvPr/>
         </p:nvSpPr>
@@ -12576,7 +13176,7 @@
       </p:sp>
       <p:sp>
         <p:nvSpPr>
-          <p:cNvPr id="207" name="Création de la classe Plateau…"/>
+          <p:cNvPr id="210" name="Création de la classe Plateau…"/>
           <p:cNvSpPr txBox="1"/>
           <p:nvPr/>
         </p:nvSpPr>
@@ -12658,7 +13258,7 @@
       </p:sp>
       <p:sp>
         <p:nvSpPr>
-          <p:cNvPr id="208" name="Création de la classe Roi…"/>
+          <p:cNvPr id="211" name="Création de la classe Roi…"/>
           <p:cNvSpPr txBox="1"/>
           <p:nvPr/>
         </p:nvSpPr>
@@ -12714,7 +13314,7 @@
       </p:sp>
       <p:sp>
         <p:nvSpPr>
-          <p:cNvPr id="209" name="Chef de projet…"/>
+          <p:cNvPr id="212" name="Chef de projet…"/>
           <p:cNvSpPr txBox="1"/>
           <p:nvPr/>
         </p:nvSpPr>
@@ -12783,7 +13383,7 @@
       </p:sp>
       <p:sp>
         <p:nvSpPr>
-          <p:cNvPr id="210" name="David"/>
+          <p:cNvPr id="213" name="David"/>
           <p:cNvSpPr txBox="1"/>
           <p:nvPr/>
         </p:nvSpPr>
@@ -12823,7 +13423,7 @@
       </p:sp>
       <p:sp>
         <p:nvSpPr>
-          <p:cNvPr id="211" name="Théo"/>
+          <p:cNvPr id="214" name="Théo"/>
           <p:cNvSpPr txBox="1"/>
           <p:nvPr/>
         </p:nvSpPr>
@@ -12863,7 +13463,7 @@
       </p:sp>
       <p:sp>
         <p:nvSpPr>
-          <p:cNvPr id="212" name="Benjamin"/>
+          <p:cNvPr id="215" name="Benjamin"/>
           <p:cNvSpPr txBox="1"/>
           <p:nvPr/>
         </p:nvSpPr>
@@ -12903,7 +13503,7 @@
       </p:sp>
       <p:sp>
         <p:nvSpPr>
-          <p:cNvPr id="213" name="Alexis"/>
+          <p:cNvPr id="216" name="Alexis"/>
           <p:cNvSpPr txBox="1"/>
           <p:nvPr/>
         </p:nvSpPr>
@@ -12943,7 +13543,7 @@
       </p:sp>
       <p:sp>
         <p:nvSpPr>
-          <p:cNvPr id="214" name="Victor"/>
+          <p:cNvPr id="217" name="Victor"/>
           <p:cNvSpPr txBox="1"/>
           <p:nvPr/>
         </p:nvSpPr>
@@ -12983,7 +13583,7 @@
       </p:sp>
       <p:sp>
         <p:nvSpPr>
-          <p:cNvPr id="215" name="Création de la classe Fou…"/>
+          <p:cNvPr id="218" name="Création de la classe Fou…"/>
           <p:cNvSpPr txBox="1"/>
           <p:nvPr/>
         </p:nvSpPr>
@@ -13039,7 +13639,7 @@
       </p:sp>
       <p:sp>
         <p:nvSpPr>
-          <p:cNvPr id="216" name="Création de la classe Dame…"/>
+          <p:cNvPr id="219" name="Création de la classe Dame…"/>
           <p:cNvSpPr txBox="1"/>
           <p:nvPr/>
         </p:nvSpPr>

--- a/doc/diapo pour les bouseux.pptx
+++ b/doc/diapo pour les bouseux.pptx
@@ -3273,7 +3273,7 @@
       </p:grpSpPr>
       <p:sp>
         <p:nvSpPr>
-          <p:cNvPr id="221" name="Bilan"/>
+          <p:cNvPr id="222" name="Bilan"/>
           <p:cNvSpPr txBox="1"/>
           <p:nvPr/>
         </p:nvSpPr>
@@ -3318,7 +3318,7 @@
       </p:sp>
       <p:sp>
         <p:nvSpPr>
-          <p:cNvPr id="222" name="Numéro de diapositive"/>
+          <p:cNvPr id="223" name="Numéro de diapositive"/>
           <p:cNvSpPr txBox="1"/>
           <p:nvPr>
             <p:ph type="sldNum" sz="quarter" idx="2"/>
@@ -3356,7 +3356,7 @@
       </p:sp>
       <p:sp>
         <p:nvSpPr>
-          <p:cNvPr id="223" name="Technique :"/>
+          <p:cNvPr id="224" name="Technique :"/>
           <p:cNvSpPr txBox="1"/>
           <p:nvPr/>
         </p:nvSpPr>
@@ -3399,7 +3399,7 @@
       </p:sp>
       <p:sp>
         <p:nvSpPr>
-          <p:cNvPr id="224" name="- Programme fonctionnel"/>
+          <p:cNvPr id="225" name="- Programme fonctionnel"/>
           <p:cNvSpPr txBox="1"/>
           <p:nvPr/>
         </p:nvSpPr>
@@ -3442,7 +3442,7 @@
       </p:sp>
       <p:sp>
         <p:nvSpPr>
-          <p:cNvPr id="225" name="- Possible d’améliorer l’aspect graphique"/>
+          <p:cNvPr id="226" name="- Possible d’améliorer l’aspect graphique"/>
           <p:cNvSpPr txBox="1"/>
           <p:nvPr/>
         </p:nvSpPr>
@@ -3485,7 +3485,7 @@
       </p:sp>
       <p:sp>
         <p:nvSpPr>
-          <p:cNvPr id="226" name="- Ajout d’une IA pour jouer seul"/>
+          <p:cNvPr id="227" name="- Ajout d’une IA pour jouer seul"/>
           <p:cNvSpPr txBox="1"/>
           <p:nvPr/>
         </p:nvSpPr>
@@ -3528,7 +3528,7 @@
       </p:sp>
       <p:sp>
         <p:nvSpPr>
-          <p:cNvPr id="227" name="Humain :"/>
+          <p:cNvPr id="228" name="Humain :"/>
           <p:cNvSpPr txBox="1"/>
           <p:nvPr/>
         </p:nvSpPr>
@@ -3571,7 +3571,7 @@
       </p:sp>
       <p:sp>
         <p:nvSpPr>
-          <p:cNvPr id="228" name="- Difficile de se coordonner"/>
+          <p:cNvPr id="229" name="- Difficile de se coordonner"/>
           <p:cNvSpPr txBox="1"/>
           <p:nvPr/>
         </p:nvSpPr>
@@ -3614,7 +3614,7 @@
       </p:sp>
       <p:sp>
         <p:nvSpPr>
-          <p:cNvPr id="229" name="- Bonne entente et bonne ambiance de travail"/>
+          <p:cNvPr id="230" name="- Bonne entente et bonne ambiance de travail"/>
           <p:cNvSpPr txBox="1"/>
           <p:nvPr/>
         </p:nvSpPr>
@@ -3657,7 +3657,7 @@
       </p:sp>
       <p:sp>
         <p:nvSpPr>
-          <p:cNvPr id="230" name="Pédagogique :"/>
+          <p:cNvPr id="231" name="Pédagogique :"/>
           <p:cNvSpPr txBox="1"/>
           <p:nvPr/>
         </p:nvSpPr>
@@ -3700,7 +3700,7 @@
       </p:sp>
       <p:sp>
         <p:nvSpPr>
-          <p:cNvPr id="231" name="- Meilleure connaissance du jeu d’échecs"/>
+          <p:cNvPr id="232" name="- Meilleure connaissance du jeu d’échecs"/>
           <p:cNvSpPr txBox="1"/>
           <p:nvPr/>
         </p:nvSpPr>
@@ -3743,7 +3743,7 @@
       </p:sp>
       <p:sp>
         <p:nvSpPr>
-          <p:cNvPr id="232" name="- Utilisation de GitKraken pour la gestion du code"/>
+          <p:cNvPr id="233" name="- Utilisation de GitKraken pour la gestion du code"/>
           <p:cNvSpPr txBox="1"/>
           <p:nvPr/>
         </p:nvSpPr>
@@ -3786,7 +3786,7 @@
       </p:sp>
       <p:sp>
         <p:nvSpPr>
-          <p:cNvPr id="233" name="- Utilisation d’une grande partie des connaissances"/>
+          <p:cNvPr id="234" name="- Utilisation d’une grande partie des connaissances"/>
           <p:cNvSpPr txBox="1"/>
           <p:nvPr/>
         </p:nvSpPr>
@@ -3829,7 +3829,7 @@
       </p:sp>
       <p:sp>
         <p:nvSpPr>
-          <p:cNvPr id="234" name="- Apprentissage de la répartition du travail"/>
+          <p:cNvPr id="235" name="- Apprentissage de la répartition du travail"/>
           <p:cNvSpPr txBox="1"/>
           <p:nvPr/>
         </p:nvSpPr>
@@ -3872,7 +3872,7 @@
       </p:sp>
       <p:pic>
         <p:nvPicPr>
-          <p:cNvPr id="235" name="computer.png" descr="computer.png"/>
+          <p:cNvPr id="236" name="computer.png" descr="computer.png"/>
           <p:cNvPicPr>
             <a:picLocks noChangeAspect="1"/>
           </p:cNvPicPr>
@@ -3901,7 +3901,7 @@
       </p:pic>
       <p:pic>
         <p:nvPicPr>
-          <p:cNvPr id="236" name="artificial-intelligence.png" descr="artificial-intelligence.png"/>
+          <p:cNvPr id="237" name="artificial-intelligence.png" descr="artificial-intelligence.png"/>
           <p:cNvPicPr>
             <a:picLocks noChangeAspect="1"/>
           </p:cNvPicPr>
@@ -3930,7 +3930,7 @@
       </p:pic>
       <p:pic>
         <p:nvPicPr>
-          <p:cNvPr id="237" name="code.png" descr="code.png"/>
+          <p:cNvPr id="238" name="code.png" descr="code.png"/>
           <p:cNvPicPr>
             <a:picLocks noChangeAspect="1"/>
           </p:cNvPicPr>
@@ -3959,7 +3959,7 @@
       </p:pic>
       <p:pic>
         <p:nvPicPr>
-          <p:cNvPr id="238" name="laptop.png" descr="laptop.png"/>
+          <p:cNvPr id="239" name="laptop.png" descr="laptop.png"/>
           <p:cNvPicPr>
             <a:picLocks noChangeAspect="1"/>
           </p:cNvPicPr>
@@ -3988,7 +3988,7 @@
       </p:pic>
       <p:sp>
         <p:nvSpPr>
-          <p:cNvPr id="239" name="- Apprentissage de la communication en groupe"/>
+          <p:cNvPr id="240" name="- Apprentissage de la communication en groupe"/>
           <p:cNvSpPr txBox="1"/>
           <p:nvPr/>
         </p:nvSpPr>
@@ -4031,7 +4031,7 @@
       </p:sp>
       <p:pic>
         <p:nvPicPr>
-          <p:cNvPr id="240" name="calendar.png" descr="calendar.png"/>
+          <p:cNvPr id="241" name="calendar.png" descr="calendar.png"/>
           <p:cNvPicPr>
             <a:picLocks noChangeAspect="1"/>
           </p:cNvPicPr>
@@ -4060,7 +4060,7 @@
       </p:pic>
       <p:pic>
         <p:nvPicPr>
-          <p:cNvPr id="241" name="employees.png" descr="employees.png"/>
+          <p:cNvPr id="242" name="employees.png" descr="employees.png"/>
           <p:cNvPicPr>
             <a:picLocks noChangeAspect="1"/>
           </p:cNvPicPr>
@@ -4089,7 +4089,7 @@
       </p:pic>
       <p:pic>
         <p:nvPicPr>
-          <p:cNvPr id="242" name="speak.png" descr="speak.png"/>
+          <p:cNvPr id="243" name="speak.png" descr="speak.png"/>
           <p:cNvPicPr>
             <a:picLocks noChangeAspect="1"/>
           </p:cNvPicPr>
@@ -4118,7 +4118,7 @@
       </p:pic>
       <p:pic>
         <p:nvPicPr>
-          <p:cNvPr id="243" name="teamwork.png" descr="teamwork.png"/>
+          <p:cNvPr id="244" name="teamwork.png" descr="teamwork.png"/>
           <p:cNvPicPr>
             <a:picLocks noChangeAspect="1"/>
           </p:cNvPicPr>
@@ -4147,7 +4147,7 @@
       </p:pic>
       <p:pic>
         <p:nvPicPr>
-          <p:cNvPr id="244" name="bookshelf.png" descr="bookshelf.png"/>
+          <p:cNvPr id="245" name="bookshelf.png" descr="bookshelf.png"/>
           <p:cNvPicPr>
             <a:picLocks noChangeAspect="1"/>
           </p:cNvPicPr>
@@ -4176,7 +4176,7 @@
       </p:pic>
       <p:pic>
         <p:nvPicPr>
-          <p:cNvPr id="245" name="chat.png" descr="chat.png"/>
+          <p:cNvPr id="246" name="chat.png" descr="chat.png"/>
           <p:cNvPicPr>
             <a:picLocks noChangeAspect="1"/>
           </p:cNvPicPr>
@@ -4205,7 +4205,7 @@
       </p:pic>
       <p:pic>
         <p:nvPicPr>
-          <p:cNvPr id="246" name="chess-board.png" descr="chess-board.png"/>
+          <p:cNvPr id="247" name="chess-board.png" descr="chess-board.png"/>
           <p:cNvPicPr>
             <a:picLocks noChangeAspect="1"/>
           </p:cNvPicPr>
@@ -4234,7 +4234,7 @@
       </p:pic>
       <p:pic>
         <p:nvPicPr>
-          <p:cNvPr id="247" name="classroom.png" descr="classroom.png"/>
+          <p:cNvPr id="248" name="classroom.png" descr="classroom.png"/>
           <p:cNvPicPr>
             <a:picLocks noChangeAspect="1"/>
           </p:cNvPicPr>
@@ -4263,7 +4263,7 @@
       </p:pic>
       <p:pic>
         <p:nvPicPr>
-          <p:cNvPr id="248" name="GitKraken-Logo.png" descr="GitKraken-Logo.png"/>
+          <p:cNvPr id="249" name="GitKraken-Logo.png" descr="GitKraken-Logo.png"/>
           <p:cNvPicPr>
             <a:picLocks noChangeAspect="1"/>
           </p:cNvPicPr>
@@ -4343,7 +4343,7 @@
                                       <p:cBhvr>
                                         <p:cTn id="6" fill="hold"/>
                                         <p:tgtEl>
-                                          <p:spTgt spid="223"/>
+                                          <p:spTgt spid="224"/>
                                         </p:tgtEl>
                                         <p:attrNameLst>
                                           <p:attrName>style.visibility</p:attrName>
@@ -4357,7 +4357,7 @@
                                       <p:cBhvr>
                                         <p:cTn id="7" dur="799"/>
                                         <p:tgtEl>
-                                          <p:spTgt spid="223"/>
+                                          <p:spTgt spid="224"/>
                                         </p:tgtEl>
                                       </p:cBhvr>
                                     </p:animEffect>
@@ -4386,7 +4386,7 @@
                                       <p:cBhvr>
                                         <p:cTn id="10" fill="hold"/>
                                         <p:tgtEl>
-                                          <p:spTgt spid="235"/>
+                                          <p:spTgt spid="236"/>
                                         </p:tgtEl>
                                         <p:attrNameLst>
                                           <p:attrName>style.visibility</p:attrName>
@@ -4400,7 +4400,7 @@
                                       <p:cBhvr>
                                         <p:cTn id="11" dur="799"/>
                                         <p:tgtEl>
-                                          <p:spTgt spid="235"/>
+                                          <p:spTgt spid="236"/>
                                         </p:tgtEl>
                                       </p:cBhvr>
                                     </p:animEffect>
@@ -4438,7 +4438,7 @@
                                       <p:cBhvr>
                                         <p:cTn id="15" fill="hold"/>
                                         <p:tgtEl>
-                                          <p:spTgt spid="224"/>
+                                          <p:spTgt spid="225"/>
                                         </p:tgtEl>
                                         <p:attrNameLst>
                                           <p:attrName>style.visibility</p:attrName>
@@ -4452,7 +4452,7 @@
                                       <p:cBhvr>
                                         <p:cTn id="16" dur="799"/>
                                         <p:tgtEl>
-                                          <p:spTgt spid="224"/>
+                                          <p:spTgt spid="225"/>
                                         </p:tgtEl>
                                       </p:cBhvr>
                                     </p:animEffect>
@@ -4481,7 +4481,7 @@
                                       <p:cBhvr>
                                         <p:cTn id="19" fill="hold"/>
                                         <p:tgtEl>
-                                          <p:spTgt spid="237"/>
+                                          <p:spTgt spid="238"/>
                                         </p:tgtEl>
                                         <p:attrNameLst>
                                           <p:attrName>style.visibility</p:attrName>
@@ -4495,7 +4495,7 @@
                                       <p:cBhvr>
                                         <p:cTn id="20" dur="799"/>
                                         <p:tgtEl>
-                                          <p:spTgt spid="237"/>
+                                          <p:spTgt spid="238"/>
                                         </p:tgtEl>
                                       </p:cBhvr>
                                     </p:animEffect>
@@ -4533,7 +4533,7 @@
                                       <p:cBhvr>
                                         <p:cTn id="24" fill="hold"/>
                                         <p:tgtEl>
-                                          <p:spTgt spid="225"/>
+                                          <p:spTgt spid="226"/>
                                         </p:tgtEl>
                                         <p:attrNameLst>
                                           <p:attrName>style.visibility</p:attrName>
@@ -4547,7 +4547,7 @@
                                       <p:cBhvr>
                                         <p:cTn id="25" dur="800"/>
                                         <p:tgtEl>
-                                          <p:spTgt spid="225"/>
+                                          <p:spTgt spid="226"/>
                                         </p:tgtEl>
                                       </p:cBhvr>
                                     </p:animEffect>
@@ -4576,7 +4576,7 @@
                                       <p:cBhvr>
                                         <p:cTn id="28" fill="hold"/>
                                         <p:tgtEl>
-                                          <p:spTgt spid="238"/>
+                                          <p:spTgt spid="239"/>
                                         </p:tgtEl>
                                         <p:attrNameLst>
                                           <p:attrName>style.visibility</p:attrName>
@@ -4590,7 +4590,7 @@
                                       <p:cBhvr>
                                         <p:cTn id="29" dur="799"/>
                                         <p:tgtEl>
-                                          <p:spTgt spid="238"/>
+                                          <p:spTgt spid="239"/>
                                         </p:tgtEl>
                                       </p:cBhvr>
                                     </p:animEffect>
@@ -4628,7 +4628,7 @@
                                       <p:cBhvr>
                                         <p:cTn id="33" fill="hold"/>
                                         <p:tgtEl>
-                                          <p:spTgt spid="226"/>
+                                          <p:spTgt spid="227"/>
                                         </p:tgtEl>
                                         <p:attrNameLst>
                                           <p:attrName>style.visibility</p:attrName>
@@ -4642,7 +4642,7 @@
                                       <p:cBhvr>
                                         <p:cTn id="34" dur="800"/>
                                         <p:tgtEl>
-                                          <p:spTgt spid="226"/>
+                                          <p:spTgt spid="227"/>
                                         </p:tgtEl>
                                       </p:cBhvr>
                                     </p:animEffect>
@@ -4671,7 +4671,7 @@
                                       <p:cBhvr>
                                         <p:cTn id="37" fill="hold"/>
                                         <p:tgtEl>
-                                          <p:spTgt spid="236"/>
+                                          <p:spTgt spid="237"/>
                                         </p:tgtEl>
                                         <p:attrNameLst>
                                           <p:attrName>style.visibility</p:attrName>
@@ -4685,7 +4685,7 @@
                                       <p:cBhvr>
                                         <p:cTn id="38" dur="799"/>
                                         <p:tgtEl>
-                                          <p:spTgt spid="236"/>
+                                          <p:spTgt spid="237"/>
                                         </p:tgtEl>
                                       </p:cBhvr>
                                     </p:animEffect>
@@ -4723,7 +4723,7 @@
                                       <p:cBhvr>
                                         <p:cTn id="42" dur="1000" fill="hold"/>
                                         <p:tgtEl>
-                                          <p:spTgt spid="223"/>
+                                          <p:spTgt spid="224"/>
                                         </p:tgtEl>
                                         <p:attrNameLst>
                                           <p:attrName>ppt_w</p:attrName>
@@ -4746,7 +4746,7 @@
                                       <p:cBhvr>
                                         <p:cTn id="43" dur="1000" fill="hold"/>
                                         <p:tgtEl>
-                                          <p:spTgt spid="223"/>
+                                          <p:spTgt spid="224"/>
                                         </p:tgtEl>
                                         <p:attrNameLst>
                                           <p:attrName>ppt_h</p:attrName>
@@ -4773,7 +4773,7 @@
                                           </p:stCondLst>
                                         </p:cTn>
                                         <p:tgtEl>
-                                          <p:spTgt spid="223"/>
+                                          <p:spTgt spid="224"/>
                                         </p:tgtEl>
                                         <p:attrNameLst>
                                           <p:attrName>style.visibility</p:attrName>
@@ -4808,7 +4808,7 @@
                                       <p:cBhvr>
                                         <p:cTn id="47" dur="1000" fill="hold"/>
                                         <p:tgtEl>
-                                          <p:spTgt spid="238"/>
+                                          <p:spTgt spid="239"/>
                                         </p:tgtEl>
                                         <p:attrNameLst>
                                           <p:attrName>ppt_w</p:attrName>
@@ -4831,7 +4831,7 @@
                                       <p:cBhvr>
                                         <p:cTn id="48" dur="1000" fill="hold"/>
                                         <p:tgtEl>
-                                          <p:spTgt spid="238"/>
+                                          <p:spTgt spid="239"/>
                                         </p:tgtEl>
                                         <p:attrNameLst>
                                           <p:attrName>ppt_h</p:attrName>
@@ -4858,7 +4858,7 @@
                                           </p:stCondLst>
                                         </p:cTn>
                                         <p:tgtEl>
-                                          <p:spTgt spid="238"/>
+                                          <p:spTgt spid="239"/>
                                         </p:tgtEl>
                                         <p:attrNameLst>
                                           <p:attrName>style.visibility</p:attrName>
@@ -4893,7 +4893,7 @@
                                       <p:cBhvr>
                                         <p:cTn id="52" dur="1000" fill="hold"/>
                                         <p:tgtEl>
-                                          <p:spTgt spid="236"/>
+                                          <p:spTgt spid="237"/>
                                         </p:tgtEl>
                                         <p:attrNameLst>
                                           <p:attrName>ppt_w</p:attrName>
@@ -4916,7 +4916,7 @@
                                       <p:cBhvr>
                                         <p:cTn id="53" dur="1000" fill="hold"/>
                                         <p:tgtEl>
-                                          <p:spTgt spid="236"/>
+                                          <p:spTgt spid="237"/>
                                         </p:tgtEl>
                                         <p:attrNameLst>
                                           <p:attrName>ppt_h</p:attrName>
@@ -4943,7 +4943,7 @@
                                           </p:stCondLst>
                                         </p:cTn>
                                         <p:tgtEl>
-                                          <p:spTgt spid="236"/>
+                                          <p:spTgt spid="237"/>
                                         </p:tgtEl>
                                         <p:attrNameLst>
                                           <p:attrName>style.visibility</p:attrName>
@@ -4978,7 +4978,7 @@
                                       <p:cBhvr>
                                         <p:cTn id="57" dur="1000" fill="hold"/>
                                         <p:tgtEl>
-                                          <p:spTgt spid="237"/>
+                                          <p:spTgt spid="238"/>
                                         </p:tgtEl>
                                         <p:attrNameLst>
                                           <p:attrName>ppt_w</p:attrName>
@@ -5001,7 +5001,7 @@
                                       <p:cBhvr>
                                         <p:cTn id="58" dur="1000" fill="hold"/>
                                         <p:tgtEl>
-                                          <p:spTgt spid="237"/>
+                                          <p:spTgt spid="238"/>
                                         </p:tgtEl>
                                         <p:attrNameLst>
                                           <p:attrName>ppt_h</p:attrName>
@@ -5028,7 +5028,7 @@
                                           </p:stCondLst>
                                         </p:cTn>
                                         <p:tgtEl>
-                                          <p:spTgt spid="237"/>
+                                          <p:spTgt spid="238"/>
                                         </p:tgtEl>
                                         <p:attrNameLst>
                                           <p:attrName>style.visibility</p:attrName>
@@ -5063,7 +5063,7 @@
                                       <p:cBhvr>
                                         <p:cTn id="62" dur="1000" fill="hold"/>
                                         <p:tgtEl>
-                                          <p:spTgt spid="235"/>
+                                          <p:spTgt spid="236"/>
                                         </p:tgtEl>
                                         <p:attrNameLst>
                                           <p:attrName>ppt_w</p:attrName>
@@ -5086,7 +5086,7 @@
                                       <p:cBhvr>
                                         <p:cTn id="63" dur="1000" fill="hold"/>
                                         <p:tgtEl>
-                                          <p:spTgt spid="235"/>
+                                          <p:spTgt spid="236"/>
                                         </p:tgtEl>
                                         <p:attrNameLst>
                                           <p:attrName>ppt_h</p:attrName>
@@ -5113,7 +5113,7 @@
                                           </p:stCondLst>
                                         </p:cTn>
                                         <p:tgtEl>
-                                          <p:spTgt spid="235"/>
+                                          <p:spTgt spid="236"/>
                                         </p:tgtEl>
                                         <p:attrNameLst>
                                           <p:attrName>style.visibility</p:attrName>
@@ -5148,7 +5148,7 @@
                                       <p:cBhvr>
                                         <p:cTn id="67" dur="1000" fill="hold"/>
                                         <p:tgtEl>
-                                          <p:spTgt spid="224"/>
+                                          <p:spTgt spid="225"/>
                                         </p:tgtEl>
                                         <p:attrNameLst>
                                           <p:attrName>ppt_w</p:attrName>
@@ -5171,7 +5171,7 @@
                                       <p:cBhvr>
                                         <p:cTn id="68" dur="1000" fill="hold"/>
                                         <p:tgtEl>
-                                          <p:spTgt spid="224"/>
+                                          <p:spTgt spid="225"/>
                                         </p:tgtEl>
                                         <p:attrNameLst>
                                           <p:attrName>ppt_h</p:attrName>
@@ -5198,7 +5198,7 @@
                                           </p:stCondLst>
                                         </p:cTn>
                                         <p:tgtEl>
-                                          <p:spTgt spid="224"/>
+                                          <p:spTgt spid="225"/>
                                         </p:tgtEl>
                                         <p:attrNameLst>
                                           <p:attrName>style.visibility</p:attrName>
@@ -5233,7 +5233,7 @@
                                       <p:cBhvr>
                                         <p:cTn id="72" dur="1000" fill="hold"/>
                                         <p:tgtEl>
-                                          <p:spTgt spid="225"/>
+                                          <p:spTgt spid="226"/>
                                         </p:tgtEl>
                                         <p:attrNameLst>
                                           <p:attrName>ppt_w</p:attrName>
@@ -5256,7 +5256,7 @@
                                       <p:cBhvr>
                                         <p:cTn id="73" dur="1000" fill="hold"/>
                                         <p:tgtEl>
-                                          <p:spTgt spid="225"/>
+                                          <p:spTgt spid="226"/>
                                         </p:tgtEl>
                                         <p:attrNameLst>
                                           <p:attrName>ppt_h</p:attrName>
@@ -5283,7 +5283,7 @@
                                           </p:stCondLst>
                                         </p:cTn>
                                         <p:tgtEl>
-                                          <p:spTgt spid="225"/>
+                                          <p:spTgt spid="226"/>
                                         </p:tgtEl>
                                         <p:attrNameLst>
                                           <p:attrName>style.visibility</p:attrName>
@@ -5318,7 +5318,7 @@
                                       <p:cBhvr>
                                         <p:cTn id="77" dur="1000" fill="hold"/>
                                         <p:tgtEl>
-                                          <p:spTgt spid="226"/>
+                                          <p:spTgt spid="227"/>
                                         </p:tgtEl>
                                         <p:attrNameLst>
                                           <p:attrName>ppt_w</p:attrName>
@@ -5341,7 +5341,7 @@
                                       <p:cBhvr>
                                         <p:cTn id="78" dur="1000" fill="hold"/>
                                         <p:tgtEl>
-                                          <p:spTgt spid="226"/>
+                                          <p:spTgt spid="227"/>
                                         </p:tgtEl>
                                         <p:attrNameLst>
                                           <p:attrName>ppt_h</p:attrName>
@@ -5368,7 +5368,7 @@
                                           </p:stCondLst>
                                         </p:cTn>
                                         <p:tgtEl>
-                                          <p:spTgt spid="226"/>
+                                          <p:spTgt spid="227"/>
                                         </p:tgtEl>
                                         <p:attrNameLst>
                                           <p:attrName>style.visibility</p:attrName>
@@ -5403,7 +5403,7 @@
                                       <p:cBhvr>
                                         <p:cTn id="82" fill="hold"/>
                                         <p:tgtEl>
-                                          <p:spTgt spid="227"/>
+                                          <p:spTgt spid="228"/>
                                         </p:tgtEl>
                                         <p:attrNameLst>
                                           <p:attrName>style.visibility</p:attrName>
@@ -5417,7 +5417,7 @@
                                       <p:cBhvr>
                                         <p:cTn id="83" dur="799"/>
                                         <p:tgtEl>
-                                          <p:spTgt spid="227"/>
+                                          <p:spTgt spid="228"/>
                                         </p:tgtEl>
                                       </p:cBhvr>
                                     </p:animEffect>
@@ -5446,7 +5446,7 @@
                                       <p:cBhvr>
                                         <p:cTn id="86" fill="hold"/>
                                         <p:tgtEl>
-                                          <p:spTgt spid="241"/>
+                                          <p:spTgt spid="242"/>
                                         </p:tgtEl>
                                         <p:attrNameLst>
                                           <p:attrName>style.visibility</p:attrName>
@@ -5460,7 +5460,7 @@
                                       <p:cBhvr>
                                         <p:cTn id="87" dur="799"/>
                                         <p:tgtEl>
-                                          <p:spTgt spid="241"/>
+                                          <p:spTgt spid="242"/>
                                         </p:tgtEl>
                                       </p:cBhvr>
                                     </p:animEffect>
@@ -5498,7 +5498,7 @@
                                       <p:cBhvr>
                                         <p:cTn id="91" fill="hold"/>
                                         <p:tgtEl>
-                                          <p:spTgt spid="228"/>
+                                          <p:spTgt spid="229"/>
                                         </p:tgtEl>
                                         <p:attrNameLst>
                                           <p:attrName>style.visibility</p:attrName>
@@ -5512,7 +5512,7 @@
                                       <p:cBhvr>
                                         <p:cTn id="92" dur="800"/>
                                         <p:tgtEl>
-                                          <p:spTgt spid="228"/>
+                                          <p:spTgt spid="229"/>
                                         </p:tgtEl>
                                       </p:cBhvr>
                                     </p:animEffect>
@@ -5541,7 +5541,7 @@
                                       <p:cBhvr>
                                         <p:cTn id="95" fill="hold"/>
                                         <p:tgtEl>
-                                          <p:spTgt spid="240"/>
+                                          <p:spTgt spid="241"/>
                                         </p:tgtEl>
                                         <p:attrNameLst>
                                           <p:attrName>style.visibility</p:attrName>
@@ -5555,7 +5555,7 @@
                                       <p:cBhvr>
                                         <p:cTn id="96" dur="799"/>
                                         <p:tgtEl>
-                                          <p:spTgt spid="240"/>
+                                          <p:spTgt spid="241"/>
                                         </p:tgtEl>
                                       </p:cBhvr>
                                     </p:animEffect>
@@ -5593,7 +5593,7 @@
                                       <p:cBhvr>
                                         <p:cTn id="100" fill="hold"/>
                                         <p:tgtEl>
-                                          <p:spTgt spid="229"/>
+                                          <p:spTgt spid="230"/>
                                         </p:tgtEl>
                                         <p:attrNameLst>
                                           <p:attrName>style.visibility</p:attrName>
@@ -5607,7 +5607,7 @@
                                       <p:cBhvr>
                                         <p:cTn id="101" dur="800"/>
                                         <p:tgtEl>
-                                          <p:spTgt spid="229"/>
+                                          <p:spTgt spid="230"/>
                                         </p:tgtEl>
                                       </p:cBhvr>
                                     </p:animEffect>
@@ -5636,7 +5636,7 @@
                                       <p:cBhvr>
                                         <p:cTn id="104" fill="hold"/>
                                         <p:tgtEl>
-                                          <p:spTgt spid="242"/>
+                                          <p:spTgt spid="243"/>
                                         </p:tgtEl>
                                         <p:attrNameLst>
                                           <p:attrName>style.visibility</p:attrName>
@@ -5650,7 +5650,7 @@
                                       <p:cBhvr>
                                         <p:cTn id="105" dur="799"/>
                                         <p:tgtEl>
-                                          <p:spTgt spid="242"/>
+                                          <p:spTgt spid="243"/>
                                         </p:tgtEl>
                                       </p:cBhvr>
                                     </p:animEffect>
@@ -5688,7 +5688,7 @@
                                       <p:cBhvr>
                                         <p:cTn id="109" fill="hold"/>
                                         <p:tgtEl>
-                                          <p:spTgt spid="234"/>
+                                          <p:spTgt spid="235"/>
                                         </p:tgtEl>
                                         <p:attrNameLst>
                                           <p:attrName>style.visibility</p:attrName>
@@ -5702,7 +5702,7 @@
                                       <p:cBhvr>
                                         <p:cTn id="110" dur="800"/>
                                         <p:tgtEl>
-                                          <p:spTgt spid="234"/>
+                                          <p:spTgt spid="235"/>
                                         </p:tgtEl>
                                       </p:cBhvr>
                                     </p:animEffect>
@@ -5731,7 +5731,7 @@
                                       <p:cBhvr>
                                         <p:cTn id="113" fill="hold"/>
                                         <p:tgtEl>
-                                          <p:spTgt spid="243"/>
+                                          <p:spTgt spid="244"/>
                                         </p:tgtEl>
                                         <p:attrNameLst>
                                           <p:attrName>style.visibility</p:attrName>
@@ -5745,7 +5745,7 @@
                                       <p:cBhvr>
                                         <p:cTn id="114" dur="799"/>
                                         <p:tgtEl>
-                                          <p:spTgt spid="243"/>
+                                          <p:spTgt spid="244"/>
                                         </p:tgtEl>
                                       </p:cBhvr>
                                     </p:animEffect>
@@ -5783,7 +5783,7 @@
                                       <p:cBhvr>
                                         <p:cTn id="118" dur="1000" fill="hold"/>
                                         <p:tgtEl>
-                                          <p:spTgt spid="227"/>
+                                          <p:spTgt spid="228"/>
                                         </p:tgtEl>
                                         <p:attrNameLst>
                                           <p:attrName>ppt_w</p:attrName>
@@ -5806,7 +5806,7 @@
                                       <p:cBhvr>
                                         <p:cTn id="119" dur="1000" fill="hold"/>
                                         <p:tgtEl>
-                                          <p:spTgt spid="227"/>
+                                          <p:spTgt spid="228"/>
                                         </p:tgtEl>
                                         <p:attrNameLst>
                                           <p:attrName>ppt_h</p:attrName>
@@ -5833,7 +5833,7 @@
                                           </p:stCondLst>
                                         </p:cTn>
                                         <p:tgtEl>
-                                          <p:spTgt spid="227"/>
+                                          <p:spTgt spid="228"/>
                                         </p:tgtEl>
                                         <p:attrNameLst>
                                           <p:attrName>style.visibility</p:attrName>
@@ -5868,7 +5868,7 @@
                                       <p:cBhvr>
                                         <p:cTn id="123" dur="1000" fill="hold"/>
                                         <p:tgtEl>
-                                          <p:spTgt spid="228"/>
+                                          <p:spTgt spid="229"/>
                                         </p:tgtEl>
                                         <p:attrNameLst>
                                           <p:attrName>ppt_w</p:attrName>
@@ -5891,7 +5891,7 @@
                                       <p:cBhvr>
                                         <p:cTn id="124" dur="1000" fill="hold"/>
                                         <p:tgtEl>
-                                          <p:spTgt spid="228"/>
+                                          <p:spTgt spid="229"/>
                                         </p:tgtEl>
                                         <p:attrNameLst>
                                           <p:attrName>ppt_h</p:attrName>
@@ -5918,7 +5918,7 @@
                                           </p:stCondLst>
                                         </p:cTn>
                                         <p:tgtEl>
-                                          <p:spTgt spid="228"/>
+                                          <p:spTgt spid="229"/>
                                         </p:tgtEl>
                                         <p:attrNameLst>
                                           <p:attrName>style.visibility</p:attrName>
@@ -5953,7 +5953,7 @@
                                       <p:cBhvr>
                                         <p:cTn id="128" dur="1000" fill="hold"/>
                                         <p:tgtEl>
-                                          <p:spTgt spid="229"/>
+                                          <p:spTgt spid="230"/>
                                         </p:tgtEl>
                                         <p:attrNameLst>
                                           <p:attrName>ppt_w</p:attrName>
@@ -5976,7 +5976,7 @@
                                       <p:cBhvr>
                                         <p:cTn id="129" dur="1000" fill="hold"/>
                                         <p:tgtEl>
-                                          <p:spTgt spid="229"/>
+                                          <p:spTgt spid="230"/>
                                         </p:tgtEl>
                                         <p:attrNameLst>
                                           <p:attrName>ppt_h</p:attrName>
@@ -6003,7 +6003,7 @@
                                           </p:stCondLst>
                                         </p:cTn>
                                         <p:tgtEl>
-                                          <p:spTgt spid="229"/>
+                                          <p:spTgt spid="230"/>
                                         </p:tgtEl>
                                         <p:attrNameLst>
                                           <p:attrName>style.visibility</p:attrName>
@@ -6038,7 +6038,7 @@
                                       <p:cBhvr>
                                         <p:cTn id="133" dur="1000" fill="hold"/>
                                         <p:tgtEl>
-                                          <p:spTgt spid="234"/>
+                                          <p:spTgt spid="235"/>
                                         </p:tgtEl>
                                         <p:attrNameLst>
                                           <p:attrName>ppt_w</p:attrName>
@@ -6061,7 +6061,7 @@
                                       <p:cBhvr>
                                         <p:cTn id="134" dur="1000" fill="hold"/>
                                         <p:tgtEl>
-                                          <p:spTgt spid="234"/>
+                                          <p:spTgt spid="235"/>
                                         </p:tgtEl>
                                         <p:attrNameLst>
                                           <p:attrName>ppt_h</p:attrName>
@@ -6088,7 +6088,7 @@
                                           </p:stCondLst>
                                         </p:cTn>
                                         <p:tgtEl>
-                                          <p:spTgt spid="234"/>
+                                          <p:spTgt spid="235"/>
                                         </p:tgtEl>
                                         <p:attrNameLst>
                                           <p:attrName>style.visibility</p:attrName>
@@ -6123,7 +6123,7 @@
                                       <p:cBhvr>
                                         <p:cTn id="138" dur="1000" fill="hold"/>
                                         <p:tgtEl>
-                                          <p:spTgt spid="241"/>
+                                          <p:spTgt spid="242"/>
                                         </p:tgtEl>
                                         <p:attrNameLst>
                                           <p:attrName>ppt_w</p:attrName>
@@ -6146,7 +6146,7 @@
                                       <p:cBhvr>
                                         <p:cTn id="139" dur="1000" fill="hold"/>
                                         <p:tgtEl>
-                                          <p:spTgt spid="241"/>
+                                          <p:spTgt spid="242"/>
                                         </p:tgtEl>
                                         <p:attrNameLst>
                                           <p:attrName>ppt_h</p:attrName>
@@ -6173,7 +6173,7 @@
                                           </p:stCondLst>
                                         </p:cTn>
                                         <p:tgtEl>
-                                          <p:spTgt spid="241"/>
+                                          <p:spTgt spid="242"/>
                                         </p:tgtEl>
                                         <p:attrNameLst>
                                           <p:attrName>style.visibility</p:attrName>
@@ -6208,7 +6208,7 @@
                                       <p:cBhvr>
                                         <p:cTn id="143" dur="1000" fill="hold"/>
                                         <p:tgtEl>
-                                          <p:spTgt spid="240"/>
+                                          <p:spTgt spid="241"/>
                                         </p:tgtEl>
                                         <p:attrNameLst>
                                           <p:attrName>ppt_w</p:attrName>
@@ -6231,7 +6231,7 @@
                                       <p:cBhvr>
                                         <p:cTn id="144" dur="1000" fill="hold"/>
                                         <p:tgtEl>
-                                          <p:spTgt spid="240"/>
+                                          <p:spTgt spid="241"/>
                                         </p:tgtEl>
                                         <p:attrNameLst>
                                           <p:attrName>ppt_h</p:attrName>
@@ -6258,7 +6258,7 @@
                                           </p:stCondLst>
                                         </p:cTn>
                                         <p:tgtEl>
-                                          <p:spTgt spid="240"/>
+                                          <p:spTgt spid="241"/>
                                         </p:tgtEl>
                                         <p:attrNameLst>
                                           <p:attrName>style.visibility</p:attrName>
@@ -6293,7 +6293,7 @@
                                       <p:cBhvr>
                                         <p:cTn id="148" dur="1000" fill="hold"/>
                                         <p:tgtEl>
-                                          <p:spTgt spid="242"/>
+                                          <p:spTgt spid="243"/>
                                         </p:tgtEl>
                                         <p:attrNameLst>
                                           <p:attrName>ppt_w</p:attrName>
@@ -6316,7 +6316,7 @@
                                       <p:cBhvr>
                                         <p:cTn id="149" dur="1000" fill="hold"/>
                                         <p:tgtEl>
-                                          <p:spTgt spid="242"/>
+                                          <p:spTgt spid="243"/>
                                         </p:tgtEl>
                                         <p:attrNameLst>
                                           <p:attrName>ppt_h</p:attrName>
@@ -6343,7 +6343,7 @@
                                           </p:stCondLst>
                                         </p:cTn>
                                         <p:tgtEl>
-                                          <p:spTgt spid="242"/>
+                                          <p:spTgt spid="243"/>
                                         </p:tgtEl>
                                         <p:attrNameLst>
                                           <p:attrName>style.visibility</p:attrName>
@@ -6378,7 +6378,7 @@
                                       <p:cBhvr>
                                         <p:cTn id="153" dur="1000" fill="hold"/>
                                         <p:tgtEl>
-                                          <p:spTgt spid="243"/>
+                                          <p:spTgt spid="244"/>
                                         </p:tgtEl>
                                         <p:attrNameLst>
                                           <p:attrName>ppt_w</p:attrName>
@@ -6401,7 +6401,7 @@
                                       <p:cBhvr>
                                         <p:cTn id="154" dur="1000" fill="hold"/>
                                         <p:tgtEl>
-                                          <p:spTgt spid="243"/>
+                                          <p:spTgt spid="244"/>
                                         </p:tgtEl>
                                         <p:attrNameLst>
                                           <p:attrName>ppt_h</p:attrName>
@@ -6428,7 +6428,7 @@
                                           </p:stCondLst>
                                         </p:cTn>
                                         <p:tgtEl>
-                                          <p:spTgt spid="243"/>
+                                          <p:spTgt spid="244"/>
                                         </p:tgtEl>
                                         <p:attrNameLst>
                                           <p:attrName>style.visibility</p:attrName>
@@ -6463,7 +6463,7 @@
                                       <p:cBhvr>
                                         <p:cTn id="158" fill="hold"/>
                                         <p:tgtEl>
-                                          <p:spTgt spid="230"/>
+                                          <p:spTgt spid="231"/>
                                         </p:tgtEl>
                                         <p:attrNameLst>
                                           <p:attrName>style.visibility</p:attrName>
@@ -6477,7 +6477,7 @@
                                       <p:cBhvr>
                                         <p:cTn id="159" dur="799"/>
                                         <p:tgtEl>
-                                          <p:spTgt spid="230"/>
+                                          <p:spTgt spid="231"/>
                                         </p:tgtEl>
                                       </p:cBhvr>
                                     </p:animEffect>
@@ -6506,7 +6506,7 @@
                                       <p:cBhvr>
                                         <p:cTn id="162" fill="hold"/>
                                         <p:tgtEl>
-                                          <p:spTgt spid="247"/>
+                                          <p:spTgt spid="248"/>
                                         </p:tgtEl>
                                         <p:attrNameLst>
                                           <p:attrName>style.visibility</p:attrName>
@@ -6520,7 +6520,7 @@
                                       <p:cBhvr>
                                         <p:cTn id="163" dur="799"/>
                                         <p:tgtEl>
-                                          <p:spTgt spid="247"/>
+                                          <p:spTgt spid="248"/>
                                         </p:tgtEl>
                                       </p:cBhvr>
                                     </p:animEffect>
@@ -6558,7 +6558,7 @@
                                       <p:cBhvr>
                                         <p:cTn id="167" fill="hold"/>
                                         <p:tgtEl>
-                                          <p:spTgt spid="231"/>
+                                          <p:spTgt spid="232"/>
                                         </p:tgtEl>
                                         <p:attrNameLst>
                                           <p:attrName>style.visibility</p:attrName>
@@ -6572,7 +6572,7 @@
                                       <p:cBhvr>
                                         <p:cTn id="168" dur="800"/>
                                         <p:tgtEl>
-                                          <p:spTgt spid="231"/>
+                                          <p:spTgt spid="232"/>
                                         </p:tgtEl>
                                       </p:cBhvr>
                                     </p:animEffect>
@@ -6601,7 +6601,7 @@
                                       <p:cBhvr>
                                         <p:cTn id="171" fill="hold"/>
                                         <p:tgtEl>
-                                          <p:spTgt spid="246"/>
+                                          <p:spTgt spid="247"/>
                                         </p:tgtEl>
                                         <p:attrNameLst>
                                           <p:attrName>style.visibility</p:attrName>
@@ -6615,7 +6615,7 @@
                                       <p:cBhvr>
                                         <p:cTn id="172" dur="799"/>
                                         <p:tgtEl>
-                                          <p:spTgt spid="246"/>
+                                          <p:spTgt spid="247"/>
                                         </p:tgtEl>
                                       </p:cBhvr>
                                     </p:animEffect>
@@ -6653,7 +6653,7 @@
                                       <p:cBhvr>
                                         <p:cTn id="176" fill="hold"/>
                                         <p:tgtEl>
-                                          <p:spTgt spid="232"/>
+                                          <p:spTgt spid="233"/>
                                         </p:tgtEl>
                                         <p:attrNameLst>
                                           <p:attrName>style.visibility</p:attrName>
@@ -6667,7 +6667,7 @@
                                       <p:cBhvr>
                                         <p:cTn id="177" dur="800"/>
                                         <p:tgtEl>
-                                          <p:spTgt spid="232"/>
+                                          <p:spTgt spid="233"/>
                                         </p:tgtEl>
                                       </p:cBhvr>
                                     </p:animEffect>
@@ -6696,7 +6696,7 @@
                                       <p:cBhvr>
                                         <p:cTn id="180" fill="hold"/>
                                         <p:tgtEl>
-                                          <p:spTgt spid="248"/>
+                                          <p:spTgt spid="249"/>
                                         </p:tgtEl>
                                         <p:attrNameLst>
                                           <p:attrName>style.visibility</p:attrName>
@@ -6710,7 +6710,7 @@
                                       <p:cBhvr>
                                         <p:cTn id="181" dur="800"/>
                                         <p:tgtEl>
-                                          <p:spTgt spid="248"/>
+                                          <p:spTgt spid="249"/>
                                         </p:tgtEl>
                                       </p:cBhvr>
                                     </p:animEffect>
@@ -6748,7 +6748,7 @@
                                       <p:cBhvr>
                                         <p:cTn id="185" fill="hold"/>
                                         <p:tgtEl>
-                                          <p:spTgt spid="233"/>
+                                          <p:spTgt spid="234"/>
                                         </p:tgtEl>
                                         <p:attrNameLst>
                                           <p:attrName>style.visibility</p:attrName>
@@ -6762,7 +6762,7 @@
                                       <p:cBhvr>
                                         <p:cTn id="186" dur="800"/>
                                         <p:tgtEl>
-                                          <p:spTgt spid="233"/>
+                                          <p:spTgt spid="234"/>
                                         </p:tgtEl>
                                       </p:cBhvr>
                                     </p:animEffect>
@@ -6791,7 +6791,7 @@
                                       <p:cBhvr>
                                         <p:cTn id="189" fill="hold"/>
                                         <p:tgtEl>
-                                          <p:spTgt spid="244"/>
+                                          <p:spTgt spid="245"/>
                                         </p:tgtEl>
                                         <p:attrNameLst>
                                           <p:attrName>style.visibility</p:attrName>
@@ -6805,7 +6805,7 @@
                                       <p:cBhvr>
                                         <p:cTn id="190" dur="799"/>
                                         <p:tgtEl>
-                                          <p:spTgt spid="244"/>
+                                          <p:spTgt spid="245"/>
                                         </p:tgtEl>
                                       </p:cBhvr>
                                     </p:animEffect>
@@ -6843,7 +6843,7 @@
                                       <p:cBhvr>
                                         <p:cTn id="194" fill="hold"/>
                                         <p:tgtEl>
-                                          <p:spTgt spid="239"/>
+                                          <p:spTgt spid="240"/>
                                         </p:tgtEl>
                                         <p:attrNameLst>
                                           <p:attrName>style.visibility</p:attrName>
@@ -6857,7 +6857,7 @@
                                       <p:cBhvr>
                                         <p:cTn id="195" dur="800"/>
                                         <p:tgtEl>
-                                          <p:spTgt spid="239"/>
+                                          <p:spTgt spid="240"/>
                                         </p:tgtEl>
                                       </p:cBhvr>
                                     </p:animEffect>
@@ -6886,7 +6886,7 @@
                                       <p:cBhvr>
                                         <p:cTn id="198" fill="hold"/>
                                         <p:tgtEl>
-                                          <p:spTgt spid="245"/>
+                                          <p:spTgt spid="246"/>
                                         </p:tgtEl>
                                         <p:attrNameLst>
                                           <p:attrName>style.visibility</p:attrName>
@@ -6900,7 +6900,7 @@
                                       <p:cBhvr>
                                         <p:cTn id="199" dur="799"/>
                                         <p:tgtEl>
-                                          <p:spTgt spid="245"/>
+                                          <p:spTgt spid="246"/>
                                         </p:tgtEl>
                                       </p:cBhvr>
                                     </p:animEffect>
@@ -6935,48 +6935,48 @@
       </p:par>
     </p:tnLst>
     <p:bldLst>
-      <p:bldP build="whole" bldLvl="1" animBg="1" rev="0" advAuto="0" spid="229" grpId="21"/>
-      <p:bldP build="whole" bldLvl="1" animBg="1" rev="0" advAuto="0" spid="242" grpId="22"/>
-      <p:bldP build="whole" bldLvl="1" animBg="1" rev="0" advAuto="0" spid="235" grpId="13"/>
-      <p:bldP build="whole" bldLvl="1" animBg="1" rev="0" advAuto="0" spid="227" grpId="17"/>
-      <p:bldP build="whole" bldLvl="1" animBg="1" rev="0" advAuto="0" spid="230" grpId="33"/>
-      <p:bldP build="whole" bldLvl="1" animBg="1" rev="0" advAuto="0" spid="229" grpId="27"/>
-      <p:bldP build="whole" bldLvl="1" animBg="1" rev="0" advAuto="0" spid="232" grpId="37"/>
-      <p:bldP build="whole" bldLvl="1" animBg="1" rev="0" advAuto="0" spid="225" grpId="5"/>
-      <p:bldP build="whole" bldLvl="1" animBg="1" rev="0" advAuto="0" spid="239" grpId="41"/>
-      <p:bldP build="whole" bldLvl="1" animBg="1" rev="0" advAuto="0" spid="241" grpId="18"/>
-      <p:bldP build="whole" bldLvl="1" animBg="1" rev="0" advAuto="0" spid="236" grpId="8"/>
-      <p:bldP build="whole" bldLvl="1" animBg="1" rev="0" advAuto="0" spid="242" grpId="31"/>
-      <p:bldP build="whole" bldLvl="1" animBg="1" rev="0" advAuto="0" spid="227" grpId="25"/>
-      <p:bldP build="whole" bldLvl="1" animBg="1" rev="0" advAuto="0" spid="236" grpId="11"/>
-      <p:bldP build="whole" bldLvl="1" animBg="1" rev="0" advAuto="0" spid="225" grpId="15"/>
-      <p:bldP build="whole" bldLvl="1" animBg="1" rev="0" advAuto="0" spid="234" grpId="23"/>
-      <p:bldP build="whole" bldLvl="1" animBg="1" rev="0" advAuto="0" spid="223" grpId="1"/>
-      <p:bldP build="whole" bldLvl="1" animBg="1" rev="0" advAuto="0" spid="240" grpId="20"/>
-      <p:bldP build="whole" bldLvl="1" animBg="1" rev="0" advAuto="0" spid="241" grpId="29"/>
-      <p:bldP build="whole" bldLvl="1" animBg="1" rev="0" advAuto="0" spid="231" grpId="35"/>
-      <p:bldP build="whole" bldLvl="1" animBg="1" rev="0" advAuto="0" spid="234" grpId="28"/>
-      <p:bldP build="whole" bldLvl="1" animBg="1" rev="0" advAuto="0" spid="243" grpId="24"/>
-      <p:bldP build="whole" bldLvl="1" animBg="1" rev="0" advAuto="0" spid="224" grpId="3"/>
-      <p:bldP build="whole" bldLvl="1" animBg="1" rev="0" advAuto="0" spid="238" grpId="6"/>
-      <p:bldP build="whole" bldLvl="1" animBg="1" rev="0" advAuto="0" spid="223" grpId="9"/>
-      <p:bldP build="whole" bldLvl="1" animBg="1" rev="0" advAuto="0" spid="238" grpId="10"/>
-      <p:bldP build="whole" bldLvl="1" animBg="1" rev="0" advAuto="0" spid="237" grpId="4"/>
-      <p:bldP build="whole" bldLvl="1" animBg="1" rev="0" advAuto="0" spid="240" grpId="30"/>
-      <p:bldP build="whole" bldLvl="1" animBg="1" rev="0" advAuto="0" spid="243" grpId="32"/>
-      <p:bldP build="whole" bldLvl="1" animBg="1" rev="0" advAuto="0" spid="237" grpId="12"/>
-      <p:bldP build="whole" bldLvl="1" animBg="1" rev="0" advAuto="0" spid="248" grpId="38"/>
-      <p:bldP build="whole" bldLvl="1" animBg="1" rev="0" advAuto="0" spid="245" grpId="42"/>
-      <p:bldP build="whole" bldLvl="1" animBg="1" rev="0" advAuto="0" spid="224" grpId="14"/>
-      <p:bldP build="whole" bldLvl="1" animBg="1" rev="0" advAuto="0" spid="226" grpId="7"/>
-      <p:bldP build="whole" bldLvl="1" animBg="1" rev="0" advAuto="0" spid="228" grpId="19"/>
-      <p:bldP build="whole" bldLvl="1" animBg="1" rev="0" advAuto="0" spid="233" grpId="39"/>
-      <p:bldP build="whole" bldLvl="1" animBg="1" rev="0" advAuto="0" spid="226" grpId="16"/>
-      <p:bldP build="whole" bldLvl="1" animBg="1" rev="0" advAuto="0" spid="228" grpId="26"/>
-      <p:bldP build="whole" bldLvl="1" animBg="1" rev="0" advAuto="0" spid="247" grpId="34"/>
-      <p:bldP build="whole" bldLvl="1" animBg="1" rev="0" advAuto="0" spid="235" grpId="2"/>
-      <p:bldP build="whole" bldLvl="1" animBg="1" rev="0" advAuto="0" spid="246" grpId="36"/>
-      <p:bldP build="whole" bldLvl="1" animBg="1" rev="0" advAuto="0" spid="244" grpId="40"/>
+      <p:bldP build="whole" bldLvl="1" animBg="1" rev="0" advAuto="0" spid="234" grpId="39"/>
+      <p:bldP build="whole" bldLvl="1" animBg="1" rev="0" advAuto="0" spid="229" grpId="19"/>
+      <p:bldP build="whole" bldLvl="1" animBg="1" rev="0" advAuto="0" spid="245" grpId="40"/>
+      <p:bldP build="whole" bldLvl="1" animBg="1" rev="0" advAuto="0" spid="232" grpId="35"/>
+      <p:bldP build="whole" bldLvl="1" animBg="1" rev="0" advAuto="0" spid="229" grpId="26"/>
+      <p:bldP build="whole" bldLvl="1" animBg="1" rev="0" advAuto="0" spid="224" grpId="1"/>
+      <p:bldP build="whole" bldLvl="1" animBg="1" rev="0" advAuto="0" spid="248" grpId="34"/>
+      <p:bldP build="whole" bldLvl="1" animBg="1" rev="0" advAuto="0" spid="233" grpId="37"/>
+      <p:bldP build="whole" bldLvl="1" animBg="1" rev="0" advAuto="0" spid="241" grpId="20"/>
+      <p:bldP build="whole" bldLvl="1" animBg="1" rev="0" advAuto="0" spid="249" grpId="38"/>
+      <p:bldP build="whole" bldLvl="1" animBg="1" rev="0" advAuto="0" spid="246" grpId="42"/>
+      <p:bldP build="whole" bldLvl="1" animBg="1" rev="0" advAuto="0" spid="236" grpId="2"/>
+      <p:bldP build="whole" bldLvl="1" animBg="1" rev="0" advAuto="0" spid="224" grpId="9"/>
+      <p:bldP build="whole" bldLvl="1" animBg="1" rev="0" advAuto="0" spid="225" grpId="3"/>
+      <p:bldP build="whole" bldLvl="1" animBg="1" rev="0" advAuto="0" spid="243" grpId="22"/>
+      <p:bldP build="whole" bldLvl="1" animBg="1" rev="0" advAuto="0" spid="241" grpId="30"/>
+      <p:bldP build="whole" bldLvl="1" animBg="1" rev="0" advAuto="0" spid="239" grpId="6"/>
+      <p:bldP build="whole" bldLvl="1" animBg="1" rev="0" advAuto="0" spid="240" grpId="41"/>
+      <p:bldP build="whole" bldLvl="1" animBg="1" rev="0" advAuto="0" spid="239" grpId="10"/>
+      <p:bldP build="whole" bldLvl="1" animBg="1" rev="0" advAuto="0" spid="236" grpId="13"/>
+      <p:bldP build="whole" bldLvl="1" animBg="1" rev="0" advAuto="0" spid="227" grpId="7"/>
+      <p:bldP build="whole" bldLvl="1" animBg="1" rev="0" advAuto="0" spid="242" grpId="18"/>
+      <p:bldP build="whole" bldLvl="1" animBg="1" rev="0" advAuto="0" spid="235" grpId="23"/>
+      <p:bldP build="whole" bldLvl="1" animBg="1" rev="0" advAuto="0" spid="243" grpId="31"/>
+      <p:bldP build="whole" bldLvl="1" animBg="1" rev="0" advAuto="0" spid="225" grpId="14"/>
+      <p:bldP build="whole" bldLvl="1" animBg="1" rev="0" advAuto="0" spid="235" grpId="28"/>
+      <p:bldP build="whole" bldLvl="1" animBg="1" rev="0" advAuto="0" spid="238" grpId="4"/>
+      <p:bldP build="whole" bldLvl="1" animBg="1" rev="0" advAuto="0" spid="227" grpId="16"/>
+      <p:bldP build="whole" bldLvl="1" animBg="1" rev="0" advAuto="0" spid="242" grpId="29"/>
+      <p:bldP build="whole" bldLvl="1" animBg="1" rev="0" advAuto="0" spid="230" grpId="21"/>
+      <p:bldP build="whole" bldLvl="1" animBg="1" rev="0" advAuto="0" spid="247" grpId="36"/>
+      <p:bldP build="whole" bldLvl="1" animBg="1" rev="0" advAuto="0" spid="228" grpId="17"/>
+      <p:bldP build="whole" bldLvl="1" animBg="1" rev="0" advAuto="0" spid="244" grpId="24"/>
+      <p:bldP build="whole" bldLvl="1" animBg="1" rev="0" advAuto="0" spid="238" grpId="12"/>
+      <p:bldP build="whole" bldLvl="1" animBg="1" rev="0" advAuto="0" spid="237" grpId="8"/>
+      <p:bldP build="whole" bldLvl="1" animBg="1" rev="0" advAuto="0" spid="230" grpId="27"/>
+      <p:bldP build="whole" bldLvl="1" animBg="1" rev="0" advAuto="0" spid="226" grpId="5"/>
+      <p:bldP build="whole" bldLvl="1" animBg="1" rev="0" advAuto="0" spid="237" grpId="11"/>
+      <p:bldP build="whole" bldLvl="1" animBg="1" rev="0" advAuto="0" spid="228" grpId="25"/>
+      <p:bldP build="whole" bldLvl="1" animBg="1" rev="0" advAuto="0" spid="244" grpId="32"/>
+      <p:bldP build="whole" bldLvl="1" animBg="1" rev="0" advAuto="0" spid="226" grpId="15"/>
+      <p:bldP build="whole" bldLvl="1" animBg="1" rev="0" advAuto="0" spid="231" grpId="33"/>
     </p:bldLst>
   </p:timing>
 </p:sld>
@@ -7001,7 +7001,7 @@
       </p:grpSpPr>
       <p:sp>
         <p:nvSpPr>
-          <p:cNvPr id="250" name="Conclusion"/>
+          <p:cNvPr id="251" name="Conclusion"/>
           <p:cNvSpPr txBox="1"/>
           <p:nvPr/>
         </p:nvSpPr>
@@ -7046,7 +7046,7 @@
       </p:sp>
       <p:sp>
         <p:nvSpPr>
-          <p:cNvPr id="251" name="- Amélioration de notre capacité au travail de groupe"/>
+          <p:cNvPr id="252" name="- Amélioration de notre capacité au travail de groupe"/>
           <p:cNvSpPr txBox="1"/>
           <p:nvPr/>
         </p:nvSpPr>
@@ -7089,7 +7089,7 @@
       </p:sp>
       <p:sp>
         <p:nvSpPr>
-          <p:cNvPr id="252" name="- Réalisation d’un jeu d’échecs"/>
+          <p:cNvPr id="253" name="- Réalisation d’un jeu d’échecs"/>
           <p:cNvSpPr txBox="1"/>
           <p:nvPr/>
         </p:nvSpPr>
@@ -7132,7 +7132,7 @@
       </p:sp>
       <p:sp>
         <p:nvSpPr>
-          <p:cNvPr id="253" name="- Mise en pratique des connaissances comme l’UML"/>
+          <p:cNvPr id="254" name="- Mise en pratique des connaissances comme l’UML"/>
           <p:cNvSpPr txBox="1"/>
           <p:nvPr/>
         </p:nvSpPr>
@@ -7175,7 +7175,7 @@
       </p:sp>
       <p:sp>
         <p:nvSpPr>
-          <p:cNvPr id="254" name="- Amélioration de l’esthétique du jeu"/>
+          <p:cNvPr id="255" name="- Amélioration de l’esthétique du jeu"/>
           <p:cNvSpPr txBox="1"/>
           <p:nvPr/>
         </p:nvSpPr>
@@ -7218,7 +7218,7 @@
       </p:sp>
       <p:sp>
         <p:nvSpPr>
-          <p:cNvPr id="255" name="Numéro de diapositive"/>
+          <p:cNvPr id="256" name="Numéro de diapositive"/>
           <p:cNvSpPr txBox="1"/>
           <p:nvPr>
             <p:ph type="sldNum" sz="quarter" idx="2"/>
@@ -7256,7 +7256,7 @@
       </p:sp>
       <p:pic>
         <p:nvPicPr>
-          <p:cNvPr id="256" name="chess-board.png" descr="chess-board.png"/>
+          <p:cNvPr id="257" name="chess-board.png" descr="chess-board.png"/>
           <p:cNvPicPr>
             <a:picLocks noChangeAspect="1"/>
           </p:cNvPicPr>
@@ -7285,7 +7285,7 @@
       </p:pic>
       <p:pic>
         <p:nvPicPr>
-          <p:cNvPr id="257" name="teamwork.png" descr="teamwork.png"/>
+          <p:cNvPr id="258" name="teamwork.png" descr="teamwork.png"/>
           <p:cNvPicPr>
             <a:picLocks noChangeAspect="1"/>
           </p:cNvPicPr>
@@ -7314,7 +7314,7 @@
       </p:pic>
       <p:pic>
         <p:nvPicPr>
-          <p:cNvPr id="258" name="monitor.png" descr="monitor.png"/>
+          <p:cNvPr id="259" name="monitor.png" descr="monitor.png"/>
           <p:cNvPicPr>
             <a:picLocks noChangeAspect="1"/>
           </p:cNvPicPr>
@@ -7343,7 +7343,7 @@
       </p:pic>
       <p:pic>
         <p:nvPicPr>
-          <p:cNvPr id="259" name="diagram.png" descr="diagram.png"/>
+          <p:cNvPr id="260" name="diagram.png" descr="diagram.png"/>
           <p:cNvPicPr>
             <a:picLocks noChangeAspect="1"/>
           </p:cNvPicPr>
@@ -7423,7 +7423,7 @@
                                       <p:cBhvr>
                                         <p:cTn id="6" fill="hold"/>
                                         <p:tgtEl>
-                                          <p:spTgt spid="252"/>
+                                          <p:spTgt spid="253"/>
                                         </p:tgtEl>
                                         <p:attrNameLst>
                                           <p:attrName>style.visibility</p:attrName>
@@ -7437,7 +7437,7 @@
                                       <p:cBhvr>
                                         <p:cTn id="7" dur="800"/>
                                         <p:tgtEl>
-                                          <p:spTgt spid="252"/>
+                                          <p:spTgt spid="253"/>
                                         </p:tgtEl>
                                       </p:cBhvr>
                                     </p:animEffect>
@@ -7466,7 +7466,7 @@
                                       <p:cBhvr>
                                         <p:cTn id="10" fill="hold"/>
                                         <p:tgtEl>
-                                          <p:spTgt spid="256"/>
+                                          <p:spTgt spid="257"/>
                                         </p:tgtEl>
                                         <p:attrNameLst>
                                           <p:attrName>style.visibility</p:attrName>
@@ -7480,7 +7480,7 @@
                                       <p:cBhvr>
                                         <p:cTn id="11" dur="1000"/>
                                         <p:tgtEl>
-                                          <p:spTgt spid="256"/>
+                                          <p:spTgt spid="257"/>
                                         </p:tgtEl>
                                       </p:cBhvr>
                                     </p:animEffect>
@@ -7518,7 +7518,7 @@
                                       <p:cBhvr>
                                         <p:cTn id="15" fill="hold"/>
                                         <p:tgtEl>
-                                          <p:spTgt spid="251"/>
+                                          <p:spTgt spid="252"/>
                                         </p:tgtEl>
                                         <p:attrNameLst>
                                           <p:attrName>style.visibility</p:attrName>
@@ -7532,7 +7532,7 @@
                                       <p:cBhvr>
                                         <p:cTn id="16" dur="800"/>
                                         <p:tgtEl>
-                                          <p:spTgt spid="251"/>
+                                          <p:spTgt spid="252"/>
                                         </p:tgtEl>
                                       </p:cBhvr>
                                     </p:animEffect>
@@ -7561,7 +7561,7 @@
                                       <p:cBhvr>
                                         <p:cTn id="19" fill="hold"/>
                                         <p:tgtEl>
-                                          <p:spTgt spid="257"/>
+                                          <p:spTgt spid="258"/>
                                         </p:tgtEl>
                                         <p:attrNameLst>
                                           <p:attrName>style.visibility</p:attrName>
@@ -7575,7 +7575,7 @@
                                       <p:cBhvr>
                                         <p:cTn id="20" dur="1000"/>
                                         <p:tgtEl>
-                                          <p:spTgt spid="257"/>
+                                          <p:spTgt spid="258"/>
                                         </p:tgtEl>
                                       </p:cBhvr>
                                     </p:animEffect>
@@ -7613,7 +7613,7 @@
                                       <p:cBhvr>
                                         <p:cTn id="24" fill="hold"/>
                                         <p:tgtEl>
-                                          <p:spTgt spid="253"/>
+                                          <p:spTgt spid="254"/>
                                         </p:tgtEl>
                                         <p:attrNameLst>
                                           <p:attrName>style.visibility</p:attrName>
@@ -7627,7 +7627,7 @@
                                       <p:cBhvr>
                                         <p:cTn id="25" dur="800"/>
                                         <p:tgtEl>
-                                          <p:spTgt spid="253"/>
+                                          <p:spTgt spid="254"/>
                                         </p:tgtEl>
                                       </p:cBhvr>
                                     </p:animEffect>
@@ -7656,7 +7656,7 @@
                                       <p:cBhvr>
                                         <p:cTn id="28" fill="hold"/>
                                         <p:tgtEl>
-                                          <p:spTgt spid="259"/>
+                                          <p:spTgt spid="260"/>
                                         </p:tgtEl>
                                         <p:attrNameLst>
                                           <p:attrName>style.visibility</p:attrName>
@@ -7670,7 +7670,7 @@
                                       <p:cBhvr>
                                         <p:cTn id="29" dur="1000"/>
                                         <p:tgtEl>
-                                          <p:spTgt spid="259"/>
+                                          <p:spTgt spid="260"/>
                                         </p:tgtEl>
                                       </p:cBhvr>
                                     </p:animEffect>
@@ -7708,7 +7708,7 @@
                                       <p:cBhvr>
                                         <p:cTn id="33" fill="hold"/>
                                         <p:tgtEl>
-                                          <p:spTgt spid="254"/>
+                                          <p:spTgt spid="255"/>
                                         </p:tgtEl>
                                         <p:attrNameLst>
                                           <p:attrName>style.visibility</p:attrName>
@@ -7722,7 +7722,7 @@
                                       <p:cBhvr>
                                         <p:cTn id="34" dur="800"/>
                                         <p:tgtEl>
-                                          <p:spTgt spid="254"/>
+                                          <p:spTgt spid="255"/>
                                         </p:tgtEl>
                                       </p:cBhvr>
                                     </p:animEffect>
@@ -7751,7 +7751,7 @@
                                       <p:cBhvr>
                                         <p:cTn id="37" fill="hold"/>
                                         <p:tgtEl>
-                                          <p:spTgt spid="258"/>
+                                          <p:spTgt spid="259"/>
                                         </p:tgtEl>
                                         <p:attrNameLst>
                                           <p:attrName>style.visibility</p:attrName>
@@ -7765,7 +7765,7 @@
                                       <p:cBhvr>
                                         <p:cTn id="38" dur="1000"/>
                                         <p:tgtEl>
-                                          <p:spTgt spid="258"/>
+                                          <p:spTgt spid="259"/>
                                         </p:tgtEl>
                                       </p:cBhvr>
                                     </p:animEffect>
@@ -7800,14 +7800,14 @@
       </p:par>
     </p:tnLst>
     <p:bldLst>
-      <p:bldP build="whole" bldLvl="1" animBg="1" rev="0" advAuto="0" spid="258" grpId="8"/>
-      <p:bldP build="whole" bldLvl="1" animBg="1" rev="0" advAuto="0" spid="256" grpId="2"/>
-      <p:bldP build="whole" bldLvl="1" animBg="1" rev="0" advAuto="0" spid="259" grpId="6"/>
-      <p:bldP build="whole" bldLvl="1" animBg="1" rev="0" advAuto="0" spid="257" grpId="4"/>
-      <p:bldP build="whole" bldLvl="1" animBg="1" rev="0" advAuto="0" spid="252" grpId="1"/>
-      <p:bldP build="whole" bldLvl="1" animBg="1" rev="0" advAuto="0" spid="251" grpId="3"/>
-      <p:bldP build="whole" bldLvl="1" animBg="1" rev="0" advAuto="0" spid="254" grpId="7"/>
-      <p:bldP build="whole" bldLvl="1" animBg="1" rev="0" advAuto="0" spid="253" grpId="5"/>
+      <p:bldP build="whole" bldLvl="1" animBg="1" rev="0" advAuto="0" spid="252" grpId="3"/>
+      <p:bldP build="whole" bldLvl="1" animBg="1" rev="0" advAuto="0" spid="258" grpId="4"/>
+      <p:bldP build="whole" bldLvl="1" animBg="1" rev="0" advAuto="0" spid="257" grpId="2"/>
+      <p:bldP build="whole" bldLvl="1" animBg="1" rev="0" advAuto="0" spid="253" grpId="1"/>
+      <p:bldP build="whole" bldLvl="1" animBg="1" rev="0" advAuto="0" spid="260" grpId="6"/>
+      <p:bldP build="whole" bldLvl="1" animBg="1" rev="0" advAuto="0" spid="254" grpId="5"/>
+      <p:bldP build="whole" bldLvl="1" animBg="1" rev="0" advAuto="0" spid="259" grpId="8"/>
+      <p:bldP build="whole" bldLvl="1" animBg="1" rev="0" advAuto="0" spid="255" grpId="7"/>
     </p:bldLst>
   </p:timing>
 </p:sld>
@@ -8095,8 +8095,8 @@
         </p:nvSpPr>
         <p:spPr>
           <a:xfrm>
-            <a:off x="2551904" y="3088672"/>
-            <a:ext cx="3885820" cy="399289"/>
+            <a:off x="2551903" y="3088672"/>
+            <a:ext cx="3885821" cy="399289"/>
           </a:xfrm>
           <a:prstGeom prst="rect">
             <a:avLst/>
@@ -9971,22 +9971,22 @@
       </p:par>
     </p:tnLst>
     <p:bldLst>
+      <p:bldP build="whole" bldLvl="1" animBg="1" rev="0" advAuto="0" spid="128" grpId="9"/>
+      <p:bldP build="whole" bldLvl="1" animBg="1" rev="0" advAuto="0" spid="140" grpId="15"/>
+      <p:bldP build="whole" bldLvl="1" animBg="1" rev="0" advAuto="0" spid="139" grpId="12"/>
+      <p:bldP build="whole" bldLvl="1" animBg="1" rev="0" advAuto="0" spid="143" grpId="16"/>
+      <p:bldP build="whole" bldLvl="1" animBg="1" rev="0" advAuto="0" spid="135" grpId="4"/>
       <p:bldP build="whole" bldLvl="1" animBg="1" rev="0" advAuto="0" spid="137" grpId="8"/>
+      <p:bldP build="whole" bldLvl="1" animBg="1" rev="0" advAuto="0" spid="138" grpId="10"/>
+      <p:bldP build="whole" bldLvl="1" animBg="1" rev="0" advAuto="0" spid="134" grpId="2"/>
+      <p:bldP build="whole" bldLvl="1" animBg="1" rev="0" advAuto="0" spid="142" grpId="14"/>
+      <p:bldP build="whole" bldLvl="1" animBg="1" rev="0" advAuto="0" spid="136" grpId="6"/>
+      <p:bldP build="whole" bldLvl="1" animBg="1" rev="0" advAuto="0" spid="133" grpId="3"/>
+      <p:bldP build="whole" bldLvl="1" animBg="1" rev="0" advAuto="0" spid="130" grpId="1"/>
       <p:bldP build="whole" bldLvl="1" animBg="1" rev="0" advAuto="0" spid="129" grpId="7"/>
-      <p:bldP build="whole" bldLvl="1" animBg="1" rev="0" advAuto="0" spid="128" grpId="9"/>
-      <p:bldP build="whole" bldLvl="1" animBg="1" rev="0" advAuto="0" spid="143" grpId="16"/>
-      <p:bldP build="whole" bldLvl="1" animBg="1" rev="0" advAuto="0" spid="133" grpId="3"/>
-      <p:bldP build="whole" bldLvl="1" animBg="1" rev="0" advAuto="0" spid="138" grpId="10"/>
-      <p:bldP build="whole" bldLvl="1" animBg="1" rev="0" advAuto="0" spid="136" grpId="6"/>
-      <p:bldP build="whole" bldLvl="1" animBg="1" rev="0" advAuto="0" spid="140" grpId="15"/>
-      <p:bldP build="whole" bldLvl="1" animBg="1" rev="0" advAuto="0" spid="134" grpId="2"/>
-      <p:bldP build="whole" bldLvl="1" animBg="1" rev="0" advAuto="0" spid="139" grpId="12"/>
-      <p:bldP build="whole" bldLvl="1" animBg="1" rev="0" advAuto="0" spid="141" grpId="13"/>
-      <p:bldP build="whole" bldLvl="1" animBg="1" rev="0" advAuto="0" spid="135" grpId="4"/>
-      <p:bldP build="whole" bldLvl="1" animBg="1" rev="0" advAuto="0" spid="142" grpId="14"/>
       <p:bldP build="whole" bldLvl="1" animBg="1" rev="0" advAuto="0" spid="132" grpId="5"/>
       <p:bldP build="whole" bldLvl="1" animBg="1" rev="0" advAuto="0" spid="131" grpId="11"/>
-      <p:bldP build="whole" bldLvl="1" animBg="1" rev="0" advAuto="0" spid="130" grpId="1"/>
+      <p:bldP build="whole" bldLvl="1" animBg="1" rev="0" advAuto="0" spid="141" grpId="13"/>
     </p:bldLst>
   </p:timing>
 </p:sld>
@@ -10146,8 +10146,8 @@
         </p:blipFill>
         <p:spPr>
           <a:xfrm>
-            <a:off x="7576486" y="1834420"/>
-            <a:ext cx="3908251" cy="3858705"/>
+            <a:off x="7576487" y="1834420"/>
+            <a:ext cx="3908250" cy="3858706"/>
           </a:xfrm>
           <a:prstGeom prst="rect">
             <a:avLst/>
@@ -10166,7 +10166,7 @@
         <p:spPr>
           <a:xfrm>
             <a:off x="5387982" y="7009757"/>
-            <a:ext cx="10464801" cy="1961514"/>
+            <a:ext cx="10464801" cy="1961515"/>
           </a:xfrm>
           <a:prstGeom prst="rect">
             <a:avLst/>
@@ -10700,7 +10700,7 @@
         <p:spPr>
           <a:xfrm>
             <a:off x="2575820" y="1618310"/>
-            <a:ext cx="8724975" cy="6705620"/>
+            <a:ext cx="8724975" cy="6705619"/>
           </a:xfrm>
           <a:prstGeom prst="rect">
             <a:avLst/>
@@ -10993,10 +10993,10 @@
       </p:par>
     </p:tnLst>
     <p:bldLst>
+      <p:bldP build="whole" bldLvl="1" animBg="1" rev="0" advAuto="0" spid="162" grpId="2"/>
+      <p:bldP build="whole" bldLvl="1" animBg="1" rev="0" advAuto="0" spid="162" grpId="1"/>
+      <p:bldP build="whole" bldLvl="1" animBg="1" rev="0" advAuto="0" spid="163" grpId="5"/>
       <p:bldP build="whole" bldLvl="1" animBg="1" rev="0" advAuto="0" spid="163" grpId="4"/>
-      <p:bldP build="whole" bldLvl="1" animBg="1" rev="0" advAuto="0" spid="163" grpId="5"/>
-      <p:bldP build="whole" bldLvl="1" animBg="1" rev="0" advAuto="0" spid="162" grpId="1"/>
-      <p:bldP build="whole" bldLvl="1" animBg="1" rev="0" advAuto="0" spid="162" grpId="2"/>
     </p:bldLst>
   </p:timing>
 </p:sld>
@@ -11355,9 +11355,39 @@
           <a:chExt cx="0" cy="0"/>
         </a:xfrm>
       </p:grpSpPr>
+      <p:pic>
+        <p:nvPicPr>
+          <p:cNvPr id="174" name="gantt.png" descr="gantt.png"/>
+          <p:cNvPicPr>
+            <a:picLocks noChangeAspect="1"/>
+          </p:cNvPicPr>
+          <p:nvPr/>
+        </p:nvPicPr>
+        <p:blipFill>
+          <a:blip r:embed="rId2">
+            <a:extLst/>
+          </a:blip>
+          <a:srcRect l="13137" t="9981" r="0" b="0"/>
+          <a:stretch>
+            <a:fillRect/>
+          </a:stretch>
+        </p:blipFill>
+        <p:spPr>
+          <a:xfrm>
+            <a:off x="4479677" y="2407345"/>
+            <a:ext cx="41516450" cy="5914492"/>
+          </a:xfrm>
+          <a:prstGeom prst="rect">
+            <a:avLst/>
+          </a:prstGeom>
+          <a:ln w="12700">
+            <a:miter lim="400000"/>
+          </a:ln>
+        </p:spPr>
+      </p:pic>
       <p:sp>
         <p:nvSpPr>
-          <p:cNvPr id="174" name="Déroulement du projet"/>
+          <p:cNvPr id="175" name="Déroulement du projet"/>
           <p:cNvSpPr txBox="1"/>
           <p:nvPr/>
         </p:nvSpPr>
@@ -11402,7 +11432,7 @@
       </p:sp>
       <p:sp>
         <p:nvSpPr>
-          <p:cNvPr id="175" name="Numéro de diapositive"/>
+          <p:cNvPr id="176" name="Numéro de diapositive"/>
           <p:cNvSpPr txBox="1"/>
           <p:nvPr>
             <p:ph type="sldNum" sz="quarter" idx="2"/>
@@ -11438,55 +11468,36 @@
           </a:p>
         </p:txBody>
       </p:sp>
-      <p:sp>
-        <p:nvSpPr>
-          <p:cNvPr id="176" name="Gantt"/>
-          <p:cNvSpPr/>
+      <p:pic>
+        <p:nvPicPr>
+          <p:cNvPr id="177" name="gantt.png" descr="gantt.png"/>
+          <p:cNvPicPr>
+            <a:picLocks noChangeAspect="1"/>
+          </p:cNvPicPr>
           <p:nvPr/>
-        </p:nvSpPr>
+        </p:nvPicPr>
+        <p:blipFill>
+          <a:blip r:embed="rId2">
+            <a:extLst/>
+          </a:blip>
+          <a:srcRect l="0" t="9981" r="90673" b="0"/>
+          <a:stretch>
+            <a:fillRect/>
+          </a:stretch>
+        </p:blipFill>
         <p:spPr>
           <a:xfrm>
-            <a:off x="545255" y="2577671"/>
-            <a:ext cx="11914290" cy="6582844"/>
+            <a:off x="9269" y="2407345"/>
+            <a:ext cx="4457659" cy="5914492"/>
           </a:xfrm>
           <a:prstGeom prst="rect">
             <a:avLst/>
           </a:prstGeom>
-          <a:solidFill>
-            <a:schemeClr val="accent1"/>
-          </a:solidFill>
           <a:ln w="12700">
             <a:miter lim="400000"/>
           </a:ln>
-          <a:extLst>
-            <a:ext uri="{C572A759-6A51-4108-AA02-DFA0A04FC94B}">
-              <ma14:wrappingTextBoxFlag xmlns:ma14="http://schemas.microsoft.com/office/mac/drawingml/2011/main" val="1"/>
-            </a:ext>
-          </a:extLst>
-        </p:spPr>
-        <p:txBody>
-          <a:bodyPr lIns="50800" tIns="50800" rIns="50800" bIns="50800" anchor="ctr"/>
-          <a:lstStyle>
-            <a:lvl1pPr>
-              <a:defRPr b="0" sz="2200">
-                <a:solidFill>
-                  <a:srgbClr val="FFFFFF"/>
-                </a:solidFill>
-                <a:latin typeface="+mn-lt"/>
-                <a:ea typeface="+mn-ea"/>
-                <a:cs typeface="+mn-cs"/>
-                <a:sym typeface="Helvetica Neue Medium"/>
-              </a:defRPr>
-            </a:lvl1pPr>
-          </a:lstStyle>
-          <a:p>
-            <a:pPr/>
-            <a:r>
-              <a:t>Gantt</a:t>
-            </a:r>
-          </a:p>
-        </p:txBody>
-      </p:sp>
+        </p:spPr>
+      </p:pic>
     </p:spTree>
   </p:cSld>
   <p:clrMapOvr>
@@ -11504,6 +11515,192 @@
       </p:transition>
     </mc:Fallback>
   </mc:AlternateContent>
+  <p:timing>
+    <p:tnLst>
+      <p:par>
+        <p:cTn id="1" nodeType="tmRoot" restart="never" dur="indefinite" fill="hold">
+          <p:childTnLst>
+            <p:seq concurrent="1" prevAc="none" nextAc="seek">
+              <p:cTn id="2" nodeType="mainSeq" dur="indefinite" fill="hold">
+                <p:childTnLst>
+                  <p:par>
+                    <p:cTn id="3" fill="hold">
+                      <p:stCondLst>
+                        <p:cond delay="indefinite"/>
+                      </p:stCondLst>
+                      <p:childTnLst>
+                        <p:par>
+                          <p:cTn id="4" fill="hold">
+                            <p:stCondLst>
+                              <p:cond delay="0"/>
+                            </p:stCondLst>
+                            <p:childTnLst>
+                              <p:par>
+                                <p:cTn id="5" presetClass="path" nodeType="clickEffect" presetSubtype="0" presetID="-1" grpId="1" accel="50000" decel="50000" fill="hold">
+                                  <p:stCondLst>
+                                    <p:cond delay="0"/>
+                                  </p:stCondLst>
+                                  <p:childTnLst>
+                                    <p:animMotion path="M 0.000000 0.000000 L -0.787797 0.000000" origin="layout" pathEditMode="relative">
+                                      <p:cBhvr>
+                                        <p:cTn id="6" dur="1000" fill="hold"/>
+                                        <p:tgtEl>
+                                          <p:spTgt spid="174"/>
+                                        </p:tgtEl>
+                                        <p:attrNameLst>
+                                          <p:attrName>ppt_x</p:attrName>
+                                          <p:attrName>ppt_y</p:attrName>
+                                        </p:attrNameLst>
+                                      </p:cBhvr>
+                                    </p:animMotion>
+                                  </p:childTnLst>
+                                </p:cTn>
+                              </p:par>
+                            </p:childTnLst>
+                          </p:cTn>
+                        </p:par>
+                      </p:childTnLst>
+                    </p:cTn>
+                  </p:par>
+                  <p:par>
+                    <p:cTn id="7" fill="hold">
+                      <p:stCondLst>
+                        <p:cond delay="indefinite"/>
+                      </p:stCondLst>
+                      <p:childTnLst>
+                        <p:par>
+                          <p:cTn id="8" fill="hold">
+                            <p:stCondLst>
+                              <p:cond delay="0"/>
+                            </p:stCondLst>
+                            <p:childTnLst>
+                              <p:par>
+                                <p:cTn id="9" presetClass="path" nodeType="clickEffect" presetSubtype="0" presetID="-1" grpId="2" accel="50000" decel="50000" fill="hold">
+                                  <p:stCondLst>
+                                    <p:cond delay="0"/>
+                                  </p:stCondLst>
+                                  <p:childTnLst>
+                                    <p:animMotion path="M -0.787797 0.000000 L -1.500155 -0.000000" origin="layout" pathEditMode="relative">
+                                      <p:cBhvr>
+                                        <p:cTn id="10" dur="1000" fill="hold"/>
+                                        <p:tgtEl>
+                                          <p:spTgt spid="174"/>
+                                        </p:tgtEl>
+                                        <p:attrNameLst>
+                                          <p:attrName>ppt_x</p:attrName>
+                                          <p:attrName>ppt_y</p:attrName>
+                                        </p:attrNameLst>
+                                      </p:cBhvr>
+                                    </p:animMotion>
+                                  </p:childTnLst>
+                                </p:cTn>
+                              </p:par>
+                            </p:childTnLst>
+                          </p:cTn>
+                        </p:par>
+                      </p:childTnLst>
+                    </p:cTn>
+                  </p:par>
+                  <p:par>
+                    <p:cTn id="11" fill="hold">
+                      <p:stCondLst>
+                        <p:cond delay="indefinite"/>
+                      </p:stCondLst>
+                      <p:childTnLst>
+                        <p:par>
+                          <p:cTn id="12" fill="hold">
+                            <p:stCondLst>
+                              <p:cond delay="0"/>
+                            </p:stCondLst>
+                            <p:childTnLst>
+                              <p:par>
+                                <p:cTn id="13" presetClass="path" nodeType="clickEffect" presetSubtype="0" presetID="-1" grpId="3" accel="50000" decel="50000" fill="hold">
+                                  <p:stCondLst>
+                                    <p:cond delay="0"/>
+                                  </p:stCondLst>
+                                  <p:childTnLst>
+                                    <p:animMotion path="M -1.500155 -0.000000 L -2.264964 0.000000" origin="layout" pathEditMode="relative">
+                                      <p:cBhvr>
+                                        <p:cTn id="14" dur="1000" fill="hold"/>
+                                        <p:tgtEl>
+                                          <p:spTgt spid="174"/>
+                                        </p:tgtEl>
+                                        <p:attrNameLst>
+                                          <p:attrName>ppt_x</p:attrName>
+                                          <p:attrName>ppt_y</p:attrName>
+                                        </p:attrNameLst>
+                                      </p:cBhvr>
+                                    </p:animMotion>
+                                  </p:childTnLst>
+                                </p:cTn>
+                              </p:par>
+                            </p:childTnLst>
+                          </p:cTn>
+                        </p:par>
+                      </p:childTnLst>
+                    </p:cTn>
+                  </p:par>
+                  <p:par>
+                    <p:cTn id="15" fill="hold">
+                      <p:stCondLst>
+                        <p:cond delay="indefinite"/>
+                      </p:stCondLst>
+                      <p:childTnLst>
+                        <p:par>
+                          <p:cTn id="16" fill="hold">
+                            <p:stCondLst>
+                              <p:cond delay="0"/>
+                            </p:stCondLst>
+                            <p:childTnLst>
+                              <p:par>
+                                <p:cTn id="17" presetClass="path" nodeType="clickEffect" presetSubtype="0" presetID="-1" grpId="4" accel="50000" decel="50000" fill="hold">
+                                  <p:stCondLst>
+                                    <p:cond delay="0"/>
+                                  </p:stCondLst>
+                                  <p:childTnLst>
+                                    <p:animMotion path="M -2.264964 0.000000 L -2.530636 -0.000000" origin="layout" pathEditMode="relative">
+                                      <p:cBhvr>
+                                        <p:cTn id="18" dur="1000" fill="hold"/>
+                                        <p:tgtEl>
+                                          <p:spTgt spid="174"/>
+                                        </p:tgtEl>
+                                        <p:attrNameLst>
+                                          <p:attrName>ppt_x</p:attrName>
+                                          <p:attrName>ppt_y</p:attrName>
+                                        </p:attrNameLst>
+                                      </p:cBhvr>
+                                    </p:animMotion>
+                                  </p:childTnLst>
+                                </p:cTn>
+                              </p:par>
+                            </p:childTnLst>
+                          </p:cTn>
+                        </p:par>
+                      </p:childTnLst>
+                    </p:cTn>
+                  </p:par>
+                </p:childTnLst>
+              </p:cTn>
+              <p:prevCondLst>
+                <p:cond evt="onPrev">
+                  <p:tgtEl>
+                    <p:sldTgt/>
+                  </p:tgtEl>
+                </p:cond>
+              </p:prevCondLst>
+              <p:nextCondLst>
+                <p:cond evt="onNext">
+                  <p:tgtEl>
+                    <p:sldTgt/>
+                  </p:tgtEl>
+                </p:cond>
+              </p:nextCondLst>
+            </p:seq>
+          </p:childTnLst>
+        </p:cTn>
+      </p:par>
+    </p:tnLst>
+  </p:timing>
 </p:sld>
 </file>
 
@@ -11526,7 +11723,7 @@
       </p:grpSpPr>
       <p:sp>
         <p:nvSpPr>
-          <p:cNvPr id="178" name="Présentation des défis techniques"/>
+          <p:cNvPr id="179" name="Présentation des défis techniques"/>
           <p:cNvSpPr txBox="1"/>
           <p:nvPr/>
         </p:nvSpPr>
@@ -11571,7 +11768,7 @@
       </p:sp>
       <p:sp>
         <p:nvSpPr>
-          <p:cNvPr id="179" name="Numéro de diapositive"/>
+          <p:cNvPr id="180" name="Numéro de diapositive"/>
           <p:cNvSpPr txBox="1"/>
           <p:nvPr>
             <p:ph type="sldNum" sz="quarter" idx="2"/>
@@ -11609,7 +11806,7 @@
       </p:sp>
       <p:sp>
         <p:nvSpPr>
-          <p:cNvPr id="180" name="Déplacer toutes les pièces"/>
+          <p:cNvPr id="181" name="Déplacer toutes les pièces"/>
           <p:cNvSpPr txBox="1"/>
           <p:nvPr/>
         </p:nvSpPr>
@@ -11652,7 +11849,7 @@
       </p:sp>
       <p:pic>
         <p:nvPicPr>
-          <p:cNvPr id="181" name="problems-with-synchronization.png" descr="problems-with-synchronization.png"/>
+          <p:cNvPr id="182" name="problems-with-synchronization.png" descr="problems-with-synchronization.png"/>
           <p:cNvPicPr>
             <a:picLocks noChangeAspect="1"/>
           </p:cNvPicPr>
@@ -11681,7 +11878,7 @@
       </p:pic>
       <p:sp>
         <p:nvSpPr>
-          <p:cNvPr id="182" name="Gestion du roque"/>
+          <p:cNvPr id="183" name="Gestion du roque"/>
           <p:cNvSpPr txBox="1"/>
           <p:nvPr/>
         </p:nvSpPr>
@@ -11724,7 +11921,7 @@
       </p:sp>
       <p:pic>
         <p:nvPicPr>
-          <p:cNvPr id="183" name="problems-with-synchronization.png" descr="problems-with-synchronization.png"/>
+          <p:cNvPr id="184" name="problems-with-synchronization.png" descr="problems-with-synchronization.png"/>
           <p:cNvPicPr>
             <a:picLocks noChangeAspect="1"/>
           </p:cNvPicPr>
@@ -11753,7 +11950,7 @@
       </p:pic>
       <p:sp>
         <p:nvSpPr>
-          <p:cNvPr id="184" name="Interface graphique fonctionnelle"/>
+          <p:cNvPr id="185" name="Interface graphique fonctionnelle"/>
           <p:cNvSpPr txBox="1"/>
           <p:nvPr/>
         </p:nvSpPr>
@@ -11796,7 +11993,7 @@
       </p:sp>
       <p:pic>
         <p:nvPicPr>
-          <p:cNvPr id="185" name="problems-with-synchronization.png" descr="problems-with-synchronization.png"/>
+          <p:cNvPr id="186" name="problems-with-synchronization.png" descr="problems-with-synchronization.png"/>
           <p:cNvPicPr>
             <a:picLocks noChangeAspect="1"/>
           </p:cNvPicPr>
@@ -11825,7 +12022,7 @@
       </p:pic>
       <p:sp>
         <p:nvSpPr>
-          <p:cNvPr id="186" name="Gestion de la fin de partie"/>
+          <p:cNvPr id="187" name="Gestion de la fin de partie"/>
           <p:cNvSpPr txBox="1"/>
           <p:nvPr/>
         </p:nvSpPr>
@@ -11868,7 +12065,7 @@
       </p:sp>
       <p:pic>
         <p:nvPicPr>
-          <p:cNvPr id="187" name="problems-with-synchronization.png" descr="problems-with-synchronization.png"/>
+          <p:cNvPr id="188" name="problems-with-synchronization.png" descr="problems-with-synchronization.png"/>
           <p:cNvPicPr>
             <a:picLocks noChangeAspect="1"/>
           </p:cNvPicPr>
@@ -11897,7 +12094,7 @@
       </p:pic>
       <p:sp>
         <p:nvSpPr>
-          <p:cNvPr id="188" name="Gestion de l’échec"/>
+          <p:cNvPr id="189" name="Gestion de l’échec"/>
           <p:cNvSpPr txBox="1"/>
           <p:nvPr/>
         </p:nvSpPr>
@@ -11940,7 +12137,7 @@
       </p:sp>
       <p:pic>
         <p:nvPicPr>
-          <p:cNvPr id="189" name="problems-with-synchronization.png" descr="problems-with-synchronization.png"/>
+          <p:cNvPr id="190" name="problems-with-synchronization.png" descr="problems-with-synchronization.png"/>
           <p:cNvPicPr>
             <a:picLocks noChangeAspect="1"/>
           </p:cNvPicPr>
@@ -12006,7 +12203,7 @@
       </p:grpSpPr>
       <p:sp>
         <p:nvSpPr>
-          <p:cNvPr id="191" name="Choix de conception"/>
+          <p:cNvPr id="192" name="Choix de conception"/>
           <p:cNvSpPr txBox="1"/>
           <p:nvPr/>
         </p:nvSpPr>
@@ -12051,7 +12248,7 @@
       </p:sp>
       <p:sp>
         <p:nvSpPr>
-          <p:cNvPr id="192" name="Numéro de diapositive"/>
+          <p:cNvPr id="193" name="Numéro de diapositive"/>
           <p:cNvSpPr txBox="1"/>
           <p:nvPr>
             <p:ph type="sldNum" sz="quarter" idx="2"/>
@@ -12089,7 +12286,7 @@
       </p:sp>
       <p:sp>
         <p:nvSpPr>
-          <p:cNvPr id="193" name="Texte"/>
+          <p:cNvPr id="194" name="Texte"/>
           <p:cNvSpPr txBox="1"/>
           <p:nvPr/>
         </p:nvSpPr>
@@ -12133,7 +12330,7 @@
       </p:sp>
       <p:pic>
         <p:nvPicPr>
-          <p:cNvPr id="194" name="UML_P1.png" descr="UML_P1.png"/>
+          <p:cNvPr id="195" name="UML_P1.png" descr="UML_P1.png"/>
           <p:cNvPicPr>
             <a:picLocks noChangeAspect="1"/>
           </p:cNvPicPr>
@@ -12162,7 +12359,7 @@
       </p:pic>
       <p:pic>
         <p:nvPicPr>
-          <p:cNvPr id="195" name="UML_P2.png" descr="UML_P2.png"/>
+          <p:cNvPr id="196" name="UML_P2.png" descr="UML_P2.png"/>
           <p:cNvPicPr>
             <a:picLocks noChangeAspect="1"/>
           </p:cNvPicPr>
@@ -12191,7 +12388,7 @@
       </p:pic>
       <p:pic>
         <p:nvPicPr>
-          <p:cNvPr id="196" name="UML_P3.png" descr="UML_P3.png"/>
+          <p:cNvPr id="197" name="UML_P3.png" descr="UML_P3.png"/>
           <p:cNvPicPr>
             <a:picLocks noChangeAspect="1"/>
           </p:cNvPicPr>
@@ -12220,7 +12417,7 @@
       </p:pic>
       <p:pic>
         <p:nvPicPr>
-          <p:cNvPr id="197" name="UML_P4.png" descr="UML_P4.png"/>
+          <p:cNvPr id="198" name="UML_P4.png" descr="UML_P4.png"/>
           <p:cNvPicPr>
             <a:picLocks noChangeAspect="1"/>
           </p:cNvPicPr>
@@ -12297,7 +12494,7 @@
                                       <p:cBhvr>
                                         <p:cTn id="6" fill="hold"/>
                                         <p:tgtEl>
-                                          <p:spTgt spid="194"/>
+                                          <p:spTgt spid="195"/>
                                         </p:tgtEl>
                                         <p:attrNameLst>
                                           <p:attrName>style.visibility</p:attrName>
@@ -12311,7 +12508,7 @@
                                       <p:cBhvr>
                                         <p:cTn id="7" dur="799"/>
                                         <p:tgtEl>
-                                          <p:spTgt spid="194"/>
+                                          <p:spTgt spid="195"/>
                                         </p:tgtEl>
                                       </p:cBhvr>
                                     </p:animEffect>
@@ -12346,7 +12543,7 @@
                                       <p:cBhvr>
                                         <p:cTn id="11" dur="1000" fill="hold"/>
                                         <p:tgtEl>
-                                          <p:spTgt spid="194"/>
+                                          <p:spTgt spid="195"/>
                                         </p:tgtEl>
                                       </p:cBhvr>
                                       <p:by x="20000" y="20000"/>
@@ -12373,7 +12570,7 @@
                                       <p:cBhvr>
                                         <p:cTn id="14" dur="1000" fill="hold"/>
                                         <p:tgtEl>
-                                          <p:spTgt spid="194"/>
+                                          <p:spTgt spid="195"/>
                                         </p:tgtEl>
                                         <p:attrNameLst>
                                           <p:attrName>ppt_x</p:attrName>
@@ -12406,7 +12603,7 @@
                                       <p:cBhvr>
                                         <p:cTn id="17" fill="hold"/>
                                         <p:tgtEl>
-                                          <p:spTgt spid="195"/>
+                                          <p:spTgt spid="196"/>
                                         </p:tgtEl>
                                         <p:attrNameLst>
                                           <p:attrName>style.visibility</p:attrName>
@@ -12420,7 +12617,7 @@
                                       <p:cBhvr>
                                         <p:cTn id="18" dur="799"/>
                                         <p:tgtEl>
-                                          <p:spTgt spid="195"/>
+                                          <p:spTgt spid="196"/>
                                         </p:tgtEl>
                                       </p:cBhvr>
                                     </p:animEffect>
@@ -12455,7 +12652,7 @@
                                       <p:cBhvr>
                                         <p:cTn id="22" dur="1000" fill="hold"/>
                                         <p:tgtEl>
-                                          <p:spTgt spid="195"/>
+                                          <p:spTgt spid="196"/>
                                         </p:tgtEl>
                                       </p:cBhvr>
                                       <p:by x="20000" y="20000"/>
@@ -12482,7 +12679,7 @@
                                       <p:cBhvr>
                                         <p:cTn id="25" dur="1000" fill="hold"/>
                                         <p:tgtEl>
-                                          <p:spTgt spid="195"/>
+                                          <p:spTgt spid="196"/>
                                         </p:tgtEl>
                                         <p:attrNameLst>
                                           <p:attrName>ppt_x</p:attrName>
@@ -12515,7 +12712,7 @@
                                       <p:cBhvr>
                                         <p:cTn id="28" fill="hold"/>
                                         <p:tgtEl>
-                                          <p:spTgt spid="196"/>
+                                          <p:spTgt spid="197"/>
                                         </p:tgtEl>
                                         <p:attrNameLst>
                                           <p:attrName>style.visibility</p:attrName>
@@ -12529,7 +12726,7 @@
                                       <p:cBhvr>
                                         <p:cTn id="29" dur="799"/>
                                         <p:tgtEl>
-                                          <p:spTgt spid="196"/>
+                                          <p:spTgt spid="197"/>
                                         </p:tgtEl>
                                       </p:cBhvr>
                                     </p:animEffect>
@@ -12564,7 +12761,7 @@
                                       <p:cBhvr>
                                         <p:cTn id="33" dur="1000" fill="hold"/>
                                         <p:tgtEl>
-                                          <p:spTgt spid="196"/>
+                                          <p:spTgt spid="197"/>
                                         </p:tgtEl>
                                       </p:cBhvr>
                                       <p:by x="20000" y="20000"/>
@@ -12591,7 +12788,7 @@
                                       <p:cBhvr>
                                         <p:cTn id="36" dur="1000" fill="hold"/>
                                         <p:tgtEl>
-                                          <p:spTgt spid="196"/>
+                                          <p:spTgt spid="197"/>
                                         </p:tgtEl>
                                         <p:attrNameLst>
                                           <p:attrName>ppt_x</p:attrName>
@@ -12624,7 +12821,7 @@
                                       <p:cBhvr>
                                         <p:cTn id="39" fill="hold"/>
                                         <p:tgtEl>
-                                          <p:spTgt spid="197"/>
+                                          <p:spTgt spid="198"/>
                                         </p:tgtEl>
                                         <p:attrNameLst>
                                           <p:attrName>style.visibility</p:attrName>
@@ -12638,7 +12835,7 @@
                                       <p:cBhvr>
                                         <p:cTn id="40" dur="800"/>
                                         <p:tgtEl>
-                                          <p:spTgt spid="197"/>
+                                          <p:spTgt spid="198"/>
                                         </p:tgtEl>
                                       </p:cBhvr>
                                     </p:animEffect>
@@ -12673,7 +12870,7 @@
                                       <p:cBhvr>
                                         <p:cTn id="44" dur="1000" fill="hold"/>
                                         <p:tgtEl>
-                                          <p:spTgt spid="197"/>
+                                          <p:spTgt spid="198"/>
                                         </p:tgtEl>
                                       </p:cBhvr>
                                       <p:by x="20000" y="20000"/>
@@ -12700,7 +12897,7 @@
                                       <p:cBhvr>
                                         <p:cTn id="47" dur="1000" fill="hold"/>
                                         <p:tgtEl>
-                                          <p:spTgt spid="197"/>
+                                          <p:spTgt spid="198"/>
                                         </p:tgtEl>
                                         <p:attrNameLst>
                                           <p:attrName>ppt_x</p:attrName>
@@ -12739,14 +12936,14 @@
       </p:par>
     </p:tnLst>
     <p:bldLst>
-      <p:bldP build="whole" bldLvl="1" animBg="1" rev="0" advAuto="0" spid="194" grpId="1"/>
-      <p:bldP build="whole" bldLvl="1" animBg="1" rev="0" advAuto="0" spid="194" grpId="2"/>
-      <p:bldP build="whole" bldLvl="1" animBg="1" rev="0" advAuto="0" spid="196" grpId="7"/>
-      <p:bldP build="whole" bldLvl="1" animBg="1" rev="0" advAuto="0" spid="196" grpId="8"/>
-      <p:bldP build="whole" bldLvl="1" animBg="1" rev="0" advAuto="0" spid="197" grpId="10"/>
-      <p:bldP build="whole" bldLvl="1" animBg="1" rev="0" advAuto="0" spid="197" grpId="11"/>
-      <p:bldP build="whole" bldLvl="1" animBg="1" rev="0" advAuto="0" spid="195" grpId="4"/>
-      <p:bldP build="whole" bldLvl="1" animBg="1" rev="0" advAuto="0" spid="195" grpId="5"/>
+      <p:bldP build="whole" bldLvl="1" animBg="1" rev="0" advAuto="0" spid="196" grpId="5"/>
+      <p:bldP build="whole" bldLvl="1" animBg="1" rev="0" advAuto="0" spid="195" grpId="1"/>
+      <p:bldP build="whole" bldLvl="1" animBg="1" rev="0" advAuto="0" spid="195" grpId="2"/>
+      <p:bldP build="whole" bldLvl="1" animBg="1" rev="0" advAuto="0" spid="197" grpId="7"/>
+      <p:bldP build="whole" bldLvl="1" animBg="1" rev="0" advAuto="0" spid="197" grpId="8"/>
+      <p:bldP build="whole" bldLvl="1" animBg="1" rev="0" advAuto="0" spid="198" grpId="10"/>
+      <p:bldP build="whole" bldLvl="1" animBg="1" rev="0" advAuto="0" spid="198" grpId="11"/>
+      <p:bldP build="whole" bldLvl="1" animBg="1" rev="0" advAuto="0" spid="196" grpId="4"/>
     </p:bldLst>
   </p:timing>
 </p:sld>
@@ -12771,7 +12968,7 @@
       </p:grpSpPr>
       <p:sp>
         <p:nvSpPr>
-          <p:cNvPr id="199" name="Répartition des tâches"/>
+          <p:cNvPr id="200" name="Répartition des tâches"/>
           <p:cNvSpPr txBox="1"/>
           <p:nvPr/>
         </p:nvSpPr>
@@ -12816,7 +13013,7 @@
       </p:sp>
       <p:sp>
         <p:nvSpPr>
-          <p:cNvPr id="200" name="Numéro de diapositive"/>
+          <p:cNvPr id="201" name="Numéro de diapositive"/>
           <p:cNvSpPr txBox="1"/>
           <p:nvPr>
             <p:ph type="sldNum" sz="quarter" idx="2"/>
@@ -12854,7 +13051,7 @@
       </p:sp>
       <p:sp>
         <p:nvSpPr>
-          <p:cNvPr id="201" name="Texte"/>
+          <p:cNvPr id="202" name="Texte"/>
           <p:cNvSpPr txBox="1"/>
           <p:nvPr/>
         </p:nvSpPr>
@@ -12898,35 +13095,6 @@
       </p:sp>
       <p:pic>
         <p:nvPicPr>
-          <p:cNvPr id="202" name="boss.png" descr="boss.png"/>
-          <p:cNvPicPr>
-            <a:picLocks noChangeAspect="1"/>
-          </p:cNvPicPr>
-          <p:nvPr/>
-        </p:nvPicPr>
-        <p:blipFill>
-          <a:blip r:embed="rId2">
-            <a:extLst/>
-          </a:blip>
-          <a:stretch>
-            <a:fillRect/>
-          </a:stretch>
-        </p:blipFill>
-        <p:spPr>
-          <a:xfrm>
-            <a:off x="1205633" y="2184041"/>
-            <a:ext cx="1293354" cy="1293354"/>
-          </a:xfrm>
-          <a:prstGeom prst="rect">
-            <a:avLst/>
-          </a:prstGeom>
-          <a:ln w="12700">
-            <a:miter lim="400000"/>
-          </a:ln>
-        </p:spPr>
-      </p:pic>
-      <p:pic>
-        <p:nvPicPr>
           <p:cNvPr id="203" name="boss.png" descr="boss.png"/>
           <p:cNvPicPr>
             <a:picLocks noChangeAspect="1"/>
@@ -12943,7 +13111,7 @@
         </p:blipFill>
         <p:spPr>
           <a:xfrm>
-            <a:off x="1205633" y="4422409"/>
+            <a:off x="1205633" y="2184041"/>
             <a:ext cx="1293354" cy="1293354"/>
           </a:xfrm>
           <a:prstGeom prst="rect">
@@ -12972,7 +13140,7 @@
         </p:blipFill>
         <p:spPr>
           <a:xfrm>
-            <a:off x="1205633" y="6660776"/>
+            <a:off x="1205633" y="4422409"/>
             <a:ext cx="1293354" cy="1293354"/>
           </a:xfrm>
           <a:prstGeom prst="rect">
@@ -13001,7 +13169,7 @@
         </p:blipFill>
         <p:spPr>
           <a:xfrm>
-            <a:off x="7058570" y="2184041"/>
+            <a:off x="1205633" y="6660776"/>
             <a:ext cx="1293354" cy="1293354"/>
           </a:xfrm>
           <a:prstGeom prst="rect">
@@ -13030,7 +13198,7 @@
         </p:blipFill>
         <p:spPr>
           <a:xfrm>
-            <a:off x="7058570" y="4422409"/>
+            <a:off x="7058570" y="2184041"/>
             <a:ext cx="1293354" cy="1293354"/>
           </a:xfrm>
           <a:prstGeom prst="rect">
@@ -13059,6 +13227,35 @@
         </p:blipFill>
         <p:spPr>
           <a:xfrm>
+            <a:off x="7058570" y="4422409"/>
+            <a:ext cx="1293354" cy="1293354"/>
+          </a:xfrm>
+          <a:prstGeom prst="rect">
+            <a:avLst/>
+          </a:prstGeom>
+          <a:ln w="12700">
+            <a:miter lim="400000"/>
+          </a:ln>
+        </p:spPr>
+      </p:pic>
+      <p:pic>
+        <p:nvPicPr>
+          <p:cNvPr id="208" name="boss.png" descr="boss.png"/>
+          <p:cNvPicPr>
+            <a:picLocks noChangeAspect="1"/>
+          </p:cNvPicPr>
+          <p:nvPr/>
+        </p:nvPicPr>
+        <p:blipFill>
+          <a:blip r:embed="rId2">
+            <a:extLst/>
+          </a:blip>
+          <a:stretch>
+            <a:fillRect/>
+          </a:stretch>
+        </p:blipFill>
+        <p:spPr>
+          <a:xfrm>
             <a:off x="7058570" y="6660776"/>
             <a:ext cx="1293354" cy="1293354"/>
           </a:xfrm>
@@ -13072,7 +13269,7 @@
       </p:pic>
       <p:sp>
         <p:nvSpPr>
-          <p:cNvPr id="208" name="Paul"/>
+          <p:cNvPr id="209" name="Paul"/>
           <p:cNvSpPr txBox="1"/>
           <p:nvPr/>
         </p:nvSpPr>
@@ -13112,7 +13309,7 @@
       </p:sp>
       <p:sp>
         <p:nvSpPr>
-          <p:cNvPr id="209" name="Création de la classe jeu…"/>
+          <p:cNvPr id="210" name="Création de la classe jeu…"/>
           <p:cNvSpPr txBox="1"/>
           <p:nvPr/>
         </p:nvSpPr>
@@ -13176,7 +13373,7 @@
       </p:sp>
       <p:sp>
         <p:nvSpPr>
-          <p:cNvPr id="210" name="Création de la classe Plateau…"/>
+          <p:cNvPr id="211" name="Création de la classe Plateau…"/>
           <p:cNvSpPr txBox="1"/>
           <p:nvPr/>
         </p:nvSpPr>
@@ -13258,14 +13455,14 @@
       </p:sp>
       <p:sp>
         <p:nvSpPr>
-          <p:cNvPr id="211" name="Création de la classe Roi…"/>
+          <p:cNvPr id="212" name="Création de la classe Roi…"/>
           <p:cNvSpPr txBox="1"/>
           <p:nvPr/>
         </p:nvSpPr>
         <p:spPr>
           <a:xfrm>
-            <a:off x="8557273" y="6936181"/>
-            <a:ext cx="3885820" cy="742545"/>
+            <a:off x="8557273" y="6897861"/>
+            <a:ext cx="3885820" cy="1098145"/>
           </a:xfrm>
           <a:prstGeom prst="rect">
             <a:avLst/>
@@ -13310,11 +13507,24 @@
               <a:t>Création de la classe Tour</a:t>
             </a:r>
           </a:p>
+          <a:p>
+            <a:pPr marL="272435" indent="-272435" algn="l">
+              <a:spcBef>
+                <a:spcPts val="500"/>
+              </a:spcBef>
+              <a:buSzPct val="145000"/>
+              <a:buChar char="-"/>
+              <a:defRPr b="0" sz="1900"/>
+            </a:pPr>
+            <a:r>
+              <a:t>Création des images</a:t>
+            </a:r>
+          </a:p>
         </p:txBody>
       </p:sp>
       <p:sp>
         <p:nvSpPr>
-          <p:cNvPr id="212" name="Chef de projet…"/>
+          <p:cNvPr id="213" name="Chef de projet…"/>
           <p:cNvSpPr txBox="1"/>
           <p:nvPr/>
         </p:nvSpPr>
@@ -13383,7 +13593,7 @@
       </p:sp>
       <p:sp>
         <p:nvSpPr>
-          <p:cNvPr id="213" name="David"/>
+          <p:cNvPr id="214" name="David"/>
           <p:cNvSpPr txBox="1"/>
           <p:nvPr/>
         </p:nvSpPr>
@@ -13423,7 +13633,7 @@
       </p:sp>
       <p:sp>
         <p:nvSpPr>
-          <p:cNvPr id="214" name="Théo"/>
+          <p:cNvPr id="215" name="Théo"/>
           <p:cNvSpPr txBox="1"/>
           <p:nvPr/>
         </p:nvSpPr>
@@ -13463,7 +13673,7 @@
       </p:sp>
       <p:sp>
         <p:nvSpPr>
-          <p:cNvPr id="215" name="Benjamin"/>
+          <p:cNvPr id="216" name="Benjamin"/>
           <p:cNvSpPr txBox="1"/>
           <p:nvPr/>
         </p:nvSpPr>
@@ -13503,7 +13713,7 @@
       </p:sp>
       <p:sp>
         <p:nvSpPr>
-          <p:cNvPr id="216" name="Alexis"/>
+          <p:cNvPr id="217" name="Alexis"/>
           <p:cNvSpPr txBox="1"/>
           <p:nvPr/>
         </p:nvSpPr>
@@ -13543,7 +13753,7 @@
       </p:sp>
       <p:sp>
         <p:nvSpPr>
-          <p:cNvPr id="217" name="Victor"/>
+          <p:cNvPr id="218" name="Victor"/>
           <p:cNvSpPr txBox="1"/>
           <p:nvPr/>
         </p:nvSpPr>
@@ -13583,7 +13793,7 @@
       </p:sp>
       <p:sp>
         <p:nvSpPr>
-          <p:cNvPr id="218" name="Création de la classe Fou…"/>
+          <p:cNvPr id="219" name="Création de la classe Fou…"/>
           <p:cNvSpPr txBox="1"/>
           <p:nvPr/>
         </p:nvSpPr>
@@ -13639,7 +13849,7 @@
       </p:sp>
       <p:sp>
         <p:nvSpPr>
-          <p:cNvPr id="219" name="Création de la classe Dame…"/>
+          <p:cNvPr id="220" name="Création de la classe Dame…"/>
           <p:cNvSpPr txBox="1"/>
           <p:nvPr/>
         </p:nvSpPr>
